--- a/Web development with Typescript.pptx
+++ b/Web development with Typescript.pptx
@@ -5,7 +5,7 @@
     <p:sldMasterId id="2147483684" r:id="rId1"/>
   </p:sldMasterIdLst>
   <p:notesMasterIdLst>
-    <p:notesMasterId r:id="rId31"/>
+    <p:notesMasterId r:id="rId38"/>
   </p:notesMasterIdLst>
   <p:sldIdLst>
     <p:sldId id="256" r:id="rId2"/>
@@ -21,22 +21,29 @@
     <p:sldId id="268" r:id="rId12"/>
     <p:sldId id="275" r:id="rId13"/>
     <p:sldId id="287" r:id="rId14"/>
-    <p:sldId id="288" r:id="rId15"/>
-    <p:sldId id="290" r:id="rId16"/>
-    <p:sldId id="289" r:id="rId17"/>
-    <p:sldId id="271" r:id="rId18"/>
-    <p:sldId id="277" r:id="rId19"/>
-    <p:sldId id="272" r:id="rId20"/>
-    <p:sldId id="279" r:id="rId21"/>
-    <p:sldId id="278" r:id="rId22"/>
-    <p:sldId id="280" r:id="rId23"/>
-    <p:sldId id="281" r:id="rId24"/>
-    <p:sldId id="282" r:id="rId25"/>
-    <p:sldId id="283" r:id="rId26"/>
-    <p:sldId id="270" r:id="rId27"/>
-    <p:sldId id="285" r:id="rId28"/>
-    <p:sldId id="286" r:id="rId29"/>
-    <p:sldId id="291" r:id="rId30"/>
+    <p:sldId id="293" r:id="rId15"/>
+    <p:sldId id="288" r:id="rId16"/>
+    <p:sldId id="290" r:id="rId17"/>
+    <p:sldId id="289" r:id="rId18"/>
+    <p:sldId id="271" r:id="rId19"/>
+    <p:sldId id="277" r:id="rId20"/>
+    <p:sldId id="272" r:id="rId21"/>
+    <p:sldId id="279" r:id="rId22"/>
+    <p:sldId id="278" r:id="rId23"/>
+    <p:sldId id="280" r:id="rId24"/>
+    <p:sldId id="281" r:id="rId25"/>
+    <p:sldId id="282" r:id="rId26"/>
+    <p:sldId id="283" r:id="rId27"/>
+    <p:sldId id="270" r:id="rId28"/>
+    <p:sldId id="285" r:id="rId29"/>
+    <p:sldId id="286" r:id="rId30"/>
+    <p:sldId id="291" r:id="rId31"/>
+    <p:sldId id="292" r:id="rId32"/>
+    <p:sldId id="296" r:id="rId33"/>
+    <p:sldId id="294" r:id="rId34"/>
+    <p:sldId id="295" r:id="rId35"/>
+    <p:sldId id="297" r:id="rId36"/>
+    <p:sldId id="298" r:id="rId37"/>
   </p:sldIdLst>
   <p:sldSz cx="12192000" cy="6858000"/>
   <p:notesSz cx="6858000" cy="9144000"/>
@@ -225,7 +232,7 @@
           <a:p>
             <a:fld id="{515BAC55-E541-4EFB-A235-5B6F18F71226}" type="datetimeFigureOut">
               <a:rPr lang="en-US" smtClean="0"/>
-              <a:t>5/21/2018</a:t>
+              <a:t>5/26/2018</a:t>
             </a:fld>
             <a:endParaRPr lang="en-US"/>
           </a:p>
@@ -747,7 +754,7 @@
           <a:p>
             <a:fld id="{080A91C8-D3B7-472C-A6D0-DCA8E80A8FC8}" type="datetimeFigureOut">
               <a:rPr lang="en-US" smtClean="0"/>
-              <a:t>5/21/2018</a:t>
+              <a:t>5/26/2018</a:t>
             </a:fld>
             <a:endParaRPr lang="en-US"/>
           </a:p>
@@ -1014,7 +1021,7 @@
           <a:p>
             <a:fld id="{080A91C8-D3B7-472C-A6D0-DCA8E80A8FC8}" type="datetimeFigureOut">
               <a:rPr lang="en-US" smtClean="0"/>
-              <a:t>5/21/2018</a:t>
+              <a:t>5/26/2018</a:t>
             </a:fld>
             <a:endParaRPr lang="en-US"/>
           </a:p>
@@ -1245,7 +1252,7 @@
           <a:p>
             <a:fld id="{080A91C8-D3B7-472C-A6D0-DCA8E80A8FC8}" type="datetimeFigureOut">
               <a:rPr lang="en-US" smtClean="0"/>
-              <a:t>5/21/2018</a:t>
+              <a:t>5/26/2018</a:t>
             </a:fld>
             <a:endParaRPr lang="en-US"/>
           </a:p>
@@ -1555,7 +1562,7 @@
           <a:p>
             <a:fld id="{080A91C8-D3B7-472C-A6D0-DCA8E80A8FC8}" type="datetimeFigureOut">
               <a:rPr lang="en-US" smtClean="0"/>
-              <a:t>5/21/2018</a:t>
+              <a:t>5/26/2018</a:t>
             </a:fld>
             <a:endParaRPr lang="en-US"/>
           </a:p>
@@ -2028,7 +2035,7 @@
           <a:p>
             <a:fld id="{080A91C8-D3B7-472C-A6D0-DCA8E80A8FC8}" type="datetimeFigureOut">
               <a:rPr lang="en-US" smtClean="0"/>
-              <a:t>5/21/2018</a:t>
+              <a:t>5/26/2018</a:t>
             </a:fld>
             <a:endParaRPr lang="en-US"/>
           </a:p>
@@ -2575,7 +2582,7 @@
           <a:p>
             <a:fld id="{080A91C8-D3B7-472C-A6D0-DCA8E80A8FC8}" type="datetimeFigureOut">
               <a:rPr lang="en-US" smtClean="0"/>
-              <a:t>5/21/2018</a:t>
+              <a:t>5/26/2018</a:t>
             </a:fld>
             <a:endParaRPr lang="en-US"/>
           </a:p>
@@ -3349,7 +3356,7 @@
           <a:p>
             <a:fld id="{080A91C8-D3B7-472C-A6D0-DCA8E80A8FC8}" type="datetimeFigureOut">
               <a:rPr lang="en-US" smtClean="0"/>
-              <a:t>5/21/2018</a:t>
+              <a:t>5/26/2018</a:t>
             </a:fld>
             <a:endParaRPr lang="en-US"/>
           </a:p>
@@ -3524,7 +3531,7 @@
           <a:p>
             <a:fld id="{080A91C8-D3B7-472C-A6D0-DCA8E80A8FC8}" type="datetimeFigureOut">
               <a:rPr lang="en-US" smtClean="0"/>
-              <a:t>5/21/2018</a:t>
+              <a:t>5/26/2018</a:t>
             </a:fld>
             <a:endParaRPr lang="en-US"/>
           </a:p>
@@ -3747,7 +3754,7 @@
           <a:p>
             <a:fld id="{080A91C8-D3B7-472C-A6D0-DCA8E80A8FC8}" type="datetimeFigureOut">
               <a:rPr lang="en-US" smtClean="0"/>
-              <a:t>5/21/2018</a:t>
+              <a:t>5/26/2018</a:t>
             </a:fld>
             <a:endParaRPr lang="en-US"/>
           </a:p>
@@ -3927,7 +3934,7 @@
           <a:p>
             <a:fld id="{080A91C8-D3B7-472C-A6D0-DCA8E80A8FC8}" type="datetimeFigureOut">
               <a:rPr lang="en-US" smtClean="0"/>
-              <a:t>5/21/2018</a:t>
+              <a:t>5/26/2018</a:t>
             </a:fld>
             <a:endParaRPr lang="en-US"/>
           </a:p>
@@ -4216,7 +4223,7 @@
           <a:p>
             <a:fld id="{080A91C8-D3B7-472C-A6D0-DCA8E80A8FC8}" type="datetimeFigureOut">
               <a:rPr lang="en-US" smtClean="0"/>
-              <a:t>5/21/2018</a:t>
+              <a:t>5/26/2018</a:t>
             </a:fld>
             <a:endParaRPr lang="en-US"/>
           </a:p>
@@ -4458,7 +4465,7 @@
           <a:p>
             <a:fld id="{080A91C8-D3B7-472C-A6D0-DCA8E80A8FC8}" type="datetimeFigureOut">
               <a:rPr lang="en-US" smtClean="0"/>
-              <a:t>5/21/2018</a:t>
+              <a:t>5/26/2018</a:t>
             </a:fld>
             <a:endParaRPr lang="en-US"/>
           </a:p>
@@ -4837,7 +4844,7 @@
           <a:p>
             <a:fld id="{080A91C8-D3B7-472C-A6D0-DCA8E80A8FC8}" type="datetimeFigureOut">
               <a:rPr lang="en-US" smtClean="0"/>
-              <a:t>5/21/2018</a:t>
+              <a:t>5/26/2018</a:t>
             </a:fld>
             <a:endParaRPr lang="en-US"/>
           </a:p>
@@ -4955,7 +4962,7 @@
           <a:p>
             <a:fld id="{080A91C8-D3B7-472C-A6D0-DCA8E80A8FC8}" type="datetimeFigureOut">
               <a:rPr lang="en-US" smtClean="0"/>
-              <a:t>5/21/2018</a:t>
+              <a:t>5/26/2018</a:t>
             </a:fld>
             <a:endParaRPr lang="en-US"/>
           </a:p>
@@ -5050,7 +5057,7 @@
           <a:p>
             <a:fld id="{080A91C8-D3B7-472C-A6D0-DCA8E80A8FC8}" type="datetimeFigureOut">
               <a:rPr lang="en-US" smtClean="0"/>
-              <a:t>5/21/2018</a:t>
+              <a:t>5/26/2018</a:t>
             </a:fld>
             <a:endParaRPr lang="en-US"/>
           </a:p>
@@ -5299,7 +5306,7 @@
           <a:p>
             <a:fld id="{080A91C8-D3B7-472C-A6D0-DCA8E80A8FC8}" type="datetimeFigureOut">
               <a:rPr lang="en-US" smtClean="0"/>
-              <a:t>5/21/2018</a:t>
+              <a:t>5/26/2018</a:t>
             </a:fld>
             <a:endParaRPr lang="en-US"/>
           </a:p>
@@ -5556,7 +5563,7 @@
           <a:p>
             <a:fld id="{080A91C8-D3B7-472C-A6D0-DCA8E80A8FC8}" type="datetimeFigureOut">
               <a:rPr lang="en-US" smtClean="0"/>
-              <a:t>5/21/2018</a:t>
+              <a:t>5/26/2018</a:t>
             </a:fld>
             <a:endParaRPr lang="en-US"/>
           </a:p>
@@ -5799,7 +5806,7 @@
           <a:p>
             <a:fld id="{080A91C8-D3B7-472C-A6D0-DCA8E80A8FC8}" type="datetimeFigureOut">
               <a:rPr lang="en-US" smtClean="0"/>
-              <a:t>5/21/2018</a:t>
+              <a:t>5/26/2018</a:t>
             </a:fld>
             <a:endParaRPr lang="en-US"/>
           </a:p>
@@ -6768,124 +6775,53 @@
           <a:chExt cx="0" cy="0"/>
         </a:xfrm>
       </p:grpSpPr>
-      <p:sp>
-        <p:nvSpPr>
-          <p:cNvPr id="2" name="Title 1"/>
-          <p:cNvSpPr>
-            <a:spLocks noGrp="1"/>
-          </p:cNvSpPr>
-          <p:nvPr>
-            <p:ph type="title"/>
-          </p:nvPr>
-        </p:nvSpPr>
-        <p:spPr/>
-        <p:txBody>
-          <a:bodyPr/>
-          <a:lstStyle/>
-          <a:p>
-            <a:r>
-              <a:rPr lang="en-US" dirty="0" smtClean="0"/>
-              <a:t>Upsides</a:t>
-            </a:r>
-            <a:endParaRPr lang="en-US" dirty="0"/>
-          </a:p>
-        </p:txBody>
-      </p:sp>
-      <p:sp>
-        <p:nvSpPr>
-          <p:cNvPr id="3" name="Content Placeholder 2"/>
-          <p:cNvSpPr>
-            <a:spLocks noGrp="1"/>
-          </p:cNvSpPr>
+      <p:pic>
+        <p:nvPicPr>
+          <p:cNvPr id="1026" name="Picture 2" descr="https://i.redd.it/ndhva1i4tzy01.jpg"/>
+          <p:cNvPicPr>
+            <a:picLocks noGrp="1" noChangeAspect="1" noChangeArrowheads="1"/>
+          </p:cNvPicPr>
           <p:nvPr>
             <p:ph idx="1"/>
           </p:nvPr>
-        </p:nvSpPr>
-        <p:spPr/>
-        <p:txBody>
-          <a:bodyPr/>
-          <a:lstStyle/>
-          <a:p>
-            <a:r>
-              <a:rPr lang="en-US" dirty="0" smtClean="0"/>
-              <a:t>Reduces bugs</a:t>
-            </a:r>
-          </a:p>
-          <a:p>
-            <a:r>
-              <a:rPr lang="en-US" dirty="0" smtClean="0"/>
-              <a:t>Makes sense out of the “wild </a:t>
-            </a:r>
-            <a:r>
-              <a:rPr lang="en-US" dirty="0" err="1" smtClean="0"/>
-              <a:t>wild</a:t>
-            </a:r>
-            <a:r>
-              <a:rPr lang="en-US" dirty="0" smtClean="0"/>
-              <a:t> west” inherent in JavaScript</a:t>
-            </a:r>
-          </a:p>
-          <a:p>
-            <a:r>
-              <a:rPr lang="en-US" dirty="0" smtClean="0"/>
-              <a:t>Increases understandability</a:t>
-            </a:r>
-          </a:p>
-          <a:p>
-            <a:pPr lvl="1"/>
-            <a:r>
-              <a:rPr lang="en-US" dirty="0" smtClean="0"/>
-              <a:t>Especially important for 3</a:t>
-            </a:r>
-            <a:r>
-              <a:rPr lang="en-US" baseline="30000" dirty="0" smtClean="0"/>
-              <a:t>rd</a:t>
-            </a:r>
-            <a:r>
-              <a:rPr lang="en-US" dirty="0" smtClean="0"/>
-              <a:t> party libraries</a:t>
-            </a:r>
-          </a:p>
-          <a:p>
-            <a:r>
-              <a:rPr lang="en-US" dirty="0" smtClean="0"/>
-              <a:t>Allows teams to collaborate on larger projects</a:t>
-            </a:r>
-          </a:p>
-          <a:p>
-            <a:r>
-              <a:rPr lang="en-US" dirty="0" smtClean="0"/>
-              <a:t>Vastly improves refactoring</a:t>
-            </a:r>
-          </a:p>
-          <a:p>
-            <a:pPr lvl="1"/>
-            <a:r>
-              <a:rPr lang="en-US" dirty="0" smtClean="0"/>
-              <a:t>If there’s a single reason to choose it, this is it.</a:t>
-            </a:r>
-          </a:p>
-          <a:p>
-            <a:r>
-              <a:rPr lang="en-US" dirty="0" smtClean="0"/>
-              <a:t>Advanced JavaScript Features on </a:t>
-            </a:r>
-            <a:r>
-              <a:rPr lang="en-US" dirty="0" err="1" smtClean="0"/>
-              <a:t>Downlevel</a:t>
-            </a:r>
-            <a:r>
-              <a:rPr lang="en-US" dirty="0" smtClean="0"/>
-              <a:t> Browsers</a:t>
-            </a:r>
-            <a:endParaRPr lang="en-US" dirty="0"/>
-          </a:p>
-        </p:txBody>
-      </p:sp>
+        </p:nvPicPr>
+        <p:blipFill>
+          <a:blip r:embed="rId2">
+            <a:extLst>
+              <a:ext uri="{28A0092B-C50C-407E-A947-70E740481C1C}">
+                <a14:useLocalDpi xmlns:a14="http://schemas.microsoft.com/office/drawing/2010/main" val="0"/>
+              </a:ext>
+            </a:extLst>
+          </a:blip>
+          <a:srcRect/>
+          <a:stretch>
+            <a:fillRect/>
+          </a:stretch>
+        </p:blipFill>
+        <p:spPr bwMode="auto">
+          <a:xfrm>
+            <a:off x="2131965" y="766619"/>
+            <a:ext cx="7954143" cy="5715552"/>
+          </a:xfrm>
+          <a:prstGeom prst="rect">
+            <a:avLst/>
+          </a:prstGeom>
+          <a:noFill/>
+          <a:extLst>
+            <a:ext uri="{909E8E84-426E-40DD-AFC4-6F175D3DCCD1}">
+              <a14:hiddenFill xmlns:a14="http://schemas.microsoft.com/office/drawing/2010/main">
+                <a:solidFill>
+                  <a:srgbClr val="FFFFFF"/>
+                </a:solidFill>
+              </a14:hiddenFill>
+            </a:ext>
+          </a:extLst>
+        </p:spPr>
+      </p:pic>
     </p:spTree>
     <p:extLst>
       <p:ext uri="{BB962C8B-B14F-4D97-AF65-F5344CB8AC3E}">
-        <p14:creationId xmlns:p14="http://schemas.microsoft.com/office/powerpoint/2010/main" val="760055095"/>
+        <p14:creationId xmlns:p14="http://schemas.microsoft.com/office/powerpoint/2010/main" val="2875755584"/>
       </p:ext>
     </p:extLst>
   </p:cSld>
@@ -6929,7 +6865,7 @@
           <a:p>
             <a:r>
               <a:rPr lang="en-US" dirty="0" smtClean="0"/>
-              <a:t>Downsides</a:t>
+              <a:t>Upsides</a:t>
             </a:r>
             <a:endParaRPr lang="en-US" dirty="0"/>
           </a:p>
@@ -6952,7 +6888,34 @@
           <a:p>
             <a:r>
               <a:rPr lang="en-US" dirty="0" smtClean="0"/>
-              <a:t>Interfacing with 3</a:t>
+              <a:t>Reduces bugs</a:t>
+            </a:r>
+          </a:p>
+          <a:p>
+            <a:r>
+              <a:rPr lang="en-US" dirty="0" smtClean="0"/>
+              <a:t>Makes sense out of the “wild </a:t>
+            </a:r>
+            <a:r>
+              <a:rPr lang="en-US" dirty="0" err="1" smtClean="0"/>
+              <a:t>wild</a:t>
+            </a:r>
+            <a:r>
+              <a:rPr lang="en-US" dirty="0" smtClean="0"/>
+              <a:t> west” inherent in JavaScript</a:t>
+            </a:r>
+          </a:p>
+          <a:p>
+            <a:r>
+              <a:rPr lang="en-US" dirty="0" smtClean="0"/>
+              <a:t>Increases understandability</a:t>
+            </a:r>
+          </a:p>
+          <a:p>
+            <a:pPr lvl="1"/>
+            <a:r>
+              <a:rPr lang="en-US" dirty="0" smtClean="0"/>
+              <a:t>Especially important for 3</a:t>
             </a:r>
             <a:r>
               <a:rPr lang="en-US" baseline="30000" dirty="0" smtClean="0"/>
@@ -6960,47 +6923,40 @@
             </a:r>
             <a:r>
               <a:rPr lang="en-US" dirty="0" smtClean="0"/>
-              <a:t> party libraries can *sometimes* be a pain</a:t>
+              <a:t> party libraries</a:t>
+            </a:r>
+          </a:p>
+          <a:p>
+            <a:r>
+              <a:rPr lang="en-US" dirty="0" smtClean="0"/>
+              <a:t>Allows teams to collaborate on larger projects</a:t>
+            </a:r>
+          </a:p>
+          <a:p>
+            <a:r>
+              <a:rPr lang="en-US" dirty="0" smtClean="0"/>
+              <a:t>Vastly improves refactoring</a:t>
             </a:r>
           </a:p>
           <a:p>
             <a:pPr lvl="1"/>
             <a:r>
               <a:rPr lang="en-US" dirty="0" smtClean="0"/>
-              <a:t>It’s getting better</a:t>
-            </a:r>
-          </a:p>
-          <a:p>
-            <a:r>
-              <a:rPr lang="en-US" dirty="0" smtClean="0"/>
-              <a:t>Requires a build process</a:t>
-            </a:r>
-          </a:p>
-          <a:p>
-            <a:pPr lvl="1"/>
-            <a:r>
-              <a:rPr lang="en-US" dirty="0" smtClean="0"/>
-              <a:t>But… in modern web dev, you’re using one anyway</a:t>
-            </a:r>
-          </a:p>
-          <a:p>
-            <a:r>
-              <a:rPr lang="en-US" dirty="0" smtClean="0"/>
-              <a:t>Requires more thought to write good code</a:t>
-            </a:r>
-          </a:p>
-          <a:p>
-            <a:pPr lvl="1"/>
-            <a:r>
-              <a:rPr lang="en-US" dirty="0" smtClean="0"/>
-              <a:t>In my book, this is a solid upside</a:t>
-            </a:r>
-          </a:p>
-          <a:p>
-            <a:pPr lvl="1"/>
-            <a:r>
-              <a:rPr lang="en-US" dirty="0" smtClean="0"/>
-              <a:t>But at times, the internet disagrees</a:t>
+              <a:t>If there’s a single reason to choose it, this is it.</a:t>
+            </a:r>
+          </a:p>
+          <a:p>
+            <a:r>
+              <a:rPr lang="en-US" dirty="0" smtClean="0"/>
+              <a:t>Advanced JavaScript Features on </a:t>
+            </a:r>
+            <a:r>
+              <a:rPr lang="en-US" dirty="0" err="1" smtClean="0"/>
+              <a:t>Downlevel</a:t>
+            </a:r>
+            <a:r>
+              <a:rPr lang="en-US" dirty="0" smtClean="0"/>
+              <a:t> Browsers</a:t>
             </a:r>
             <a:endParaRPr lang="en-US" dirty="0"/>
           </a:p>
@@ -7009,7 +6965,7 @@
     </p:spTree>
     <p:extLst>
       <p:ext uri="{BB962C8B-B14F-4D97-AF65-F5344CB8AC3E}">
-        <p14:creationId xmlns:p14="http://schemas.microsoft.com/office/powerpoint/2010/main" val="1980432064"/>
+        <p14:creationId xmlns:p14="http://schemas.microsoft.com/office/powerpoint/2010/main" val="760055095"/>
       </p:ext>
     </p:extLst>
   </p:cSld>
@@ -7053,7 +7009,7 @@
           <a:p>
             <a:r>
               <a:rPr lang="en-US" dirty="0" smtClean="0"/>
-              <a:t>My Experience</a:t>
+              <a:t>Downsides</a:t>
             </a:r>
             <a:endParaRPr lang="en-US" dirty="0"/>
           </a:p>
@@ -7076,78 +7032,56 @@
           <a:p>
             <a:r>
               <a:rPr lang="en-US" dirty="0" smtClean="0"/>
-              <a:t>The Task: Convert massive Silverlight application to HTML5</a:t>
-            </a:r>
-          </a:p>
-          <a:p>
-            <a:r>
-              <a:rPr lang="en-US" dirty="0" smtClean="0"/>
-              <a:t>The Timeline: 6 months</a:t>
-            </a:r>
-          </a:p>
-          <a:p>
-            <a:r>
-              <a:rPr lang="en-US" dirty="0" smtClean="0"/>
-              <a:t>Started when </a:t>
-            </a:r>
-            <a:r>
-              <a:rPr lang="en-US" dirty="0" err="1" smtClean="0"/>
-              <a:t>TypeScript</a:t>
-            </a:r>
-            <a:r>
-              <a:rPr lang="en-US" dirty="0" smtClean="0"/>
-              <a:t> was still on Version 0.9</a:t>
-            </a:r>
-          </a:p>
-          <a:p>
-            <a:r>
-              <a:rPr lang="en-US" dirty="0" smtClean="0"/>
-              <a:t>Many lessons were learned</a:t>
+              <a:t>Interfacing with 3</a:t>
+            </a:r>
+            <a:r>
+              <a:rPr lang="en-US" baseline="30000" dirty="0" smtClean="0"/>
+              <a:t>rd</a:t>
+            </a:r>
+            <a:r>
+              <a:rPr lang="en-US" dirty="0" smtClean="0"/>
+              <a:t> party libraries can *sometimes* be a pain</a:t>
             </a:r>
           </a:p>
           <a:p>
             <a:pPr lvl="1"/>
             <a:r>
               <a:rPr lang="en-US" dirty="0" smtClean="0"/>
-              <a:t>Mistakes were made</a:t>
-            </a:r>
-          </a:p>
-          <a:p>
-            <a:r>
-              <a:rPr lang="en-US" dirty="0" smtClean="0"/>
-              <a:t>Current Core Platform</a:t>
+              <a:t>It’s getting better</a:t>
+            </a:r>
+          </a:p>
+          <a:p>
+            <a:r>
+              <a:rPr lang="en-US" dirty="0" smtClean="0"/>
+              <a:t>Requires a build process</a:t>
             </a:r>
           </a:p>
           <a:p>
             <a:pPr lvl="1"/>
             <a:r>
               <a:rPr lang="en-US" dirty="0" smtClean="0"/>
-              <a:t>488 </a:t>
-            </a:r>
-            <a:r>
-              <a:rPr lang="en-US" dirty="0" err="1" smtClean="0"/>
-              <a:t>TypeScript</a:t>
-            </a:r>
-            <a:r>
-              <a:rPr lang="en-US" dirty="0" smtClean="0"/>
-              <a:t> Files</a:t>
+              <a:t>But… in modern web dev, you’re using one anyway</a:t>
+            </a:r>
+          </a:p>
+          <a:p>
+            <a:r>
+              <a:rPr lang="en-US" dirty="0" smtClean="0"/>
+              <a:t>Requires more thought to write good code</a:t>
             </a:r>
           </a:p>
           <a:p>
             <a:pPr lvl="1"/>
             <a:r>
               <a:rPr lang="en-US" dirty="0" smtClean="0"/>
-              <a:t>7 megabytes of code</a:t>
+              <a:t>In my book, this is a solid upside</a:t>
             </a:r>
           </a:p>
           <a:p>
             <a:pPr lvl="1"/>
             <a:r>
               <a:rPr lang="en-US" dirty="0" smtClean="0"/>
-              <a:t>Impossible to manage in JavaScript</a:t>
-            </a:r>
-          </a:p>
-          <a:p>
+              <a:t>But at times, the internet disagrees</a:t>
+            </a:r>
             <a:endParaRPr lang="en-US" dirty="0"/>
           </a:p>
         </p:txBody>
@@ -7155,7 +7089,7 @@
     </p:spTree>
     <p:extLst>
       <p:ext uri="{BB962C8B-B14F-4D97-AF65-F5344CB8AC3E}">
-        <p14:creationId xmlns:p14="http://schemas.microsoft.com/office/powerpoint/2010/main" val="210166678"/>
+        <p14:creationId xmlns:p14="http://schemas.microsoft.com/office/powerpoint/2010/main" val="1980432064"/>
       </p:ext>
     </p:extLst>
   </p:cSld>
@@ -7198,29 +7132,155 @@
           <a:lstStyle/>
           <a:p>
             <a:r>
+              <a:rPr lang="en-US" dirty="0" smtClean="0"/>
+              <a:t>My Experience</a:t>
+            </a:r>
+            <a:endParaRPr lang="en-US" dirty="0"/>
+          </a:p>
+        </p:txBody>
+      </p:sp>
+      <p:sp>
+        <p:nvSpPr>
+          <p:cNvPr id="3" name="Content Placeholder 2"/>
+          <p:cNvSpPr>
+            <a:spLocks noGrp="1"/>
+          </p:cNvSpPr>
+          <p:nvPr>
+            <p:ph idx="1"/>
+          </p:nvPr>
+        </p:nvSpPr>
+        <p:spPr/>
+        <p:txBody>
+          <a:bodyPr/>
+          <a:lstStyle/>
+          <a:p>
+            <a:r>
+              <a:rPr lang="en-US" dirty="0" smtClean="0"/>
+              <a:t>The Task: Convert massive Silverlight application to HTML5</a:t>
+            </a:r>
+          </a:p>
+          <a:p>
+            <a:r>
+              <a:rPr lang="en-US" dirty="0" smtClean="0"/>
+              <a:t>The Timeline: 6 months</a:t>
+            </a:r>
+          </a:p>
+          <a:p>
+            <a:r>
+              <a:rPr lang="en-US" dirty="0" smtClean="0"/>
+              <a:t>Started when </a:t>
+            </a:r>
+            <a:r>
+              <a:rPr lang="en-US" dirty="0" err="1" smtClean="0"/>
+              <a:t>TypeScript</a:t>
+            </a:r>
+            <a:r>
+              <a:rPr lang="en-US" dirty="0" smtClean="0"/>
+              <a:t> was still on Version 0.9</a:t>
+            </a:r>
+          </a:p>
+          <a:p>
+            <a:r>
+              <a:rPr lang="en-US" dirty="0" smtClean="0"/>
+              <a:t>Many lessons were learned</a:t>
+            </a:r>
+          </a:p>
+          <a:p>
+            <a:pPr lvl="1"/>
+            <a:r>
+              <a:rPr lang="en-US" dirty="0" smtClean="0"/>
+              <a:t>Mistakes were made</a:t>
+            </a:r>
+          </a:p>
+          <a:p>
+            <a:r>
+              <a:rPr lang="en-US" dirty="0" smtClean="0"/>
+              <a:t>Current Core Platform</a:t>
+            </a:r>
+          </a:p>
+          <a:p>
+            <a:pPr lvl="1"/>
+            <a:r>
+              <a:rPr lang="en-US" dirty="0" smtClean="0"/>
+              <a:t>488 </a:t>
+            </a:r>
+            <a:r>
+              <a:rPr lang="en-US" dirty="0" err="1" smtClean="0"/>
+              <a:t>TypeScript</a:t>
+            </a:r>
+            <a:r>
+              <a:rPr lang="en-US" dirty="0" smtClean="0"/>
+              <a:t> Files</a:t>
+            </a:r>
+          </a:p>
+          <a:p>
+            <a:pPr lvl="1"/>
+            <a:r>
+              <a:rPr lang="en-US" dirty="0" smtClean="0"/>
+              <a:t>7 megabytes of code</a:t>
+            </a:r>
+          </a:p>
+          <a:p>
+            <a:pPr lvl="1"/>
+            <a:r>
+              <a:rPr lang="en-US" dirty="0" smtClean="0"/>
+              <a:t>Impossible to manage in JavaScript</a:t>
+            </a:r>
+          </a:p>
+          <a:p>
+            <a:endParaRPr lang="en-US" dirty="0"/>
+          </a:p>
+        </p:txBody>
+      </p:sp>
+    </p:spTree>
+    <p:extLst>
+      <p:ext uri="{BB962C8B-B14F-4D97-AF65-F5344CB8AC3E}">
+        <p14:creationId xmlns:p14="http://schemas.microsoft.com/office/powerpoint/2010/main" val="210166678"/>
+      </p:ext>
+    </p:extLst>
+  </p:cSld>
+  <p:clrMapOvr>
+    <a:masterClrMapping/>
+  </p:clrMapOvr>
+</p:sld>
+</file>
+
+<file path=ppt/slides/slide18.xml><?xml version="1.0" encoding="utf-8"?>
+<p:sld xmlns:a="http://schemas.openxmlformats.org/drawingml/2006/main" xmlns:r="http://schemas.openxmlformats.org/officeDocument/2006/relationships" xmlns:p="http://schemas.openxmlformats.org/presentationml/2006/main">
+  <p:cSld>
+    <p:spTree>
+      <p:nvGrpSpPr>
+        <p:cNvPr id="1" name=""/>
+        <p:cNvGrpSpPr/>
+        <p:nvPr/>
+      </p:nvGrpSpPr>
+      <p:grpSpPr>
+        <a:xfrm>
+          <a:off x="0" y="0"/>
+          <a:ext cx="0" cy="0"/>
+          <a:chOff x="0" y="0"/>
+          <a:chExt cx="0" cy="0"/>
+        </a:xfrm>
+      </p:grpSpPr>
+      <p:sp>
+        <p:nvSpPr>
+          <p:cNvPr id="2" name="Title 1"/>
+          <p:cNvSpPr>
+            <a:spLocks noGrp="1"/>
+          </p:cNvSpPr>
+          <p:nvPr>
+            <p:ph type="title"/>
+          </p:nvPr>
+        </p:nvSpPr>
+        <p:spPr/>
+        <p:txBody>
+          <a:bodyPr/>
+          <a:lstStyle/>
+          <a:p>
+            <a:r>
               <a:rPr lang="en-US" dirty="0"/>
               <a:t>Setting up a Web Development Environment</a:t>
             </a:r>
-            <a:endParaRPr lang="en-US" dirty="0"/>
-          </a:p>
-        </p:txBody>
-      </p:sp>
-      <p:sp>
-        <p:nvSpPr>
-          <p:cNvPr id="3" name="Text Placeholder 2"/>
-          <p:cNvSpPr>
-            <a:spLocks noGrp="1"/>
-          </p:cNvSpPr>
-          <p:nvPr>
-            <p:ph type="body" idx="1"/>
-          </p:nvPr>
-        </p:nvSpPr>
-        <p:spPr/>
-        <p:txBody>
-          <a:bodyPr/>
-          <a:lstStyle/>
-          <a:p>
-            <a:endParaRPr lang="en-US" dirty="0"/>
           </a:p>
         </p:txBody>
       </p:sp>
@@ -7237,7 +7297,7 @@
 </p:sld>
 </file>
 
-<file path=ppt/slides/slide18.xml><?xml version="1.0" encoding="utf-8"?>
+<file path=ppt/slides/slide19.xml><?xml version="1.0" encoding="utf-8"?>
 <p:sld xmlns:a="http://schemas.openxmlformats.org/drawingml/2006/main" xmlns:r="http://schemas.openxmlformats.org/officeDocument/2006/relationships" xmlns:p="http://schemas.openxmlformats.org/presentationml/2006/main">
   <p:cSld>
     <p:spTree>
@@ -7380,7 +7440,86 @@
 </p:sld>
 </file>
 
-<file path=ppt/slides/slide19.xml><?xml version="1.0" encoding="utf-8"?>
+<file path=ppt/slides/slide2.xml><?xml version="1.0" encoding="utf-8"?>
+<p:sld xmlns:a="http://schemas.openxmlformats.org/drawingml/2006/main" xmlns:r="http://schemas.openxmlformats.org/officeDocument/2006/relationships" xmlns:p="http://schemas.openxmlformats.org/presentationml/2006/main">
+  <p:cSld>
+    <p:spTree>
+      <p:nvGrpSpPr>
+        <p:cNvPr id="1" name=""/>
+        <p:cNvGrpSpPr/>
+        <p:nvPr/>
+      </p:nvGrpSpPr>
+      <p:grpSpPr>
+        <a:xfrm>
+          <a:off x="0" y="0"/>
+          <a:ext cx="0" cy="0"/>
+          <a:chOff x="0" y="0"/>
+          <a:chExt cx="0" cy="0"/>
+        </a:xfrm>
+      </p:grpSpPr>
+      <p:sp>
+        <p:nvSpPr>
+          <p:cNvPr id="2" name="Title 1"/>
+          <p:cNvSpPr>
+            <a:spLocks noGrp="1"/>
+          </p:cNvSpPr>
+          <p:nvPr>
+            <p:ph type="title"/>
+          </p:nvPr>
+        </p:nvSpPr>
+        <p:spPr/>
+        <p:txBody>
+          <a:bodyPr/>
+          <a:lstStyle/>
+          <a:p>
+            <a:r>
+              <a:rPr lang="en-US" dirty="0" err="1"/>
+              <a:t>Javascript</a:t>
+            </a:r>
+            <a:endParaRPr lang="en-US" dirty="0"/>
+          </a:p>
+        </p:txBody>
+      </p:sp>
+      <p:sp>
+        <p:nvSpPr>
+          <p:cNvPr id="3" name="Text Placeholder 2"/>
+          <p:cNvSpPr>
+            <a:spLocks noGrp="1"/>
+          </p:cNvSpPr>
+          <p:nvPr>
+            <p:ph type="body" idx="1"/>
+          </p:nvPr>
+        </p:nvSpPr>
+        <p:spPr/>
+        <p:txBody>
+          <a:bodyPr/>
+          <a:lstStyle/>
+          <a:p>
+            <a:endParaRPr lang="en-US" dirty="0"/>
+          </a:p>
+        </p:txBody>
+      </p:sp>
+    </p:spTree>
+    <p:extLst>
+      <p:ext uri="{BB962C8B-B14F-4D97-AF65-F5344CB8AC3E}">
+        <p14:creationId xmlns:p14="http://schemas.microsoft.com/office/powerpoint/2010/main" val="2151132046"/>
+      </p:ext>
+    </p:extLst>
+  </p:cSld>
+  <p:clrMapOvr>
+    <a:masterClrMapping/>
+  </p:clrMapOvr>
+  <p:timing>
+    <p:tnLst>
+      <p:par>
+        <p:cTn id="1" dur="indefinite" restart="never" nodeType="tmRoot"/>
+      </p:par>
+    </p:tnLst>
+  </p:timing>
+</p:sld>
+</file>
+
+<file path=ppt/slides/slide20.xml><?xml version="1.0" encoding="utf-8"?>
 <p:sld xmlns:a="http://schemas.openxmlformats.org/drawingml/2006/main" xmlns:r="http://schemas.openxmlformats.org/officeDocument/2006/relationships" xmlns:p="http://schemas.openxmlformats.org/presentationml/2006/main">
   <p:cSld>
     <p:spTree>
@@ -7600,86 +7739,7 @@
 </p:sld>
 </file>
 
-<file path=ppt/slides/slide2.xml><?xml version="1.0" encoding="utf-8"?>
-<p:sld xmlns:a="http://schemas.openxmlformats.org/drawingml/2006/main" xmlns:r="http://schemas.openxmlformats.org/officeDocument/2006/relationships" xmlns:p="http://schemas.openxmlformats.org/presentationml/2006/main">
-  <p:cSld>
-    <p:spTree>
-      <p:nvGrpSpPr>
-        <p:cNvPr id="1" name=""/>
-        <p:cNvGrpSpPr/>
-        <p:nvPr/>
-      </p:nvGrpSpPr>
-      <p:grpSpPr>
-        <a:xfrm>
-          <a:off x="0" y="0"/>
-          <a:ext cx="0" cy="0"/>
-          <a:chOff x="0" y="0"/>
-          <a:chExt cx="0" cy="0"/>
-        </a:xfrm>
-      </p:grpSpPr>
-      <p:sp>
-        <p:nvSpPr>
-          <p:cNvPr id="2" name="Title 1"/>
-          <p:cNvSpPr>
-            <a:spLocks noGrp="1"/>
-          </p:cNvSpPr>
-          <p:nvPr>
-            <p:ph type="title"/>
-          </p:nvPr>
-        </p:nvSpPr>
-        <p:spPr/>
-        <p:txBody>
-          <a:bodyPr/>
-          <a:lstStyle/>
-          <a:p>
-            <a:r>
-              <a:rPr lang="en-US" dirty="0" err="1"/>
-              <a:t>Javascript</a:t>
-            </a:r>
-            <a:endParaRPr lang="en-US" dirty="0"/>
-          </a:p>
-        </p:txBody>
-      </p:sp>
-      <p:sp>
-        <p:nvSpPr>
-          <p:cNvPr id="3" name="Text Placeholder 2"/>
-          <p:cNvSpPr>
-            <a:spLocks noGrp="1"/>
-          </p:cNvSpPr>
-          <p:nvPr>
-            <p:ph type="body" idx="1"/>
-          </p:nvPr>
-        </p:nvSpPr>
-        <p:spPr/>
-        <p:txBody>
-          <a:bodyPr/>
-          <a:lstStyle/>
-          <a:p>
-            <a:endParaRPr lang="en-US" dirty="0"/>
-          </a:p>
-        </p:txBody>
-      </p:sp>
-    </p:spTree>
-    <p:extLst>
-      <p:ext uri="{BB962C8B-B14F-4D97-AF65-F5344CB8AC3E}">
-        <p14:creationId xmlns:p14="http://schemas.microsoft.com/office/powerpoint/2010/main" val="2151132046"/>
-      </p:ext>
-    </p:extLst>
-  </p:cSld>
-  <p:clrMapOvr>
-    <a:masterClrMapping/>
-  </p:clrMapOvr>
-  <p:timing>
-    <p:tnLst>
-      <p:par>
-        <p:cTn id="1" dur="indefinite" restart="never" nodeType="tmRoot"/>
-      </p:par>
-    </p:tnLst>
-  </p:timing>
-</p:sld>
-</file>
-
-<file path=ppt/slides/slide20.xml><?xml version="1.0" encoding="utf-8"?>
+<file path=ppt/slides/slide21.xml><?xml version="1.0" encoding="utf-8"?>
 <p:sld xmlns:a="http://schemas.openxmlformats.org/drawingml/2006/main" xmlns:r="http://schemas.openxmlformats.org/officeDocument/2006/relationships" xmlns:p="http://schemas.openxmlformats.org/presentationml/2006/main">
   <p:cSld>
     <p:spTree>
@@ -7849,101 +7909,6 @@
     <p:extLst>
       <p:ext uri="{BB962C8B-B14F-4D97-AF65-F5344CB8AC3E}">
         <p14:creationId xmlns:p14="http://schemas.microsoft.com/office/powerpoint/2010/main" val="4076184331"/>
-      </p:ext>
-    </p:extLst>
-  </p:cSld>
-  <p:clrMapOvr>
-    <a:masterClrMapping/>
-  </p:clrMapOvr>
-</p:sld>
-</file>
-
-<file path=ppt/slides/slide21.xml><?xml version="1.0" encoding="utf-8"?>
-<p:sld xmlns:a="http://schemas.openxmlformats.org/drawingml/2006/main" xmlns:r="http://schemas.openxmlformats.org/officeDocument/2006/relationships" xmlns:p="http://schemas.openxmlformats.org/presentationml/2006/main">
-  <p:cSld>
-    <p:spTree>
-      <p:nvGrpSpPr>
-        <p:cNvPr id="1" name=""/>
-        <p:cNvGrpSpPr/>
-        <p:nvPr/>
-      </p:nvGrpSpPr>
-      <p:grpSpPr>
-        <a:xfrm>
-          <a:off x="0" y="0"/>
-          <a:ext cx="0" cy="0"/>
-          <a:chOff x="0" y="0"/>
-          <a:chExt cx="0" cy="0"/>
-        </a:xfrm>
-      </p:grpSpPr>
-      <p:sp>
-        <p:nvSpPr>
-          <p:cNvPr id="2" name="Title 1"/>
-          <p:cNvSpPr>
-            <a:spLocks noGrp="1"/>
-          </p:cNvSpPr>
-          <p:nvPr>
-            <p:ph type="title"/>
-          </p:nvPr>
-        </p:nvSpPr>
-        <p:spPr/>
-        <p:txBody>
-          <a:bodyPr/>
-          <a:lstStyle/>
-          <a:p>
-            <a:r>
-              <a:rPr lang="en-US" dirty="0" smtClean="0"/>
-              <a:t>Example 1 - Setup</a:t>
-            </a:r>
-            <a:endParaRPr lang="en-US" dirty="0"/>
-          </a:p>
-        </p:txBody>
-      </p:sp>
-      <p:sp>
-        <p:nvSpPr>
-          <p:cNvPr id="3" name="Content Placeholder 2"/>
-          <p:cNvSpPr>
-            <a:spLocks noGrp="1"/>
-          </p:cNvSpPr>
-          <p:nvPr>
-            <p:ph idx="1"/>
-          </p:nvPr>
-        </p:nvSpPr>
-        <p:spPr/>
-        <p:txBody>
-          <a:bodyPr/>
-          <a:lstStyle/>
-          <a:p>
-            <a:r>
-              <a:rPr lang="en-US" dirty="0" smtClean="0"/>
-              <a:t>Introduces using NPM to install </a:t>
-            </a:r>
-            <a:r>
-              <a:rPr lang="en-US" dirty="0" err="1" smtClean="0"/>
-              <a:t>TypeScript</a:t>
-            </a:r>
-            <a:endParaRPr lang="en-US" dirty="0" smtClean="0"/>
-          </a:p>
-          <a:p>
-            <a:r>
-              <a:rPr lang="en-US" dirty="0" smtClean="0"/>
-              <a:t>Compile and run your first </a:t>
-            </a:r>
-            <a:r>
-              <a:rPr lang="en-US" dirty="0" err="1" smtClean="0"/>
-              <a:t>TypeScript</a:t>
-            </a:r>
-            <a:r>
-              <a:rPr lang="en-US" dirty="0" smtClean="0"/>
-              <a:t> program</a:t>
-            </a:r>
-            <a:endParaRPr lang="en-US" dirty="0"/>
-          </a:p>
-        </p:txBody>
-      </p:sp>
-    </p:spTree>
-    <p:extLst>
-      <p:ext uri="{BB962C8B-B14F-4D97-AF65-F5344CB8AC3E}">
-        <p14:creationId xmlns:p14="http://schemas.microsoft.com/office/powerpoint/2010/main" val="949647574"/>
       </p:ext>
     </p:extLst>
   </p:cSld>
@@ -7987,7 +7952,7 @@
           <a:p>
             <a:r>
               <a:rPr lang="en-US" dirty="0" smtClean="0"/>
-              <a:t>Example 2 - Build</a:t>
+              <a:t>Example 1 - Setup</a:t>
             </a:r>
             <a:endParaRPr lang="en-US" dirty="0"/>
           </a:p>
@@ -8010,93 +7975,35 @@
           <a:p>
             <a:r>
               <a:rPr lang="en-US" dirty="0" smtClean="0"/>
-              <a:t>First example leads to clutter in larger programs</a:t>
-            </a:r>
-          </a:p>
-          <a:p>
-            <a:r>
-              <a:rPr lang="en-US" dirty="0" smtClean="0"/>
-              <a:t>Better to set up a dedicated build system</a:t>
-            </a:r>
-          </a:p>
-          <a:p>
-            <a:r>
-              <a:rPr lang="en-US" dirty="0" smtClean="0"/>
-              <a:t>Use </a:t>
-            </a:r>
-            <a:r>
-              <a:rPr lang="en-US" dirty="0" smtClean="0">
-                <a:latin typeface="Consolas" panose="020B0609020204030204" pitchFamily="49" charset="0"/>
-                <a:cs typeface="Consolas" panose="020B0609020204030204" pitchFamily="49" charset="0"/>
-              </a:rPr>
-              <a:t>.</a:t>
-            </a:r>
-            <a:r>
-              <a:rPr lang="en-US" b="1" dirty="0" err="1" smtClean="0">
-                <a:latin typeface="Consolas" panose="020B0609020204030204" pitchFamily="49" charset="0"/>
-                <a:cs typeface="Consolas" panose="020B0609020204030204" pitchFamily="49" charset="0"/>
-              </a:rPr>
-              <a:t>gitignore</a:t>
-            </a:r>
-            <a:r>
-              <a:rPr lang="en-US" dirty="0" smtClean="0">
-                <a:latin typeface="Consolas" panose="020B0609020204030204" pitchFamily="49" charset="0"/>
-                <a:cs typeface="Consolas" panose="020B0609020204030204" pitchFamily="49" charset="0"/>
-              </a:rPr>
-              <a:t> </a:t>
-            </a:r>
-            <a:r>
-              <a:rPr lang="en-US" dirty="0" smtClean="0"/>
-              <a:t>to avoid checking in build outputs</a:t>
-            </a:r>
-          </a:p>
-          <a:p>
-            <a:r>
-              <a:rPr lang="en-US" dirty="0" smtClean="0"/>
-              <a:t>Setup </a:t>
-            </a:r>
-            <a:r>
-              <a:rPr lang="en-US" b="1" dirty="0" err="1" smtClean="0">
-                <a:latin typeface="Consolas" panose="020B0609020204030204" pitchFamily="49" charset="0"/>
-                <a:cs typeface="Consolas" panose="020B0609020204030204" pitchFamily="49" charset="0"/>
-              </a:rPr>
-              <a:t>tsconfig.json</a:t>
-            </a:r>
-            <a:r>
-              <a:rPr lang="en-US" dirty="0" smtClean="0"/>
-              <a:t> with your preferences</a:t>
-            </a:r>
-          </a:p>
-          <a:p>
-            <a:r>
-              <a:rPr lang="en-US" dirty="0" smtClean="0"/>
-              <a:t>Setup </a:t>
-            </a:r>
-            <a:r>
-              <a:rPr lang="en-US" b="1" dirty="0" err="1" smtClean="0">
-                <a:latin typeface="Consolas" panose="020B0609020204030204" pitchFamily="49" charset="0"/>
-                <a:cs typeface="Consolas" panose="020B0609020204030204" pitchFamily="49" charset="0"/>
-              </a:rPr>
-              <a:t>package.json</a:t>
-            </a:r>
-            <a:r>
-              <a:rPr lang="en-US" b="1" dirty="0" smtClean="0"/>
-              <a:t> </a:t>
-            </a:r>
-            <a:r>
-              <a:rPr lang="en-US" dirty="0" smtClean="0"/>
-              <a:t>with your build and run scripts</a:t>
-            </a:r>
-          </a:p>
-          <a:p>
+              <a:t>Introduces using NPM to install </a:t>
+            </a:r>
+            <a:r>
+              <a:rPr lang="en-US" dirty="0" err="1" smtClean="0"/>
+              <a:t>TypeScript</a:t>
+            </a:r>
             <a:endParaRPr lang="en-US" dirty="0" smtClean="0"/>
+          </a:p>
+          <a:p>
+            <a:r>
+              <a:rPr lang="en-US" dirty="0" smtClean="0"/>
+              <a:t>Compile and run your first </a:t>
+            </a:r>
+            <a:r>
+              <a:rPr lang="en-US" dirty="0" err="1" smtClean="0"/>
+              <a:t>TypeScript</a:t>
+            </a:r>
+            <a:r>
+              <a:rPr lang="en-US" dirty="0" smtClean="0"/>
+              <a:t> program</a:t>
+            </a:r>
+            <a:endParaRPr lang="en-US" dirty="0"/>
           </a:p>
         </p:txBody>
       </p:sp>
     </p:spTree>
     <p:extLst>
       <p:ext uri="{BB962C8B-B14F-4D97-AF65-F5344CB8AC3E}">
-        <p14:creationId xmlns:p14="http://schemas.microsoft.com/office/powerpoint/2010/main" val="2542776401"/>
+        <p14:creationId xmlns:p14="http://schemas.microsoft.com/office/powerpoint/2010/main" val="949647574"/>
       </p:ext>
     </p:extLst>
   </p:cSld>
@@ -8139,8 +8046,8 @@
           <a:lstStyle/>
           <a:p>
             <a:r>
-              <a:rPr lang="en-US" dirty="0" err="1" smtClean="0"/>
-              <a:t>TSConfig.json</a:t>
+              <a:rPr lang="en-US" dirty="0" smtClean="0"/>
+              <a:t>Example 2 - Build</a:t>
             </a:r>
             <a:endParaRPr lang="en-US" dirty="0"/>
           </a:p>
@@ -8163,79 +8070,93 @@
           <a:p>
             <a:r>
               <a:rPr lang="en-US" dirty="0" smtClean="0"/>
-              <a:t>Stores options that define precisely how to compile your typescript</a:t>
-            </a:r>
-          </a:p>
-          <a:p>
-            <a:r>
-              <a:rPr lang="en-US" dirty="0" smtClean="0"/>
-              <a:t>Has a plethora of options</a:t>
-            </a:r>
-          </a:p>
-          <a:p>
-            <a:r>
-              <a:rPr lang="en-US" dirty="0" smtClean="0"/>
-              <a:t>Can target any ECMAScript version starting with 3</a:t>
-            </a:r>
-          </a:p>
-          <a:p>
-            <a:pPr lvl="1"/>
-            <a:r>
-              <a:rPr lang="en-US" dirty="0" smtClean="0"/>
-              <a:t>“ES3” only needed for IE6</a:t>
-            </a:r>
-          </a:p>
-          <a:p>
-            <a:pPr lvl="1"/>
-            <a:r>
-              <a:rPr lang="en-US" dirty="0" smtClean="0"/>
-              <a:t>“ES5” only needed for IE7-11</a:t>
-            </a:r>
-          </a:p>
-          <a:p>
-            <a:pPr lvl="1"/>
-            <a:r>
-              <a:rPr lang="en-US" dirty="0" smtClean="0"/>
-              <a:t>Some advanced features not available for ES3 or ES5</a:t>
-            </a:r>
-          </a:p>
-          <a:p>
-            <a:r>
-              <a:rPr lang="en-US" dirty="0" smtClean="0"/>
-              <a:t>Command "</a:t>
+              <a:t>First example leads to clutter in larger programs</a:t>
+            </a:r>
+          </a:p>
+          <a:p>
+            <a:r>
+              <a:rPr lang="en-US" dirty="0" smtClean="0"/>
+              <a:t>Better to set up a dedicated build system</a:t>
+            </a:r>
+          </a:p>
+          <a:p>
+            <a:r>
+              <a:rPr lang="en-US" dirty="0" smtClean="0"/>
+              <a:t>Use </a:t>
+            </a:r>
+            <a:r>
+              <a:rPr lang="en-US" dirty="0" smtClean="0">
+                <a:latin typeface="Consolas" panose="020B0609020204030204" pitchFamily="49" charset="0"/>
+                <a:cs typeface="Consolas" panose="020B0609020204030204" pitchFamily="49" charset="0"/>
+              </a:rPr>
+              <a:t>.</a:t>
             </a:r>
             <a:r>
               <a:rPr lang="en-US" b="1" dirty="0" err="1" smtClean="0">
                 <a:latin typeface="Consolas" panose="020B0609020204030204" pitchFamily="49" charset="0"/>
                 <a:cs typeface="Consolas" panose="020B0609020204030204" pitchFamily="49" charset="0"/>
               </a:rPr>
-              <a:t>tsc</a:t>
-            </a:r>
-            <a:r>
-              <a:rPr lang="en-US" b="1" dirty="0" smtClean="0">
+              <a:t>gitignore</a:t>
+            </a:r>
+            <a:r>
+              <a:rPr lang="en-US" dirty="0" smtClean="0">
                 <a:latin typeface="Consolas" panose="020B0609020204030204" pitchFamily="49" charset="0"/>
                 <a:cs typeface="Consolas" panose="020B0609020204030204" pitchFamily="49" charset="0"/>
               </a:rPr>
-              <a:t> -</a:t>
+              <a:t> </a:t>
+            </a:r>
+            <a:r>
+              <a:rPr lang="en-US" dirty="0" smtClean="0"/>
+              <a:t>to avoid checking in build outputs</a:t>
+            </a:r>
+          </a:p>
+          <a:p>
+            <a:r>
+              <a:rPr lang="en-US" dirty="0" smtClean="0"/>
+              <a:t>Setup </a:t>
             </a:r>
             <a:r>
               <a:rPr lang="en-US" b="1" dirty="0" err="1" smtClean="0">
                 <a:latin typeface="Consolas" panose="020B0609020204030204" pitchFamily="49" charset="0"/>
                 <a:cs typeface="Consolas" panose="020B0609020204030204" pitchFamily="49" charset="0"/>
               </a:rPr>
-              <a:t>init</a:t>
-            </a:r>
-            <a:r>
-              <a:rPr lang="en-US" dirty="0" smtClean="0"/>
-              <a:t>" will create a file with barebones defaults for you. </a:t>
-            </a:r>
+              <a:t>tsconfig.json</a:t>
+            </a:r>
+            <a:r>
+              <a:rPr lang="en-US" dirty="0" smtClean="0"/>
+              <a:t> with your preferences</a:t>
+            </a:r>
+          </a:p>
+          <a:p>
+            <a:r>
+              <a:rPr lang="en-US" dirty="0" smtClean="0"/>
+              <a:t>Setup </a:t>
+            </a:r>
+            <a:r>
+              <a:rPr lang="en-US" b="1" dirty="0" err="1" smtClean="0">
+                <a:latin typeface="Consolas" panose="020B0609020204030204" pitchFamily="49" charset="0"/>
+                <a:cs typeface="Consolas" panose="020B0609020204030204" pitchFamily="49" charset="0"/>
+              </a:rPr>
+              <a:t>package.json</a:t>
+            </a:r>
+            <a:r>
+              <a:rPr lang="en-US" b="1" dirty="0" smtClean="0"/>
+              <a:t> </a:t>
+            </a:r>
+            <a:r>
+              <a:rPr lang="en-US" dirty="0" smtClean="0"/>
+              <a:t>with your build and run scripts</a:t>
+            </a:r>
+          </a:p>
+          <a:p>
+            <a:endParaRPr lang="en-US" dirty="0" smtClean="0"/>
           </a:p>
         </p:txBody>
       </p:sp>
     </p:spTree>
     <p:extLst>
       <p:ext uri="{BB962C8B-B14F-4D97-AF65-F5344CB8AC3E}">
-        <p14:creationId xmlns:p14="http://schemas.microsoft.com/office/powerpoint/2010/main" val="911970663"/>
+        <p14:creationId xmlns:p14="http://schemas.microsoft.com/office/powerpoint/2010/main" val="2542776401"/>
       </p:ext>
     </p:extLst>
   </p:cSld>
@@ -8278,8 +8199,8 @@
           <a:lstStyle/>
           <a:p>
             <a:r>
-              <a:rPr lang="en-US" dirty="0" smtClean="0"/>
-              <a:t>Example 3 - Bundling</a:t>
+              <a:rPr lang="en-US" dirty="0" err="1" smtClean="0"/>
+              <a:t>TSConfig.json</a:t>
             </a:r>
             <a:endParaRPr lang="en-US" dirty="0"/>
           </a:p>
@@ -8301,95 +8222,80 @@
           <a:lstStyle/>
           <a:p>
             <a:r>
-              <a:rPr lang="en-US" dirty="0"/>
-              <a:t>Larger programs need bundlers to organize outputs</a:t>
-            </a:r>
-          </a:p>
-          <a:p>
-            <a:r>
-              <a:rPr lang="en-US" dirty="0"/>
-              <a:t>Introduces the concept of modules</a:t>
-            </a:r>
-          </a:p>
-          <a:p>
-            <a:r>
-              <a:rPr lang="en-US" dirty="0"/>
-              <a:t>This example uses </a:t>
-            </a:r>
-            <a:r>
-              <a:rPr lang="en-US" dirty="0" err="1"/>
-              <a:t>Webpack</a:t>
-            </a:r>
-            <a:r>
-              <a:rPr lang="en-US" dirty="0"/>
-              <a:t> to demonstrate how to bundle</a:t>
+              <a:rPr lang="en-US" dirty="0" smtClean="0"/>
+              <a:t>Stores options that define precisely how to compile your typescript</a:t>
+            </a:r>
+          </a:p>
+          <a:p>
+            <a:r>
+              <a:rPr lang="en-US" dirty="0" smtClean="0"/>
+              <a:t>Has a plethora of options</a:t>
+            </a:r>
+          </a:p>
+          <a:p>
+            <a:r>
+              <a:rPr lang="en-US" dirty="0" smtClean="0"/>
+              <a:t>Can target any ECMAScript version starting with 3</a:t>
             </a:r>
           </a:p>
           <a:p>
             <a:pPr lvl="1"/>
             <a:r>
-              <a:rPr lang="en-US" dirty="0"/>
-              <a:t>Uses </a:t>
-            </a:r>
-            <a:r>
-              <a:rPr lang="en-US" b="1" dirty="0" err="1">
+              <a:rPr lang="en-US" dirty="0" smtClean="0"/>
+              <a:t>“ES3” only needed for IE6</a:t>
+            </a:r>
+          </a:p>
+          <a:p>
+            <a:pPr lvl="1"/>
+            <a:r>
+              <a:rPr lang="en-US" dirty="0" smtClean="0"/>
+              <a:t>“ES5” only needed for IE7-11</a:t>
+            </a:r>
+          </a:p>
+          <a:p>
+            <a:pPr lvl="1"/>
+            <a:r>
+              <a:rPr lang="en-US" dirty="0" smtClean="0"/>
+              <a:t>Some advanced features not available for ES3 or ES5</a:t>
+            </a:r>
+          </a:p>
+          <a:p>
+            <a:r>
+              <a:rPr lang="en-US" dirty="0" smtClean="0"/>
+              <a:t>Command "</a:t>
+            </a:r>
+            <a:r>
+              <a:rPr lang="en-US" b="1" dirty="0" err="1" smtClean="0">
                 <a:latin typeface="Consolas" panose="020B0609020204030204" pitchFamily="49" charset="0"/>
                 <a:cs typeface="Consolas" panose="020B0609020204030204" pitchFamily="49" charset="0"/>
               </a:rPr>
-              <a:t>ts</a:t>
-            </a:r>
-            <a:r>
-              <a:rPr lang="en-US" b="1" dirty="0">
+              <a:t>tsc</a:t>
+            </a:r>
+            <a:r>
+              <a:rPr lang="en-US" b="1" dirty="0" smtClean="0">
                 <a:latin typeface="Consolas" panose="020B0609020204030204" pitchFamily="49" charset="0"/>
                 <a:cs typeface="Consolas" panose="020B0609020204030204" pitchFamily="49" charset="0"/>
               </a:rPr>
-              <a:t>-loader</a:t>
-            </a:r>
-            <a:r>
-              <a:rPr lang="en-US" dirty="0"/>
-              <a:t> to let </a:t>
-            </a:r>
-            <a:r>
-              <a:rPr lang="en-US" dirty="0" err="1"/>
-              <a:t>Webpack</a:t>
-            </a:r>
-            <a:r>
-              <a:rPr lang="en-US" dirty="0"/>
-              <a:t> be </a:t>
-            </a:r>
-            <a:r>
-              <a:rPr lang="en-US" dirty="0" err="1"/>
-              <a:t>TypeScript</a:t>
-            </a:r>
-            <a:r>
-              <a:rPr lang="en-US" dirty="0"/>
-              <a:t>-aware</a:t>
-            </a:r>
-          </a:p>
-          <a:p>
-            <a:r>
-              <a:rPr lang="en-US" dirty="0" err="1"/>
-              <a:t>Webpack</a:t>
-            </a:r>
-            <a:r>
-              <a:rPr lang="en-US" dirty="0"/>
-              <a:t> is complex enough to warrant an entire presentation of its </a:t>
-            </a:r>
-            <a:r>
-              <a:rPr lang="en-US" dirty="0" smtClean="0"/>
-              <a:t>own</a:t>
-            </a:r>
-            <a:endParaRPr lang="en-US" dirty="0"/>
-          </a:p>
-          <a:p>
-            <a:endParaRPr lang="en-US" dirty="0"/>
+              <a:t> -</a:t>
+            </a:r>
+            <a:r>
+              <a:rPr lang="en-US" b="1" dirty="0" err="1" smtClean="0">
+                <a:latin typeface="Consolas" panose="020B0609020204030204" pitchFamily="49" charset="0"/>
+                <a:cs typeface="Consolas" panose="020B0609020204030204" pitchFamily="49" charset="0"/>
+              </a:rPr>
+              <a:t>init</a:t>
+            </a:r>
+            <a:r>
+              <a:rPr lang="en-US" dirty="0" smtClean="0"/>
+              <a:t>" will create a file with barebones defaults for you. </a:t>
+            </a:r>
           </a:p>
         </p:txBody>
       </p:sp>
     </p:spTree>
     <p:extLst>
       <p:ext uri="{BB962C8B-B14F-4D97-AF65-F5344CB8AC3E}">
-        <p14:creationId xmlns:p14="http://schemas.microsoft.com/office/powerpoint/2010/main" val="536527624"/>
+        <p14:creationId xmlns:p14="http://schemas.microsoft.com/office/powerpoint/2010/main" val="911970663"/>
       </p:ext>
     </p:extLst>
   </p:cSld>
@@ -8432,31 +8338,109 @@
           <a:lstStyle/>
           <a:p>
             <a:r>
+              <a:rPr lang="en-US" dirty="0" smtClean="0"/>
+              <a:t>Example 3 - Bundling</a:t>
+            </a:r>
+            <a:endParaRPr lang="en-US" dirty="0"/>
+          </a:p>
+        </p:txBody>
+      </p:sp>
+      <p:sp>
+        <p:nvSpPr>
+          <p:cNvPr id="3" name="Content Placeholder 2"/>
+          <p:cNvSpPr>
+            <a:spLocks noGrp="1"/>
+          </p:cNvSpPr>
+          <p:nvPr>
+            <p:ph idx="1"/>
+          </p:nvPr>
+        </p:nvSpPr>
+        <p:spPr/>
+        <p:txBody>
+          <a:bodyPr/>
+          <a:lstStyle/>
+          <a:p>
+            <a:r>
               <a:rPr lang="en-US" dirty="0"/>
-              <a:t>Introduction to </a:t>
+              <a:t>Larger programs need bundlers to organize outputs</a:t>
+            </a:r>
+          </a:p>
+          <a:p>
+            <a:r>
+              <a:rPr lang="en-US" dirty="0"/>
+              <a:t>Introduces the concept of modules</a:t>
+            </a:r>
+          </a:p>
+          <a:p>
+            <a:r>
+              <a:rPr lang="en-US" dirty="0"/>
+              <a:t>This example uses </a:t>
+            </a:r>
+            <a:r>
+              <a:rPr lang="en-US" dirty="0" err="1"/>
+              <a:t>Webpack</a:t>
+            </a:r>
+            <a:r>
+              <a:rPr lang="en-US" dirty="0"/>
+              <a:t> to demonstrate how to bundle</a:t>
+            </a:r>
+          </a:p>
+          <a:p>
+            <a:pPr lvl="1"/>
+            <a:r>
+              <a:rPr lang="en-US" dirty="0"/>
+              <a:t>Uses </a:t>
+            </a:r>
+            <a:r>
+              <a:rPr lang="en-US" b="1" dirty="0" err="1">
+                <a:latin typeface="Consolas" panose="020B0609020204030204" pitchFamily="49" charset="0"/>
+                <a:cs typeface="Consolas" panose="020B0609020204030204" pitchFamily="49" charset="0"/>
+              </a:rPr>
+              <a:t>ts</a:t>
+            </a:r>
+            <a:r>
+              <a:rPr lang="en-US" b="1" dirty="0">
+                <a:latin typeface="Consolas" panose="020B0609020204030204" pitchFamily="49" charset="0"/>
+                <a:cs typeface="Consolas" panose="020B0609020204030204" pitchFamily="49" charset="0"/>
+              </a:rPr>
+              <a:t>-loader</a:t>
+            </a:r>
+            <a:r>
+              <a:rPr lang="en-US" dirty="0"/>
+              <a:t> to let </a:t>
+            </a:r>
+            <a:r>
+              <a:rPr lang="en-US" dirty="0" err="1"/>
+              <a:t>Webpack</a:t>
+            </a:r>
+            <a:r>
+              <a:rPr lang="en-US" dirty="0"/>
+              <a:t> be </a:t>
             </a:r>
             <a:r>
               <a:rPr lang="en-US" dirty="0" err="1"/>
               <a:t>TypeScript</a:t>
             </a:r>
+            <a:r>
+              <a:rPr lang="en-US" dirty="0"/>
+              <a:t>-aware</a:t>
+            </a:r>
+          </a:p>
+          <a:p>
+            <a:r>
+              <a:rPr lang="en-US" dirty="0" err="1"/>
+              <a:t>Webpack</a:t>
+            </a:r>
+            <a:r>
+              <a:rPr lang="en-US" dirty="0"/>
+              <a:t> is complex enough to warrant an entire presentation of its </a:t>
+            </a:r>
+            <a:r>
+              <a:rPr lang="en-US" dirty="0" smtClean="0"/>
+              <a:t>own</a:t>
+            </a:r>
             <a:endParaRPr lang="en-US" dirty="0"/>
           </a:p>
-        </p:txBody>
-      </p:sp>
-      <p:sp>
-        <p:nvSpPr>
-          <p:cNvPr id="3" name="Text Placeholder 2"/>
-          <p:cNvSpPr>
-            <a:spLocks noGrp="1"/>
-          </p:cNvSpPr>
-          <p:nvPr>
-            <p:ph type="body" idx="1"/>
-          </p:nvPr>
-        </p:nvSpPr>
-        <p:spPr/>
-        <p:txBody>
-          <a:bodyPr/>
-          <a:lstStyle/>
           <a:p>
             <a:endParaRPr lang="en-US" dirty="0"/>
           </a:p>
@@ -8465,7 +8449,7 @@
     </p:spTree>
     <p:extLst>
       <p:ext uri="{BB962C8B-B14F-4D97-AF65-F5344CB8AC3E}">
-        <p14:creationId xmlns:p14="http://schemas.microsoft.com/office/powerpoint/2010/main" val="2805792601"/>
+        <p14:creationId xmlns:p14="http://schemas.microsoft.com/office/powerpoint/2010/main" val="536527624"/>
       </p:ext>
     </p:extLst>
   </p:cSld>
@@ -8508,8 +8492,12 @@
           <a:lstStyle/>
           <a:p>
             <a:r>
-              <a:rPr lang="en-US" dirty="0" smtClean="0"/>
-              <a:t>Typescript</a:t>
+              <a:rPr lang="en-US" dirty="0"/>
+              <a:t>Introduction to </a:t>
+            </a:r>
+            <a:r>
+              <a:rPr lang="en-US" dirty="0" err="1"/>
+              <a:t>TypeScript</a:t>
             </a:r>
             <a:endParaRPr lang="en-US" dirty="0"/>
           </a:p>
@@ -8517,153 +8505,19 @@
       </p:sp>
       <p:sp>
         <p:nvSpPr>
-          <p:cNvPr id="3" name="Content Placeholder 2"/>
-          <p:cNvSpPr>
-            <a:spLocks noGrp="1"/>
-          </p:cNvSpPr>
-          <p:nvPr>
-            <p:ph idx="1"/>
+          <p:cNvPr id="3" name="Text Placeholder 2"/>
+          <p:cNvSpPr>
+            <a:spLocks noGrp="1"/>
+          </p:cNvSpPr>
+          <p:nvPr>
+            <p:ph type="body" idx="1"/>
           </p:nvPr>
         </p:nvSpPr>
         <p:spPr/>
         <p:txBody>
-          <a:bodyPr>
-            <a:normAutofit/>
-          </a:bodyPr>
-          <a:lstStyle/>
-          <a:p>
-            <a:r>
-              <a:rPr lang="en-US" dirty="0" err="1" smtClean="0"/>
-              <a:t>TypeScript</a:t>
-            </a:r>
-            <a:r>
-              <a:rPr lang="en-US" dirty="0" smtClean="0"/>
-              <a:t> is JavaScript</a:t>
-            </a:r>
-          </a:p>
-          <a:p>
-            <a:pPr lvl="1"/>
-            <a:r>
-              <a:rPr lang="en-US" dirty="0" smtClean="0"/>
-              <a:t>Fully backwards compatible with JavaScript</a:t>
-            </a:r>
-          </a:p>
-          <a:p>
-            <a:pPr lvl="1"/>
-            <a:r>
-              <a:rPr lang="en-US" dirty="0" smtClean="0"/>
-              <a:t>Any valid JavaScript program is also a valid </a:t>
-            </a:r>
-            <a:r>
-              <a:rPr lang="en-US" dirty="0" err="1" smtClean="0"/>
-              <a:t>TypeScript</a:t>
-            </a:r>
-            <a:r>
-              <a:rPr lang="en-US" dirty="0" smtClean="0"/>
-              <a:t> program</a:t>
-            </a:r>
-          </a:p>
-          <a:p>
-            <a:r>
-              <a:rPr lang="en-US" dirty="0" err="1" smtClean="0"/>
-              <a:t>TypeScript</a:t>
-            </a:r>
-            <a:r>
-              <a:rPr lang="en-US" dirty="0" smtClean="0"/>
-              <a:t> “</a:t>
-            </a:r>
-            <a:r>
-              <a:rPr lang="en-US" dirty="0" err="1" smtClean="0"/>
-              <a:t>transpiles</a:t>
-            </a:r>
-            <a:r>
-              <a:rPr lang="en-US" dirty="0" smtClean="0"/>
-              <a:t>” to JavaScript</a:t>
-            </a:r>
-          </a:p>
-          <a:p>
-            <a:pPr lvl="1"/>
-            <a:r>
-              <a:rPr lang="en-US" dirty="0" err="1" smtClean="0"/>
-              <a:t>Transpilation</a:t>
-            </a:r>
-            <a:r>
-              <a:rPr lang="en-US" dirty="0" smtClean="0"/>
-              <a:t> is idiomatic</a:t>
-            </a:r>
-          </a:p>
-          <a:p>
-            <a:pPr lvl="1"/>
-            <a:r>
-              <a:rPr lang="en-US" dirty="0" smtClean="0"/>
-              <a:t>No optimizations attempted</a:t>
-            </a:r>
-          </a:p>
-          <a:p>
-            <a:pPr lvl="1"/>
-            <a:r>
-              <a:rPr lang="en-US" dirty="0" smtClean="0"/>
-              <a:t>Fully compatible with the chosen output target (ES3, ES5, ES2015, </a:t>
-            </a:r>
-            <a:r>
-              <a:rPr lang="en-US" dirty="0" err="1" smtClean="0"/>
-              <a:t>etc</a:t>
-            </a:r>
-            <a:r>
-              <a:rPr lang="en-US" dirty="0" smtClean="0"/>
-              <a:t>)</a:t>
-            </a:r>
-          </a:p>
-          <a:p>
-            <a:r>
-              <a:rPr lang="en-US" dirty="0" err="1" smtClean="0"/>
-              <a:t>TypeScript</a:t>
-            </a:r>
-            <a:r>
-              <a:rPr lang="en-US" dirty="0" smtClean="0"/>
-              <a:t> is “erased” during </a:t>
-            </a:r>
-            <a:r>
-              <a:rPr lang="en-US" dirty="0" err="1" smtClean="0"/>
-              <a:t>transpilation</a:t>
-            </a:r>
-            <a:r>
-              <a:rPr lang="en-US" dirty="0" smtClean="0"/>
-              <a:t>. </a:t>
-            </a:r>
-          </a:p>
-          <a:p>
-            <a:pPr lvl="1"/>
-            <a:r>
-              <a:rPr lang="en-US" dirty="0"/>
-              <a:t>Generated JavaScript can be easily read and </a:t>
-            </a:r>
-            <a:r>
-              <a:rPr lang="en-US" dirty="0" smtClean="0"/>
-              <a:t>understood</a:t>
-            </a:r>
-          </a:p>
-          <a:p>
-            <a:r>
-              <a:rPr lang="en-US" dirty="0" err="1" smtClean="0"/>
-              <a:t>TypeScript</a:t>
-            </a:r>
-            <a:r>
-              <a:rPr lang="en-US" dirty="0" smtClean="0"/>
-              <a:t> is mostly </a:t>
-            </a:r>
-            <a:r>
-              <a:rPr lang="en-US" b="1" dirty="0" smtClean="0"/>
-              <a:t>annotations</a:t>
-            </a:r>
-            <a:r>
-              <a:rPr lang="en-US" dirty="0" smtClean="0"/>
-              <a:t> that add information to code, but doesn’t significantly alter the structure.</a:t>
-            </a:r>
-            <a:endParaRPr lang="en-US" dirty="0"/>
-          </a:p>
-          <a:p>
-            <a:pPr lvl="1"/>
+          <a:bodyPr/>
+          <a:lstStyle/>
+          <a:p>
             <a:endParaRPr lang="en-US" dirty="0"/>
           </a:p>
         </p:txBody>
@@ -8671,7 +8525,7 @@
     </p:spTree>
     <p:extLst>
       <p:ext uri="{BB962C8B-B14F-4D97-AF65-F5344CB8AC3E}">
-        <p14:creationId xmlns:p14="http://schemas.microsoft.com/office/powerpoint/2010/main" val="3894533808"/>
+        <p14:creationId xmlns:p14="http://schemas.microsoft.com/office/powerpoint/2010/main" val="2805792601"/>
       </p:ext>
     </p:extLst>
   </p:cSld>
@@ -8715,7 +8569,7 @@
           <a:p>
             <a:r>
               <a:rPr lang="en-US" dirty="0" smtClean="0"/>
-              <a:t>Type Annotations</a:t>
+              <a:t>Typescript</a:t>
             </a:r>
             <a:endParaRPr lang="en-US" dirty="0"/>
           </a:p>
@@ -8744,258 +8598,140 @@
             </a:r>
             <a:r>
               <a:rPr lang="en-US" dirty="0" smtClean="0"/>
-              <a:t> adds </a:t>
+              <a:t> is JavaScript</a:t>
+            </a:r>
+          </a:p>
+          <a:p>
+            <a:pPr lvl="1"/>
+            <a:r>
+              <a:rPr lang="en-US" dirty="0" smtClean="0"/>
+              <a:t>Fully backwards compatible with JavaScript</a:t>
+            </a:r>
+          </a:p>
+          <a:p>
+            <a:pPr lvl="1"/>
+            <a:r>
+              <a:rPr lang="en-US" dirty="0" smtClean="0"/>
+              <a:t>Any valid JavaScript program is also a valid </a:t>
+            </a:r>
+            <a:r>
+              <a:rPr lang="en-US" dirty="0" err="1" smtClean="0"/>
+              <a:t>TypeScript</a:t>
+            </a:r>
+            <a:r>
+              <a:rPr lang="en-US" dirty="0" smtClean="0"/>
+              <a:t> program</a:t>
+            </a:r>
+          </a:p>
+          <a:p>
+            <a:r>
+              <a:rPr lang="en-US" dirty="0" err="1" smtClean="0"/>
+              <a:t>TypeScript</a:t>
+            </a:r>
+            <a:r>
+              <a:rPr lang="en-US" dirty="0" smtClean="0"/>
+              <a:t> “</a:t>
+            </a:r>
+            <a:r>
+              <a:rPr lang="en-US" dirty="0" err="1" smtClean="0"/>
+              <a:t>transpiles</a:t>
+            </a:r>
+            <a:r>
+              <a:rPr lang="en-US" dirty="0" smtClean="0"/>
+              <a:t>” to JavaScript</a:t>
+            </a:r>
+          </a:p>
+          <a:p>
+            <a:pPr lvl="1"/>
+            <a:r>
+              <a:rPr lang="en-US" dirty="0" err="1" smtClean="0"/>
+              <a:t>Transpilation</a:t>
+            </a:r>
+            <a:r>
+              <a:rPr lang="en-US" dirty="0" smtClean="0"/>
+              <a:t> is idiomatic</a:t>
+            </a:r>
+          </a:p>
+          <a:p>
+            <a:pPr lvl="1"/>
+            <a:r>
+              <a:rPr lang="en-US" dirty="0" smtClean="0"/>
+              <a:t>No optimizations attempted</a:t>
+            </a:r>
+          </a:p>
+          <a:p>
+            <a:pPr lvl="1"/>
+            <a:r>
+              <a:rPr lang="en-US" dirty="0" smtClean="0"/>
+              <a:t>Fully compatible with the chosen output target (ES3, ES5, ES2015, </a:t>
+            </a:r>
+            <a:r>
+              <a:rPr lang="en-US" dirty="0" err="1" smtClean="0"/>
+              <a:t>etc</a:t>
+            </a:r>
+            <a:r>
+              <a:rPr lang="en-US" dirty="0" smtClean="0"/>
+              <a:t>)</a:t>
+            </a:r>
+          </a:p>
+          <a:p>
+            <a:r>
+              <a:rPr lang="en-US" dirty="0" err="1" smtClean="0"/>
+              <a:t>TypeScript</a:t>
+            </a:r>
+            <a:r>
+              <a:rPr lang="en-US" dirty="0" smtClean="0"/>
+              <a:t> is “erased” during </a:t>
+            </a:r>
+            <a:r>
+              <a:rPr lang="en-US" dirty="0" err="1" smtClean="0"/>
+              <a:t>transpilation</a:t>
+            </a:r>
+            <a:r>
+              <a:rPr lang="en-US" dirty="0" smtClean="0"/>
+              <a:t>. </a:t>
+            </a:r>
+          </a:p>
+          <a:p>
+            <a:pPr lvl="1"/>
+            <a:r>
+              <a:rPr lang="en-US" dirty="0"/>
+              <a:t>Generated JavaScript can be easily read and </a:t>
+            </a:r>
+            <a:r>
+              <a:rPr lang="en-US" dirty="0" smtClean="0"/>
+              <a:t>understood</a:t>
+            </a:r>
+          </a:p>
+          <a:p>
+            <a:r>
+              <a:rPr lang="en-US" dirty="0" err="1" smtClean="0"/>
+              <a:t>TypeScript</a:t>
+            </a:r>
+            <a:r>
+              <a:rPr lang="en-US" dirty="0" smtClean="0"/>
+              <a:t> is mostly </a:t>
             </a:r>
             <a:r>
               <a:rPr lang="en-US" b="1" dirty="0" smtClean="0"/>
-              <a:t>Type Annotations</a:t>
-            </a:r>
-            <a:r>
-              <a:rPr lang="en-US" dirty="0" smtClean="0"/>
-              <a:t> to JavaScript</a:t>
-            </a:r>
-          </a:p>
-          <a:p>
+              <a:t>annotations</a:t>
+            </a:r>
+            <a:r>
+              <a:rPr lang="en-US" dirty="0" smtClean="0"/>
+              <a:t> that add information to code, but doesn’t significantly alter the structure.</a:t>
+            </a:r>
             <a:endParaRPr lang="en-US" dirty="0"/>
           </a:p>
           <a:p>
-            <a:endParaRPr lang="en-US" dirty="0" smtClean="0"/>
-          </a:p>
-          <a:p>
-            <a:r>
-              <a:rPr lang="en-US" dirty="0" smtClean="0"/>
-              <a:t>Annotations erased in </a:t>
-            </a:r>
-            <a:r>
-              <a:rPr lang="en-US" dirty="0" err="1" smtClean="0"/>
-              <a:t>transpiled</a:t>
-            </a:r>
-            <a:r>
-              <a:rPr lang="en-US" dirty="0" smtClean="0"/>
-              <a:t> JavaScript</a:t>
-            </a:r>
-          </a:p>
-          <a:p>
-            <a:endParaRPr lang="en-US" dirty="0" smtClean="0"/>
-          </a:p>
-          <a:p>
+            <a:pPr lvl="1"/>
             <a:endParaRPr lang="en-US" dirty="0"/>
-          </a:p>
-          <a:p>
-            <a:r>
-              <a:rPr lang="en-US" dirty="0" smtClean="0"/>
-              <a:t>See Example 4</a:t>
-            </a:r>
-            <a:endParaRPr lang="en-US" dirty="0"/>
-          </a:p>
-        </p:txBody>
-      </p:sp>
-      <p:sp>
-        <p:nvSpPr>
-          <p:cNvPr id="4" name="TextBox 3"/>
-          <p:cNvSpPr txBox="1"/>
-          <p:nvPr/>
-        </p:nvSpPr>
-        <p:spPr>
-          <a:xfrm>
-            <a:off x="1110669" y="2724150"/>
-            <a:ext cx="7423731" cy="646331"/>
-          </a:xfrm>
-          <a:prstGeom prst="rect">
-            <a:avLst/>
-          </a:prstGeom>
-        </p:spPr>
-        <p:style>
-          <a:lnRef idx="2">
-            <a:schemeClr val="accent1"/>
-          </a:lnRef>
-          <a:fillRef idx="1">
-            <a:schemeClr val="lt1"/>
-          </a:fillRef>
-          <a:effectRef idx="0">
-            <a:schemeClr val="accent1"/>
-          </a:effectRef>
-          <a:fontRef idx="minor">
-            <a:schemeClr val="dk1"/>
-          </a:fontRef>
-        </p:style>
-        <p:txBody>
-          <a:bodyPr wrap="square" rtlCol="0">
-            <a:spAutoFit/>
-          </a:bodyPr>
-          <a:lstStyle/>
-          <a:p>
-            <a:r>
-              <a:rPr lang="en-US" dirty="0" err="1" smtClean="0">
-                <a:latin typeface="Consolas" panose="020B0609020204030204" pitchFamily="49" charset="0"/>
-                <a:cs typeface="Consolas" panose="020B0609020204030204" pitchFamily="49" charset="0"/>
-              </a:rPr>
-              <a:t>const</a:t>
-            </a:r>
-            <a:r>
-              <a:rPr lang="en-US" dirty="0" smtClean="0">
-                <a:latin typeface="Consolas" panose="020B0609020204030204" pitchFamily="49" charset="0"/>
-                <a:cs typeface="Consolas" panose="020B0609020204030204" pitchFamily="49" charset="0"/>
-              </a:rPr>
-              <a:t> number</a:t>
-            </a:r>
-            <a:r>
-              <a:rPr lang="en-US" dirty="0" smtClean="0">
-                <a:solidFill>
-                  <a:srgbClr val="FF0000"/>
-                </a:solidFill>
-                <a:latin typeface="Consolas" panose="020B0609020204030204" pitchFamily="49" charset="0"/>
-                <a:cs typeface="Consolas" panose="020B0609020204030204" pitchFamily="49" charset="0"/>
-              </a:rPr>
-              <a:t>: number</a:t>
-            </a:r>
-            <a:r>
-              <a:rPr lang="en-US" dirty="0" smtClean="0">
-                <a:latin typeface="Consolas" panose="020B0609020204030204" pitchFamily="49" charset="0"/>
-                <a:cs typeface="Consolas" panose="020B0609020204030204" pitchFamily="49" charset="0"/>
-              </a:rPr>
-              <a:t> = 42;</a:t>
-            </a:r>
-          </a:p>
-          <a:p>
-            <a:r>
-              <a:rPr lang="en-US" dirty="0" smtClean="0">
-                <a:latin typeface="Consolas" panose="020B0609020204030204" pitchFamily="49" charset="0"/>
-                <a:cs typeface="Consolas" panose="020B0609020204030204" pitchFamily="49" charset="0"/>
-              </a:rPr>
-              <a:t>function foo(</a:t>
-            </a:r>
-            <a:r>
-              <a:rPr lang="en-US" dirty="0" err="1" smtClean="0">
-                <a:latin typeface="Consolas" panose="020B0609020204030204" pitchFamily="49" charset="0"/>
-                <a:cs typeface="Consolas" panose="020B0609020204030204" pitchFamily="49" charset="0"/>
-              </a:rPr>
-              <a:t>param</a:t>
-            </a:r>
-            <a:r>
-              <a:rPr lang="en-US" dirty="0" smtClean="0">
-                <a:solidFill>
-                  <a:srgbClr val="FF0000"/>
-                </a:solidFill>
-                <a:latin typeface="Consolas" panose="020B0609020204030204" pitchFamily="49" charset="0"/>
-                <a:cs typeface="Consolas" panose="020B0609020204030204" pitchFamily="49" charset="0"/>
-              </a:rPr>
-              <a:t>: string</a:t>
-            </a:r>
-            <a:r>
-              <a:rPr lang="en-US" dirty="0" smtClean="0">
-                <a:latin typeface="Consolas" panose="020B0609020204030204" pitchFamily="49" charset="0"/>
-                <a:cs typeface="Consolas" panose="020B0609020204030204" pitchFamily="49" charset="0"/>
-              </a:rPr>
-              <a:t>)</a:t>
-            </a:r>
-            <a:r>
-              <a:rPr lang="en-US" dirty="0" smtClean="0">
-                <a:solidFill>
-                  <a:srgbClr val="FF0000"/>
-                </a:solidFill>
-                <a:latin typeface="Consolas" panose="020B0609020204030204" pitchFamily="49" charset="0"/>
-                <a:cs typeface="Consolas" panose="020B0609020204030204" pitchFamily="49" charset="0"/>
-              </a:rPr>
-              <a:t>: number</a:t>
-            </a:r>
-            <a:r>
-              <a:rPr lang="en-US" dirty="0" smtClean="0">
-                <a:latin typeface="Consolas" panose="020B0609020204030204" pitchFamily="49" charset="0"/>
-                <a:cs typeface="Consolas" panose="020B0609020204030204" pitchFamily="49" charset="0"/>
-              </a:rPr>
-              <a:t> { /* TODO */ }</a:t>
-            </a:r>
-            <a:endParaRPr lang="en-US" dirty="0">
-              <a:latin typeface="Consolas" panose="020B0609020204030204" pitchFamily="49" charset="0"/>
-              <a:cs typeface="Consolas" panose="020B0609020204030204" pitchFamily="49" charset="0"/>
-            </a:endParaRPr>
-          </a:p>
-        </p:txBody>
-      </p:sp>
-      <p:sp>
-        <p:nvSpPr>
-          <p:cNvPr id="6" name="TextBox 5"/>
-          <p:cNvSpPr txBox="1"/>
-          <p:nvPr/>
-        </p:nvSpPr>
-        <p:spPr>
-          <a:xfrm>
-            <a:off x="1110669" y="3953258"/>
-            <a:ext cx="7423731" cy="646331"/>
-          </a:xfrm>
-          <a:prstGeom prst="rect">
-            <a:avLst/>
-          </a:prstGeom>
-        </p:spPr>
-        <p:style>
-          <a:lnRef idx="2">
-            <a:schemeClr val="accent1"/>
-          </a:lnRef>
-          <a:fillRef idx="1">
-            <a:schemeClr val="lt1"/>
-          </a:fillRef>
-          <a:effectRef idx="0">
-            <a:schemeClr val="accent1"/>
-          </a:effectRef>
-          <a:fontRef idx="minor">
-            <a:schemeClr val="dk1"/>
-          </a:fontRef>
-        </p:style>
-        <p:txBody>
-          <a:bodyPr wrap="square" rtlCol="0">
-            <a:spAutoFit/>
-          </a:bodyPr>
-          <a:lstStyle/>
-          <a:p>
-            <a:r>
-              <a:rPr lang="en-US" dirty="0" err="1" smtClean="0">
-                <a:latin typeface="Consolas" panose="020B0609020204030204" pitchFamily="49" charset="0"/>
-                <a:cs typeface="Consolas" panose="020B0609020204030204" pitchFamily="49" charset="0"/>
-              </a:rPr>
-              <a:t>const</a:t>
-            </a:r>
-            <a:r>
-              <a:rPr lang="en-US" dirty="0" smtClean="0">
-                <a:latin typeface="Consolas" panose="020B0609020204030204" pitchFamily="49" charset="0"/>
-                <a:cs typeface="Consolas" panose="020B0609020204030204" pitchFamily="49" charset="0"/>
-              </a:rPr>
-              <a:t> number = 42;</a:t>
-            </a:r>
-          </a:p>
-          <a:p>
-            <a:r>
-              <a:rPr lang="en-US" dirty="0" smtClean="0">
-                <a:latin typeface="Consolas" panose="020B0609020204030204" pitchFamily="49" charset="0"/>
-                <a:cs typeface="Consolas" panose="020B0609020204030204" pitchFamily="49" charset="0"/>
-              </a:rPr>
-              <a:t>function foo(</a:t>
-            </a:r>
-            <a:r>
-              <a:rPr lang="en-US" dirty="0" err="1" smtClean="0">
-                <a:latin typeface="Consolas" panose="020B0609020204030204" pitchFamily="49" charset="0"/>
-                <a:cs typeface="Consolas" panose="020B0609020204030204" pitchFamily="49" charset="0"/>
-              </a:rPr>
-              <a:t>param</a:t>
-            </a:r>
-            <a:r>
-              <a:rPr lang="en-US" dirty="0" smtClean="0">
-                <a:latin typeface="Consolas" panose="020B0609020204030204" pitchFamily="49" charset="0"/>
-                <a:cs typeface="Consolas" panose="020B0609020204030204" pitchFamily="49" charset="0"/>
-              </a:rPr>
-              <a:t>) { /* TODO */ }</a:t>
-            </a:r>
-            <a:endParaRPr lang="en-US" dirty="0">
-              <a:latin typeface="Consolas" panose="020B0609020204030204" pitchFamily="49" charset="0"/>
-              <a:cs typeface="Consolas" panose="020B0609020204030204" pitchFamily="49" charset="0"/>
-            </a:endParaRPr>
           </a:p>
         </p:txBody>
       </p:sp>
     </p:spTree>
     <p:extLst>
       <p:ext uri="{BB962C8B-B14F-4D97-AF65-F5344CB8AC3E}">
-        <p14:creationId xmlns:p14="http://schemas.microsoft.com/office/powerpoint/2010/main" val="1996770991"/>
+        <p14:creationId xmlns:p14="http://schemas.microsoft.com/office/powerpoint/2010/main" val="3894533808"/>
       </p:ext>
     </p:extLst>
   </p:cSld>
@@ -9039,7 +8775,7 @@
           <a:p>
             <a:r>
               <a:rPr lang="en-US" dirty="0" smtClean="0"/>
-              <a:t>Type Inference</a:t>
+              <a:t>Type Annotations</a:t>
             </a:r>
             <a:endParaRPr lang="en-US" dirty="0"/>
           </a:p>
@@ -9063,57 +8799,263 @@
           <a:lstStyle/>
           <a:p>
             <a:r>
+              <a:rPr lang="en-US" dirty="0" err="1" smtClean="0"/>
+              <a:t>TypeScript</a:t>
+            </a:r>
+            <a:r>
+              <a:rPr lang="en-US" dirty="0" smtClean="0"/>
+              <a:t> adds </a:t>
+            </a:r>
+            <a:r>
               <a:rPr lang="en-US" b="1" dirty="0" smtClean="0"/>
-              <a:t>Type Inference </a:t>
-            </a:r>
-            <a:r>
-              <a:rPr lang="en-US" dirty="0" smtClean="0"/>
-              <a:t>allows you to leave off type annotations and let the compiler figure it out for you</a:t>
-            </a:r>
-          </a:p>
-          <a:p>
-            <a:r>
-              <a:rPr lang="en-US" dirty="0" smtClean="0"/>
-              <a:t>Powerful tool for creating cleaner code while maintaining type safety</a:t>
-            </a:r>
-          </a:p>
-          <a:p>
-            <a:r>
-              <a:rPr lang="en-US" dirty="0" smtClean="0"/>
-              <a:t>See Example 5</a:t>
-            </a:r>
-          </a:p>
-          <a:p>
-            <a:r>
-              <a:rPr lang="en-US" dirty="0" smtClean="0"/>
-              <a:t>TIPS:</a:t>
-            </a:r>
-          </a:p>
-          <a:p>
-            <a:pPr lvl="1"/>
-            <a:r>
-              <a:rPr lang="en-US" dirty="0" smtClean="0"/>
-              <a:t>Infer local variables</a:t>
-            </a:r>
-          </a:p>
-          <a:p>
-            <a:pPr lvl="1"/>
-            <a:r>
-              <a:rPr lang="en-US" dirty="0" smtClean="0"/>
-              <a:t>Define Function </a:t>
-            </a:r>
-            <a:r>
-              <a:rPr lang="en-US" smtClean="0"/>
-              <a:t>Return Types</a:t>
-            </a:r>
+              <a:t>Type Annotations</a:t>
+            </a:r>
+            <a:r>
+              <a:rPr lang="en-US" dirty="0" smtClean="0"/>
+              <a:t> to JavaScript</a:t>
+            </a:r>
+          </a:p>
+          <a:p>
             <a:endParaRPr lang="en-US" dirty="0"/>
+          </a:p>
+          <a:p>
+            <a:endParaRPr lang="en-US" dirty="0" smtClean="0"/>
+          </a:p>
+          <a:p>
+            <a:r>
+              <a:rPr lang="en-US" dirty="0" smtClean="0"/>
+              <a:t>Annotations erased in </a:t>
+            </a:r>
+            <a:r>
+              <a:rPr lang="en-US" dirty="0" err="1" smtClean="0"/>
+              <a:t>transpiled</a:t>
+            </a:r>
+            <a:r>
+              <a:rPr lang="en-US" dirty="0" smtClean="0"/>
+              <a:t> JavaScript</a:t>
+            </a:r>
+          </a:p>
+          <a:p>
+            <a:endParaRPr lang="en-US" dirty="0" smtClean="0"/>
+          </a:p>
+          <a:p>
+            <a:endParaRPr lang="en-US" dirty="0"/>
+          </a:p>
+          <a:p>
+            <a:r>
+              <a:rPr lang="en-US" dirty="0" smtClean="0"/>
+              <a:t>See Example 4</a:t>
+            </a:r>
+            <a:endParaRPr lang="en-US" dirty="0"/>
+          </a:p>
+        </p:txBody>
+      </p:sp>
+      <p:sp>
+        <p:nvSpPr>
+          <p:cNvPr id="4" name="TextBox 3"/>
+          <p:cNvSpPr txBox="1"/>
+          <p:nvPr/>
+        </p:nvSpPr>
+        <p:spPr>
+          <a:xfrm>
+            <a:off x="1110669" y="2724150"/>
+            <a:ext cx="7423731" cy="646331"/>
+          </a:xfrm>
+          <a:prstGeom prst="rect">
+            <a:avLst/>
+          </a:prstGeom>
+        </p:spPr>
+        <p:style>
+          <a:lnRef idx="2">
+            <a:schemeClr val="accent1"/>
+          </a:lnRef>
+          <a:fillRef idx="1">
+            <a:schemeClr val="lt1"/>
+          </a:fillRef>
+          <a:effectRef idx="0">
+            <a:schemeClr val="accent1"/>
+          </a:effectRef>
+          <a:fontRef idx="minor">
+            <a:schemeClr val="dk1"/>
+          </a:fontRef>
+        </p:style>
+        <p:txBody>
+          <a:bodyPr wrap="square" rtlCol="0">
+            <a:spAutoFit/>
+          </a:bodyPr>
+          <a:lstStyle/>
+          <a:p>
+            <a:r>
+              <a:rPr lang="en-US" dirty="0" err="1" smtClean="0">
+                <a:latin typeface="Consolas" panose="020B0609020204030204" pitchFamily="49" charset="0"/>
+                <a:cs typeface="Consolas" panose="020B0609020204030204" pitchFamily="49" charset="0"/>
+              </a:rPr>
+              <a:t>const</a:t>
+            </a:r>
+            <a:r>
+              <a:rPr lang="en-US" dirty="0" smtClean="0">
+                <a:latin typeface="Consolas" panose="020B0609020204030204" pitchFamily="49" charset="0"/>
+                <a:cs typeface="Consolas" panose="020B0609020204030204" pitchFamily="49" charset="0"/>
+              </a:rPr>
+              <a:t> number</a:t>
+            </a:r>
+            <a:r>
+              <a:rPr lang="en-US" dirty="0" smtClean="0">
+                <a:solidFill>
+                  <a:srgbClr val="FF0000"/>
+                </a:solidFill>
+                <a:latin typeface="Consolas" panose="020B0609020204030204" pitchFamily="49" charset="0"/>
+                <a:cs typeface="Consolas" panose="020B0609020204030204" pitchFamily="49" charset="0"/>
+              </a:rPr>
+              <a:t>: number</a:t>
+            </a:r>
+            <a:r>
+              <a:rPr lang="en-US" dirty="0" smtClean="0">
+                <a:latin typeface="Consolas" panose="020B0609020204030204" pitchFamily="49" charset="0"/>
+                <a:cs typeface="Consolas" panose="020B0609020204030204" pitchFamily="49" charset="0"/>
+              </a:rPr>
+              <a:t> = 42;</a:t>
+            </a:r>
+          </a:p>
+          <a:p>
+            <a:r>
+              <a:rPr lang="en-US" dirty="0" smtClean="0">
+                <a:latin typeface="Consolas" panose="020B0609020204030204" pitchFamily="49" charset="0"/>
+                <a:cs typeface="Consolas" panose="020B0609020204030204" pitchFamily="49" charset="0"/>
+              </a:rPr>
+              <a:t>function foo(</a:t>
+            </a:r>
+            <a:r>
+              <a:rPr lang="en-US" dirty="0" err="1" smtClean="0">
+                <a:latin typeface="Consolas" panose="020B0609020204030204" pitchFamily="49" charset="0"/>
+                <a:cs typeface="Consolas" panose="020B0609020204030204" pitchFamily="49" charset="0"/>
+              </a:rPr>
+              <a:t>param</a:t>
+            </a:r>
+            <a:r>
+              <a:rPr lang="en-US" dirty="0" smtClean="0">
+                <a:solidFill>
+                  <a:srgbClr val="FF0000"/>
+                </a:solidFill>
+                <a:latin typeface="Consolas" panose="020B0609020204030204" pitchFamily="49" charset="0"/>
+                <a:cs typeface="Consolas" panose="020B0609020204030204" pitchFamily="49" charset="0"/>
+              </a:rPr>
+              <a:t>: string</a:t>
+            </a:r>
+            <a:r>
+              <a:rPr lang="en-US" dirty="0" smtClean="0">
+                <a:latin typeface="Consolas" panose="020B0609020204030204" pitchFamily="49" charset="0"/>
+                <a:cs typeface="Consolas" panose="020B0609020204030204" pitchFamily="49" charset="0"/>
+              </a:rPr>
+              <a:t>)</a:t>
+            </a:r>
+            <a:r>
+              <a:rPr lang="en-US" dirty="0" smtClean="0">
+                <a:solidFill>
+                  <a:srgbClr val="FF0000"/>
+                </a:solidFill>
+                <a:latin typeface="Consolas" panose="020B0609020204030204" pitchFamily="49" charset="0"/>
+                <a:cs typeface="Consolas" panose="020B0609020204030204" pitchFamily="49" charset="0"/>
+              </a:rPr>
+              <a:t>: number</a:t>
+            </a:r>
+            <a:r>
+              <a:rPr lang="en-US" dirty="0" smtClean="0">
+                <a:latin typeface="Consolas" panose="020B0609020204030204" pitchFamily="49" charset="0"/>
+                <a:cs typeface="Consolas" panose="020B0609020204030204" pitchFamily="49" charset="0"/>
+              </a:rPr>
+              <a:t> { /* TODO */ }</a:t>
+            </a:r>
+            <a:endParaRPr lang="en-US" dirty="0">
+              <a:latin typeface="Consolas" panose="020B0609020204030204" pitchFamily="49" charset="0"/>
+              <a:cs typeface="Consolas" panose="020B0609020204030204" pitchFamily="49" charset="0"/>
+            </a:endParaRPr>
+          </a:p>
+        </p:txBody>
+      </p:sp>
+      <p:sp>
+        <p:nvSpPr>
+          <p:cNvPr id="6" name="TextBox 5"/>
+          <p:cNvSpPr txBox="1"/>
+          <p:nvPr/>
+        </p:nvSpPr>
+        <p:spPr>
+          <a:xfrm>
+            <a:off x="1110669" y="3953258"/>
+            <a:ext cx="7423731" cy="646331"/>
+          </a:xfrm>
+          <a:prstGeom prst="rect">
+            <a:avLst/>
+          </a:prstGeom>
+        </p:spPr>
+        <p:style>
+          <a:lnRef idx="2">
+            <a:schemeClr val="accent1"/>
+          </a:lnRef>
+          <a:fillRef idx="1">
+            <a:schemeClr val="lt1"/>
+          </a:fillRef>
+          <a:effectRef idx="0">
+            <a:schemeClr val="accent1"/>
+          </a:effectRef>
+          <a:fontRef idx="minor">
+            <a:schemeClr val="dk1"/>
+          </a:fontRef>
+        </p:style>
+        <p:txBody>
+          <a:bodyPr wrap="square" rtlCol="0">
+            <a:spAutoFit/>
+          </a:bodyPr>
+          <a:lstStyle/>
+          <a:p>
+            <a:r>
+              <a:rPr lang="en-US" dirty="0" err="1" smtClean="0">
+                <a:latin typeface="Consolas" panose="020B0609020204030204" pitchFamily="49" charset="0"/>
+                <a:cs typeface="Consolas" panose="020B0609020204030204" pitchFamily="49" charset="0"/>
+              </a:rPr>
+              <a:t>const</a:t>
+            </a:r>
+            <a:r>
+              <a:rPr lang="en-US" dirty="0" smtClean="0">
+                <a:latin typeface="Consolas" panose="020B0609020204030204" pitchFamily="49" charset="0"/>
+                <a:cs typeface="Consolas" panose="020B0609020204030204" pitchFamily="49" charset="0"/>
+              </a:rPr>
+              <a:t> number = 42;</a:t>
+            </a:r>
+          </a:p>
+          <a:p>
+            <a:r>
+              <a:rPr lang="en-US" dirty="0" smtClean="0">
+                <a:latin typeface="Consolas" panose="020B0609020204030204" pitchFamily="49" charset="0"/>
+                <a:cs typeface="Consolas" panose="020B0609020204030204" pitchFamily="49" charset="0"/>
+              </a:rPr>
+              <a:t>function foo(</a:t>
+            </a:r>
+            <a:r>
+              <a:rPr lang="en-US" dirty="0" err="1" smtClean="0">
+                <a:latin typeface="Consolas" panose="020B0609020204030204" pitchFamily="49" charset="0"/>
+                <a:cs typeface="Consolas" panose="020B0609020204030204" pitchFamily="49" charset="0"/>
+              </a:rPr>
+              <a:t>param</a:t>
+            </a:r>
+            <a:r>
+              <a:rPr lang="en-US" dirty="0" smtClean="0">
+                <a:latin typeface="Consolas" panose="020B0609020204030204" pitchFamily="49" charset="0"/>
+                <a:cs typeface="Consolas" panose="020B0609020204030204" pitchFamily="49" charset="0"/>
+              </a:rPr>
+              <a:t>) { /* TODO */ }</a:t>
+            </a:r>
+            <a:endParaRPr lang="en-US" dirty="0">
+              <a:latin typeface="Consolas" panose="020B0609020204030204" pitchFamily="49" charset="0"/>
+              <a:cs typeface="Consolas" panose="020B0609020204030204" pitchFamily="49" charset="0"/>
+            </a:endParaRPr>
           </a:p>
         </p:txBody>
       </p:sp>
     </p:spTree>
     <p:extLst>
       <p:ext uri="{BB962C8B-B14F-4D97-AF65-F5344CB8AC3E}">
-        <p14:creationId xmlns:p14="http://schemas.microsoft.com/office/powerpoint/2010/main" val="3172925111"/>
+        <p14:creationId xmlns:p14="http://schemas.microsoft.com/office/powerpoint/2010/main" val="1996770991"/>
       </p:ext>
     </p:extLst>
   </p:cSld>
@@ -9157,7 +9099,7 @@
           <a:p>
             <a:r>
               <a:rPr lang="en-US" dirty="0" smtClean="0"/>
-              <a:t>Function types</a:t>
+              <a:t>Type Inference</a:t>
             </a:r>
             <a:endParaRPr lang="en-US" dirty="0"/>
           </a:p>
@@ -9175,47 +9117,63 @@
         </p:nvSpPr>
         <p:spPr/>
         <p:txBody>
-          <a:bodyPr/>
-          <a:lstStyle/>
-          <a:p>
-            <a:r>
-              <a:rPr lang="en-US" dirty="0" smtClean="0"/>
-              <a:t>JavaScript is fundamentally a functional language</a:t>
+          <a:bodyPr>
+            <a:normAutofit/>
+          </a:bodyPr>
+          <a:lstStyle/>
+          <a:p>
+            <a:r>
+              <a:rPr lang="en-US" b="1" dirty="0" smtClean="0"/>
+              <a:t>Type Inference </a:t>
+            </a:r>
+            <a:r>
+              <a:rPr lang="en-US" dirty="0" smtClean="0"/>
+              <a:t>allows you to leave off type annotations and let the compiler figure it out for you</a:t>
+            </a:r>
+          </a:p>
+          <a:p>
+            <a:r>
+              <a:rPr lang="en-US" dirty="0" smtClean="0"/>
+              <a:t>Powerful tool for creating cleaner code while maintaining type safety</a:t>
+            </a:r>
+          </a:p>
+          <a:p>
+            <a:r>
+              <a:rPr lang="en-US" dirty="0" smtClean="0"/>
+              <a:t>See Example 5</a:t>
+            </a:r>
+          </a:p>
+          <a:p>
+            <a:r>
+              <a:rPr lang="en-US" dirty="0" smtClean="0"/>
+              <a:t>TIPS:</a:t>
             </a:r>
           </a:p>
           <a:p>
             <a:pPr lvl="1"/>
             <a:r>
               <a:rPr lang="en-US" dirty="0" smtClean="0"/>
-              <a:t>Based on Scheme, with a Java “skin”</a:t>
-            </a:r>
-          </a:p>
-          <a:p>
-            <a:r>
-              <a:rPr lang="en-US" dirty="0" smtClean="0"/>
-              <a:t>In </a:t>
-            </a:r>
-            <a:r>
-              <a:rPr lang="en-US" dirty="0" err="1" smtClean="0"/>
-              <a:t>TypeScript</a:t>
-            </a:r>
-            <a:r>
-              <a:rPr lang="en-US" dirty="0" smtClean="0"/>
-              <a:t>, all functions are typed</a:t>
-            </a:r>
-          </a:p>
-          <a:p>
-            <a:r>
-              <a:rPr lang="en-US" smtClean="0"/>
-              <a:t>See Example 6</a:t>
-            </a:r>
+              <a:t>Infer local variables</a:t>
+            </a:r>
+          </a:p>
+          <a:p>
+            <a:pPr lvl="1"/>
+            <a:r>
+              <a:rPr lang="en-US" dirty="0" smtClean="0"/>
+              <a:t>Define Function </a:t>
+            </a:r>
+            <a:r>
+              <a:rPr lang="en-US" smtClean="0"/>
+              <a:t>Return Types</a:t>
+            </a:r>
+            <a:endParaRPr lang="en-US" dirty="0"/>
           </a:p>
         </p:txBody>
       </p:sp>
     </p:spTree>
     <p:extLst>
       <p:ext uri="{BB962C8B-B14F-4D97-AF65-F5344CB8AC3E}">
-        <p14:creationId xmlns:p14="http://schemas.microsoft.com/office/powerpoint/2010/main" val="2090952208"/>
+        <p14:creationId xmlns:p14="http://schemas.microsoft.com/office/powerpoint/2010/main" val="3172925111"/>
       </p:ext>
     </p:extLst>
   </p:cSld>
@@ -9262,11 +9220,7 @@
             <a:pPr algn="ctr"/>
             <a:r>
               <a:rPr lang="en-US" sz="3600" dirty="0" smtClean="0"/>
-              <a:t>You </a:t>
-            </a:r>
-            <a:r>
-              <a:rPr lang="en-US" sz="3600" dirty="0" smtClean="0"/>
-              <a:t>can’t understand Typescript without understanding </a:t>
+              <a:t>You can’t understand Typescript without understanding </a:t>
             </a:r>
             <a:r>
               <a:rPr lang="en-US" sz="3600" dirty="0" err="1" smtClean="0"/>
@@ -9299,6 +9253,930 @@
     <p:extLst>
       <p:ext uri="{BB962C8B-B14F-4D97-AF65-F5344CB8AC3E}">
         <p14:creationId xmlns:p14="http://schemas.microsoft.com/office/powerpoint/2010/main" val="3833712567"/>
+      </p:ext>
+    </p:extLst>
+  </p:cSld>
+  <p:clrMapOvr>
+    <a:masterClrMapping/>
+  </p:clrMapOvr>
+</p:sld>
+</file>
+
+<file path=ppt/slides/slide30.xml><?xml version="1.0" encoding="utf-8"?>
+<p:sld xmlns:a="http://schemas.openxmlformats.org/drawingml/2006/main" xmlns:r="http://schemas.openxmlformats.org/officeDocument/2006/relationships" xmlns:p="http://schemas.openxmlformats.org/presentationml/2006/main">
+  <p:cSld>
+    <p:spTree>
+      <p:nvGrpSpPr>
+        <p:cNvPr id="1" name=""/>
+        <p:cNvGrpSpPr/>
+        <p:nvPr/>
+      </p:nvGrpSpPr>
+      <p:grpSpPr>
+        <a:xfrm>
+          <a:off x="0" y="0"/>
+          <a:ext cx="0" cy="0"/>
+          <a:chOff x="0" y="0"/>
+          <a:chExt cx="0" cy="0"/>
+        </a:xfrm>
+      </p:grpSpPr>
+      <p:sp>
+        <p:nvSpPr>
+          <p:cNvPr id="2" name="Title 1"/>
+          <p:cNvSpPr>
+            <a:spLocks noGrp="1"/>
+          </p:cNvSpPr>
+          <p:nvPr>
+            <p:ph type="title"/>
+          </p:nvPr>
+        </p:nvSpPr>
+        <p:spPr/>
+        <p:txBody>
+          <a:bodyPr/>
+          <a:lstStyle/>
+          <a:p>
+            <a:r>
+              <a:rPr lang="en-US" dirty="0" smtClean="0"/>
+              <a:t>Function types</a:t>
+            </a:r>
+            <a:endParaRPr lang="en-US" dirty="0"/>
+          </a:p>
+        </p:txBody>
+      </p:sp>
+      <p:sp>
+        <p:nvSpPr>
+          <p:cNvPr id="3" name="Content Placeholder 2"/>
+          <p:cNvSpPr>
+            <a:spLocks noGrp="1"/>
+          </p:cNvSpPr>
+          <p:nvPr>
+            <p:ph idx="1"/>
+          </p:nvPr>
+        </p:nvSpPr>
+        <p:spPr/>
+        <p:txBody>
+          <a:bodyPr/>
+          <a:lstStyle/>
+          <a:p>
+            <a:r>
+              <a:rPr lang="en-US" dirty="0" smtClean="0"/>
+              <a:t>JavaScript is fundamentally a functional language</a:t>
+            </a:r>
+          </a:p>
+          <a:p>
+            <a:pPr lvl="1"/>
+            <a:r>
+              <a:rPr lang="en-US" dirty="0" smtClean="0"/>
+              <a:t>Based on Scheme, with a Java “skin”</a:t>
+            </a:r>
+          </a:p>
+          <a:p>
+            <a:r>
+              <a:rPr lang="en-US" dirty="0" smtClean="0"/>
+              <a:t>In </a:t>
+            </a:r>
+            <a:r>
+              <a:rPr lang="en-US" dirty="0" err="1" smtClean="0"/>
+              <a:t>TypeScript</a:t>
+            </a:r>
+            <a:r>
+              <a:rPr lang="en-US" dirty="0" smtClean="0"/>
+              <a:t>, all functions are typed</a:t>
+            </a:r>
+          </a:p>
+          <a:p>
+            <a:r>
+              <a:rPr lang="en-US" smtClean="0"/>
+              <a:t>See Example 6</a:t>
+            </a:r>
+          </a:p>
+        </p:txBody>
+      </p:sp>
+    </p:spTree>
+    <p:extLst>
+      <p:ext uri="{BB962C8B-B14F-4D97-AF65-F5344CB8AC3E}">
+        <p14:creationId xmlns:p14="http://schemas.microsoft.com/office/powerpoint/2010/main" val="2090952208"/>
+      </p:ext>
+    </p:extLst>
+  </p:cSld>
+  <p:clrMapOvr>
+    <a:masterClrMapping/>
+  </p:clrMapOvr>
+</p:sld>
+</file>
+
+<file path=ppt/slides/slide31.xml><?xml version="1.0" encoding="utf-8"?>
+<p:sld xmlns:a="http://schemas.openxmlformats.org/drawingml/2006/main" xmlns:r="http://schemas.openxmlformats.org/officeDocument/2006/relationships" xmlns:p="http://schemas.openxmlformats.org/presentationml/2006/main">
+  <p:cSld>
+    <p:spTree>
+      <p:nvGrpSpPr>
+        <p:cNvPr id="1" name=""/>
+        <p:cNvGrpSpPr/>
+        <p:nvPr/>
+      </p:nvGrpSpPr>
+      <p:grpSpPr>
+        <a:xfrm>
+          <a:off x="0" y="0"/>
+          <a:ext cx="0" cy="0"/>
+          <a:chOff x="0" y="0"/>
+          <a:chExt cx="0" cy="0"/>
+        </a:xfrm>
+      </p:grpSpPr>
+      <p:sp>
+        <p:nvSpPr>
+          <p:cNvPr id="2" name="Title 1"/>
+          <p:cNvSpPr>
+            <a:spLocks noGrp="1"/>
+          </p:cNvSpPr>
+          <p:nvPr>
+            <p:ph type="title"/>
+          </p:nvPr>
+        </p:nvSpPr>
+        <p:spPr/>
+        <p:txBody>
+          <a:bodyPr/>
+          <a:lstStyle/>
+          <a:p>
+            <a:r>
+              <a:rPr lang="en-US" dirty="0" smtClean="0"/>
+              <a:t>Interface types</a:t>
+            </a:r>
+            <a:endParaRPr lang="en-US" dirty="0"/>
+          </a:p>
+        </p:txBody>
+      </p:sp>
+      <p:sp>
+        <p:nvSpPr>
+          <p:cNvPr id="3" name="Content Placeholder 2"/>
+          <p:cNvSpPr>
+            <a:spLocks noGrp="1"/>
+          </p:cNvSpPr>
+          <p:nvPr>
+            <p:ph idx="1"/>
+          </p:nvPr>
+        </p:nvSpPr>
+        <p:spPr/>
+        <p:txBody>
+          <a:bodyPr/>
+          <a:lstStyle/>
+          <a:p>
+            <a:r>
+              <a:rPr lang="en-US" dirty="0" smtClean="0"/>
+              <a:t>Interfaces define a record</a:t>
+            </a:r>
+          </a:p>
+          <a:p>
+            <a:r>
+              <a:rPr lang="en-US" dirty="0" smtClean="0"/>
+              <a:t>Preferred over classes</a:t>
+            </a:r>
+          </a:p>
+          <a:p>
+            <a:pPr lvl="1"/>
+            <a:r>
+              <a:rPr lang="en-US" dirty="0" smtClean="0"/>
+              <a:t>Annotations erased at runtime</a:t>
+            </a:r>
+          </a:p>
+          <a:p>
+            <a:pPr lvl="1"/>
+            <a:r>
+              <a:rPr lang="en-US" dirty="0" smtClean="0"/>
+              <a:t>More “functional” friendly</a:t>
+            </a:r>
+          </a:p>
+          <a:p>
+            <a:pPr lvl="1"/>
+            <a:endParaRPr lang="en-US" dirty="0"/>
+          </a:p>
+        </p:txBody>
+      </p:sp>
+    </p:spTree>
+    <p:extLst>
+      <p:ext uri="{BB962C8B-B14F-4D97-AF65-F5344CB8AC3E}">
+        <p14:creationId xmlns:p14="http://schemas.microsoft.com/office/powerpoint/2010/main" val="2668762796"/>
+      </p:ext>
+    </p:extLst>
+  </p:cSld>
+  <p:clrMapOvr>
+    <a:masterClrMapping/>
+  </p:clrMapOvr>
+</p:sld>
+</file>
+
+<file path=ppt/slides/slide32.xml><?xml version="1.0" encoding="utf-8"?>
+<p:sld xmlns:a="http://schemas.openxmlformats.org/drawingml/2006/main" xmlns:r="http://schemas.openxmlformats.org/officeDocument/2006/relationships" xmlns:p="http://schemas.openxmlformats.org/presentationml/2006/main">
+  <p:cSld>
+    <p:spTree>
+      <p:nvGrpSpPr>
+        <p:cNvPr id="1" name=""/>
+        <p:cNvGrpSpPr/>
+        <p:nvPr/>
+      </p:nvGrpSpPr>
+      <p:grpSpPr>
+        <a:xfrm>
+          <a:off x="0" y="0"/>
+          <a:ext cx="0" cy="0"/>
+          <a:chOff x="0" y="0"/>
+          <a:chExt cx="0" cy="0"/>
+        </a:xfrm>
+      </p:grpSpPr>
+      <p:sp>
+        <p:nvSpPr>
+          <p:cNvPr id="2" name="Title 1"/>
+          <p:cNvSpPr>
+            <a:spLocks noGrp="1"/>
+          </p:cNvSpPr>
+          <p:nvPr>
+            <p:ph type="title"/>
+          </p:nvPr>
+        </p:nvSpPr>
+        <p:spPr/>
+        <p:txBody>
+          <a:bodyPr/>
+          <a:lstStyle/>
+          <a:p>
+            <a:r>
+              <a:rPr lang="en-US" dirty="0" smtClean="0"/>
+              <a:t>classes</a:t>
+            </a:r>
+            <a:endParaRPr lang="en-US" dirty="0"/>
+          </a:p>
+        </p:txBody>
+      </p:sp>
+      <p:sp>
+        <p:nvSpPr>
+          <p:cNvPr id="3" name="Content Placeholder 2"/>
+          <p:cNvSpPr>
+            <a:spLocks noGrp="1"/>
+          </p:cNvSpPr>
+          <p:nvPr>
+            <p:ph idx="1"/>
+          </p:nvPr>
+        </p:nvSpPr>
+        <p:spPr/>
+        <p:txBody>
+          <a:bodyPr/>
+          <a:lstStyle/>
+          <a:p>
+            <a:r>
+              <a:rPr lang="en-US" dirty="0" smtClean="0"/>
+              <a:t>Syntactical Sugar around JS Prototypes</a:t>
+            </a:r>
+          </a:p>
+          <a:p>
+            <a:r>
+              <a:rPr lang="en-US" dirty="0" smtClean="0"/>
+              <a:t>Officially Supported in JS as of ECMAScript 2015</a:t>
+            </a:r>
+          </a:p>
+          <a:p>
+            <a:r>
+              <a:rPr lang="en-US" dirty="0" err="1" smtClean="0"/>
+              <a:t>TypeScript</a:t>
+            </a:r>
+            <a:r>
+              <a:rPr lang="en-US" dirty="0" smtClean="0"/>
+              <a:t> maintains class support even back to ES3</a:t>
+            </a:r>
+          </a:p>
+          <a:p>
+            <a:r>
+              <a:rPr lang="en-US" dirty="0" smtClean="0"/>
+              <a:t>See Example 8</a:t>
+            </a:r>
+            <a:endParaRPr lang="en-US" dirty="0"/>
+          </a:p>
+        </p:txBody>
+      </p:sp>
+    </p:spTree>
+    <p:extLst>
+      <p:ext uri="{BB962C8B-B14F-4D97-AF65-F5344CB8AC3E}">
+        <p14:creationId xmlns:p14="http://schemas.microsoft.com/office/powerpoint/2010/main" val="3548220022"/>
+      </p:ext>
+    </p:extLst>
+  </p:cSld>
+  <p:clrMapOvr>
+    <a:masterClrMapping/>
+  </p:clrMapOvr>
+</p:sld>
+</file>
+
+<file path=ppt/slides/slide33.xml><?xml version="1.0" encoding="utf-8"?>
+<p:sld xmlns:a="http://schemas.openxmlformats.org/drawingml/2006/main" xmlns:r="http://schemas.openxmlformats.org/officeDocument/2006/relationships" xmlns:p="http://schemas.openxmlformats.org/presentationml/2006/main">
+  <p:cSld>
+    <p:spTree>
+      <p:nvGrpSpPr>
+        <p:cNvPr id="1" name=""/>
+        <p:cNvGrpSpPr/>
+        <p:nvPr/>
+      </p:nvGrpSpPr>
+      <p:grpSpPr>
+        <a:xfrm>
+          <a:off x="0" y="0"/>
+          <a:ext cx="0" cy="0"/>
+          <a:chOff x="0" y="0"/>
+          <a:chExt cx="0" cy="0"/>
+        </a:xfrm>
+      </p:grpSpPr>
+      <p:sp>
+        <p:nvSpPr>
+          <p:cNvPr id="2" name="Title 1"/>
+          <p:cNvSpPr>
+            <a:spLocks noGrp="1"/>
+          </p:cNvSpPr>
+          <p:nvPr>
+            <p:ph type="title"/>
+          </p:nvPr>
+        </p:nvSpPr>
+        <p:spPr/>
+        <p:txBody>
+          <a:bodyPr/>
+          <a:lstStyle/>
+          <a:p>
+            <a:r>
+              <a:rPr lang="en-US" dirty="0" smtClean="0"/>
+              <a:t>A Word on Object-oriented programming</a:t>
+            </a:r>
+            <a:endParaRPr lang="en-US" dirty="0"/>
+          </a:p>
+        </p:txBody>
+      </p:sp>
+      <p:sp>
+        <p:nvSpPr>
+          <p:cNvPr id="3" name="Content Placeholder 2"/>
+          <p:cNvSpPr>
+            <a:spLocks noGrp="1"/>
+          </p:cNvSpPr>
+          <p:nvPr>
+            <p:ph idx="1"/>
+          </p:nvPr>
+        </p:nvSpPr>
+        <p:spPr/>
+        <p:txBody>
+          <a:bodyPr/>
+          <a:lstStyle/>
+          <a:p>
+            <a:r>
+              <a:rPr lang="en-US" dirty="0" smtClean="0"/>
+              <a:t>Some claim “OOP is dead”</a:t>
+            </a:r>
+          </a:p>
+          <a:p>
+            <a:pPr lvl="1"/>
+            <a:r>
+              <a:rPr lang="en-US" dirty="0" smtClean="0"/>
+              <a:t>They have a point</a:t>
+            </a:r>
+          </a:p>
+          <a:p>
+            <a:pPr lvl="1"/>
+            <a:r>
+              <a:rPr lang="en-US" dirty="0" smtClean="0"/>
+              <a:t>But… it’s complicated</a:t>
+            </a:r>
+          </a:p>
+          <a:p>
+            <a:r>
+              <a:rPr lang="en-US" dirty="0" smtClean="0"/>
+              <a:t>Some domains excel with OOP</a:t>
+            </a:r>
+          </a:p>
+          <a:p>
+            <a:pPr lvl="1"/>
+            <a:r>
+              <a:rPr lang="en-US" dirty="0" smtClean="0"/>
+              <a:t>UI frameworks</a:t>
+            </a:r>
+          </a:p>
+          <a:p>
+            <a:pPr lvl="1"/>
+            <a:r>
+              <a:rPr lang="en-US" dirty="0" smtClean="0"/>
+              <a:t>Game programming</a:t>
+            </a:r>
+          </a:p>
+          <a:p>
+            <a:r>
+              <a:rPr lang="en-US" dirty="0" smtClean="0"/>
+              <a:t>Some domains are terrible with OOP</a:t>
+            </a:r>
+          </a:p>
+          <a:p>
+            <a:pPr lvl="1"/>
+            <a:r>
+              <a:rPr lang="en-US" dirty="0" smtClean="0"/>
+              <a:t>Finance</a:t>
+            </a:r>
+          </a:p>
+          <a:p>
+            <a:pPr lvl="1"/>
+            <a:r>
+              <a:rPr lang="en-US" dirty="0" smtClean="0"/>
+              <a:t>AI</a:t>
+            </a:r>
+          </a:p>
+          <a:p>
+            <a:pPr lvl="1"/>
+            <a:r>
+              <a:rPr lang="en-US" dirty="0" smtClean="0"/>
+              <a:t>Web Programming</a:t>
+            </a:r>
+          </a:p>
+          <a:p>
+            <a:pPr lvl="1"/>
+            <a:endParaRPr lang="en-US" dirty="0"/>
+          </a:p>
+        </p:txBody>
+      </p:sp>
+    </p:spTree>
+    <p:extLst>
+      <p:ext uri="{BB962C8B-B14F-4D97-AF65-F5344CB8AC3E}">
+        <p14:creationId xmlns:p14="http://schemas.microsoft.com/office/powerpoint/2010/main" val="2602055949"/>
+      </p:ext>
+    </p:extLst>
+  </p:cSld>
+  <p:clrMapOvr>
+    <a:masterClrMapping/>
+  </p:clrMapOvr>
+</p:sld>
+</file>
+
+<file path=ppt/slides/slide34.xml><?xml version="1.0" encoding="utf-8"?>
+<p:sld xmlns:a="http://schemas.openxmlformats.org/drawingml/2006/main" xmlns:r="http://schemas.openxmlformats.org/officeDocument/2006/relationships" xmlns:p="http://schemas.openxmlformats.org/presentationml/2006/main">
+  <p:cSld>
+    <p:spTree>
+      <p:nvGrpSpPr>
+        <p:cNvPr id="1" name=""/>
+        <p:cNvGrpSpPr/>
+        <p:nvPr/>
+      </p:nvGrpSpPr>
+      <p:grpSpPr>
+        <a:xfrm>
+          <a:off x="0" y="0"/>
+          <a:ext cx="0" cy="0"/>
+          <a:chOff x="0" y="0"/>
+          <a:chExt cx="0" cy="0"/>
+        </a:xfrm>
+      </p:grpSpPr>
+      <p:sp>
+        <p:nvSpPr>
+          <p:cNvPr id="2" name="Title 1"/>
+          <p:cNvSpPr>
+            <a:spLocks noGrp="1"/>
+          </p:cNvSpPr>
+          <p:nvPr>
+            <p:ph type="title"/>
+          </p:nvPr>
+        </p:nvSpPr>
+        <p:spPr/>
+        <p:txBody>
+          <a:bodyPr/>
+          <a:lstStyle/>
+          <a:p>
+            <a:r>
+              <a:rPr lang="en-US" dirty="0" smtClean="0"/>
+              <a:t>OOP continued</a:t>
+            </a:r>
+            <a:endParaRPr lang="en-US" dirty="0"/>
+          </a:p>
+        </p:txBody>
+      </p:sp>
+      <p:sp>
+        <p:nvSpPr>
+          <p:cNvPr id="3" name="Content Placeholder 2"/>
+          <p:cNvSpPr>
+            <a:spLocks noGrp="1"/>
+          </p:cNvSpPr>
+          <p:nvPr>
+            <p:ph idx="1"/>
+          </p:nvPr>
+        </p:nvSpPr>
+        <p:spPr/>
+        <p:txBody>
+          <a:bodyPr/>
+          <a:lstStyle/>
+          <a:p>
+            <a:r>
+              <a:rPr lang="en-US" dirty="0" smtClean="0"/>
+              <a:t>OOP tightly couples code and structure</a:t>
+            </a:r>
+          </a:p>
+          <a:p>
+            <a:pPr lvl="1"/>
+            <a:r>
+              <a:rPr lang="en-US" dirty="0" smtClean="0"/>
+              <a:t>Good for up-front design</a:t>
+            </a:r>
+          </a:p>
+          <a:p>
+            <a:pPr lvl="1"/>
+            <a:r>
+              <a:rPr lang="en-US" dirty="0" smtClean="0"/>
+              <a:t>Bad for maintenance and library consumption</a:t>
+            </a:r>
+          </a:p>
+          <a:p>
+            <a:r>
+              <a:rPr lang="en-US" dirty="0" smtClean="0"/>
+              <a:t>Imagine a “Bitmap” class</a:t>
+            </a:r>
+          </a:p>
+          <a:p>
+            <a:pPr lvl="1"/>
+            <a:r>
+              <a:rPr lang="en-US" dirty="0" smtClean="0"/>
+              <a:t>Contains 2D array of pixel data</a:t>
+            </a:r>
+          </a:p>
+          <a:p>
+            <a:pPr lvl="1"/>
+            <a:r>
+              <a:rPr lang="en-US" dirty="0" smtClean="0"/>
+              <a:t>Contains handy “</a:t>
+            </a:r>
+            <a:r>
+              <a:rPr lang="en-US" dirty="0" err="1" smtClean="0"/>
+              <a:t>SaveToFile</a:t>
+            </a:r>
+            <a:r>
+              <a:rPr lang="en-US" dirty="0" smtClean="0"/>
+              <a:t>(</a:t>
+            </a:r>
+            <a:r>
+              <a:rPr lang="en-US" dirty="0" err="1" smtClean="0"/>
+              <a:t>ImageFormat</a:t>
+            </a:r>
+            <a:r>
+              <a:rPr lang="en-US" dirty="0" smtClean="0"/>
+              <a:t>)” method</a:t>
+            </a:r>
+          </a:p>
+          <a:p>
+            <a:pPr lvl="1"/>
+            <a:r>
+              <a:rPr lang="en-US" dirty="0" smtClean="0"/>
+              <a:t>See Example 8 Part 2</a:t>
+            </a:r>
+          </a:p>
+          <a:p>
+            <a:pPr lvl="1"/>
+            <a:endParaRPr lang="en-US" dirty="0"/>
+          </a:p>
+        </p:txBody>
+      </p:sp>
+    </p:spTree>
+    <p:extLst>
+      <p:ext uri="{BB962C8B-B14F-4D97-AF65-F5344CB8AC3E}">
+        <p14:creationId xmlns:p14="http://schemas.microsoft.com/office/powerpoint/2010/main" val="3796873890"/>
+      </p:ext>
+    </p:extLst>
+  </p:cSld>
+  <p:clrMapOvr>
+    <a:masterClrMapping/>
+  </p:clrMapOvr>
+</p:sld>
+</file>
+
+<file path=ppt/slides/slide35.xml><?xml version="1.0" encoding="utf-8"?>
+<p:sld xmlns:a="http://schemas.openxmlformats.org/drawingml/2006/main" xmlns:r="http://schemas.openxmlformats.org/officeDocument/2006/relationships" xmlns:p="http://schemas.openxmlformats.org/presentationml/2006/main">
+  <p:cSld>
+    <p:spTree>
+      <p:nvGrpSpPr>
+        <p:cNvPr id="1" name=""/>
+        <p:cNvGrpSpPr/>
+        <p:nvPr/>
+      </p:nvGrpSpPr>
+      <p:grpSpPr>
+        <a:xfrm>
+          <a:off x="0" y="0"/>
+          <a:ext cx="0" cy="0"/>
+          <a:chOff x="0" y="0"/>
+          <a:chExt cx="0" cy="0"/>
+        </a:xfrm>
+      </p:grpSpPr>
+      <p:sp>
+        <p:nvSpPr>
+          <p:cNvPr id="2" name="Title 1"/>
+          <p:cNvSpPr>
+            <a:spLocks noGrp="1"/>
+          </p:cNvSpPr>
+          <p:nvPr>
+            <p:ph type="title"/>
+          </p:nvPr>
+        </p:nvSpPr>
+        <p:spPr/>
+        <p:txBody>
+          <a:bodyPr/>
+          <a:lstStyle/>
+          <a:p>
+            <a:r>
+              <a:rPr lang="en-US" dirty="0" smtClean="0"/>
+              <a:t>OOP </a:t>
+            </a:r>
+            <a:r>
+              <a:rPr lang="en-US" dirty="0" err="1" smtClean="0"/>
+              <a:t>COntinued</a:t>
+            </a:r>
+            <a:endParaRPr lang="en-US" dirty="0"/>
+          </a:p>
+        </p:txBody>
+      </p:sp>
+      <p:sp>
+        <p:nvSpPr>
+          <p:cNvPr id="3" name="Content Placeholder 2"/>
+          <p:cNvSpPr>
+            <a:spLocks noGrp="1"/>
+          </p:cNvSpPr>
+          <p:nvPr>
+            <p:ph idx="1"/>
+          </p:nvPr>
+        </p:nvSpPr>
+        <p:spPr/>
+        <p:txBody>
+          <a:bodyPr>
+            <a:normAutofit lnSpcReduction="10000"/>
+          </a:bodyPr>
+          <a:lstStyle/>
+          <a:p>
+            <a:r>
+              <a:rPr lang="en-US" dirty="0" smtClean="0"/>
+              <a:t>Try to add a “PNG” option</a:t>
+            </a:r>
+          </a:p>
+          <a:p>
+            <a:pPr lvl="1"/>
+            <a:r>
+              <a:rPr lang="en-US" dirty="0" smtClean="0"/>
+              <a:t>What if you are consuming “Bitmap” as a library?</a:t>
+            </a:r>
+          </a:p>
+          <a:p>
+            <a:pPr lvl="1"/>
+            <a:r>
+              <a:rPr lang="en-US" dirty="0" smtClean="0"/>
+              <a:t>Inherit?</a:t>
+            </a:r>
+          </a:p>
+          <a:p>
+            <a:pPr lvl="2"/>
+            <a:r>
+              <a:rPr lang="en-US" dirty="0" smtClean="0"/>
+              <a:t>Bad idea!</a:t>
+            </a:r>
+          </a:p>
+          <a:p>
+            <a:pPr lvl="2"/>
+            <a:r>
+              <a:rPr lang="en-US" dirty="0" smtClean="0"/>
+              <a:t>Now Bitmaps are “versioned”</a:t>
+            </a:r>
+          </a:p>
+          <a:p>
+            <a:pPr lvl="2"/>
+            <a:r>
+              <a:rPr lang="en-US" dirty="0" smtClean="0"/>
+              <a:t>Library returns “Bitmap” objects, but not “</a:t>
+            </a:r>
+            <a:r>
+              <a:rPr lang="en-US" dirty="0" err="1" smtClean="0"/>
+              <a:t>PNGExtendedBitmap</a:t>
+            </a:r>
+            <a:r>
+              <a:rPr lang="en-US" dirty="0" smtClean="0"/>
+              <a:t>” objects!</a:t>
+            </a:r>
+          </a:p>
+          <a:p>
+            <a:pPr lvl="1"/>
+            <a:r>
+              <a:rPr lang="en-US" dirty="0" smtClean="0"/>
+              <a:t>I know, I’ll use a Data Pattern!</a:t>
+            </a:r>
+          </a:p>
+          <a:p>
+            <a:pPr lvl="2"/>
+            <a:r>
+              <a:rPr lang="en-US" dirty="0" smtClean="0"/>
+              <a:t>Architects and Consultants start rubbing their hands eagerly</a:t>
+            </a:r>
+          </a:p>
+          <a:p>
+            <a:pPr lvl="2"/>
+            <a:r>
+              <a:rPr lang="en-US" dirty="0" smtClean="0"/>
+              <a:t>Diagrams, diagrams everywhere!</a:t>
+            </a:r>
+          </a:p>
+          <a:p>
+            <a:pPr lvl="2"/>
+            <a:r>
+              <a:rPr lang="en-US" dirty="0" smtClean="0"/>
+              <a:t>Congratulations, you now have bloated, overcomplicated code</a:t>
+            </a:r>
+          </a:p>
+          <a:p>
+            <a:pPr lvl="1"/>
+            <a:r>
+              <a:rPr lang="en-US" dirty="0" smtClean="0"/>
+              <a:t>What’s wrong with just using a function?</a:t>
+            </a:r>
+          </a:p>
+          <a:p>
+            <a:pPr lvl="2"/>
+            <a:r>
+              <a:rPr lang="en-US" dirty="0" smtClean="0"/>
+              <a:t>Traditional OOP languages don’t allow this</a:t>
+            </a:r>
+          </a:p>
+          <a:p>
+            <a:pPr lvl="2"/>
+            <a:r>
+              <a:rPr lang="en-US" dirty="0" smtClean="0"/>
+              <a:t>But JS/TS do!</a:t>
+            </a:r>
+            <a:endParaRPr lang="en-US" dirty="0"/>
+          </a:p>
+        </p:txBody>
+      </p:sp>
+    </p:spTree>
+    <p:extLst>
+      <p:ext uri="{BB962C8B-B14F-4D97-AF65-F5344CB8AC3E}">
+        <p14:creationId xmlns:p14="http://schemas.microsoft.com/office/powerpoint/2010/main" val="1810462133"/>
+      </p:ext>
+    </p:extLst>
+  </p:cSld>
+  <p:clrMapOvr>
+    <a:masterClrMapping/>
+  </p:clrMapOvr>
+</p:sld>
+</file>
+
+<file path=ppt/slides/slide36.xml><?xml version="1.0" encoding="utf-8"?>
+<p:sld xmlns:a="http://schemas.openxmlformats.org/drawingml/2006/main" xmlns:r="http://schemas.openxmlformats.org/officeDocument/2006/relationships" xmlns:p="http://schemas.openxmlformats.org/presentationml/2006/main">
+  <p:cSld>
+    <p:spTree>
+      <p:nvGrpSpPr>
+        <p:cNvPr id="1" name=""/>
+        <p:cNvGrpSpPr/>
+        <p:nvPr/>
+      </p:nvGrpSpPr>
+      <p:grpSpPr>
+        <a:xfrm>
+          <a:off x="0" y="0"/>
+          <a:ext cx="0" cy="0"/>
+          <a:chOff x="0" y="0"/>
+          <a:chExt cx="0" cy="0"/>
+        </a:xfrm>
+      </p:grpSpPr>
+      <p:sp>
+        <p:nvSpPr>
+          <p:cNvPr id="2" name="Title 1"/>
+          <p:cNvSpPr>
+            <a:spLocks noGrp="1"/>
+          </p:cNvSpPr>
+          <p:nvPr>
+            <p:ph type="title"/>
+          </p:nvPr>
+        </p:nvSpPr>
+        <p:spPr/>
+        <p:txBody>
+          <a:bodyPr/>
+          <a:lstStyle/>
+          <a:p>
+            <a:r>
+              <a:rPr lang="en-US" dirty="0" smtClean="0"/>
+              <a:t>Enumerations</a:t>
+            </a:r>
+            <a:endParaRPr lang="en-US" dirty="0"/>
+          </a:p>
+        </p:txBody>
+      </p:sp>
+      <p:sp>
+        <p:nvSpPr>
+          <p:cNvPr id="3" name="Content Placeholder 2"/>
+          <p:cNvSpPr>
+            <a:spLocks noGrp="1"/>
+          </p:cNvSpPr>
+          <p:nvPr>
+            <p:ph idx="1"/>
+          </p:nvPr>
+        </p:nvSpPr>
+        <p:spPr/>
+        <p:txBody>
+          <a:bodyPr>
+            <a:normAutofit lnSpcReduction="10000"/>
+          </a:bodyPr>
+          <a:lstStyle/>
+          <a:p>
+            <a:r>
+              <a:rPr lang="en-US" dirty="0" smtClean="0"/>
+              <a:t>“</a:t>
+            </a:r>
+            <a:r>
+              <a:rPr lang="en-US" dirty="0" err="1" smtClean="0"/>
+              <a:t>Enum</a:t>
+            </a:r>
+            <a:r>
+              <a:rPr lang="en-US" dirty="0" smtClean="0"/>
+              <a:t>” keyword emulates C# syntax</a:t>
+            </a:r>
+          </a:p>
+          <a:p>
+            <a:pPr lvl="1"/>
+            <a:r>
+              <a:rPr lang="en-US" dirty="0" smtClean="0"/>
+              <a:t>Can only enumerate numbers and strings</a:t>
+            </a:r>
+          </a:p>
+          <a:p>
+            <a:pPr lvl="1"/>
+            <a:r>
+              <a:rPr lang="en-US" dirty="0" smtClean="0"/>
+              <a:t>Generates an array of mappings in generated JS code</a:t>
+            </a:r>
+          </a:p>
+          <a:p>
+            <a:pPr lvl="1"/>
+            <a:r>
+              <a:rPr lang="en-US" dirty="0" smtClean="0"/>
+              <a:t>See Example 9</a:t>
+            </a:r>
+          </a:p>
+          <a:p>
+            <a:r>
+              <a:rPr lang="en-US" dirty="0" smtClean="0"/>
+              <a:t>Can use “type” keyword to create interface enumerations</a:t>
+            </a:r>
+          </a:p>
+          <a:p>
+            <a:pPr lvl="1"/>
+            <a:r>
+              <a:rPr lang="en-US" dirty="0" smtClean="0"/>
+              <a:t>Cannot enumerate through these</a:t>
+            </a:r>
+          </a:p>
+          <a:p>
+            <a:pPr lvl="1"/>
+            <a:r>
+              <a:rPr lang="en-US" dirty="0" smtClean="0"/>
+              <a:t>Provide better type checking</a:t>
+            </a:r>
+          </a:p>
+          <a:p>
+            <a:pPr lvl="1"/>
+            <a:r>
+              <a:rPr lang="en-US" dirty="0" smtClean="0"/>
+              <a:t>No generated code, smaller footprint</a:t>
+            </a:r>
+          </a:p>
+          <a:p>
+            <a:r>
+              <a:rPr lang="en-US" dirty="0" smtClean="0"/>
+              <a:t>Generally prefer “type” to “</a:t>
+            </a:r>
+            <a:r>
+              <a:rPr lang="en-US" dirty="0" err="1" smtClean="0"/>
+              <a:t>enum</a:t>
+            </a:r>
+            <a:r>
+              <a:rPr lang="en-US" dirty="0" smtClean="0"/>
+              <a:t>”</a:t>
+            </a:r>
+          </a:p>
+          <a:p>
+            <a:r>
+              <a:rPr lang="en-US" dirty="0" smtClean="0"/>
+              <a:t>When to use “</a:t>
+            </a:r>
+            <a:r>
+              <a:rPr lang="en-US" dirty="0" err="1" smtClean="0"/>
+              <a:t>enum</a:t>
+            </a:r>
+            <a:r>
+              <a:rPr lang="en-US" dirty="0" smtClean="0"/>
+              <a:t>” over “type”</a:t>
+            </a:r>
+          </a:p>
+          <a:p>
+            <a:pPr lvl="1"/>
+            <a:r>
+              <a:rPr lang="en-US" dirty="0" smtClean="0"/>
+              <a:t>Need to enumerate through values at runtime</a:t>
+            </a:r>
+          </a:p>
+          <a:p>
+            <a:pPr lvl="1"/>
+            <a:r>
+              <a:rPr lang="en-US" dirty="0" smtClean="0"/>
+              <a:t>Numeric values are important</a:t>
+            </a:r>
+          </a:p>
+        </p:txBody>
+      </p:sp>
+    </p:spTree>
+    <p:extLst>
+      <p:ext uri="{BB962C8B-B14F-4D97-AF65-F5344CB8AC3E}">
+        <p14:creationId xmlns:p14="http://schemas.microsoft.com/office/powerpoint/2010/main" val="594601522"/>
       </p:ext>
     </p:extLst>
   </p:cSld>

--- a/Web development with Typescript.pptx
+++ b/Web development with Typescript.pptx
@@ -5,7 +5,7 @@
     <p:sldMasterId id="2147483684" r:id="rId1"/>
   </p:sldMasterIdLst>
   <p:notesMasterIdLst>
-    <p:notesMasterId r:id="rId38"/>
+    <p:notesMasterId r:id="rId44"/>
   </p:notesMasterIdLst>
   <p:sldIdLst>
     <p:sldId id="256" r:id="rId2"/>
@@ -44,6 +44,12 @@
     <p:sldId id="295" r:id="rId35"/>
     <p:sldId id="297" r:id="rId36"/>
     <p:sldId id="298" r:id="rId37"/>
+    <p:sldId id="299" r:id="rId38"/>
+    <p:sldId id="300" r:id="rId39"/>
+    <p:sldId id="301" r:id="rId40"/>
+    <p:sldId id="302" r:id="rId41"/>
+    <p:sldId id="303" r:id="rId42"/>
+    <p:sldId id="304" r:id="rId43"/>
   </p:sldIdLst>
   <p:sldSz cx="12192000" cy="6858000"/>
   <p:notesSz cx="6858000" cy="9144000"/>
@@ -10186,6 +10192,307 @@
 </p:sld>
 </file>
 
+<file path=ppt/slides/slide37.xml><?xml version="1.0" encoding="utf-8"?>
+<p:sld xmlns:a="http://schemas.openxmlformats.org/drawingml/2006/main" xmlns:r="http://schemas.openxmlformats.org/officeDocument/2006/relationships" xmlns:p="http://schemas.openxmlformats.org/presentationml/2006/main">
+  <p:cSld>
+    <p:spTree>
+      <p:nvGrpSpPr>
+        <p:cNvPr id="1" name=""/>
+        <p:cNvGrpSpPr/>
+        <p:nvPr/>
+      </p:nvGrpSpPr>
+      <p:grpSpPr>
+        <a:xfrm>
+          <a:off x="0" y="0"/>
+          <a:ext cx="0" cy="0"/>
+          <a:chOff x="0" y="0"/>
+          <a:chExt cx="0" cy="0"/>
+        </a:xfrm>
+      </p:grpSpPr>
+      <p:sp>
+        <p:nvSpPr>
+          <p:cNvPr id="2" name="Title 1"/>
+          <p:cNvSpPr>
+            <a:spLocks noGrp="1"/>
+          </p:cNvSpPr>
+          <p:nvPr>
+            <p:ph type="title"/>
+          </p:nvPr>
+        </p:nvSpPr>
+        <p:spPr/>
+        <p:txBody>
+          <a:bodyPr>
+            <a:normAutofit/>
+          </a:bodyPr>
+          <a:lstStyle/>
+          <a:p>
+            <a:r>
+              <a:rPr lang="en-US" sz="2200" dirty="0"/>
+              <a:t>I call it my billion-dollar mistake. It was the invention of the null reference in </a:t>
+            </a:r>
+            <a:r>
+              <a:rPr lang="en-US" sz="2200" dirty="0" smtClean="0"/>
+              <a:t>1965... </a:t>
+            </a:r>
+            <a:r>
+              <a:rPr lang="en-US" sz="2200" dirty="0"/>
+              <a:t>But I couldn't resist the temptation to put in a null reference, simply because it was so easy to implement. This has led to innumerable errors, vulnerabilities, and system crashes, which have probably caused a billion dollars of pain and damage in the last forty years.</a:t>
+            </a:r>
+            <a:endParaRPr lang="en-US" sz="2200" dirty="0"/>
+          </a:p>
+        </p:txBody>
+      </p:sp>
+      <p:sp>
+        <p:nvSpPr>
+          <p:cNvPr id="3" name="Text Placeholder 2"/>
+          <p:cNvSpPr>
+            <a:spLocks noGrp="1"/>
+          </p:cNvSpPr>
+          <p:nvPr>
+            <p:ph type="body" sz="half" idx="13"/>
+          </p:nvPr>
+        </p:nvSpPr>
+        <p:spPr/>
+        <p:txBody>
+          <a:bodyPr/>
+          <a:lstStyle/>
+          <a:p>
+            <a:r>
+              <a:rPr lang="en-US" dirty="0"/>
+              <a:t>Tony Hoare</a:t>
+            </a:r>
+          </a:p>
+          <a:p>
+            <a:endParaRPr lang="en-US" dirty="0"/>
+          </a:p>
+        </p:txBody>
+      </p:sp>
+    </p:spTree>
+    <p:extLst>
+      <p:ext uri="{BB962C8B-B14F-4D97-AF65-F5344CB8AC3E}">
+        <p14:creationId xmlns:p14="http://schemas.microsoft.com/office/powerpoint/2010/main" val="1496269914"/>
+      </p:ext>
+    </p:extLst>
+  </p:cSld>
+  <p:clrMapOvr>
+    <a:masterClrMapping/>
+  </p:clrMapOvr>
+  <p:timing>
+    <p:tnLst>
+      <p:par>
+        <p:cTn id="1" dur="indefinite" restart="never" nodeType="tmRoot"/>
+      </p:par>
+    </p:tnLst>
+  </p:timing>
+</p:sld>
+</file>
+
+<file path=ppt/slides/slide38.xml><?xml version="1.0" encoding="utf-8"?>
+<p:sld xmlns:a="http://schemas.openxmlformats.org/drawingml/2006/main" xmlns:r="http://schemas.openxmlformats.org/officeDocument/2006/relationships" xmlns:p="http://schemas.openxmlformats.org/presentationml/2006/main">
+  <p:cSld>
+    <p:spTree>
+      <p:nvGrpSpPr>
+        <p:cNvPr id="1" name=""/>
+        <p:cNvGrpSpPr/>
+        <p:nvPr/>
+      </p:nvGrpSpPr>
+      <p:grpSpPr>
+        <a:xfrm>
+          <a:off x="0" y="0"/>
+          <a:ext cx="0" cy="0"/>
+          <a:chOff x="0" y="0"/>
+          <a:chExt cx="0" cy="0"/>
+        </a:xfrm>
+      </p:grpSpPr>
+      <p:sp>
+        <p:nvSpPr>
+          <p:cNvPr id="2" name="Title 1"/>
+          <p:cNvSpPr>
+            <a:spLocks noGrp="1"/>
+          </p:cNvSpPr>
+          <p:nvPr>
+            <p:ph type="title"/>
+          </p:nvPr>
+        </p:nvSpPr>
+        <p:spPr/>
+        <p:txBody>
+          <a:bodyPr/>
+          <a:lstStyle/>
+          <a:p>
+            <a:r>
+              <a:rPr lang="en-US" dirty="0" smtClean="0"/>
+              <a:t>Null checking</a:t>
+            </a:r>
+            <a:endParaRPr lang="en-US" dirty="0"/>
+          </a:p>
+        </p:txBody>
+      </p:sp>
+      <p:sp>
+        <p:nvSpPr>
+          <p:cNvPr id="3" name="Content Placeholder 2"/>
+          <p:cNvSpPr>
+            <a:spLocks noGrp="1"/>
+          </p:cNvSpPr>
+          <p:nvPr>
+            <p:ph idx="1"/>
+          </p:nvPr>
+        </p:nvSpPr>
+        <p:spPr/>
+        <p:txBody>
+          <a:bodyPr/>
+          <a:lstStyle/>
+          <a:p>
+            <a:r>
+              <a:rPr lang="en-US" dirty="0" smtClean="0"/>
+              <a:t>Nulls are a great concept</a:t>
+            </a:r>
+          </a:p>
+          <a:p>
+            <a:pPr lvl="1"/>
+            <a:r>
+              <a:rPr lang="en-US" dirty="0" smtClean="0"/>
+              <a:t>Sometimes the lack of data is data itself</a:t>
+            </a:r>
+          </a:p>
+          <a:p>
+            <a:r>
+              <a:rPr lang="en-US" dirty="0" smtClean="0"/>
+              <a:t>But 99%  of the time, you know the data will be there</a:t>
+            </a:r>
+          </a:p>
+          <a:p>
+            <a:r>
+              <a:rPr lang="en-US" dirty="0" smtClean="0"/>
+              <a:t>JavaScript thought Null was so great, it invented a 2</a:t>
+            </a:r>
+            <a:r>
+              <a:rPr lang="en-US" baseline="30000" dirty="0" smtClean="0"/>
+              <a:t>nd</a:t>
+            </a:r>
+            <a:r>
+              <a:rPr lang="en-US" dirty="0" smtClean="0"/>
+              <a:t> kind: </a:t>
+            </a:r>
+          </a:p>
+          <a:p>
+            <a:pPr lvl="1"/>
+            <a:r>
+              <a:rPr lang="en-US" dirty="0" smtClean="0"/>
+              <a:t>“Undefined”</a:t>
+            </a:r>
+          </a:p>
+          <a:p>
+            <a:r>
+              <a:rPr lang="en-US" dirty="0" smtClean="0"/>
+              <a:t>Wouldn’t it be great if the language could keep track of what could be null and what shouldn’t? </a:t>
+            </a:r>
+            <a:endParaRPr lang="en-US" dirty="0"/>
+          </a:p>
+        </p:txBody>
+      </p:sp>
+    </p:spTree>
+    <p:extLst>
+      <p:ext uri="{BB962C8B-B14F-4D97-AF65-F5344CB8AC3E}">
+        <p14:creationId xmlns:p14="http://schemas.microsoft.com/office/powerpoint/2010/main" val="3216369764"/>
+      </p:ext>
+    </p:extLst>
+  </p:cSld>
+  <p:clrMapOvr>
+    <a:masterClrMapping/>
+  </p:clrMapOvr>
+  <p:timing>
+    <p:tnLst>
+      <p:par>
+        <p:cTn id="1" dur="indefinite" restart="never" nodeType="tmRoot"/>
+      </p:par>
+    </p:tnLst>
+  </p:timing>
+</p:sld>
+</file>
+
+<file path=ppt/slides/slide39.xml><?xml version="1.0" encoding="utf-8"?>
+<p:sld xmlns:a="http://schemas.openxmlformats.org/drawingml/2006/main" xmlns:r="http://schemas.openxmlformats.org/officeDocument/2006/relationships" xmlns:p="http://schemas.openxmlformats.org/presentationml/2006/main">
+  <p:cSld>
+    <p:spTree>
+      <p:nvGrpSpPr>
+        <p:cNvPr id="1" name=""/>
+        <p:cNvGrpSpPr/>
+        <p:nvPr/>
+      </p:nvGrpSpPr>
+      <p:grpSpPr>
+        <a:xfrm>
+          <a:off x="0" y="0"/>
+          <a:ext cx="0" cy="0"/>
+          <a:chOff x="0" y="0"/>
+          <a:chExt cx="0" cy="0"/>
+        </a:xfrm>
+      </p:grpSpPr>
+      <p:sp>
+        <p:nvSpPr>
+          <p:cNvPr id="3" name="Content Placeholder 2"/>
+          <p:cNvSpPr>
+            <a:spLocks noGrp="1"/>
+          </p:cNvSpPr>
+          <p:nvPr>
+            <p:ph idx="1"/>
+          </p:nvPr>
+        </p:nvSpPr>
+        <p:spPr>
+          <a:xfrm>
+            <a:off x="685800" y="3131127"/>
+            <a:ext cx="10820400" cy="3087558"/>
+          </a:xfrm>
+        </p:spPr>
+        <p:txBody>
+          <a:bodyPr>
+            <a:normAutofit/>
+          </a:bodyPr>
+          <a:lstStyle/>
+          <a:p>
+            <a:pPr marL="0" indent="0" algn="ctr">
+              <a:buNone/>
+            </a:pPr>
+            <a:r>
+              <a:rPr lang="en-US" sz="2800" dirty="0" smtClean="0"/>
+              <a:t>I now prefer </a:t>
+            </a:r>
+            <a:r>
+              <a:rPr lang="en-US" sz="2800" dirty="0" err="1" smtClean="0"/>
+              <a:t>TypeScript</a:t>
+            </a:r>
+            <a:r>
+              <a:rPr lang="en-US" sz="2800" dirty="0" smtClean="0"/>
+              <a:t> to C# because of this feature alone.</a:t>
+            </a:r>
+          </a:p>
+          <a:p>
+            <a:pPr marL="0" indent="0">
+              <a:buNone/>
+            </a:pPr>
+            <a:endParaRPr lang="en-US" sz="2800" dirty="0"/>
+          </a:p>
+        </p:txBody>
+      </p:sp>
+    </p:spTree>
+    <p:extLst>
+      <p:ext uri="{BB962C8B-B14F-4D97-AF65-F5344CB8AC3E}">
+        <p14:creationId xmlns:p14="http://schemas.microsoft.com/office/powerpoint/2010/main" val="1169160060"/>
+      </p:ext>
+    </p:extLst>
+  </p:cSld>
+  <p:clrMapOvr>
+    <a:masterClrMapping/>
+  </p:clrMapOvr>
+  <p:timing>
+    <p:tnLst>
+      <p:par>
+        <p:cTn id="1" dur="indefinite" restart="never" nodeType="tmRoot"/>
+      </p:par>
+    </p:tnLst>
+  </p:timing>
+</p:sld>
+</file>
+
 <file path=ppt/slides/slide4.xml><?xml version="1.0" encoding="utf-8"?>
 <p:sld xmlns:a="http://schemas.openxmlformats.org/drawingml/2006/main" xmlns:r="http://schemas.openxmlformats.org/officeDocument/2006/relationships" xmlns:p="http://schemas.openxmlformats.org/presentationml/2006/main">
   <p:cSld>
@@ -10366,6 +10673,339 @@
       </p:par>
     </p:tnLst>
   </p:timing>
+</p:sld>
+</file>
+
+<file path=ppt/slides/slide40.xml><?xml version="1.0" encoding="utf-8"?>
+<p:sld xmlns:a="http://schemas.openxmlformats.org/drawingml/2006/main" xmlns:r="http://schemas.openxmlformats.org/officeDocument/2006/relationships" xmlns:p="http://schemas.openxmlformats.org/presentationml/2006/main">
+  <p:cSld>
+    <p:spTree>
+      <p:nvGrpSpPr>
+        <p:cNvPr id="1" name=""/>
+        <p:cNvGrpSpPr/>
+        <p:nvPr/>
+      </p:nvGrpSpPr>
+      <p:grpSpPr>
+        <a:xfrm>
+          <a:off x="0" y="0"/>
+          <a:ext cx="0" cy="0"/>
+          <a:chOff x="0" y="0"/>
+          <a:chExt cx="0" cy="0"/>
+        </a:xfrm>
+      </p:grpSpPr>
+      <p:sp>
+        <p:nvSpPr>
+          <p:cNvPr id="3" name="Content Placeholder 2"/>
+          <p:cNvSpPr>
+            <a:spLocks noGrp="1"/>
+          </p:cNvSpPr>
+          <p:nvPr>
+            <p:ph idx="1"/>
+          </p:nvPr>
+        </p:nvSpPr>
+        <p:spPr>
+          <a:xfrm>
+            <a:off x="685800" y="3131127"/>
+            <a:ext cx="10820400" cy="3087558"/>
+          </a:xfrm>
+        </p:spPr>
+        <p:txBody>
+          <a:bodyPr>
+            <a:normAutofit/>
+          </a:bodyPr>
+          <a:lstStyle/>
+          <a:p>
+            <a:pPr marL="0" indent="0" algn="ctr">
+              <a:buNone/>
+            </a:pPr>
+            <a:r>
+              <a:rPr lang="en-US" sz="4000" dirty="0" smtClean="0"/>
+              <a:t>I’m not even kidding.</a:t>
+            </a:r>
+          </a:p>
+          <a:p>
+            <a:pPr marL="0" indent="0">
+              <a:buNone/>
+            </a:pPr>
+            <a:endParaRPr lang="en-US" sz="4000" dirty="0"/>
+          </a:p>
+        </p:txBody>
+      </p:sp>
+    </p:spTree>
+    <p:extLst>
+      <p:ext uri="{BB962C8B-B14F-4D97-AF65-F5344CB8AC3E}">
+        <p14:creationId xmlns:p14="http://schemas.microsoft.com/office/powerpoint/2010/main" val="3646431837"/>
+      </p:ext>
+    </p:extLst>
+  </p:cSld>
+  <p:clrMapOvr>
+    <a:masterClrMapping/>
+  </p:clrMapOvr>
+  <p:timing>
+    <p:tnLst>
+      <p:par>
+        <p:cTn id="1" dur="indefinite" restart="never" nodeType="tmRoot"/>
+      </p:par>
+    </p:tnLst>
+  </p:timing>
+</p:sld>
+</file>
+
+<file path=ppt/slides/slide41.xml><?xml version="1.0" encoding="utf-8"?>
+<p:sld xmlns:a="http://schemas.openxmlformats.org/drawingml/2006/main" xmlns:r="http://schemas.openxmlformats.org/officeDocument/2006/relationships" xmlns:p="http://schemas.openxmlformats.org/presentationml/2006/main">
+  <p:cSld>
+    <p:spTree>
+      <p:nvGrpSpPr>
+        <p:cNvPr id="1" name=""/>
+        <p:cNvGrpSpPr/>
+        <p:nvPr/>
+      </p:nvGrpSpPr>
+      <p:grpSpPr>
+        <a:xfrm>
+          <a:off x="0" y="0"/>
+          <a:ext cx="0" cy="0"/>
+          <a:chOff x="0" y="0"/>
+          <a:chExt cx="0" cy="0"/>
+        </a:xfrm>
+      </p:grpSpPr>
+      <p:sp>
+        <p:nvSpPr>
+          <p:cNvPr id="2" name="Title 1"/>
+          <p:cNvSpPr>
+            <a:spLocks noGrp="1"/>
+          </p:cNvSpPr>
+          <p:nvPr>
+            <p:ph type="title"/>
+          </p:nvPr>
+        </p:nvSpPr>
+        <p:spPr/>
+        <p:txBody>
+          <a:bodyPr/>
+          <a:lstStyle/>
+          <a:p>
+            <a:r>
+              <a:rPr lang="en-US" dirty="0" smtClean="0"/>
+              <a:t>Null checking</a:t>
+            </a:r>
+            <a:endParaRPr lang="en-US" dirty="0"/>
+          </a:p>
+        </p:txBody>
+      </p:sp>
+      <p:sp>
+        <p:nvSpPr>
+          <p:cNvPr id="3" name="Content Placeholder 2"/>
+          <p:cNvSpPr>
+            <a:spLocks noGrp="1"/>
+          </p:cNvSpPr>
+          <p:nvPr>
+            <p:ph idx="1"/>
+          </p:nvPr>
+        </p:nvSpPr>
+        <p:spPr/>
+        <p:txBody>
+          <a:bodyPr/>
+          <a:lstStyle/>
+          <a:p>
+            <a:r>
+              <a:rPr lang="en-US" dirty="0" smtClean="0"/>
+              <a:t>Optional feature</a:t>
+            </a:r>
+          </a:p>
+          <a:p>
+            <a:pPr lvl="1"/>
+            <a:r>
+              <a:rPr lang="en-US" dirty="0" smtClean="0"/>
+              <a:t>Only enable it if you want</a:t>
+            </a:r>
+          </a:p>
+          <a:p>
+            <a:pPr lvl="1"/>
+            <a:r>
+              <a:rPr lang="en-US" dirty="0" smtClean="0"/>
+              <a:t>You really should, though.</a:t>
+            </a:r>
+          </a:p>
+          <a:p>
+            <a:pPr lvl="1"/>
+            <a:r>
+              <a:rPr lang="en-US" dirty="0" smtClean="0"/>
+              <a:t>Seriously.</a:t>
+            </a:r>
+          </a:p>
+          <a:p>
+            <a:r>
+              <a:rPr lang="en-US" dirty="0" smtClean="0"/>
+              <a:t>Unobtrusive</a:t>
+            </a:r>
+          </a:p>
+          <a:p>
+            <a:pPr lvl="1"/>
+            <a:r>
+              <a:rPr lang="en-US" dirty="0" smtClean="0"/>
+              <a:t>Uses inference to intelligently track values through your code at compile time</a:t>
+            </a:r>
+          </a:p>
+          <a:p>
+            <a:r>
+              <a:rPr lang="en-US" dirty="0" smtClean="0"/>
+              <a:t>See Example 10</a:t>
+            </a:r>
+            <a:endParaRPr lang="en-US" dirty="0"/>
+          </a:p>
+        </p:txBody>
+      </p:sp>
+    </p:spTree>
+    <p:extLst>
+      <p:ext uri="{BB962C8B-B14F-4D97-AF65-F5344CB8AC3E}">
+        <p14:creationId xmlns:p14="http://schemas.microsoft.com/office/powerpoint/2010/main" val="3448102255"/>
+      </p:ext>
+    </p:extLst>
+  </p:cSld>
+  <p:clrMapOvr>
+    <a:masterClrMapping/>
+  </p:clrMapOvr>
+</p:sld>
+</file>
+
+<file path=ppt/slides/slide42.xml><?xml version="1.0" encoding="utf-8"?>
+<p:sld xmlns:a="http://schemas.openxmlformats.org/drawingml/2006/main" xmlns:r="http://schemas.openxmlformats.org/officeDocument/2006/relationships" xmlns:p="http://schemas.openxmlformats.org/presentationml/2006/main">
+  <p:cSld>
+    <p:spTree>
+      <p:nvGrpSpPr>
+        <p:cNvPr id="1" name=""/>
+        <p:cNvGrpSpPr/>
+        <p:nvPr/>
+      </p:nvGrpSpPr>
+      <p:grpSpPr>
+        <a:xfrm>
+          <a:off x="0" y="0"/>
+          <a:ext cx="0" cy="0"/>
+          <a:chOff x="0" y="0"/>
+          <a:chExt cx="0" cy="0"/>
+        </a:xfrm>
+      </p:grpSpPr>
+      <p:sp>
+        <p:nvSpPr>
+          <p:cNvPr id="2" name="Title 1"/>
+          <p:cNvSpPr>
+            <a:spLocks noGrp="1"/>
+          </p:cNvSpPr>
+          <p:nvPr>
+            <p:ph type="title"/>
+          </p:nvPr>
+        </p:nvSpPr>
+        <p:spPr/>
+        <p:txBody>
+          <a:bodyPr/>
+          <a:lstStyle/>
+          <a:p>
+            <a:r>
+              <a:rPr lang="en-US" dirty="0" smtClean="0"/>
+              <a:t>Null checking</a:t>
+            </a:r>
+            <a:endParaRPr lang="en-US" dirty="0"/>
+          </a:p>
+        </p:txBody>
+      </p:sp>
+      <p:sp>
+        <p:nvSpPr>
+          <p:cNvPr id="3" name="Content Placeholder 2"/>
+          <p:cNvSpPr>
+            <a:spLocks noGrp="1"/>
+          </p:cNvSpPr>
+          <p:nvPr>
+            <p:ph idx="1"/>
+          </p:nvPr>
+        </p:nvSpPr>
+        <p:spPr/>
+        <p:txBody>
+          <a:bodyPr/>
+          <a:lstStyle/>
+          <a:p>
+            <a:r>
+              <a:rPr lang="en-US" dirty="0" smtClean="0"/>
+              <a:t>Once you start using it, you’ll never want to go back</a:t>
+            </a:r>
+          </a:p>
+          <a:p>
+            <a:r>
+              <a:rPr lang="en-US" dirty="0" smtClean="0"/>
+              <a:t>Introduced in TS 2.0</a:t>
+            </a:r>
+          </a:p>
+          <a:p>
+            <a:pPr lvl="1"/>
+            <a:r>
+              <a:rPr lang="en-US" dirty="0" smtClean="0"/>
+              <a:t>Unfortunately a lot of work to get old codebases caught up to support it</a:t>
+            </a:r>
+          </a:p>
+          <a:p>
+            <a:pPr lvl="1"/>
+            <a:r>
+              <a:rPr lang="en-US" dirty="0" smtClean="0"/>
+              <a:t>Almost every new compiler error is actually an undiscovered bug</a:t>
+            </a:r>
+          </a:p>
+          <a:p>
+            <a:pPr lvl="1"/>
+            <a:r>
+              <a:rPr lang="en-US" dirty="0" smtClean="0"/>
+              <a:t>So convert ASAP</a:t>
+            </a:r>
+          </a:p>
+          <a:p>
+            <a:r>
+              <a:rPr lang="en-US" dirty="0" smtClean="0"/>
+              <a:t>C# is bringing this feature in the near-</a:t>
+            </a:r>
+            <a:r>
+              <a:rPr lang="en-US" dirty="0" err="1" smtClean="0"/>
+              <a:t>ish</a:t>
+            </a:r>
+            <a:r>
+              <a:rPr lang="en-US" dirty="0" smtClean="0"/>
+              <a:t> future</a:t>
+            </a:r>
+          </a:p>
+          <a:p>
+            <a:pPr lvl="1"/>
+            <a:r>
+              <a:rPr lang="en-US" dirty="0" smtClean="0"/>
+              <a:t>Opt-in and somewhat half-assed</a:t>
+            </a:r>
+          </a:p>
+          <a:p>
+            <a:pPr lvl="1"/>
+            <a:r>
+              <a:rPr lang="en-US" dirty="0" smtClean="0"/>
+              <a:t>It’s really the best they could do without breaking literally every codebase in existence. </a:t>
+            </a:r>
+          </a:p>
+          <a:p>
+            <a:pPr lvl="1"/>
+            <a:r>
+              <a:rPr lang="en-US" dirty="0" smtClean="0"/>
+              <a:t>Better </a:t>
+            </a:r>
+            <a:r>
+              <a:rPr lang="en-US" smtClean="0"/>
+              <a:t>than nothing!</a:t>
+            </a:r>
+            <a:endParaRPr lang="en-US" dirty="0"/>
+          </a:p>
+        </p:txBody>
+      </p:sp>
+    </p:spTree>
+    <p:extLst>
+      <p:ext uri="{BB962C8B-B14F-4D97-AF65-F5344CB8AC3E}">
+        <p14:creationId xmlns:p14="http://schemas.microsoft.com/office/powerpoint/2010/main" val="909809932"/>
+      </p:ext>
+    </p:extLst>
+  </p:cSld>
+  <p:clrMapOvr>
+    <a:masterClrMapping/>
+  </p:clrMapOvr>
 </p:sld>
 </file>
 

--- a/Web development with Typescript.pptx
+++ b/Web development with Typescript.pptx
@@ -5,7 +5,7 @@
     <p:sldMasterId id="2147483684" r:id="rId1"/>
   </p:sldMasterIdLst>
   <p:notesMasterIdLst>
-    <p:notesMasterId r:id="rId44"/>
+    <p:notesMasterId r:id="rId49"/>
   </p:notesMasterIdLst>
   <p:sldIdLst>
     <p:sldId id="256" r:id="rId2"/>
@@ -22,34 +22,39 @@
     <p:sldId id="275" r:id="rId13"/>
     <p:sldId id="287" r:id="rId14"/>
     <p:sldId id="293" r:id="rId15"/>
-    <p:sldId id="288" r:id="rId16"/>
-    <p:sldId id="290" r:id="rId17"/>
-    <p:sldId id="289" r:id="rId18"/>
-    <p:sldId id="271" r:id="rId19"/>
-    <p:sldId id="277" r:id="rId20"/>
-    <p:sldId id="272" r:id="rId21"/>
-    <p:sldId id="279" r:id="rId22"/>
-    <p:sldId id="278" r:id="rId23"/>
-    <p:sldId id="280" r:id="rId24"/>
-    <p:sldId id="281" r:id="rId25"/>
-    <p:sldId id="282" r:id="rId26"/>
-    <p:sldId id="283" r:id="rId27"/>
-    <p:sldId id="270" r:id="rId28"/>
-    <p:sldId id="285" r:id="rId29"/>
-    <p:sldId id="286" r:id="rId30"/>
-    <p:sldId id="291" r:id="rId31"/>
-    <p:sldId id="292" r:id="rId32"/>
-    <p:sldId id="296" r:id="rId33"/>
-    <p:sldId id="294" r:id="rId34"/>
-    <p:sldId id="295" r:id="rId35"/>
-    <p:sldId id="297" r:id="rId36"/>
-    <p:sldId id="298" r:id="rId37"/>
-    <p:sldId id="299" r:id="rId38"/>
-    <p:sldId id="300" r:id="rId39"/>
-    <p:sldId id="301" r:id="rId40"/>
-    <p:sldId id="302" r:id="rId41"/>
-    <p:sldId id="303" r:id="rId42"/>
-    <p:sldId id="304" r:id="rId43"/>
+    <p:sldId id="305" r:id="rId16"/>
+    <p:sldId id="288" r:id="rId17"/>
+    <p:sldId id="306" r:id="rId18"/>
+    <p:sldId id="290" r:id="rId19"/>
+    <p:sldId id="289" r:id="rId20"/>
+    <p:sldId id="271" r:id="rId21"/>
+    <p:sldId id="277" r:id="rId22"/>
+    <p:sldId id="272" r:id="rId23"/>
+    <p:sldId id="279" r:id="rId24"/>
+    <p:sldId id="278" r:id="rId25"/>
+    <p:sldId id="280" r:id="rId26"/>
+    <p:sldId id="281" r:id="rId27"/>
+    <p:sldId id="282" r:id="rId28"/>
+    <p:sldId id="283" r:id="rId29"/>
+    <p:sldId id="270" r:id="rId30"/>
+    <p:sldId id="285" r:id="rId31"/>
+    <p:sldId id="286" r:id="rId32"/>
+    <p:sldId id="291" r:id="rId33"/>
+    <p:sldId id="292" r:id="rId34"/>
+    <p:sldId id="296" r:id="rId35"/>
+    <p:sldId id="294" r:id="rId36"/>
+    <p:sldId id="295" r:id="rId37"/>
+    <p:sldId id="297" r:id="rId38"/>
+    <p:sldId id="307" r:id="rId39"/>
+    <p:sldId id="298" r:id="rId40"/>
+    <p:sldId id="299" r:id="rId41"/>
+    <p:sldId id="300" r:id="rId42"/>
+    <p:sldId id="301" r:id="rId43"/>
+    <p:sldId id="302" r:id="rId44"/>
+    <p:sldId id="303" r:id="rId45"/>
+    <p:sldId id="304" r:id="rId46"/>
+    <p:sldId id="308" r:id="rId47"/>
+    <p:sldId id="309" r:id="rId48"/>
   </p:sldIdLst>
   <p:sldSz cx="12192000" cy="6858000"/>
   <p:notesSz cx="6858000" cy="9144000"/>
@@ -238,7 +243,7 @@
           <a:p>
             <a:fld id="{515BAC55-E541-4EFB-A235-5B6F18F71226}" type="datetimeFigureOut">
               <a:rPr lang="en-US" smtClean="0"/>
-              <a:t>5/26/2018</a:t>
+              <a:t>5/27/2018</a:t>
             </a:fld>
             <a:endParaRPr lang="en-US"/>
           </a:p>
@@ -760,7 +765,7 @@
           <a:p>
             <a:fld id="{080A91C8-D3B7-472C-A6D0-DCA8E80A8FC8}" type="datetimeFigureOut">
               <a:rPr lang="en-US" smtClean="0"/>
-              <a:t>5/26/2018</a:t>
+              <a:t>5/27/2018</a:t>
             </a:fld>
             <a:endParaRPr lang="en-US"/>
           </a:p>
@@ -1027,7 +1032,7 @@
           <a:p>
             <a:fld id="{080A91C8-D3B7-472C-A6D0-DCA8E80A8FC8}" type="datetimeFigureOut">
               <a:rPr lang="en-US" smtClean="0"/>
-              <a:t>5/26/2018</a:t>
+              <a:t>5/27/2018</a:t>
             </a:fld>
             <a:endParaRPr lang="en-US"/>
           </a:p>
@@ -1258,7 +1263,7 @@
           <a:p>
             <a:fld id="{080A91C8-D3B7-472C-A6D0-DCA8E80A8FC8}" type="datetimeFigureOut">
               <a:rPr lang="en-US" smtClean="0"/>
-              <a:t>5/26/2018</a:t>
+              <a:t>5/27/2018</a:t>
             </a:fld>
             <a:endParaRPr lang="en-US"/>
           </a:p>
@@ -1568,7 +1573,7 @@
           <a:p>
             <a:fld id="{080A91C8-D3B7-472C-A6D0-DCA8E80A8FC8}" type="datetimeFigureOut">
               <a:rPr lang="en-US" smtClean="0"/>
-              <a:t>5/26/2018</a:t>
+              <a:t>5/27/2018</a:t>
             </a:fld>
             <a:endParaRPr lang="en-US"/>
           </a:p>
@@ -2041,7 +2046,7 @@
           <a:p>
             <a:fld id="{080A91C8-D3B7-472C-A6D0-DCA8E80A8FC8}" type="datetimeFigureOut">
               <a:rPr lang="en-US" smtClean="0"/>
-              <a:t>5/26/2018</a:t>
+              <a:t>5/27/2018</a:t>
             </a:fld>
             <a:endParaRPr lang="en-US"/>
           </a:p>
@@ -2588,7 +2593,7 @@
           <a:p>
             <a:fld id="{080A91C8-D3B7-472C-A6D0-DCA8E80A8FC8}" type="datetimeFigureOut">
               <a:rPr lang="en-US" smtClean="0"/>
-              <a:t>5/26/2018</a:t>
+              <a:t>5/27/2018</a:t>
             </a:fld>
             <a:endParaRPr lang="en-US"/>
           </a:p>
@@ -3362,7 +3367,7 @@
           <a:p>
             <a:fld id="{080A91C8-D3B7-472C-A6D0-DCA8E80A8FC8}" type="datetimeFigureOut">
               <a:rPr lang="en-US" smtClean="0"/>
-              <a:t>5/26/2018</a:t>
+              <a:t>5/27/2018</a:t>
             </a:fld>
             <a:endParaRPr lang="en-US"/>
           </a:p>
@@ -3537,7 +3542,7 @@
           <a:p>
             <a:fld id="{080A91C8-D3B7-472C-A6D0-DCA8E80A8FC8}" type="datetimeFigureOut">
               <a:rPr lang="en-US" smtClean="0"/>
-              <a:t>5/26/2018</a:t>
+              <a:t>5/27/2018</a:t>
             </a:fld>
             <a:endParaRPr lang="en-US"/>
           </a:p>
@@ -3760,7 +3765,7 @@
           <a:p>
             <a:fld id="{080A91C8-D3B7-472C-A6D0-DCA8E80A8FC8}" type="datetimeFigureOut">
               <a:rPr lang="en-US" smtClean="0"/>
-              <a:t>5/26/2018</a:t>
+              <a:t>5/27/2018</a:t>
             </a:fld>
             <a:endParaRPr lang="en-US"/>
           </a:p>
@@ -3940,7 +3945,7 @@
           <a:p>
             <a:fld id="{080A91C8-D3B7-472C-A6D0-DCA8E80A8FC8}" type="datetimeFigureOut">
               <a:rPr lang="en-US" smtClean="0"/>
-              <a:t>5/26/2018</a:t>
+              <a:t>5/27/2018</a:t>
             </a:fld>
             <a:endParaRPr lang="en-US"/>
           </a:p>
@@ -4229,7 +4234,7 @@
           <a:p>
             <a:fld id="{080A91C8-D3B7-472C-A6D0-DCA8E80A8FC8}" type="datetimeFigureOut">
               <a:rPr lang="en-US" smtClean="0"/>
-              <a:t>5/26/2018</a:t>
+              <a:t>5/27/2018</a:t>
             </a:fld>
             <a:endParaRPr lang="en-US"/>
           </a:p>
@@ -4471,7 +4476,7 @@
           <a:p>
             <a:fld id="{080A91C8-D3B7-472C-A6D0-DCA8E80A8FC8}" type="datetimeFigureOut">
               <a:rPr lang="en-US" smtClean="0"/>
-              <a:t>5/26/2018</a:t>
+              <a:t>5/27/2018</a:t>
             </a:fld>
             <a:endParaRPr lang="en-US"/>
           </a:p>
@@ -4850,7 +4855,7 @@
           <a:p>
             <a:fld id="{080A91C8-D3B7-472C-A6D0-DCA8E80A8FC8}" type="datetimeFigureOut">
               <a:rPr lang="en-US" smtClean="0"/>
-              <a:t>5/26/2018</a:t>
+              <a:t>5/27/2018</a:t>
             </a:fld>
             <a:endParaRPr lang="en-US"/>
           </a:p>
@@ -4968,7 +4973,7 @@
           <a:p>
             <a:fld id="{080A91C8-D3B7-472C-A6D0-DCA8E80A8FC8}" type="datetimeFigureOut">
               <a:rPr lang="en-US" smtClean="0"/>
-              <a:t>5/26/2018</a:t>
+              <a:t>5/27/2018</a:t>
             </a:fld>
             <a:endParaRPr lang="en-US"/>
           </a:p>
@@ -5063,7 +5068,7 @@
           <a:p>
             <a:fld id="{080A91C8-D3B7-472C-A6D0-DCA8E80A8FC8}" type="datetimeFigureOut">
               <a:rPr lang="en-US" smtClean="0"/>
-              <a:t>5/26/2018</a:t>
+              <a:t>5/27/2018</a:t>
             </a:fld>
             <a:endParaRPr lang="en-US"/>
           </a:p>
@@ -5312,7 +5317,7 @@
           <a:p>
             <a:fld id="{080A91C8-D3B7-472C-A6D0-DCA8E80A8FC8}" type="datetimeFigureOut">
               <a:rPr lang="en-US" smtClean="0"/>
-              <a:t>5/26/2018</a:t>
+              <a:t>5/27/2018</a:t>
             </a:fld>
             <a:endParaRPr lang="en-US"/>
           </a:p>
@@ -5569,7 +5574,7 @@
           <a:p>
             <a:fld id="{080A91C8-D3B7-472C-A6D0-DCA8E80A8FC8}" type="datetimeFigureOut">
               <a:rPr lang="en-US" smtClean="0"/>
-              <a:t>5/26/2018</a:t>
+              <a:t>5/27/2018</a:t>
             </a:fld>
             <a:endParaRPr lang="en-US"/>
           </a:p>
@@ -5812,7 +5817,7 @@
           <a:p>
             <a:fld id="{080A91C8-D3B7-472C-A6D0-DCA8E80A8FC8}" type="datetimeFigureOut">
               <a:rPr lang="en-US" smtClean="0"/>
-              <a:t>5/26/2018</a:t>
+              <a:t>5/27/2018</a:t>
             </a:fld>
             <a:endParaRPr lang="en-US"/>
           </a:p>
@@ -6871,98 +6876,272 @@
           <a:p>
             <a:r>
               <a:rPr lang="en-US" dirty="0" smtClean="0"/>
-              <a:t>Upsides</a:t>
+              <a:t>Anders Hejlsberg</a:t>
             </a:r>
             <a:endParaRPr lang="en-US" dirty="0"/>
           </a:p>
         </p:txBody>
       </p:sp>
-      <p:sp>
-        <p:nvSpPr>
-          <p:cNvPr id="3" name="Content Placeholder 2"/>
-          <p:cNvSpPr>
-            <a:spLocks noGrp="1"/>
-          </p:cNvSpPr>
+      <p:pic>
+        <p:nvPicPr>
+          <p:cNvPr id="1026" name="Picture 2" descr="Image result for anders hejlsberg"/>
+          <p:cNvPicPr>
+            <a:picLocks noGrp="1" noChangeAspect="1" noChangeArrowheads="1"/>
+          </p:cNvPicPr>
           <p:nvPr>
             <p:ph idx="1"/>
           </p:nvPr>
-        </p:nvSpPr>
-        <p:spPr/>
-        <p:txBody>
-          <a:bodyPr/>
-          <a:lstStyle/>
-          <a:p>
-            <a:r>
-              <a:rPr lang="en-US" dirty="0" smtClean="0"/>
-              <a:t>Reduces bugs</a:t>
-            </a:r>
-          </a:p>
-          <a:p>
-            <a:r>
-              <a:rPr lang="en-US" dirty="0" smtClean="0"/>
-              <a:t>Makes sense out of the “wild </a:t>
-            </a:r>
+        </p:nvPicPr>
+        <p:blipFill>
+          <a:blip r:embed="rId2" cstate="print">
+            <a:extLst>
+              <a:ext uri="{28A0092B-C50C-407E-A947-70E740481C1C}">
+                <a14:useLocalDpi xmlns:a14="http://schemas.microsoft.com/office/drawing/2010/main" val="0"/>
+              </a:ext>
+            </a:extLst>
+          </a:blip>
+          <a:srcRect/>
+          <a:stretch>
+            <a:fillRect/>
+          </a:stretch>
+        </p:blipFill>
+        <p:spPr bwMode="auto">
+          <a:xfrm>
+            <a:off x="8555761" y="2057401"/>
+            <a:ext cx="2950439" cy="4024313"/>
+          </a:xfrm>
+          <a:prstGeom prst="rect">
+            <a:avLst/>
+          </a:prstGeom>
+          <a:noFill/>
+          <a:extLst>
+            <a:ext uri="{909E8E84-426E-40DD-AFC4-6F175D3DCCD1}">
+              <a14:hiddenFill xmlns:a14="http://schemas.microsoft.com/office/drawing/2010/main">
+                <a:solidFill>
+                  <a:srgbClr val="FFFFFF"/>
+                </a:solidFill>
+              </a14:hiddenFill>
+            </a:ext>
+          </a:extLst>
+        </p:spPr>
+      </p:pic>
+      <p:sp>
+        <p:nvSpPr>
+          <p:cNvPr id="6" name="Content Placeholder 2"/>
+          <p:cNvSpPr txBox="1">
+            <a:spLocks/>
+          </p:cNvSpPr>
+          <p:nvPr/>
+        </p:nvSpPr>
+        <p:spPr>
+          <a:xfrm>
+            <a:off x="685800" y="2194560"/>
+            <a:ext cx="7700818" cy="4024125"/>
+          </a:xfrm>
+          <a:prstGeom prst="rect">
+            <a:avLst/>
+          </a:prstGeom>
+        </p:spPr>
+        <p:txBody>
+          <a:bodyPr vert="horz" lIns="91440" tIns="45720" rIns="91440" bIns="45720" rtlCol="0">
+            <a:normAutofit/>
+          </a:bodyPr>
+          <a:lstStyle>
+            <a:lvl1pPr marL="228600" indent="-228600" algn="l" defTabSz="914400" rtl="0" eaLnBrk="1" latinLnBrk="0" hangingPunct="1">
+              <a:lnSpc>
+                <a:spcPct val="90000"/>
+              </a:lnSpc>
+              <a:spcBef>
+                <a:spcPts val="1000"/>
+              </a:spcBef>
+              <a:buFont typeface="Arial" panose="020B0604020202020204" pitchFamily="34" charset="0"/>
+              <a:buChar char="•"/>
+              <a:defRPr sz="2200" kern="1200">
+                <a:solidFill>
+                  <a:schemeClr val="tx1"/>
+                </a:solidFill>
+                <a:latin typeface="+mn-lt"/>
+                <a:ea typeface="+mn-ea"/>
+                <a:cs typeface="+mn-cs"/>
+              </a:defRPr>
+            </a:lvl1pPr>
+            <a:lvl2pPr marL="685800" indent="-228600" algn="l" defTabSz="914400" rtl="0" eaLnBrk="1" latinLnBrk="0" hangingPunct="1">
+              <a:lnSpc>
+                <a:spcPct val="90000"/>
+              </a:lnSpc>
+              <a:spcBef>
+                <a:spcPts val="500"/>
+              </a:spcBef>
+              <a:buFont typeface="Arial" panose="020B0604020202020204" pitchFamily="34" charset="0"/>
+              <a:buChar char="•"/>
+              <a:defRPr sz="2000" kern="1200">
+                <a:solidFill>
+                  <a:schemeClr val="tx1"/>
+                </a:solidFill>
+                <a:latin typeface="+mn-lt"/>
+                <a:ea typeface="+mn-ea"/>
+                <a:cs typeface="+mn-cs"/>
+              </a:defRPr>
+            </a:lvl2pPr>
+            <a:lvl3pPr marL="1143000" indent="-228600" algn="l" defTabSz="914400" rtl="0" eaLnBrk="1" latinLnBrk="0" hangingPunct="1">
+              <a:lnSpc>
+                <a:spcPct val="90000"/>
+              </a:lnSpc>
+              <a:spcBef>
+                <a:spcPts val="500"/>
+              </a:spcBef>
+              <a:buFont typeface="Arial" panose="020B0604020202020204" pitchFamily="34" charset="0"/>
+              <a:buChar char="•"/>
+              <a:defRPr sz="1800" kern="1200">
+                <a:solidFill>
+                  <a:schemeClr val="tx1"/>
+                </a:solidFill>
+                <a:latin typeface="+mn-lt"/>
+                <a:ea typeface="+mn-ea"/>
+                <a:cs typeface="+mn-cs"/>
+              </a:defRPr>
+            </a:lvl3pPr>
+            <a:lvl4pPr marL="1600200" indent="-228600" algn="l" defTabSz="914400" rtl="0" eaLnBrk="1" latinLnBrk="0" hangingPunct="1">
+              <a:lnSpc>
+                <a:spcPct val="90000"/>
+              </a:lnSpc>
+              <a:spcBef>
+                <a:spcPts val="500"/>
+              </a:spcBef>
+              <a:buFont typeface="Arial" panose="020B0604020202020204" pitchFamily="34" charset="0"/>
+              <a:buChar char="•"/>
+              <a:defRPr sz="1600" kern="1200">
+                <a:solidFill>
+                  <a:schemeClr val="tx1"/>
+                </a:solidFill>
+                <a:latin typeface="+mn-lt"/>
+                <a:ea typeface="+mn-ea"/>
+                <a:cs typeface="+mn-cs"/>
+              </a:defRPr>
+            </a:lvl4pPr>
+            <a:lvl5pPr marL="2057400" indent="-228600" algn="l" defTabSz="914400" rtl="0" eaLnBrk="1" latinLnBrk="0" hangingPunct="1">
+              <a:lnSpc>
+                <a:spcPct val="90000"/>
+              </a:lnSpc>
+              <a:spcBef>
+                <a:spcPts val="500"/>
+              </a:spcBef>
+              <a:buFont typeface="Arial" panose="020B0604020202020204" pitchFamily="34" charset="0"/>
+              <a:buChar char="•"/>
+              <a:defRPr sz="1600" kern="1200">
+                <a:solidFill>
+                  <a:schemeClr val="tx1"/>
+                </a:solidFill>
+                <a:latin typeface="+mn-lt"/>
+                <a:ea typeface="+mn-ea"/>
+                <a:cs typeface="+mn-cs"/>
+              </a:defRPr>
+            </a:lvl5pPr>
+            <a:lvl6pPr marL="2514600" indent="-228600" algn="l" defTabSz="914400" rtl="0" eaLnBrk="1" latinLnBrk="0" hangingPunct="1">
+              <a:lnSpc>
+                <a:spcPct val="90000"/>
+              </a:lnSpc>
+              <a:spcBef>
+                <a:spcPts val="500"/>
+              </a:spcBef>
+              <a:buFont typeface="Arial" panose="020B0604020202020204" pitchFamily="34" charset="0"/>
+              <a:buChar char="•"/>
+              <a:defRPr sz="1600" kern="1200">
+                <a:solidFill>
+                  <a:schemeClr val="tx1"/>
+                </a:solidFill>
+                <a:latin typeface="+mn-lt"/>
+                <a:ea typeface="+mn-ea"/>
+                <a:cs typeface="+mn-cs"/>
+              </a:defRPr>
+            </a:lvl6pPr>
+            <a:lvl7pPr marL="2971800" indent="-228600" algn="l" defTabSz="914400" rtl="0" eaLnBrk="1" latinLnBrk="0" hangingPunct="1">
+              <a:lnSpc>
+                <a:spcPct val="90000"/>
+              </a:lnSpc>
+              <a:spcBef>
+                <a:spcPts val="500"/>
+              </a:spcBef>
+              <a:buFont typeface="Arial" panose="020B0604020202020204" pitchFamily="34" charset="0"/>
+              <a:buChar char="•"/>
+              <a:defRPr sz="1600" kern="1200">
+                <a:solidFill>
+                  <a:schemeClr val="tx1"/>
+                </a:solidFill>
+                <a:latin typeface="+mn-lt"/>
+                <a:ea typeface="+mn-ea"/>
+                <a:cs typeface="+mn-cs"/>
+              </a:defRPr>
+            </a:lvl7pPr>
+            <a:lvl8pPr marL="3429000" indent="-228600" algn="l" defTabSz="914400" rtl="0" eaLnBrk="1" latinLnBrk="0" hangingPunct="1">
+              <a:lnSpc>
+                <a:spcPct val="90000"/>
+              </a:lnSpc>
+              <a:spcBef>
+                <a:spcPts val="500"/>
+              </a:spcBef>
+              <a:buFont typeface="Arial" panose="020B0604020202020204" pitchFamily="34" charset="0"/>
+              <a:buChar char="•"/>
+              <a:defRPr sz="1600" kern="1200">
+                <a:solidFill>
+                  <a:schemeClr val="tx1"/>
+                </a:solidFill>
+                <a:latin typeface="+mn-lt"/>
+                <a:ea typeface="+mn-ea"/>
+                <a:cs typeface="+mn-cs"/>
+              </a:defRPr>
+            </a:lvl8pPr>
+            <a:lvl9pPr marL="3886200" indent="-228600" algn="l" defTabSz="914400" rtl="0" eaLnBrk="1" latinLnBrk="0" hangingPunct="1">
+              <a:lnSpc>
+                <a:spcPct val="90000"/>
+              </a:lnSpc>
+              <a:spcBef>
+                <a:spcPts val="500"/>
+              </a:spcBef>
+              <a:buFont typeface="Arial" panose="020B0604020202020204" pitchFamily="34" charset="0"/>
+              <a:buChar char="•"/>
+              <a:defRPr sz="1600" kern="1200">
+                <a:solidFill>
+                  <a:schemeClr val="tx1"/>
+                </a:solidFill>
+                <a:latin typeface="+mn-lt"/>
+                <a:ea typeface="+mn-ea"/>
+                <a:cs typeface="+mn-cs"/>
+              </a:defRPr>
+            </a:lvl9pPr>
+          </a:lstStyle>
+          <a:p>
+            <a:r>
+              <a:rPr lang="en-US" dirty="0" smtClean="0"/>
+              <a:t>Creator</a:t>
+            </a:r>
+          </a:p>
+          <a:p>
+            <a:pPr lvl="1"/>
+            <a:r>
+              <a:rPr lang="en-US" dirty="0" smtClean="0"/>
+              <a:t>Turbo Pascal</a:t>
+            </a:r>
+          </a:p>
+          <a:p>
+            <a:pPr lvl="1"/>
+            <a:r>
+              <a:rPr lang="en-US" dirty="0" smtClean="0"/>
+              <a:t>C#</a:t>
+            </a:r>
+          </a:p>
+          <a:p>
+            <a:pPr lvl="1"/>
             <a:r>
               <a:rPr lang="en-US" dirty="0" err="1" smtClean="0"/>
-              <a:t>wild</a:t>
-            </a:r>
-            <a:r>
-              <a:rPr lang="en-US" dirty="0" smtClean="0"/>
-              <a:t> west” inherent in JavaScript</a:t>
-            </a:r>
-          </a:p>
-          <a:p>
-            <a:r>
-              <a:rPr lang="en-US" dirty="0" smtClean="0"/>
-              <a:t>Increases understandability</a:t>
-            </a:r>
-          </a:p>
-          <a:p>
-            <a:pPr lvl="1"/>
-            <a:r>
-              <a:rPr lang="en-US" dirty="0" smtClean="0"/>
-              <a:t>Especially important for 3</a:t>
-            </a:r>
-            <a:r>
-              <a:rPr lang="en-US" baseline="30000" dirty="0" smtClean="0"/>
-              <a:t>rd</a:t>
-            </a:r>
-            <a:r>
-              <a:rPr lang="en-US" dirty="0" smtClean="0"/>
-              <a:t> party libraries</a:t>
-            </a:r>
-          </a:p>
-          <a:p>
-            <a:r>
-              <a:rPr lang="en-US" dirty="0" smtClean="0"/>
-              <a:t>Allows teams to collaborate on larger projects</a:t>
-            </a:r>
-          </a:p>
-          <a:p>
-            <a:r>
-              <a:rPr lang="en-US" dirty="0" smtClean="0"/>
-              <a:t>Vastly improves refactoring</a:t>
-            </a:r>
-          </a:p>
-          <a:p>
-            <a:pPr lvl="1"/>
-            <a:r>
-              <a:rPr lang="en-US" dirty="0" smtClean="0"/>
-              <a:t>If there’s a single reason to choose it, this is it.</a:t>
-            </a:r>
-          </a:p>
-          <a:p>
-            <a:r>
-              <a:rPr lang="en-US" dirty="0" smtClean="0"/>
-              <a:t>Advanced JavaScript Features on </a:t>
-            </a:r>
-            <a:r>
-              <a:rPr lang="en-US" dirty="0" err="1" smtClean="0"/>
-              <a:t>Downlevel</a:t>
-            </a:r>
-            <a:r>
-              <a:rPr lang="en-US" dirty="0" smtClean="0"/>
-              <a:t> Browsers</a:t>
+              <a:t>TypeScript</a:t>
+            </a:r>
+            <a:endParaRPr lang="en-US" dirty="0" smtClean="0"/>
+          </a:p>
+          <a:p>
+            <a:r>
+              <a:rPr lang="en-US" dirty="0" smtClean="0"/>
+              <a:t>The reason most of us have good jobs</a:t>
             </a:r>
             <a:endParaRPr lang="en-US" dirty="0"/>
           </a:p>
@@ -6971,7 +7150,7 @@
     </p:spTree>
     <p:extLst>
       <p:ext uri="{BB962C8B-B14F-4D97-AF65-F5344CB8AC3E}">
-        <p14:creationId xmlns:p14="http://schemas.microsoft.com/office/powerpoint/2010/main" val="760055095"/>
+        <p14:creationId xmlns:p14="http://schemas.microsoft.com/office/powerpoint/2010/main" val="1232489533"/>
       </p:ext>
     </p:extLst>
   </p:cSld>
@@ -7015,7 +7194,7 @@
           <a:p>
             <a:r>
               <a:rPr lang="en-US" dirty="0" smtClean="0"/>
-              <a:t>Downsides</a:t>
+              <a:t>Upsides</a:t>
             </a:r>
             <a:endParaRPr lang="en-US" dirty="0"/>
           </a:p>
@@ -7038,7 +7217,34 @@
           <a:p>
             <a:r>
               <a:rPr lang="en-US" dirty="0" smtClean="0"/>
-              <a:t>Interfacing with 3</a:t>
+              <a:t>Reduces bugs</a:t>
+            </a:r>
+          </a:p>
+          <a:p>
+            <a:r>
+              <a:rPr lang="en-US" dirty="0" smtClean="0"/>
+              <a:t>Makes sense out of the “wild </a:t>
+            </a:r>
+            <a:r>
+              <a:rPr lang="en-US" dirty="0" err="1" smtClean="0"/>
+              <a:t>wild</a:t>
+            </a:r>
+            <a:r>
+              <a:rPr lang="en-US" dirty="0" smtClean="0"/>
+              <a:t> west” inherent in JavaScript</a:t>
+            </a:r>
+          </a:p>
+          <a:p>
+            <a:r>
+              <a:rPr lang="en-US" dirty="0" smtClean="0"/>
+              <a:t>Increases understandability</a:t>
+            </a:r>
+          </a:p>
+          <a:p>
+            <a:pPr lvl="1"/>
+            <a:r>
+              <a:rPr lang="en-US" dirty="0" smtClean="0"/>
+              <a:t>Especially important for 3</a:t>
             </a:r>
             <a:r>
               <a:rPr lang="en-US" baseline="30000" dirty="0" smtClean="0"/>
@@ -7046,47 +7252,40 @@
             </a:r>
             <a:r>
               <a:rPr lang="en-US" dirty="0" smtClean="0"/>
-              <a:t> party libraries can *sometimes* be a pain</a:t>
+              <a:t> party libraries</a:t>
+            </a:r>
+          </a:p>
+          <a:p>
+            <a:r>
+              <a:rPr lang="en-US" dirty="0" smtClean="0"/>
+              <a:t>Allows teams to collaborate on larger projects</a:t>
+            </a:r>
+          </a:p>
+          <a:p>
+            <a:r>
+              <a:rPr lang="en-US" dirty="0" smtClean="0"/>
+              <a:t>Vastly improves refactoring</a:t>
             </a:r>
           </a:p>
           <a:p>
             <a:pPr lvl="1"/>
             <a:r>
               <a:rPr lang="en-US" dirty="0" smtClean="0"/>
-              <a:t>It’s getting better</a:t>
-            </a:r>
-          </a:p>
-          <a:p>
-            <a:r>
-              <a:rPr lang="en-US" dirty="0" smtClean="0"/>
-              <a:t>Requires a build process</a:t>
-            </a:r>
-          </a:p>
-          <a:p>
-            <a:pPr lvl="1"/>
-            <a:r>
-              <a:rPr lang="en-US" dirty="0" smtClean="0"/>
-              <a:t>But… in modern web dev, you’re using one anyway</a:t>
-            </a:r>
-          </a:p>
-          <a:p>
-            <a:r>
-              <a:rPr lang="en-US" dirty="0" smtClean="0"/>
-              <a:t>Requires more thought to write good code</a:t>
-            </a:r>
-          </a:p>
-          <a:p>
-            <a:pPr lvl="1"/>
-            <a:r>
-              <a:rPr lang="en-US" dirty="0" smtClean="0"/>
-              <a:t>In my book, this is a solid upside</a:t>
-            </a:r>
-          </a:p>
-          <a:p>
-            <a:pPr lvl="1"/>
-            <a:r>
-              <a:rPr lang="en-US" dirty="0" smtClean="0"/>
-              <a:t>But at times, the internet disagrees</a:t>
+              <a:t>If there’s a single reason to choose it, this is it.</a:t>
+            </a:r>
+          </a:p>
+          <a:p>
+            <a:r>
+              <a:rPr lang="en-US" dirty="0" smtClean="0"/>
+              <a:t>Advanced JavaScript Features on </a:t>
+            </a:r>
+            <a:r>
+              <a:rPr lang="en-US" dirty="0" err="1" smtClean="0"/>
+              <a:t>Downlevel</a:t>
+            </a:r>
+            <a:r>
+              <a:rPr lang="en-US" dirty="0" smtClean="0"/>
+              <a:t> Browsers</a:t>
             </a:r>
             <a:endParaRPr lang="en-US" dirty="0"/>
           </a:p>
@@ -7095,7 +7294,7 @@
     </p:spTree>
     <p:extLst>
       <p:ext uri="{BB962C8B-B14F-4D97-AF65-F5344CB8AC3E}">
-        <p14:creationId xmlns:p14="http://schemas.microsoft.com/office/powerpoint/2010/main" val="1980432064"/>
+        <p14:creationId xmlns:p14="http://schemas.microsoft.com/office/powerpoint/2010/main" val="760055095"/>
       </p:ext>
     </p:extLst>
   </p:cSld>
@@ -7139,7 +7338,15 @@
           <a:p>
             <a:r>
               <a:rPr lang="en-US" dirty="0" smtClean="0"/>
-              <a:t>My Experience</a:t>
+              <a:t>Upsides (</a:t>
+            </a:r>
+            <a:r>
+              <a:rPr lang="en-US" dirty="0" err="1" smtClean="0"/>
+              <a:t>cont</a:t>
+            </a:r>
+            <a:r>
+              <a:rPr lang="en-US" dirty="0" smtClean="0"/>
+              <a:t>)</a:t>
             </a:r>
             <a:endParaRPr lang="en-US" dirty="0"/>
           </a:p>
@@ -7157,24 +7364,74 @@
         </p:nvSpPr>
         <p:spPr/>
         <p:txBody>
-          <a:bodyPr/>
-          <a:lstStyle/>
-          <a:p>
-            <a:r>
-              <a:rPr lang="en-US" dirty="0" smtClean="0"/>
-              <a:t>The Task: Convert massive Silverlight application to HTML5</a:t>
-            </a:r>
-          </a:p>
-          <a:p>
-            <a:r>
-              <a:rPr lang="en-US" dirty="0" smtClean="0"/>
-              <a:t>The Timeline: 6 months</a:t>
-            </a:r>
-          </a:p>
-          <a:p>
-            <a:r>
-              <a:rPr lang="en-US" dirty="0" smtClean="0"/>
-              <a:t>Started when </a:t>
+          <a:bodyPr>
+            <a:normAutofit fontScale="92500" lnSpcReduction="20000"/>
+          </a:bodyPr>
+          <a:lstStyle/>
+          <a:p>
+            <a:r>
+              <a:rPr lang="en-US" dirty="0" smtClean="0"/>
+              <a:t>Open source</a:t>
+            </a:r>
+          </a:p>
+          <a:p>
+            <a:pPr lvl="1"/>
+            <a:r>
+              <a:rPr lang="en-US" dirty="0" smtClean="0"/>
+              <a:t>Fully transparent development process</a:t>
+            </a:r>
+          </a:p>
+          <a:p>
+            <a:pPr lvl="1"/>
+            <a:r>
+              <a:rPr lang="en-US" dirty="0" smtClean="0"/>
+              <a:t>Takes patches from community</a:t>
+            </a:r>
+          </a:p>
+          <a:p>
+            <a:pPr lvl="1"/>
+            <a:r>
+              <a:rPr lang="en-US" dirty="0" smtClean="0"/>
+              <a:t>Full member of TC39 Steering Committee, helping mold JS into a great language</a:t>
+            </a:r>
+          </a:p>
+          <a:p>
+            <a:r>
+              <a:rPr lang="en-US" dirty="0" smtClean="0"/>
+              <a:t>Gets new JS Features before they hit JS and browsers</a:t>
+            </a:r>
+          </a:p>
+          <a:p>
+            <a:r>
+              <a:rPr lang="en-US" dirty="0" smtClean="0"/>
+              <a:t>Only implements features that are either:</a:t>
+            </a:r>
+          </a:p>
+          <a:p>
+            <a:pPr lvl="1"/>
+            <a:r>
+              <a:rPr lang="en-US" dirty="0" smtClean="0"/>
+              <a:t>100% likely to make it into JavaScript (Stage 3+ proposals only)</a:t>
+            </a:r>
+          </a:p>
+          <a:p>
+            <a:pPr lvl="1"/>
+            <a:r>
+              <a:rPr lang="en-US" dirty="0" smtClean="0"/>
+              <a:t>0% likely to make it into JavaScript</a:t>
+            </a:r>
+          </a:p>
+          <a:p>
+            <a:r>
+              <a:rPr lang="en-US" dirty="0" smtClean="0"/>
+              <a:t>Code compiles to “idiomatic JavaScript”</a:t>
+            </a:r>
+          </a:p>
+          <a:p>
+            <a:pPr lvl="1"/>
+            <a:r>
+              <a:rPr lang="en-US" dirty="0" smtClean="0"/>
+              <a:t>If </a:t>
             </a:r>
             <a:r>
               <a:rPr lang="en-US" dirty="0" err="1" smtClean="0"/>
@@ -7182,58 +7439,29 @@
             </a:r>
             <a:r>
               <a:rPr lang="en-US" dirty="0" smtClean="0"/>
-              <a:t> was still on Version 0.9</a:t>
-            </a:r>
-          </a:p>
-          <a:p>
-            <a:r>
-              <a:rPr lang="en-US" dirty="0" smtClean="0"/>
-              <a:t>Many lessons were learned</a:t>
+              <a:t> ever disappears, you can compile to JS and use the sources without needing a full rewrite</a:t>
+            </a:r>
+          </a:p>
+          <a:p>
+            <a:r>
+              <a:rPr lang="en-US" dirty="0" smtClean="0"/>
+              <a:t>Generated JS closely resembles source TS</a:t>
             </a:r>
           </a:p>
           <a:p>
             <a:pPr lvl="1"/>
             <a:r>
               <a:rPr lang="en-US" dirty="0" smtClean="0"/>
-              <a:t>Mistakes were made</a:t>
-            </a:r>
-          </a:p>
-          <a:p>
-            <a:r>
-              <a:rPr lang="en-US" dirty="0" smtClean="0"/>
-              <a:t>Current Core Platform</a:t>
-            </a:r>
-          </a:p>
-          <a:p>
-            <a:pPr lvl="1"/>
-            <a:r>
-              <a:rPr lang="en-US" dirty="0" smtClean="0"/>
-              <a:t>488 </a:t>
+              <a:t>Can be debugged easily without </a:t>
             </a:r>
             <a:r>
               <a:rPr lang="en-US" dirty="0" err="1" smtClean="0"/>
-              <a:t>TypeScript</a:t>
-            </a:r>
-            <a:r>
-              <a:rPr lang="en-US" dirty="0" smtClean="0"/>
-              <a:t> Files</a:t>
-            </a:r>
-          </a:p>
-          <a:p>
-            <a:pPr lvl="1"/>
-            <a:r>
-              <a:rPr lang="en-US" dirty="0" smtClean="0"/>
-              <a:t>7 megabytes of code</a:t>
-            </a:r>
-          </a:p>
-          <a:p>
-            <a:pPr lvl="1"/>
-            <a:r>
-              <a:rPr lang="en-US" dirty="0" smtClean="0"/>
-              <a:t>Impossible to manage in JavaScript</a:t>
-            </a:r>
-          </a:p>
-          <a:p>
+              <a:t>sourcemaps</a:t>
+            </a:r>
+            <a:r>
+              <a:rPr lang="en-US" dirty="0" smtClean="0"/>
+              <a:t> if necessary</a:t>
+            </a:r>
             <a:endParaRPr lang="en-US" dirty="0"/>
           </a:p>
         </p:txBody>
@@ -7241,7 +7469,7 @@
     </p:spTree>
     <p:extLst>
       <p:ext uri="{BB962C8B-B14F-4D97-AF65-F5344CB8AC3E}">
-        <p14:creationId xmlns:p14="http://schemas.microsoft.com/office/powerpoint/2010/main" val="210166678"/>
+        <p14:creationId xmlns:p14="http://schemas.microsoft.com/office/powerpoint/2010/main" val="1422900559"/>
       </p:ext>
     </p:extLst>
   </p:cSld>
@@ -7284,6 +7512,355 @@
           <a:lstStyle/>
           <a:p>
             <a:r>
+              <a:rPr lang="en-US" dirty="0" smtClean="0"/>
+              <a:t>Downsides</a:t>
+            </a:r>
+            <a:endParaRPr lang="en-US" dirty="0"/>
+          </a:p>
+        </p:txBody>
+      </p:sp>
+      <p:sp>
+        <p:nvSpPr>
+          <p:cNvPr id="3" name="Content Placeholder 2"/>
+          <p:cNvSpPr>
+            <a:spLocks noGrp="1"/>
+          </p:cNvSpPr>
+          <p:nvPr>
+            <p:ph idx="1"/>
+          </p:nvPr>
+        </p:nvSpPr>
+        <p:spPr/>
+        <p:txBody>
+          <a:bodyPr/>
+          <a:lstStyle/>
+          <a:p>
+            <a:r>
+              <a:rPr lang="en-US" dirty="0" smtClean="0"/>
+              <a:t>Interfacing with 3</a:t>
+            </a:r>
+            <a:r>
+              <a:rPr lang="en-US" baseline="30000" dirty="0" smtClean="0"/>
+              <a:t>rd</a:t>
+            </a:r>
+            <a:r>
+              <a:rPr lang="en-US" dirty="0" smtClean="0"/>
+              <a:t> party libraries can *sometimes* be a pain</a:t>
+            </a:r>
+          </a:p>
+          <a:p>
+            <a:pPr lvl="1"/>
+            <a:r>
+              <a:rPr lang="en-US" dirty="0" smtClean="0"/>
+              <a:t>It’s getting better</a:t>
+            </a:r>
+          </a:p>
+          <a:p>
+            <a:r>
+              <a:rPr lang="en-US" dirty="0" smtClean="0"/>
+              <a:t>Requires a build process</a:t>
+            </a:r>
+          </a:p>
+          <a:p>
+            <a:pPr lvl="1"/>
+            <a:r>
+              <a:rPr lang="en-US" dirty="0" smtClean="0"/>
+              <a:t>But… in modern web dev, you’re using one anyway</a:t>
+            </a:r>
+          </a:p>
+          <a:p>
+            <a:r>
+              <a:rPr lang="en-US" dirty="0" smtClean="0"/>
+              <a:t>Requires more thought to write good code</a:t>
+            </a:r>
+          </a:p>
+          <a:p>
+            <a:pPr lvl="1"/>
+            <a:r>
+              <a:rPr lang="en-US" dirty="0" smtClean="0"/>
+              <a:t>In my book, this is a solid upside</a:t>
+            </a:r>
+          </a:p>
+          <a:p>
+            <a:pPr lvl="1"/>
+            <a:r>
+              <a:rPr lang="en-US" dirty="0" smtClean="0"/>
+              <a:t>But at times, the internet disagrees</a:t>
+            </a:r>
+            <a:endParaRPr lang="en-US" dirty="0"/>
+          </a:p>
+        </p:txBody>
+      </p:sp>
+    </p:spTree>
+    <p:extLst>
+      <p:ext uri="{BB962C8B-B14F-4D97-AF65-F5344CB8AC3E}">
+        <p14:creationId xmlns:p14="http://schemas.microsoft.com/office/powerpoint/2010/main" val="1980432064"/>
+      </p:ext>
+    </p:extLst>
+  </p:cSld>
+  <p:clrMapOvr>
+    <a:masterClrMapping/>
+  </p:clrMapOvr>
+</p:sld>
+</file>
+
+<file path=ppt/slides/slide19.xml><?xml version="1.0" encoding="utf-8"?>
+<p:sld xmlns:a="http://schemas.openxmlformats.org/drawingml/2006/main" xmlns:r="http://schemas.openxmlformats.org/officeDocument/2006/relationships" xmlns:p="http://schemas.openxmlformats.org/presentationml/2006/main">
+  <p:cSld>
+    <p:spTree>
+      <p:nvGrpSpPr>
+        <p:cNvPr id="1" name=""/>
+        <p:cNvGrpSpPr/>
+        <p:nvPr/>
+      </p:nvGrpSpPr>
+      <p:grpSpPr>
+        <a:xfrm>
+          <a:off x="0" y="0"/>
+          <a:ext cx="0" cy="0"/>
+          <a:chOff x="0" y="0"/>
+          <a:chExt cx="0" cy="0"/>
+        </a:xfrm>
+      </p:grpSpPr>
+      <p:sp>
+        <p:nvSpPr>
+          <p:cNvPr id="2" name="Title 1"/>
+          <p:cNvSpPr>
+            <a:spLocks noGrp="1"/>
+          </p:cNvSpPr>
+          <p:nvPr>
+            <p:ph type="title"/>
+          </p:nvPr>
+        </p:nvSpPr>
+        <p:spPr/>
+        <p:txBody>
+          <a:bodyPr/>
+          <a:lstStyle/>
+          <a:p>
+            <a:r>
+              <a:rPr lang="en-US" dirty="0" smtClean="0"/>
+              <a:t>My Experience</a:t>
+            </a:r>
+            <a:endParaRPr lang="en-US" dirty="0"/>
+          </a:p>
+        </p:txBody>
+      </p:sp>
+      <p:sp>
+        <p:nvSpPr>
+          <p:cNvPr id="3" name="Content Placeholder 2"/>
+          <p:cNvSpPr>
+            <a:spLocks noGrp="1"/>
+          </p:cNvSpPr>
+          <p:nvPr>
+            <p:ph idx="1"/>
+          </p:nvPr>
+        </p:nvSpPr>
+        <p:spPr/>
+        <p:txBody>
+          <a:bodyPr/>
+          <a:lstStyle/>
+          <a:p>
+            <a:r>
+              <a:rPr lang="en-US" dirty="0" smtClean="0"/>
+              <a:t>The Task: Convert massive Silverlight application to HTML5</a:t>
+            </a:r>
+          </a:p>
+          <a:p>
+            <a:r>
+              <a:rPr lang="en-US" dirty="0" smtClean="0"/>
+              <a:t>The Timeline: 6 months</a:t>
+            </a:r>
+          </a:p>
+          <a:p>
+            <a:r>
+              <a:rPr lang="en-US" dirty="0" smtClean="0"/>
+              <a:t>Started when </a:t>
+            </a:r>
+            <a:r>
+              <a:rPr lang="en-US" dirty="0" err="1" smtClean="0"/>
+              <a:t>TypeScript</a:t>
+            </a:r>
+            <a:r>
+              <a:rPr lang="en-US" dirty="0" smtClean="0"/>
+              <a:t> was still on Version 0.9</a:t>
+            </a:r>
+          </a:p>
+          <a:p>
+            <a:r>
+              <a:rPr lang="en-US" dirty="0" smtClean="0"/>
+              <a:t>Many lessons were learned</a:t>
+            </a:r>
+          </a:p>
+          <a:p>
+            <a:pPr lvl="1"/>
+            <a:r>
+              <a:rPr lang="en-US" dirty="0" smtClean="0"/>
+              <a:t>Mistakes were made</a:t>
+            </a:r>
+          </a:p>
+          <a:p>
+            <a:r>
+              <a:rPr lang="en-US" dirty="0" smtClean="0"/>
+              <a:t>Current Core Platform</a:t>
+            </a:r>
+          </a:p>
+          <a:p>
+            <a:pPr lvl="1"/>
+            <a:r>
+              <a:rPr lang="en-US" dirty="0" smtClean="0"/>
+              <a:t>488 </a:t>
+            </a:r>
+            <a:r>
+              <a:rPr lang="en-US" dirty="0" err="1" smtClean="0"/>
+              <a:t>TypeScript</a:t>
+            </a:r>
+            <a:r>
+              <a:rPr lang="en-US" dirty="0" smtClean="0"/>
+              <a:t> Files</a:t>
+            </a:r>
+          </a:p>
+          <a:p>
+            <a:pPr lvl="1"/>
+            <a:r>
+              <a:rPr lang="en-US" dirty="0" smtClean="0"/>
+              <a:t>7 megabytes of code</a:t>
+            </a:r>
+          </a:p>
+          <a:p>
+            <a:pPr lvl="1"/>
+            <a:r>
+              <a:rPr lang="en-US" dirty="0" smtClean="0"/>
+              <a:t>Impossible to manage in JavaScript</a:t>
+            </a:r>
+          </a:p>
+          <a:p>
+            <a:endParaRPr lang="en-US" dirty="0"/>
+          </a:p>
+        </p:txBody>
+      </p:sp>
+    </p:spTree>
+    <p:extLst>
+      <p:ext uri="{BB962C8B-B14F-4D97-AF65-F5344CB8AC3E}">
+        <p14:creationId xmlns:p14="http://schemas.microsoft.com/office/powerpoint/2010/main" val="210166678"/>
+      </p:ext>
+    </p:extLst>
+  </p:cSld>
+  <p:clrMapOvr>
+    <a:masterClrMapping/>
+  </p:clrMapOvr>
+</p:sld>
+</file>
+
+<file path=ppt/slides/slide2.xml><?xml version="1.0" encoding="utf-8"?>
+<p:sld xmlns:a="http://schemas.openxmlformats.org/drawingml/2006/main" xmlns:r="http://schemas.openxmlformats.org/officeDocument/2006/relationships" xmlns:p="http://schemas.openxmlformats.org/presentationml/2006/main">
+  <p:cSld>
+    <p:spTree>
+      <p:nvGrpSpPr>
+        <p:cNvPr id="1" name=""/>
+        <p:cNvGrpSpPr/>
+        <p:nvPr/>
+      </p:nvGrpSpPr>
+      <p:grpSpPr>
+        <a:xfrm>
+          <a:off x="0" y="0"/>
+          <a:ext cx="0" cy="0"/>
+          <a:chOff x="0" y="0"/>
+          <a:chExt cx="0" cy="0"/>
+        </a:xfrm>
+      </p:grpSpPr>
+      <p:sp>
+        <p:nvSpPr>
+          <p:cNvPr id="2" name="Title 1"/>
+          <p:cNvSpPr>
+            <a:spLocks noGrp="1"/>
+          </p:cNvSpPr>
+          <p:nvPr>
+            <p:ph type="title"/>
+          </p:nvPr>
+        </p:nvSpPr>
+        <p:spPr/>
+        <p:txBody>
+          <a:bodyPr/>
+          <a:lstStyle/>
+          <a:p>
+            <a:r>
+              <a:rPr lang="en-US" dirty="0" err="1"/>
+              <a:t>Javascript</a:t>
+            </a:r>
+            <a:endParaRPr lang="en-US" dirty="0"/>
+          </a:p>
+        </p:txBody>
+      </p:sp>
+      <p:sp>
+        <p:nvSpPr>
+          <p:cNvPr id="3" name="Text Placeholder 2"/>
+          <p:cNvSpPr>
+            <a:spLocks noGrp="1"/>
+          </p:cNvSpPr>
+          <p:nvPr>
+            <p:ph type="body" idx="1"/>
+          </p:nvPr>
+        </p:nvSpPr>
+        <p:spPr/>
+        <p:txBody>
+          <a:bodyPr/>
+          <a:lstStyle/>
+          <a:p>
+            <a:endParaRPr lang="en-US" dirty="0"/>
+          </a:p>
+        </p:txBody>
+      </p:sp>
+    </p:spTree>
+    <p:extLst>
+      <p:ext uri="{BB962C8B-B14F-4D97-AF65-F5344CB8AC3E}">
+        <p14:creationId xmlns:p14="http://schemas.microsoft.com/office/powerpoint/2010/main" val="2151132046"/>
+      </p:ext>
+    </p:extLst>
+  </p:cSld>
+  <p:clrMapOvr>
+    <a:masterClrMapping/>
+  </p:clrMapOvr>
+  <p:timing>
+    <p:tnLst>
+      <p:par>
+        <p:cTn id="1" dur="indefinite" restart="never" nodeType="tmRoot"/>
+      </p:par>
+    </p:tnLst>
+  </p:timing>
+</p:sld>
+</file>
+
+<file path=ppt/slides/slide20.xml><?xml version="1.0" encoding="utf-8"?>
+<p:sld xmlns:a="http://schemas.openxmlformats.org/drawingml/2006/main" xmlns:r="http://schemas.openxmlformats.org/officeDocument/2006/relationships" xmlns:p="http://schemas.openxmlformats.org/presentationml/2006/main">
+  <p:cSld>
+    <p:spTree>
+      <p:nvGrpSpPr>
+        <p:cNvPr id="1" name=""/>
+        <p:cNvGrpSpPr/>
+        <p:nvPr/>
+      </p:nvGrpSpPr>
+      <p:grpSpPr>
+        <a:xfrm>
+          <a:off x="0" y="0"/>
+          <a:ext cx="0" cy="0"/>
+          <a:chOff x="0" y="0"/>
+          <a:chExt cx="0" cy="0"/>
+        </a:xfrm>
+      </p:grpSpPr>
+      <p:sp>
+        <p:nvSpPr>
+          <p:cNvPr id="2" name="Title 1"/>
+          <p:cNvSpPr>
+            <a:spLocks noGrp="1"/>
+          </p:cNvSpPr>
+          <p:nvPr>
+            <p:ph type="title"/>
+          </p:nvPr>
+        </p:nvSpPr>
+        <p:spPr/>
+        <p:txBody>
+          <a:bodyPr/>
+          <a:lstStyle/>
+          <a:p>
+            <a:r>
               <a:rPr lang="en-US" dirty="0"/>
               <a:t>Setting up a Web Development Environment</a:t>
             </a:r>
@@ -7303,7 +7880,7 @@
 </p:sld>
 </file>
 
-<file path=ppt/slides/slide19.xml><?xml version="1.0" encoding="utf-8"?>
+<file path=ppt/slides/slide21.xml><?xml version="1.0" encoding="utf-8"?>
 <p:sld xmlns:a="http://schemas.openxmlformats.org/drawingml/2006/main" xmlns:r="http://schemas.openxmlformats.org/officeDocument/2006/relationships" xmlns:p="http://schemas.openxmlformats.org/presentationml/2006/main">
   <p:cSld>
     <p:spTree>
@@ -7446,86 +8023,7 @@
 </p:sld>
 </file>
 
-<file path=ppt/slides/slide2.xml><?xml version="1.0" encoding="utf-8"?>
-<p:sld xmlns:a="http://schemas.openxmlformats.org/drawingml/2006/main" xmlns:r="http://schemas.openxmlformats.org/officeDocument/2006/relationships" xmlns:p="http://schemas.openxmlformats.org/presentationml/2006/main">
-  <p:cSld>
-    <p:spTree>
-      <p:nvGrpSpPr>
-        <p:cNvPr id="1" name=""/>
-        <p:cNvGrpSpPr/>
-        <p:nvPr/>
-      </p:nvGrpSpPr>
-      <p:grpSpPr>
-        <a:xfrm>
-          <a:off x="0" y="0"/>
-          <a:ext cx="0" cy="0"/>
-          <a:chOff x="0" y="0"/>
-          <a:chExt cx="0" cy="0"/>
-        </a:xfrm>
-      </p:grpSpPr>
-      <p:sp>
-        <p:nvSpPr>
-          <p:cNvPr id="2" name="Title 1"/>
-          <p:cNvSpPr>
-            <a:spLocks noGrp="1"/>
-          </p:cNvSpPr>
-          <p:nvPr>
-            <p:ph type="title"/>
-          </p:nvPr>
-        </p:nvSpPr>
-        <p:spPr/>
-        <p:txBody>
-          <a:bodyPr/>
-          <a:lstStyle/>
-          <a:p>
-            <a:r>
-              <a:rPr lang="en-US" dirty="0" err="1"/>
-              <a:t>Javascript</a:t>
-            </a:r>
-            <a:endParaRPr lang="en-US" dirty="0"/>
-          </a:p>
-        </p:txBody>
-      </p:sp>
-      <p:sp>
-        <p:nvSpPr>
-          <p:cNvPr id="3" name="Text Placeholder 2"/>
-          <p:cNvSpPr>
-            <a:spLocks noGrp="1"/>
-          </p:cNvSpPr>
-          <p:nvPr>
-            <p:ph type="body" idx="1"/>
-          </p:nvPr>
-        </p:nvSpPr>
-        <p:spPr/>
-        <p:txBody>
-          <a:bodyPr/>
-          <a:lstStyle/>
-          <a:p>
-            <a:endParaRPr lang="en-US" dirty="0"/>
-          </a:p>
-        </p:txBody>
-      </p:sp>
-    </p:spTree>
-    <p:extLst>
-      <p:ext uri="{BB962C8B-B14F-4D97-AF65-F5344CB8AC3E}">
-        <p14:creationId xmlns:p14="http://schemas.microsoft.com/office/powerpoint/2010/main" val="2151132046"/>
-      </p:ext>
-    </p:extLst>
-  </p:cSld>
-  <p:clrMapOvr>
-    <a:masterClrMapping/>
-  </p:clrMapOvr>
-  <p:timing>
-    <p:tnLst>
-      <p:par>
-        <p:cTn id="1" dur="indefinite" restart="never" nodeType="tmRoot"/>
-      </p:par>
-    </p:tnLst>
-  </p:timing>
-</p:sld>
-</file>
-
-<file path=ppt/slides/slide20.xml><?xml version="1.0" encoding="utf-8"?>
+<file path=ppt/slides/slide22.xml><?xml version="1.0" encoding="utf-8"?>
 <p:sld xmlns:a="http://schemas.openxmlformats.org/drawingml/2006/main" xmlns:r="http://schemas.openxmlformats.org/officeDocument/2006/relationships" xmlns:p="http://schemas.openxmlformats.org/presentationml/2006/main">
   <p:cSld>
     <p:spTree>
@@ -7745,7 +8243,7 @@
 </p:sld>
 </file>
 
-<file path=ppt/slides/slide21.xml><?xml version="1.0" encoding="utf-8"?>
+<file path=ppt/slides/slide23.xml><?xml version="1.0" encoding="utf-8"?>
 <p:sld xmlns:a="http://schemas.openxmlformats.org/drawingml/2006/main" xmlns:r="http://schemas.openxmlformats.org/officeDocument/2006/relationships" xmlns:p="http://schemas.openxmlformats.org/presentationml/2006/main">
   <p:cSld>
     <p:spTree>
@@ -7915,254 +8413,6 @@
     <p:extLst>
       <p:ext uri="{BB962C8B-B14F-4D97-AF65-F5344CB8AC3E}">
         <p14:creationId xmlns:p14="http://schemas.microsoft.com/office/powerpoint/2010/main" val="4076184331"/>
-      </p:ext>
-    </p:extLst>
-  </p:cSld>
-  <p:clrMapOvr>
-    <a:masterClrMapping/>
-  </p:clrMapOvr>
-</p:sld>
-</file>
-
-<file path=ppt/slides/slide22.xml><?xml version="1.0" encoding="utf-8"?>
-<p:sld xmlns:a="http://schemas.openxmlformats.org/drawingml/2006/main" xmlns:r="http://schemas.openxmlformats.org/officeDocument/2006/relationships" xmlns:p="http://schemas.openxmlformats.org/presentationml/2006/main">
-  <p:cSld>
-    <p:spTree>
-      <p:nvGrpSpPr>
-        <p:cNvPr id="1" name=""/>
-        <p:cNvGrpSpPr/>
-        <p:nvPr/>
-      </p:nvGrpSpPr>
-      <p:grpSpPr>
-        <a:xfrm>
-          <a:off x="0" y="0"/>
-          <a:ext cx="0" cy="0"/>
-          <a:chOff x="0" y="0"/>
-          <a:chExt cx="0" cy="0"/>
-        </a:xfrm>
-      </p:grpSpPr>
-      <p:sp>
-        <p:nvSpPr>
-          <p:cNvPr id="2" name="Title 1"/>
-          <p:cNvSpPr>
-            <a:spLocks noGrp="1"/>
-          </p:cNvSpPr>
-          <p:nvPr>
-            <p:ph type="title"/>
-          </p:nvPr>
-        </p:nvSpPr>
-        <p:spPr/>
-        <p:txBody>
-          <a:bodyPr/>
-          <a:lstStyle/>
-          <a:p>
-            <a:r>
-              <a:rPr lang="en-US" dirty="0" smtClean="0"/>
-              <a:t>Example 1 - Setup</a:t>
-            </a:r>
-            <a:endParaRPr lang="en-US" dirty="0"/>
-          </a:p>
-        </p:txBody>
-      </p:sp>
-      <p:sp>
-        <p:nvSpPr>
-          <p:cNvPr id="3" name="Content Placeholder 2"/>
-          <p:cNvSpPr>
-            <a:spLocks noGrp="1"/>
-          </p:cNvSpPr>
-          <p:nvPr>
-            <p:ph idx="1"/>
-          </p:nvPr>
-        </p:nvSpPr>
-        <p:spPr/>
-        <p:txBody>
-          <a:bodyPr/>
-          <a:lstStyle/>
-          <a:p>
-            <a:r>
-              <a:rPr lang="en-US" dirty="0" smtClean="0"/>
-              <a:t>Introduces using NPM to install </a:t>
-            </a:r>
-            <a:r>
-              <a:rPr lang="en-US" dirty="0" err="1" smtClean="0"/>
-              <a:t>TypeScript</a:t>
-            </a:r>
-            <a:endParaRPr lang="en-US" dirty="0" smtClean="0"/>
-          </a:p>
-          <a:p>
-            <a:r>
-              <a:rPr lang="en-US" dirty="0" smtClean="0"/>
-              <a:t>Compile and run your first </a:t>
-            </a:r>
-            <a:r>
-              <a:rPr lang="en-US" dirty="0" err="1" smtClean="0"/>
-              <a:t>TypeScript</a:t>
-            </a:r>
-            <a:r>
-              <a:rPr lang="en-US" dirty="0" smtClean="0"/>
-              <a:t> program</a:t>
-            </a:r>
-            <a:endParaRPr lang="en-US" dirty="0"/>
-          </a:p>
-        </p:txBody>
-      </p:sp>
-    </p:spTree>
-    <p:extLst>
-      <p:ext uri="{BB962C8B-B14F-4D97-AF65-F5344CB8AC3E}">
-        <p14:creationId xmlns:p14="http://schemas.microsoft.com/office/powerpoint/2010/main" val="949647574"/>
-      </p:ext>
-    </p:extLst>
-  </p:cSld>
-  <p:clrMapOvr>
-    <a:masterClrMapping/>
-  </p:clrMapOvr>
-</p:sld>
-</file>
-
-<file path=ppt/slides/slide23.xml><?xml version="1.0" encoding="utf-8"?>
-<p:sld xmlns:a="http://schemas.openxmlformats.org/drawingml/2006/main" xmlns:r="http://schemas.openxmlformats.org/officeDocument/2006/relationships" xmlns:p="http://schemas.openxmlformats.org/presentationml/2006/main">
-  <p:cSld>
-    <p:spTree>
-      <p:nvGrpSpPr>
-        <p:cNvPr id="1" name=""/>
-        <p:cNvGrpSpPr/>
-        <p:nvPr/>
-      </p:nvGrpSpPr>
-      <p:grpSpPr>
-        <a:xfrm>
-          <a:off x="0" y="0"/>
-          <a:ext cx="0" cy="0"/>
-          <a:chOff x="0" y="0"/>
-          <a:chExt cx="0" cy="0"/>
-        </a:xfrm>
-      </p:grpSpPr>
-      <p:sp>
-        <p:nvSpPr>
-          <p:cNvPr id="2" name="Title 1"/>
-          <p:cNvSpPr>
-            <a:spLocks noGrp="1"/>
-          </p:cNvSpPr>
-          <p:nvPr>
-            <p:ph type="title"/>
-          </p:nvPr>
-        </p:nvSpPr>
-        <p:spPr/>
-        <p:txBody>
-          <a:bodyPr/>
-          <a:lstStyle/>
-          <a:p>
-            <a:r>
-              <a:rPr lang="en-US" dirty="0" smtClean="0"/>
-              <a:t>Example 2 - Build</a:t>
-            </a:r>
-            <a:endParaRPr lang="en-US" dirty="0"/>
-          </a:p>
-        </p:txBody>
-      </p:sp>
-      <p:sp>
-        <p:nvSpPr>
-          <p:cNvPr id="3" name="Content Placeholder 2"/>
-          <p:cNvSpPr>
-            <a:spLocks noGrp="1"/>
-          </p:cNvSpPr>
-          <p:nvPr>
-            <p:ph idx="1"/>
-          </p:nvPr>
-        </p:nvSpPr>
-        <p:spPr/>
-        <p:txBody>
-          <a:bodyPr/>
-          <a:lstStyle/>
-          <a:p>
-            <a:r>
-              <a:rPr lang="en-US" dirty="0" smtClean="0"/>
-              <a:t>First example leads to clutter in larger programs</a:t>
-            </a:r>
-          </a:p>
-          <a:p>
-            <a:r>
-              <a:rPr lang="en-US" dirty="0" smtClean="0"/>
-              <a:t>Better to set up a dedicated build system</a:t>
-            </a:r>
-          </a:p>
-          <a:p>
-            <a:r>
-              <a:rPr lang="en-US" dirty="0" smtClean="0"/>
-              <a:t>Use </a:t>
-            </a:r>
-            <a:r>
-              <a:rPr lang="en-US" dirty="0" smtClean="0">
-                <a:latin typeface="Consolas" panose="020B0609020204030204" pitchFamily="49" charset="0"/>
-                <a:cs typeface="Consolas" panose="020B0609020204030204" pitchFamily="49" charset="0"/>
-              </a:rPr>
-              <a:t>.</a:t>
-            </a:r>
-            <a:r>
-              <a:rPr lang="en-US" b="1" dirty="0" err="1" smtClean="0">
-                <a:latin typeface="Consolas" panose="020B0609020204030204" pitchFamily="49" charset="0"/>
-                <a:cs typeface="Consolas" panose="020B0609020204030204" pitchFamily="49" charset="0"/>
-              </a:rPr>
-              <a:t>gitignore</a:t>
-            </a:r>
-            <a:r>
-              <a:rPr lang="en-US" dirty="0" smtClean="0">
-                <a:latin typeface="Consolas" panose="020B0609020204030204" pitchFamily="49" charset="0"/>
-                <a:cs typeface="Consolas" panose="020B0609020204030204" pitchFamily="49" charset="0"/>
-              </a:rPr>
-              <a:t> </a:t>
-            </a:r>
-            <a:r>
-              <a:rPr lang="en-US" dirty="0" smtClean="0"/>
-              <a:t>to avoid checking in build outputs</a:t>
-            </a:r>
-          </a:p>
-          <a:p>
-            <a:r>
-              <a:rPr lang="en-US" dirty="0" smtClean="0"/>
-              <a:t>Setup </a:t>
-            </a:r>
-            <a:r>
-              <a:rPr lang="en-US" b="1" dirty="0" err="1" smtClean="0">
-                <a:latin typeface="Consolas" panose="020B0609020204030204" pitchFamily="49" charset="0"/>
-                <a:cs typeface="Consolas" panose="020B0609020204030204" pitchFamily="49" charset="0"/>
-              </a:rPr>
-              <a:t>tsconfig.json</a:t>
-            </a:r>
-            <a:r>
-              <a:rPr lang="en-US" dirty="0" smtClean="0"/>
-              <a:t> with your preferences</a:t>
-            </a:r>
-          </a:p>
-          <a:p>
-            <a:r>
-              <a:rPr lang="en-US" dirty="0" smtClean="0"/>
-              <a:t>Setup </a:t>
-            </a:r>
-            <a:r>
-              <a:rPr lang="en-US" b="1" dirty="0" err="1" smtClean="0">
-                <a:latin typeface="Consolas" panose="020B0609020204030204" pitchFamily="49" charset="0"/>
-                <a:cs typeface="Consolas" panose="020B0609020204030204" pitchFamily="49" charset="0"/>
-              </a:rPr>
-              <a:t>package.json</a:t>
-            </a:r>
-            <a:r>
-              <a:rPr lang="en-US" b="1" dirty="0" smtClean="0"/>
-              <a:t> </a:t>
-            </a:r>
-            <a:r>
-              <a:rPr lang="en-US" dirty="0" smtClean="0"/>
-              <a:t>with your build and run scripts</a:t>
-            </a:r>
-          </a:p>
-          <a:p>
-            <a:endParaRPr lang="en-US" dirty="0" smtClean="0"/>
-          </a:p>
-        </p:txBody>
-      </p:sp>
-    </p:spTree>
-    <p:extLst>
-      <p:ext uri="{BB962C8B-B14F-4D97-AF65-F5344CB8AC3E}">
-        <p14:creationId xmlns:p14="http://schemas.microsoft.com/office/powerpoint/2010/main" val="2542776401"/>
       </p:ext>
     </p:extLst>
   </p:cSld>
@@ -8205,103 +8455,59 @@
           <a:lstStyle/>
           <a:p>
             <a:r>
+              <a:rPr lang="en-US" dirty="0" smtClean="0"/>
+              <a:t>Example 1 - Setup</a:t>
+            </a:r>
+            <a:endParaRPr lang="en-US" dirty="0"/>
+          </a:p>
+        </p:txBody>
+      </p:sp>
+      <p:sp>
+        <p:nvSpPr>
+          <p:cNvPr id="3" name="Content Placeholder 2"/>
+          <p:cNvSpPr>
+            <a:spLocks noGrp="1"/>
+          </p:cNvSpPr>
+          <p:nvPr>
+            <p:ph idx="1"/>
+          </p:nvPr>
+        </p:nvSpPr>
+        <p:spPr/>
+        <p:txBody>
+          <a:bodyPr/>
+          <a:lstStyle/>
+          <a:p>
+            <a:r>
+              <a:rPr lang="en-US" dirty="0" smtClean="0"/>
+              <a:t>Introduces using NPM to install </a:t>
+            </a:r>
+            <a:r>
               <a:rPr lang="en-US" dirty="0" err="1" smtClean="0"/>
-              <a:t>TSConfig.json</a:t>
+              <a:t>TypeScript</a:t>
+            </a:r>
+            <a:endParaRPr lang="en-US" dirty="0" smtClean="0"/>
+          </a:p>
+          <a:p>
+            <a:r>
+              <a:rPr lang="en-US" dirty="0" smtClean="0"/>
+              <a:t>Compile and run your first </a:t>
+            </a:r>
+            <a:r>
+              <a:rPr lang="en-US" dirty="0" err="1" smtClean="0"/>
+              <a:t>TypeScript</a:t>
+            </a:r>
+            <a:r>
+              <a:rPr lang="en-US" dirty="0" smtClean="0"/>
+              <a:t> program</a:t>
             </a:r>
             <a:endParaRPr lang="en-US" dirty="0"/>
-          </a:p>
-        </p:txBody>
-      </p:sp>
-      <p:sp>
-        <p:nvSpPr>
-          <p:cNvPr id="3" name="Content Placeholder 2"/>
-          <p:cNvSpPr>
-            <a:spLocks noGrp="1"/>
-          </p:cNvSpPr>
-          <p:nvPr>
-            <p:ph idx="1"/>
-          </p:nvPr>
-        </p:nvSpPr>
-        <p:spPr/>
-        <p:txBody>
-          <a:bodyPr/>
-          <a:lstStyle/>
-          <a:p>
-            <a:r>
-              <a:rPr lang="en-US" dirty="0" smtClean="0"/>
-              <a:t>Stores options that define precisely how to compile your typescript</a:t>
-            </a:r>
-          </a:p>
-          <a:p>
-            <a:r>
-              <a:rPr lang="en-US" dirty="0" smtClean="0"/>
-              <a:t>Has a plethora of options</a:t>
-            </a:r>
-          </a:p>
-          <a:p>
-            <a:r>
-              <a:rPr lang="en-US" dirty="0" smtClean="0"/>
-              <a:t>Can target any ECMAScript version starting with 3</a:t>
-            </a:r>
-          </a:p>
-          <a:p>
-            <a:pPr lvl="1"/>
-            <a:r>
-              <a:rPr lang="en-US" dirty="0" smtClean="0"/>
-              <a:t>“ES3” only needed for IE6</a:t>
-            </a:r>
-          </a:p>
-          <a:p>
-            <a:pPr lvl="1"/>
-            <a:r>
-              <a:rPr lang="en-US" dirty="0" smtClean="0"/>
-              <a:t>“ES5” only needed for IE7-11</a:t>
-            </a:r>
-          </a:p>
-          <a:p>
-            <a:pPr lvl="1"/>
-            <a:r>
-              <a:rPr lang="en-US" dirty="0" smtClean="0"/>
-              <a:t>Some advanced features not available for ES3 or ES5</a:t>
-            </a:r>
-          </a:p>
-          <a:p>
-            <a:r>
-              <a:rPr lang="en-US" dirty="0" smtClean="0"/>
-              <a:t>Command "</a:t>
-            </a:r>
-            <a:r>
-              <a:rPr lang="en-US" b="1" dirty="0" err="1" smtClean="0">
-                <a:latin typeface="Consolas" panose="020B0609020204030204" pitchFamily="49" charset="0"/>
-                <a:cs typeface="Consolas" panose="020B0609020204030204" pitchFamily="49" charset="0"/>
-              </a:rPr>
-              <a:t>tsc</a:t>
-            </a:r>
-            <a:r>
-              <a:rPr lang="en-US" b="1" dirty="0" smtClean="0">
-                <a:latin typeface="Consolas" panose="020B0609020204030204" pitchFamily="49" charset="0"/>
-                <a:cs typeface="Consolas" panose="020B0609020204030204" pitchFamily="49" charset="0"/>
-              </a:rPr>
-              <a:t> -</a:t>
-            </a:r>
-            <a:r>
-              <a:rPr lang="en-US" b="1" dirty="0" err="1" smtClean="0">
-                <a:latin typeface="Consolas" panose="020B0609020204030204" pitchFamily="49" charset="0"/>
-                <a:cs typeface="Consolas" panose="020B0609020204030204" pitchFamily="49" charset="0"/>
-              </a:rPr>
-              <a:t>init</a:t>
-            </a:r>
-            <a:r>
-              <a:rPr lang="en-US" dirty="0" smtClean="0"/>
-              <a:t>" will create a file with barebones defaults for you. </a:t>
-            </a:r>
           </a:p>
         </p:txBody>
       </p:sp>
     </p:spTree>
     <p:extLst>
       <p:ext uri="{BB962C8B-B14F-4D97-AF65-F5344CB8AC3E}">
-        <p14:creationId xmlns:p14="http://schemas.microsoft.com/office/powerpoint/2010/main" val="911970663"/>
+        <p14:creationId xmlns:p14="http://schemas.microsoft.com/office/powerpoint/2010/main" val="949647574"/>
       </p:ext>
     </p:extLst>
   </p:cSld>
@@ -8345,7 +8551,7 @@
           <a:p>
             <a:r>
               <a:rPr lang="en-US" dirty="0" smtClean="0"/>
-              <a:t>Example 3 - Bundling</a:t>
+              <a:t>Example 2 - Build</a:t>
             </a:r>
             <a:endParaRPr lang="en-US" dirty="0"/>
           </a:p>
@@ -8367,95 +8573,94 @@
           <a:lstStyle/>
           <a:p>
             <a:r>
-              <a:rPr lang="en-US" dirty="0"/>
-              <a:t>Larger programs need bundlers to organize outputs</a:t>
-            </a:r>
-          </a:p>
-          <a:p>
-            <a:r>
-              <a:rPr lang="en-US" dirty="0"/>
-              <a:t>Introduces the concept of modules</a:t>
-            </a:r>
-          </a:p>
-          <a:p>
-            <a:r>
-              <a:rPr lang="en-US" dirty="0"/>
-              <a:t>This example uses </a:t>
-            </a:r>
-            <a:r>
-              <a:rPr lang="en-US" dirty="0" err="1"/>
-              <a:t>Webpack</a:t>
-            </a:r>
-            <a:r>
-              <a:rPr lang="en-US" dirty="0"/>
-              <a:t> to demonstrate how to bundle</a:t>
-            </a:r>
-          </a:p>
-          <a:p>
-            <a:pPr lvl="1"/>
-            <a:r>
-              <a:rPr lang="en-US" dirty="0"/>
-              <a:t>Uses </a:t>
-            </a:r>
-            <a:r>
-              <a:rPr lang="en-US" b="1" dirty="0" err="1">
+              <a:rPr lang="en-US" dirty="0" smtClean="0"/>
+              <a:t>First example leads to clutter in larger programs</a:t>
+            </a:r>
+          </a:p>
+          <a:p>
+            <a:r>
+              <a:rPr lang="en-US" dirty="0" smtClean="0"/>
+              <a:t>Better to set up a dedicated build system</a:t>
+            </a:r>
+          </a:p>
+          <a:p>
+            <a:r>
+              <a:rPr lang="en-US" dirty="0" smtClean="0"/>
+              <a:t>Use </a:t>
+            </a:r>
+            <a:r>
+              <a:rPr lang="en-US" dirty="0" smtClean="0">
                 <a:latin typeface="Consolas" panose="020B0609020204030204" pitchFamily="49" charset="0"/>
                 <a:cs typeface="Consolas" panose="020B0609020204030204" pitchFamily="49" charset="0"/>
               </a:rPr>
-              <a:t>ts</a:t>
-            </a:r>
-            <a:r>
-              <a:rPr lang="en-US" b="1" dirty="0">
+              <a:t>.</a:t>
+            </a:r>
+            <a:r>
+              <a:rPr lang="en-US" b="1" dirty="0" err="1" smtClean="0">
                 <a:latin typeface="Consolas" panose="020B0609020204030204" pitchFamily="49" charset="0"/>
                 <a:cs typeface="Consolas" panose="020B0609020204030204" pitchFamily="49" charset="0"/>
               </a:rPr>
-              <a:t>-loader</a:t>
-            </a:r>
-            <a:r>
-              <a:rPr lang="en-US" dirty="0"/>
-              <a:t> to let </a:t>
-            </a:r>
-            <a:r>
-              <a:rPr lang="en-US" dirty="0" err="1"/>
-              <a:t>Webpack</a:t>
-            </a:r>
-            <a:r>
-              <a:rPr lang="en-US" dirty="0"/>
-              <a:t> be </a:t>
-            </a:r>
-            <a:r>
-              <a:rPr lang="en-US" dirty="0" err="1"/>
-              <a:t>TypeScript</a:t>
-            </a:r>
-            <a:r>
-              <a:rPr lang="en-US" dirty="0"/>
-              <a:t>-aware</a:t>
-            </a:r>
-          </a:p>
-          <a:p>
-            <a:r>
-              <a:rPr lang="en-US" dirty="0" err="1"/>
-              <a:t>Webpack</a:t>
-            </a:r>
-            <a:r>
-              <a:rPr lang="en-US" dirty="0"/>
-              <a:t> is complex enough to warrant an entire presentation of its </a:t>
-            </a:r>
-            <a:r>
-              <a:rPr lang="en-US" dirty="0" smtClean="0"/>
-              <a:t>own</a:t>
-            </a:r>
-            <a:endParaRPr lang="en-US" dirty="0"/>
-          </a:p>
-          <a:p>
-            <a:endParaRPr lang="en-US" dirty="0"/>
+              <a:t>gitignore</a:t>
+            </a:r>
+            <a:r>
+              <a:rPr lang="en-US" dirty="0" smtClean="0">
+                <a:latin typeface="Consolas" panose="020B0609020204030204" pitchFamily="49" charset="0"/>
+                <a:cs typeface="Consolas" panose="020B0609020204030204" pitchFamily="49" charset="0"/>
+              </a:rPr>
+              <a:t> </a:t>
+            </a:r>
+            <a:r>
+              <a:rPr lang="en-US" dirty="0" smtClean="0"/>
+              <a:t>to avoid checking in build outputs</a:t>
+            </a:r>
+          </a:p>
+          <a:p>
+            <a:r>
+              <a:rPr lang="en-US" dirty="0" smtClean="0"/>
+              <a:t>Setup </a:t>
+            </a:r>
+            <a:r>
+              <a:rPr lang="en-US" b="1" dirty="0" err="1" smtClean="0">
+                <a:latin typeface="Consolas" panose="020B0609020204030204" pitchFamily="49" charset="0"/>
+                <a:cs typeface="Consolas" panose="020B0609020204030204" pitchFamily="49" charset="0"/>
+              </a:rPr>
+              <a:t>tsconfig.json</a:t>
+            </a:r>
+            <a:r>
+              <a:rPr lang="en-US" dirty="0" smtClean="0"/>
+              <a:t> with your preferences</a:t>
+            </a:r>
+          </a:p>
+          <a:p>
+            <a:r>
+              <a:rPr lang="en-US" dirty="0" smtClean="0"/>
+              <a:t>Setup </a:t>
+            </a:r>
+            <a:r>
+              <a:rPr lang="en-US" b="1" dirty="0" err="1" smtClean="0">
+                <a:latin typeface="Consolas" panose="020B0609020204030204" pitchFamily="49" charset="0"/>
+                <a:cs typeface="Consolas" panose="020B0609020204030204" pitchFamily="49" charset="0"/>
+              </a:rPr>
+              <a:t>package.json</a:t>
+            </a:r>
+            <a:r>
+              <a:rPr lang="en-US" b="1" dirty="0" smtClean="0"/>
+              <a:t> </a:t>
+            </a:r>
+            <a:r>
+              <a:rPr lang="en-US" dirty="0" smtClean="0"/>
+              <a:t>with your build and run scripts</a:t>
+            </a:r>
+          </a:p>
+          <a:p>
+            <a:endParaRPr lang="en-US" dirty="0" smtClean="0"/>
           </a:p>
         </p:txBody>
       </p:sp>
     </p:spTree>
     <p:extLst>
       <p:ext uri="{BB962C8B-B14F-4D97-AF65-F5344CB8AC3E}">
-        <p14:creationId xmlns:p14="http://schemas.microsoft.com/office/powerpoint/2010/main" val="536527624"/>
+        <p14:creationId xmlns:p14="http://schemas.microsoft.com/office/powerpoint/2010/main" val="2542776401"/>
       </p:ext>
     </p:extLst>
   </p:cSld>
@@ -8498,12 +8703,8 @@
           <a:lstStyle/>
           <a:p>
             <a:r>
-              <a:rPr lang="en-US" dirty="0"/>
-              <a:t>Introduction to </a:t>
-            </a:r>
-            <a:r>
-              <a:rPr lang="en-US" dirty="0" err="1"/>
-              <a:t>TypeScript</a:t>
+              <a:rPr lang="en-US" dirty="0" err="1" smtClean="0"/>
+              <a:t>TSConfig.json</a:t>
             </a:r>
             <a:endParaRPr lang="en-US" dirty="0"/>
           </a:p>
@@ -8511,12 +8712,12 @@
       </p:sp>
       <p:sp>
         <p:nvSpPr>
-          <p:cNvPr id="3" name="Text Placeholder 2"/>
-          <p:cNvSpPr>
-            <a:spLocks noGrp="1"/>
-          </p:cNvSpPr>
-          <p:nvPr>
-            <p:ph type="body" idx="1"/>
+          <p:cNvPr id="3" name="Content Placeholder 2"/>
+          <p:cNvSpPr>
+            <a:spLocks noGrp="1"/>
+          </p:cNvSpPr>
+          <p:nvPr>
+            <p:ph idx="1"/>
           </p:nvPr>
         </p:nvSpPr>
         <p:spPr/>
@@ -8524,14 +8725,81 @@
           <a:bodyPr/>
           <a:lstStyle/>
           <a:p>
-            <a:endParaRPr lang="en-US" dirty="0"/>
+            <a:r>
+              <a:rPr lang="en-US" dirty="0" smtClean="0"/>
+              <a:t>Stores options that define precisely how to compile your typescript</a:t>
+            </a:r>
+          </a:p>
+          <a:p>
+            <a:r>
+              <a:rPr lang="en-US" dirty="0" smtClean="0"/>
+              <a:t>Has a plethora of options</a:t>
+            </a:r>
+          </a:p>
+          <a:p>
+            <a:r>
+              <a:rPr lang="en-US" dirty="0" smtClean="0"/>
+              <a:t>Can target any ECMAScript version starting with 3</a:t>
+            </a:r>
+          </a:p>
+          <a:p>
+            <a:pPr lvl="1"/>
+            <a:r>
+              <a:rPr lang="en-US" dirty="0" smtClean="0"/>
+              <a:t>“ES3” only needed for IE6</a:t>
+            </a:r>
+          </a:p>
+          <a:p>
+            <a:pPr lvl="1"/>
+            <a:r>
+              <a:rPr lang="en-US" dirty="0" smtClean="0"/>
+              <a:t>“ES5” only needed for IE7-11</a:t>
+            </a:r>
+          </a:p>
+          <a:p>
+            <a:pPr lvl="1"/>
+            <a:r>
+              <a:rPr lang="en-US" dirty="0" smtClean="0"/>
+              <a:t>Some advanced features not available for ES3 or ES5</a:t>
+            </a:r>
+          </a:p>
+          <a:p>
+            <a:r>
+              <a:rPr lang="en-US" dirty="0" smtClean="0"/>
+              <a:t>Command "</a:t>
+            </a:r>
+            <a:r>
+              <a:rPr lang="en-US" b="1" dirty="0" err="1" smtClean="0">
+                <a:latin typeface="Consolas" panose="020B0609020204030204" pitchFamily="49" charset="0"/>
+                <a:cs typeface="Consolas" panose="020B0609020204030204" pitchFamily="49" charset="0"/>
+              </a:rPr>
+              <a:t>tsc</a:t>
+            </a:r>
+            <a:r>
+              <a:rPr lang="en-US" b="1" dirty="0" smtClean="0">
+                <a:latin typeface="Consolas" panose="020B0609020204030204" pitchFamily="49" charset="0"/>
+                <a:cs typeface="Consolas" panose="020B0609020204030204" pitchFamily="49" charset="0"/>
+              </a:rPr>
+              <a:t> -</a:t>
+            </a:r>
+            <a:r>
+              <a:rPr lang="en-US" b="1" dirty="0" err="1" smtClean="0">
+                <a:latin typeface="Consolas" panose="020B0609020204030204" pitchFamily="49" charset="0"/>
+                <a:cs typeface="Consolas" panose="020B0609020204030204" pitchFamily="49" charset="0"/>
+              </a:rPr>
+              <a:t>init</a:t>
+            </a:r>
+            <a:r>
+              <a:rPr lang="en-US" dirty="0" smtClean="0"/>
+              <a:t>" will create a file with barebones defaults for you. </a:t>
+            </a:r>
           </a:p>
         </p:txBody>
       </p:sp>
     </p:spTree>
     <p:extLst>
       <p:ext uri="{BB962C8B-B14F-4D97-AF65-F5344CB8AC3E}">
-        <p14:creationId xmlns:p14="http://schemas.microsoft.com/office/powerpoint/2010/main" val="2805792601"/>
+        <p14:creationId xmlns:p14="http://schemas.microsoft.com/office/powerpoint/2010/main" val="911970663"/>
       </p:ext>
     </p:extLst>
   </p:cSld>
@@ -8575,7 +8843,7 @@
           <a:p>
             <a:r>
               <a:rPr lang="en-US" dirty="0" smtClean="0"/>
-              <a:t>Typescript</a:t>
+              <a:t>Example 3 - Bundling</a:t>
             </a:r>
             <a:endParaRPr lang="en-US" dirty="0"/>
           </a:p>
@@ -8593,143 +8861,91 @@
         </p:nvSpPr>
         <p:spPr/>
         <p:txBody>
-          <a:bodyPr>
-            <a:normAutofit/>
-          </a:bodyPr>
-          <a:lstStyle/>
-          <a:p>
-            <a:r>
-              <a:rPr lang="en-US" dirty="0" err="1" smtClean="0"/>
+          <a:bodyPr/>
+          <a:lstStyle/>
+          <a:p>
+            <a:r>
+              <a:rPr lang="en-US" dirty="0"/>
+              <a:t>Larger programs need bundlers to organize outputs</a:t>
+            </a:r>
+          </a:p>
+          <a:p>
+            <a:r>
+              <a:rPr lang="en-US" dirty="0"/>
+              <a:t>Introduces the concept of modules</a:t>
+            </a:r>
+          </a:p>
+          <a:p>
+            <a:r>
+              <a:rPr lang="en-US" dirty="0"/>
+              <a:t>This example uses </a:t>
+            </a:r>
+            <a:r>
+              <a:rPr lang="en-US" dirty="0" err="1"/>
+              <a:t>Webpack</a:t>
+            </a:r>
+            <a:r>
+              <a:rPr lang="en-US" dirty="0"/>
+              <a:t> to demonstrate how to bundle</a:t>
+            </a:r>
+          </a:p>
+          <a:p>
+            <a:pPr lvl="1"/>
+            <a:r>
+              <a:rPr lang="en-US" dirty="0"/>
+              <a:t>Uses </a:t>
+            </a:r>
+            <a:r>
+              <a:rPr lang="en-US" b="1" dirty="0" err="1">
+                <a:latin typeface="Consolas" panose="020B0609020204030204" pitchFamily="49" charset="0"/>
+                <a:cs typeface="Consolas" panose="020B0609020204030204" pitchFamily="49" charset="0"/>
+              </a:rPr>
+              <a:t>ts</a:t>
+            </a:r>
+            <a:r>
+              <a:rPr lang="en-US" b="1" dirty="0">
+                <a:latin typeface="Consolas" panose="020B0609020204030204" pitchFamily="49" charset="0"/>
+                <a:cs typeface="Consolas" panose="020B0609020204030204" pitchFamily="49" charset="0"/>
+              </a:rPr>
+              <a:t>-loader</a:t>
+            </a:r>
+            <a:r>
+              <a:rPr lang="en-US" dirty="0"/>
+              <a:t> to let </a:t>
+            </a:r>
+            <a:r>
+              <a:rPr lang="en-US" dirty="0" err="1"/>
+              <a:t>Webpack</a:t>
+            </a:r>
+            <a:r>
+              <a:rPr lang="en-US" dirty="0"/>
+              <a:t> be </a:t>
+            </a:r>
+            <a:r>
+              <a:rPr lang="en-US" dirty="0" err="1"/>
               <a:t>TypeScript</a:t>
             </a:r>
             <a:r>
-              <a:rPr lang="en-US" dirty="0" smtClean="0"/>
-              <a:t> is JavaScript</a:t>
-            </a:r>
-          </a:p>
-          <a:p>
-            <a:pPr lvl="1"/>
-            <a:r>
-              <a:rPr lang="en-US" dirty="0" smtClean="0"/>
-              <a:t>Fully backwards compatible with JavaScript</a:t>
-            </a:r>
-          </a:p>
-          <a:p>
-            <a:pPr lvl="1"/>
-            <a:r>
-              <a:rPr lang="en-US" dirty="0" smtClean="0"/>
-              <a:t>Any valid JavaScript program is also a valid </a:t>
-            </a:r>
-            <a:r>
-              <a:rPr lang="en-US" dirty="0" err="1" smtClean="0"/>
-              <a:t>TypeScript</a:t>
-            </a:r>
-            <a:r>
-              <a:rPr lang="en-US" dirty="0" smtClean="0"/>
-              <a:t> program</a:t>
-            </a:r>
-          </a:p>
-          <a:p>
-            <a:r>
-              <a:rPr lang="en-US" dirty="0" err="1" smtClean="0"/>
-              <a:t>TypeScript</a:t>
-            </a:r>
-            <a:r>
-              <a:rPr lang="en-US" dirty="0" smtClean="0"/>
-              <a:t> “</a:t>
-            </a:r>
-            <a:r>
-              <a:rPr lang="en-US" dirty="0" err="1" smtClean="0"/>
-              <a:t>transpiles</a:t>
-            </a:r>
-            <a:r>
-              <a:rPr lang="en-US" dirty="0" smtClean="0"/>
-              <a:t>” to JavaScript</a:t>
-            </a:r>
-          </a:p>
-          <a:p>
-            <a:pPr lvl="1"/>
-            <a:r>
-              <a:rPr lang="en-US" dirty="0" err="1" smtClean="0"/>
-              <a:t>Transpilation</a:t>
-            </a:r>
-            <a:r>
-              <a:rPr lang="en-US" dirty="0" smtClean="0"/>
-              <a:t> is idiomatic</a:t>
-            </a:r>
-          </a:p>
-          <a:p>
-            <a:pPr lvl="1"/>
-            <a:r>
-              <a:rPr lang="en-US" dirty="0" smtClean="0"/>
-              <a:t>No optimizations attempted</a:t>
-            </a:r>
-          </a:p>
-          <a:p>
-            <a:pPr lvl="1"/>
-            <a:r>
-              <a:rPr lang="en-US" dirty="0" smtClean="0"/>
-              <a:t>Fully compatible with the chosen output target (ES3, ES5, ES2015, </a:t>
-            </a:r>
-            <a:r>
-              <a:rPr lang="en-US" dirty="0" err="1" smtClean="0"/>
-              <a:t>etc</a:t>
-            </a:r>
-            <a:r>
-              <a:rPr lang="en-US" dirty="0" smtClean="0"/>
-              <a:t>)</a:t>
-            </a:r>
-          </a:p>
-          <a:p>
-            <a:r>
-              <a:rPr lang="en-US" dirty="0" err="1" smtClean="0"/>
-              <a:t>TypeScript</a:t>
-            </a:r>
-            <a:r>
-              <a:rPr lang="en-US" dirty="0" smtClean="0"/>
-              <a:t> is “erased” during </a:t>
-            </a:r>
-            <a:r>
-              <a:rPr lang="en-US" dirty="0" err="1" smtClean="0"/>
-              <a:t>transpilation</a:t>
-            </a:r>
-            <a:r>
-              <a:rPr lang="en-US" dirty="0" smtClean="0"/>
-              <a:t>. </a:t>
-            </a:r>
-          </a:p>
-          <a:p>
-            <a:pPr lvl="1"/>
-            <a:r>
               <a:rPr lang="en-US" dirty="0"/>
-              <a:t>Generated JavaScript can be easily read and </a:t>
-            </a:r>
-            <a:r>
-              <a:rPr lang="en-US" dirty="0" smtClean="0"/>
-              <a:t>understood</a:t>
-            </a:r>
-          </a:p>
-          <a:p>
-            <a:r>
-              <a:rPr lang="en-US" dirty="0" err="1" smtClean="0"/>
-              <a:t>TypeScript</a:t>
-            </a:r>
-            <a:r>
-              <a:rPr lang="en-US" dirty="0" smtClean="0"/>
-              <a:t> is mostly </a:t>
-            </a:r>
-            <a:r>
-              <a:rPr lang="en-US" b="1" dirty="0" smtClean="0"/>
-              <a:t>annotations</a:t>
-            </a:r>
-            <a:r>
-              <a:rPr lang="en-US" dirty="0" smtClean="0"/>
-              <a:t> that add information to code, but doesn’t significantly alter the structure.</a:t>
+              <a:t>-aware</a:t>
+            </a:r>
+          </a:p>
+          <a:p>
+            <a:r>
+              <a:rPr lang="en-US" dirty="0" err="1"/>
+              <a:t>Webpack</a:t>
+            </a:r>
+            <a:r>
+              <a:rPr lang="en-US" dirty="0"/>
+              <a:t> is complex enough to warrant an entire presentation of its </a:t>
+            </a:r>
+            <a:r>
+              <a:rPr lang="en-US" dirty="0" smtClean="0"/>
+              <a:t>own</a:t>
             </a:r>
             <a:endParaRPr lang="en-US" dirty="0"/>
           </a:p>
           <a:p>
-            <a:pPr lvl="1"/>
             <a:endParaRPr lang="en-US" dirty="0"/>
           </a:p>
         </p:txBody>
@@ -8737,7 +8953,7 @@
     </p:spTree>
     <p:extLst>
       <p:ext uri="{BB962C8B-B14F-4D97-AF65-F5344CB8AC3E}">
-        <p14:creationId xmlns:p14="http://schemas.microsoft.com/office/powerpoint/2010/main" val="3894533808"/>
+        <p14:creationId xmlns:p14="http://schemas.microsoft.com/office/powerpoint/2010/main" val="536527624"/>
       </p:ext>
     </p:extLst>
   </p:cSld>
@@ -8780,8 +8996,12 @@
           <a:lstStyle/>
           <a:p>
             <a:r>
-              <a:rPr lang="en-US" dirty="0" smtClean="0"/>
-              <a:t>Type Annotations</a:t>
+              <a:rPr lang="en-US" dirty="0"/>
+              <a:t>Introduction to </a:t>
+            </a:r>
+            <a:r>
+              <a:rPr lang="en-US" dirty="0" err="1"/>
+              <a:t>TypeScript</a:t>
             </a:r>
             <a:endParaRPr lang="en-US" dirty="0"/>
           </a:p>
@@ -8789,279 +9009,27 @@
       </p:sp>
       <p:sp>
         <p:nvSpPr>
-          <p:cNvPr id="3" name="Content Placeholder 2"/>
-          <p:cNvSpPr>
-            <a:spLocks noGrp="1"/>
-          </p:cNvSpPr>
-          <p:nvPr>
-            <p:ph idx="1"/>
+          <p:cNvPr id="3" name="Text Placeholder 2"/>
+          <p:cNvSpPr>
+            <a:spLocks noGrp="1"/>
+          </p:cNvSpPr>
+          <p:nvPr>
+            <p:ph type="body" idx="1"/>
           </p:nvPr>
         </p:nvSpPr>
         <p:spPr/>
         <p:txBody>
-          <a:bodyPr>
-            <a:normAutofit/>
-          </a:bodyPr>
-          <a:lstStyle/>
-          <a:p>
-            <a:r>
-              <a:rPr lang="en-US" dirty="0" err="1" smtClean="0"/>
-              <a:t>TypeScript</a:t>
-            </a:r>
-            <a:r>
-              <a:rPr lang="en-US" dirty="0" smtClean="0"/>
-              <a:t> adds </a:t>
-            </a:r>
-            <a:r>
-              <a:rPr lang="en-US" b="1" dirty="0" smtClean="0"/>
-              <a:t>Type Annotations</a:t>
-            </a:r>
-            <a:r>
-              <a:rPr lang="en-US" dirty="0" smtClean="0"/>
-              <a:t> to JavaScript</a:t>
-            </a:r>
-          </a:p>
+          <a:bodyPr/>
+          <a:lstStyle/>
           <a:p>
             <a:endParaRPr lang="en-US" dirty="0"/>
-          </a:p>
-          <a:p>
-            <a:endParaRPr lang="en-US" dirty="0" smtClean="0"/>
-          </a:p>
-          <a:p>
-            <a:r>
-              <a:rPr lang="en-US" dirty="0" smtClean="0"/>
-              <a:t>Annotations erased in </a:t>
-            </a:r>
-            <a:r>
-              <a:rPr lang="en-US" dirty="0" err="1" smtClean="0"/>
-              <a:t>transpiled</a:t>
-            </a:r>
-            <a:r>
-              <a:rPr lang="en-US" dirty="0" smtClean="0"/>
-              <a:t> JavaScript</a:t>
-            </a:r>
-          </a:p>
-          <a:p>
-            <a:endParaRPr lang="en-US" dirty="0" smtClean="0"/>
-          </a:p>
-          <a:p>
-            <a:endParaRPr lang="en-US" dirty="0"/>
-          </a:p>
-          <a:p>
-            <a:r>
-              <a:rPr lang="en-US" dirty="0" smtClean="0"/>
-              <a:t>See Example 4</a:t>
-            </a:r>
-            <a:endParaRPr lang="en-US" dirty="0"/>
-          </a:p>
-        </p:txBody>
-      </p:sp>
-      <p:sp>
-        <p:nvSpPr>
-          <p:cNvPr id="4" name="TextBox 3"/>
-          <p:cNvSpPr txBox="1"/>
-          <p:nvPr/>
-        </p:nvSpPr>
-        <p:spPr>
-          <a:xfrm>
-            <a:off x="1110669" y="2724150"/>
-            <a:ext cx="7423731" cy="646331"/>
-          </a:xfrm>
-          <a:prstGeom prst="rect">
-            <a:avLst/>
-          </a:prstGeom>
-        </p:spPr>
-        <p:style>
-          <a:lnRef idx="2">
-            <a:schemeClr val="accent1"/>
-          </a:lnRef>
-          <a:fillRef idx="1">
-            <a:schemeClr val="lt1"/>
-          </a:fillRef>
-          <a:effectRef idx="0">
-            <a:schemeClr val="accent1"/>
-          </a:effectRef>
-          <a:fontRef idx="minor">
-            <a:schemeClr val="dk1"/>
-          </a:fontRef>
-        </p:style>
-        <p:txBody>
-          <a:bodyPr wrap="square" rtlCol="0">
-            <a:spAutoFit/>
-          </a:bodyPr>
-          <a:lstStyle/>
-          <a:p>
-            <a:r>
-              <a:rPr lang="en-US" dirty="0" err="1" smtClean="0">
-                <a:latin typeface="Consolas" panose="020B0609020204030204" pitchFamily="49" charset="0"/>
-                <a:cs typeface="Consolas" panose="020B0609020204030204" pitchFamily="49" charset="0"/>
-              </a:rPr>
-              <a:t>const</a:t>
-            </a:r>
-            <a:r>
-              <a:rPr lang="en-US" dirty="0" smtClean="0">
-                <a:latin typeface="Consolas" panose="020B0609020204030204" pitchFamily="49" charset="0"/>
-                <a:cs typeface="Consolas" panose="020B0609020204030204" pitchFamily="49" charset="0"/>
-              </a:rPr>
-              <a:t> number</a:t>
-            </a:r>
-            <a:r>
-              <a:rPr lang="en-US" dirty="0" smtClean="0">
-                <a:solidFill>
-                  <a:srgbClr val="FF0000"/>
-                </a:solidFill>
-                <a:latin typeface="Consolas" panose="020B0609020204030204" pitchFamily="49" charset="0"/>
-                <a:cs typeface="Consolas" panose="020B0609020204030204" pitchFamily="49" charset="0"/>
-              </a:rPr>
-              <a:t>: number</a:t>
-            </a:r>
-            <a:r>
-              <a:rPr lang="en-US" dirty="0" smtClean="0">
-                <a:latin typeface="Consolas" panose="020B0609020204030204" pitchFamily="49" charset="0"/>
-                <a:cs typeface="Consolas" panose="020B0609020204030204" pitchFamily="49" charset="0"/>
-              </a:rPr>
-              <a:t> = 42;</a:t>
-            </a:r>
-          </a:p>
-          <a:p>
-            <a:r>
-              <a:rPr lang="en-US" dirty="0" smtClean="0">
-                <a:latin typeface="Consolas" panose="020B0609020204030204" pitchFamily="49" charset="0"/>
-                <a:cs typeface="Consolas" panose="020B0609020204030204" pitchFamily="49" charset="0"/>
-              </a:rPr>
-              <a:t>function foo(</a:t>
-            </a:r>
-            <a:r>
-              <a:rPr lang="en-US" dirty="0" err="1" smtClean="0">
-                <a:latin typeface="Consolas" panose="020B0609020204030204" pitchFamily="49" charset="0"/>
-                <a:cs typeface="Consolas" panose="020B0609020204030204" pitchFamily="49" charset="0"/>
-              </a:rPr>
-              <a:t>param</a:t>
-            </a:r>
-            <a:r>
-              <a:rPr lang="en-US" dirty="0" smtClean="0">
-                <a:solidFill>
-                  <a:srgbClr val="FF0000"/>
-                </a:solidFill>
-                <a:latin typeface="Consolas" panose="020B0609020204030204" pitchFamily="49" charset="0"/>
-                <a:cs typeface="Consolas" panose="020B0609020204030204" pitchFamily="49" charset="0"/>
-              </a:rPr>
-              <a:t>: string</a:t>
-            </a:r>
-            <a:r>
-              <a:rPr lang="en-US" dirty="0" smtClean="0">
-                <a:latin typeface="Consolas" panose="020B0609020204030204" pitchFamily="49" charset="0"/>
-                <a:cs typeface="Consolas" panose="020B0609020204030204" pitchFamily="49" charset="0"/>
-              </a:rPr>
-              <a:t>)</a:t>
-            </a:r>
-            <a:r>
-              <a:rPr lang="en-US" dirty="0" smtClean="0">
-                <a:solidFill>
-                  <a:srgbClr val="FF0000"/>
-                </a:solidFill>
-                <a:latin typeface="Consolas" panose="020B0609020204030204" pitchFamily="49" charset="0"/>
-                <a:cs typeface="Consolas" panose="020B0609020204030204" pitchFamily="49" charset="0"/>
-              </a:rPr>
-              <a:t>: number</a:t>
-            </a:r>
-            <a:r>
-              <a:rPr lang="en-US" dirty="0" smtClean="0">
-                <a:latin typeface="Consolas" panose="020B0609020204030204" pitchFamily="49" charset="0"/>
-                <a:cs typeface="Consolas" panose="020B0609020204030204" pitchFamily="49" charset="0"/>
-              </a:rPr>
-              <a:t> { /* TODO */ }</a:t>
-            </a:r>
-            <a:endParaRPr lang="en-US" dirty="0">
-              <a:latin typeface="Consolas" panose="020B0609020204030204" pitchFamily="49" charset="0"/>
-              <a:cs typeface="Consolas" panose="020B0609020204030204" pitchFamily="49" charset="0"/>
-            </a:endParaRPr>
-          </a:p>
-        </p:txBody>
-      </p:sp>
-      <p:sp>
-        <p:nvSpPr>
-          <p:cNvPr id="6" name="TextBox 5"/>
-          <p:cNvSpPr txBox="1"/>
-          <p:nvPr/>
-        </p:nvSpPr>
-        <p:spPr>
-          <a:xfrm>
-            <a:off x="1110669" y="3953258"/>
-            <a:ext cx="7423731" cy="646331"/>
-          </a:xfrm>
-          <a:prstGeom prst="rect">
-            <a:avLst/>
-          </a:prstGeom>
-        </p:spPr>
-        <p:style>
-          <a:lnRef idx="2">
-            <a:schemeClr val="accent1"/>
-          </a:lnRef>
-          <a:fillRef idx="1">
-            <a:schemeClr val="lt1"/>
-          </a:fillRef>
-          <a:effectRef idx="0">
-            <a:schemeClr val="accent1"/>
-          </a:effectRef>
-          <a:fontRef idx="minor">
-            <a:schemeClr val="dk1"/>
-          </a:fontRef>
-        </p:style>
-        <p:txBody>
-          <a:bodyPr wrap="square" rtlCol="0">
-            <a:spAutoFit/>
-          </a:bodyPr>
-          <a:lstStyle/>
-          <a:p>
-            <a:r>
-              <a:rPr lang="en-US" dirty="0" err="1" smtClean="0">
-                <a:latin typeface="Consolas" panose="020B0609020204030204" pitchFamily="49" charset="0"/>
-                <a:cs typeface="Consolas" panose="020B0609020204030204" pitchFamily="49" charset="0"/>
-              </a:rPr>
-              <a:t>const</a:t>
-            </a:r>
-            <a:r>
-              <a:rPr lang="en-US" dirty="0" smtClean="0">
-                <a:latin typeface="Consolas" panose="020B0609020204030204" pitchFamily="49" charset="0"/>
-                <a:cs typeface="Consolas" panose="020B0609020204030204" pitchFamily="49" charset="0"/>
-              </a:rPr>
-              <a:t> number = 42;</a:t>
-            </a:r>
-          </a:p>
-          <a:p>
-            <a:r>
-              <a:rPr lang="en-US" dirty="0" smtClean="0">
-                <a:latin typeface="Consolas" panose="020B0609020204030204" pitchFamily="49" charset="0"/>
-                <a:cs typeface="Consolas" panose="020B0609020204030204" pitchFamily="49" charset="0"/>
-              </a:rPr>
-              <a:t>function foo(</a:t>
-            </a:r>
-            <a:r>
-              <a:rPr lang="en-US" dirty="0" err="1" smtClean="0">
-                <a:latin typeface="Consolas" panose="020B0609020204030204" pitchFamily="49" charset="0"/>
-                <a:cs typeface="Consolas" panose="020B0609020204030204" pitchFamily="49" charset="0"/>
-              </a:rPr>
-              <a:t>param</a:t>
-            </a:r>
-            <a:r>
-              <a:rPr lang="en-US" dirty="0" smtClean="0">
-                <a:latin typeface="Consolas" panose="020B0609020204030204" pitchFamily="49" charset="0"/>
-                <a:cs typeface="Consolas" panose="020B0609020204030204" pitchFamily="49" charset="0"/>
-              </a:rPr>
-              <a:t>) { /* TODO */ }</a:t>
-            </a:r>
-            <a:endParaRPr lang="en-US" dirty="0">
-              <a:latin typeface="Consolas" panose="020B0609020204030204" pitchFamily="49" charset="0"/>
-              <a:cs typeface="Consolas" panose="020B0609020204030204" pitchFamily="49" charset="0"/>
-            </a:endParaRPr>
           </a:p>
         </p:txBody>
       </p:sp>
     </p:spTree>
     <p:extLst>
       <p:ext uri="{BB962C8B-B14F-4D97-AF65-F5344CB8AC3E}">
-        <p14:creationId xmlns:p14="http://schemas.microsoft.com/office/powerpoint/2010/main" val="1996770991"/>
+        <p14:creationId xmlns:p14="http://schemas.microsoft.com/office/powerpoint/2010/main" val="2805792601"/>
       </p:ext>
     </p:extLst>
   </p:cSld>
@@ -9105,7 +9073,7 @@
           <a:p>
             <a:r>
               <a:rPr lang="en-US" dirty="0" smtClean="0"/>
-              <a:t>Type Inference</a:t>
+              <a:t>Typescript</a:t>
             </a:r>
             <a:endParaRPr lang="en-US" dirty="0"/>
           </a:p>
@@ -9129,49 +9097,137 @@
           <a:lstStyle/>
           <a:p>
             <a:r>
+              <a:rPr lang="en-US" dirty="0" err="1" smtClean="0"/>
+              <a:t>TypeScript</a:t>
+            </a:r>
+            <a:r>
+              <a:rPr lang="en-US" dirty="0" smtClean="0"/>
+              <a:t> is JavaScript</a:t>
+            </a:r>
+          </a:p>
+          <a:p>
+            <a:pPr lvl="1"/>
+            <a:r>
+              <a:rPr lang="en-US" dirty="0" smtClean="0"/>
+              <a:t>Fully backwards compatible with JavaScript</a:t>
+            </a:r>
+          </a:p>
+          <a:p>
+            <a:pPr lvl="1"/>
+            <a:r>
+              <a:rPr lang="en-US" dirty="0" smtClean="0"/>
+              <a:t>Any valid JavaScript program is also a valid </a:t>
+            </a:r>
+            <a:r>
+              <a:rPr lang="en-US" dirty="0" err="1" smtClean="0"/>
+              <a:t>TypeScript</a:t>
+            </a:r>
+            <a:r>
+              <a:rPr lang="en-US" dirty="0" smtClean="0"/>
+              <a:t> program</a:t>
+            </a:r>
+          </a:p>
+          <a:p>
+            <a:r>
+              <a:rPr lang="en-US" dirty="0" err="1" smtClean="0"/>
+              <a:t>TypeScript</a:t>
+            </a:r>
+            <a:r>
+              <a:rPr lang="en-US" dirty="0" smtClean="0"/>
+              <a:t> “</a:t>
+            </a:r>
+            <a:r>
+              <a:rPr lang="en-US" dirty="0" err="1" smtClean="0"/>
+              <a:t>transpiles</a:t>
+            </a:r>
+            <a:r>
+              <a:rPr lang="en-US" dirty="0" smtClean="0"/>
+              <a:t>” to JavaScript</a:t>
+            </a:r>
+          </a:p>
+          <a:p>
+            <a:pPr lvl="1"/>
+            <a:r>
+              <a:rPr lang="en-US" dirty="0" err="1" smtClean="0"/>
+              <a:t>Transpilation</a:t>
+            </a:r>
+            <a:r>
+              <a:rPr lang="en-US" dirty="0" smtClean="0"/>
+              <a:t> is idiomatic</a:t>
+            </a:r>
+          </a:p>
+          <a:p>
+            <a:pPr lvl="1"/>
+            <a:r>
+              <a:rPr lang="en-US" dirty="0" smtClean="0"/>
+              <a:t>No optimizations attempted</a:t>
+            </a:r>
+          </a:p>
+          <a:p>
+            <a:pPr lvl="1"/>
+            <a:r>
+              <a:rPr lang="en-US" dirty="0" smtClean="0"/>
+              <a:t>Fully compatible with the chosen output target (ES3, ES5, ES2015, </a:t>
+            </a:r>
+            <a:r>
+              <a:rPr lang="en-US" dirty="0" err="1" smtClean="0"/>
+              <a:t>etc</a:t>
+            </a:r>
+            <a:r>
+              <a:rPr lang="en-US" dirty="0" smtClean="0"/>
+              <a:t>)</a:t>
+            </a:r>
+          </a:p>
+          <a:p>
+            <a:r>
+              <a:rPr lang="en-US" dirty="0" err="1" smtClean="0"/>
+              <a:t>TypeScript</a:t>
+            </a:r>
+            <a:r>
+              <a:rPr lang="en-US" dirty="0" smtClean="0"/>
+              <a:t> is “erased” during </a:t>
+            </a:r>
+            <a:r>
+              <a:rPr lang="en-US" dirty="0" err="1" smtClean="0"/>
+              <a:t>transpilation</a:t>
+            </a:r>
+            <a:r>
+              <a:rPr lang="en-US" dirty="0" smtClean="0"/>
+              <a:t>. </a:t>
+            </a:r>
+          </a:p>
+          <a:p>
+            <a:pPr lvl="1"/>
+            <a:r>
+              <a:rPr lang="en-US" dirty="0"/>
+              <a:t>Generated JavaScript can be easily read and </a:t>
+            </a:r>
+            <a:r>
+              <a:rPr lang="en-US" dirty="0" smtClean="0"/>
+              <a:t>understood</a:t>
+            </a:r>
+          </a:p>
+          <a:p>
+            <a:r>
+              <a:rPr lang="en-US" dirty="0" err="1" smtClean="0"/>
+              <a:t>TypeScript</a:t>
+            </a:r>
+            <a:r>
+              <a:rPr lang="en-US" dirty="0" smtClean="0"/>
+              <a:t> is mostly </a:t>
+            </a:r>
+            <a:r>
               <a:rPr lang="en-US" b="1" dirty="0" smtClean="0"/>
-              <a:t>Type Inference </a:t>
-            </a:r>
-            <a:r>
-              <a:rPr lang="en-US" dirty="0" smtClean="0"/>
-              <a:t>allows you to leave off type annotations and let the compiler figure it out for you</a:t>
-            </a:r>
-          </a:p>
-          <a:p>
-            <a:r>
-              <a:rPr lang="en-US" dirty="0" smtClean="0"/>
-              <a:t>Powerful tool for creating cleaner code while maintaining type safety</a:t>
-            </a:r>
-          </a:p>
-          <a:p>
-            <a:r>
-              <a:rPr lang="en-US" dirty="0" smtClean="0"/>
-              <a:t>See Example 5</a:t>
-            </a:r>
-          </a:p>
-          <a:p>
-            <a:r>
-              <a:rPr lang="en-US" dirty="0" smtClean="0"/>
-              <a:t>TIPS:</a:t>
-            </a:r>
+              <a:t>annotations</a:t>
+            </a:r>
+            <a:r>
+              <a:rPr lang="en-US" dirty="0" smtClean="0"/>
+              <a:t> that add information to code, but doesn’t significantly alter the structure.</a:t>
+            </a:r>
+            <a:endParaRPr lang="en-US" dirty="0"/>
           </a:p>
           <a:p>
             <a:pPr lvl="1"/>
-            <a:r>
-              <a:rPr lang="en-US" dirty="0" smtClean="0"/>
-              <a:t>Infer local variables</a:t>
-            </a:r>
-          </a:p>
-          <a:p>
-            <a:pPr lvl="1"/>
-            <a:r>
-              <a:rPr lang="en-US" dirty="0" smtClean="0"/>
-              <a:t>Define Function </a:t>
-            </a:r>
-            <a:r>
-              <a:rPr lang="en-US" smtClean="0"/>
-              <a:t>Return Types</a:t>
-            </a:r>
             <a:endParaRPr lang="en-US" dirty="0"/>
           </a:p>
         </p:txBody>
@@ -9179,7 +9235,7 @@
     </p:spTree>
     <p:extLst>
       <p:ext uri="{BB962C8B-B14F-4D97-AF65-F5344CB8AC3E}">
-        <p14:creationId xmlns:p14="http://schemas.microsoft.com/office/powerpoint/2010/main" val="3172925111"/>
+        <p14:creationId xmlns:p14="http://schemas.microsoft.com/office/powerpoint/2010/main" val="3894533808"/>
       </p:ext>
     </p:extLst>
   </p:cSld>
@@ -9302,7 +9358,7 @@
           <a:p>
             <a:r>
               <a:rPr lang="en-US" dirty="0" smtClean="0"/>
-              <a:t>Function types</a:t>
+              <a:t>Type Annotations</a:t>
             </a:r>
             <a:endParaRPr lang="en-US" dirty="0"/>
           </a:p>
@@ -9320,47 +9376,269 @@
         </p:nvSpPr>
         <p:spPr/>
         <p:txBody>
-          <a:bodyPr/>
-          <a:lstStyle/>
-          <a:p>
-            <a:r>
-              <a:rPr lang="en-US" dirty="0" smtClean="0"/>
-              <a:t>JavaScript is fundamentally a functional language</a:t>
-            </a:r>
-          </a:p>
-          <a:p>
-            <a:pPr lvl="1"/>
-            <a:r>
-              <a:rPr lang="en-US" dirty="0" smtClean="0"/>
-              <a:t>Based on Scheme, with a Java “skin”</a:t>
-            </a:r>
-          </a:p>
-          <a:p>
-            <a:r>
-              <a:rPr lang="en-US" dirty="0" smtClean="0"/>
-              <a:t>In </a:t>
-            </a:r>
+          <a:bodyPr>
+            <a:normAutofit/>
+          </a:bodyPr>
+          <a:lstStyle/>
+          <a:p>
             <a:r>
               <a:rPr lang="en-US" dirty="0" err="1" smtClean="0"/>
               <a:t>TypeScript</a:t>
             </a:r>
             <a:r>
               <a:rPr lang="en-US" dirty="0" smtClean="0"/>
-              <a:t>, all functions are typed</a:t>
-            </a:r>
-          </a:p>
-          <a:p>
-            <a:r>
-              <a:rPr lang="en-US" smtClean="0"/>
-              <a:t>See Example 6</a:t>
-            </a:r>
+              <a:t> adds </a:t>
+            </a:r>
+            <a:r>
+              <a:rPr lang="en-US" b="1" dirty="0" smtClean="0"/>
+              <a:t>Type Annotations</a:t>
+            </a:r>
+            <a:r>
+              <a:rPr lang="en-US" dirty="0" smtClean="0"/>
+              <a:t> to JavaScript</a:t>
+            </a:r>
+          </a:p>
+          <a:p>
+            <a:endParaRPr lang="en-US" dirty="0"/>
+          </a:p>
+          <a:p>
+            <a:endParaRPr lang="en-US" dirty="0" smtClean="0"/>
+          </a:p>
+          <a:p>
+            <a:r>
+              <a:rPr lang="en-US" dirty="0" smtClean="0"/>
+              <a:t>Annotations erased in </a:t>
+            </a:r>
+            <a:r>
+              <a:rPr lang="en-US" dirty="0" err="1" smtClean="0"/>
+              <a:t>transpiled</a:t>
+            </a:r>
+            <a:r>
+              <a:rPr lang="en-US" dirty="0" smtClean="0"/>
+              <a:t> JavaScript</a:t>
+            </a:r>
+          </a:p>
+          <a:p>
+            <a:endParaRPr lang="en-US" dirty="0" smtClean="0"/>
+          </a:p>
+          <a:p>
+            <a:endParaRPr lang="en-US" dirty="0"/>
+          </a:p>
+          <a:p>
+            <a:r>
+              <a:rPr lang="en-US" dirty="0" smtClean="0"/>
+              <a:t>See Example 4</a:t>
+            </a:r>
+            <a:endParaRPr lang="en-US" dirty="0"/>
+          </a:p>
+        </p:txBody>
+      </p:sp>
+      <p:sp>
+        <p:nvSpPr>
+          <p:cNvPr id="4" name="TextBox 3"/>
+          <p:cNvSpPr txBox="1"/>
+          <p:nvPr/>
+        </p:nvSpPr>
+        <p:spPr>
+          <a:xfrm>
+            <a:off x="1110669" y="2724150"/>
+            <a:ext cx="7423731" cy="646331"/>
+          </a:xfrm>
+          <a:prstGeom prst="rect">
+            <a:avLst/>
+          </a:prstGeom>
+        </p:spPr>
+        <p:style>
+          <a:lnRef idx="2">
+            <a:schemeClr val="accent1"/>
+          </a:lnRef>
+          <a:fillRef idx="1">
+            <a:schemeClr val="lt1"/>
+          </a:fillRef>
+          <a:effectRef idx="0">
+            <a:schemeClr val="accent1"/>
+          </a:effectRef>
+          <a:fontRef idx="minor">
+            <a:schemeClr val="dk1"/>
+          </a:fontRef>
+        </p:style>
+        <p:txBody>
+          <a:bodyPr wrap="square" rtlCol="0">
+            <a:spAutoFit/>
+          </a:bodyPr>
+          <a:lstStyle/>
+          <a:p>
+            <a:r>
+              <a:rPr lang="en-US" dirty="0" err="1" smtClean="0">
+                <a:latin typeface="Consolas" panose="020B0609020204030204" pitchFamily="49" charset="0"/>
+                <a:cs typeface="Consolas" panose="020B0609020204030204" pitchFamily="49" charset="0"/>
+              </a:rPr>
+              <a:t>const</a:t>
+            </a:r>
+            <a:r>
+              <a:rPr lang="en-US" dirty="0" smtClean="0">
+                <a:latin typeface="Consolas" panose="020B0609020204030204" pitchFamily="49" charset="0"/>
+                <a:cs typeface="Consolas" panose="020B0609020204030204" pitchFamily="49" charset="0"/>
+              </a:rPr>
+              <a:t> number</a:t>
+            </a:r>
+            <a:r>
+              <a:rPr lang="en-US" dirty="0" smtClean="0">
+                <a:solidFill>
+                  <a:srgbClr val="FF0000"/>
+                </a:solidFill>
+                <a:latin typeface="Consolas" panose="020B0609020204030204" pitchFamily="49" charset="0"/>
+                <a:cs typeface="Consolas" panose="020B0609020204030204" pitchFamily="49" charset="0"/>
+              </a:rPr>
+              <a:t>: number</a:t>
+            </a:r>
+            <a:r>
+              <a:rPr lang="en-US" dirty="0" smtClean="0">
+                <a:latin typeface="Consolas" panose="020B0609020204030204" pitchFamily="49" charset="0"/>
+                <a:cs typeface="Consolas" panose="020B0609020204030204" pitchFamily="49" charset="0"/>
+              </a:rPr>
+              <a:t> = 42;</a:t>
+            </a:r>
+          </a:p>
+          <a:p>
+            <a:r>
+              <a:rPr lang="en-US" dirty="0" smtClean="0">
+                <a:latin typeface="Consolas" panose="020B0609020204030204" pitchFamily="49" charset="0"/>
+                <a:cs typeface="Consolas" panose="020B0609020204030204" pitchFamily="49" charset="0"/>
+              </a:rPr>
+              <a:t>function foo(</a:t>
+            </a:r>
+            <a:r>
+              <a:rPr lang="en-US" dirty="0" err="1" smtClean="0">
+                <a:latin typeface="Consolas" panose="020B0609020204030204" pitchFamily="49" charset="0"/>
+                <a:cs typeface="Consolas" panose="020B0609020204030204" pitchFamily="49" charset="0"/>
+              </a:rPr>
+              <a:t>param</a:t>
+            </a:r>
+            <a:r>
+              <a:rPr lang="en-US" dirty="0" smtClean="0">
+                <a:solidFill>
+                  <a:srgbClr val="FF0000"/>
+                </a:solidFill>
+                <a:latin typeface="Consolas" panose="020B0609020204030204" pitchFamily="49" charset="0"/>
+                <a:cs typeface="Consolas" panose="020B0609020204030204" pitchFamily="49" charset="0"/>
+              </a:rPr>
+              <a:t>: string</a:t>
+            </a:r>
+            <a:r>
+              <a:rPr lang="en-US" dirty="0" smtClean="0">
+                <a:latin typeface="Consolas" panose="020B0609020204030204" pitchFamily="49" charset="0"/>
+                <a:cs typeface="Consolas" panose="020B0609020204030204" pitchFamily="49" charset="0"/>
+              </a:rPr>
+              <a:t>)</a:t>
+            </a:r>
+            <a:r>
+              <a:rPr lang="en-US" dirty="0" smtClean="0">
+                <a:solidFill>
+                  <a:srgbClr val="FF0000"/>
+                </a:solidFill>
+                <a:latin typeface="Consolas" panose="020B0609020204030204" pitchFamily="49" charset="0"/>
+                <a:cs typeface="Consolas" panose="020B0609020204030204" pitchFamily="49" charset="0"/>
+              </a:rPr>
+              <a:t>: number</a:t>
+            </a:r>
+            <a:r>
+              <a:rPr lang="en-US" dirty="0" smtClean="0">
+                <a:latin typeface="Consolas" panose="020B0609020204030204" pitchFamily="49" charset="0"/>
+                <a:cs typeface="Consolas" panose="020B0609020204030204" pitchFamily="49" charset="0"/>
+              </a:rPr>
+              <a:t> { /* TODO */ }</a:t>
+            </a:r>
+            <a:endParaRPr lang="en-US" dirty="0">
+              <a:latin typeface="Consolas" panose="020B0609020204030204" pitchFamily="49" charset="0"/>
+              <a:cs typeface="Consolas" panose="020B0609020204030204" pitchFamily="49" charset="0"/>
+            </a:endParaRPr>
+          </a:p>
+        </p:txBody>
+      </p:sp>
+      <p:sp>
+        <p:nvSpPr>
+          <p:cNvPr id="6" name="TextBox 5"/>
+          <p:cNvSpPr txBox="1"/>
+          <p:nvPr/>
+        </p:nvSpPr>
+        <p:spPr>
+          <a:xfrm>
+            <a:off x="1110669" y="3953258"/>
+            <a:ext cx="7423731" cy="646331"/>
+          </a:xfrm>
+          <a:prstGeom prst="rect">
+            <a:avLst/>
+          </a:prstGeom>
+        </p:spPr>
+        <p:style>
+          <a:lnRef idx="2">
+            <a:schemeClr val="accent1"/>
+          </a:lnRef>
+          <a:fillRef idx="1">
+            <a:schemeClr val="lt1"/>
+          </a:fillRef>
+          <a:effectRef idx="0">
+            <a:schemeClr val="accent1"/>
+          </a:effectRef>
+          <a:fontRef idx="minor">
+            <a:schemeClr val="dk1"/>
+          </a:fontRef>
+        </p:style>
+        <p:txBody>
+          <a:bodyPr wrap="square" rtlCol="0">
+            <a:spAutoFit/>
+          </a:bodyPr>
+          <a:lstStyle/>
+          <a:p>
+            <a:r>
+              <a:rPr lang="en-US" dirty="0" err="1" smtClean="0">
+                <a:latin typeface="Consolas" panose="020B0609020204030204" pitchFamily="49" charset="0"/>
+                <a:cs typeface="Consolas" panose="020B0609020204030204" pitchFamily="49" charset="0"/>
+              </a:rPr>
+              <a:t>const</a:t>
+            </a:r>
+            <a:r>
+              <a:rPr lang="en-US" dirty="0" smtClean="0">
+                <a:latin typeface="Consolas" panose="020B0609020204030204" pitchFamily="49" charset="0"/>
+                <a:cs typeface="Consolas" panose="020B0609020204030204" pitchFamily="49" charset="0"/>
+              </a:rPr>
+              <a:t> number = 42;</a:t>
+            </a:r>
+          </a:p>
+          <a:p>
+            <a:r>
+              <a:rPr lang="en-US" dirty="0" smtClean="0">
+                <a:latin typeface="Consolas" panose="020B0609020204030204" pitchFamily="49" charset="0"/>
+                <a:cs typeface="Consolas" panose="020B0609020204030204" pitchFamily="49" charset="0"/>
+              </a:rPr>
+              <a:t>function foo(</a:t>
+            </a:r>
+            <a:r>
+              <a:rPr lang="en-US" dirty="0" err="1" smtClean="0">
+                <a:latin typeface="Consolas" panose="020B0609020204030204" pitchFamily="49" charset="0"/>
+                <a:cs typeface="Consolas" panose="020B0609020204030204" pitchFamily="49" charset="0"/>
+              </a:rPr>
+              <a:t>param</a:t>
+            </a:r>
+            <a:r>
+              <a:rPr lang="en-US" dirty="0" smtClean="0">
+                <a:latin typeface="Consolas" panose="020B0609020204030204" pitchFamily="49" charset="0"/>
+                <a:cs typeface="Consolas" panose="020B0609020204030204" pitchFamily="49" charset="0"/>
+              </a:rPr>
+              <a:t>) { /* TODO */ }</a:t>
+            </a:r>
+            <a:endParaRPr lang="en-US" dirty="0">
+              <a:latin typeface="Consolas" panose="020B0609020204030204" pitchFamily="49" charset="0"/>
+              <a:cs typeface="Consolas" panose="020B0609020204030204" pitchFamily="49" charset="0"/>
+            </a:endParaRPr>
           </a:p>
         </p:txBody>
       </p:sp>
     </p:spTree>
     <p:extLst>
       <p:ext uri="{BB962C8B-B14F-4D97-AF65-F5344CB8AC3E}">
-        <p14:creationId xmlns:p14="http://schemas.microsoft.com/office/powerpoint/2010/main" val="2090952208"/>
+        <p14:creationId xmlns:p14="http://schemas.microsoft.com/office/powerpoint/2010/main" val="1996770991"/>
       </p:ext>
     </p:extLst>
   </p:cSld>
@@ -9404,7 +9682,7 @@
           <a:p>
             <a:r>
               <a:rPr lang="en-US" dirty="0" smtClean="0"/>
-              <a:t>Interface types</a:t>
+              <a:t>Type Inference</a:t>
             </a:r>
             <a:endParaRPr lang="en-US" dirty="0"/>
           </a:p>
@@ -9422,36 +9700,55 @@
         </p:nvSpPr>
         <p:spPr/>
         <p:txBody>
-          <a:bodyPr/>
-          <a:lstStyle/>
-          <a:p>
-            <a:r>
-              <a:rPr lang="en-US" dirty="0" smtClean="0"/>
-              <a:t>Interfaces define a record</a:t>
-            </a:r>
-          </a:p>
-          <a:p>
-            <a:r>
-              <a:rPr lang="en-US" dirty="0" smtClean="0"/>
-              <a:t>Preferred over classes</a:t>
+          <a:bodyPr>
+            <a:normAutofit/>
+          </a:bodyPr>
+          <a:lstStyle/>
+          <a:p>
+            <a:r>
+              <a:rPr lang="en-US" b="1" dirty="0" smtClean="0"/>
+              <a:t>Type Inference </a:t>
+            </a:r>
+            <a:r>
+              <a:rPr lang="en-US" dirty="0" smtClean="0"/>
+              <a:t>allows you to leave off type annotations and let the compiler figure it out for you</a:t>
+            </a:r>
+          </a:p>
+          <a:p>
+            <a:r>
+              <a:rPr lang="en-US" dirty="0" smtClean="0"/>
+              <a:t>Powerful tool for creating cleaner code while maintaining type safety</a:t>
+            </a:r>
+          </a:p>
+          <a:p>
+            <a:r>
+              <a:rPr lang="en-US" dirty="0" smtClean="0"/>
+              <a:t>See Example 5</a:t>
+            </a:r>
+          </a:p>
+          <a:p>
+            <a:r>
+              <a:rPr lang="en-US" dirty="0" smtClean="0"/>
+              <a:t>TIPS:</a:t>
             </a:r>
           </a:p>
           <a:p>
             <a:pPr lvl="1"/>
             <a:r>
               <a:rPr lang="en-US" dirty="0" smtClean="0"/>
-              <a:t>Annotations erased at runtime</a:t>
+              <a:t>Infer local variables</a:t>
             </a:r>
           </a:p>
           <a:p>
             <a:pPr lvl="1"/>
             <a:r>
               <a:rPr lang="en-US" dirty="0" smtClean="0"/>
-              <a:t>More “functional” friendly</a:t>
-            </a:r>
-          </a:p>
-          <a:p>
-            <a:pPr lvl="1"/>
+              <a:t>Define Function </a:t>
+            </a:r>
+            <a:r>
+              <a:rPr lang="en-US" smtClean="0"/>
+              <a:t>Return Types</a:t>
+            </a:r>
             <a:endParaRPr lang="en-US" dirty="0"/>
           </a:p>
         </p:txBody>
@@ -9459,7 +9756,7 @@
     </p:spTree>
     <p:extLst>
       <p:ext uri="{BB962C8B-B14F-4D97-AF65-F5344CB8AC3E}">
-        <p14:creationId xmlns:p14="http://schemas.microsoft.com/office/powerpoint/2010/main" val="2668762796"/>
+        <p14:creationId xmlns:p14="http://schemas.microsoft.com/office/powerpoint/2010/main" val="3172925111"/>
       </p:ext>
     </p:extLst>
   </p:cSld>
@@ -9503,7 +9800,7 @@
           <a:p>
             <a:r>
               <a:rPr lang="en-US" dirty="0" smtClean="0"/>
-              <a:t>classes</a:t>
+              <a:t>Function types</a:t>
             </a:r>
             <a:endParaRPr lang="en-US" dirty="0"/>
           </a:p>
@@ -9526,38 +9823,42 @@
           <a:p>
             <a:r>
               <a:rPr lang="en-US" dirty="0" smtClean="0"/>
-              <a:t>Syntactical Sugar around JS Prototypes</a:t>
-            </a:r>
-          </a:p>
-          <a:p>
-            <a:r>
-              <a:rPr lang="en-US" dirty="0" smtClean="0"/>
-              <a:t>Officially Supported in JS as of ECMAScript 2015</a:t>
-            </a:r>
-          </a:p>
-          <a:p>
+              <a:t>JavaScript is fundamentally a functional language</a:t>
+            </a:r>
+          </a:p>
+          <a:p>
+            <a:pPr lvl="1"/>
+            <a:r>
+              <a:rPr lang="en-US" dirty="0" smtClean="0"/>
+              <a:t>Based on Scheme, with a Java “skin”</a:t>
+            </a:r>
+          </a:p>
+          <a:p>
+            <a:r>
+              <a:rPr lang="en-US" dirty="0" smtClean="0"/>
+              <a:t>In </a:t>
+            </a:r>
             <a:r>
               <a:rPr lang="en-US" dirty="0" err="1" smtClean="0"/>
               <a:t>TypeScript</a:t>
             </a:r>
             <a:r>
               <a:rPr lang="en-US" dirty="0" smtClean="0"/>
-              <a:t> maintains class support even back to ES3</a:t>
-            </a:r>
-          </a:p>
-          <a:p>
-            <a:r>
-              <a:rPr lang="en-US" dirty="0" smtClean="0"/>
-              <a:t>See Example 8</a:t>
-            </a:r>
-            <a:endParaRPr lang="en-US" dirty="0"/>
+              <a:t>, all functions are typed</a:t>
+            </a:r>
+          </a:p>
+          <a:p>
+            <a:r>
+              <a:rPr lang="en-US" smtClean="0"/>
+              <a:t>See Example 6</a:t>
+            </a:r>
           </a:p>
         </p:txBody>
       </p:sp>
     </p:spTree>
     <p:extLst>
       <p:ext uri="{BB962C8B-B14F-4D97-AF65-F5344CB8AC3E}">
-        <p14:creationId xmlns:p14="http://schemas.microsoft.com/office/powerpoint/2010/main" val="3548220022"/>
+        <p14:creationId xmlns:p14="http://schemas.microsoft.com/office/powerpoint/2010/main" val="2090952208"/>
       </p:ext>
     </p:extLst>
   </p:cSld>
@@ -9601,7 +9902,7 @@
           <a:p>
             <a:r>
               <a:rPr lang="en-US" dirty="0" smtClean="0"/>
-              <a:t>A Word on Object-oriented programming</a:t>
+              <a:t>Interface types</a:t>
             </a:r>
             <a:endParaRPr lang="en-US" dirty="0"/>
           </a:p>
@@ -9624,68 +9925,27 @@
           <a:p>
             <a:r>
               <a:rPr lang="en-US" dirty="0" smtClean="0"/>
-              <a:t>Some claim “OOP is dead”</a:t>
+              <a:t>Interfaces define a record</a:t>
+            </a:r>
+          </a:p>
+          <a:p>
+            <a:r>
+              <a:rPr lang="en-US" dirty="0" smtClean="0"/>
+              <a:t>Preferred over classes</a:t>
             </a:r>
           </a:p>
           <a:p>
             <a:pPr lvl="1"/>
             <a:r>
               <a:rPr lang="en-US" dirty="0" smtClean="0"/>
-              <a:t>They have a point</a:t>
+              <a:t>Annotations erased at runtime</a:t>
             </a:r>
           </a:p>
           <a:p>
             <a:pPr lvl="1"/>
             <a:r>
               <a:rPr lang="en-US" dirty="0" smtClean="0"/>
-              <a:t>But… it’s complicated</a:t>
-            </a:r>
-          </a:p>
-          <a:p>
-            <a:r>
-              <a:rPr lang="en-US" dirty="0" smtClean="0"/>
-              <a:t>Some domains excel with OOP</a:t>
-            </a:r>
-          </a:p>
-          <a:p>
-            <a:pPr lvl="1"/>
-            <a:r>
-              <a:rPr lang="en-US" dirty="0" smtClean="0"/>
-              <a:t>UI frameworks</a:t>
-            </a:r>
-          </a:p>
-          <a:p>
-            <a:pPr lvl="1"/>
-            <a:r>
-              <a:rPr lang="en-US" dirty="0" smtClean="0"/>
-              <a:t>Game programming</a:t>
-            </a:r>
-          </a:p>
-          <a:p>
-            <a:r>
-              <a:rPr lang="en-US" dirty="0" smtClean="0"/>
-              <a:t>Some domains are terrible with OOP</a:t>
-            </a:r>
-          </a:p>
-          <a:p>
-            <a:pPr lvl="1"/>
-            <a:r>
-              <a:rPr lang="en-US" dirty="0" smtClean="0"/>
-              <a:t>Finance</a:t>
-            </a:r>
-          </a:p>
-          <a:p>
-            <a:pPr lvl="1"/>
-            <a:r>
-              <a:rPr lang="en-US" dirty="0" smtClean="0"/>
-              <a:t>AI</a:t>
-            </a:r>
-          </a:p>
-          <a:p>
-            <a:pPr lvl="1"/>
-            <a:r>
-              <a:rPr lang="en-US" dirty="0" smtClean="0"/>
-              <a:t>Web Programming</a:t>
+              <a:t>More “functional” friendly</a:t>
             </a:r>
           </a:p>
           <a:p>
@@ -9697,7 +9957,7 @@
     </p:spTree>
     <p:extLst>
       <p:ext uri="{BB962C8B-B14F-4D97-AF65-F5344CB8AC3E}">
-        <p14:creationId xmlns:p14="http://schemas.microsoft.com/office/powerpoint/2010/main" val="2602055949"/>
+        <p14:creationId xmlns:p14="http://schemas.microsoft.com/office/powerpoint/2010/main" val="2668762796"/>
       </p:ext>
     </p:extLst>
   </p:cSld>
@@ -9741,7 +10001,7 @@
           <a:p>
             <a:r>
               <a:rPr lang="en-US" dirty="0" smtClean="0"/>
-              <a:t>OOP continued</a:t>
+              <a:t>classes</a:t>
             </a:r>
             <a:endParaRPr lang="en-US" dirty="0"/>
           </a:p>
@@ -9764,68 +10024,30 @@
           <a:p>
             <a:r>
               <a:rPr lang="en-US" dirty="0" smtClean="0"/>
-              <a:t>OOP tightly couples code and structure</a:t>
-            </a:r>
-          </a:p>
-          <a:p>
-            <a:pPr lvl="1"/>
-            <a:r>
-              <a:rPr lang="en-US" dirty="0" smtClean="0"/>
-              <a:t>Good for up-front design</a:t>
-            </a:r>
-          </a:p>
-          <a:p>
-            <a:pPr lvl="1"/>
-            <a:r>
-              <a:rPr lang="en-US" dirty="0" smtClean="0"/>
-              <a:t>Bad for maintenance and library consumption</a:t>
-            </a:r>
-          </a:p>
-          <a:p>
-            <a:r>
-              <a:rPr lang="en-US" dirty="0" smtClean="0"/>
-              <a:t>Imagine a “Bitmap” class</a:t>
-            </a:r>
-          </a:p>
-          <a:p>
-            <a:pPr lvl="1"/>
-            <a:r>
-              <a:rPr lang="en-US" dirty="0" smtClean="0"/>
-              <a:t>Contains 2D array of pixel data</a:t>
-            </a:r>
-          </a:p>
-          <a:p>
-            <a:pPr lvl="1"/>
-            <a:r>
-              <a:rPr lang="en-US" dirty="0" smtClean="0"/>
-              <a:t>Contains handy “</a:t>
-            </a:r>
+              <a:t>Syntactical Sugar around JS Prototypes</a:t>
+            </a:r>
+          </a:p>
+          <a:p>
+            <a:r>
+              <a:rPr lang="en-US" dirty="0" smtClean="0"/>
+              <a:t>Officially Supported in JS as of ECMAScript 2015</a:t>
+            </a:r>
+          </a:p>
+          <a:p>
             <a:r>
               <a:rPr lang="en-US" dirty="0" err="1" smtClean="0"/>
-              <a:t>SaveToFile</a:t>
-            </a:r>
-            <a:r>
-              <a:rPr lang="en-US" dirty="0" smtClean="0"/>
-              <a:t>(</a:t>
-            </a:r>
-            <a:r>
-              <a:rPr lang="en-US" dirty="0" err="1" smtClean="0"/>
-              <a:t>ImageFormat</a:t>
-            </a:r>
-            <a:r>
-              <a:rPr lang="en-US" dirty="0" smtClean="0"/>
-              <a:t>)” method</a:t>
-            </a:r>
-          </a:p>
-          <a:p>
-            <a:pPr lvl="1"/>
-            <a:r>
-              <a:rPr lang="en-US" dirty="0" smtClean="0"/>
-              <a:t>See Example 8 Part 2</a:t>
-            </a:r>
-          </a:p>
-          <a:p>
-            <a:pPr lvl="1"/>
+              <a:t>TypeScript</a:t>
+            </a:r>
+            <a:r>
+              <a:rPr lang="en-US" dirty="0" smtClean="0"/>
+              <a:t> maintains class support even back to ES3</a:t>
+            </a:r>
+          </a:p>
+          <a:p>
+            <a:r>
+              <a:rPr lang="en-US" dirty="0" smtClean="0"/>
+              <a:t>See Example 8</a:t>
+            </a:r>
             <a:endParaRPr lang="en-US" dirty="0"/>
           </a:p>
         </p:txBody>
@@ -9833,7 +10055,7 @@
     </p:spTree>
     <p:extLst>
       <p:ext uri="{BB962C8B-B14F-4D97-AF65-F5344CB8AC3E}">
-        <p14:creationId xmlns:p14="http://schemas.microsoft.com/office/powerpoint/2010/main" val="3796873890"/>
+        <p14:creationId xmlns:p14="http://schemas.microsoft.com/office/powerpoint/2010/main" val="3548220022"/>
       </p:ext>
     </p:extLst>
   </p:cSld>
@@ -9877,11 +10099,7 @@
           <a:p>
             <a:r>
               <a:rPr lang="en-US" dirty="0" smtClean="0"/>
-              <a:t>OOP </a:t>
-            </a:r>
-            <a:r>
-              <a:rPr lang="en-US" dirty="0" err="1" smtClean="0"/>
-              <a:t>COntinued</a:t>
+              <a:t>A Word on Object-oriented programming</a:t>
             </a:r>
             <a:endParaRPr lang="en-US" dirty="0"/>
           </a:p>
@@ -9899,107 +10117,77 @@
         </p:nvSpPr>
         <p:spPr/>
         <p:txBody>
-          <a:bodyPr>
-            <a:normAutofit lnSpcReduction="10000"/>
-          </a:bodyPr>
-          <a:lstStyle/>
-          <a:p>
-            <a:r>
-              <a:rPr lang="en-US" dirty="0" smtClean="0"/>
-              <a:t>Try to add a “PNG” option</a:t>
+          <a:bodyPr/>
+          <a:lstStyle/>
+          <a:p>
+            <a:r>
+              <a:rPr lang="en-US" dirty="0" smtClean="0"/>
+              <a:t>Some claim “OOP is dead”</a:t>
             </a:r>
           </a:p>
           <a:p>
             <a:pPr lvl="1"/>
             <a:r>
               <a:rPr lang="en-US" dirty="0" smtClean="0"/>
-              <a:t>What if you are consuming “Bitmap” as a library?</a:t>
+              <a:t>They have a point</a:t>
             </a:r>
           </a:p>
           <a:p>
             <a:pPr lvl="1"/>
             <a:r>
               <a:rPr lang="en-US" dirty="0" smtClean="0"/>
-              <a:t>Inherit?</a:t>
-            </a:r>
-          </a:p>
-          <a:p>
-            <a:pPr lvl="2"/>
-            <a:r>
-              <a:rPr lang="en-US" dirty="0" smtClean="0"/>
-              <a:t>Bad idea!</a:t>
-            </a:r>
-          </a:p>
-          <a:p>
-            <a:pPr lvl="2"/>
-            <a:r>
-              <a:rPr lang="en-US" dirty="0" smtClean="0"/>
-              <a:t>Now Bitmaps are “versioned”</a:t>
-            </a:r>
-          </a:p>
-          <a:p>
-            <a:pPr lvl="2"/>
-            <a:r>
-              <a:rPr lang="en-US" dirty="0" smtClean="0"/>
-              <a:t>Library returns “Bitmap” objects, but not “</a:t>
-            </a:r>
-            <a:r>
-              <a:rPr lang="en-US" dirty="0" err="1" smtClean="0"/>
-              <a:t>PNGExtendedBitmap</a:t>
-            </a:r>
-            <a:r>
-              <a:rPr lang="en-US" dirty="0" smtClean="0"/>
-              <a:t>” objects!</a:t>
+              <a:t>But… it’s complicated</a:t>
+            </a:r>
+          </a:p>
+          <a:p>
+            <a:r>
+              <a:rPr lang="en-US" dirty="0" smtClean="0"/>
+              <a:t>Some domains excel with OOP</a:t>
             </a:r>
           </a:p>
           <a:p>
             <a:pPr lvl="1"/>
             <a:r>
               <a:rPr lang="en-US" dirty="0" smtClean="0"/>
-              <a:t>I know, I’ll use a Data Pattern!</a:t>
-            </a:r>
-          </a:p>
-          <a:p>
-            <a:pPr lvl="2"/>
-            <a:r>
-              <a:rPr lang="en-US" dirty="0" smtClean="0"/>
-              <a:t>Architects and Consultants start rubbing their hands eagerly</a:t>
-            </a:r>
-          </a:p>
-          <a:p>
-            <a:pPr lvl="2"/>
-            <a:r>
-              <a:rPr lang="en-US" dirty="0" smtClean="0"/>
-              <a:t>Diagrams, diagrams everywhere!</a:t>
-            </a:r>
-          </a:p>
-          <a:p>
-            <a:pPr lvl="2"/>
-            <a:r>
-              <a:rPr lang="en-US" dirty="0" smtClean="0"/>
-              <a:t>Congratulations, you now have bloated, overcomplicated code</a:t>
+              <a:t>UI frameworks</a:t>
             </a:r>
           </a:p>
           <a:p>
             <a:pPr lvl="1"/>
             <a:r>
               <a:rPr lang="en-US" dirty="0" smtClean="0"/>
-              <a:t>What’s wrong with just using a function?</a:t>
-            </a:r>
-          </a:p>
-          <a:p>
-            <a:pPr lvl="2"/>
-            <a:r>
-              <a:rPr lang="en-US" dirty="0" smtClean="0"/>
-              <a:t>Traditional OOP languages don’t allow this</a:t>
-            </a:r>
-          </a:p>
-          <a:p>
-            <a:pPr lvl="2"/>
-            <a:r>
-              <a:rPr lang="en-US" dirty="0" smtClean="0"/>
-              <a:t>But JS/TS do!</a:t>
-            </a:r>
+              <a:t>Game programming</a:t>
+            </a:r>
+          </a:p>
+          <a:p>
+            <a:r>
+              <a:rPr lang="en-US" dirty="0" smtClean="0"/>
+              <a:t>Some domains are terrible with OOP</a:t>
+            </a:r>
+          </a:p>
+          <a:p>
+            <a:pPr lvl="1"/>
+            <a:r>
+              <a:rPr lang="en-US" dirty="0" smtClean="0"/>
+              <a:t>Finance</a:t>
+            </a:r>
+          </a:p>
+          <a:p>
+            <a:pPr lvl="1"/>
+            <a:r>
+              <a:rPr lang="en-US" dirty="0" smtClean="0"/>
+              <a:t>AI</a:t>
+            </a:r>
+          </a:p>
+          <a:p>
+            <a:pPr lvl="1"/>
+            <a:r>
+              <a:rPr lang="en-US" dirty="0" smtClean="0"/>
+              <a:t>Web Programming</a:t>
+            </a:r>
+          </a:p>
+          <a:p>
+            <a:pPr lvl="1"/>
             <a:endParaRPr lang="en-US" dirty="0"/>
           </a:p>
         </p:txBody>
@@ -10007,7 +10195,7 @@
     </p:spTree>
     <p:extLst>
       <p:ext uri="{BB962C8B-B14F-4D97-AF65-F5344CB8AC3E}">
-        <p14:creationId xmlns:p14="http://schemas.microsoft.com/office/powerpoint/2010/main" val="1810462133"/>
+        <p14:creationId xmlns:p14="http://schemas.microsoft.com/office/powerpoint/2010/main" val="2602055949"/>
       </p:ext>
     </p:extLst>
   </p:cSld>
@@ -10051,7 +10239,7 @@
           <a:p>
             <a:r>
               <a:rPr lang="en-US" dirty="0" smtClean="0"/>
-              <a:t>Enumerations</a:t>
+              <a:t>OOP continued</a:t>
             </a:r>
             <a:endParaRPr lang="en-US" dirty="0"/>
           </a:p>
@@ -10069,120 +10257,81 @@
         </p:nvSpPr>
         <p:spPr/>
         <p:txBody>
-          <a:bodyPr>
-            <a:normAutofit lnSpcReduction="10000"/>
-          </a:bodyPr>
-          <a:lstStyle/>
-          <a:p>
-            <a:r>
-              <a:rPr lang="en-US" dirty="0" smtClean="0"/>
-              <a:t>“</a:t>
+          <a:bodyPr/>
+          <a:lstStyle/>
+          <a:p>
+            <a:r>
+              <a:rPr lang="en-US" dirty="0" smtClean="0"/>
+              <a:t>OOP tightly couples code and structure</a:t>
+            </a:r>
+          </a:p>
+          <a:p>
+            <a:pPr lvl="1"/>
+            <a:r>
+              <a:rPr lang="en-US" dirty="0" smtClean="0"/>
+              <a:t>Good for up-front design</a:t>
+            </a:r>
+          </a:p>
+          <a:p>
+            <a:pPr lvl="1"/>
+            <a:r>
+              <a:rPr lang="en-US" dirty="0" smtClean="0"/>
+              <a:t>Bad for maintenance and library consumption</a:t>
+            </a:r>
+          </a:p>
+          <a:p>
+            <a:r>
+              <a:rPr lang="en-US" dirty="0" smtClean="0"/>
+              <a:t>Imagine a “Bitmap” class</a:t>
+            </a:r>
+          </a:p>
+          <a:p>
+            <a:pPr lvl="1"/>
+            <a:r>
+              <a:rPr lang="en-US" dirty="0" smtClean="0"/>
+              <a:t>Contains 2D array of pixel data</a:t>
+            </a:r>
+          </a:p>
+          <a:p>
+            <a:pPr lvl="1"/>
+            <a:r>
+              <a:rPr lang="en-US" dirty="0" smtClean="0"/>
+              <a:t>Contains handy “</a:t>
             </a:r>
             <a:r>
               <a:rPr lang="en-US" dirty="0" err="1" smtClean="0"/>
-              <a:t>Enum</a:t>
-            </a:r>
-            <a:r>
-              <a:rPr lang="en-US" dirty="0" smtClean="0"/>
-              <a:t>” keyword emulates C# syntax</a:t>
+              <a:t>SaveToFile</a:t>
+            </a:r>
+            <a:r>
+              <a:rPr lang="en-US" dirty="0" smtClean="0"/>
+              <a:t>(</a:t>
+            </a:r>
+            <a:r>
+              <a:rPr lang="en-US" dirty="0" err="1" smtClean="0"/>
+              <a:t>ImageFormat</a:t>
+            </a:r>
+            <a:r>
+              <a:rPr lang="en-US" dirty="0" smtClean="0"/>
+              <a:t>)” method</a:t>
             </a:r>
           </a:p>
           <a:p>
             <a:pPr lvl="1"/>
             <a:r>
               <a:rPr lang="en-US" dirty="0" smtClean="0"/>
-              <a:t>Can only enumerate numbers and strings</a:t>
+              <a:t>See Example 8 Part 2</a:t>
             </a:r>
           </a:p>
           <a:p>
             <a:pPr lvl="1"/>
-            <a:r>
-              <a:rPr lang="en-US" dirty="0" smtClean="0"/>
-              <a:t>Generates an array of mappings in generated JS code</a:t>
-            </a:r>
-          </a:p>
-          <a:p>
-            <a:pPr lvl="1"/>
-            <a:r>
-              <a:rPr lang="en-US" dirty="0" smtClean="0"/>
-              <a:t>See Example 9</a:t>
-            </a:r>
-          </a:p>
-          <a:p>
-            <a:r>
-              <a:rPr lang="en-US" dirty="0" smtClean="0"/>
-              <a:t>Can use “type” keyword to create interface enumerations</a:t>
-            </a:r>
-          </a:p>
-          <a:p>
-            <a:pPr lvl="1"/>
-            <a:r>
-              <a:rPr lang="en-US" dirty="0" smtClean="0"/>
-              <a:t>Cannot enumerate through these</a:t>
-            </a:r>
-          </a:p>
-          <a:p>
-            <a:pPr lvl="1"/>
-            <a:r>
-              <a:rPr lang="en-US" dirty="0" smtClean="0"/>
-              <a:t>Provide better type checking</a:t>
-            </a:r>
-          </a:p>
-          <a:p>
-            <a:pPr lvl="1"/>
-            <a:r>
-              <a:rPr lang="en-US" dirty="0" smtClean="0"/>
-              <a:t>No generated code, smaller footprint</a:t>
-            </a:r>
-          </a:p>
-          <a:p>
-            <a:r>
-              <a:rPr lang="en-US" dirty="0" smtClean="0"/>
-              <a:t>Generally prefer “type” to “</a:t>
-            </a:r>
-            <a:r>
-              <a:rPr lang="en-US" dirty="0" err="1" smtClean="0"/>
-              <a:t>enum</a:t>
-            </a:r>
-            <a:r>
-              <a:rPr lang="en-US" dirty="0" smtClean="0"/>
-              <a:t>”</a:t>
-            </a:r>
-          </a:p>
-          <a:p>
-            <a:r>
-              <a:rPr lang="en-US" dirty="0" smtClean="0"/>
-              <a:t>When to use “</a:t>
-            </a:r>
-            <a:r>
-              <a:rPr lang="en-US" dirty="0" err="1" smtClean="0"/>
-              <a:t>enum</a:t>
-            </a:r>
-            <a:r>
-              <a:rPr lang="en-US" dirty="0" smtClean="0"/>
-              <a:t>” over “type”</a:t>
-            </a:r>
-          </a:p>
-          <a:p>
-            <a:pPr lvl="1"/>
-            <a:r>
-              <a:rPr lang="en-US" dirty="0" smtClean="0"/>
-              <a:t>Need to enumerate through values at runtime</a:t>
-            </a:r>
-          </a:p>
-          <a:p>
-            <a:pPr lvl="1"/>
-            <a:r>
-              <a:rPr lang="en-US" dirty="0" smtClean="0"/>
-              <a:t>Numeric values are important</a:t>
-            </a:r>
+            <a:endParaRPr lang="en-US" dirty="0"/>
           </a:p>
         </p:txBody>
       </p:sp>
     </p:spTree>
     <p:extLst>
       <p:ext uri="{BB962C8B-B14F-4D97-AF65-F5344CB8AC3E}">
-        <p14:creationId xmlns:p14="http://schemas.microsoft.com/office/powerpoint/2010/main" val="594601522"/>
+        <p14:creationId xmlns:p14="http://schemas.microsoft.com/office/powerpoint/2010/main" val="3796873890"/>
       </p:ext>
     </p:extLst>
   </p:cSld>
@@ -10221,48 +10370,134 @@
         </p:nvSpPr>
         <p:spPr/>
         <p:txBody>
+          <a:bodyPr/>
+          <a:lstStyle/>
+          <a:p>
+            <a:r>
+              <a:rPr lang="en-US" dirty="0" smtClean="0"/>
+              <a:t>OOP </a:t>
+            </a:r>
+            <a:r>
+              <a:rPr lang="en-US" dirty="0" err="1" smtClean="0"/>
+              <a:t>COntinued</a:t>
+            </a:r>
+            <a:endParaRPr lang="en-US" dirty="0"/>
+          </a:p>
+        </p:txBody>
+      </p:sp>
+      <p:sp>
+        <p:nvSpPr>
+          <p:cNvPr id="3" name="Content Placeholder 2"/>
+          <p:cNvSpPr>
+            <a:spLocks noGrp="1"/>
+          </p:cNvSpPr>
+          <p:nvPr>
+            <p:ph idx="1"/>
+          </p:nvPr>
+        </p:nvSpPr>
+        <p:spPr/>
+        <p:txBody>
           <a:bodyPr>
-            <a:normAutofit/>
+            <a:normAutofit lnSpcReduction="10000"/>
           </a:bodyPr>
           <a:lstStyle/>
           <a:p>
             <a:r>
-              <a:rPr lang="en-US" sz="2200" dirty="0"/>
-              <a:t>I call it my billion-dollar mistake. It was the invention of the null reference in </a:t>
-            </a:r>
-            <a:r>
-              <a:rPr lang="en-US" sz="2200" dirty="0" smtClean="0"/>
-              <a:t>1965... </a:t>
-            </a:r>
-            <a:r>
-              <a:rPr lang="en-US" sz="2200" dirty="0"/>
-              <a:t>But I couldn't resist the temptation to put in a null reference, simply because it was so easy to implement. This has led to innumerable errors, vulnerabilities, and system crashes, which have probably caused a billion dollars of pain and damage in the last forty years.</a:t>
-            </a:r>
-            <a:endParaRPr lang="en-US" sz="2200" dirty="0"/>
-          </a:p>
-        </p:txBody>
-      </p:sp>
-      <p:sp>
-        <p:nvSpPr>
-          <p:cNvPr id="3" name="Text Placeholder 2"/>
-          <p:cNvSpPr>
-            <a:spLocks noGrp="1"/>
-          </p:cNvSpPr>
-          <p:nvPr>
-            <p:ph type="body" sz="half" idx="13"/>
-          </p:nvPr>
-        </p:nvSpPr>
-        <p:spPr/>
-        <p:txBody>
-          <a:bodyPr/>
-          <a:lstStyle/>
-          <a:p>
-            <a:r>
-              <a:rPr lang="en-US" dirty="0"/>
-              <a:t>Tony Hoare</a:t>
-            </a:r>
-          </a:p>
-          <a:p>
+              <a:rPr lang="en-US" dirty="0" smtClean="0"/>
+              <a:t>Try to add a “PNG” option</a:t>
+            </a:r>
+          </a:p>
+          <a:p>
+            <a:pPr lvl="1"/>
+            <a:r>
+              <a:rPr lang="en-US" dirty="0" smtClean="0"/>
+              <a:t>What if you are consuming “Bitmap” as a library?</a:t>
+            </a:r>
+          </a:p>
+          <a:p>
+            <a:pPr lvl="1"/>
+            <a:r>
+              <a:rPr lang="en-US" dirty="0" smtClean="0"/>
+              <a:t>Inherit?</a:t>
+            </a:r>
+          </a:p>
+          <a:p>
+            <a:pPr lvl="2"/>
+            <a:r>
+              <a:rPr lang="en-US" dirty="0" smtClean="0"/>
+              <a:t>Bad idea!</a:t>
+            </a:r>
+          </a:p>
+          <a:p>
+            <a:pPr lvl="2"/>
+            <a:r>
+              <a:rPr lang="en-US" dirty="0" smtClean="0"/>
+              <a:t>Now Bitmaps are “versioned”</a:t>
+            </a:r>
+          </a:p>
+          <a:p>
+            <a:pPr lvl="2"/>
+            <a:r>
+              <a:rPr lang="en-US" dirty="0" smtClean="0"/>
+              <a:t>Library returns “Bitmap” objects, but not “</a:t>
+            </a:r>
+            <a:r>
+              <a:rPr lang="en-US" dirty="0" err="1" smtClean="0"/>
+              <a:t>PNGExtendedBitmap</a:t>
+            </a:r>
+            <a:r>
+              <a:rPr lang="en-US" dirty="0" smtClean="0"/>
+              <a:t>” objects!</a:t>
+            </a:r>
+          </a:p>
+          <a:p>
+            <a:pPr lvl="1"/>
+            <a:r>
+              <a:rPr lang="en-US" dirty="0" smtClean="0"/>
+              <a:t>I know, I’ll use a Data Pattern!</a:t>
+            </a:r>
+          </a:p>
+          <a:p>
+            <a:pPr lvl="2"/>
+            <a:r>
+              <a:rPr lang="en-US" dirty="0" smtClean="0"/>
+              <a:t>Architects and Consultants start rubbing their hands eagerly</a:t>
+            </a:r>
+          </a:p>
+          <a:p>
+            <a:pPr lvl="2"/>
+            <a:r>
+              <a:rPr lang="en-US" dirty="0" smtClean="0"/>
+              <a:t>Diagrams, diagrams everywhere!</a:t>
+            </a:r>
+          </a:p>
+          <a:p>
+            <a:pPr lvl="2"/>
+            <a:r>
+              <a:rPr lang="en-US" dirty="0" smtClean="0"/>
+              <a:t>Congratulations, you now have bloated, overcomplicated code</a:t>
+            </a:r>
+          </a:p>
+          <a:p>
+            <a:pPr lvl="1"/>
+            <a:r>
+              <a:rPr lang="en-US" dirty="0" smtClean="0"/>
+              <a:t>What’s wrong with just using a function?</a:t>
+            </a:r>
+          </a:p>
+          <a:p>
+            <a:pPr lvl="2"/>
+            <a:r>
+              <a:rPr lang="en-US" dirty="0" smtClean="0"/>
+              <a:t>Traditional OOP languages don’t allow this</a:t>
+            </a:r>
+          </a:p>
+          <a:p>
+            <a:pPr lvl="2"/>
+            <a:r>
+              <a:rPr lang="en-US" dirty="0" smtClean="0"/>
+              <a:t>But JS/TS do!</a:t>
+            </a:r>
             <a:endParaRPr lang="en-US" dirty="0"/>
           </a:p>
         </p:txBody>
@@ -10270,20 +10505,13 @@
     </p:spTree>
     <p:extLst>
       <p:ext uri="{BB962C8B-B14F-4D97-AF65-F5344CB8AC3E}">
-        <p14:creationId xmlns:p14="http://schemas.microsoft.com/office/powerpoint/2010/main" val="1496269914"/>
+        <p14:creationId xmlns:p14="http://schemas.microsoft.com/office/powerpoint/2010/main" val="1810462133"/>
       </p:ext>
     </p:extLst>
   </p:cSld>
   <p:clrMapOvr>
     <a:masterClrMapping/>
   </p:clrMapOvr>
-  <p:timing>
-    <p:tnLst>
-      <p:par>
-        <p:cTn id="1" dur="indefinite" restart="never" nodeType="tmRoot"/>
-      </p:par>
-    </p:tnLst>
-  </p:timing>
 </p:sld>
 </file>
 
@@ -10320,8 +10548,12 @@
           <a:lstStyle/>
           <a:p>
             <a:r>
-              <a:rPr lang="en-US" dirty="0" smtClean="0"/>
-              <a:t>Null checking</a:t>
+              <a:rPr lang="en-US" dirty="0" err="1" smtClean="0"/>
+              <a:t>Oop</a:t>
+            </a:r>
+            <a:r>
+              <a:rPr lang="en-US" dirty="0" smtClean="0"/>
+              <a:t> continued</a:t>
             </a:r>
             <a:endParaRPr lang="en-US" dirty="0"/>
           </a:p>
@@ -10344,69 +10576,48 @@
           <a:p>
             <a:r>
               <a:rPr lang="en-US" dirty="0" smtClean="0"/>
-              <a:t>Nulls are a great concept</a:t>
+              <a:t>Interfaces generally preferred because they decouple structure from function</a:t>
+            </a:r>
+          </a:p>
+          <a:p>
+            <a:r>
+              <a:rPr lang="en-US" dirty="0" smtClean="0"/>
+              <a:t>Especially important in loosely-connected web environments</a:t>
             </a:r>
           </a:p>
           <a:p>
             <a:pPr lvl="1"/>
             <a:r>
               <a:rPr lang="en-US" dirty="0" smtClean="0"/>
-              <a:t>Sometimes the lack of data is data itself</a:t>
-            </a:r>
-          </a:p>
-          <a:p>
-            <a:r>
-              <a:rPr lang="en-US" dirty="0" smtClean="0"/>
-              <a:t>But 99%  of the time, you know the data will be there</a:t>
-            </a:r>
-          </a:p>
-          <a:p>
-            <a:r>
-              <a:rPr lang="en-US" dirty="0" smtClean="0"/>
-              <a:t>JavaScript thought Null was so great, it invented a 2</a:t>
-            </a:r>
-            <a:r>
-              <a:rPr lang="en-US" baseline="30000" dirty="0" smtClean="0"/>
-              <a:t>nd</a:t>
-            </a:r>
-            <a:r>
-              <a:rPr lang="en-US" dirty="0" smtClean="0"/>
-              <a:t> kind: </a:t>
+              <a:t>Retrieve JSON from all over the place</a:t>
             </a:r>
           </a:p>
           <a:p>
             <a:pPr lvl="1"/>
             <a:r>
               <a:rPr lang="en-US" dirty="0" smtClean="0"/>
-              <a:t>“Undefined”</a:t>
-            </a:r>
-          </a:p>
-          <a:p>
-            <a:r>
-              <a:rPr lang="en-US" dirty="0" smtClean="0"/>
-              <a:t>Wouldn’t it be great if the language could keep track of what could be null and what shouldn’t? </a:t>
-            </a:r>
-            <a:endParaRPr lang="en-US" dirty="0"/>
+              <a:t>Easier to treat as a raw chunk of data, and keep methods separate</a:t>
+            </a:r>
+          </a:p>
+          <a:p>
+            <a:pPr lvl="1"/>
+            <a:r>
+              <a:rPr lang="en-US" dirty="0" smtClean="0"/>
+              <a:t>Otherwise, waste time hooking up complex OOP function hierarchies to your data</a:t>
+            </a:r>
           </a:p>
         </p:txBody>
       </p:sp>
     </p:spTree>
     <p:extLst>
       <p:ext uri="{BB962C8B-B14F-4D97-AF65-F5344CB8AC3E}">
-        <p14:creationId xmlns:p14="http://schemas.microsoft.com/office/powerpoint/2010/main" val="3216369764"/>
+        <p14:creationId xmlns:p14="http://schemas.microsoft.com/office/powerpoint/2010/main" val="1697661851"/>
       </p:ext>
     </p:extLst>
   </p:cSld>
   <p:clrMapOvr>
     <a:masterClrMapping/>
   </p:clrMapOvr>
-  <p:timing>
-    <p:tnLst>
-      <p:par>
-        <p:cTn id="1" dur="indefinite" restart="never" nodeType="tmRoot"/>
-      </p:par>
-    </p:tnLst>
-  </p:timing>
 </p:sld>
 </file>
 
@@ -10429,6 +10640,29 @@
       </p:grpSpPr>
       <p:sp>
         <p:nvSpPr>
+          <p:cNvPr id="2" name="Title 1"/>
+          <p:cNvSpPr>
+            <a:spLocks noGrp="1"/>
+          </p:cNvSpPr>
+          <p:nvPr>
+            <p:ph type="title"/>
+          </p:nvPr>
+        </p:nvSpPr>
+        <p:spPr/>
+        <p:txBody>
+          <a:bodyPr/>
+          <a:lstStyle/>
+          <a:p>
+            <a:r>
+              <a:rPr lang="en-US" dirty="0" smtClean="0"/>
+              <a:t>Enumerations</a:t>
+            </a:r>
+            <a:endParaRPr lang="en-US" dirty="0"/>
+          </a:p>
+        </p:txBody>
+      </p:sp>
+      <p:sp>
+        <p:nvSpPr>
           <p:cNvPr id="3" name="Content Placeholder 2"/>
           <p:cNvSpPr>
             <a:spLocks noGrp="1"/>
@@ -10437,59 +10671,128 @@
             <p:ph idx="1"/>
           </p:nvPr>
         </p:nvSpPr>
-        <p:spPr>
-          <a:xfrm>
-            <a:off x="685800" y="3131127"/>
-            <a:ext cx="10820400" cy="3087558"/>
-          </a:xfrm>
-        </p:spPr>
+        <p:spPr/>
         <p:txBody>
           <a:bodyPr>
-            <a:normAutofit/>
+            <a:normAutofit lnSpcReduction="10000"/>
           </a:bodyPr>
           <a:lstStyle/>
           <a:p>
-            <a:pPr marL="0" indent="0" algn="ctr">
-              <a:buNone/>
-            </a:pPr>
-            <a:r>
-              <a:rPr lang="en-US" sz="2800" dirty="0" smtClean="0"/>
-              <a:t>I now prefer </a:t>
-            </a:r>
-            <a:r>
-              <a:rPr lang="en-US" sz="2800" dirty="0" err="1" smtClean="0"/>
-              <a:t>TypeScript</a:t>
-            </a:r>
-            <a:r>
-              <a:rPr lang="en-US" sz="2800" dirty="0" smtClean="0"/>
-              <a:t> to C# because of this feature alone.</a:t>
-            </a:r>
-          </a:p>
-          <a:p>
-            <a:pPr marL="0" indent="0">
-              <a:buNone/>
-            </a:pPr>
-            <a:endParaRPr lang="en-US" sz="2800" dirty="0"/>
+            <a:r>
+              <a:rPr lang="en-US" dirty="0" smtClean="0"/>
+              <a:t>“</a:t>
+            </a:r>
+            <a:r>
+              <a:rPr lang="en-US" dirty="0" err="1" smtClean="0"/>
+              <a:t>Enum</a:t>
+            </a:r>
+            <a:r>
+              <a:rPr lang="en-US" dirty="0" smtClean="0"/>
+              <a:t>” keyword emulates C# syntax</a:t>
+            </a:r>
+          </a:p>
+          <a:p>
+            <a:pPr lvl="1"/>
+            <a:r>
+              <a:rPr lang="en-US" dirty="0" smtClean="0"/>
+              <a:t>Can only enumerate numbers and strings</a:t>
+            </a:r>
+          </a:p>
+          <a:p>
+            <a:pPr lvl="1"/>
+            <a:r>
+              <a:rPr lang="en-US" dirty="0" smtClean="0"/>
+              <a:t>Generates an array of mappings in generated JS code</a:t>
+            </a:r>
+          </a:p>
+          <a:p>
+            <a:pPr lvl="1"/>
+            <a:r>
+              <a:rPr lang="en-US" dirty="0" smtClean="0"/>
+              <a:t>See Example 9</a:t>
+            </a:r>
+          </a:p>
+          <a:p>
+            <a:r>
+              <a:rPr lang="en-US" dirty="0" smtClean="0"/>
+              <a:t>Can use “type” keyword to create interface enumerations</a:t>
+            </a:r>
+          </a:p>
+          <a:p>
+            <a:pPr lvl="1"/>
+            <a:r>
+              <a:rPr lang="en-US" dirty="0" smtClean="0"/>
+              <a:t>Cannot enumerate through these</a:t>
+            </a:r>
+          </a:p>
+          <a:p>
+            <a:pPr lvl="1"/>
+            <a:r>
+              <a:rPr lang="en-US" dirty="0" smtClean="0"/>
+              <a:t>Provide better type checking</a:t>
+            </a:r>
+          </a:p>
+          <a:p>
+            <a:pPr lvl="1"/>
+            <a:r>
+              <a:rPr lang="en-US" dirty="0" smtClean="0"/>
+              <a:t>No generated code, smaller footprint</a:t>
+            </a:r>
+          </a:p>
+          <a:p>
+            <a:r>
+              <a:rPr lang="en-US" dirty="0" smtClean="0"/>
+              <a:t>Generally prefer “type” to “</a:t>
+            </a:r>
+            <a:r>
+              <a:rPr lang="en-US" dirty="0" err="1" smtClean="0"/>
+              <a:t>enum</a:t>
+            </a:r>
+            <a:r>
+              <a:rPr lang="en-US" dirty="0" smtClean="0"/>
+              <a:t>”</a:t>
+            </a:r>
+          </a:p>
+          <a:p>
+            <a:r>
+              <a:rPr lang="en-US" dirty="0" smtClean="0"/>
+              <a:t>When to use “</a:t>
+            </a:r>
+            <a:r>
+              <a:rPr lang="en-US" dirty="0" err="1" smtClean="0"/>
+              <a:t>enum</a:t>
+            </a:r>
+            <a:r>
+              <a:rPr lang="en-US" dirty="0" smtClean="0"/>
+              <a:t>” over “type”</a:t>
+            </a:r>
+          </a:p>
+          <a:p>
+            <a:pPr lvl="1"/>
+            <a:r>
+              <a:rPr lang="en-US" dirty="0" smtClean="0"/>
+              <a:t>Need to enumerate through values at runtime</a:t>
+            </a:r>
+          </a:p>
+          <a:p>
+            <a:pPr lvl="1"/>
+            <a:r>
+              <a:rPr lang="en-US" dirty="0" smtClean="0"/>
+              <a:t>Numeric values are important</a:t>
+            </a:r>
           </a:p>
         </p:txBody>
       </p:sp>
     </p:spTree>
     <p:extLst>
       <p:ext uri="{BB962C8B-B14F-4D97-AF65-F5344CB8AC3E}">
-        <p14:creationId xmlns:p14="http://schemas.microsoft.com/office/powerpoint/2010/main" val="1169160060"/>
+        <p14:creationId xmlns:p14="http://schemas.microsoft.com/office/powerpoint/2010/main" val="594601522"/>
       </p:ext>
     </p:extLst>
   </p:cSld>
   <p:clrMapOvr>
     <a:masterClrMapping/>
   </p:clrMapOvr>
-  <p:timing>
-    <p:tnLst>
-      <p:par>
-        <p:cTn id="1" dur="indefinite" restart="never" nodeType="tmRoot"/>
-      </p:par>
-    </p:tnLst>
-  </p:timing>
 </p:sld>
 </file>
 
@@ -10695,46 +10998,65 @@
       </p:grpSpPr>
       <p:sp>
         <p:nvSpPr>
-          <p:cNvPr id="3" name="Content Placeholder 2"/>
-          <p:cNvSpPr>
-            <a:spLocks noGrp="1"/>
-          </p:cNvSpPr>
-          <p:nvPr>
-            <p:ph idx="1"/>
-          </p:nvPr>
-        </p:nvSpPr>
-        <p:spPr>
-          <a:xfrm>
-            <a:off x="685800" y="3131127"/>
-            <a:ext cx="10820400" cy="3087558"/>
-          </a:xfrm>
-        </p:spPr>
+          <p:cNvPr id="2" name="Title 1"/>
+          <p:cNvSpPr>
+            <a:spLocks noGrp="1"/>
+          </p:cNvSpPr>
+          <p:nvPr>
+            <p:ph type="title"/>
+          </p:nvPr>
+        </p:nvSpPr>
+        <p:spPr/>
         <p:txBody>
           <a:bodyPr>
             <a:normAutofit/>
           </a:bodyPr>
           <a:lstStyle/>
           <a:p>
-            <a:pPr marL="0" indent="0" algn="ctr">
-              <a:buNone/>
-            </a:pPr>
-            <a:r>
-              <a:rPr lang="en-US" sz="4000" dirty="0" smtClean="0"/>
-              <a:t>I’m not even kidding.</a:t>
-            </a:r>
-          </a:p>
-          <a:p>
-            <a:pPr marL="0" indent="0">
-              <a:buNone/>
-            </a:pPr>
-            <a:endParaRPr lang="en-US" sz="4000" dirty="0"/>
+            <a:r>
+              <a:rPr lang="en-US" sz="2200" dirty="0"/>
+              <a:t>I call it my billion-dollar mistake. It was the invention of the null reference in </a:t>
+            </a:r>
+            <a:r>
+              <a:rPr lang="en-US" sz="2200" dirty="0" smtClean="0"/>
+              <a:t>1965... </a:t>
+            </a:r>
+            <a:r>
+              <a:rPr lang="en-US" sz="2200" dirty="0"/>
+              <a:t>But I couldn't resist the temptation to put in a null reference, simply because it was so easy to implement. This has led to innumerable errors, vulnerabilities, and system crashes, which have probably caused a billion dollars of pain and damage in the last forty years.</a:t>
+            </a:r>
+          </a:p>
+        </p:txBody>
+      </p:sp>
+      <p:sp>
+        <p:nvSpPr>
+          <p:cNvPr id="3" name="Text Placeholder 2"/>
+          <p:cNvSpPr>
+            <a:spLocks noGrp="1"/>
+          </p:cNvSpPr>
+          <p:nvPr>
+            <p:ph type="body" sz="half" idx="13"/>
+          </p:nvPr>
+        </p:nvSpPr>
+        <p:spPr/>
+        <p:txBody>
+          <a:bodyPr/>
+          <a:lstStyle/>
+          <a:p>
+            <a:r>
+              <a:rPr lang="en-US" dirty="0"/>
+              <a:t>Tony Hoare</a:t>
+            </a:r>
+          </a:p>
+          <a:p>
+            <a:endParaRPr lang="en-US" dirty="0"/>
           </a:p>
         </p:txBody>
       </p:sp>
     </p:spTree>
     <p:extLst>
       <p:ext uri="{BB962C8B-B14F-4D97-AF65-F5344CB8AC3E}">
-        <p14:creationId xmlns:p14="http://schemas.microsoft.com/office/powerpoint/2010/main" val="3646431837"/>
+        <p14:creationId xmlns:p14="http://schemas.microsoft.com/office/powerpoint/2010/main" val="1496269914"/>
       </p:ext>
     </p:extLst>
   </p:cSld>
@@ -10808,47 +11130,47 @@
           <a:p>
             <a:r>
               <a:rPr lang="en-US" dirty="0" smtClean="0"/>
-              <a:t>Optional feature</a:t>
+              <a:t>Nulls are a great concept</a:t>
             </a:r>
           </a:p>
           <a:p>
             <a:pPr lvl="1"/>
             <a:r>
               <a:rPr lang="en-US" dirty="0" smtClean="0"/>
-              <a:t>Only enable it if you want</a:t>
+              <a:t>Sometimes the lack of data is data itself</a:t>
+            </a:r>
+          </a:p>
+          <a:p>
+            <a:r>
+              <a:rPr lang="en-US" dirty="0" smtClean="0"/>
+              <a:t>But 99%  of the time, you know the data will be there</a:t>
+            </a:r>
+          </a:p>
+          <a:p>
+            <a:r>
+              <a:rPr lang="en-US" dirty="0" smtClean="0"/>
+              <a:t>JavaScript thought Null was so great, it invented a 2</a:t>
+            </a:r>
+            <a:r>
+              <a:rPr lang="en-US" baseline="30000" dirty="0" smtClean="0"/>
+              <a:t>nd</a:t>
+            </a:r>
+            <a:r>
+              <a:rPr lang="en-US" dirty="0" smtClean="0"/>
+              <a:t> kind: </a:t>
             </a:r>
           </a:p>
           <a:p>
             <a:pPr lvl="1"/>
             <a:r>
               <a:rPr lang="en-US" dirty="0" smtClean="0"/>
-              <a:t>You really should, though.</a:t>
-            </a:r>
-          </a:p>
-          <a:p>
-            <a:pPr lvl="1"/>
-            <a:r>
-              <a:rPr lang="en-US" dirty="0" smtClean="0"/>
-              <a:t>Seriously.</a:t>
-            </a:r>
-          </a:p>
-          <a:p>
-            <a:r>
-              <a:rPr lang="en-US" dirty="0" smtClean="0"/>
-              <a:t>Unobtrusive</a:t>
-            </a:r>
-          </a:p>
-          <a:p>
-            <a:pPr lvl="1"/>
-            <a:r>
-              <a:rPr lang="en-US" dirty="0" smtClean="0"/>
-              <a:t>Uses inference to intelligently track values through your code at compile time</a:t>
-            </a:r>
-          </a:p>
-          <a:p>
-            <a:r>
-              <a:rPr lang="en-US" dirty="0" smtClean="0"/>
-              <a:t>See Example 10</a:t>
+              <a:t>“Undefined”</a:t>
+            </a:r>
+          </a:p>
+          <a:p>
+            <a:r>
+              <a:rPr lang="en-US" dirty="0" smtClean="0"/>
+              <a:t>Wouldn’t it be great if the language could keep track of what could be null and what shouldn’t? </a:t>
             </a:r>
             <a:endParaRPr lang="en-US" dirty="0"/>
           </a:p>
@@ -10857,13 +11179,20 @@
     </p:spTree>
     <p:extLst>
       <p:ext uri="{BB962C8B-B14F-4D97-AF65-F5344CB8AC3E}">
-        <p14:creationId xmlns:p14="http://schemas.microsoft.com/office/powerpoint/2010/main" val="3448102255"/>
+        <p14:creationId xmlns:p14="http://schemas.microsoft.com/office/powerpoint/2010/main" val="3216369764"/>
       </p:ext>
     </p:extLst>
   </p:cSld>
   <p:clrMapOvr>
     <a:masterClrMapping/>
   </p:clrMapOvr>
+  <p:timing>
+    <p:tnLst>
+      <p:par>
+        <p:cTn id="1" dur="indefinite" restart="never" nodeType="tmRoot"/>
+      </p:par>
+    </p:tnLst>
+  </p:timing>
 </p:sld>
 </file>
 
@@ -10886,6 +11215,280 @@
       </p:grpSpPr>
       <p:sp>
         <p:nvSpPr>
+          <p:cNvPr id="3" name="Content Placeholder 2"/>
+          <p:cNvSpPr>
+            <a:spLocks noGrp="1"/>
+          </p:cNvSpPr>
+          <p:nvPr>
+            <p:ph idx="1"/>
+          </p:nvPr>
+        </p:nvSpPr>
+        <p:spPr>
+          <a:xfrm>
+            <a:off x="685800" y="3131127"/>
+            <a:ext cx="10820400" cy="3087558"/>
+          </a:xfrm>
+        </p:spPr>
+        <p:txBody>
+          <a:bodyPr>
+            <a:normAutofit/>
+          </a:bodyPr>
+          <a:lstStyle/>
+          <a:p>
+            <a:pPr marL="0" indent="0" algn="ctr">
+              <a:buNone/>
+            </a:pPr>
+            <a:r>
+              <a:rPr lang="en-US" sz="2800" dirty="0" smtClean="0"/>
+              <a:t>I now prefer </a:t>
+            </a:r>
+            <a:r>
+              <a:rPr lang="en-US" sz="2800" dirty="0" err="1" smtClean="0"/>
+              <a:t>TypeScript</a:t>
+            </a:r>
+            <a:r>
+              <a:rPr lang="en-US" sz="2800" dirty="0" smtClean="0"/>
+              <a:t> to C# because of this feature alone.</a:t>
+            </a:r>
+          </a:p>
+          <a:p>
+            <a:pPr marL="0" indent="0">
+              <a:buNone/>
+            </a:pPr>
+            <a:endParaRPr lang="en-US" sz="2800" dirty="0"/>
+          </a:p>
+        </p:txBody>
+      </p:sp>
+    </p:spTree>
+    <p:extLst>
+      <p:ext uri="{BB962C8B-B14F-4D97-AF65-F5344CB8AC3E}">
+        <p14:creationId xmlns:p14="http://schemas.microsoft.com/office/powerpoint/2010/main" val="1169160060"/>
+      </p:ext>
+    </p:extLst>
+  </p:cSld>
+  <p:clrMapOvr>
+    <a:masterClrMapping/>
+  </p:clrMapOvr>
+  <p:timing>
+    <p:tnLst>
+      <p:par>
+        <p:cTn id="1" dur="indefinite" restart="never" nodeType="tmRoot"/>
+      </p:par>
+    </p:tnLst>
+  </p:timing>
+</p:sld>
+</file>
+
+<file path=ppt/slides/slide43.xml><?xml version="1.0" encoding="utf-8"?>
+<p:sld xmlns:a="http://schemas.openxmlformats.org/drawingml/2006/main" xmlns:r="http://schemas.openxmlformats.org/officeDocument/2006/relationships" xmlns:p="http://schemas.openxmlformats.org/presentationml/2006/main">
+  <p:cSld>
+    <p:spTree>
+      <p:nvGrpSpPr>
+        <p:cNvPr id="1" name=""/>
+        <p:cNvGrpSpPr/>
+        <p:nvPr/>
+      </p:nvGrpSpPr>
+      <p:grpSpPr>
+        <a:xfrm>
+          <a:off x="0" y="0"/>
+          <a:ext cx="0" cy="0"/>
+          <a:chOff x="0" y="0"/>
+          <a:chExt cx="0" cy="0"/>
+        </a:xfrm>
+      </p:grpSpPr>
+      <p:sp>
+        <p:nvSpPr>
+          <p:cNvPr id="3" name="Content Placeholder 2"/>
+          <p:cNvSpPr>
+            <a:spLocks noGrp="1"/>
+          </p:cNvSpPr>
+          <p:nvPr>
+            <p:ph idx="1"/>
+          </p:nvPr>
+        </p:nvSpPr>
+        <p:spPr>
+          <a:xfrm>
+            <a:off x="685800" y="3131127"/>
+            <a:ext cx="10820400" cy="3087558"/>
+          </a:xfrm>
+        </p:spPr>
+        <p:txBody>
+          <a:bodyPr>
+            <a:normAutofit/>
+          </a:bodyPr>
+          <a:lstStyle/>
+          <a:p>
+            <a:pPr marL="0" indent="0" algn="ctr">
+              <a:buNone/>
+            </a:pPr>
+            <a:r>
+              <a:rPr lang="en-US" sz="4000" dirty="0" smtClean="0"/>
+              <a:t>I’m not even kidding.</a:t>
+            </a:r>
+          </a:p>
+          <a:p>
+            <a:pPr marL="0" indent="0">
+              <a:buNone/>
+            </a:pPr>
+            <a:endParaRPr lang="en-US" sz="4000" dirty="0"/>
+          </a:p>
+        </p:txBody>
+      </p:sp>
+    </p:spTree>
+    <p:extLst>
+      <p:ext uri="{BB962C8B-B14F-4D97-AF65-F5344CB8AC3E}">
+        <p14:creationId xmlns:p14="http://schemas.microsoft.com/office/powerpoint/2010/main" val="3646431837"/>
+      </p:ext>
+    </p:extLst>
+  </p:cSld>
+  <p:clrMapOvr>
+    <a:masterClrMapping/>
+  </p:clrMapOvr>
+  <p:timing>
+    <p:tnLst>
+      <p:par>
+        <p:cTn id="1" dur="indefinite" restart="never" nodeType="tmRoot"/>
+      </p:par>
+    </p:tnLst>
+  </p:timing>
+</p:sld>
+</file>
+
+<file path=ppt/slides/slide44.xml><?xml version="1.0" encoding="utf-8"?>
+<p:sld xmlns:a="http://schemas.openxmlformats.org/drawingml/2006/main" xmlns:r="http://schemas.openxmlformats.org/officeDocument/2006/relationships" xmlns:p="http://schemas.openxmlformats.org/presentationml/2006/main">
+  <p:cSld>
+    <p:spTree>
+      <p:nvGrpSpPr>
+        <p:cNvPr id="1" name=""/>
+        <p:cNvGrpSpPr/>
+        <p:nvPr/>
+      </p:nvGrpSpPr>
+      <p:grpSpPr>
+        <a:xfrm>
+          <a:off x="0" y="0"/>
+          <a:ext cx="0" cy="0"/>
+          <a:chOff x="0" y="0"/>
+          <a:chExt cx="0" cy="0"/>
+        </a:xfrm>
+      </p:grpSpPr>
+      <p:sp>
+        <p:nvSpPr>
+          <p:cNvPr id="2" name="Title 1"/>
+          <p:cNvSpPr>
+            <a:spLocks noGrp="1"/>
+          </p:cNvSpPr>
+          <p:nvPr>
+            <p:ph type="title"/>
+          </p:nvPr>
+        </p:nvSpPr>
+        <p:spPr/>
+        <p:txBody>
+          <a:bodyPr/>
+          <a:lstStyle/>
+          <a:p>
+            <a:r>
+              <a:rPr lang="en-US" dirty="0" smtClean="0"/>
+              <a:t>Null checking</a:t>
+            </a:r>
+            <a:endParaRPr lang="en-US" dirty="0"/>
+          </a:p>
+        </p:txBody>
+      </p:sp>
+      <p:sp>
+        <p:nvSpPr>
+          <p:cNvPr id="3" name="Content Placeholder 2"/>
+          <p:cNvSpPr>
+            <a:spLocks noGrp="1"/>
+          </p:cNvSpPr>
+          <p:nvPr>
+            <p:ph idx="1"/>
+          </p:nvPr>
+        </p:nvSpPr>
+        <p:spPr/>
+        <p:txBody>
+          <a:bodyPr/>
+          <a:lstStyle/>
+          <a:p>
+            <a:r>
+              <a:rPr lang="en-US" dirty="0" smtClean="0"/>
+              <a:t>Optional feature</a:t>
+            </a:r>
+          </a:p>
+          <a:p>
+            <a:pPr lvl="1"/>
+            <a:r>
+              <a:rPr lang="en-US" dirty="0" smtClean="0"/>
+              <a:t>Only enable it if you want</a:t>
+            </a:r>
+          </a:p>
+          <a:p>
+            <a:pPr lvl="1"/>
+            <a:r>
+              <a:rPr lang="en-US" dirty="0" smtClean="0"/>
+              <a:t>You really should, though.</a:t>
+            </a:r>
+          </a:p>
+          <a:p>
+            <a:pPr lvl="1"/>
+            <a:r>
+              <a:rPr lang="en-US" dirty="0" smtClean="0"/>
+              <a:t>Seriously.</a:t>
+            </a:r>
+          </a:p>
+          <a:p>
+            <a:r>
+              <a:rPr lang="en-US" dirty="0" smtClean="0"/>
+              <a:t>Unobtrusive</a:t>
+            </a:r>
+          </a:p>
+          <a:p>
+            <a:pPr lvl="1"/>
+            <a:r>
+              <a:rPr lang="en-US" dirty="0" smtClean="0"/>
+              <a:t>Uses inference to intelligently track values through your code at compile time</a:t>
+            </a:r>
+          </a:p>
+          <a:p>
+            <a:r>
+              <a:rPr lang="en-US" dirty="0" smtClean="0"/>
+              <a:t>See Example 10</a:t>
+            </a:r>
+            <a:endParaRPr lang="en-US" dirty="0"/>
+          </a:p>
+        </p:txBody>
+      </p:sp>
+    </p:spTree>
+    <p:extLst>
+      <p:ext uri="{BB962C8B-B14F-4D97-AF65-F5344CB8AC3E}">
+        <p14:creationId xmlns:p14="http://schemas.microsoft.com/office/powerpoint/2010/main" val="3448102255"/>
+      </p:ext>
+    </p:extLst>
+  </p:cSld>
+  <p:clrMapOvr>
+    <a:masterClrMapping/>
+  </p:clrMapOvr>
+</p:sld>
+</file>
+
+<file path=ppt/slides/slide45.xml><?xml version="1.0" encoding="utf-8"?>
+<p:sld xmlns:a="http://schemas.openxmlformats.org/drawingml/2006/main" xmlns:r="http://schemas.openxmlformats.org/officeDocument/2006/relationships" xmlns:p="http://schemas.openxmlformats.org/presentationml/2006/main">
+  <p:cSld>
+    <p:spTree>
+      <p:nvGrpSpPr>
+        <p:cNvPr id="1" name=""/>
+        <p:cNvGrpSpPr/>
+        <p:nvPr/>
+      </p:nvGrpSpPr>
+      <p:grpSpPr>
+        <a:xfrm>
+          <a:off x="0" y="0"/>
+          <a:ext cx="0" cy="0"/>
+          <a:chOff x="0" y="0"/>
+          <a:chExt cx="0" cy="0"/>
+        </a:xfrm>
+      </p:grpSpPr>
+      <p:sp>
+        <p:nvSpPr>
           <p:cNvPr id="2" name="Title 1"/>
           <p:cNvSpPr>
             <a:spLocks noGrp="1"/>
@@ -11000,6 +11603,298 @@
     <p:extLst>
       <p:ext uri="{BB962C8B-B14F-4D97-AF65-F5344CB8AC3E}">
         <p14:creationId xmlns:p14="http://schemas.microsoft.com/office/powerpoint/2010/main" val="909809932"/>
+      </p:ext>
+    </p:extLst>
+  </p:cSld>
+  <p:clrMapOvr>
+    <a:masterClrMapping/>
+  </p:clrMapOvr>
+</p:sld>
+</file>
+
+<file path=ppt/slides/slide46.xml><?xml version="1.0" encoding="utf-8"?>
+<p:sld xmlns:a="http://schemas.openxmlformats.org/drawingml/2006/main" xmlns:r="http://schemas.openxmlformats.org/officeDocument/2006/relationships" xmlns:p="http://schemas.openxmlformats.org/presentationml/2006/main">
+  <p:cSld>
+    <p:spTree>
+      <p:nvGrpSpPr>
+        <p:cNvPr id="1" name=""/>
+        <p:cNvGrpSpPr/>
+        <p:nvPr/>
+      </p:nvGrpSpPr>
+      <p:grpSpPr>
+        <a:xfrm>
+          <a:off x="0" y="0"/>
+          <a:ext cx="0" cy="0"/>
+          <a:chOff x="0" y="0"/>
+          <a:chExt cx="0" cy="0"/>
+        </a:xfrm>
+      </p:grpSpPr>
+      <p:sp>
+        <p:nvSpPr>
+          <p:cNvPr id="2" name="Title 1"/>
+          <p:cNvSpPr>
+            <a:spLocks noGrp="1"/>
+          </p:cNvSpPr>
+          <p:nvPr>
+            <p:ph type="title"/>
+          </p:nvPr>
+        </p:nvSpPr>
+        <p:spPr/>
+        <p:txBody>
+          <a:bodyPr/>
+          <a:lstStyle/>
+          <a:p>
+            <a:r>
+              <a:rPr lang="en-US" dirty="0" smtClean="0"/>
+              <a:t>generics</a:t>
+            </a:r>
+            <a:endParaRPr lang="en-US" dirty="0"/>
+          </a:p>
+        </p:txBody>
+      </p:sp>
+      <p:sp>
+        <p:nvSpPr>
+          <p:cNvPr id="3" name="Content Placeholder 2"/>
+          <p:cNvSpPr>
+            <a:spLocks noGrp="1"/>
+          </p:cNvSpPr>
+          <p:nvPr>
+            <p:ph idx="1"/>
+          </p:nvPr>
+        </p:nvSpPr>
+        <p:spPr/>
+        <p:txBody>
+          <a:bodyPr/>
+          <a:lstStyle/>
+          <a:p>
+            <a:r>
+              <a:rPr lang="en-US" dirty="0" err="1" smtClean="0"/>
+              <a:t>TypeScript</a:t>
+            </a:r>
+            <a:r>
+              <a:rPr lang="en-US" dirty="0" smtClean="0"/>
+              <a:t> Generics use (mostly) the same syntax as C#</a:t>
+            </a:r>
+          </a:p>
+          <a:p>
+            <a:r>
+              <a:rPr lang="en-US" dirty="0" smtClean="0"/>
+              <a:t>Allows </a:t>
+            </a:r>
+            <a:r>
+              <a:rPr lang="en-US" dirty="0"/>
+              <a:t>you to </a:t>
+            </a:r>
+            <a:r>
+              <a:rPr lang="en-US" dirty="0" smtClean="0"/>
+              <a:t>create data-agnostic methods, structures, and classes</a:t>
+            </a:r>
+          </a:p>
+          <a:p>
+            <a:pPr lvl="1"/>
+            <a:r>
+              <a:rPr lang="en-US" dirty="0" smtClean="0"/>
+              <a:t>Separate concerns for cleaner code</a:t>
+            </a:r>
+          </a:p>
+          <a:p>
+            <a:r>
+              <a:rPr lang="en-US" dirty="0" smtClean="0"/>
+              <a:t>Only type-safe at compile time</a:t>
+            </a:r>
+          </a:p>
+          <a:p>
+            <a:pPr lvl="1"/>
+            <a:r>
+              <a:rPr lang="en-US" dirty="0" smtClean="0"/>
+              <a:t>Run-time is still JavaScript free-for-all </a:t>
+            </a:r>
+            <a:r>
+              <a:rPr lang="en-US" dirty="0" err="1" smtClean="0"/>
+              <a:t>chaosland</a:t>
+            </a:r>
+            <a:r>
+              <a:rPr lang="en-US" dirty="0" smtClean="0"/>
+              <a:t>, unlike C#</a:t>
+            </a:r>
+          </a:p>
+          <a:p>
+            <a:r>
+              <a:rPr lang="en-US" dirty="0" smtClean="0"/>
+              <a:t>See Example 11</a:t>
+            </a:r>
+            <a:endParaRPr lang="en-US" dirty="0"/>
+          </a:p>
+        </p:txBody>
+      </p:sp>
+    </p:spTree>
+    <p:extLst>
+      <p:ext uri="{BB962C8B-B14F-4D97-AF65-F5344CB8AC3E}">
+        <p14:creationId xmlns:p14="http://schemas.microsoft.com/office/powerpoint/2010/main" val="3215782768"/>
+      </p:ext>
+    </p:extLst>
+  </p:cSld>
+  <p:clrMapOvr>
+    <a:masterClrMapping/>
+  </p:clrMapOvr>
+</p:sld>
+</file>
+
+<file path=ppt/slides/slide47.xml><?xml version="1.0" encoding="utf-8"?>
+<p:sld xmlns:a="http://schemas.openxmlformats.org/drawingml/2006/main" xmlns:r="http://schemas.openxmlformats.org/officeDocument/2006/relationships" xmlns:p="http://schemas.openxmlformats.org/presentationml/2006/main">
+  <p:cSld>
+    <p:spTree>
+      <p:nvGrpSpPr>
+        <p:cNvPr id="1" name=""/>
+        <p:cNvGrpSpPr/>
+        <p:nvPr/>
+      </p:nvGrpSpPr>
+      <p:grpSpPr>
+        <a:xfrm>
+          <a:off x="0" y="0"/>
+          <a:ext cx="0" cy="0"/>
+          <a:chOff x="0" y="0"/>
+          <a:chExt cx="0" cy="0"/>
+        </a:xfrm>
+      </p:grpSpPr>
+      <p:sp>
+        <p:nvSpPr>
+          <p:cNvPr id="2" name="Title 1"/>
+          <p:cNvSpPr>
+            <a:spLocks noGrp="1"/>
+          </p:cNvSpPr>
+          <p:nvPr>
+            <p:ph type="title"/>
+          </p:nvPr>
+        </p:nvSpPr>
+        <p:spPr/>
+        <p:txBody>
+          <a:bodyPr/>
+          <a:lstStyle/>
+          <a:p>
+            <a:r>
+              <a:rPr lang="en-US" dirty="0" smtClean="0"/>
+              <a:t>Type guards</a:t>
+            </a:r>
+            <a:endParaRPr lang="en-US" dirty="0"/>
+          </a:p>
+        </p:txBody>
+      </p:sp>
+      <p:sp>
+        <p:nvSpPr>
+          <p:cNvPr id="3" name="Content Placeholder 2"/>
+          <p:cNvSpPr>
+            <a:spLocks noGrp="1"/>
+          </p:cNvSpPr>
+          <p:nvPr>
+            <p:ph idx="1"/>
+          </p:nvPr>
+        </p:nvSpPr>
+        <p:spPr/>
+        <p:txBody>
+          <a:bodyPr>
+            <a:normAutofit lnSpcReduction="10000"/>
+          </a:bodyPr>
+          <a:lstStyle/>
+          <a:p>
+            <a:r>
+              <a:rPr lang="en-US" dirty="0" smtClean="0"/>
+              <a:t>Important to note: </a:t>
+            </a:r>
+            <a:r>
+              <a:rPr lang="en-US" dirty="0" err="1" smtClean="0"/>
+              <a:t>TypeScript</a:t>
+            </a:r>
+            <a:r>
+              <a:rPr lang="en-US" dirty="0" smtClean="0"/>
+              <a:t> only </a:t>
+            </a:r>
+            <a:r>
+              <a:rPr lang="en-US" i="1" dirty="0" smtClean="0"/>
+              <a:t>Compile-Time Type-Safe</a:t>
+            </a:r>
+            <a:r>
+              <a:rPr lang="en-US" dirty="0" smtClean="0"/>
+              <a:t>.</a:t>
+            </a:r>
+          </a:p>
+          <a:p>
+            <a:pPr lvl="1"/>
+            <a:r>
+              <a:rPr lang="en-US" dirty="0" smtClean="0"/>
+              <a:t>Runtime is still the Wild-Wild West</a:t>
+            </a:r>
+          </a:p>
+          <a:p>
+            <a:r>
+              <a:rPr lang="en-US" dirty="0" smtClean="0"/>
+              <a:t>Code follows “happy path”?</a:t>
+            </a:r>
+          </a:p>
+          <a:p>
+            <a:pPr lvl="1"/>
+            <a:r>
+              <a:rPr lang="en-US" dirty="0" smtClean="0"/>
+              <a:t>Can get away with only compile-time type checking.</a:t>
+            </a:r>
+          </a:p>
+          <a:p>
+            <a:r>
+              <a:rPr lang="en-US" dirty="0" smtClean="0"/>
+              <a:t>Code interfaces with web services?</a:t>
+            </a:r>
+          </a:p>
+          <a:p>
+            <a:pPr lvl="1"/>
+            <a:r>
+              <a:rPr lang="en-US" dirty="0" smtClean="0"/>
+              <a:t>You need to begin performing run-time type checking</a:t>
+            </a:r>
+          </a:p>
+          <a:p>
+            <a:r>
+              <a:rPr lang="en-US" dirty="0" smtClean="0"/>
+              <a:t>Unfortunately an area where languages like C# will always be superior</a:t>
+            </a:r>
+          </a:p>
+          <a:p>
+            <a:r>
+              <a:rPr lang="en-US" dirty="0" smtClean="0"/>
+              <a:t>See Example 12</a:t>
+            </a:r>
+          </a:p>
+          <a:p>
+            <a:r>
+              <a:rPr lang="en-US" dirty="0" smtClean="0"/>
+              <a:t>Type Guards can get large</a:t>
+            </a:r>
+          </a:p>
+          <a:p>
+            <a:pPr lvl="1"/>
+            <a:r>
+              <a:rPr lang="en-US" dirty="0" smtClean="0"/>
+              <a:t>In Enterprise systems, better to use code generation against a </a:t>
+            </a:r>
+            <a:r>
+              <a:rPr lang="en-US" smtClean="0"/>
+              <a:t>data definition</a:t>
+            </a:r>
+            <a:endParaRPr lang="en-US" dirty="0" smtClean="0"/>
+          </a:p>
+          <a:p>
+            <a:pPr lvl="1"/>
+            <a:r>
+              <a:rPr lang="en-US" dirty="0" smtClean="0"/>
+              <a:t>Or an alternate technology, such as JSON Schema validation</a:t>
+            </a:r>
+            <a:endParaRPr lang="en-US" dirty="0"/>
+          </a:p>
+        </p:txBody>
+      </p:sp>
+    </p:spTree>
+    <p:extLst>
+      <p:ext uri="{BB962C8B-B14F-4D97-AF65-F5344CB8AC3E}">
+        <p14:creationId xmlns:p14="http://schemas.microsoft.com/office/powerpoint/2010/main" val="717661290"/>
       </p:ext>
     </p:extLst>
   </p:cSld>

--- a/Web development with Typescript.pptx
+++ b/Web development with Typescript.pptx
@@ -5,7 +5,7 @@
     <p:sldMasterId id="2147483684" r:id="rId1"/>
   </p:sldMasterIdLst>
   <p:notesMasterIdLst>
-    <p:notesMasterId r:id="rId49"/>
+    <p:notesMasterId r:id="rId57"/>
   </p:notesMasterIdLst>
   <p:sldIdLst>
     <p:sldId id="256" r:id="rId2"/>
@@ -55,6 +55,14 @@
     <p:sldId id="304" r:id="rId46"/>
     <p:sldId id="308" r:id="rId47"/>
     <p:sldId id="309" r:id="rId48"/>
+    <p:sldId id="310" r:id="rId49"/>
+    <p:sldId id="311" r:id="rId50"/>
+    <p:sldId id="312" r:id="rId51"/>
+    <p:sldId id="313" r:id="rId52"/>
+    <p:sldId id="314" r:id="rId53"/>
+    <p:sldId id="315" r:id="rId54"/>
+    <p:sldId id="316" r:id="rId55"/>
+    <p:sldId id="317" r:id="rId56"/>
   </p:sldIdLst>
   <p:sldSz cx="12192000" cy="6858000"/>
   <p:notesSz cx="6858000" cy="9144000"/>
@@ -11904,6 +11912,265 @@
 </p:sld>
 </file>
 
+<file path=ppt/slides/slide48.xml><?xml version="1.0" encoding="utf-8"?>
+<p:sld xmlns:a="http://schemas.openxmlformats.org/drawingml/2006/main" xmlns:r="http://schemas.openxmlformats.org/officeDocument/2006/relationships" xmlns:p="http://schemas.openxmlformats.org/presentationml/2006/main">
+  <p:cSld>
+    <p:spTree>
+      <p:nvGrpSpPr>
+        <p:cNvPr id="1" name=""/>
+        <p:cNvGrpSpPr/>
+        <p:nvPr/>
+      </p:nvGrpSpPr>
+      <p:grpSpPr>
+        <a:xfrm>
+          <a:off x="0" y="0"/>
+          <a:ext cx="0" cy="0"/>
+          <a:chOff x="0" y="0"/>
+          <a:chExt cx="0" cy="0"/>
+        </a:xfrm>
+      </p:grpSpPr>
+      <p:sp>
+        <p:nvSpPr>
+          <p:cNvPr id="2" name="Title 1"/>
+          <p:cNvSpPr>
+            <a:spLocks noGrp="1"/>
+          </p:cNvSpPr>
+          <p:nvPr>
+            <p:ph type="title"/>
+          </p:nvPr>
+        </p:nvSpPr>
+        <p:spPr/>
+        <p:txBody>
+          <a:bodyPr/>
+          <a:lstStyle/>
+          <a:p>
+            <a:r>
+              <a:rPr lang="en-US" dirty="0" smtClean="0"/>
+              <a:t>Modules</a:t>
+            </a:r>
+            <a:endParaRPr lang="en-US" dirty="0"/>
+          </a:p>
+        </p:txBody>
+      </p:sp>
+      <p:sp>
+        <p:nvSpPr>
+          <p:cNvPr id="3" name="Content Placeholder 2"/>
+          <p:cNvSpPr>
+            <a:spLocks noGrp="1"/>
+          </p:cNvSpPr>
+          <p:nvPr>
+            <p:ph idx="1"/>
+          </p:nvPr>
+        </p:nvSpPr>
+        <p:spPr/>
+        <p:txBody>
+          <a:bodyPr/>
+          <a:lstStyle/>
+          <a:p>
+            <a:r>
+              <a:rPr lang="en-US" dirty="0" smtClean="0"/>
+              <a:t>JavaScript was a “scripting” language, a novelty.</a:t>
+            </a:r>
+          </a:p>
+          <a:p>
+            <a:r>
+              <a:rPr lang="en-US" dirty="0" smtClean="0"/>
+              <a:t>No need for complex things like linkers and modules and libraries!</a:t>
+            </a:r>
+          </a:p>
+          <a:p>
+            <a:r>
+              <a:rPr lang="en-US" dirty="0" smtClean="0"/>
+              <a:t>Until one day…</a:t>
+            </a:r>
+            <a:endParaRPr lang="en-US" dirty="0"/>
+          </a:p>
+        </p:txBody>
+      </p:sp>
+    </p:spTree>
+    <p:extLst>
+      <p:ext uri="{BB962C8B-B14F-4D97-AF65-F5344CB8AC3E}">
+        <p14:creationId xmlns:p14="http://schemas.microsoft.com/office/powerpoint/2010/main" val="457738283"/>
+      </p:ext>
+    </p:extLst>
+  </p:cSld>
+  <p:clrMapOvr>
+    <a:masterClrMapping/>
+  </p:clrMapOvr>
+</p:sld>
+</file>
+
+<file path=ppt/slides/slide49.xml><?xml version="1.0" encoding="utf-8"?>
+<p:sld xmlns:a="http://schemas.openxmlformats.org/drawingml/2006/main" xmlns:r="http://schemas.openxmlformats.org/officeDocument/2006/relationships" xmlns:p="http://schemas.openxmlformats.org/presentationml/2006/main">
+  <p:cSld>
+    <p:spTree>
+      <p:nvGrpSpPr>
+        <p:cNvPr id="1" name=""/>
+        <p:cNvGrpSpPr/>
+        <p:nvPr/>
+      </p:nvGrpSpPr>
+      <p:grpSpPr>
+        <a:xfrm>
+          <a:off x="0" y="0"/>
+          <a:ext cx="0" cy="0"/>
+          <a:chOff x="0" y="0"/>
+          <a:chExt cx="0" cy="0"/>
+        </a:xfrm>
+      </p:grpSpPr>
+      <p:sp>
+        <p:nvSpPr>
+          <p:cNvPr id="2" name="Title 1"/>
+          <p:cNvSpPr>
+            <a:spLocks noGrp="1"/>
+          </p:cNvSpPr>
+          <p:nvPr>
+            <p:ph type="title"/>
+          </p:nvPr>
+        </p:nvSpPr>
+        <p:spPr/>
+        <p:txBody>
+          <a:bodyPr/>
+          <a:lstStyle/>
+          <a:p>
+            <a:r>
+              <a:rPr lang="en-US" dirty="0" smtClean="0"/>
+              <a:t>Modules</a:t>
+            </a:r>
+            <a:endParaRPr lang="en-US" dirty="0"/>
+          </a:p>
+        </p:txBody>
+      </p:sp>
+      <p:sp>
+        <p:nvSpPr>
+          <p:cNvPr id="3" name="Content Placeholder 2"/>
+          <p:cNvSpPr>
+            <a:spLocks noGrp="1"/>
+          </p:cNvSpPr>
+          <p:nvPr>
+            <p:ph idx="1"/>
+          </p:nvPr>
+        </p:nvSpPr>
+        <p:spPr/>
+        <p:txBody>
+          <a:bodyPr>
+            <a:normAutofit fontScale="92500" lnSpcReduction="20000"/>
+          </a:bodyPr>
+          <a:lstStyle/>
+          <a:p>
+            <a:r>
+              <a:rPr lang="en-US" dirty="0" smtClean="0"/>
+              <a:t>Multiple module formats introduced</a:t>
+            </a:r>
+          </a:p>
+          <a:p>
+            <a:r>
+              <a:rPr lang="en-US" dirty="0" smtClean="0"/>
+              <a:t>Asynchronous Module Definition (AMD)</a:t>
+            </a:r>
+          </a:p>
+          <a:p>
+            <a:pPr lvl="1"/>
+            <a:r>
+              <a:rPr lang="en-US" dirty="0" smtClean="0"/>
+              <a:t>Designed for </a:t>
+            </a:r>
+            <a:r>
+              <a:rPr lang="en-US" dirty="0" err="1" smtClean="0"/>
+              <a:t>async</a:t>
+            </a:r>
+            <a:r>
+              <a:rPr lang="en-US" dirty="0" smtClean="0"/>
+              <a:t> loading on the web</a:t>
+            </a:r>
+          </a:p>
+          <a:p>
+            <a:pPr lvl="1"/>
+            <a:r>
+              <a:rPr lang="en-US" dirty="0" smtClean="0"/>
+              <a:t>Makes 80 billion web requests</a:t>
+            </a:r>
+          </a:p>
+          <a:p>
+            <a:pPr lvl="1"/>
+            <a:r>
+              <a:rPr lang="en-US" dirty="0" smtClean="0"/>
+              <a:t>Was good 5 years ago but now obsolete</a:t>
+            </a:r>
+          </a:p>
+          <a:p>
+            <a:r>
+              <a:rPr lang="en-US" dirty="0" err="1" smtClean="0"/>
+              <a:t>CommonJS</a:t>
+            </a:r>
+            <a:r>
+              <a:rPr lang="en-US" dirty="0" smtClean="0"/>
+              <a:t> (CJS)</a:t>
+            </a:r>
+          </a:p>
+          <a:p>
+            <a:pPr lvl="1"/>
+            <a:r>
+              <a:rPr lang="en-US" dirty="0" smtClean="0"/>
+              <a:t>Designed for synchronous loading in Node</a:t>
+            </a:r>
+          </a:p>
+          <a:p>
+            <a:pPr lvl="1"/>
+            <a:r>
+              <a:rPr lang="en-US" dirty="0" smtClean="0"/>
+              <a:t>Cannot be used on the Web unless you use a bundler</a:t>
+            </a:r>
+          </a:p>
+          <a:p>
+            <a:r>
+              <a:rPr lang="en-US" dirty="0" smtClean="0"/>
+              <a:t>ES2015</a:t>
+            </a:r>
+          </a:p>
+          <a:p>
+            <a:pPr lvl="1"/>
+            <a:r>
+              <a:rPr lang="en-US" dirty="0" smtClean="0"/>
+              <a:t>Introduced a common module standard, completely different from the above</a:t>
+            </a:r>
+          </a:p>
+          <a:p>
+            <a:pPr lvl="1"/>
+            <a:r>
+              <a:rPr lang="en-US" dirty="0" smtClean="0"/>
+              <a:t>No browsers support it</a:t>
+            </a:r>
+          </a:p>
+          <a:p>
+            <a:pPr lvl="1"/>
+            <a:r>
+              <a:rPr lang="en-US" dirty="0" smtClean="0"/>
+              <a:t>No browsers plan to support it</a:t>
+            </a:r>
+          </a:p>
+          <a:p>
+            <a:pPr lvl="1"/>
+            <a:r>
+              <a:rPr lang="en-US" dirty="0" smtClean="0"/>
+              <a:t>Typescript uses ES2015 syntax natively and compiles to whichever module format you need</a:t>
+            </a:r>
+            <a:endParaRPr lang="en-US" dirty="0"/>
+          </a:p>
+        </p:txBody>
+      </p:sp>
+    </p:spTree>
+    <p:extLst>
+      <p:ext uri="{BB962C8B-B14F-4D97-AF65-F5344CB8AC3E}">
+        <p14:creationId xmlns:p14="http://schemas.microsoft.com/office/powerpoint/2010/main" val="2001320758"/>
+      </p:ext>
+    </p:extLst>
+  </p:cSld>
+  <p:clrMapOvr>
+    <a:masterClrMapping/>
+  </p:clrMapOvr>
+</p:sld>
+</file>
+
 <file path=ppt/slides/slide5.xml><?xml version="1.0" encoding="utf-8"?>
 <p:sld xmlns:a="http://schemas.openxmlformats.org/drawingml/2006/main" xmlns:r="http://schemas.openxmlformats.org/officeDocument/2006/relationships" xmlns:p="http://schemas.openxmlformats.org/presentationml/2006/main">
   <p:cSld>
@@ -12008,6 +12275,849 @@
     <p:extLst>
       <p:ext uri="{BB962C8B-B14F-4D97-AF65-F5344CB8AC3E}">
         <p14:creationId xmlns:p14="http://schemas.microsoft.com/office/powerpoint/2010/main" val="1775283105"/>
+      </p:ext>
+    </p:extLst>
+  </p:cSld>
+  <p:clrMapOvr>
+    <a:masterClrMapping/>
+  </p:clrMapOvr>
+</p:sld>
+</file>
+
+<file path=ppt/slides/slide50.xml><?xml version="1.0" encoding="utf-8"?>
+<p:sld xmlns:a="http://schemas.openxmlformats.org/drawingml/2006/main" xmlns:r="http://schemas.openxmlformats.org/officeDocument/2006/relationships" xmlns:p="http://schemas.openxmlformats.org/presentationml/2006/main">
+  <p:cSld>
+    <p:spTree>
+      <p:nvGrpSpPr>
+        <p:cNvPr id="1" name=""/>
+        <p:cNvGrpSpPr/>
+        <p:nvPr/>
+      </p:nvGrpSpPr>
+      <p:grpSpPr>
+        <a:xfrm>
+          <a:off x="0" y="0"/>
+          <a:ext cx="0" cy="0"/>
+          <a:chOff x="0" y="0"/>
+          <a:chExt cx="0" cy="0"/>
+        </a:xfrm>
+      </p:grpSpPr>
+      <p:sp>
+        <p:nvSpPr>
+          <p:cNvPr id="2" name="Title 1"/>
+          <p:cNvSpPr>
+            <a:spLocks noGrp="1"/>
+          </p:cNvSpPr>
+          <p:nvPr>
+            <p:ph type="title"/>
+          </p:nvPr>
+        </p:nvSpPr>
+        <p:spPr/>
+        <p:txBody>
+          <a:bodyPr/>
+          <a:lstStyle/>
+          <a:p>
+            <a:r>
+              <a:rPr lang="en-US" dirty="0" smtClean="0"/>
+              <a:t>Modules</a:t>
+            </a:r>
+            <a:endParaRPr lang="en-US" dirty="0"/>
+          </a:p>
+        </p:txBody>
+      </p:sp>
+      <p:sp>
+        <p:nvSpPr>
+          <p:cNvPr id="3" name="Content Placeholder 2"/>
+          <p:cNvSpPr>
+            <a:spLocks noGrp="1"/>
+          </p:cNvSpPr>
+          <p:nvPr>
+            <p:ph idx="1"/>
+          </p:nvPr>
+        </p:nvSpPr>
+        <p:spPr/>
+        <p:txBody>
+          <a:bodyPr>
+            <a:normAutofit fontScale="92500" lnSpcReduction="20000"/>
+          </a:bodyPr>
+          <a:lstStyle/>
+          <a:p>
+            <a:r>
+              <a:rPr lang="en-US" dirty="0" smtClean="0"/>
+              <a:t>Multiple module formats introduced</a:t>
+            </a:r>
+          </a:p>
+          <a:p>
+            <a:r>
+              <a:rPr lang="en-US" dirty="0" smtClean="0"/>
+              <a:t>Asynchronous Module Definition (AMD)</a:t>
+            </a:r>
+          </a:p>
+          <a:p>
+            <a:pPr lvl="1"/>
+            <a:r>
+              <a:rPr lang="en-US" dirty="0" smtClean="0"/>
+              <a:t>Designed for </a:t>
+            </a:r>
+            <a:r>
+              <a:rPr lang="en-US" dirty="0" err="1" smtClean="0"/>
+              <a:t>async</a:t>
+            </a:r>
+            <a:r>
+              <a:rPr lang="en-US" dirty="0" smtClean="0"/>
+              <a:t> loading on the web</a:t>
+            </a:r>
+          </a:p>
+          <a:p>
+            <a:pPr lvl="1"/>
+            <a:r>
+              <a:rPr lang="en-US" dirty="0" smtClean="0"/>
+              <a:t>Makes 80 billion web requests</a:t>
+            </a:r>
+          </a:p>
+          <a:p>
+            <a:pPr lvl="1"/>
+            <a:r>
+              <a:rPr lang="en-US" dirty="0" smtClean="0"/>
+              <a:t>Was good 5 years ago but now obsolete</a:t>
+            </a:r>
+          </a:p>
+          <a:p>
+            <a:r>
+              <a:rPr lang="en-US" dirty="0" err="1" smtClean="0"/>
+              <a:t>CommonJS</a:t>
+            </a:r>
+            <a:r>
+              <a:rPr lang="en-US" dirty="0" smtClean="0"/>
+              <a:t> (CJS)</a:t>
+            </a:r>
+          </a:p>
+          <a:p>
+            <a:pPr lvl="1"/>
+            <a:r>
+              <a:rPr lang="en-US" dirty="0" smtClean="0"/>
+              <a:t>Designed for synchronous loading in Node</a:t>
+            </a:r>
+          </a:p>
+          <a:p>
+            <a:pPr lvl="1"/>
+            <a:r>
+              <a:rPr lang="en-US" dirty="0" smtClean="0"/>
+              <a:t>Cannot be used on the Web unless you use a bundler</a:t>
+            </a:r>
+          </a:p>
+          <a:p>
+            <a:r>
+              <a:rPr lang="en-US" dirty="0" smtClean="0"/>
+              <a:t>ES2015</a:t>
+            </a:r>
+          </a:p>
+          <a:p>
+            <a:pPr lvl="1"/>
+            <a:r>
+              <a:rPr lang="en-US" dirty="0" smtClean="0"/>
+              <a:t>Introduced a common module standard, completely different from the above</a:t>
+            </a:r>
+          </a:p>
+          <a:p>
+            <a:pPr lvl="1"/>
+            <a:r>
+              <a:rPr lang="en-US" dirty="0" smtClean="0"/>
+              <a:t>No browsers support it</a:t>
+            </a:r>
+          </a:p>
+          <a:p>
+            <a:pPr lvl="1"/>
+            <a:r>
+              <a:rPr lang="en-US" dirty="0" smtClean="0"/>
+              <a:t>No browsers plan to support it</a:t>
+            </a:r>
+          </a:p>
+          <a:p>
+            <a:pPr lvl="1"/>
+            <a:r>
+              <a:rPr lang="en-US" dirty="0" smtClean="0"/>
+              <a:t>Node refuses to use it</a:t>
+            </a:r>
+            <a:endParaRPr lang="en-US" dirty="0" smtClean="0"/>
+          </a:p>
+        </p:txBody>
+      </p:sp>
+    </p:spTree>
+    <p:extLst>
+      <p:ext uri="{BB962C8B-B14F-4D97-AF65-F5344CB8AC3E}">
+        <p14:creationId xmlns:p14="http://schemas.microsoft.com/office/powerpoint/2010/main" val="1013663189"/>
+      </p:ext>
+    </p:extLst>
+  </p:cSld>
+  <p:clrMapOvr>
+    <a:masterClrMapping/>
+  </p:clrMapOvr>
+</p:sld>
+</file>
+
+<file path=ppt/slides/slide51.xml><?xml version="1.0" encoding="utf-8"?>
+<p:sld xmlns:a="http://schemas.openxmlformats.org/drawingml/2006/main" xmlns:r="http://schemas.openxmlformats.org/officeDocument/2006/relationships" xmlns:p="http://schemas.openxmlformats.org/presentationml/2006/main">
+  <p:cSld>
+    <p:spTree>
+      <p:nvGrpSpPr>
+        <p:cNvPr id="1" name=""/>
+        <p:cNvGrpSpPr/>
+        <p:nvPr/>
+      </p:nvGrpSpPr>
+      <p:grpSpPr>
+        <a:xfrm>
+          <a:off x="0" y="0"/>
+          <a:ext cx="0" cy="0"/>
+          <a:chOff x="0" y="0"/>
+          <a:chExt cx="0" cy="0"/>
+        </a:xfrm>
+      </p:grpSpPr>
+      <p:sp>
+        <p:nvSpPr>
+          <p:cNvPr id="2" name="Title 1"/>
+          <p:cNvSpPr>
+            <a:spLocks noGrp="1"/>
+          </p:cNvSpPr>
+          <p:nvPr>
+            <p:ph type="title"/>
+          </p:nvPr>
+        </p:nvSpPr>
+        <p:spPr/>
+        <p:txBody>
+          <a:bodyPr/>
+          <a:lstStyle/>
+          <a:p>
+            <a:r>
+              <a:rPr lang="en-US" dirty="0" smtClean="0"/>
+              <a:t>Modules</a:t>
+            </a:r>
+            <a:endParaRPr lang="en-US" dirty="0"/>
+          </a:p>
+        </p:txBody>
+      </p:sp>
+      <p:sp>
+        <p:nvSpPr>
+          <p:cNvPr id="3" name="Content Placeholder 2"/>
+          <p:cNvSpPr>
+            <a:spLocks noGrp="1"/>
+          </p:cNvSpPr>
+          <p:nvPr>
+            <p:ph idx="1"/>
+          </p:nvPr>
+        </p:nvSpPr>
+        <p:spPr>
+          <a:xfrm>
+            <a:off x="685800" y="3112655"/>
+            <a:ext cx="10820400" cy="3106030"/>
+          </a:xfrm>
+        </p:spPr>
+        <p:txBody>
+          <a:bodyPr>
+            <a:normAutofit/>
+          </a:bodyPr>
+          <a:lstStyle/>
+          <a:p>
+            <a:pPr marL="0" indent="0" algn="ctr">
+              <a:buNone/>
+            </a:pPr>
+            <a:r>
+              <a:rPr lang="en-US" sz="3600" dirty="0" smtClean="0"/>
+              <a:t>With </a:t>
+            </a:r>
+            <a:r>
+              <a:rPr lang="en-US" sz="3600" dirty="0" err="1" smtClean="0"/>
+              <a:t>TypeScript</a:t>
+            </a:r>
+            <a:r>
+              <a:rPr lang="en-US" sz="3600" dirty="0" smtClean="0"/>
+              <a:t>, we don’t have to care about any of that nonsense.</a:t>
+            </a:r>
+          </a:p>
+        </p:txBody>
+      </p:sp>
+    </p:spTree>
+    <p:extLst>
+      <p:ext uri="{BB962C8B-B14F-4D97-AF65-F5344CB8AC3E}">
+        <p14:creationId xmlns:p14="http://schemas.microsoft.com/office/powerpoint/2010/main" val="3607187087"/>
+      </p:ext>
+    </p:extLst>
+  </p:cSld>
+  <p:clrMapOvr>
+    <a:masterClrMapping/>
+  </p:clrMapOvr>
+</p:sld>
+</file>
+
+<file path=ppt/slides/slide52.xml><?xml version="1.0" encoding="utf-8"?>
+<p:sld xmlns:a="http://schemas.openxmlformats.org/drawingml/2006/main" xmlns:r="http://schemas.openxmlformats.org/officeDocument/2006/relationships" xmlns:p="http://schemas.openxmlformats.org/presentationml/2006/main">
+  <p:cSld>
+    <p:spTree>
+      <p:nvGrpSpPr>
+        <p:cNvPr id="1" name=""/>
+        <p:cNvGrpSpPr/>
+        <p:nvPr/>
+      </p:nvGrpSpPr>
+      <p:grpSpPr>
+        <a:xfrm>
+          <a:off x="0" y="0"/>
+          <a:ext cx="0" cy="0"/>
+          <a:chOff x="0" y="0"/>
+          <a:chExt cx="0" cy="0"/>
+        </a:xfrm>
+      </p:grpSpPr>
+      <p:sp>
+        <p:nvSpPr>
+          <p:cNvPr id="2" name="Title 1"/>
+          <p:cNvSpPr>
+            <a:spLocks noGrp="1"/>
+          </p:cNvSpPr>
+          <p:nvPr>
+            <p:ph type="title"/>
+          </p:nvPr>
+        </p:nvSpPr>
+        <p:spPr/>
+        <p:txBody>
+          <a:bodyPr/>
+          <a:lstStyle/>
+          <a:p>
+            <a:r>
+              <a:rPr lang="en-US" dirty="0" smtClean="0"/>
+              <a:t>Modules</a:t>
+            </a:r>
+            <a:endParaRPr lang="en-US" dirty="0"/>
+          </a:p>
+        </p:txBody>
+      </p:sp>
+      <p:sp>
+        <p:nvSpPr>
+          <p:cNvPr id="3" name="Content Placeholder 2"/>
+          <p:cNvSpPr>
+            <a:spLocks noGrp="1"/>
+          </p:cNvSpPr>
+          <p:nvPr>
+            <p:ph idx="1"/>
+          </p:nvPr>
+        </p:nvSpPr>
+        <p:spPr/>
+        <p:txBody>
+          <a:bodyPr>
+            <a:normAutofit/>
+          </a:bodyPr>
+          <a:lstStyle/>
+          <a:p>
+            <a:r>
+              <a:rPr lang="en-US" dirty="0" err="1" smtClean="0"/>
+              <a:t>TypeScript</a:t>
+            </a:r>
+            <a:r>
+              <a:rPr lang="en-US" dirty="0" smtClean="0"/>
+              <a:t> originally shipped using keyword “module” for declaring modules</a:t>
+            </a:r>
+          </a:p>
+          <a:p>
+            <a:r>
+              <a:rPr lang="en-US" dirty="0" smtClean="0"/>
+              <a:t>TC39 changed mind and decided to change syntax completely</a:t>
+            </a:r>
+          </a:p>
+          <a:p>
+            <a:pPr lvl="1"/>
+            <a:r>
+              <a:rPr lang="en-US" dirty="0" smtClean="0"/>
+              <a:t>Resulted in the first, and so far only major </a:t>
+            </a:r>
+            <a:r>
+              <a:rPr lang="en-US" dirty="0" err="1" smtClean="0"/>
+              <a:t>TypeScript</a:t>
+            </a:r>
+            <a:r>
+              <a:rPr lang="en-US" dirty="0" smtClean="0"/>
+              <a:t> breaking change</a:t>
+            </a:r>
+          </a:p>
+          <a:p>
+            <a:pPr lvl="1"/>
+            <a:r>
+              <a:rPr lang="en-US" dirty="0" err="1" smtClean="0"/>
+              <a:t>TypeScript</a:t>
+            </a:r>
+            <a:r>
+              <a:rPr lang="en-US" dirty="0" smtClean="0"/>
+              <a:t> 1.5 introduced ES2015 Module syntax</a:t>
+            </a:r>
+          </a:p>
+          <a:p>
+            <a:r>
+              <a:rPr lang="en-US" dirty="0" err="1" smtClean="0"/>
+              <a:t>TypeScript</a:t>
+            </a:r>
+            <a:r>
+              <a:rPr lang="en-US" dirty="0" smtClean="0"/>
+              <a:t> compiles ES2015 module syntax to any module format</a:t>
+            </a:r>
+          </a:p>
+          <a:p>
+            <a:pPr lvl="1"/>
+            <a:r>
+              <a:rPr lang="en-US" dirty="0" smtClean="0"/>
+              <a:t>ES2015</a:t>
+            </a:r>
+          </a:p>
+          <a:p>
+            <a:pPr lvl="1"/>
+            <a:r>
+              <a:rPr lang="en-US" dirty="0" smtClean="0"/>
+              <a:t>AMD</a:t>
+            </a:r>
+          </a:p>
+          <a:p>
+            <a:pPr lvl="1"/>
+            <a:r>
+              <a:rPr lang="en-US" dirty="0" err="1" smtClean="0"/>
+              <a:t>CommonJS</a:t>
+            </a:r>
+            <a:endParaRPr lang="en-US" dirty="0" smtClean="0"/>
+          </a:p>
+          <a:p>
+            <a:pPr lvl="1"/>
+            <a:r>
+              <a:rPr lang="en-US" dirty="0" err="1" smtClean="0"/>
+              <a:t>SystemJS</a:t>
+            </a:r>
+            <a:endParaRPr lang="en-US" dirty="0" smtClean="0"/>
+          </a:p>
+          <a:p>
+            <a:pPr lvl="1"/>
+            <a:r>
+              <a:rPr lang="en-US" dirty="0" smtClean="0"/>
+              <a:t>UMD</a:t>
+            </a:r>
+          </a:p>
+        </p:txBody>
+      </p:sp>
+    </p:spTree>
+    <p:extLst>
+      <p:ext uri="{BB962C8B-B14F-4D97-AF65-F5344CB8AC3E}">
+        <p14:creationId xmlns:p14="http://schemas.microsoft.com/office/powerpoint/2010/main" val="2785163641"/>
+      </p:ext>
+    </p:extLst>
+  </p:cSld>
+  <p:clrMapOvr>
+    <a:masterClrMapping/>
+  </p:clrMapOvr>
+</p:sld>
+</file>
+
+<file path=ppt/slides/slide53.xml><?xml version="1.0" encoding="utf-8"?>
+<p:sld xmlns:a="http://schemas.openxmlformats.org/drawingml/2006/main" xmlns:r="http://schemas.openxmlformats.org/officeDocument/2006/relationships" xmlns:p="http://schemas.openxmlformats.org/presentationml/2006/main">
+  <p:cSld>
+    <p:spTree>
+      <p:nvGrpSpPr>
+        <p:cNvPr id="1" name=""/>
+        <p:cNvGrpSpPr/>
+        <p:nvPr/>
+      </p:nvGrpSpPr>
+      <p:grpSpPr>
+        <a:xfrm>
+          <a:off x="0" y="0"/>
+          <a:ext cx="0" cy="0"/>
+          <a:chOff x="0" y="0"/>
+          <a:chExt cx="0" cy="0"/>
+        </a:xfrm>
+      </p:grpSpPr>
+      <p:sp>
+        <p:nvSpPr>
+          <p:cNvPr id="2" name="Title 1"/>
+          <p:cNvSpPr>
+            <a:spLocks noGrp="1"/>
+          </p:cNvSpPr>
+          <p:nvPr>
+            <p:ph type="title"/>
+          </p:nvPr>
+        </p:nvSpPr>
+        <p:spPr/>
+        <p:txBody>
+          <a:bodyPr/>
+          <a:lstStyle/>
+          <a:p>
+            <a:r>
+              <a:rPr lang="en-US" dirty="0" smtClean="0"/>
+              <a:t>Modules</a:t>
+            </a:r>
+            <a:endParaRPr lang="en-US" dirty="0"/>
+          </a:p>
+        </p:txBody>
+      </p:sp>
+      <p:sp>
+        <p:nvSpPr>
+          <p:cNvPr id="3" name="Content Placeholder 2"/>
+          <p:cNvSpPr>
+            <a:spLocks noGrp="1"/>
+          </p:cNvSpPr>
+          <p:nvPr>
+            <p:ph idx="1"/>
+          </p:nvPr>
+        </p:nvSpPr>
+        <p:spPr/>
+        <p:txBody>
+          <a:bodyPr>
+            <a:normAutofit/>
+          </a:bodyPr>
+          <a:lstStyle/>
+          <a:p>
+            <a:r>
+              <a:rPr lang="en-US" dirty="0"/>
+              <a:t>Web Projects</a:t>
+            </a:r>
+          </a:p>
+          <a:p>
+            <a:pPr lvl="1"/>
+            <a:r>
+              <a:rPr lang="en-US" dirty="0"/>
+              <a:t>Prefer </a:t>
+            </a:r>
+            <a:r>
+              <a:rPr lang="en-US" dirty="0" smtClean="0"/>
+              <a:t>ES2015</a:t>
+            </a:r>
+          </a:p>
+          <a:p>
+            <a:pPr lvl="1"/>
+            <a:r>
+              <a:rPr lang="en-US" dirty="0" smtClean="0"/>
+              <a:t>Use </a:t>
+            </a:r>
+            <a:r>
+              <a:rPr lang="en-US" dirty="0" err="1" smtClean="0"/>
+              <a:t>WebPack</a:t>
+            </a:r>
+            <a:r>
+              <a:rPr lang="en-US" dirty="0" smtClean="0"/>
+              <a:t> to bundle your modules</a:t>
+            </a:r>
+          </a:p>
+          <a:p>
+            <a:r>
+              <a:rPr lang="en-US" dirty="0" smtClean="0"/>
+              <a:t>Node Projects</a:t>
+            </a:r>
+          </a:p>
+          <a:p>
+            <a:pPr lvl="1"/>
+            <a:r>
+              <a:rPr lang="en-US" dirty="0" smtClean="0"/>
+              <a:t>Prefer </a:t>
+            </a:r>
+            <a:r>
+              <a:rPr lang="en-US" dirty="0" err="1" smtClean="0"/>
+              <a:t>CommonJS</a:t>
+            </a:r>
+            <a:endParaRPr lang="en-US" dirty="0"/>
+          </a:p>
+        </p:txBody>
+      </p:sp>
+    </p:spTree>
+    <p:extLst>
+      <p:ext uri="{BB962C8B-B14F-4D97-AF65-F5344CB8AC3E}">
+        <p14:creationId xmlns:p14="http://schemas.microsoft.com/office/powerpoint/2010/main" val="2429331411"/>
+      </p:ext>
+    </p:extLst>
+  </p:cSld>
+  <p:clrMapOvr>
+    <a:masterClrMapping/>
+  </p:clrMapOvr>
+</p:sld>
+</file>
+
+<file path=ppt/slides/slide54.xml><?xml version="1.0" encoding="utf-8"?>
+<p:sld xmlns:a="http://schemas.openxmlformats.org/drawingml/2006/main" xmlns:r="http://schemas.openxmlformats.org/officeDocument/2006/relationships" xmlns:p="http://schemas.openxmlformats.org/presentationml/2006/main">
+  <p:cSld>
+    <p:spTree>
+      <p:nvGrpSpPr>
+        <p:cNvPr id="1" name=""/>
+        <p:cNvGrpSpPr/>
+        <p:nvPr/>
+      </p:nvGrpSpPr>
+      <p:grpSpPr>
+        <a:xfrm>
+          <a:off x="0" y="0"/>
+          <a:ext cx="0" cy="0"/>
+          <a:chOff x="0" y="0"/>
+          <a:chExt cx="0" cy="0"/>
+        </a:xfrm>
+      </p:grpSpPr>
+      <p:sp>
+        <p:nvSpPr>
+          <p:cNvPr id="2" name="Title 1"/>
+          <p:cNvSpPr>
+            <a:spLocks noGrp="1"/>
+          </p:cNvSpPr>
+          <p:nvPr>
+            <p:ph type="title"/>
+          </p:nvPr>
+        </p:nvSpPr>
+        <p:spPr/>
+        <p:txBody>
+          <a:bodyPr/>
+          <a:lstStyle/>
+          <a:p>
+            <a:r>
+              <a:rPr lang="en-US" dirty="0" smtClean="0"/>
+              <a:t>Modules</a:t>
+            </a:r>
+            <a:endParaRPr lang="en-US" dirty="0"/>
+          </a:p>
+        </p:txBody>
+      </p:sp>
+      <p:sp>
+        <p:nvSpPr>
+          <p:cNvPr id="3" name="Content Placeholder 2"/>
+          <p:cNvSpPr>
+            <a:spLocks noGrp="1"/>
+          </p:cNvSpPr>
+          <p:nvPr>
+            <p:ph idx="1"/>
+          </p:nvPr>
+        </p:nvSpPr>
+        <p:spPr/>
+        <p:txBody>
+          <a:bodyPr>
+            <a:normAutofit/>
+          </a:bodyPr>
+          <a:lstStyle/>
+          <a:p>
+            <a:r>
+              <a:rPr lang="en-US" dirty="0" smtClean="0"/>
+              <a:t>File-system based</a:t>
+            </a:r>
+          </a:p>
+          <a:p>
+            <a:pPr lvl="1"/>
+            <a:r>
+              <a:rPr lang="en-US" dirty="0" smtClean="0"/>
+              <a:t>Can result in messy hierarchies</a:t>
+            </a:r>
+          </a:p>
+          <a:p>
+            <a:pPr lvl="1"/>
+            <a:r>
+              <a:rPr lang="en-US" dirty="0" smtClean="0"/>
+              <a:t>Move module on disk, everything referencing it must be updated</a:t>
+            </a:r>
+          </a:p>
+          <a:p>
+            <a:r>
+              <a:rPr lang="en-US" dirty="0" smtClean="0"/>
+              <a:t>Node Modules are flat</a:t>
+            </a:r>
+          </a:p>
+          <a:p>
+            <a:pPr lvl="1"/>
+            <a:r>
+              <a:rPr lang="en-US" dirty="0" smtClean="0"/>
+              <a:t>Reference a single name</a:t>
+            </a:r>
+          </a:p>
+          <a:p>
+            <a:pPr lvl="1"/>
+            <a:r>
+              <a:rPr lang="en-US" dirty="0" smtClean="0"/>
+              <a:t>Names are global</a:t>
+            </a:r>
+          </a:p>
+          <a:p>
+            <a:pPr lvl="1"/>
+            <a:r>
+              <a:rPr lang="en-US" dirty="0" smtClean="0"/>
+              <a:t>Results in “clever name” syndrome, similar to websites</a:t>
+            </a:r>
+          </a:p>
+          <a:p>
+            <a:pPr lvl="1"/>
+            <a:r>
+              <a:rPr lang="en-US" dirty="0" smtClean="0"/>
+              <a:t>Can use internal NPM server like </a:t>
+            </a:r>
+            <a:r>
+              <a:rPr lang="en-US" dirty="0" err="1" smtClean="0"/>
+              <a:t>Artifactory</a:t>
+            </a:r>
+            <a:r>
+              <a:rPr lang="en-US" dirty="0" smtClean="0"/>
+              <a:t> to host private code</a:t>
+            </a:r>
+          </a:p>
+          <a:p>
+            <a:pPr lvl="1"/>
+            <a:endParaRPr lang="en-US" dirty="0"/>
+          </a:p>
+        </p:txBody>
+      </p:sp>
+    </p:spTree>
+    <p:extLst>
+      <p:ext uri="{BB962C8B-B14F-4D97-AF65-F5344CB8AC3E}">
+        <p14:creationId xmlns:p14="http://schemas.microsoft.com/office/powerpoint/2010/main" val="3116288296"/>
+      </p:ext>
+    </p:extLst>
+  </p:cSld>
+  <p:clrMapOvr>
+    <a:masterClrMapping/>
+  </p:clrMapOvr>
+</p:sld>
+</file>
+
+<file path=ppt/slides/slide55.xml><?xml version="1.0" encoding="utf-8"?>
+<p:sld xmlns:a="http://schemas.openxmlformats.org/drawingml/2006/main" xmlns:r="http://schemas.openxmlformats.org/officeDocument/2006/relationships" xmlns:p="http://schemas.openxmlformats.org/presentationml/2006/main">
+  <p:cSld>
+    <p:spTree>
+      <p:nvGrpSpPr>
+        <p:cNvPr id="1" name=""/>
+        <p:cNvGrpSpPr/>
+        <p:nvPr/>
+      </p:nvGrpSpPr>
+      <p:grpSpPr>
+        <a:xfrm>
+          <a:off x="0" y="0"/>
+          <a:ext cx="0" cy="0"/>
+          <a:chOff x="0" y="0"/>
+          <a:chExt cx="0" cy="0"/>
+        </a:xfrm>
+      </p:grpSpPr>
+      <p:sp>
+        <p:nvSpPr>
+          <p:cNvPr id="2" name="Title 1"/>
+          <p:cNvSpPr>
+            <a:spLocks noGrp="1"/>
+          </p:cNvSpPr>
+          <p:nvPr>
+            <p:ph type="title"/>
+          </p:nvPr>
+        </p:nvSpPr>
+        <p:spPr/>
+        <p:txBody>
+          <a:bodyPr/>
+          <a:lstStyle/>
+          <a:p>
+            <a:r>
+              <a:rPr lang="en-US" dirty="0" smtClean="0"/>
+              <a:t>Modules</a:t>
+            </a:r>
+            <a:endParaRPr lang="en-US" dirty="0"/>
+          </a:p>
+        </p:txBody>
+      </p:sp>
+      <p:sp>
+        <p:nvSpPr>
+          <p:cNvPr id="3" name="Content Placeholder 2"/>
+          <p:cNvSpPr>
+            <a:spLocks noGrp="1"/>
+          </p:cNvSpPr>
+          <p:nvPr>
+            <p:ph idx="1"/>
+          </p:nvPr>
+        </p:nvSpPr>
+        <p:spPr/>
+        <p:txBody>
+          <a:bodyPr>
+            <a:normAutofit lnSpcReduction="10000"/>
+          </a:bodyPr>
+          <a:lstStyle/>
+          <a:p>
+            <a:r>
+              <a:rPr lang="en-US" dirty="0" smtClean="0"/>
+              <a:t>Can import single items from modules</a:t>
+            </a:r>
+          </a:p>
+          <a:p>
+            <a:pPr lvl="1"/>
+            <a:r>
+              <a:rPr lang="en-US" dirty="0" smtClean="0"/>
+              <a:t>Variables</a:t>
+            </a:r>
+          </a:p>
+          <a:p>
+            <a:pPr lvl="1"/>
+            <a:r>
+              <a:rPr lang="en-US" dirty="0" smtClean="0"/>
+              <a:t>Constants</a:t>
+            </a:r>
+          </a:p>
+          <a:p>
+            <a:pPr lvl="1"/>
+            <a:r>
+              <a:rPr lang="en-US" dirty="0" smtClean="0"/>
+              <a:t>Functions</a:t>
+            </a:r>
+          </a:p>
+          <a:p>
+            <a:pPr lvl="1"/>
+            <a:r>
+              <a:rPr lang="en-US" dirty="0" smtClean="0"/>
+              <a:t>Interfaces (</a:t>
+            </a:r>
+            <a:r>
+              <a:rPr lang="en-US" dirty="0" err="1" smtClean="0"/>
+              <a:t>TypeScript</a:t>
+            </a:r>
+            <a:r>
+              <a:rPr lang="en-US" dirty="0" smtClean="0"/>
+              <a:t>-only)</a:t>
+            </a:r>
+          </a:p>
+          <a:p>
+            <a:pPr lvl="1"/>
+            <a:r>
+              <a:rPr lang="en-US" dirty="0" smtClean="0"/>
+              <a:t>Classes</a:t>
+            </a:r>
+          </a:p>
+          <a:p>
+            <a:pPr lvl="1"/>
+            <a:r>
+              <a:rPr lang="en-US" dirty="0" smtClean="0"/>
+              <a:t>JSON Data</a:t>
+            </a:r>
+          </a:p>
+          <a:p>
+            <a:pPr lvl="1"/>
+            <a:r>
+              <a:rPr lang="en-US" dirty="0" err="1" smtClean="0"/>
+              <a:t>Etc</a:t>
+            </a:r>
+            <a:endParaRPr lang="en-US" dirty="0" smtClean="0"/>
+          </a:p>
+          <a:p>
+            <a:r>
+              <a:rPr lang="en-US" dirty="0" smtClean="0"/>
+              <a:t>Can import multiple items from modules</a:t>
+            </a:r>
+          </a:p>
+          <a:p>
+            <a:r>
+              <a:rPr lang="en-US" dirty="0" smtClean="0"/>
+              <a:t>Can import entire modules</a:t>
+            </a:r>
+          </a:p>
+          <a:p>
+            <a:pPr lvl="1"/>
+            <a:r>
+              <a:rPr lang="en-US" dirty="0" smtClean="0"/>
+              <a:t>And even rename them locally</a:t>
+            </a:r>
+          </a:p>
+          <a:p>
+            <a:r>
+              <a:rPr lang="en-US" dirty="0" smtClean="0"/>
+              <a:t>See Example 13</a:t>
+            </a:r>
+            <a:endParaRPr lang="en-US" dirty="0"/>
+          </a:p>
+        </p:txBody>
+      </p:sp>
+    </p:spTree>
+    <p:extLst>
+      <p:ext uri="{BB962C8B-B14F-4D97-AF65-F5344CB8AC3E}">
+        <p14:creationId xmlns:p14="http://schemas.microsoft.com/office/powerpoint/2010/main" val="61847119"/>
       </p:ext>
     </p:extLst>
   </p:cSld>

--- a/Web development with Typescript.pptx
+++ b/Web development with Typescript.pptx
@@ -5,7 +5,7 @@
     <p:sldMasterId id="2147483684" r:id="rId1"/>
   </p:sldMasterIdLst>
   <p:notesMasterIdLst>
-    <p:notesMasterId r:id="rId57"/>
+    <p:notesMasterId r:id="rId59"/>
   </p:notesMasterIdLst>
   <p:sldIdLst>
     <p:sldId id="256" r:id="rId2"/>
@@ -63,6 +63,8 @@
     <p:sldId id="315" r:id="rId54"/>
     <p:sldId id="316" r:id="rId55"/>
     <p:sldId id="317" r:id="rId56"/>
+    <p:sldId id="318" r:id="rId57"/>
+    <p:sldId id="319" r:id="rId58"/>
   </p:sldIdLst>
   <p:sldSz cx="12192000" cy="6858000"/>
   <p:notesSz cx="6858000" cy="9144000"/>
@@ -12438,7 +12440,6 @@
               <a:rPr lang="en-US" dirty="0" smtClean="0"/>
               <a:t>Node refuses to use it</a:t>
             </a:r>
-            <a:endParaRPr lang="en-US" dirty="0" smtClean="0"/>
           </a:p>
         </p:txBody>
       </p:sp>
@@ -13118,6 +13119,254 @@
     <p:extLst>
       <p:ext uri="{BB962C8B-B14F-4D97-AF65-F5344CB8AC3E}">
         <p14:creationId xmlns:p14="http://schemas.microsoft.com/office/powerpoint/2010/main" val="61847119"/>
+      </p:ext>
+    </p:extLst>
+  </p:cSld>
+  <p:clrMapOvr>
+    <a:masterClrMapping/>
+  </p:clrMapOvr>
+</p:sld>
+</file>
+
+<file path=ppt/slides/slide56.xml><?xml version="1.0" encoding="utf-8"?>
+<p:sld xmlns:a="http://schemas.openxmlformats.org/drawingml/2006/main" xmlns:r="http://schemas.openxmlformats.org/officeDocument/2006/relationships" xmlns:p="http://schemas.openxmlformats.org/presentationml/2006/main">
+  <p:cSld>
+    <p:spTree>
+      <p:nvGrpSpPr>
+        <p:cNvPr id="1" name=""/>
+        <p:cNvGrpSpPr/>
+        <p:nvPr/>
+      </p:nvGrpSpPr>
+      <p:grpSpPr>
+        <a:xfrm>
+          <a:off x="0" y="0"/>
+          <a:ext cx="0" cy="0"/>
+          <a:chOff x="0" y="0"/>
+          <a:chExt cx="0" cy="0"/>
+        </a:xfrm>
+      </p:grpSpPr>
+      <p:sp>
+        <p:nvSpPr>
+          <p:cNvPr id="2" name="Title 1"/>
+          <p:cNvSpPr>
+            <a:spLocks noGrp="1"/>
+          </p:cNvSpPr>
+          <p:nvPr>
+            <p:ph type="title"/>
+          </p:nvPr>
+        </p:nvSpPr>
+        <p:spPr/>
+        <p:txBody>
+          <a:bodyPr/>
+          <a:lstStyle/>
+          <a:p>
+            <a:r>
+              <a:rPr lang="en-US" dirty="0" smtClean="0"/>
+              <a:t>Tomorrows Features, Today!</a:t>
+            </a:r>
+            <a:endParaRPr lang="en-US" dirty="0"/>
+          </a:p>
+        </p:txBody>
+      </p:sp>
+      <p:sp>
+        <p:nvSpPr>
+          <p:cNvPr id="3" name="Content Placeholder 2"/>
+          <p:cNvSpPr>
+            <a:spLocks noGrp="1"/>
+          </p:cNvSpPr>
+          <p:nvPr>
+            <p:ph idx="1"/>
+          </p:nvPr>
+        </p:nvSpPr>
+        <p:spPr/>
+        <p:txBody>
+          <a:bodyPr>
+            <a:normAutofit/>
+          </a:bodyPr>
+          <a:lstStyle/>
+          <a:p>
+            <a:r>
+              <a:rPr lang="en-US" dirty="0" err="1" smtClean="0"/>
+              <a:t>TypeScript</a:t>
+            </a:r>
+            <a:r>
+              <a:rPr lang="en-US" dirty="0" smtClean="0"/>
+              <a:t> implements JavaScript features years before they hit browsers</a:t>
+            </a:r>
+          </a:p>
+          <a:p>
+            <a:pPr lvl="1"/>
+            <a:r>
+              <a:rPr lang="en-US" dirty="0" err="1" smtClean="0"/>
+              <a:t>Async</a:t>
+            </a:r>
+            <a:r>
+              <a:rPr lang="en-US" dirty="0" smtClean="0"/>
+              <a:t>/Await</a:t>
+            </a:r>
+          </a:p>
+          <a:p>
+            <a:pPr lvl="1"/>
+            <a:r>
+              <a:rPr lang="en-US" dirty="0" smtClean="0"/>
+              <a:t>String Interpolation</a:t>
+            </a:r>
+          </a:p>
+          <a:p>
+            <a:pPr lvl="1"/>
+            <a:r>
+              <a:rPr lang="en-US" dirty="0" smtClean="0"/>
+              <a:t>Decorators</a:t>
+            </a:r>
+          </a:p>
+          <a:p>
+            <a:pPr lvl="1"/>
+            <a:r>
+              <a:rPr lang="en-US" dirty="0" smtClean="0"/>
+              <a:t>Classes</a:t>
+            </a:r>
+          </a:p>
+          <a:p>
+            <a:pPr lvl="1"/>
+            <a:r>
+              <a:rPr lang="en-US" dirty="0" smtClean="0"/>
+              <a:t>let/</a:t>
+            </a:r>
+            <a:r>
+              <a:rPr lang="en-US" dirty="0" err="1" smtClean="0"/>
+              <a:t>const</a:t>
+            </a:r>
+            <a:endParaRPr lang="en-US" dirty="0" smtClean="0"/>
+          </a:p>
+          <a:p>
+            <a:pPr lvl="1"/>
+            <a:r>
+              <a:rPr lang="en-US" dirty="0" err="1" smtClean="0"/>
+              <a:t>Etc</a:t>
+            </a:r>
+            <a:endParaRPr lang="en-US" dirty="0" smtClean="0"/>
+          </a:p>
+          <a:p>
+            <a:r>
+              <a:rPr lang="en-US" dirty="0" smtClean="0"/>
+              <a:t>See Example 14</a:t>
+            </a:r>
+            <a:endParaRPr lang="en-US" dirty="0"/>
+          </a:p>
+        </p:txBody>
+      </p:sp>
+    </p:spTree>
+    <p:extLst>
+      <p:ext uri="{BB962C8B-B14F-4D97-AF65-F5344CB8AC3E}">
+        <p14:creationId xmlns:p14="http://schemas.microsoft.com/office/powerpoint/2010/main" val="2917476908"/>
+      </p:ext>
+    </p:extLst>
+  </p:cSld>
+  <p:clrMapOvr>
+    <a:masterClrMapping/>
+  </p:clrMapOvr>
+</p:sld>
+</file>
+
+<file path=ppt/slides/slide57.xml><?xml version="1.0" encoding="utf-8"?>
+<p:sld xmlns:a="http://schemas.openxmlformats.org/drawingml/2006/main" xmlns:r="http://schemas.openxmlformats.org/officeDocument/2006/relationships" xmlns:p="http://schemas.openxmlformats.org/presentationml/2006/main">
+  <p:cSld>
+    <p:spTree>
+      <p:nvGrpSpPr>
+        <p:cNvPr id="1" name=""/>
+        <p:cNvGrpSpPr/>
+        <p:nvPr/>
+      </p:nvGrpSpPr>
+      <p:grpSpPr>
+        <a:xfrm>
+          <a:off x="0" y="0"/>
+          <a:ext cx="0" cy="0"/>
+          <a:chOff x="0" y="0"/>
+          <a:chExt cx="0" cy="0"/>
+        </a:xfrm>
+      </p:grpSpPr>
+      <p:sp>
+        <p:nvSpPr>
+          <p:cNvPr id="2" name="Title 1"/>
+          <p:cNvSpPr>
+            <a:spLocks noGrp="1"/>
+          </p:cNvSpPr>
+          <p:nvPr>
+            <p:ph type="title"/>
+          </p:nvPr>
+        </p:nvSpPr>
+        <p:spPr/>
+        <p:txBody>
+          <a:bodyPr/>
+          <a:lstStyle/>
+          <a:p>
+            <a:r>
+              <a:rPr lang="en-US" dirty="0" smtClean="0"/>
+              <a:t>Type Modifiers</a:t>
+            </a:r>
+            <a:endParaRPr lang="en-US" dirty="0"/>
+          </a:p>
+        </p:txBody>
+      </p:sp>
+      <p:sp>
+        <p:nvSpPr>
+          <p:cNvPr id="3" name="Content Placeholder 2"/>
+          <p:cNvSpPr>
+            <a:spLocks noGrp="1"/>
+          </p:cNvSpPr>
+          <p:nvPr>
+            <p:ph idx="1"/>
+          </p:nvPr>
+        </p:nvSpPr>
+        <p:spPr/>
+        <p:txBody>
+          <a:bodyPr>
+            <a:normAutofit/>
+          </a:bodyPr>
+          <a:lstStyle/>
+          <a:p>
+            <a:r>
+              <a:rPr lang="en-US" dirty="0" smtClean="0"/>
+              <a:t>One of the most powerful features of </a:t>
+            </a:r>
+            <a:r>
+              <a:rPr lang="en-US" dirty="0" err="1" smtClean="0"/>
+              <a:t>TypeScript</a:t>
+            </a:r>
+            <a:endParaRPr lang="en-US" dirty="0" smtClean="0"/>
+          </a:p>
+          <a:p>
+            <a:r>
+              <a:rPr lang="en-US" dirty="0" smtClean="0"/>
+              <a:t>Can take a type definition and alter it to create a new type</a:t>
+            </a:r>
+          </a:p>
+          <a:p>
+            <a:r>
+              <a:rPr lang="en-US" dirty="0" smtClean="0"/>
+              <a:t>Very sophisticated type systems can be defined</a:t>
+            </a:r>
+          </a:p>
+          <a:p>
+            <a:pPr lvl="1"/>
+            <a:r>
+              <a:rPr lang="en-US" dirty="0" smtClean="0"/>
+              <a:t>Beware, can confuse the heck out of newbies</a:t>
+            </a:r>
+          </a:p>
+          <a:p>
+            <a:r>
+              <a:rPr lang="en-US" dirty="0" smtClean="0"/>
+              <a:t>See Example 14</a:t>
+            </a:r>
+            <a:endParaRPr lang="en-US" dirty="0"/>
+          </a:p>
+        </p:txBody>
+      </p:sp>
+    </p:spTree>
+    <p:extLst>
+      <p:ext uri="{BB962C8B-B14F-4D97-AF65-F5344CB8AC3E}">
+        <p14:creationId xmlns:p14="http://schemas.microsoft.com/office/powerpoint/2010/main" val="609679912"/>
       </p:ext>
     </p:extLst>
   </p:cSld>

--- a/Web development with Typescript.pptx
+++ b/Web development with Typescript.pptx
@@ -5,7 +5,7 @@
     <p:sldMasterId id="2147483684" r:id="rId1"/>
   </p:sldMasterIdLst>
   <p:notesMasterIdLst>
-    <p:notesMasterId r:id="rId59"/>
+    <p:notesMasterId r:id="rId61"/>
   </p:notesMasterIdLst>
   <p:sldIdLst>
     <p:sldId id="256" r:id="rId2"/>
@@ -65,6 +65,8 @@
     <p:sldId id="317" r:id="rId56"/>
     <p:sldId id="318" r:id="rId57"/>
     <p:sldId id="319" r:id="rId58"/>
+    <p:sldId id="320" r:id="rId59"/>
+    <p:sldId id="321" r:id="rId60"/>
   </p:sldIdLst>
   <p:sldSz cx="12192000" cy="6858000"/>
   <p:notesSz cx="6858000" cy="9144000"/>
@@ -13367,6 +13369,226 @@
     <p:extLst>
       <p:ext uri="{BB962C8B-B14F-4D97-AF65-F5344CB8AC3E}">
         <p14:creationId xmlns:p14="http://schemas.microsoft.com/office/powerpoint/2010/main" val="609679912"/>
+      </p:ext>
+    </p:extLst>
+  </p:cSld>
+  <p:clrMapOvr>
+    <a:masterClrMapping/>
+  </p:clrMapOvr>
+</p:sld>
+</file>
+
+<file path=ppt/slides/slide58.xml><?xml version="1.0" encoding="utf-8"?>
+<p:sld xmlns:a="http://schemas.openxmlformats.org/drawingml/2006/main" xmlns:r="http://schemas.openxmlformats.org/officeDocument/2006/relationships" xmlns:p="http://schemas.openxmlformats.org/presentationml/2006/main">
+  <p:cSld>
+    <p:spTree>
+      <p:nvGrpSpPr>
+        <p:cNvPr id="1" name=""/>
+        <p:cNvGrpSpPr/>
+        <p:nvPr/>
+      </p:nvGrpSpPr>
+      <p:grpSpPr>
+        <a:xfrm>
+          <a:off x="0" y="0"/>
+          <a:ext cx="0" cy="0"/>
+          <a:chOff x="0" y="0"/>
+          <a:chExt cx="0" cy="0"/>
+        </a:xfrm>
+      </p:grpSpPr>
+      <p:sp>
+        <p:nvSpPr>
+          <p:cNvPr id="2" name="Title 1"/>
+          <p:cNvSpPr>
+            <a:spLocks noGrp="1"/>
+          </p:cNvSpPr>
+          <p:nvPr>
+            <p:ph type="title"/>
+          </p:nvPr>
+        </p:nvSpPr>
+        <p:spPr/>
+        <p:txBody>
+          <a:bodyPr/>
+          <a:lstStyle/>
+          <a:p>
+            <a:r>
+              <a:rPr lang="en-US" dirty="0" smtClean="0"/>
+              <a:t>Union Types</a:t>
+            </a:r>
+            <a:endParaRPr lang="en-US" dirty="0"/>
+          </a:p>
+        </p:txBody>
+      </p:sp>
+      <p:sp>
+        <p:nvSpPr>
+          <p:cNvPr id="3" name="Content Placeholder 2"/>
+          <p:cNvSpPr>
+            <a:spLocks noGrp="1"/>
+          </p:cNvSpPr>
+          <p:nvPr>
+            <p:ph idx="1"/>
+          </p:nvPr>
+        </p:nvSpPr>
+        <p:spPr/>
+        <p:txBody>
+          <a:bodyPr>
+            <a:normAutofit/>
+          </a:bodyPr>
+          <a:lstStyle/>
+          <a:p>
+            <a:r>
+              <a:rPr lang="en-US" dirty="0" smtClean="0"/>
+              <a:t>Allows you to mix and match interfaces to create larger interfaces</a:t>
+            </a:r>
+          </a:p>
+          <a:p>
+            <a:r>
+              <a:rPr lang="en-US" dirty="0" smtClean="0"/>
+              <a:t>Very powerful</a:t>
+            </a:r>
+          </a:p>
+          <a:p>
+            <a:pPr lvl="1"/>
+            <a:r>
+              <a:rPr lang="en-US" dirty="0" smtClean="0"/>
+              <a:t>“</a:t>
+            </a:r>
+            <a:r>
+              <a:rPr lang="en-US" dirty="0" err="1" smtClean="0"/>
+              <a:t>Mixin</a:t>
+            </a:r>
+            <a:r>
+              <a:rPr lang="en-US" dirty="0" smtClean="0"/>
+              <a:t>” design pattern</a:t>
+            </a:r>
+            <a:endParaRPr lang="en-US" dirty="0" smtClean="0"/>
+          </a:p>
+          <a:p>
+            <a:r>
+              <a:rPr lang="en-US" dirty="0" smtClean="0"/>
+              <a:t>See Example 14</a:t>
+            </a:r>
+            <a:endParaRPr lang="en-US" dirty="0"/>
+          </a:p>
+        </p:txBody>
+      </p:sp>
+    </p:spTree>
+    <p:extLst>
+      <p:ext uri="{BB962C8B-B14F-4D97-AF65-F5344CB8AC3E}">
+        <p14:creationId xmlns:p14="http://schemas.microsoft.com/office/powerpoint/2010/main" val="3105591797"/>
+      </p:ext>
+    </p:extLst>
+  </p:cSld>
+  <p:clrMapOvr>
+    <a:masterClrMapping/>
+  </p:clrMapOvr>
+</p:sld>
+</file>
+
+<file path=ppt/slides/slide59.xml><?xml version="1.0" encoding="utf-8"?>
+<p:sld xmlns:a="http://schemas.openxmlformats.org/drawingml/2006/main" xmlns:r="http://schemas.openxmlformats.org/officeDocument/2006/relationships" xmlns:p="http://schemas.openxmlformats.org/presentationml/2006/main">
+  <p:cSld>
+    <p:spTree>
+      <p:nvGrpSpPr>
+        <p:cNvPr id="1" name=""/>
+        <p:cNvGrpSpPr/>
+        <p:nvPr/>
+      </p:nvGrpSpPr>
+      <p:grpSpPr>
+        <a:xfrm>
+          <a:off x="0" y="0"/>
+          <a:ext cx="0" cy="0"/>
+          <a:chOff x="0" y="0"/>
+          <a:chExt cx="0" cy="0"/>
+        </a:xfrm>
+      </p:grpSpPr>
+      <p:sp>
+        <p:nvSpPr>
+          <p:cNvPr id="2" name="Title 1"/>
+          <p:cNvSpPr>
+            <a:spLocks noGrp="1"/>
+          </p:cNvSpPr>
+          <p:nvPr>
+            <p:ph type="title"/>
+          </p:nvPr>
+        </p:nvSpPr>
+        <p:spPr/>
+        <p:txBody>
+          <a:bodyPr/>
+          <a:lstStyle/>
+          <a:p>
+            <a:r>
+              <a:rPr lang="en-US" dirty="0" smtClean="0"/>
+              <a:t>Discriminated Union Types</a:t>
+            </a:r>
+            <a:endParaRPr lang="en-US" dirty="0"/>
+          </a:p>
+        </p:txBody>
+      </p:sp>
+      <p:sp>
+        <p:nvSpPr>
+          <p:cNvPr id="3" name="Content Placeholder 2"/>
+          <p:cNvSpPr>
+            <a:spLocks noGrp="1"/>
+          </p:cNvSpPr>
+          <p:nvPr>
+            <p:ph idx="1"/>
+          </p:nvPr>
+        </p:nvSpPr>
+        <p:spPr/>
+        <p:txBody>
+          <a:bodyPr>
+            <a:normAutofit/>
+          </a:bodyPr>
+          <a:lstStyle/>
+          <a:p>
+            <a:r>
+              <a:rPr lang="en-US" dirty="0" smtClean="0"/>
+              <a:t>Allows you to join several different types into a single type</a:t>
+            </a:r>
+          </a:p>
+          <a:p>
+            <a:r>
+              <a:rPr lang="en-US" dirty="0" smtClean="0"/>
+              <a:t>Shared properties between all will be available</a:t>
+            </a:r>
+          </a:p>
+          <a:p>
+            <a:r>
+              <a:rPr lang="en-US" dirty="0" smtClean="0"/>
+              <a:t>Differing properties will be unavailable</a:t>
+            </a:r>
+          </a:p>
+          <a:p>
+            <a:pPr lvl="1"/>
+            <a:r>
+              <a:rPr lang="en-US" dirty="0" smtClean="0"/>
+              <a:t>Until you “narrow” the type using type checks</a:t>
+            </a:r>
+          </a:p>
+          <a:p>
+            <a:pPr lvl="1"/>
+            <a:r>
+              <a:rPr lang="en-US" dirty="0" smtClean="0"/>
+              <a:t>Inference is very powerful here</a:t>
+            </a:r>
+          </a:p>
+          <a:p>
+            <a:r>
+              <a:rPr lang="en-US" dirty="0" smtClean="0"/>
+              <a:t>See </a:t>
+            </a:r>
+            <a:r>
+              <a:rPr lang="en-US" dirty="0" smtClean="0"/>
+              <a:t>Example 14</a:t>
+            </a:r>
+            <a:endParaRPr lang="en-US" dirty="0"/>
+          </a:p>
+        </p:txBody>
+      </p:sp>
+    </p:spTree>
+    <p:extLst>
+      <p:ext uri="{BB962C8B-B14F-4D97-AF65-F5344CB8AC3E}">
+        <p14:creationId xmlns:p14="http://schemas.microsoft.com/office/powerpoint/2010/main" val="4072358933"/>
       </p:ext>
     </p:extLst>
   </p:cSld>

--- a/Web development with Typescript.pptx
+++ b/Web development with Typescript.pptx
@@ -5,7 +5,7 @@
     <p:sldMasterId id="2147483684" r:id="rId1"/>
   </p:sldMasterIdLst>
   <p:notesMasterIdLst>
-    <p:notesMasterId r:id="rId61"/>
+    <p:notesMasterId r:id="rId65"/>
   </p:notesMasterIdLst>
   <p:sldIdLst>
     <p:sldId id="256" r:id="rId2"/>
@@ -67,6 +67,10 @@
     <p:sldId id="319" r:id="rId58"/>
     <p:sldId id="320" r:id="rId59"/>
     <p:sldId id="321" r:id="rId60"/>
+    <p:sldId id="322" r:id="rId61"/>
+    <p:sldId id="323" r:id="rId62"/>
+    <p:sldId id="324" r:id="rId63"/>
+    <p:sldId id="325" r:id="rId64"/>
   </p:sldIdLst>
   <p:sldSz cx="12192000" cy="6858000"/>
   <p:notesSz cx="6858000" cy="9144000"/>
@@ -13460,7 +13464,6 @@
               <a:rPr lang="en-US" dirty="0" smtClean="0"/>
               <a:t>” design pattern</a:t>
             </a:r>
-            <a:endParaRPr lang="en-US" dirty="0" smtClean="0"/>
           </a:p>
           <a:p>
             <a:r>
@@ -13575,11 +13578,7 @@
           <a:p>
             <a:r>
               <a:rPr lang="en-US" dirty="0" smtClean="0"/>
-              <a:t>See </a:t>
-            </a:r>
-            <a:r>
-              <a:rPr lang="en-US" dirty="0" smtClean="0"/>
-              <a:t>Example 14</a:t>
+              <a:t>See Example 14</a:t>
             </a:r>
             <a:endParaRPr lang="en-US" dirty="0"/>
           </a:p>
@@ -13763,6 +13762,396 @@
     <p:extLst>
       <p:ext uri="{BB962C8B-B14F-4D97-AF65-F5344CB8AC3E}">
         <p14:creationId xmlns:p14="http://schemas.microsoft.com/office/powerpoint/2010/main" val="1311961131"/>
+      </p:ext>
+    </p:extLst>
+  </p:cSld>
+  <p:clrMapOvr>
+    <a:masterClrMapping/>
+  </p:clrMapOvr>
+</p:sld>
+</file>
+
+<file path=ppt/slides/slide60.xml><?xml version="1.0" encoding="utf-8"?>
+<p:sld xmlns:a="http://schemas.openxmlformats.org/drawingml/2006/main" xmlns:r="http://schemas.openxmlformats.org/officeDocument/2006/relationships" xmlns:p="http://schemas.openxmlformats.org/presentationml/2006/main">
+  <p:cSld>
+    <p:spTree>
+      <p:nvGrpSpPr>
+        <p:cNvPr id="1" name=""/>
+        <p:cNvGrpSpPr/>
+        <p:nvPr/>
+      </p:nvGrpSpPr>
+      <p:grpSpPr>
+        <a:xfrm>
+          <a:off x="0" y="0"/>
+          <a:ext cx="0" cy="0"/>
+          <a:chOff x="0" y="0"/>
+          <a:chExt cx="0" cy="0"/>
+        </a:xfrm>
+      </p:grpSpPr>
+      <p:sp>
+        <p:nvSpPr>
+          <p:cNvPr id="2" name="Title 1"/>
+          <p:cNvSpPr>
+            <a:spLocks noGrp="1"/>
+          </p:cNvSpPr>
+          <p:nvPr>
+            <p:ph type="title"/>
+          </p:nvPr>
+        </p:nvSpPr>
+        <p:spPr/>
+        <p:txBody>
+          <a:bodyPr/>
+          <a:lstStyle/>
+          <a:p>
+            <a:r>
+              <a:rPr lang="en-US" dirty="0" smtClean="0"/>
+              <a:t>React</a:t>
+            </a:r>
+            <a:endParaRPr lang="en-US" dirty="0"/>
+          </a:p>
+        </p:txBody>
+      </p:sp>
+      <p:sp>
+        <p:nvSpPr>
+          <p:cNvPr id="3" name="Content Placeholder 2"/>
+          <p:cNvSpPr>
+            <a:spLocks noGrp="1"/>
+          </p:cNvSpPr>
+          <p:nvPr>
+            <p:ph idx="1"/>
+          </p:nvPr>
+        </p:nvSpPr>
+        <p:spPr/>
+        <p:txBody>
+          <a:bodyPr>
+            <a:normAutofit/>
+          </a:bodyPr>
+          <a:lstStyle/>
+          <a:p>
+            <a:r>
+              <a:rPr lang="en-US" dirty="0" smtClean="0"/>
+              <a:t>Web UI library created by Facebook</a:t>
+            </a:r>
+          </a:p>
+          <a:p>
+            <a:r>
+              <a:rPr lang="en-US" dirty="0" smtClean="0"/>
+              <a:t>Fully open source</a:t>
+            </a:r>
+          </a:p>
+          <a:p>
+            <a:r>
+              <a:rPr lang="en-US" dirty="0" smtClean="0"/>
+              <a:t>Not a “framework”</a:t>
+            </a:r>
+          </a:p>
+          <a:p>
+            <a:pPr lvl="1"/>
+            <a:r>
+              <a:rPr lang="en-US" dirty="0" smtClean="0"/>
+              <a:t>Lightweight</a:t>
+            </a:r>
+          </a:p>
+          <a:p>
+            <a:pPr lvl="1"/>
+            <a:r>
+              <a:rPr lang="en-US" dirty="0" smtClean="0"/>
+              <a:t>Only cares about UI</a:t>
+            </a:r>
+          </a:p>
+          <a:p>
+            <a:pPr lvl="1"/>
+            <a:r>
+              <a:rPr lang="en-US" dirty="0" smtClean="0"/>
+              <a:t>Lets you figure everything else out</a:t>
+            </a:r>
+          </a:p>
+          <a:p>
+            <a:r>
+              <a:rPr lang="en-US" dirty="0" smtClean="0"/>
+              <a:t>Integrates HTML-like syntax within JS files, called “JSX”</a:t>
+            </a:r>
+          </a:p>
+          <a:p>
+            <a:r>
+              <a:rPr lang="en-US" dirty="0"/>
+              <a:t>Full compatibility with </a:t>
+            </a:r>
+            <a:r>
+              <a:rPr lang="en-US" dirty="0" err="1"/>
+              <a:t>TypeScript</a:t>
+            </a:r>
+            <a:endParaRPr lang="en-US" dirty="0"/>
+          </a:p>
+          <a:p>
+            <a:r>
+              <a:rPr lang="en-US" dirty="0" err="1" smtClean="0"/>
+              <a:t>TypeScript</a:t>
+            </a:r>
+            <a:r>
+              <a:rPr lang="en-US" dirty="0" smtClean="0"/>
+              <a:t> variant is “TSX”</a:t>
+            </a:r>
+          </a:p>
+        </p:txBody>
+      </p:sp>
+    </p:spTree>
+    <p:extLst>
+      <p:ext uri="{BB962C8B-B14F-4D97-AF65-F5344CB8AC3E}">
+        <p14:creationId xmlns:p14="http://schemas.microsoft.com/office/powerpoint/2010/main" val="373183458"/>
+      </p:ext>
+    </p:extLst>
+  </p:cSld>
+  <p:clrMapOvr>
+    <a:masterClrMapping/>
+  </p:clrMapOvr>
+</p:sld>
+</file>
+
+<file path=ppt/slides/slide61.xml><?xml version="1.0" encoding="utf-8"?>
+<p:sld xmlns:a="http://schemas.openxmlformats.org/drawingml/2006/main" xmlns:r="http://schemas.openxmlformats.org/officeDocument/2006/relationships" xmlns:p="http://schemas.openxmlformats.org/presentationml/2006/main">
+  <p:cSld>
+    <p:spTree>
+      <p:nvGrpSpPr>
+        <p:cNvPr id="1" name=""/>
+        <p:cNvGrpSpPr/>
+        <p:nvPr/>
+      </p:nvGrpSpPr>
+      <p:grpSpPr>
+        <a:xfrm>
+          <a:off x="0" y="0"/>
+          <a:ext cx="0" cy="0"/>
+          <a:chOff x="0" y="0"/>
+          <a:chExt cx="0" cy="0"/>
+        </a:xfrm>
+      </p:grpSpPr>
+      <p:sp>
+        <p:nvSpPr>
+          <p:cNvPr id="2" name="Title 1"/>
+          <p:cNvSpPr>
+            <a:spLocks noGrp="1"/>
+          </p:cNvSpPr>
+          <p:nvPr>
+            <p:ph type="title"/>
+          </p:nvPr>
+        </p:nvSpPr>
+        <p:spPr/>
+        <p:txBody>
+          <a:bodyPr/>
+          <a:lstStyle/>
+          <a:p>
+            <a:r>
+              <a:rPr lang="en-US" dirty="0" smtClean="0"/>
+              <a:t>React</a:t>
+            </a:r>
+            <a:endParaRPr lang="en-US" dirty="0"/>
+          </a:p>
+        </p:txBody>
+      </p:sp>
+      <p:sp>
+        <p:nvSpPr>
+          <p:cNvPr id="3" name="Content Placeholder 2"/>
+          <p:cNvSpPr>
+            <a:spLocks noGrp="1"/>
+          </p:cNvSpPr>
+          <p:nvPr>
+            <p:ph idx="1"/>
+          </p:nvPr>
+        </p:nvSpPr>
+        <p:spPr/>
+        <p:txBody>
+          <a:bodyPr>
+            <a:normAutofit/>
+          </a:bodyPr>
+          <a:lstStyle/>
+          <a:p>
+            <a:r>
+              <a:rPr lang="en-US" dirty="0"/>
+              <a:t>Easiest modern UI to </a:t>
+            </a:r>
+            <a:r>
+              <a:rPr lang="en-US" dirty="0" smtClean="0"/>
+              <a:t>learn</a:t>
+            </a:r>
+          </a:p>
+          <a:p>
+            <a:r>
+              <a:rPr lang="en-US" dirty="0" smtClean="0"/>
+              <a:t>Encourages separation of state and code</a:t>
+            </a:r>
+          </a:p>
+          <a:p>
+            <a:pPr lvl="1"/>
+            <a:r>
+              <a:rPr lang="en-US" dirty="0" smtClean="0"/>
+              <a:t>Enforces a much cleaner paradigm</a:t>
+            </a:r>
+          </a:p>
+          <a:p>
+            <a:pPr lvl="1"/>
+            <a:r>
+              <a:rPr lang="en-US" dirty="0" smtClean="0"/>
+              <a:t>Prevents the jQuery “spaghetti problem”</a:t>
+            </a:r>
+          </a:p>
+          <a:p>
+            <a:r>
+              <a:rPr lang="en-US" dirty="0" smtClean="0"/>
+              <a:t>Since views are built into JS, simple bundling and deployment story</a:t>
+            </a:r>
+          </a:p>
+          <a:p>
+            <a:r>
+              <a:rPr lang="en-US" dirty="0" smtClean="0"/>
+              <a:t>An entire session can be held explaining this technology</a:t>
+            </a:r>
+          </a:p>
+          <a:p>
+            <a:pPr lvl="1"/>
+            <a:r>
+              <a:rPr lang="en-US" dirty="0" smtClean="0"/>
+              <a:t>This is just a taste</a:t>
+            </a:r>
+          </a:p>
+          <a:p>
+            <a:r>
+              <a:rPr lang="en-US" dirty="0" smtClean="0"/>
+              <a:t>See Example 16</a:t>
+            </a:r>
+            <a:endParaRPr lang="en-US" dirty="0"/>
+          </a:p>
+        </p:txBody>
+      </p:sp>
+    </p:spTree>
+    <p:extLst>
+      <p:ext uri="{BB962C8B-B14F-4D97-AF65-F5344CB8AC3E}">
+        <p14:creationId xmlns:p14="http://schemas.microsoft.com/office/powerpoint/2010/main" val="1237251001"/>
+      </p:ext>
+    </p:extLst>
+  </p:cSld>
+  <p:clrMapOvr>
+    <a:masterClrMapping/>
+  </p:clrMapOvr>
+</p:sld>
+</file>
+
+<file path=ppt/slides/slide62.xml><?xml version="1.0" encoding="utf-8"?>
+<p:sld xmlns:a="http://schemas.openxmlformats.org/drawingml/2006/main" xmlns:r="http://schemas.openxmlformats.org/officeDocument/2006/relationships" xmlns:p="http://schemas.openxmlformats.org/presentationml/2006/main">
+  <p:cSld>
+    <p:spTree>
+      <p:nvGrpSpPr>
+        <p:cNvPr id="1" name=""/>
+        <p:cNvGrpSpPr/>
+        <p:nvPr/>
+      </p:nvGrpSpPr>
+      <p:grpSpPr>
+        <a:xfrm>
+          <a:off x="0" y="0"/>
+          <a:ext cx="0" cy="0"/>
+          <a:chOff x="0" y="0"/>
+          <a:chExt cx="0" cy="0"/>
+        </a:xfrm>
+      </p:grpSpPr>
+      <p:sp>
+        <p:nvSpPr>
+          <p:cNvPr id="3" name="Content Placeholder 2"/>
+          <p:cNvSpPr>
+            <a:spLocks noGrp="1"/>
+          </p:cNvSpPr>
+          <p:nvPr>
+            <p:ph idx="1"/>
+          </p:nvPr>
+        </p:nvSpPr>
+        <p:spPr>
+          <a:xfrm>
+            <a:off x="685800" y="3057236"/>
+            <a:ext cx="10820400" cy="3161449"/>
+          </a:xfrm>
+        </p:spPr>
+        <p:txBody>
+          <a:bodyPr>
+            <a:normAutofit/>
+          </a:bodyPr>
+          <a:lstStyle/>
+          <a:p>
+            <a:pPr marL="0" indent="0" algn="ctr">
+              <a:buNone/>
+            </a:pPr>
+            <a:r>
+              <a:rPr lang="en-US" sz="5400" dirty="0" smtClean="0"/>
+              <a:t>Any Questions?</a:t>
+            </a:r>
+            <a:endParaRPr lang="en-US" sz="5400" dirty="0"/>
+          </a:p>
+        </p:txBody>
+      </p:sp>
+    </p:spTree>
+    <p:extLst>
+      <p:ext uri="{BB962C8B-B14F-4D97-AF65-F5344CB8AC3E}">
+        <p14:creationId xmlns:p14="http://schemas.microsoft.com/office/powerpoint/2010/main" val="786920578"/>
+      </p:ext>
+    </p:extLst>
+  </p:cSld>
+  <p:clrMapOvr>
+    <a:masterClrMapping/>
+  </p:clrMapOvr>
+</p:sld>
+</file>
+
+<file path=ppt/slides/slide63.xml><?xml version="1.0" encoding="utf-8"?>
+<p:sld xmlns:a="http://schemas.openxmlformats.org/drawingml/2006/main" xmlns:r="http://schemas.openxmlformats.org/officeDocument/2006/relationships" xmlns:p="http://schemas.openxmlformats.org/presentationml/2006/main">
+  <p:cSld>
+    <p:spTree>
+      <p:nvGrpSpPr>
+        <p:cNvPr id="1" name=""/>
+        <p:cNvGrpSpPr/>
+        <p:nvPr/>
+      </p:nvGrpSpPr>
+      <p:grpSpPr>
+        <a:xfrm>
+          <a:off x="0" y="0"/>
+          <a:ext cx="0" cy="0"/>
+          <a:chOff x="0" y="0"/>
+          <a:chExt cx="0" cy="0"/>
+        </a:xfrm>
+      </p:grpSpPr>
+      <p:sp>
+        <p:nvSpPr>
+          <p:cNvPr id="3" name="Content Placeholder 2"/>
+          <p:cNvSpPr>
+            <a:spLocks noGrp="1"/>
+          </p:cNvSpPr>
+          <p:nvPr>
+            <p:ph idx="1"/>
+          </p:nvPr>
+        </p:nvSpPr>
+        <p:spPr>
+          <a:xfrm>
+            <a:off x="685800" y="3057236"/>
+            <a:ext cx="10820400" cy="3161449"/>
+          </a:xfrm>
+        </p:spPr>
+        <p:txBody>
+          <a:bodyPr>
+            <a:normAutofit/>
+          </a:bodyPr>
+          <a:lstStyle/>
+          <a:p>
+            <a:pPr marL="0" indent="0" algn="ctr">
+              <a:buNone/>
+            </a:pPr>
+            <a:r>
+              <a:rPr lang="en-US" sz="5400" smtClean="0"/>
+              <a:t>Thank you!!</a:t>
+            </a:r>
+            <a:endParaRPr lang="en-US" sz="5400" dirty="0"/>
+          </a:p>
+        </p:txBody>
+      </p:sp>
+    </p:spTree>
+    <p:extLst>
+      <p:ext uri="{BB962C8B-B14F-4D97-AF65-F5344CB8AC3E}">
+        <p14:creationId xmlns:p14="http://schemas.microsoft.com/office/powerpoint/2010/main" val="1448984556"/>
       </p:ext>
     </p:extLst>
   </p:cSld>

--- a/Web development with Typescript.pptx
+++ b/Web development with Typescript.pptx
@@ -5,72 +5,73 @@
     <p:sldMasterId id="2147483684" r:id="rId1"/>
   </p:sldMasterIdLst>
   <p:notesMasterIdLst>
-    <p:notesMasterId r:id="rId65"/>
+    <p:notesMasterId r:id="rId66"/>
   </p:notesMasterIdLst>
   <p:sldIdLst>
     <p:sldId id="256" r:id="rId2"/>
-    <p:sldId id="258" r:id="rId3"/>
+    <p:sldId id="327" r:id="rId3"/>
     <p:sldId id="276" r:id="rId4"/>
     <p:sldId id="260" r:id="rId5"/>
-    <p:sldId id="262" r:id="rId6"/>
-    <p:sldId id="263" r:id="rId7"/>
-    <p:sldId id="264" r:id="rId8"/>
-    <p:sldId id="265" r:id="rId9"/>
-    <p:sldId id="266" r:id="rId10"/>
-    <p:sldId id="269" r:id="rId11"/>
-    <p:sldId id="268" r:id="rId12"/>
-    <p:sldId id="275" r:id="rId13"/>
-    <p:sldId id="287" r:id="rId14"/>
-    <p:sldId id="293" r:id="rId15"/>
-    <p:sldId id="305" r:id="rId16"/>
-    <p:sldId id="288" r:id="rId17"/>
-    <p:sldId id="306" r:id="rId18"/>
-    <p:sldId id="290" r:id="rId19"/>
-    <p:sldId id="289" r:id="rId20"/>
-    <p:sldId id="271" r:id="rId21"/>
-    <p:sldId id="277" r:id="rId22"/>
-    <p:sldId id="272" r:id="rId23"/>
-    <p:sldId id="279" r:id="rId24"/>
-    <p:sldId id="278" r:id="rId25"/>
-    <p:sldId id="280" r:id="rId26"/>
-    <p:sldId id="281" r:id="rId27"/>
-    <p:sldId id="282" r:id="rId28"/>
-    <p:sldId id="283" r:id="rId29"/>
-    <p:sldId id="270" r:id="rId30"/>
-    <p:sldId id="285" r:id="rId31"/>
-    <p:sldId id="286" r:id="rId32"/>
-    <p:sldId id="291" r:id="rId33"/>
-    <p:sldId id="292" r:id="rId34"/>
-    <p:sldId id="296" r:id="rId35"/>
-    <p:sldId id="294" r:id="rId36"/>
-    <p:sldId id="295" r:id="rId37"/>
-    <p:sldId id="297" r:id="rId38"/>
-    <p:sldId id="307" r:id="rId39"/>
-    <p:sldId id="298" r:id="rId40"/>
-    <p:sldId id="299" r:id="rId41"/>
-    <p:sldId id="300" r:id="rId42"/>
-    <p:sldId id="301" r:id="rId43"/>
-    <p:sldId id="302" r:id="rId44"/>
-    <p:sldId id="303" r:id="rId45"/>
-    <p:sldId id="304" r:id="rId46"/>
-    <p:sldId id="308" r:id="rId47"/>
-    <p:sldId id="309" r:id="rId48"/>
-    <p:sldId id="310" r:id="rId49"/>
-    <p:sldId id="311" r:id="rId50"/>
-    <p:sldId id="312" r:id="rId51"/>
-    <p:sldId id="313" r:id="rId52"/>
-    <p:sldId id="314" r:id="rId53"/>
-    <p:sldId id="315" r:id="rId54"/>
-    <p:sldId id="316" r:id="rId55"/>
-    <p:sldId id="317" r:id="rId56"/>
-    <p:sldId id="318" r:id="rId57"/>
-    <p:sldId id="319" r:id="rId58"/>
-    <p:sldId id="320" r:id="rId59"/>
-    <p:sldId id="321" r:id="rId60"/>
-    <p:sldId id="322" r:id="rId61"/>
-    <p:sldId id="323" r:id="rId62"/>
-    <p:sldId id="324" r:id="rId63"/>
-    <p:sldId id="325" r:id="rId64"/>
+    <p:sldId id="326" r:id="rId6"/>
+    <p:sldId id="262" r:id="rId7"/>
+    <p:sldId id="263" r:id="rId8"/>
+    <p:sldId id="264" r:id="rId9"/>
+    <p:sldId id="265" r:id="rId10"/>
+    <p:sldId id="266" r:id="rId11"/>
+    <p:sldId id="269" r:id="rId12"/>
+    <p:sldId id="268" r:id="rId13"/>
+    <p:sldId id="328" r:id="rId14"/>
+    <p:sldId id="275" r:id="rId15"/>
+    <p:sldId id="287" r:id="rId16"/>
+    <p:sldId id="293" r:id="rId17"/>
+    <p:sldId id="305" r:id="rId18"/>
+    <p:sldId id="288" r:id="rId19"/>
+    <p:sldId id="306" r:id="rId20"/>
+    <p:sldId id="290" r:id="rId21"/>
+    <p:sldId id="289" r:id="rId22"/>
+    <p:sldId id="271" r:id="rId23"/>
+    <p:sldId id="277" r:id="rId24"/>
+    <p:sldId id="272" r:id="rId25"/>
+    <p:sldId id="279" r:id="rId26"/>
+    <p:sldId id="278" r:id="rId27"/>
+    <p:sldId id="280" r:id="rId28"/>
+    <p:sldId id="281" r:id="rId29"/>
+    <p:sldId id="282" r:id="rId30"/>
+    <p:sldId id="283" r:id="rId31"/>
+    <p:sldId id="270" r:id="rId32"/>
+    <p:sldId id="285" r:id="rId33"/>
+    <p:sldId id="286" r:id="rId34"/>
+    <p:sldId id="291" r:id="rId35"/>
+    <p:sldId id="292" r:id="rId36"/>
+    <p:sldId id="296" r:id="rId37"/>
+    <p:sldId id="294" r:id="rId38"/>
+    <p:sldId id="295" r:id="rId39"/>
+    <p:sldId id="297" r:id="rId40"/>
+    <p:sldId id="307" r:id="rId41"/>
+    <p:sldId id="298" r:id="rId42"/>
+    <p:sldId id="299" r:id="rId43"/>
+    <p:sldId id="300" r:id="rId44"/>
+    <p:sldId id="301" r:id="rId45"/>
+    <p:sldId id="302" r:id="rId46"/>
+    <p:sldId id="303" r:id="rId47"/>
+    <p:sldId id="304" r:id="rId48"/>
+    <p:sldId id="308" r:id="rId49"/>
+    <p:sldId id="309" r:id="rId50"/>
+    <p:sldId id="310" r:id="rId51"/>
+    <p:sldId id="312" r:id="rId52"/>
+    <p:sldId id="313" r:id="rId53"/>
+    <p:sldId id="314" r:id="rId54"/>
+    <p:sldId id="315" r:id="rId55"/>
+    <p:sldId id="316" r:id="rId56"/>
+    <p:sldId id="317" r:id="rId57"/>
+    <p:sldId id="318" r:id="rId58"/>
+    <p:sldId id="319" r:id="rId59"/>
+    <p:sldId id="320" r:id="rId60"/>
+    <p:sldId id="321" r:id="rId61"/>
+    <p:sldId id="322" r:id="rId62"/>
+    <p:sldId id="323" r:id="rId63"/>
+    <p:sldId id="324" r:id="rId64"/>
+    <p:sldId id="325" r:id="rId65"/>
   </p:sldIdLst>
   <p:sldSz cx="12192000" cy="6858000"/>
   <p:notesSz cx="6858000" cy="9144000"/>
@@ -259,7 +260,7 @@
           <a:p>
             <a:fld id="{515BAC55-E541-4EFB-A235-5B6F18F71226}" type="datetimeFigureOut">
               <a:rPr lang="en-US" smtClean="0"/>
-              <a:t>5/27/2018</a:t>
+              <a:t>5/29/2018</a:t>
             </a:fld>
             <a:endParaRPr lang="en-US"/>
           </a:p>
@@ -592,7 +593,7 @@
           <a:p>
             <a:fld id="{A0BDF150-19B9-4DEA-8A53-D4C8588E817B}" type="slidenum">
               <a:rPr lang="en-US" smtClean="0"/>
-              <a:t>6</a:t>
+              <a:t>7</a:t>
             </a:fld>
             <a:endParaRPr lang="en-US"/>
           </a:p>
@@ -781,7 +782,7 @@
           <a:p>
             <a:fld id="{080A91C8-D3B7-472C-A6D0-DCA8E80A8FC8}" type="datetimeFigureOut">
               <a:rPr lang="en-US" smtClean="0"/>
-              <a:t>5/27/2018</a:t>
+              <a:t>5/29/2018</a:t>
             </a:fld>
             <a:endParaRPr lang="en-US"/>
           </a:p>
@@ -1048,7 +1049,7 @@
           <a:p>
             <a:fld id="{080A91C8-D3B7-472C-A6D0-DCA8E80A8FC8}" type="datetimeFigureOut">
               <a:rPr lang="en-US" smtClean="0"/>
-              <a:t>5/27/2018</a:t>
+              <a:t>5/29/2018</a:t>
             </a:fld>
             <a:endParaRPr lang="en-US"/>
           </a:p>
@@ -1279,7 +1280,7 @@
           <a:p>
             <a:fld id="{080A91C8-D3B7-472C-A6D0-DCA8E80A8FC8}" type="datetimeFigureOut">
               <a:rPr lang="en-US" smtClean="0"/>
-              <a:t>5/27/2018</a:t>
+              <a:t>5/29/2018</a:t>
             </a:fld>
             <a:endParaRPr lang="en-US"/>
           </a:p>
@@ -1589,7 +1590,7 @@
           <a:p>
             <a:fld id="{080A91C8-D3B7-472C-A6D0-DCA8E80A8FC8}" type="datetimeFigureOut">
               <a:rPr lang="en-US" smtClean="0"/>
-              <a:t>5/27/2018</a:t>
+              <a:t>5/29/2018</a:t>
             </a:fld>
             <a:endParaRPr lang="en-US"/>
           </a:p>
@@ -2062,7 +2063,7 @@
           <a:p>
             <a:fld id="{080A91C8-D3B7-472C-A6D0-DCA8E80A8FC8}" type="datetimeFigureOut">
               <a:rPr lang="en-US" smtClean="0"/>
-              <a:t>5/27/2018</a:t>
+              <a:t>5/29/2018</a:t>
             </a:fld>
             <a:endParaRPr lang="en-US"/>
           </a:p>
@@ -2609,7 +2610,7 @@
           <a:p>
             <a:fld id="{080A91C8-D3B7-472C-A6D0-DCA8E80A8FC8}" type="datetimeFigureOut">
               <a:rPr lang="en-US" smtClean="0"/>
-              <a:t>5/27/2018</a:t>
+              <a:t>5/29/2018</a:t>
             </a:fld>
             <a:endParaRPr lang="en-US"/>
           </a:p>
@@ -3383,7 +3384,7 @@
           <a:p>
             <a:fld id="{080A91C8-D3B7-472C-A6D0-DCA8E80A8FC8}" type="datetimeFigureOut">
               <a:rPr lang="en-US" smtClean="0"/>
-              <a:t>5/27/2018</a:t>
+              <a:t>5/29/2018</a:t>
             </a:fld>
             <a:endParaRPr lang="en-US"/>
           </a:p>
@@ -3558,7 +3559,7 @@
           <a:p>
             <a:fld id="{080A91C8-D3B7-472C-A6D0-DCA8E80A8FC8}" type="datetimeFigureOut">
               <a:rPr lang="en-US" smtClean="0"/>
-              <a:t>5/27/2018</a:t>
+              <a:t>5/29/2018</a:t>
             </a:fld>
             <a:endParaRPr lang="en-US"/>
           </a:p>
@@ -3781,7 +3782,7 @@
           <a:p>
             <a:fld id="{080A91C8-D3B7-472C-A6D0-DCA8E80A8FC8}" type="datetimeFigureOut">
               <a:rPr lang="en-US" smtClean="0"/>
-              <a:t>5/27/2018</a:t>
+              <a:t>5/29/2018</a:t>
             </a:fld>
             <a:endParaRPr lang="en-US"/>
           </a:p>
@@ -3961,7 +3962,7 @@
           <a:p>
             <a:fld id="{080A91C8-D3B7-472C-A6D0-DCA8E80A8FC8}" type="datetimeFigureOut">
               <a:rPr lang="en-US" smtClean="0"/>
-              <a:t>5/27/2018</a:t>
+              <a:t>5/29/2018</a:t>
             </a:fld>
             <a:endParaRPr lang="en-US"/>
           </a:p>
@@ -4250,7 +4251,7 @@
           <a:p>
             <a:fld id="{080A91C8-D3B7-472C-A6D0-DCA8E80A8FC8}" type="datetimeFigureOut">
               <a:rPr lang="en-US" smtClean="0"/>
-              <a:t>5/27/2018</a:t>
+              <a:t>5/29/2018</a:t>
             </a:fld>
             <a:endParaRPr lang="en-US"/>
           </a:p>
@@ -4492,7 +4493,7 @@
           <a:p>
             <a:fld id="{080A91C8-D3B7-472C-A6D0-DCA8E80A8FC8}" type="datetimeFigureOut">
               <a:rPr lang="en-US" smtClean="0"/>
-              <a:t>5/27/2018</a:t>
+              <a:t>5/29/2018</a:t>
             </a:fld>
             <a:endParaRPr lang="en-US"/>
           </a:p>
@@ -4871,7 +4872,7 @@
           <a:p>
             <a:fld id="{080A91C8-D3B7-472C-A6D0-DCA8E80A8FC8}" type="datetimeFigureOut">
               <a:rPr lang="en-US" smtClean="0"/>
-              <a:t>5/27/2018</a:t>
+              <a:t>5/29/2018</a:t>
             </a:fld>
             <a:endParaRPr lang="en-US"/>
           </a:p>
@@ -4989,7 +4990,7 @@
           <a:p>
             <a:fld id="{080A91C8-D3B7-472C-A6D0-DCA8E80A8FC8}" type="datetimeFigureOut">
               <a:rPr lang="en-US" smtClean="0"/>
-              <a:t>5/27/2018</a:t>
+              <a:t>5/29/2018</a:t>
             </a:fld>
             <a:endParaRPr lang="en-US"/>
           </a:p>
@@ -5084,7 +5085,7 @@
           <a:p>
             <a:fld id="{080A91C8-D3B7-472C-A6D0-DCA8E80A8FC8}" type="datetimeFigureOut">
               <a:rPr lang="en-US" smtClean="0"/>
-              <a:t>5/27/2018</a:t>
+              <a:t>5/29/2018</a:t>
             </a:fld>
             <a:endParaRPr lang="en-US"/>
           </a:p>
@@ -5333,7 +5334,7 @@
           <a:p>
             <a:fld id="{080A91C8-D3B7-472C-A6D0-DCA8E80A8FC8}" type="datetimeFigureOut">
               <a:rPr lang="en-US" smtClean="0"/>
-              <a:t>5/27/2018</a:t>
+              <a:t>5/29/2018</a:t>
             </a:fld>
             <a:endParaRPr lang="en-US"/>
           </a:p>
@@ -5590,7 +5591,7 @@
           <a:p>
             <a:fld id="{080A91C8-D3B7-472C-A6D0-DCA8E80A8FC8}" type="datetimeFigureOut">
               <a:rPr lang="en-US" smtClean="0"/>
-              <a:t>5/27/2018</a:t>
+              <a:t>5/29/2018</a:t>
             </a:fld>
             <a:endParaRPr lang="en-US"/>
           </a:p>
@@ -5833,7 +5834,7 @@
           <a:p>
             <a:fld id="{080A91C8-D3B7-472C-A6D0-DCA8E80A8FC8}" type="datetimeFigureOut">
               <a:rPr lang="en-US" smtClean="0"/>
-              <a:t>5/27/2018</a:t>
+              <a:t>5/29/2018</a:t>
             </a:fld>
             <a:endParaRPr lang="en-US"/>
           </a:p>
@@ -6290,6 +6291,206 @@
           </a:p>
         </p:txBody>
       </p:sp>
+      <p:sp>
+        <p:nvSpPr>
+          <p:cNvPr id="4" name="Text Placeholder 3"/>
+          <p:cNvSpPr txBox="1">
+            <a:spLocks/>
+          </p:cNvSpPr>
+          <p:nvPr/>
+        </p:nvSpPr>
+        <p:spPr>
+          <a:xfrm>
+            <a:off x="1371600" y="4073236"/>
+            <a:ext cx="7015018" cy="2145448"/>
+          </a:xfrm>
+          <a:prstGeom prst="rect">
+            <a:avLst/>
+          </a:prstGeom>
+        </p:spPr>
+        <p:txBody>
+          <a:bodyPr/>
+          <a:lstStyle>
+            <a:lvl1pPr marL="228600" indent="-228600" algn="l" defTabSz="914400" rtl="0" eaLnBrk="1" latinLnBrk="0" hangingPunct="1">
+              <a:lnSpc>
+                <a:spcPct val="90000"/>
+              </a:lnSpc>
+              <a:spcBef>
+                <a:spcPts val="1000"/>
+              </a:spcBef>
+              <a:buFont typeface="Arial" panose="020B0604020202020204" pitchFamily="34" charset="0"/>
+              <a:buChar char="•"/>
+              <a:defRPr sz="2200" kern="1200">
+                <a:solidFill>
+                  <a:schemeClr val="tx1"/>
+                </a:solidFill>
+                <a:latin typeface="+mn-lt"/>
+                <a:ea typeface="+mn-ea"/>
+                <a:cs typeface="+mn-cs"/>
+              </a:defRPr>
+            </a:lvl1pPr>
+            <a:lvl2pPr marL="685800" indent="-228600" algn="l" defTabSz="914400" rtl="0" eaLnBrk="1" latinLnBrk="0" hangingPunct="1">
+              <a:lnSpc>
+                <a:spcPct val="90000"/>
+              </a:lnSpc>
+              <a:spcBef>
+                <a:spcPts val="500"/>
+              </a:spcBef>
+              <a:buFont typeface="Arial" panose="020B0604020202020204" pitchFamily="34" charset="0"/>
+              <a:buChar char="•"/>
+              <a:defRPr sz="2000" kern="1200">
+                <a:solidFill>
+                  <a:schemeClr val="tx1"/>
+                </a:solidFill>
+                <a:latin typeface="+mn-lt"/>
+                <a:ea typeface="+mn-ea"/>
+                <a:cs typeface="+mn-cs"/>
+              </a:defRPr>
+            </a:lvl2pPr>
+            <a:lvl3pPr marL="1143000" indent="-228600" algn="l" defTabSz="914400" rtl="0" eaLnBrk="1" latinLnBrk="0" hangingPunct="1">
+              <a:lnSpc>
+                <a:spcPct val="90000"/>
+              </a:lnSpc>
+              <a:spcBef>
+                <a:spcPts val="500"/>
+              </a:spcBef>
+              <a:buFont typeface="Arial" panose="020B0604020202020204" pitchFamily="34" charset="0"/>
+              <a:buChar char="•"/>
+              <a:defRPr sz="1800" kern="1200">
+                <a:solidFill>
+                  <a:schemeClr val="tx1"/>
+                </a:solidFill>
+                <a:latin typeface="+mn-lt"/>
+                <a:ea typeface="+mn-ea"/>
+                <a:cs typeface="+mn-cs"/>
+              </a:defRPr>
+            </a:lvl3pPr>
+            <a:lvl4pPr marL="1600200" indent="-228600" algn="l" defTabSz="914400" rtl="0" eaLnBrk="1" latinLnBrk="0" hangingPunct="1">
+              <a:lnSpc>
+                <a:spcPct val="90000"/>
+              </a:lnSpc>
+              <a:spcBef>
+                <a:spcPts val="500"/>
+              </a:spcBef>
+              <a:buFont typeface="Arial" panose="020B0604020202020204" pitchFamily="34" charset="0"/>
+              <a:buChar char="•"/>
+              <a:defRPr sz="1600" kern="1200">
+                <a:solidFill>
+                  <a:schemeClr val="tx1"/>
+                </a:solidFill>
+                <a:latin typeface="+mn-lt"/>
+                <a:ea typeface="+mn-ea"/>
+                <a:cs typeface="+mn-cs"/>
+              </a:defRPr>
+            </a:lvl4pPr>
+            <a:lvl5pPr marL="2057400" indent="-228600" algn="l" defTabSz="914400" rtl="0" eaLnBrk="1" latinLnBrk="0" hangingPunct="1">
+              <a:lnSpc>
+                <a:spcPct val="90000"/>
+              </a:lnSpc>
+              <a:spcBef>
+                <a:spcPts val="500"/>
+              </a:spcBef>
+              <a:buFont typeface="Arial" panose="020B0604020202020204" pitchFamily="34" charset="0"/>
+              <a:buChar char="•"/>
+              <a:defRPr sz="1600" kern="1200">
+                <a:solidFill>
+                  <a:schemeClr val="tx1"/>
+                </a:solidFill>
+                <a:latin typeface="+mn-lt"/>
+                <a:ea typeface="+mn-ea"/>
+                <a:cs typeface="+mn-cs"/>
+              </a:defRPr>
+            </a:lvl5pPr>
+            <a:lvl6pPr marL="2514600" indent="-228600" algn="l" defTabSz="914400" rtl="0" eaLnBrk="1" latinLnBrk="0" hangingPunct="1">
+              <a:lnSpc>
+                <a:spcPct val="90000"/>
+              </a:lnSpc>
+              <a:spcBef>
+                <a:spcPts val="500"/>
+              </a:spcBef>
+              <a:buFont typeface="Arial" panose="020B0604020202020204" pitchFamily="34" charset="0"/>
+              <a:buChar char="•"/>
+              <a:defRPr sz="1600" kern="1200">
+                <a:solidFill>
+                  <a:schemeClr val="tx1"/>
+                </a:solidFill>
+                <a:latin typeface="+mn-lt"/>
+                <a:ea typeface="+mn-ea"/>
+                <a:cs typeface="+mn-cs"/>
+              </a:defRPr>
+            </a:lvl6pPr>
+            <a:lvl7pPr marL="2971800" indent="-228600" algn="l" defTabSz="914400" rtl="0" eaLnBrk="1" latinLnBrk="0" hangingPunct="1">
+              <a:lnSpc>
+                <a:spcPct val="90000"/>
+              </a:lnSpc>
+              <a:spcBef>
+                <a:spcPts val="500"/>
+              </a:spcBef>
+              <a:buFont typeface="Arial" panose="020B0604020202020204" pitchFamily="34" charset="0"/>
+              <a:buChar char="•"/>
+              <a:defRPr sz="1600" kern="1200">
+                <a:solidFill>
+                  <a:schemeClr val="tx1"/>
+                </a:solidFill>
+                <a:latin typeface="+mn-lt"/>
+                <a:ea typeface="+mn-ea"/>
+                <a:cs typeface="+mn-cs"/>
+              </a:defRPr>
+            </a:lvl7pPr>
+            <a:lvl8pPr marL="3429000" indent="-228600" algn="l" defTabSz="914400" rtl="0" eaLnBrk="1" latinLnBrk="0" hangingPunct="1">
+              <a:lnSpc>
+                <a:spcPct val="90000"/>
+              </a:lnSpc>
+              <a:spcBef>
+                <a:spcPts val="500"/>
+              </a:spcBef>
+              <a:buFont typeface="Arial" panose="020B0604020202020204" pitchFamily="34" charset="0"/>
+              <a:buChar char="•"/>
+              <a:defRPr sz="1600" kern="1200">
+                <a:solidFill>
+                  <a:schemeClr val="tx1"/>
+                </a:solidFill>
+                <a:latin typeface="+mn-lt"/>
+                <a:ea typeface="+mn-ea"/>
+                <a:cs typeface="+mn-cs"/>
+              </a:defRPr>
+            </a:lvl8pPr>
+            <a:lvl9pPr marL="3886200" indent="-228600" algn="l" defTabSz="914400" rtl="0" eaLnBrk="1" latinLnBrk="0" hangingPunct="1">
+              <a:lnSpc>
+                <a:spcPct val="90000"/>
+              </a:lnSpc>
+              <a:spcBef>
+                <a:spcPts val="500"/>
+              </a:spcBef>
+              <a:buFont typeface="Arial" panose="020B0604020202020204" pitchFamily="34" charset="0"/>
+              <a:buChar char="•"/>
+              <a:defRPr sz="1600" kern="1200">
+                <a:solidFill>
+                  <a:schemeClr val="tx1"/>
+                </a:solidFill>
+                <a:latin typeface="+mn-lt"/>
+                <a:ea typeface="+mn-ea"/>
+                <a:cs typeface="+mn-cs"/>
+              </a:defRPr>
+            </a:lvl9pPr>
+          </a:lstStyle>
+          <a:p>
+            <a:pPr marL="0" indent="0">
+              <a:buNone/>
+            </a:pPr>
+            <a:r>
+              <a:rPr lang="en-US" dirty="0" smtClean="0">
+                <a:hlinkClick r:id="rId2"/>
+              </a:rPr>
+              <a:t>https://github.com/RonPenton/intro-to-typescript</a:t>
+            </a:r>
+            <a:endParaRPr lang="en-US" dirty="0" smtClean="0"/>
+          </a:p>
+          <a:p>
+            <a:endParaRPr lang="en-US" dirty="0"/>
+          </a:p>
+        </p:txBody>
+      </p:sp>
     </p:spTree>
     <p:extLst>
       <p:ext uri="{BB962C8B-B14F-4D97-AF65-F5344CB8AC3E}">
@@ -6344,87 +6545,104 @@
           <a:p>
             <a:r>
               <a:rPr lang="en-US" dirty="0" smtClean="0"/>
-              <a:t>Compile-to-</a:t>
+              <a:t>Presently (2008+)</a:t>
+            </a:r>
+            <a:endParaRPr lang="en-US" dirty="0"/>
+          </a:p>
+        </p:txBody>
+      </p:sp>
+      <p:sp>
+        <p:nvSpPr>
+          <p:cNvPr id="3" name="Content Placeholder 2"/>
+          <p:cNvSpPr>
+            <a:spLocks noGrp="1"/>
+          </p:cNvSpPr>
+          <p:nvPr>
+            <p:ph idx="1"/>
+          </p:nvPr>
+        </p:nvSpPr>
+        <p:spPr/>
+        <p:txBody>
+          <a:bodyPr>
+            <a:normAutofit fontScale="92500"/>
+          </a:bodyPr>
+          <a:lstStyle/>
+          <a:p>
+            <a:r>
+              <a:rPr lang="en-US" dirty="0" smtClean="0"/>
+              <a:t>ECMAScript 5 is released in 2009, after 10 years of silence</a:t>
+            </a:r>
+          </a:p>
+          <a:p>
+            <a:pPr lvl="1"/>
+            <a:r>
+              <a:rPr lang="en-US" dirty="0" smtClean="0"/>
+              <a:t>ECMAScript 4 was completely abandoned</a:t>
+            </a:r>
+          </a:p>
+          <a:p>
+            <a:r>
+              <a:rPr lang="en-US" dirty="0" smtClean="0"/>
+              <a:t>Web </a:t>
             </a:r>
             <a:r>
               <a:rPr lang="en-US" dirty="0" err="1" smtClean="0"/>
-              <a:t>Javascript</a:t>
-            </a:r>
-            <a:r>
-              <a:rPr lang="en-US" dirty="0" smtClean="0"/>
-              <a:t> (2009+)</a:t>
-            </a:r>
-            <a:endParaRPr lang="en-US" dirty="0"/>
-          </a:p>
-        </p:txBody>
-      </p:sp>
-      <p:sp>
-        <p:nvSpPr>
-          <p:cNvPr id="3" name="Content Placeholder 2"/>
-          <p:cNvSpPr>
-            <a:spLocks noGrp="1"/>
-          </p:cNvSpPr>
-          <p:nvPr>
-            <p:ph idx="1"/>
-          </p:nvPr>
-        </p:nvSpPr>
-        <p:spPr/>
-        <p:txBody>
-          <a:bodyPr/>
-          <a:lstStyle/>
-          <a:p>
-            <a:r>
-              <a:rPr lang="en-US" dirty="0" smtClean="0"/>
-              <a:t>JavaScript never designed to handle large applications</a:t>
-            </a:r>
-          </a:p>
-          <a:p>
-            <a:r>
-              <a:rPr lang="en-US" dirty="0" smtClean="0"/>
-              <a:t>Difficult to track refactoring</a:t>
-            </a:r>
-          </a:p>
-          <a:p>
-            <a:r>
-              <a:rPr lang="en-US" dirty="0" smtClean="0"/>
-              <a:t>Easy to hide tiny hard-to-find type bugs</a:t>
-            </a:r>
-          </a:p>
-          <a:p>
-            <a:r>
-              <a:rPr lang="en-US" dirty="0" smtClean="0"/>
-              <a:t>Many Compile-to-JavaScript languages invented</a:t>
-            </a:r>
-          </a:p>
-          <a:p>
-            <a:pPr lvl="1"/>
-            <a:r>
-              <a:rPr lang="en-US" dirty="0" err="1" smtClean="0"/>
-              <a:t>CoffeeScript</a:t>
-            </a:r>
-            <a:r>
-              <a:rPr lang="en-US" dirty="0" smtClean="0"/>
-              <a:t>, Dart</a:t>
-            </a:r>
-          </a:p>
-          <a:p>
-            <a:r>
-              <a:rPr lang="en-US" dirty="0" smtClean="0"/>
-              <a:t>Generally failed to gain traction</a:t>
-            </a:r>
-          </a:p>
-          <a:p>
-            <a:pPr lvl="1"/>
-            <a:r>
-              <a:rPr lang="en-US" dirty="0" smtClean="0"/>
-              <a:t>Difficult to read and debug output code</a:t>
-            </a:r>
-          </a:p>
-          <a:p>
+              <a:t>Browers</a:t>
+            </a:r>
+            <a:r>
+              <a:rPr lang="en-US" dirty="0" smtClean="0"/>
+              <a:t> are now “evergreen”, and implement small forced upgrades every few weeks or months</a:t>
+            </a:r>
+          </a:p>
+          <a:p>
+            <a:r>
+              <a:rPr lang="en-US" dirty="0" smtClean="0"/>
+              <a:t>TC-39 now releases smaller versions of ECMAScript </a:t>
+            </a:r>
+            <a:r>
+              <a:rPr lang="en-US" dirty="0" smtClean="0"/>
+              <a:t>yearly</a:t>
+            </a:r>
+          </a:p>
+          <a:p>
+            <a:pPr lvl="1"/>
+            <a:r>
+              <a:rPr lang="en-US" dirty="0" smtClean="0"/>
+              <a:t>ES2015, ES2016, ES2017, etc.</a:t>
+            </a:r>
             <a:endParaRPr lang="en-US" dirty="0" smtClean="0"/>
           </a:p>
           <a:p>
-            <a:pPr lvl="1"/>
+            <a:r>
+              <a:rPr lang="en-US" dirty="0" smtClean="0"/>
+              <a:t>JavaScript is shaping up to be one of the most advanced languages in existence</a:t>
+            </a:r>
+          </a:p>
+          <a:p>
+            <a:r>
+              <a:rPr lang="en-US" dirty="0" smtClean="0"/>
+              <a:t>Unfortunately one of the most complex as well</a:t>
+            </a:r>
+          </a:p>
+          <a:p>
+            <a:pPr lvl="1"/>
+            <a:r>
+              <a:rPr lang="en-US" dirty="0" smtClean="0"/>
+              <a:t>Retains full backwards compatibility with 23+ years of baggage and bad ideas</a:t>
+            </a:r>
+          </a:p>
+          <a:p>
+            <a:r>
+              <a:rPr lang="en-US" dirty="0" smtClean="0"/>
+              <a:t>Still no Type System!</a:t>
+            </a:r>
+          </a:p>
+          <a:p>
+            <a:pPr lvl="1"/>
+            <a:r>
+              <a:rPr lang="en-US" dirty="0" smtClean="0"/>
+              <a:t>And there never will be</a:t>
+            </a:r>
             <a:endParaRPr lang="en-US" dirty="0"/>
           </a:p>
         </p:txBody>
@@ -6432,7 +6650,7 @@
     </p:spTree>
     <p:extLst>
       <p:ext uri="{BB962C8B-B14F-4D97-AF65-F5344CB8AC3E}">
-        <p14:creationId xmlns:p14="http://schemas.microsoft.com/office/powerpoint/2010/main" val="2807040956"/>
+        <p14:creationId xmlns:p14="http://schemas.microsoft.com/office/powerpoint/2010/main" val="1864523020"/>
       </p:ext>
     </p:extLst>
   </p:cSld>
@@ -6476,7 +6694,15 @@
           <a:p>
             <a:r>
               <a:rPr lang="en-US" dirty="0" smtClean="0"/>
-              <a:t>Enter Typescript (2012+)</a:t>
+              <a:t>Compile-to-</a:t>
+            </a:r>
+            <a:r>
+              <a:rPr lang="en-US" dirty="0" err="1" smtClean="0"/>
+              <a:t>Javascript</a:t>
+            </a:r>
+            <a:r>
+              <a:rPr lang="en-US" dirty="0" smtClean="0"/>
+              <a:t> (2009+)</a:t>
             </a:r>
             <a:endParaRPr lang="en-US" dirty="0"/>
           </a:p>
@@ -6499,86 +6725,69 @@
           <a:p>
             <a:r>
               <a:rPr lang="en-US" dirty="0" smtClean="0"/>
-              <a:t>JScript.NET flopped as ECMAScript 4 never appeared in browsers and C# was the superior .NET language</a:t>
-            </a:r>
-          </a:p>
-          <a:p>
-            <a:r>
-              <a:rPr lang="en-US" dirty="0" smtClean="0"/>
-              <a:t>Anders Hejlsberg creates </a:t>
-            </a:r>
+              <a:t>JavaScript never designed to handle large applications</a:t>
+            </a:r>
+          </a:p>
+          <a:p>
+            <a:r>
+              <a:rPr lang="en-US" dirty="0" smtClean="0"/>
+              <a:t>Difficult to track refactoring</a:t>
+            </a:r>
+          </a:p>
+          <a:p>
+            <a:r>
+              <a:rPr lang="en-US" dirty="0" smtClean="0"/>
+              <a:t>Easy to hide tiny hard-to-find type bugs</a:t>
+            </a:r>
+          </a:p>
+          <a:p>
+            <a:r>
+              <a:rPr lang="en-US" dirty="0" smtClean="0"/>
+              <a:t>Many Compile-to-JavaScript languages invented</a:t>
+            </a:r>
+          </a:p>
+          <a:p>
+            <a:pPr lvl="1"/>
             <a:r>
               <a:rPr lang="en-US" dirty="0" err="1" smtClean="0"/>
-              <a:t>TypeScript</a:t>
-            </a:r>
-            <a:r>
-              <a:rPr lang="en-US" dirty="0" smtClean="0"/>
-              <a:t>, a refinement of ECMAScript 4 proposals</a:t>
-            </a:r>
-          </a:p>
-          <a:p>
-            <a:pPr lvl="1"/>
-            <a:r>
-              <a:rPr lang="en-US" dirty="0" smtClean="0"/>
-              <a:t>Creator of C#, Delphi, and Turbo Pascal</a:t>
-            </a:r>
-          </a:p>
-          <a:p>
-            <a:pPr lvl="1"/>
-            <a:r>
-              <a:rPr lang="en-US" dirty="0" smtClean="0"/>
-              <a:t>The reason you and I have good jobs</a:t>
-            </a:r>
-          </a:p>
-          <a:p>
-            <a:r>
-              <a:rPr lang="en-US" dirty="0" smtClean="0"/>
-              <a:t>Makes web development bearable</a:t>
-            </a:r>
-          </a:p>
-          <a:p>
-            <a:r>
-              <a:rPr lang="en-US" dirty="0" smtClean="0"/>
-              <a:t>Has one of the most advanced type systems in existence</a:t>
-            </a:r>
-          </a:p>
-          <a:p>
-            <a:r>
-              <a:rPr lang="en-US" dirty="0" smtClean="0"/>
-              <a:t>Quite enjoyable to use once you start using it</a:t>
-            </a:r>
-          </a:p>
-          <a:p>
-            <a:r>
-              <a:rPr lang="en-US" b="1" dirty="0" smtClean="0"/>
-              <a:t>Fun Heresy: </a:t>
-            </a:r>
-            <a:r>
-              <a:rPr lang="en-US" dirty="0" smtClean="0"/>
-              <a:t>I actually prefer </a:t>
-            </a:r>
-            <a:r>
-              <a:rPr lang="en-US" dirty="0" err="1" smtClean="0"/>
-              <a:t>TypeScript</a:t>
-            </a:r>
-            <a:r>
-              <a:rPr lang="en-US" dirty="0" smtClean="0"/>
-              <a:t> over C# now</a:t>
-            </a:r>
-          </a:p>
-          <a:p>
-            <a:pPr lvl="1"/>
-            <a:r>
-              <a:rPr lang="en-US" dirty="0" smtClean="0"/>
-              <a:t>I don’t even know who I am anymore</a:t>
-            </a:r>
+              <a:t>CoffeeScript</a:t>
+            </a:r>
+            <a:endParaRPr lang="en-US" dirty="0" smtClean="0"/>
+          </a:p>
+          <a:p>
+            <a:pPr lvl="1"/>
+            <a:r>
+              <a:rPr lang="en-US" dirty="0" smtClean="0"/>
+              <a:t>Dart</a:t>
+            </a:r>
+            <a:endParaRPr lang="en-US" dirty="0" smtClean="0"/>
+          </a:p>
+          <a:p>
+            <a:r>
+              <a:rPr lang="en-US" dirty="0" smtClean="0"/>
+              <a:t>Generally failed to gain traction</a:t>
+            </a:r>
+          </a:p>
+          <a:p>
+            <a:pPr lvl="1"/>
+            <a:r>
+              <a:rPr lang="en-US" dirty="0" smtClean="0"/>
+              <a:t>Difficult to read and debug output code</a:t>
+            </a:r>
+          </a:p>
+          <a:p>
+            <a:endParaRPr lang="en-US" dirty="0" smtClean="0"/>
+          </a:p>
+          <a:p>
+            <a:pPr lvl="1"/>
+            <a:endParaRPr lang="en-US" dirty="0"/>
           </a:p>
         </p:txBody>
       </p:sp>
     </p:spTree>
     <p:extLst>
       <p:ext uri="{BB962C8B-B14F-4D97-AF65-F5344CB8AC3E}">
-        <p14:creationId xmlns:p14="http://schemas.microsoft.com/office/powerpoint/2010/main" val="179463998"/>
+        <p14:creationId xmlns:p14="http://schemas.microsoft.com/office/powerpoint/2010/main" val="2807040956"/>
       </p:ext>
     </p:extLst>
   </p:cSld>
@@ -6622,7 +6831,7 @@
           <a:p>
             <a:r>
               <a:rPr lang="en-US" dirty="0" smtClean="0"/>
-              <a:t>Further Information</a:t>
+              <a:t>Enter Typescript (2012+)</a:t>
             </a:r>
             <a:endParaRPr lang="en-US" dirty="0"/>
           </a:p>
@@ -6640,70 +6849,95 @@
         </p:nvSpPr>
         <p:spPr/>
         <p:txBody>
-          <a:bodyPr/>
-          <a:lstStyle/>
-          <a:p>
-            <a:r>
-              <a:rPr lang="en-US" dirty="0" smtClean="0"/>
-              <a:t>If you have 10 hours and more than a few brain cells to kill, watch Doug </a:t>
-            </a:r>
+          <a:bodyPr>
+            <a:normAutofit/>
+          </a:bodyPr>
+          <a:lstStyle/>
+          <a:p>
+            <a:r>
+              <a:rPr lang="en-US" dirty="0" smtClean="0"/>
+              <a:t>JScript.NET flopped as ECMAScript 4 never appeared in browsers and C# was the superior .NET language</a:t>
+            </a:r>
+          </a:p>
+          <a:p>
             <a:r>
               <a:rPr lang="en-US" dirty="0" err="1" smtClean="0"/>
-              <a:t>Crockfords</a:t>
-            </a:r>
-            <a:r>
-              <a:rPr lang="en-US" dirty="0" smtClean="0"/>
-              <a:t> video lecture series “On JavaScript” for a thorough and fascinating view of how this monstrosity of a language came to be</a:t>
-            </a:r>
-          </a:p>
-          <a:p>
-            <a:pPr lvl="1"/>
-            <a:r>
-              <a:rPr lang="en-US" dirty="0" smtClean="0">
-                <a:hlinkClick r:id="rId2"/>
-              </a:rPr>
-              <a:t>https</a:t>
-            </a:r>
-            <a:r>
-              <a:rPr lang="en-US" dirty="0">
-                <a:hlinkClick r:id="rId2"/>
-              </a:rPr>
-              <a:t>://</a:t>
-            </a:r>
-            <a:r>
-              <a:rPr lang="en-US" dirty="0" smtClean="0">
-                <a:hlinkClick r:id="rId2"/>
-              </a:rPr>
-              <a:t>www.youtube.com/playlist?list=PL7664379246A246CB</a:t>
-            </a:r>
-            <a:endParaRPr lang="en-US" dirty="0" smtClean="0"/>
-          </a:p>
-          <a:p>
-            <a:r>
-              <a:rPr lang="en-US" dirty="0" smtClean="0">
-                <a:hlinkClick r:id="rId3"/>
-              </a:rPr>
-              <a:t>http://www.typescriptlang.org/</a:t>
-            </a:r>
-            <a:endParaRPr lang="en-US" dirty="0" smtClean="0"/>
-          </a:p>
-          <a:p>
-            <a:endParaRPr lang="en-US" dirty="0" smtClean="0"/>
-          </a:p>
-          <a:p>
-            <a:pPr lvl="1"/>
-            <a:endParaRPr lang="en-US" dirty="0"/>
-          </a:p>
-          <a:p>
-            <a:pPr lvl="1"/>
-            <a:endParaRPr lang="en-US" dirty="0"/>
+              <a:t>TypeScript</a:t>
+            </a:r>
+            <a:r>
+              <a:rPr lang="en-US" dirty="0" smtClean="0"/>
+              <a:t> created</a:t>
+            </a:r>
+          </a:p>
+          <a:p>
+            <a:pPr lvl="1"/>
+            <a:r>
+              <a:rPr lang="en-US" dirty="0" smtClean="0"/>
+              <a:t>Initially a refinement </a:t>
+            </a:r>
+            <a:r>
+              <a:rPr lang="en-US" dirty="0" smtClean="0"/>
+              <a:t>of ECMAScript 4 </a:t>
+            </a:r>
+            <a:r>
+              <a:rPr lang="en-US" dirty="0" smtClean="0"/>
+              <a:t>proposals</a:t>
+            </a:r>
+          </a:p>
+          <a:p>
+            <a:pPr lvl="1"/>
+            <a:r>
+              <a:rPr lang="en-US" dirty="0" smtClean="0"/>
+              <a:t>Makes </a:t>
+            </a:r>
+            <a:r>
+              <a:rPr lang="en-US" dirty="0" smtClean="0"/>
+              <a:t>web development bearable</a:t>
+            </a:r>
+          </a:p>
+          <a:p>
+            <a:r>
+              <a:rPr lang="en-US" dirty="0" smtClean="0"/>
+              <a:t>Has one of the most advanced type systems in existence</a:t>
+            </a:r>
+          </a:p>
+          <a:p>
+            <a:r>
+              <a:rPr lang="en-US" dirty="0" smtClean="0"/>
+              <a:t>Quite enjoyable to use once you start using it</a:t>
+            </a:r>
+          </a:p>
+          <a:p>
+            <a:r>
+              <a:rPr lang="en-US" b="1" dirty="0" smtClean="0"/>
+              <a:t>Fun Heresy: </a:t>
+            </a:r>
+            <a:r>
+              <a:rPr lang="en-US" dirty="0" smtClean="0"/>
+              <a:t>I actually prefer </a:t>
+            </a:r>
+            <a:r>
+              <a:rPr lang="en-US" dirty="0" err="1" smtClean="0"/>
+              <a:t>TypeScript</a:t>
+            </a:r>
+            <a:r>
+              <a:rPr lang="en-US" dirty="0" smtClean="0"/>
+              <a:t> over C# now</a:t>
+            </a:r>
+          </a:p>
+          <a:p>
+            <a:pPr lvl="1"/>
+            <a:r>
+              <a:rPr lang="en-US" dirty="0" smtClean="0"/>
+              <a:t>I don’t even know who I am anymore</a:t>
+            </a:r>
           </a:p>
         </p:txBody>
       </p:sp>
     </p:spTree>
     <p:extLst>
       <p:ext uri="{BB962C8B-B14F-4D97-AF65-F5344CB8AC3E}">
-        <p14:creationId xmlns:p14="http://schemas.microsoft.com/office/powerpoint/2010/main" val="2749017617"/>
+        <p14:creationId xmlns:p14="http://schemas.microsoft.com/office/powerpoint/2010/main" val="179463998"/>
       </p:ext>
     </p:extLst>
   </p:cSld>
@@ -6747,7 +6981,7 @@
           <a:p>
             <a:r>
               <a:rPr lang="en-US" dirty="0" smtClean="0"/>
-              <a:t>Why Typescript</a:t>
+              <a:t>The Future (2018+)</a:t>
             </a:r>
             <a:endParaRPr lang="en-US" dirty="0"/>
           </a:p>
@@ -6755,12 +6989,12 @@
       </p:sp>
       <p:sp>
         <p:nvSpPr>
-          <p:cNvPr id="3" name="Text Placeholder 2"/>
-          <p:cNvSpPr>
-            <a:spLocks noGrp="1"/>
-          </p:cNvSpPr>
-          <p:nvPr>
-            <p:ph type="body" idx="1"/>
+          <p:cNvPr id="3" name="Content Placeholder 2"/>
+          <p:cNvSpPr>
+            <a:spLocks noGrp="1"/>
+          </p:cNvSpPr>
+          <p:nvPr>
+            <p:ph idx="1"/>
           </p:nvPr>
         </p:nvSpPr>
         <p:spPr/>
@@ -6768,7 +7002,261 @@
           <a:bodyPr/>
           <a:lstStyle/>
           <a:p>
-            <a:endParaRPr lang="en-US"/>
+            <a:r>
+              <a:rPr lang="en-US" dirty="0" smtClean="0"/>
+              <a:t>JS will continue to get yearly updates</a:t>
+            </a:r>
+          </a:p>
+          <a:p>
+            <a:r>
+              <a:rPr lang="en-US" dirty="0" err="1" smtClean="0"/>
+              <a:t>TypeScript</a:t>
+            </a:r>
+            <a:r>
+              <a:rPr lang="en-US" dirty="0" smtClean="0"/>
+              <a:t> will continue to get bi-monthly updates</a:t>
+            </a:r>
+          </a:p>
+          <a:p>
+            <a:pPr lvl="1"/>
+            <a:r>
+              <a:rPr lang="en-US" dirty="0" smtClean="0"/>
+              <a:t>Gaining momentum, but unlikely to completely replace JS</a:t>
+            </a:r>
+          </a:p>
+          <a:p>
+            <a:r>
+              <a:rPr lang="en-US" dirty="0" smtClean="0"/>
+              <a:t>Web Assembly?</a:t>
+            </a:r>
+          </a:p>
+          <a:p>
+            <a:pPr lvl="1"/>
+            <a:r>
+              <a:rPr lang="en-US" dirty="0" smtClean="0"/>
+              <a:t>Brand new tech</a:t>
+            </a:r>
+          </a:p>
+          <a:p>
+            <a:pPr lvl="1"/>
+            <a:r>
+              <a:rPr lang="en-US" dirty="0" err="1" smtClean="0"/>
+              <a:t>Complile</a:t>
+            </a:r>
+            <a:r>
+              <a:rPr lang="en-US" dirty="0" smtClean="0"/>
+              <a:t> anything to JS “bytecode”</a:t>
+            </a:r>
+          </a:p>
+          <a:p>
+            <a:pPr lvl="1"/>
+            <a:r>
+              <a:rPr lang="en-US" dirty="0" smtClean="0"/>
+              <a:t>Too early to tell, nobody knows where it’s going</a:t>
+            </a:r>
+            <a:endParaRPr lang="en-US" dirty="0"/>
+          </a:p>
+        </p:txBody>
+      </p:sp>
+    </p:spTree>
+    <p:extLst>
+      <p:ext uri="{BB962C8B-B14F-4D97-AF65-F5344CB8AC3E}">
+        <p14:creationId xmlns:p14="http://schemas.microsoft.com/office/powerpoint/2010/main" val="14208015"/>
+      </p:ext>
+    </p:extLst>
+  </p:cSld>
+  <p:clrMapOvr>
+    <a:masterClrMapping/>
+  </p:clrMapOvr>
+</p:sld>
+</file>
+
+<file path=ppt/slides/slide14.xml><?xml version="1.0" encoding="utf-8"?>
+<p:sld xmlns:a="http://schemas.openxmlformats.org/drawingml/2006/main" xmlns:r="http://schemas.openxmlformats.org/officeDocument/2006/relationships" xmlns:p="http://schemas.openxmlformats.org/presentationml/2006/main">
+  <p:cSld>
+    <p:spTree>
+      <p:nvGrpSpPr>
+        <p:cNvPr id="1" name=""/>
+        <p:cNvGrpSpPr/>
+        <p:nvPr/>
+      </p:nvGrpSpPr>
+      <p:grpSpPr>
+        <a:xfrm>
+          <a:off x="0" y="0"/>
+          <a:ext cx="0" cy="0"/>
+          <a:chOff x="0" y="0"/>
+          <a:chExt cx="0" cy="0"/>
+        </a:xfrm>
+      </p:grpSpPr>
+      <p:sp>
+        <p:nvSpPr>
+          <p:cNvPr id="2" name="Title 1"/>
+          <p:cNvSpPr>
+            <a:spLocks noGrp="1"/>
+          </p:cNvSpPr>
+          <p:nvPr>
+            <p:ph type="title"/>
+          </p:nvPr>
+        </p:nvSpPr>
+        <p:spPr/>
+        <p:txBody>
+          <a:bodyPr/>
+          <a:lstStyle/>
+          <a:p>
+            <a:r>
+              <a:rPr lang="en-US" dirty="0" smtClean="0"/>
+              <a:t>Further Information</a:t>
+            </a:r>
+            <a:endParaRPr lang="en-US" dirty="0"/>
+          </a:p>
+        </p:txBody>
+      </p:sp>
+      <p:sp>
+        <p:nvSpPr>
+          <p:cNvPr id="3" name="Content Placeholder 2"/>
+          <p:cNvSpPr>
+            <a:spLocks noGrp="1"/>
+          </p:cNvSpPr>
+          <p:nvPr>
+            <p:ph idx="1"/>
+          </p:nvPr>
+        </p:nvSpPr>
+        <p:spPr/>
+        <p:txBody>
+          <a:bodyPr/>
+          <a:lstStyle/>
+          <a:p>
+            <a:r>
+              <a:rPr lang="en-US" dirty="0" smtClean="0"/>
+              <a:t>If you have 10 hours and more than a few brain cells to kill, watch Doug </a:t>
+            </a:r>
+            <a:r>
+              <a:rPr lang="en-US" dirty="0" err="1" smtClean="0"/>
+              <a:t>Crockfords</a:t>
+            </a:r>
+            <a:r>
+              <a:rPr lang="en-US" dirty="0" smtClean="0"/>
+              <a:t> video lecture series “On JavaScript” for a thorough and fascinating view of how this monstrosity of a language came to be</a:t>
+            </a:r>
+          </a:p>
+          <a:p>
+            <a:pPr lvl="1"/>
+            <a:r>
+              <a:rPr lang="en-US" dirty="0" smtClean="0">
+                <a:hlinkClick r:id="rId2"/>
+              </a:rPr>
+              <a:t>https</a:t>
+            </a:r>
+            <a:r>
+              <a:rPr lang="en-US" dirty="0">
+                <a:hlinkClick r:id="rId2"/>
+              </a:rPr>
+              <a:t>://</a:t>
+            </a:r>
+            <a:r>
+              <a:rPr lang="en-US" dirty="0" smtClean="0">
+                <a:hlinkClick r:id="rId2"/>
+              </a:rPr>
+              <a:t>www.youtube.com/playlist?list=PL7664379246A246CB</a:t>
+            </a:r>
+            <a:endParaRPr lang="en-US" dirty="0" smtClean="0"/>
+          </a:p>
+          <a:p>
+            <a:r>
+              <a:rPr lang="en-US" dirty="0" err="1" smtClean="0"/>
+              <a:t>TypeScript</a:t>
+            </a:r>
+            <a:r>
+              <a:rPr lang="en-US" dirty="0" smtClean="0"/>
+              <a:t> Home Page:</a:t>
+            </a:r>
+            <a:endParaRPr lang="en-US" dirty="0" smtClean="0">
+              <a:hlinkClick r:id="rId3"/>
+            </a:endParaRPr>
+          </a:p>
+          <a:p>
+            <a:pPr lvl="1"/>
+            <a:r>
+              <a:rPr lang="en-US" dirty="0" smtClean="0">
+                <a:hlinkClick r:id="rId3"/>
+              </a:rPr>
+              <a:t>http</a:t>
+            </a:r>
+            <a:r>
+              <a:rPr lang="en-US" dirty="0" smtClean="0">
+                <a:hlinkClick r:id="rId3"/>
+              </a:rPr>
+              <a:t>://www.typescriptlang.org/</a:t>
+            </a:r>
+            <a:endParaRPr lang="en-US" dirty="0" smtClean="0"/>
+          </a:p>
+          <a:p>
+            <a:endParaRPr lang="en-US" dirty="0" smtClean="0"/>
+          </a:p>
+          <a:p>
+            <a:pPr lvl="1"/>
+            <a:endParaRPr lang="en-US" dirty="0"/>
+          </a:p>
+          <a:p>
+            <a:pPr lvl="1"/>
+            <a:endParaRPr lang="en-US" dirty="0"/>
+          </a:p>
+        </p:txBody>
+      </p:sp>
+    </p:spTree>
+    <p:extLst>
+      <p:ext uri="{BB962C8B-B14F-4D97-AF65-F5344CB8AC3E}">
+        <p14:creationId xmlns:p14="http://schemas.microsoft.com/office/powerpoint/2010/main" val="2749017617"/>
+      </p:ext>
+    </p:extLst>
+  </p:cSld>
+  <p:clrMapOvr>
+    <a:masterClrMapping/>
+  </p:clrMapOvr>
+</p:sld>
+</file>
+
+<file path=ppt/slides/slide15.xml><?xml version="1.0" encoding="utf-8"?>
+<p:sld xmlns:a="http://schemas.openxmlformats.org/drawingml/2006/main" xmlns:r="http://schemas.openxmlformats.org/officeDocument/2006/relationships" xmlns:p="http://schemas.openxmlformats.org/presentationml/2006/main">
+  <p:cSld>
+    <p:spTree>
+      <p:nvGrpSpPr>
+        <p:cNvPr id="1" name=""/>
+        <p:cNvGrpSpPr/>
+        <p:nvPr/>
+      </p:nvGrpSpPr>
+      <p:grpSpPr>
+        <a:xfrm>
+          <a:off x="0" y="0"/>
+          <a:ext cx="0" cy="0"/>
+          <a:chOff x="0" y="0"/>
+          <a:chExt cx="0" cy="0"/>
+        </a:xfrm>
+      </p:grpSpPr>
+      <p:sp>
+        <p:nvSpPr>
+          <p:cNvPr id="2" name="Title 1"/>
+          <p:cNvSpPr>
+            <a:spLocks noGrp="1"/>
+          </p:cNvSpPr>
+          <p:nvPr>
+            <p:ph type="title"/>
+          </p:nvPr>
+        </p:nvSpPr>
+        <p:spPr/>
+        <p:txBody>
+          <a:bodyPr/>
+          <a:lstStyle/>
+          <a:p>
+            <a:r>
+              <a:rPr lang="en-US" dirty="0" smtClean="0"/>
+              <a:t>Why </a:t>
+            </a:r>
+            <a:r>
+              <a:rPr lang="en-US" dirty="0" smtClean="0"/>
+              <a:t>Typescript?</a:t>
+            </a:r>
+            <a:endParaRPr lang="en-US" dirty="0"/>
           </a:p>
         </p:txBody>
       </p:sp>
@@ -6785,7 +7273,7 @@
 </p:sld>
 </file>
 
-<file path=ppt/slides/slide14.xml><?xml version="1.0" encoding="utf-8"?>
+<file path=ppt/slides/slide16.xml><?xml version="1.0" encoding="utf-8"?>
 <p:sld xmlns:a="http://schemas.openxmlformats.org/drawingml/2006/main" xmlns:r="http://schemas.openxmlformats.org/officeDocument/2006/relationships" xmlns:p="http://schemas.openxmlformats.org/presentationml/2006/main">
   <p:cSld>
     <p:spTree>
@@ -6858,7 +7346,7 @@
 </p:sld>
 </file>
 
-<file path=ppt/slides/slide15.xml><?xml version="1.0" encoding="utf-8"?>
+<file path=ppt/slides/slide17.xml><?xml version="1.0" encoding="utf-8"?>
 <p:sld xmlns:a="http://schemas.openxmlformats.org/drawingml/2006/main" xmlns:r="http://schemas.openxmlformats.org/officeDocument/2006/relationships" xmlns:p="http://schemas.openxmlformats.org/presentationml/2006/main">
   <p:cSld>
     <p:spTree>
@@ -7129,8 +7617,9 @@
           <a:p>
             <a:r>
               <a:rPr lang="en-US" dirty="0" smtClean="0"/>
-              <a:t>Creator</a:t>
-            </a:r>
+              <a:t>Creator of influential languages</a:t>
+            </a:r>
+            <a:endParaRPr lang="en-US" dirty="0" smtClean="0"/>
           </a:p>
           <a:p>
             <a:pPr lvl="1"/>
@@ -7167,325 +7656,6 @@
     <p:extLst>
       <p:ext uri="{BB962C8B-B14F-4D97-AF65-F5344CB8AC3E}">
         <p14:creationId xmlns:p14="http://schemas.microsoft.com/office/powerpoint/2010/main" val="1232489533"/>
-      </p:ext>
-    </p:extLst>
-  </p:cSld>
-  <p:clrMapOvr>
-    <a:masterClrMapping/>
-  </p:clrMapOvr>
-</p:sld>
-</file>
-
-<file path=ppt/slides/slide16.xml><?xml version="1.0" encoding="utf-8"?>
-<p:sld xmlns:a="http://schemas.openxmlformats.org/drawingml/2006/main" xmlns:r="http://schemas.openxmlformats.org/officeDocument/2006/relationships" xmlns:p="http://schemas.openxmlformats.org/presentationml/2006/main">
-  <p:cSld>
-    <p:spTree>
-      <p:nvGrpSpPr>
-        <p:cNvPr id="1" name=""/>
-        <p:cNvGrpSpPr/>
-        <p:nvPr/>
-      </p:nvGrpSpPr>
-      <p:grpSpPr>
-        <a:xfrm>
-          <a:off x="0" y="0"/>
-          <a:ext cx="0" cy="0"/>
-          <a:chOff x="0" y="0"/>
-          <a:chExt cx="0" cy="0"/>
-        </a:xfrm>
-      </p:grpSpPr>
-      <p:sp>
-        <p:nvSpPr>
-          <p:cNvPr id="2" name="Title 1"/>
-          <p:cNvSpPr>
-            <a:spLocks noGrp="1"/>
-          </p:cNvSpPr>
-          <p:nvPr>
-            <p:ph type="title"/>
-          </p:nvPr>
-        </p:nvSpPr>
-        <p:spPr/>
-        <p:txBody>
-          <a:bodyPr/>
-          <a:lstStyle/>
-          <a:p>
-            <a:r>
-              <a:rPr lang="en-US" dirty="0" smtClean="0"/>
-              <a:t>Upsides</a:t>
-            </a:r>
-            <a:endParaRPr lang="en-US" dirty="0"/>
-          </a:p>
-        </p:txBody>
-      </p:sp>
-      <p:sp>
-        <p:nvSpPr>
-          <p:cNvPr id="3" name="Content Placeholder 2"/>
-          <p:cNvSpPr>
-            <a:spLocks noGrp="1"/>
-          </p:cNvSpPr>
-          <p:nvPr>
-            <p:ph idx="1"/>
-          </p:nvPr>
-        </p:nvSpPr>
-        <p:spPr/>
-        <p:txBody>
-          <a:bodyPr/>
-          <a:lstStyle/>
-          <a:p>
-            <a:r>
-              <a:rPr lang="en-US" dirty="0" smtClean="0"/>
-              <a:t>Reduces bugs</a:t>
-            </a:r>
-          </a:p>
-          <a:p>
-            <a:r>
-              <a:rPr lang="en-US" dirty="0" smtClean="0"/>
-              <a:t>Makes sense out of the “wild </a:t>
-            </a:r>
-            <a:r>
-              <a:rPr lang="en-US" dirty="0" err="1" smtClean="0"/>
-              <a:t>wild</a:t>
-            </a:r>
-            <a:r>
-              <a:rPr lang="en-US" dirty="0" smtClean="0"/>
-              <a:t> west” inherent in JavaScript</a:t>
-            </a:r>
-          </a:p>
-          <a:p>
-            <a:r>
-              <a:rPr lang="en-US" dirty="0" smtClean="0"/>
-              <a:t>Increases understandability</a:t>
-            </a:r>
-          </a:p>
-          <a:p>
-            <a:pPr lvl="1"/>
-            <a:r>
-              <a:rPr lang="en-US" dirty="0" smtClean="0"/>
-              <a:t>Especially important for 3</a:t>
-            </a:r>
-            <a:r>
-              <a:rPr lang="en-US" baseline="30000" dirty="0" smtClean="0"/>
-              <a:t>rd</a:t>
-            </a:r>
-            <a:r>
-              <a:rPr lang="en-US" dirty="0" smtClean="0"/>
-              <a:t> party libraries</a:t>
-            </a:r>
-          </a:p>
-          <a:p>
-            <a:r>
-              <a:rPr lang="en-US" dirty="0" smtClean="0"/>
-              <a:t>Allows teams to collaborate on larger projects</a:t>
-            </a:r>
-          </a:p>
-          <a:p>
-            <a:r>
-              <a:rPr lang="en-US" dirty="0" smtClean="0"/>
-              <a:t>Vastly improves refactoring</a:t>
-            </a:r>
-          </a:p>
-          <a:p>
-            <a:pPr lvl="1"/>
-            <a:r>
-              <a:rPr lang="en-US" dirty="0" smtClean="0"/>
-              <a:t>If there’s a single reason to choose it, this is it.</a:t>
-            </a:r>
-          </a:p>
-          <a:p>
-            <a:r>
-              <a:rPr lang="en-US" dirty="0" smtClean="0"/>
-              <a:t>Advanced JavaScript Features on </a:t>
-            </a:r>
-            <a:r>
-              <a:rPr lang="en-US" dirty="0" err="1" smtClean="0"/>
-              <a:t>Downlevel</a:t>
-            </a:r>
-            <a:r>
-              <a:rPr lang="en-US" dirty="0" smtClean="0"/>
-              <a:t> Browsers</a:t>
-            </a:r>
-            <a:endParaRPr lang="en-US" dirty="0"/>
-          </a:p>
-        </p:txBody>
-      </p:sp>
-    </p:spTree>
-    <p:extLst>
-      <p:ext uri="{BB962C8B-B14F-4D97-AF65-F5344CB8AC3E}">
-        <p14:creationId xmlns:p14="http://schemas.microsoft.com/office/powerpoint/2010/main" val="760055095"/>
-      </p:ext>
-    </p:extLst>
-  </p:cSld>
-  <p:clrMapOvr>
-    <a:masterClrMapping/>
-  </p:clrMapOvr>
-</p:sld>
-</file>
-
-<file path=ppt/slides/slide17.xml><?xml version="1.0" encoding="utf-8"?>
-<p:sld xmlns:a="http://schemas.openxmlformats.org/drawingml/2006/main" xmlns:r="http://schemas.openxmlformats.org/officeDocument/2006/relationships" xmlns:p="http://schemas.openxmlformats.org/presentationml/2006/main">
-  <p:cSld>
-    <p:spTree>
-      <p:nvGrpSpPr>
-        <p:cNvPr id="1" name=""/>
-        <p:cNvGrpSpPr/>
-        <p:nvPr/>
-      </p:nvGrpSpPr>
-      <p:grpSpPr>
-        <a:xfrm>
-          <a:off x="0" y="0"/>
-          <a:ext cx="0" cy="0"/>
-          <a:chOff x="0" y="0"/>
-          <a:chExt cx="0" cy="0"/>
-        </a:xfrm>
-      </p:grpSpPr>
-      <p:sp>
-        <p:nvSpPr>
-          <p:cNvPr id="2" name="Title 1"/>
-          <p:cNvSpPr>
-            <a:spLocks noGrp="1"/>
-          </p:cNvSpPr>
-          <p:nvPr>
-            <p:ph type="title"/>
-          </p:nvPr>
-        </p:nvSpPr>
-        <p:spPr/>
-        <p:txBody>
-          <a:bodyPr/>
-          <a:lstStyle/>
-          <a:p>
-            <a:r>
-              <a:rPr lang="en-US" dirty="0" smtClean="0"/>
-              <a:t>Upsides (</a:t>
-            </a:r>
-            <a:r>
-              <a:rPr lang="en-US" dirty="0" err="1" smtClean="0"/>
-              <a:t>cont</a:t>
-            </a:r>
-            <a:r>
-              <a:rPr lang="en-US" dirty="0" smtClean="0"/>
-              <a:t>)</a:t>
-            </a:r>
-            <a:endParaRPr lang="en-US" dirty="0"/>
-          </a:p>
-        </p:txBody>
-      </p:sp>
-      <p:sp>
-        <p:nvSpPr>
-          <p:cNvPr id="3" name="Content Placeholder 2"/>
-          <p:cNvSpPr>
-            <a:spLocks noGrp="1"/>
-          </p:cNvSpPr>
-          <p:nvPr>
-            <p:ph idx="1"/>
-          </p:nvPr>
-        </p:nvSpPr>
-        <p:spPr/>
-        <p:txBody>
-          <a:bodyPr>
-            <a:normAutofit fontScale="92500" lnSpcReduction="20000"/>
-          </a:bodyPr>
-          <a:lstStyle/>
-          <a:p>
-            <a:r>
-              <a:rPr lang="en-US" dirty="0" smtClean="0"/>
-              <a:t>Open source</a:t>
-            </a:r>
-          </a:p>
-          <a:p>
-            <a:pPr lvl="1"/>
-            <a:r>
-              <a:rPr lang="en-US" dirty="0" smtClean="0"/>
-              <a:t>Fully transparent development process</a:t>
-            </a:r>
-          </a:p>
-          <a:p>
-            <a:pPr lvl="1"/>
-            <a:r>
-              <a:rPr lang="en-US" dirty="0" smtClean="0"/>
-              <a:t>Takes patches from community</a:t>
-            </a:r>
-          </a:p>
-          <a:p>
-            <a:pPr lvl="1"/>
-            <a:r>
-              <a:rPr lang="en-US" dirty="0" smtClean="0"/>
-              <a:t>Full member of TC39 Steering Committee, helping mold JS into a great language</a:t>
-            </a:r>
-          </a:p>
-          <a:p>
-            <a:r>
-              <a:rPr lang="en-US" dirty="0" smtClean="0"/>
-              <a:t>Gets new JS Features before they hit JS and browsers</a:t>
-            </a:r>
-          </a:p>
-          <a:p>
-            <a:r>
-              <a:rPr lang="en-US" dirty="0" smtClean="0"/>
-              <a:t>Only implements features that are either:</a:t>
-            </a:r>
-          </a:p>
-          <a:p>
-            <a:pPr lvl="1"/>
-            <a:r>
-              <a:rPr lang="en-US" dirty="0" smtClean="0"/>
-              <a:t>100% likely to make it into JavaScript (Stage 3+ proposals only)</a:t>
-            </a:r>
-          </a:p>
-          <a:p>
-            <a:pPr lvl="1"/>
-            <a:r>
-              <a:rPr lang="en-US" dirty="0" smtClean="0"/>
-              <a:t>0% likely to make it into JavaScript</a:t>
-            </a:r>
-          </a:p>
-          <a:p>
-            <a:r>
-              <a:rPr lang="en-US" dirty="0" smtClean="0"/>
-              <a:t>Code compiles to “idiomatic JavaScript”</a:t>
-            </a:r>
-          </a:p>
-          <a:p>
-            <a:pPr lvl="1"/>
-            <a:r>
-              <a:rPr lang="en-US" dirty="0" smtClean="0"/>
-              <a:t>If </a:t>
-            </a:r>
-            <a:r>
-              <a:rPr lang="en-US" dirty="0" err="1" smtClean="0"/>
-              <a:t>TypeScript</a:t>
-            </a:r>
-            <a:r>
-              <a:rPr lang="en-US" dirty="0" smtClean="0"/>
-              <a:t> ever disappears, you can compile to JS and use the sources without needing a full rewrite</a:t>
-            </a:r>
-          </a:p>
-          <a:p>
-            <a:r>
-              <a:rPr lang="en-US" dirty="0" smtClean="0"/>
-              <a:t>Generated JS closely resembles source TS</a:t>
-            </a:r>
-          </a:p>
-          <a:p>
-            <a:pPr lvl="1"/>
-            <a:r>
-              <a:rPr lang="en-US" dirty="0" smtClean="0"/>
-              <a:t>Can be debugged easily without </a:t>
-            </a:r>
-            <a:r>
-              <a:rPr lang="en-US" dirty="0" err="1" smtClean="0"/>
-              <a:t>sourcemaps</a:t>
-            </a:r>
-            <a:r>
-              <a:rPr lang="en-US" dirty="0" smtClean="0"/>
-              <a:t> if necessary</a:t>
-            </a:r>
-            <a:endParaRPr lang="en-US" dirty="0"/>
-          </a:p>
-        </p:txBody>
-      </p:sp>
-    </p:spTree>
-    <p:extLst>
-      <p:ext uri="{BB962C8B-B14F-4D97-AF65-F5344CB8AC3E}">
-        <p14:creationId xmlns:p14="http://schemas.microsoft.com/office/powerpoint/2010/main" val="1422900559"/>
       </p:ext>
     </p:extLst>
   </p:cSld>
@@ -7529,7 +7699,7 @@
           <a:p>
             <a:r>
               <a:rPr lang="en-US" dirty="0" smtClean="0"/>
-              <a:t>Downsides</a:t>
+              <a:t>Upsides</a:t>
             </a:r>
             <a:endParaRPr lang="en-US" dirty="0"/>
           </a:p>
@@ -7552,7 +7722,34 @@
           <a:p>
             <a:r>
               <a:rPr lang="en-US" dirty="0" smtClean="0"/>
-              <a:t>Interfacing with 3</a:t>
+              <a:t>Reduces bugs</a:t>
+            </a:r>
+          </a:p>
+          <a:p>
+            <a:r>
+              <a:rPr lang="en-US" dirty="0" smtClean="0"/>
+              <a:t>Makes sense out of the “wild </a:t>
+            </a:r>
+            <a:r>
+              <a:rPr lang="en-US" dirty="0" err="1" smtClean="0"/>
+              <a:t>wild</a:t>
+            </a:r>
+            <a:r>
+              <a:rPr lang="en-US" dirty="0" smtClean="0"/>
+              <a:t> west” inherent in JavaScript</a:t>
+            </a:r>
+          </a:p>
+          <a:p>
+            <a:r>
+              <a:rPr lang="en-US" dirty="0" smtClean="0"/>
+              <a:t>Increases understandability</a:t>
+            </a:r>
+          </a:p>
+          <a:p>
+            <a:pPr lvl="1"/>
+            <a:r>
+              <a:rPr lang="en-US" dirty="0" smtClean="0"/>
+              <a:t>Especially important for 3</a:t>
             </a:r>
             <a:r>
               <a:rPr lang="en-US" baseline="30000" dirty="0" smtClean="0"/>
@@ -7560,47 +7757,40 @@
             </a:r>
             <a:r>
               <a:rPr lang="en-US" dirty="0" smtClean="0"/>
-              <a:t> party libraries can *sometimes* be a pain</a:t>
-            </a:r>
-          </a:p>
-          <a:p>
-            <a:pPr lvl="1"/>
-            <a:r>
-              <a:rPr lang="en-US" dirty="0" smtClean="0"/>
-              <a:t>It’s getting better</a:t>
-            </a:r>
-          </a:p>
-          <a:p>
-            <a:r>
-              <a:rPr lang="en-US" dirty="0" smtClean="0"/>
-              <a:t>Requires a build process</a:t>
-            </a:r>
-          </a:p>
-          <a:p>
-            <a:pPr lvl="1"/>
-            <a:r>
-              <a:rPr lang="en-US" dirty="0" smtClean="0"/>
-              <a:t>But… in modern web dev, you’re using one anyway</a:t>
-            </a:r>
-          </a:p>
-          <a:p>
-            <a:r>
-              <a:rPr lang="en-US" dirty="0" smtClean="0"/>
-              <a:t>Requires more thought to write good code</a:t>
-            </a:r>
-          </a:p>
-          <a:p>
-            <a:pPr lvl="1"/>
-            <a:r>
-              <a:rPr lang="en-US" dirty="0" smtClean="0"/>
-              <a:t>In my book, this is a solid upside</a:t>
-            </a:r>
-          </a:p>
-          <a:p>
-            <a:pPr lvl="1"/>
-            <a:r>
-              <a:rPr lang="en-US" dirty="0" smtClean="0"/>
-              <a:t>But at times, the internet disagrees</a:t>
+              <a:t> party libraries</a:t>
+            </a:r>
+          </a:p>
+          <a:p>
+            <a:r>
+              <a:rPr lang="en-US" dirty="0" smtClean="0"/>
+              <a:t>Allows teams to collaborate on larger projects</a:t>
+            </a:r>
+          </a:p>
+          <a:p>
+            <a:r>
+              <a:rPr lang="en-US" dirty="0" smtClean="0"/>
+              <a:t>Vastly improves refactoring</a:t>
+            </a:r>
+          </a:p>
+          <a:p>
+            <a:pPr lvl="1"/>
+            <a:r>
+              <a:rPr lang="en-US" dirty="0" smtClean="0"/>
+              <a:t>If there’s a single reason to choose it, this is it.</a:t>
+            </a:r>
+          </a:p>
+          <a:p>
+            <a:r>
+              <a:rPr lang="en-US" dirty="0" smtClean="0"/>
+              <a:t>Advanced JavaScript Features on </a:t>
+            </a:r>
+            <a:r>
+              <a:rPr lang="en-US" dirty="0" err="1" smtClean="0"/>
+              <a:t>Downlevel</a:t>
+            </a:r>
+            <a:r>
+              <a:rPr lang="en-US" dirty="0" smtClean="0"/>
+              <a:t> Browsers</a:t>
             </a:r>
             <a:endParaRPr lang="en-US" dirty="0"/>
           </a:p>
@@ -7609,7 +7799,7 @@
     </p:spTree>
     <p:extLst>
       <p:ext uri="{BB962C8B-B14F-4D97-AF65-F5344CB8AC3E}">
-        <p14:creationId xmlns:p14="http://schemas.microsoft.com/office/powerpoint/2010/main" val="1980432064"/>
+        <p14:creationId xmlns:p14="http://schemas.microsoft.com/office/powerpoint/2010/main" val="760055095"/>
       </p:ext>
     </p:extLst>
   </p:cSld>
@@ -7653,7 +7843,15 @@
           <a:p>
             <a:r>
               <a:rPr lang="en-US" dirty="0" smtClean="0"/>
-              <a:t>My Experience</a:t>
+              <a:t>Upsides (</a:t>
+            </a:r>
+            <a:r>
+              <a:rPr lang="en-US" dirty="0" err="1" smtClean="0"/>
+              <a:t>cont</a:t>
+            </a:r>
+            <a:r>
+              <a:rPr lang="en-US" dirty="0" smtClean="0"/>
+              <a:t>)</a:t>
             </a:r>
             <a:endParaRPr lang="en-US" dirty="0"/>
           </a:p>
@@ -7671,24 +7869,74 @@
         </p:nvSpPr>
         <p:spPr/>
         <p:txBody>
-          <a:bodyPr/>
-          <a:lstStyle/>
-          <a:p>
-            <a:r>
-              <a:rPr lang="en-US" dirty="0" smtClean="0"/>
-              <a:t>The Task: Convert massive Silverlight application to HTML5</a:t>
-            </a:r>
-          </a:p>
-          <a:p>
-            <a:r>
-              <a:rPr lang="en-US" dirty="0" smtClean="0"/>
-              <a:t>The Timeline: 6 months</a:t>
-            </a:r>
-          </a:p>
-          <a:p>
-            <a:r>
-              <a:rPr lang="en-US" dirty="0" smtClean="0"/>
-              <a:t>Started when </a:t>
+          <a:bodyPr>
+            <a:normAutofit fontScale="92500" lnSpcReduction="20000"/>
+          </a:bodyPr>
+          <a:lstStyle/>
+          <a:p>
+            <a:r>
+              <a:rPr lang="en-US" dirty="0" smtClean="0"/>
+              <a:t>Open source</a:t>
+            </a:r>
+          </a:p>
+          <a:p>
+            <a:pPr lvl="1"/>
+            <a:r>
+              <a:rPr lang="en-US" dirty="0" smtClean="0"/>
+              <a:t>Fully transparent development process</a:t>
+            </a:r>
+          </a:p>
+          <a:p>
+            <a:pPr lvl="1"/>
+            <a:r>
+              <a:rPr lang="en-US" dirty="0" smtClean="0"/>
+              <a:t>Takes patches from community</a:t>
+            </a:r>
+          </a:p>
+          <a:p>
+            <a:pPr lvl="1"/>
+            <a:r>
+              <a:rPr lang="en-US" dirty="0" smtClean="0"/>
+              <a:t>Full member of TC39 Steering Committee, helping mold JS into a great language</a:t>
+            </a:r>
+          </a:p>
+          <a:p>
+            <a:r>
+              <a:rPr lang="en-US" dirty="0" smtClean="0"/>
+              <a:t>Gets new JS Features before they hit JS and browsers</a:t>
+            </a:r>
+          </a:p>
+          <a:p>
+            <a:r>
+              <a:rPr lang="en-US" dirty="0" smtClean="0"/>
+              <a:t>Only implements features that are either:</a:t>
+            </a:r>
+          </a:p>
+          <a:p>
+            <a:pPr lvl="1"/>
+            <a:r>
+              <a:rPr lang="en-US" dirty="0" smtClean="0"/>
+              <a:t>100% likely to make it into JavaScript (Stage 3+ proposals only)</a:t>
+            </a:r>
+          </a:p>
+          <a:p>
+            <a:pPr lvl="1"/>
+            <a:r>
+              <a:rPr lang="en-US" dirty="0" smtClean="0"/>
+              <a:t>0% likely to make it into JavaScript</a:t>
+            </a:r>
+          </a:p>
+          <a:p>
+            <a:r>
+              <a:rPr lang="en-US" dirty="0" smtClean="0"/>
+              <a:t>Code compiles to “idiomatic JavaScript”</a:t>
+            </a:r>
+          </a:p>
+          <a:p>
+            <a:pPr lvl="1"/>
+            <a:r>
+              <a:rPr lang="en-US" dirty="0" smtClean="0"/>
+              <a:t>If </a:t>
             </a:r>
             <a:r>
               <a:rPr lang="en-US" dirty="0" err="1" smtClean="0"/>
@@ -7696,58 +7944,29 @@
             </a:r>
             <a:r>
               <a:rPr lang="en-US" dirty="0" smtClean="0"/>
-              <a:t> was still on Version 0.9</a:t>
-            </a:r>
-          </a:p>
-          <a:p>
-            <a:r>
-              <a:rPr lang="en-US" dirty="0" smtClean="0"/>
-              <a:t>Many lessons were learned</a:t>
-            </a:r>
-          </a:p>
-          <a:p>
-            <a:pPr lvl="1"/>
-            <a:r>
-              <a:rPr lang="en-US" dirty="0" smtClean="0"/>
-              <a:t>Mistakes were made</a:t>
-            </a:r>
-          </a:p>
-          <a:p>
-            <a:r>
-              <a:rPr lang="en-US" dirty="0" smtClean="0"/>
-              <a:t>Current Core Platform</a:t>
-            </a:r>
-          </a:p>
-          <a:p>
-            <a:pPr lvl="1"/>
-            <a:r>
-              <a:rPr lang="en-US" dirty="0" smtClean="0"/>
-              <a:t>488 </a:t>
+              <a:t> ever disappears, you can compile to JS and use the sources without needing a full rewrite</a:t>
+            </a:r>
+          </a:p>
+          <a:p>
+            <a:r>
+              <a:rPr lang="en-US" dirty="0" smtClean="0"/>
+              <a:t>Generated JS closely resembles source TS</a:t>
+            </a:r>
+          </a:p>
+          <a:p>
+            <a:pPr lvl="1"/>
+            <a:r>
+              <a:rPr lang="en-US" dirty="0" smtClean="0"/>
+              <a:t>Can be debugged easily without </a:t>
             </a:r>
             <a:r>
               <a:rPr lang="en-US" dirty="0" err="1" smtClean="0"/>
-              <a:t>TypeScript</a:t>
-            </a:r>
-            <a:r>
-              <a:rPr lang="en-US" dirty="0" smtClean="0"/>
-              <a:t> Files</a:t>
-            </a:r>
-          </a:p>
-          <a:p>
-            <a:pPr lvl="1"/>
-            <a:r>
-              <a:rPr lang="en-US" dirty="0" smtClean="0"/>
-              <a:t>7 megabytes of code</a:t>
-            </a:r>
-          </a:p>
-          <a:p>
-            <a:pPr lvl="1"/>
-            <a:r>
-              <a:rPr lang="en-US" dirty="0" smtClean="0"/>
-              <a:t>Impossible to manage in JavaScript</a:t>
-            </a:r>
-          </a:p>
-          <a:p>
+              <a:t>sourcemaps</a:t>
+            </a:r>
+            <a:r>
+              <a:rPr lang="en-US" dirty="0" smtClean="0"/>
+              <a:t> if necessary</a:t>
+            </a:r>
             <a:endParaRPr lang="en-US" dirty="0"/>
           </a:p>
         </p:txBody>
@@ -7755,7 +7974,7 @@
     </p:spTree>
     <p:extLst>
       <p:ext uri="{BB962C8B-B14F-4D97-AF65-F5344CB8AC3E}">
-        <p14:creationId xmlns:p14="http://schemas.microsoft.com/office/powerpoint/2010/main" val="210166678"/>
+        <p14:creationId xmlns:p14="http://schemas.microsoft.com/office/powerpoint/2010/main" val="1422900559"/>
       </p:ext>
     </p:extLst>
   </p:cSld>
@@ -7782,44 +8001,242 @@
           <a:chExt cx="0" cy="0"/>
         </a:xfrm>
       </p:grpSpPr>
-      <p:sp>
-        <p:nvSpPr>
-          <p:cNvPr id="2" name="Title 1"/>
-          <p:cNvSpPr>
-            <a:spLocks noGrp="1"/>
-          </p:cNvSpPr>
-          <p:nvPr>
-            <p:ph type="title"/>
-          </p:nvPr>
-        </p:nvSpPr>
-        <p:spPr/>
-        <p:txBody>
-          <a:bodyPr/>
-          <a:lstStyle/>
-          <a:p>
-            <a:r>
-              <a:rPr lang="en-US" dirty="0" err="1"/>
-              <a:t>Javascript</a:t>
-            </a:r>
-            <a:endParaRPr lang="en-US" dirty="0"/>
-          </a:p>
-        </p:txBody>
-      </p:sp>
-      <p:sp>
-        <p:nvSpPr>
-          <p:cNvPr id="3" name="Text Placeholder 2"/>
-          <p:cNvSpPr>
-            <a:spLocks noGrp="1"/>
-          </p:cNvSpPr>
-          <p:nvPr>
-            <p:ph type="body" idx="1"/>
-          </p:nvPr>
-        </p:nvSpPr>
-        <p:spPr/>
-        <p:txBody>
-          <a:bodyPr/>
-          <a:lstStyle/>
-          <a:p>
+      <p:pic>
+        <p:nvPicPr>
+          <p:cNvPr id="1026" name="Picture 2" descr="Image result for arrested development"/>
+          <p:cNvPicPr>
+            <a:picLocks noGrp="1" noChangeAspect="1" noChangeArrowheads="1"/>
+          </p:cNvPicPr>
+          <p:nvPr>
+            <p:ph idx="1"/>
+          </p:nvPr>
+        </p:nvPicPr>
+        <p:blipFill>
+          <a:blip r:embed="rId2">
+            <a:extLst>
+              <a:ext uri="{28A0092B-C50C-407E-A947-70E740481C1C}">
+                <a14:useLocalDpi xmlns:a14="http://schemas.microsoft.com/office/drawing/2010/main" val="0"/>
+              </a:ext>
+            </a:extLst>
+          </a:blip>
+          <a:srcRect/>
+          <a:stretch>
+            <a:fillRect/>
+          </a:stretch>
+        </p:blipFill>
+        <p:spPr bwMode="auto">
+          <a:xfrm>
+            <a:off x="685800" y="2289969"/>
+            <a:ext cx="10820400" cy="3832225"/>
+          </a:xfrm>
+          <a:prstGeom prst="rect">
+            <a:avLst/>
+          </a:prstGeom>
+          <a:noFill/>
+          <a:extLst>
+            <a:ext uri="{909E8E84-426E-40DD-AFC4-6F175D3DCCD1}">
+              <a14:hiddenFill xmlns:a14="http://schemas.microsoft.com/office/drawing/2010/main">
+                <a:solidFill>
+                  <a:srgbClr val="FFFFFF"/>
+                </a:solidFill>
+              </a14:hiddenFill>
+            </a:ext>
+          </a:extLst>
+        </p:spPr>
+      </p:pic>
+      <p:sp>
+        <p:nvSpPr>
+          <p:cNvPr id="5" name="Content Placeholder 2"/>
+          <p:cNvSpPr txBox="1">
+            <a:spLocks/>
+          </p:cNvSpPr>
+          <p:nvPr/>
+        </p:nvSpPr>
+        <p:spPr>
+          <a:xfrm>
+            <a:off x="685800" y="1791855"/>
+            <a:ext cx="10820400" cy="406400"/>
+          </a:xfrm>
+          <a:prstGeom prst="rect">
+            <a:avLst/>
+          </a:prstGeom>
+        </p:spPr>
+        <p:txBody>
+          <a:bodyPr vert="horz" lIns="91440" tIns="45720" rIns="91440" bIns="45720" rtlCol="0">
+            <a:normAutofit/>
+          </a:bodyPr>
+          <a:lstStyle>
+            <a:lvl1pPr marL="228600" indent="-228600" algn="l" defTabSz="914400" rtl="0" eaLnBrk="1" latinLnBrk="0" hangingPunct="1">
+              <a:lnSpc>
+                <a:spcPct val="90000"/>
+              </a:lnSpc>
+              <a:spcBef>
+                <a:spcPts val="1000"/>
+              </a:spcBef>
+              <a:buFont typeface="Arial" panose="020B0604020202020204" pitchFamily="34" charset="0"/>
+              <a:buChar char="•"/>
+              <a:defRPr sz="2200" kern="1200">
+                <a:solidFill>
+                  <a:schemeClr val="tx1"/>
+                </a:solidFill>
+                <a:latin typeface="+mn-lt"/>
+                <a:ea typeface="+mn-ea"/>
+                <a:cs typeface="+mn-cs"/>
+              </a:defRPr>
+            </a:lvl1pPr>
+            <a:lvl2pPr marL="685800" indent="-228600" algn="l" defTabSz="914400" rtl="0" eaLnBrk="1" latinLnBrk="0" hangingPunct="1">
+              <a:lnSpc>
+                <a:spcPct val="90000"/>
+              </a:lnSpc>
+              <a:spcBef>
+                <a:spcPts val="500"/>
+              </a:spcBef>
+              <a:buFont typeface="Arial" panose="020B0604020202020204" pitchFamily="34" charset="0"/>
+              <a:buChar char="•"/>
+              <a:defRPr sz="2000" kern="1200">
+                <a:solidFill>
+                  <a:schemeClr val="tx1"/>
+                </a:solidFill>
+                <a:latin typeface="+mn-lt"/>
+                <a:ea typeface="+mn-ea"/>
+                <a:cs typeface="+mn-cs"/>
+              </a:defRPr>
+            </a:lvl2pPr>
+            <a:lvl3pPr marL="1143000" indent="-228600" algn="l" defTabSz="914400" rtl="0" eaLnBrk="1" latinLnBrk="0" hangingPunct="1">
+              <a:lnSpc>
+                <a:spcPct val="90000"/>
+              </a:lnSpc>
+              <a:spcBef>
+                <a:spcPts val="500"/>
+              </a:spcBef>
+              <a:buFont typeface="Arial" panose="020B0604020202020204" pitchFamily="34" charset="0"/>
+              <a:buChar char="•"/>
+              <a:defRPr sz="1800" kern="1200">
+                <a:solidFill>
+                  <a:schemeClr val="tx1"/>
+                </a:solidFill>
+                <a:latin typeface="+mn-lt"/>
+                <a:ea typeface="+mn-ea"/>
+                <a:cs typeface="+mn-cs"/>
+              </a:defRPr>
+            </a:lvl3pPr>
+            <a:lvl4pPr marL="1600200" indent="-228600" algn="l" defTabSz="914400" rtl="0" eaLnBrk="1" latinLnBrk="0" hangingPunct="1">
+              <a:lnSpc>
+                <a:spcPct val="90000"/>
+              </a:lnSpc>
+              <a:spcBef>
+                <a:spcPts val="500"/>
+              </a:spcBef>
+              <a:buFont typeface="Arial" panose="020B0604020202020204" pitchFamily="34" charset="0"/>
+              <a:buChar char="•"/>
+              <a:defRPr sz="1600" kern="1200">
+                <a:solidFill>
+                  <a:schemeClr val="tx1"/>
+                </a:solidFill>
+                <a:latin typeface="+mn-lt"/>
+                <a:ea typeface="+mn-ea"/>
+                <a:cs typeface="+mn-cs"/>
+              </a:defRPr>
+            </a:lvl4pPr>
+            <a:lvl5pPr marL="2057400" indent="-228600" algn="l" defTabSz="914400" rtl="0" eaLnBrk="1" latinLnBrk="0" hangingPunct="1">
+              <a:lnSpc>
+                <a:spcPct val="90000"/>
+              </a:lnSpc>
+              <a:spcBef>
+                <a:spcPts val="500"/>
+              </a:spcBef>
+              <a:buFont typeface="Arial" panose="020B0604020202020204" pitchFamily="34" charset="0"/>
+              <a:buChar char="•"/>
+              <a:defRPr sz="1600" kern="1200">
+                <a:solidFill>
+                  <a:schemeClr val="tx1"/>
+                </a:solidFill>
+                <a:latin typeface="+mn-lt"/>
+                <a:ea typeface="+mn-ea"/>
+                <a:cs typeface="+mn-cs"/>
+              </a:defRPr>
+            </a:lvl5pPr>
+            <a:lvl6pPr marL="2514600" indent="-228600" algn="l" defTabSz="914400" rtl="0" eaLnBrk="1" latinLnBrk="0" hangingPunct="1">
+              <a:lnSpc>
+                <a:spcPct val="90000"/>
+              </a:lnSpc>
+              <a:spcBef>
+                <a:spcPts val="500"/>
+              </a:spcBef>
+              <a:buFont typeface="Arial" panose="020B0604020202020204" pitchFamily="34" charset="0"/>
+              <a:buChar char="•"/>
+              <a:defRPr sz="1600" kern="1200">
+                <a:solidFill>
+                  <a:schemeClr val="tx1"/>
+                </a:solidFill>
+                <a:latin typeface="+mn-lt"/>
+                <a:ea typeface="+mn-ea"/>
+                <a:cs typeface="+mn-cs"/>
+              </a:defRPr>
+            </a:lvl6pPr>
+            <a:lvl7pPr marL="2971800" indent="-228600" algn="l" defTabSz="914400" rtl="0" eaLnBrk="1" latinLnBrk="0" hangingPunct="1">
+              <a:lnSpc>
+                <a:spcPct val="90000"/>
+              </a:lnSpc>
+              <a:spcBef>
+                <a:spcPts val="500"/>
+              </a:spcBef>
+              <a:buFont typeface="Arial" panose="020B0604020202020204" pitchFamily="34" charset="0"/>
+              <a:buChar char="•"/>
+              <a:defRPr sz="1600" kern="1200">
+                <a:solidFill>
+                  <a:schemeClr val="tx1"/>
+                </a:solidFill>
+                <a:latin typeface="+mn-lt"/>
+                <a:ea typeface="+mn-ea"/>
+                <a:cs typeface="+mn-cs"/>
+              </a:defRPr>
+            </a:lvl7pPr>
+            <a:lvl8pPr marL="3429000" indent="-228600" algn="l" defTabSz="914400" rtl="0" eaLnBrk="1" latinLnBrk="0" hangingPunct="1">
+              <a:lnSpc>
+                <a:spcPct val="90000"/>
+              </a:lnSpc>
+              <a:spcBef>
+                <a:spcPts val="500"/>
+              </a:spcBef>
+              <a:buFont typeface="Arial" panose="020B0604020202020204" pitchFamily="34" charset="0"/>
+              <a:buChar char="•"/>
+              <a:defRPr sz="1600" kern="1200">
+                <a:solidFill>
+                  <a:schemeClr val="tx1"/>
+                </a:solidFill>
+                <a:latin typeface="+mn-lt"/>
+                <a:ea typeface="+mn-ea"/>
+                <a:cs typeface="+mn-cs"/>
+              </a:defRPr>
+            </a:lvl8pPr>
+            <a:lvl9pPr marL="3886200" indent="-228600" algn="l" defTabSz="914400" rtl="0" eaLnBrk="1" latinLnBrk="0" hangingPunct="1">
+              <a:lnSpc>
+                <a:spcPct val="90000"/>
+              </a:lnSpc>
+              <a:spcBef>
+                <a:spcPts val="500"/>
+              </a:spcBef>
+              <a:buFont typeface="Arial" panose="020B0604020202020204" pitchFamily="34" charset="0"/>
+              <a:buChar char="•"/>
+              <a:defRPr sz="1600" kern="1200">
+                <a:solidFill>
+                  <a:schemeClr val="tx1"/>
+                </a:solidFill>
+                <a:latin typeface="+mn-lt"/>
+                <a:ea typeface="+mn-ea"/>
+                <a:cs typeface="+mn-cs"/>
+              </a:defRPr>
+            </a:lvl9pPr>
+          </a:lstStyle>
+          <a:p>
+            <a:pPr marL="0" indent="0" algn="ctr">
+              <a:buNone/>
+            </a:pPr>
+            <a:r>
+              <a:rPr lang="en-US" dirty="0" smtClean="0"/>
+              <a:t>Thanks for coming here instead of watching the new Arrested Development!</a:t>
+            </a:r>
             <a:endParaRPr lang="en-US" dirty="0"/>
           </a:p>
         </p:txBody>
@@ -7827,20 +8244,13 @@
     </p:spTree>
     <p:extLst>
       <p:ext uri="{BB962C8B-B14F-4D97-AF65-F5344CB8AC3E}">
-        <p14:creationId xmlns:p14="http://schemas.microsoft.com/office/powerpoint/2010/main" val="2151132046"/>
+        <p14:creationId xmlns:p14="http://schemas.microsoft.com/office/powerpoint/2010/main" val="85621487"/>
       </p:ext>
     </p:extLst>
   </p:cSld>
   <p:clrMapOvr>
     <a:masterClrMapping/>
   </p:clrMapOvr>
-  <p:timing>
-    <p:tnLst>
-      <p:par>
-        <p:cTn id="1" dur="indefinite" restart="never" nodeType="tmRoot"/>
-      </p:par>
-    </p:tnLst>
-  </p:timing>
 </p:sld>
 </file>
 
@@ -7877,6 +8287,285 @@
           <a:lstStyle/>
           <a:p>
             <a:r>
+              <a:rPr lang="en-US" dirty="0" smtClean="0"/>
+              <a:t>Downsides</a:t>
+            </a:r>
+            <a:endParaRPr lang="en-US" dirty="0"/>
+          </a:p>
+        </p:txBody>
+      </p:sp>
+      <p:sp>
+        <p:nvSpPr>
+          <p:cNvPr id="3" name="Content Placeholder 2"/>
+          <p:cNvSpPr>
+            <a:spLocks noGrp="1"/>
+          </p:cNvSpPr>
+          <p:nvPr>
+            <p:ph idx="1"/>
+          </p:nvPr>
+        </p:nvSpPr>
+        <p:spPr/>
+        <p:txBody>
+          <a:bodyPr/>
+          <a:lstStyle/>
+          <a:p>
+            <a:r>
+              <a:rPr lang="en-US" dirty="0" smtClean="0"/>
+              <a:t>Interfacing with 3</a:t>
+            </a:r>
+            <a:r>
+              <a:rPr lang="en-US" baseline="30000" dirty="0" smtClean="0"/>
+              <a:t>rd</a:t>
+            </a:r>
+            <a:r>
+              <a:rPr lang="en-US" dirty="0" smtClean="0"/>
+              <a:t> party libraries can *sometimes* be a pain</a:t>
+            </a:r>
+          </a:p>
+          <a:p>
+            <a:pPr lvl="1"/>
+            <a:r>
+              <a:rPr lang="en-US" dirty="0" smtClean="0"/>
+              <a:t>It’s getting better</a:t>
+            </a:r>
+          </a:p>
+          <a:p>
+            <a:r>
+              <a:rPr lang="en-US" dirty="0" smtClean="0"/>
+              <a:t>Requires a build process</a:t>
+            </a:r>
+          </a:p>
+          <a:p>
+            <a:pPr lvl="1"/>
+            <a:r>
+              <a:rPr lang="en-US" dirty="0" smtClean="0"/>
+              <a:t>But… in modern web dev, you’re using one anyway</a:t>
+            </a:r>
+          </a:p>
+          <a:p>
+            <a:r>
+              <a:rPr lang="en-US" dirty="0" smtClean="0"/>
+              <a:t>Requires more thought to write good code</a:t>
+            </a:r>
+          </a:p>
+          <a:p>
+            <a:pPr lvl="1"/>
+            <a:r>
+              <a:rPr lang="en-US" dirty="0" smtClean="0"/>
+              <a:t>In my book, this is a solid upside</a:t>
+            </a:r>
+          </a:p>
+          <a:p>
+            <a:pPr lvl="1"/>
+            <a:r>
+              <a:rPr lang="en-US" dirty="0" smtClean="0"/>
+              <a:t>But at times, the internet disagrees</a:t>
+            </a:r>
+            <a:endParaRPr lang="en-US" dirty="0"/>
+          </a:p>
+        </p:txBody>
+      </p:sp>
+    </p:spTree>
+    <p:extLst>
+      <p:ext uri="{BB962C8B-B14F-4D97-AF65-F5344CB8AC3E}">
+        <p14:creationId xmlns:p14="http://schemas.microsoft.com/office/powerpoint/2010/main" val="1980432064"/>
+      </p:ext>
+    </p:extLst>
+  </p:cSld>
+  <p:clrMapOvr>
+    <a:masterClrMapping/>
+  </p:clrMapOvr>
+</p:sld>
+</file>
+
+<file path=ppt/slides/slide21.xml><?xml version="1.0" encoding="utf-8"?>
+<p:sld xmlns:a="http://schemas.openxmlformats.org/drawingml/2006/main" xmlns:r="http://schemas.openxmlformats.org/officeDocument/2006/relationships" xmlns:p="http://schemas.openxmlformats.org/presentationml/2006/main">
+  <p:cSld>
+    <p:spTree>
+      <p:nvGrpSpPr>
+        <p:cNvPr id="1" name=""/>
+        <p:cNvGrpSpPr/>
+        <p:nvPr/>
+      </p:nvGrpSpPr>
+      <p:grpSpPr>
+        <a:xfrm>
+          <a:off x="0" y="0"/>
+          <a:ext cx="0" cy="0"/>
+          <a:chOff x="0" y="0"/>
+          <a:chExt cx="0" cy="0"/>
+        </a:xfrm>
+      </p:grpSpPr>
+      <p:sp>
+        <p:nvSpPr>
+          <p:cNvPr id="2" name="Title 1"/>
+          <p:cNvSpPr>
+            <a:spLocks noGrp="1"/>
+          </p:cNvSpPr>
+          <p:nvPr>
+            <p:ph type="title"/>
+          </p:nvPr>
+        </p:nvSpPr>
+        <p:spPr/>
+        <p:txBody>
+          <a:bodyPr/>
+          <a:lstStyle/>
+          <a:p>
+            <a:r>
+              <a:rPr lang="en-US" dirty="0" smtClean="0"/>
+              <a:t>My Experience</a:t>
+            </a:r>
+            <a:endParaRPr lang="en-US" dirty="0"/>
+          </a:p>
+        </p:txBody>
+      </p:sp>
+      <p:sp>
+        <p:nvSpPr>
+          <p:cNvPr id="3" name="Content Placeholder 2"/>
+          <p:cNvSpPr>
+            <a:spLocks noGrp="1"/>
+          </p:cNvSpPr>
+          <p:nvPr>
+            <p:ph idx="1"/>
+          </p:nvPr>
+        </p:nvSpPr>
+        <p:spPr/>
+        <p:txBody>
+          <a:bodyPr/>
+          <a:lstStyle/>
+          <a:p>
+            <a:r>
+              <a:rPr lang="en-US" dirty="0" smtClean="0"/>
+              <a:t>The Task: Convert massive Silverlight application to HTML5</a:t>
+            </a:r>
+          </a:p>
+          <a:p>
+            <a:r>
+              <a:rPr lang="en-US" dirty="0" smtClean="0"/>
+              <a:t>The Timeline: 6 months</a:t>
+            </a:r>
+          </a:p>
+          <a:p>
+            <a:r>
+              <a:rPr lang="en-US" dirty="0" smtClean="0"/>
+              <a:t>Started when </a:t>
+            </a:r>
+            <a:r>
+              <a:rPr lang="en-US" dirty="0" err="1" smtClean="0"/>
+              <a:t>TypeScript</a:t>
+            </a:r>
+            <a:r>
+              <a:rPr lang="en-US" dirty="0" smtClean="0"/>
+              <a:t> was still on Version 0.9</a:t>
+            </a:r>
+          </a:p>
+          <a:p>
+            <a:r>
+              <a:rPr lang="en-US" dirty="0" smtClean="0"/>
+              <a:t>Many lessons were learned</a:t>
+            </a:r>
+          </a:p>
+          <a:p>
+            <a:pPr lvl="1"/>
+            <a:r>
+              <a:rPr lang="en-US" dirty="0" smtClean="0"/>
+              <a:t>Mistakes were made</a:t>
+            </a:r>
+          </a:p>
+          <a:p>
+            <a:r>
+              <a:rPr lang="en-US" dirty="0" smtClean="0"/>
+              <a:t>5 </a:t>
+            </a:r>
+            <a:r>
+              <a:rPr lang="en-US" dirty="0" smtClean="0"/>
+              <a:t>Year Later: </a:t>
+            </a:r>
+          </a:p>
+          <a:p>
+            <a:pPr lvl="1"/>
+            <a:r>
+              <a:rPr lang="en-US" dirty="0" smtClean="0"/>
+              <a:t>Code has grown to 488 </a:t>
+            </a:r>
+            <a:r>
+              <a:rPr lang="en-US" dirty="0" err="1" smtClean="0"/>
+              <a:t>TypeScript</a:t>
+            </a:r>
+            <a:r>
+              <a:rPr lang="en-US" dirty="0" smtClean="0"/>
+              <a:t> Files</a:t>
+            </a:r>
+          </a:p>
+          <a:p>
+            <a:pPr lvl="1"/>
+            <a:r>
+              <a:rPr lang="en-US" dirty="0" smtClean="0"/>
+              <a:t>7 megabytes of code</a:t>
+            </a:r>
+          </a:p>
+          <a:p>
+            <a:pPr lvl="1"/>
+            <a:r>
+              <a:rPr lang="en-US" dirty="0" smtClean="0"/>
+              <a:t>Impossible to manage in </a:t>
+            </a:r>
+            <a:r>
+              <a:rPr lang="en-US" dirty="0" smtClean="0"/>
+              <a:t>JavaScript</a:t>
+            </a:r>
+            <a:endParaRPr lang="en-US" dirty="0" smtClean="0"/>
+          </a:p>
+          <a:p>
+            <a:endParaRPr lang="en-US" dirty="0"/>
+          </a:p>
+        </p:txBody>
+      </p:sp>
+    </p:spTree>
+    <p:extLst>
+      <p:ext uri="{BB962C8B-B14F-4D97-AF65-F5344CB8AC3E}">
+        <p14:creationId xmlns:p14="http://schemas.microsoft.com/office/powerpoint/2010/main" val="210166678"/>
+      </p:ext>
+    </p:extLst>
+  </p:cSld>
+  <p:clrMapOvr>
+    <a:masterClrMapping/>
+  </p:clrMapOvr>
+</p:sld>
+</file>
+
+<file path=ppt/slides/slide22.xml><?xml version="1.0" encoding="utf-8"?>
+<p:sld xmlns:a="http://schemas.openxmlformats.org/drawingml/2006/main" xmlns:r="http://schemas.openxmlformats.org/officeDocument/2006/relationships" xmlns:p="http://schemas.openxmlformats.org/presentationml/2006/main">
+  <p:cSld>
+    <p:spTree>
+      <p:nvGrpSpPr>
+        <p:cNvPr id="1" name=""/>
+        <p:cNvGrpSpPr/>
+        <p:nvPr/>
+      </p:nvGrpSpPr>
+      <p:grpSpPr>
+        <a:xfrm>
+          <a:off x="0" y="0"/>
+          <a:ext cx="0" cy="0"/>
+          <a:chOff x="0" y="0"/>
+          <a:chExt cx="0" cy="0"/>
+        </a:xfrm>
+      </p:grpSpPr>
+      <p:sp>
+        <p:nvSpPr>
+          <p:cNvPr id="2" name="Title 1"/>
+          <p:cNvSpPr>
+            <a:spLocks noGrp="1"/>
+          </p:cNvSpPr>
+          <p:nvPr>
+            <p:ph type="title"/>
+          </p:nvPr>
+        </p:nvSpPr>
+        <p:spPr/>
+        <p:txBody>
+          <a:bodyPr/>
+          <a:lstStyle/>
+          <a:p>
+            <a:r>
               <a:rPr lang="en-US" dirty="0"/>
               <a:t>Setting up a Web Development Environment</a:t>
             </a:r>
@@ -7896,7 +8585,7 @@
 </p:sld>
 </file>
 
-<file path=ppt/slides/slide21.xml><?xml version="1.0" encoding="utf-8"?>
+<file path=ppt/slides/slide23.xml><?xml version="1.0" encoding="utf-8"?>
 <p:sld xmlns:a="http://schemas.openxmlformats.org/drawingml/2006/main" xmlns:r="http://schemas.openxmlformats.org/officeDocument/2006/relationships" xmlns:p="http://schemas.openxmlformats.org/presentationml/2006/main">
   <p:cSld>
     <p:spTree>
@@ -8039,7 +8728,7 @@
 </p:sld>
 </file>
 
-<file path=ppt/slides/slide22.xml><?xml version="1.0" encoding="utf-8"?>
+<file path=ppt/slides/slide24.xml><?xml version="1.0" encoding="utf-8"?>
 <p:sld xmlns:a="http://schemas.openxmlformats.org/drawingml/2006/main" xmlns:r="http://schemas.openxmlformats.org/officeDocument/2006/relationships" xmlns:p="http://schemas.openxmlformats.org/presentationml/2006/main">
   <p:cSld>
     <p:spTree>
@@ -8259,7 +8948,7 @@
 </p:sld>
 </file>
 
-<file path=ppt/slides/slide23.xml><?xml version="1.0" encoding="utf-8"?>
+<file path=ppt/slides/slide25.xml><?xml version="1.0" encoding="utf-8"?>
 <p:sld xmlns:a="http://schemas.openxmlformats.org/drawingml/2006/main" xmlns:r="http://schemas.openxmlformats.org/officeDocument/2006/relationships" xmlns:p="http://schemas.openxmlformats.org/presentationml/2006/main">
   <p:cSld>
     <p:spTree>
@@ -8429,254 +9118,6 @@
     <p:extLst>
       <p:ext uri="{BB962C8B-B14F-4D97-AF65-F5344CB8AC3E}">
         <p14:creationId xmlns:p14="http://schemas.microsoft.com/office/powerpoint/2010/main" val="4076184331"/>
-      </p:ext>
-    </p:extLst>
-  </p:cSld>
-  <p:clrMapOvr>
-    <a:masterClrMapping/>
-  </p:clrMapOvr>
-</p:sld>
-</file>
-
-<file path=ppt/slides/slide24.xml><?xml version="1.0" encoding="utf-8"?>
-<p:sld xmlns:a="http://schemas.openxmlformats.org/drawingml/2006/main" xmlns:r="http://schemas.openxmlformats.org/officeDocument/2006/relationships" xmlns:p="http://schemas.openxmlformats.org/presentationml/2006/main">
-  <p:cSld>
-    <p:spTree>
-      <p:nvGrpSpPr>
-        <p:cNvPr id="1" name=""/>
-        <p:cNvGrpSpPr/>
-        <p:nvPr/>
-      </p:nvGrpSpPr>
-      <p:grpSpPr>
-        <a:xfrm>
-          <a:off x="0" y="0"/>
-          <a:ext cx="0" cy="0"/>
-          <a:chOff x="0" y="0"/>
-          <a:chExt cx="0" cy="0"/>
-        </a:xfrm>
-      </p:grpSpPr>
-      <p:sp>
-        <p:nvSpPr>
-          <p:cNvPr id="2" name="Title 1"/>
-          <p:cNvSpPr>
-            <a:spLocks noGrp="1"/>
-          </p:cNvSpPr>
-          <p:nvPr>
-            <p:ph type="title"/>
-          </p:nvPr>
-        </p:nvSpPr>
-        <p:spPr/>
-        <p:txBody>
-          <a:bodyPr/>
-          <a:lstStyle/>
-          <a:p>
-            <a:r>
-              <a:rPr lang="en-US" dirty="0" smtClean="0"/>
-              <a:t>Example 1 - Setup</a:t>
-            </a:r>
-            <a:endParaRPr lang="en-US" dirty="0"/>
-          </a:p>
-        </p:txBody>
-      </p:sp>
-      <p:sp>
-        <p:nvSpPr>
-          <p:cNvPr id="3" name="Content Placeholder 2"/>
-          <p:cNvSpPr>
-            <a:spLocks noGrp="1"/>
-          </p:cNvSpPr>
-          <p:nvPr>
-            <p:ph idx="1"/>
-          </p:nvPr>
-        </p:nvSpPr>
-        <p:spPr/>
-        <p:txBody>
-          <a:bodyPr/>
-          <a:lstStyle/>
-          <a:p>
-            <a:r>
-              <a:rPr lang="en-US" dirty="0" smtClean="0"/>
-              <a:t>Introduces using NPM to install </a:t>
-            </a:r>
-            <a:r>
-              <a:rPr lang="en-US" dirty="0" err="1" smtClean="0"/>
-              <a:t>TypeScript</a:t>
-            </a:r>
-            <a:endParaRPr lang="en-US" dirty="0" smtClean="0"/>
-          </a:p>
-          <a:p>
-            <a:r>
-              <a:rPr lang="en-US" dirty="0" smtClean="0"/>
-              <a:t>Compile and run your first </a:t>
-            </a:r>
-            <a:r>
-              <a:rPr lang="en-US" dirty="0" err="1" smtClean="0"/>
-              <a:t>TypeScript</a:t>
-            </a:r>
-            <a:r>
-              <a:rPr lang="en-US" dirty="0" smtClean="0"/>
-              <a:t> program</a:t>
-            </a:r>
-            <a:endParaRPr lang="en-US" dirty="0"/>
-          </a:p>
-        </p:txBody>
-      </p:sp>
-    </p:spTree>
-    <p:extLst>
-      <p:ext uri="{BB962C8B-B14F-4D97-AF65-F5344CB8AC3E}">
-        <p14:creationId xmlns:p14="http://schemas.microsoft.com/office/powerpoint/2010/main" val="949647574"/>
-      </p:ext>
-    </p:extLst>
-  </p:cSld>
-  <p:clrMapOvr>
-    <a:masterClrMapping/>
-  </p:clrMapOvr>
-</p:sld>
-</file>
-
-<file path=ppt/slides/slide25.xml><?xml version="1.0" encoding="utf-8"?>
-<p:sld xmlns:a="http://schemas.openxmlformats.org/drawingml/2006/main" xmlns:r="http://schemas.openxmlformats.org/officeDocument/2006/relationships" xmlns:p="http://schemas.openxmlformats.org/presentationml/2006/main">
-  <p:cSld>
-    <p:spTree>
-      <p:nvGrpSpPr>
-        <p:cNvPr id="1" name=""/>
-        <p:cNvGrpSpPr/>
-        <p:nvPr/>
-      </p:nvGrpSpPr>
-      <p:grpSpPr>
-        <a:xfrm>
-          <a:off x="0" y="0"/>
-          <a:ext cx="0" cy="0"/>
-          <a:chOff x="0" y="0"/>
-          <a:chExt cx="0" cy="0"/>
-        </a:xfrm>
-      </p:grpSpPr>
-      <p:sp>
-        <p:nvSpPr>
-          <p:cNvPr id="2" name="Title 1"/>
-          <p:cNvSpPr>
-            <a:spLocks noGrp="1"/>
-          </p:cNvSpPr>
-          <p:nvPr>
-            <p:ph type="title"/>
-          </p:nvPr>
-        </p:nvSpPr>
-        <p:spPr/>
-        <p:txBody>
-          <a:bodyPr/>
-          <a:lstStyle/>
-          <a:p>
-            <a:r>
-              <a:rPr lang="en-US" dirty="0" smtClean="0"/>
-              <a:t>Example 2 - Build</a:t>
-            </a:r>
-            <a:endParaRPr lang="en-US" dirty="0"/>
-          </a:p>
-        </p:txBody>
-      </p:sp>
-      <p:sp>
-        <p:nvSpPr>
-          <p:cNvPr id="3" name="Content Placeholder 2"/>
-          <p:cNvSpPr>
-            <a:spLocks noGrp="1"/>
-          </p:cNvSpPr>
-          <p:nvPr>
-            <p:ph idx="1"/>
-          </p:nvPr>
-        </p:nvSpPr>
-        <p:spPr/>
-        <p:txBody>
-          <a:bodyPr/>
-          <a:lstStyle/>
-          <a:p>
-            <a:r>
-              <a:rPr lang="en-US" dirty="0" smtClean="0"/>
-              <a:t>First example leads to clutter in larger programs</a:t>
-            </a:r>
-          </a:p>
-          <a:p>
-            <a:r>
-              <a:rPr lang="en-US" dirty="0" smtClean="0"/>
-              <a:t>Better to set up a dedicated build system</a:t>
-            </a:r>
-          </a:p>
-          <a:p>
-            <a:r>
-              <a:rPr lang="en-US" dirty="0" smtClean="0"/>
-              <a:t>Use </a:t>
-            </a:r>
-            <a:r>
-              <a:rPr lang="en-US" dirty="0" smtClean="0">
-                <a:latin typeface="Consolas" panose="020B0609020204030204" pitchFamily="49" charset="0"/>
-                <a:cs typeface="Consolas" panose="020B0609020204030204" pitchFamily="49" charset="0"/>
-              </a:rPr>
-              <a:t>.</a:t>
-            </a:r>
-            <a:r>
-              <a:rPr lang="en-US" b="1" dirty="0" err="1" smtClean="0">
-                <a:latin typeface="Consolas" panose="020B0609020204030204" pitchFamily="49" charset="0"/>
-                <a:cs typeface="Consolas" panose="020B0609020204030204" pitchFamily="49" charset="0"/>
-              </a:rPr>
-              <a:t>gitignore</a:t>
-            </a:r>
-            <a:r>
-              <a:rPr lang="en-US" dirty="0" smtClean="0">
-                <a:latin typeface="Consolas" panose="020B0609020204030204" pitchFamily="49" charset="0"/>
-                <a:cs typeface="Consolas" panose="020B0609020204030204" pitchFamily="49" charset="0"/>
-              </a:rPr>
-              <a:t> </a:t>
-            </a:r>
-            <a:r>
-              <a:rPr lang="en-US" dirty="0" smtClean="0"/>
-              <a:t>to avoid checking in build outputs</a:t>
-            </a:r>
-          </a:p>
-          <a:p>
-            <a:r>
-              <a:rPr lang="en-US" dirty="0" smtClean="0"/>
-              <a:t>Setup </a:t>
-            </a:r>
-            <a:r>
-              <a:rPr lang="en-US" b="1" dirty="0" err="1" smtClean="0">
-                <a:latin typeface="Consolas" panose="020B0609020204030204" pitchFamily="49" charset="0"/>
-                <a:cs typeface="Consolas" panose="020B0609020204030204" pitchFamily="49" charset="0"/>
-              </a:rPr>
-              <a:t>tsconfig.json</a:t>
-            </a:r>
-            <a:r>
-              <a:rPr lang="en-US" dirty="0" smtClean="0"/>
-              <a:t> with your preferences</a:t>
-            </a:r>
-          </a:p>
-          <a:p>
-            <a:r>
-              <a:rPr lang="en-US" dirty="0" smtClean="0"/>
-              <a:t>Setup </a:t>
-            </a:r>
-            <a:r>
-              <a:rPr lang="en-US" b="1" dirty="0" err="1" smtClean="0">
-                <a:latin typeface="Consolas" panose="020B0609020204030204" pitchFamily="49" charset="0"/>
-                <a:cs typeface="Consolas" panose="020B0609020204030204" pitchFamily="49" charset="0"/>
-              </a:rPr>
-              <a:t>package.json</a:t>
-            </a:r>
-            <a:r>
-              <a:rPr lang="en-US" b="1" dirty="0" smtClean="0"/>
-              <a:t> </a:t>
-            </a:r>
-            <a:r>
-              <a:rPr lang="en-US" dirty="0" smtClean="0"/>
-              <a:t>with your build and run scripts</a:t>
-            </a:r>
-          </a:p>
-          <a:p>
-            <a:endParaRPr lang="en-US" dirty="0" smtClean="0"/>
-          </a:p>
-        </p:txBody>
-      </p:sp>
-    </p:spTree>
-    <p:extLst>
-      <p:ext uri="{BB962C8B-B14F-4D97-AF65-F5344CB8AC3E}">
-        <p14:creationId xmlns:p14="http://schemas.microsoft.com/office/powerpoint/2010/main" val="2542776401"/>
       </p:ext>
     </p:extLst>
   </p:cSld>
@@ -8719,109 +9160,82 @@
           <a:lstStyle/>
           <a:p>
             <a:r>
+              <a:rPr lang="en-US" dirty="0" smtClean="0"/>
+              <a:t>	Setup</a:t>
+            </a:r>
+            <a:endParaRPr lang="en-US" dirty="0"/>
+          </a:p>
+        </p:txBody>
+      </p:sp>
+      <p:sp>
+        <p:nvSpPr>
+          <p:cNvPr id="3" name="Content Placeholder 2"/>
+          <p:cNvSpPr>
+            <a:spLocks noGrp="1"/>
+          </p:cNvSpPr>
+          <p:nvPr>
+            <p:ph idx="1"/>
+          </p:nvPr>
+        </p:nvSpPr>
+        <p:spPr/>
+        <p:txBody>
+          <a:bodyPr/>
+          <a:lstStyle/>
+          <a:p>
+            <a:r>
+              <a:rPr lang="en-US" dirty="0" smtClean="0"/>
+              <a:t>Introduces using NPM to install </a:t>
+            </a:r>
+            <a:r>
               <a:rPr lang="en-US" dirty="0" err="1" smtClean="0"/>
-              <a:t>TSConfig.json</a:t>
+              <a:t>TypeScript</a:t>
+            </a:r>
+            <a:endParaRPr lang="en-US" dirty="0" smtClean="0"/>
+          </a:p>
+          <a:p>
+            <a:r>
+              <a:rPr lang="en-US" dirty="0" smtClean="0"/>
+              <a:t>Compile and run your first </a:t>
+            </a:r>
+            <a:r>
+              <a:rPr lang="en-US" dirty="0" err="1" smtClean="0"/>
+              <a:t>TypeScript</a:t>
+            </a:r>
+            <a:r>
+              <a:rPr lang="en-US" dirty="0" smtClean="0"/>
+              <a:t> </a:t>
+            </a:r>
+            <a:r>
+              <a:rPr lang="en-US" dirty="0" smtClean="0"/>
+              <a:t>program</a:t>
+            </a:r>
+          </a:p>
+          <a:p>
+            <a:r>
+              <a:rPr lang="en-US" dirty="0" smtClean="0"/>
+              <a:t>See Example 1</a:t>
             </a:r>
             <a:endParaRPr lang="en-US" dirty="0"/>
-          </a:p>
-        </p:txBody>
-      </p:sp>
-      <p:sp>
-        <p:nvSpPr>
-          <p:cNvPr id="3" name="Content Placeholder 2"/>
-          <p:cNvSpPr>
-            <a:spLocks noGrp="1"/>
-          </p:cNvSpPr>
-          <p:nvPr>
-            <p:ph idx="1"/>
-          </p:nvPr>
-        </p:nvSpPr>
-        <p:spPr/>
-        <p:txBody>
-          <a:bodyPr/>
-          <a:lstStyle/>
-          <a:p>
-            <a:r>
-              <a:rPr lang="en-US" dirty="0" smtClean="0"/>
-              <a:t>Stores options that define precisely how to compile your typescript</a:t>
-            </a:r>
-          </a:p>
-          <a:p>
-            <a:r>
-              <a:rPr lang="en-US" dirty="0" smtClean="0"/>
-              <a:t>Has a plethora of options</a:t>
-            </a:r>
-          </a:p>
-          <a:p>
-            <a:r>
-              <a:rPr lang="en-US" dirty="0" smtClean="0"/>
-              <a:t>Can target any ECMAScript version starting with 3</a:t>
-            </a:r>
-          </a:p>
-          <a:p>
-            <a:pPr lvl="1"/>
-            <a:r>
-              <a:rPr lang="en-US" dirty="0" smtClean="0"/>
-              <a:t>“ES3” only needed for IE6</a:t>
-            </a:r>
-          </a:p>
-          <a:p>
-            <a:pPr lvl="1"/>
-            <a:r>
-              <a:rPr lang="en-US" dirty="0" smtClean="0"/>
-              <a:t>“ES5” only needed for IE7-11</a:t>
-            </a:r>
-          </a:p>
-          <a:p>
-            <a:pPr lvl="1"/>
-            <a:r>
-              <a:rPr lang="en-US" dirty="0" smtClean="0"/>
-              <a:t>Some advanced features not available for ES3 or ES5</a:t>
-            </a:r>
-          </a:p>
-          <a:p>
-            <a:r>
-              <a:rPr lang="en-US" dirty="0" smtClean="0"/>
-              <a:t>Command "</a:t>
-            </a:r>
-            <a:r>
-              <a:rPr lang="en-US" b="1" dirty="0" err="1" smtClean="0">
-                <a:latin typeface="Consolas" panose="020B0609020204030204" pitchFamily="49" charset="0"/>
-                <a:cs typeface="Consolas" panose="020B0609020204030204" pitchFamily="49" charset="0"/>
-              </a:rPr>
-              <a:t>tsc</a:t>
-            </a:r>
-            <a:r>
-              <a:rPr lang="en-US" b="1" dirty="0" smtClean="0">
-                <a:latin typeface="Consolas" panose="020B0609020204030204" pitchFamily="49" charset="0"/>
-                <a:cs typeface="Consolas" panose="020B0609020204030204" pitchFamily="49" charset="0"/>
-              </a:rPr>
-              <a:t> -</a:t>
-            </a:r>
-            <a:r>
-              <a:rPr lang="en-US" b="1" dirty="0" err="1" smtClean="0">
-                <a:latin typeface="Consolas" panose="020B0609020204030204" pitchFamily="49" charset="0"/>
-                <a:cs typeface="Consolas" panose="020B0609020204030204" pitchFamily="49" charset="0"/>
-              </a:rPr>
-              <a:t>init</a:t>
-            </a:r>
-            <a:r>
-              <a:rPr lang="en-US" dirty="0" smtClean="0"/>
-              <a:t>" will create a file with barebones defaults for you. </a:t>
-            </a:r>
           </a:p>
         </p:txBody>
       </p:sp>
     </p:spTree>
     <p:extLst>
       <p:ext uri="{BB962C8B-B14F-4D97-AF65-F5344CB8AC3E}">
-        <p14:creationId xmlns:p14="http://schemas.microsoft.com/office/powerpoint/2010/main" val="911970663"/>
+        <p14:creationId xmlns:p14="http://schemas.microsoft.com/office/powerpoint/2010/main" val="949647574"/>
       </p:ext>
     </p:extLst>
   </p:cSld>
   <p:clrMapOvr>
     <a:masterClrMapping/>
   </p:clrMapOvr>
+  <p:timing>
+    <p:tnLst>
+      <p:par>
+        <p:cTn id="1" dur="indefinite" restart="never" nodeType="tmRoot"/>
+      </p:par>
+    </p:tnLst>
+  </p:timing>
 </p:sld>
 </file>
 
@@ -8859,7 +9273,7 @@
           <a:p>
             <a:r>
               <a:rPr lang="en-US" dirty="0" smtClean="0"/>
-              <a:t>Example 3 - Bundling</a:t>
+              <a:t>Build</a:t>
             </a:r>
             <a:endParaRPr lang="en-US" dirty="0"/>
           </a:p>
@@ -8881,101 +9295,118 @@
           <a:lstStyle/>
           <a:p>
             <a:r>
-              <a:rPr lang="en-US" dirty="0"/>
-              <a:t>Larger programs need bundlers to organize outputs</a:t>
-            </a:r>
-          </a:p>
-          <a:p>
-            <a:r>
-              <a:rPr lang="en-US" dirty="0"/>
-              <a:t>Introduces the concept of modules</a:t>
-            </a:r>
-          </a:p>
-          <a:p>
-            <a:r>
-              <a:rPr lang="en-US" dirty="0"/>
-              <a:t>This example uses </a:t>
-            </a:r>
-            <a:r>
-              <a:rPr lang="en-US" dirty="0" err="1"/>
-              <a:t>Webpack</a:t>
-            </a:r>
-            <a:r>
-              <a:rPr lang="en-US" dirty="0"/>
-              <a:t> to demonstrate how to bundle</a:t>
-            </a:r>
-          </a:p>
-          <a:p>
-            <a:pPr lvl="1"/>
-            <a:r>
-              <a:rPr lang="en-US" dirty="0"/>
-              <a:t>Uses </a:t>
-            </a:r>
-            <a:r>
-              <a:rPr lang="en-US" b="1" dirty="0" err="1">
+              <a:rPr lang="en-US" dirty="0" smtClean="0"/>
+              <a:t>First example leads to clutter in larger programs</a:t>
+            </a:r>
+          </a:p>
+          <a:p>
+            <a:r>
+              <a:rPr lang="en-US" dirty="0" smtClean="0"/>
+              <a:t>Better to set up a dedicated build system</a:t>
+            </a:r>
+          </a:p>
+          <a:p>
+            <a:r>
+              <a:rPr lang="en-US" dirty="0" smtClean="0"/>
+              <a:t>Use </a:t>
+            </a:r>
+            <a:r>
+              <a:rPr lang="en-US" dirty="0" smtClean="0">
                 <a:latin typeface="Consolas" panose="020B0609020204030204" pitchFamily="49" charset="0"/>
                 <a:cs typeface="Consolas" panose="020B0609020204030204" pitchFamily="49" charset="0"/>
               </a:rPr>
-              <a:t>ts</a:t>
-            </a:r>
-            <a:r>
-              <a:rPr lang="en-US" b="1" dirty="0">
+              <a:t>.</a:t>
+            </a:r>
+            <a:r>
+              <a:rPr lang="en-US" b="1" dirty="0" err="1" smtClean="0">
                 <a:latin typeface="Consolas" panose="020B0609020204030204" pitchFamily="49" charset="0"/>
                 <a:cs typeface="Consolas" panose="020B0609020204030204" pitchFamily="49" charset="0"/>
               </a:rPr>
-              <a:t>-loader</a:t>
-            </a:r>
-            <a:r>
-              <a:rPr lang="en-US" dirty="0"/>
-              <a:t> to let </a:t>
-            </a:r>
-            <a:r>
-              <a:rPr lang="en-US" dirty="0" err="1"/>
-              <a:t>Webpack</a:t>
-            </a:r>
-            <a:r>
-              <a:rPr lang="en-US" dirty="0"/>
-              <a:t> be </a:t>
-            </a:r>
-            <a:r>
-              <a:rPr lang="en-US" dirty="0" err="1"/>
-              <a:t>TypeScript</a:t>
-            </a:r>
-            <a:r>
-              <a:rPr lang="en-US" dirty="0"/>
-              <a:t>-aware</a:t>
-            </a:r>
-          </a:p>
-          <a:p>
-            <a:r>
-              <a:rPr lang="en-US" dirty="0" err="1"/>
-              <a:t>Webpack</a:t>
-            </a:r>
-            <a:r>
-              <a:rPr lang="en-US" dirty="0"/>
-              <a:t> is complex enough to warrant an entire presentation of its </a:t>
-            </a:r>
-            <a:r>
-              <a:rPr lang="en-US" dirty="0" smtClean="0"/>
-              <a:t>own</a:t>
-            </a:r>
-            <a:endParaRPr lang="en-US" dirty="0"/>
-          </a:p>
-          <a:p>
-            <a:endParaRPr lang="en-US" dirty="0"/>
+              <a:t>gitignore</a:t>
+            </a:r>
+            <a:r>
+              <a:rPr lang="en-US" dirty="0" smtClean="0">
+                <a:latin typeface="Consolas" panose="020B0609020204030204" pitchFamily="49" charset="0"/>
+                <a:cs typeface="Consolas" panose="020B0609020204030204" pitchFamily="49" charset="0"/>
+              </a:rPr>
+              <a:t> </a:t>
+            </a:r>
+            <a:r>
+              <a:rPr lang="en-US" dirty="0" smtClean="0"/>
+              <a:t>to avoid checking in build outputs</a:t>
+            </a:r>
+          </a:p>
+          <a:p>
+            <a:r>
+              <a:rPr lang="en-US" dirty="0" smtClean="0"/>
+              <a:t>Setup </a:t>
+            </a:r>
+            <a:r>
+              <a:rPr lang="en-US" b="1" dirty="0" err="1" smtClean="0">
+                <a:latin typeface="Consolas" panose="020B0609020204030204" pitchFamily="49" charset="0"/>
+                <a:cs typeface="Consolas" panose="020B0609020204030204" pitchFamily="49" charset="0"/>
+              </a:rPr>
+              <a:t>tsconfig.json</a:t>
+            </a:r>
+            <a:r>
+              <a:rPr lang="en-US" dirty="0" smtClean="0"/>
+              <a:t> with your preferences</a:t>
+            </a:r>
+          </a:p>
+          <a:p>
+            <a:r>
+              <a:rPr lang="en-US" dirty="0" smtClean="0"/>
+              <a:t>Setup </a:t>
+            </a:r>
+            <a:r>
+              <a:rPr lang="en-US" b="1" dirty="0" err="1" smtClean="0">
+                <a:latin typeface="Consolas" panose="020B0609020204030204" pitchFamily="49" charset="0"/>
+                <a:cs typeface="Consolas" panose="020B0609020204030204" pitchFamily="49" charset="0"/>
+              </a:rPr>
+              <a:t>package.json</a:t>
+            </a:r>
+            <a:r>
+              <a:rPr lang="en-US" b="1" dirty="0" smtClean="0"/>
+              <a:t> </a:t>
+            </a:r>
+            <a:r>
+              <a:rPr lang="en-US" dirty="0" smtClean="0"/>
+              <a:t>with your build and run </a:t>
+            </a:r>
+            <a:r>
+              <a:rPr lang="en-US" dirty="0" smtClean="0"/>
+              <a:t>scripts</a:t>
+            </a:r>
+          </a:p>
+          <a:p>
+            <a:r>
+              <a:rPr lang="en-US" dirty="0" smtClean="0"/>
+              <a:t>See Example 2</a:t>
+            </a:r>
+            <a:endParaRPr lang="en-US" dirty="0" smtClean="0"/>
+          </a:p>
+          <a:p>
+            <a:endParaRPr lang="en-US" dirty="0" smtClean="0"/>
           </a:p>
         </p:txBody>
       </p:sp>
     </p:spTree>
     <p:extLst>
       <p:ext uri="{BB962C8B-B14F-4D97-AF65-F5344CB8AC3E}">
-        <p14:creationId xmlns:p14="http://schemas.microsoft.com/office/powerpoint/2010/main" val="536527624"/>
+        <p14:creationId xmlns:p14="http://schemas.microsoft.com/office/powerpoint/2010/main" val="2542776401"/>
       </p:ext>
     </p:extLst>
   </p:cSld>
   <p:clrMapOvr>
     <a:masterClrMapping/>
   </p:clrMapOvr>
+  <p:timing>
+    <p:tnLst>
+      <p:par>
+        <p:cTn id="1" dur="indefinite" restart="never" nodeType="tmRoot"/>
+      </p:par>
+    </p:tnLst>
+  </p:timing>
 </p:sld>
 </file>
 
@@ -9012,12 +9443,8 @@
           <a:lstStyle/>
           <a:p>
             <a:r>
-              <a:rPr lang="en-US" dirty="0"/>
-              <a:t>Introduction to </a:t>
-            </a:r>
-            <a:r>
-              <a:rPr lang="en-US" dirty="0" err="1"/>
-              <a:t>TypeScript</a:t>
+              <a:rPr lang="en-US" dirty="0" err="1" smtClean="0"/>
+              <a:t>TSConfig.json</a:t>
             </a:r>
             <a:endParaRPr lang="en-US" dirty="0"/>
           </a:p>
@@ -9025,12 +9452,12 @@
       </p:sp>
       <p:sp>
         <p:nvSpPr>
-          <p:cNvPr id="3" name="Text Placeholder 2"/>
-          <p:cNvSpPr>
-            <a:spLocks noGrp="1"/>
-          </p:cNvSpPr>
-          <p:nvPr>
-            <p:ph type="body" idx="1"/>
+          <p:cNvPr id="3" name="Content Placeholder 2"/>
+          <p:cNvSpPr>
+            <a:spLocks noGrp="1"/>
+          </p:cNvSpPr>
+          <p:nvPr>
+            <p:ph idx="1"/>
           </p:nvPr>
         </p:nvSpPr>
         <p:spPr/>
@@ -9038,20 +9465,94 @@
           <a:bodyPr/>
           <a:lstStyle/>
           <a:p>
-            <a:endParaRPr lang="en-US" dirty="0"/>
+            <a:r>
+              <a:rPr lang="en-US" dirty="0" smtClean="0"/>
+              <a:t>Stores options that define precisely how to compile your typescript</a:t>
+            </a:r>
+          </a:p>
+          <a:p>
+            <a:r>
+              <a:rPr lang="en-US" dirty="0" smtClean="0"/>
+              <a:t>Has a plethora of options</a:t>
+            </a:r>
+          </a:p>
+          <a:p>
+            <a:r>
+              <a:rPr lang="en-US" dirty="0" smtClean="0"/>
+              <a:t>Can target any ECMAScript version starting with 3</a:t>
+            </a:r>
+          </a:p>
+          <a:p>
+            <a:pPr lvl="1"/>
+            <a:r>
+              <a:rPr lang="en-US" dirty="0" smtClean="0"/>
+              <a:t>“ES3” only needed for IE6</a:t>
+            </a:r>
+          </a:p>
+          <a:p>
+            <a:pPr lvl="1"/>
+            <a:r>
+              <a:rPr lang="en-US" dirty="0" smtClean="0"/>
+              <a:t>“ES5” only needed for IE7-11</a:t>
+            </a:r>
+          </a:p>
+          <a:p>
+            <a:pPr lvl="1"/>
+            <a:r>
+              <a:rPr lang="en-US" dirty="0" smtClean="0"/>
+              <a:t>Some advanced features not available for ES3 or ES5</a:t>
+            </a:r>
+          </a:p>
+          <a:p>
+            <a:r>
+              <a:rPr lang="en-US" dirty="0" smtClean="0"/>
+              <a:t>Command "</a:t>
+            </a:r>
+            <a:r>
+              <a:rPr lang="en-US" b="1" dirty="0" err="1" smtClean="0">
+                <a:latin typeface="Consolas" panose="020B0609020204030204" pitchFamily="49" charset="0"/>
+                <a:cs typeface="Consolas" panose="020B0609020204030204" pitchFamily="49" charset="0"/>
+              </a:rPr>
+              <a:t>tsc</a:t>
+            </a:r>
+            <a:r>
+              <a:rPr lang="en-US" b="1" dirty="0" smtClean="0">
+                <a:latin typeface="Consolas" panose="020B0609020204030204" pitchFamily="49" charset="0"/>
+                <a:cs typeface="Consolas" panose="020B0609020204030204" pitchFamily="49" charset="0"/>
+              </a:rPr>
+              <a:t> -</a:t>
+            </a:r>
+            <a:r>
+              <a:rPr lang="en-US" b="1" dirty="0" err="1" smtClean="0">
+                <a:latin typeface="Consolas" panose="020B0609020204030204" pitchFamily="49" charset="0"/>
+                <a:cs typeface="Consolas" panose="020B0609020204030204" pitchFamily="49" charset="0"/>
+              </a:rPr>
+              <a:t>init</a:t>
+            </a:r>
+            <a:r>
+              <a:rPr lang="en-US" dirty="0" smtClean="0"/>
+              <a:t>" will create a file with barebones defaults for you. </a:t>
+            </a:r>
           </a:p>
         </p:txBody>
       </p:sp>
     </p:spTree>
     <p:extLst>
       <p:ext uri="{BB962C8B-B14F-4D97-AF65-F5344CB8AC3E}">
-        <p14:creationId xmlns:p14="http://schemas.microsoft.com/office/powerpoint/2010/main" val="2805792601"/>
+        <p14:creationId xmlns:p14="http://schemas.microsoft.com/office/powerpoint/2010/main" val="911970663"/>
       </p:ext>
     </p:extLst>
   </p:cSld>
   <p:clrMapOvr>
     <a:masterClrMapping/>
   </p:clrMapOvr>
+  <p:timing>
+    <p:tnLst>
+      <p:par>
+        <p:cTn id="1" dur="indefinite" restart="never" nodeType="tmRoot"/>
+      </p:par>
+    </p:tnLst>
+  </p:timing>
 </p:sld>
 </file>
 
@@ -9089,7 +9590,7 @@
           <a:p>
             <a:r>
               <a:rPr lang="en-US" dirty="0" smtClean="0"/>
-              <a:t>Typescript</a:t>
+              <a:t>Bundling</a:t>
             </a:r>
             <a:endParaRPr lang="en-US" dirty="0"/>
           </a:p>
@@ -9107,143 +9608,97 @@
         </p:nvSpPr>
         <p:spPr/>
         <p:txBody>
-          <a:bodyPr>
-            <a:normAutofit/>
-          </a:bodyPr>
-          <a:lstStyle/>
-          <a:p>
-            <a:r>
-              <a:rPr lang="en-US" dirty="0" err="1" smtClean="0"/>
+          <a:bodyPr/>
+          <a:lstStyle/>
+          <a:p>
+            <a:r>
+              <a:rPr lang="en-US" dirty="0"/>
+              <a:t>Larger programs need bundlers to organize outputs</a:t>
+            </a:r>
+          </a:p>
+          <a:p>
+            <a:r>
+              <a:rPr lang="en-US" dirty="0"/>
+              <a:t>Introduces the concept of modules</a:t>
+            </a:r>
+          </a:p>
+          <a:p>
+            <a:r>
+              <a:rPr lang="en-US" dirty="0"/>
+              <a:t>This example uses </a:t>
+            </a:r>
+            <a:r>
+              <a:rPr lang="en-US" dirty="0" err="1"/>
+              <a:t>Webpack</a:t>
+            </a:r>
+            <a:r>
+              <a:rPr lang="en-US" dirty="0"/>
+              <a:t> to demonstrate how to bundle</a:t>
+            </a:r>
+          </a:p>
+          <a:p>
+            <a:pPr lvl="1"/>
+            <a:r>
+              <a:rPr lang="en-US" dirty="0"/>
+              <a:t>Uses </a:t>
+            </a:r>
+            <a:r>
+              <a:rPr lang="en-US" b="1" dirty="0" err="1">
+                <a:latin typeface="Consolas" panose="020B0609020204030204" pitchFamily="49" charset="0"/>
+                <a:cs typeface="Consolas" panose="020B0609020204030204" pitchFamily="49" charset="0"/>
+              </a:rPr>
+              <a:t>ts</a:t>
+            </a:r>
+            <a:r>
+              <a:rPr lang="en-US" b="1" dirty="0">
+                <a:latin typeface="Consolas" panose="020B0609020204030204" pitchFamily="49" charset="0"/>
+                <a:cs typeface="Consolas" panose="020B0609020204030204" pitchFamily="49" charset="0"/>
+              </a:rPr>
+              <a:t>-loader</a:t>
+            </a:r>
+            <a:r>
+              <a:rPr lang="en-US" dirty="0"/>
+              <a:t> to let </a:t>
+            </a:r>
+            <a:r>
+              <a:rPr lang="en-US" dirty="0" err="1"/>
+              <a:t>Webpack</a:t>
+            </a:r>
+            <a:r>
+              <a:rPr lang="en-US" dirty="0"/>
+              <a:t> be </a:t>
+            </a:r>
+            <a:r>
+              <a:rPr lang="en-US" dirty="0" err="1"/>
               <a:t>TypeScript</a:t>
             </a:r>
             <a:r>
-              <a:rPr lang="en-US" dirty="0" smtClean="0"/>
-              <a:t> is JavaScript</a:t>
-            </a:r>
-          </a:p>
-          <a:p>
-            <a:pPr lvl="1"/>
-            <a:r>
-              <a:rPr lang="en-US" dirty="0" smtClean="0"/>
-              <a:t>Fully backwards compatible with JavaScript</a:t>
-            </a:r>
-          </a:p>
-          <a:p>
-            <a:pPr lvl="1"/>
-            <a:r>
-              <a:rPr lang="en-US" dirty="0" smtClean="0"/>
-              <a:t>Any valid JavaScript program is also a valid </a:t>
-            </a:r>
-            <a:r>
-              <a:rPr lang="en-US" dirty="0" err="1" smtClean="0"/>
-              <a:t>TypeScript</a:t>
-            </a:r>
-            <a:r>
-              <a:rPr lang="en-US" dirty="0" smtClean="0"/>
-              <a:t> program</a:t>
-            </a:r>
-          </a:p>
-          <a:p>
-            <a:r>
-              <a:rPr lang="en-US" dirty="0" err="1" smtClean="0"/>
-              <a:t>TypeScript</a:t>
-            </a:r>
-            <a:r>
-              <a:rPr lang="en-US" dirty="0" smtClean="0"/>
-              <a:t> “</a:t>
-            </a:r>
-            <a:r>
-              <a:rPr lang="en-US" dirty="0" err="1" smtClean="0"/>
-              <a:t>transpiles</a:t>
-            </a:r>
-            <a:r>
-              <a:rPr lang="en-US" dirty="0" smtClean="0"/>
-              <a:t>” to JavaScript</a:t>
-            </a:r>
-          </a:p>
-          <a:p>
-            <a:pPr lvl="1"/>
-            <a:r>
-              <a:rPr lang="en-US" dirty="0" err="1" smtClean="0"/>
-              <a:t>Transpilation</a:t>
-            </a:r>
-            <a:r>
-              <a:rPr lang="en-US" dirty="0" smtClean="0"/>
-              <a:t> is idiomatic</a:t>
-            </a:r>
-          </a:p>
-          <a:p>
-            <a:pPr lvl="1"/>
-            <a:r>
-              <a:rPr lang="en-US" dirty="0" smtClean="0"/>
-              <a:t>No optimizations attempted</a:t>
-            </a:r>
-          </a:p>
-          <a:p>
-            <a:pPr lvl="1"/>
-            <a:r>
-              <a:rPr lang="en-US" dirty="0" smtClean="0"/>
-              <a:t>Fully compatible with the chosen output target (ES3, ES5, ES2015, </a:t>
-            </a:r>
-            <a:r>
-              <a:rPr lang="en-US" dirty="0" err="1" smtClean="0"/>
-              <a:t>etc</a:t>
-            </a:r>
-            <a:r>
-              <a:rPr lang="en-US" dirty="0" smtClean="0"/>
-              <a:t>)</a:t>
-            </a:r>
-          </a:p>
-          <a:p>
-            <a:r>
-              <a:rPr lang="en-US" dirty="0" err="1" smtClean="0"/>
-              <a:t>TypeScript</a:t>
-            </a:r>
-            <a:r>
-              <a:rPr lang="en-US" dirty="0" smtClean="0"/>
-              <a:t> is “erased” during </a:t>
-            </a:r>
-            <a:r>
-              <a:rPr lang="en-US" dirty="0" err="1" smtClean="0"/>
-              <a:t>transpilation</a:t>
-            </a:r>
-            <a:r>
-              <a:rPr lang="en-US" dirty="0" smtClean="0"/>
-              <a:t>. </a:t>
-            </a:r>
-          </a:p>
-          <a:p>
-            <a:pPr lvl="1"/>
-            <a:r>
               <a:rPr lang="en-US" dirty="0"/>
-              <a:t>Generated JavaScript can be easily read and </a:t>
-            </a:r>
-            <a:r>
-              <a:rPr lang="en-US" dirty="0" smtClean="0"/>
-              <a:t>understood</a:t>
-            </a:r>
-          </a:p>
-          <a:p>
-            <a:r>
-              <a:rPr lang="en-US" dirty="0" err="1" smtClean="0"/>
-              <a:t>TypeScript</a:t>
-            </a:r>
-            <a:r>
-              <a:rPr lang="en-US" dirty="0" smtClean="0"/>
-              <a:t> is mostly </a:t>
-            </a:r>
-            <a:r>
-              <a:rPr lang="en-US" b="1" dirty="0" smtClean="0"/>
-              <a:t>annotations</a:t>
-            </a:r>
-            <a:r>
-              <a:rPr lang="en-US" dirty="0" smtClean="0"/>
-              <a:t> that add information to code, but doesn’t significantly alter the structure.</a:t>
+              <a:t>-aware</a:t>
+            </a:r>
+          </a:p>
+          <a:p>
+            <a:r>
+              <a:rPr lang="en-US" dirty="0" err="1"/>
+              <a:t>Webpack</a:t>
+            </a:r>
+            <a:r>
+              <a:rPr lang="en-US" dirty="0"/>
+              <a:t> is complex enough to warrant an entire presentation of its </a:t>
+            </a:r>
+            <a:r>
+              <a:rPr lang="en-US" dirty="0" smtClean="0"/>
+              <a:t>own</a:t>
+            </a:r>
+          </a:p>
+          <a:p>
+            <a:r>
+              <a:rPr lang="en-US" dirty="0" smtClean="0"/>
+              <a:t>See Example 3</a:t>
             </a:r>
             <a:endParaRPr lang="en-US" dirty="0"/>
           </a:p>
           <a:p>
-            <a:pPr lvl="1"/>
             <a:endParaRPr lang="en-US" dirty="0"/>
           </a:p>
         </p:txBody>
@@ -9251,7 +9706,7 @@
     </p:spTree>
     <p:extLst>
       <p:ext uri="{BB962C8B-B14F-4D97-AF65-F5344CB8AC3E}">
-        <p14:creationId xmlns:p14="http://schemas.microsoft.com/office/powerpoint/2010/main" val="3894533808"/>
+        <p14:creationId xmlns:p14="http://schemas.microsoft.com/office/powerpoint/2010/main" val="536527624"/>
       </p:ext>
     </p:extLst>
   </p:cSld>
@@ -9305,25 +9760,6 @@
               <a:t>Javascript</a:t>
             </a:r>
             <a:endParaRPr lang="en-US" sz="3600" dirty="0"/>
-          </a:p>
-        </p:txBody>
-      </p:sp>
-      <p:sp>
-        <p:nvSpPr>
-          <p:cNvPr id="3" name="Subtitle 2"/>
-          <p:cNvSpPr>
-            <a:spLocks noGrp="1"/>
-          </p:cNvSpPr>
-          <p:nvPr>
-            <p:ph type="subTitle" idx="1"/>
-          </p:nvPr>
-        </p:nvSpPr>
-        <p:spPr/>
-        <p:txBody>
-          <a:bodyPr/>
-          <a:lstStyle/>
-          <a:p>
-            <a:endParaRPr lang="en-US"/>
           </a:p>
         </p:txBody>
       </p:sp>
@@ -9373,288 +9809,21 @@
           <a:lstStyle/>
           <a:p>
             <a:r>
-              <a:rPr lang="en-US" dirty="0" smtClean="0"/>
-              <a:t>Type Annotations</a:t>
+              <a:rPr lang="en-US" dirty="0"/>
+              <a:t>Introduction to </a:t>
+            </a:r>
+            <a:r>
+              <a:rPr lang="en-US" dirty="0" err="1"/>
+              <a:t>TypeScript</a:t>
             </a:r>
             <a:endParaRPr lang="en-US" dirty="0"/>
-          </a:p>
-        </p:txBody>
-      </p:sp>
-      <p:sp>
-        <p:nvSpPr>
-          <p:cNvPr id="3" name="Content Placeholder 2"/>
-          <p:cNvSpPr>
-            <a:spLocks noGrp="1"/>
-          </p:cNvSpPr>
-          <p:nvPr>
-            <p:ph idx="1"/>
-          </p:nvPr>
-        </p:nvSpPr>
-        <p:spPr/>
-        <p:txBody>
-          <a:bodyPr>
-            <a:normAutofit/>
-          </a:bodyPr>
-          <a:lstStyle/>
-          <a:p>
-            <a:r>
-              <a:rPr lang="en-US" dirty="0" err="1" smtClean="0"/>
-              <a:t>TypeScript</a:t>
-            </a:r>
-            <a:r>
-              <a:rPr lang="en-US" dirty="0" smtClean="0"/>
-              <a:t> adds </a:t>
-            </a:r>
-            <a:r>
-              <a:rPr lang="en-US" b="1" dirty="0" smtClean="0"/>
-              <a:t>Type Annotations</a:t>
-            </a:r>
-            <a:r>
-              <a:rPr lang="en-US" dirty="0" smtClean="0"/>
-              <a:t> to JavaScript</a:t>
-            </a:r>
-          </a:p>
-          <a:p>
-            <a:endParaRPr lang="en-US" dirty="0"/>
-          </a:p>
-          <a:p>
-            <a:endParaRPr lang="en-US" dirty="0" smtClean="0"/>
-          </a:p>
-          <a:p>
-            <a:r>
-              <a:rPr lang="en-US" dirty="0" smtClean="0"/>
-              <a:t>Annotations erased in </a:t>
-            </a:r>
-            <a:r>
-              <a:rPr lang="en-US" dirty="0" err="1" smtClean="0"/>
-              <a:t>transpiled</a:t>
-            </a:r>
-            <a:r>
-              <a:rPr lang="en-US" dirty="0" smtClean="0"/>
-              <a:t> JavaScript</a:t>
-            </a:r>
-          </a:p>
-          <a:p>
-            <a:endParaRPr lang="en-US" dirty="0" smtClean="0"/>
-          </a:p>
-          <a:p>
-            <a:endParaRPr lang="en-US" dirty="0"/>
-          </a:p>
-          <a:p>
-            <a:r>
-              <a:rPr lang="en-US" dirty="0" smtClean="0"/>
-              <a:t>See Example 4</a:t>
-            </a:r>
-            <a:endParaRPr lang="en-US" dirty="0"/>
-          </a:p>
-        </p:txBody>
-      </p:sp>
-      <p:sp>
-        <p:nvSpPr>
-          <p:cNvPr id="4" name="TextBox 3"/>
-          <p:cNvSpPr txBox="1"/>
-          <p:nvPr/>
-        </p:nvSpPr>
-        <p:spPr>
-          <a:xfrm>
-            <a:off x="1110669" y="2724150"/>
-            <a:ext cx="7423731" cy="646331"/>
-          </a:xfrm>
-          <a:prstGeom prst="rect">
-            <a:avLst/>
-          </a:prstGeom>
-        </p:spPr>
-        <p:style>
-          <a:lnRef idx="2">
-            <a:schemeClr val="accent1"/>
-          </a:lnRef>
-          <a:fillRef idx="1">
-            <a:schemeClr val="lt1"/>
-          </a:fillRef>
-          <a:effectRef idx="0">
-            <a:schemeClr val="accent1"/>
-          </a:effectRef>
-          <a:fontRef idx="minor">
-            <a:schemeClr val="dk1"/>
-          </a:fontRef>
-        </p:style>
-        <p:txBody>
-          <a:bodyPr wrap="square" rtlCol="0">
-            <a:spAutoFit/>
-          </a:bodyPr>
-          <a:lstStyle/>
-          <a:p>
-            <a:r>
-              <a:rPr lang="en-US" dirty="0" err="1" smtClean="0">
-                <a:latin typeface="Consolas" panose="020B0609020204030204" pitchFamily="49" charset="0"/>
-                <a:cs typeface="Consolas" panose="020B0609020204030204" pitchFamily="49" charset="0"/>
-              </a:rPr>
-              <a:t>const</a:t>
-            </a:r>
-            <a:r>
-              <a:rPr lang="en-US" dirty="0" smtClean="0">
-                <a:latin typeface="Consolas" panose="020B0609020204030204" pitchFamily="49" charset="0"/>
-                <a:cs typeface="Consolas" panose="020B0609020204030204" pitchFamily="49" charset="0"/>
-              </a:rPr>
-              <a:t> number</a:t>
-            </a:r>
-            <a:r>
-              <a:rPr lang="en-US" dirty="0" smtClean="0">
-                <a:solidFill>
-                  <a:srgbClr val="FF0000"/>
-                </a:solidFill>
-                <a:latin typeface="Consolas" panose="020B0609020204030204" pitchFamily="49" charset="0"/>
-                <a:cs typeface="Consolas" panose="020B0609020204030204" pitchFamily="49" charset="0"/>
-              </a:rPr>
-              <a:t>: number</a:t>
-            </a:r>
-            <a:r>
-              <a:rPr lang="en-US" dirty="0" smtClean="0">
-                <a:latin typeface="Consolas" panose="020B0609020204030204" pitchFamily="49" charset="0"/>
-                <a:cs typeface="Consolas" panose="020B0609020204030204" pitchFamily="49" charset="0"/>
-              </a:rPr>
-              <a:t> = 42;</a:t>
-            </a:r>
-          </a:p>
-          <a:p>
-            <a:r>
-              <a:rPr lang="en-US" dirty="0" smtClean="0">
-                <a:latin typeface="Consolas" panose="020B0609020204030204" pitchFamily="49" charset="0"/>
-                <a:cs typeface="Consolas" panose="020B0609020204030204" pitchFamily="49" charset="0"/>
-              </a:rPr>
-              <a:t>function foo(</a:t>
-            </a:r>
-            <a:r>
-              <a:rPr lang="en-US" dirty="0" err="1" smtClean="0">
-                <a:latin typeface="Consolas" panose="020B0609020204030204" pitchFamily="49" charset="0"/>
-                <a:cs typeface="Consolas" panose="020B0609020204030204" pitchFamily="49" charset="0"/>
-              </a:rPr>
-              <a:t>param</a:t>
-            </a:r>
-            <a:r>
-              <a:rPr lang="en-US" dirty="0" smtClean="0">
-                <a:solidFill>
-                  <a:srgbClr val="FF0000"/>
-                </a:solidFill>
-                <a:latin typeface="Consolas" panose="020B0609020204030204" pitchFamily="49" charset="0"/>
-                <a:cs typeface="Consolas" panose="020B0609020204030204" pitchFamily="49" charset="0"/>
-              </a:rPr>
-              <a:t>: string</a:t>
-            </a:r>
-            <a:r>
-              <a:rPr lang="en-US" dirty="0" smtClean="0">
-                <a:latin typeface="Consolas" panose="020B0609020204030204" pitchFamily="49" charset="0"/>
-                <a:cs typeface="Consolas" panose="020B0609020204030204" pitchFamily="49" charset="0"/>
-              </a:rPr>
-              <a:t>)</a:t>
-            </a:r>
-            <a:r>
-              <a:rPr lang="en-US" dirty="0" smtClean="0">
-                <a:solidFill>
-                  <a:srgbClr val="FF0000"/>
-                </a:solidFill>
-                <a:latin typeface="Consolas" panose="020B0609020204030204" pitchFamily="49" charset="0"/>
-                <a:cs typeface="Consolas" panose="020B0609020204030204" pitchFamily="49" charset="0"/>
-              </a:rPr>
-              <a:t>: number</a:t>
-            </a:r>
-            <a:r>
-              <a:rPr lang="en-US" dirty="0" smtClean="0">
-                <a:latin typeface="Consolas" panose="020B0609020204030204" pitchFamily="49" charset="0"/>
-                <a:cs typeface="Consolas" panose="020B0609020204030204" pitchFamily="49" charset="0"/>
-              </a:rPr>
-              <a:t> { /* TODO */ }</a:t>
-            </a:r>
-            <a:endParaRPr lang="en-US" dirty="0">
-              <a:latin typeface="Consolas" panose="020B0609020204030204" pitchFamily="49" charset="0"/>
-              <a:cs typeface="Consolas" panose="020B0609020204030204" pitchFamily="49" charset="0"/>
-            </a:endParaRPr>
-          </a:p>
-        </p:txBody>
-      </p:sp>
-      <p:sp>
-        <p:nvSpPr>
-          <p:cNvPr id="6" name="TextBox 5"/>
-          <p:cNvSpPr txBox="1"/>
-          <p:nvPr/>
-        </p:nvSpPr>
-        <p:spPr>
-          <a:xfrm>
-            <a:off x="1110669" y="3953258"/>
-            <a:ext cx="7423731" cy="646331"/>
-          </a:xfrm>
-          <a:prstGeom prst="rect">
-            <a:avLst/>
-          </a:prstGeom>
-        </p:spPr>
-        <p:style>
-          <a:lnRef idx="2">
-            <a:schemeClr val="accent1"/>
-          </a:lnRef>
-          <a:fillRef idx="1">
-            <a:schemeClr val="lt1"/>
-          </a:fillRef>
-          <a:effectRef idx="0">
-            <a:schemeClr val="accent1"/>
-          </a:effectRef>
-          <a:fontRef idx="minor">
-            <a:schemeClr val="dk1"/>
-          </a:fontRef>
-        </p:style>
-        <p:txBody>
-          <a:bodyPr wrap="square" rtlCol="0">
-            <a:spAutoFit/>
-          </a:bodyPr>
-          <a:lstStyle/>
-          <a:p>
-            <a:r>
-              <a:rPr lang="en-US" dirty="0" err="1" smtClean="0">
-                <a:latin typeface="Consolas" panose="020B0609020204030204" pitchFamily="49" charset="0"/>
-                <a:cs typeface="Consolas" panose="020B0609020204030204" pitchFamily="49" charset="0"/>
-              </a:rPr>
-              <a:t>const</a:t>
-            </a:r>
-            <a:r>
-              <a:rPr lang="en-US" dirty="0" smtClean="0">
-                <a:latin typeface="Consolas" panose="020B0609020204030204" pitchFamily="49" charset="0"/>
-                <a:cs typeface="Consolas" panose="020B0609020204030204" pitchFamily="49" charset="0"/>
-              </a:rPr>
-              <a:t> number = 42;</a:t>
-            </a:r>
-          </a:p>
-          <a:p>
-            <a:r>
-              <a:rPr lang="en-US" dirty="0" smtClean="0">
-                <a:latin typeface="Consolas" panose="020B0609020204030204" pitchFamily="49" charset="0"/>
-                <a:cs typeface="Consolas" panose="020B0609020204030204" pitchFamily="49" charset="0"/>
-              </a:rPr>
-              <a:t>function foo(</a:t>
-            </a:r>
-            <a:r>
-              <a:rPr lang="en-US" dirty="0" err="1" smtClean="0">
-                <a:latin typeface="Consolas" panose="020B0609020204030204" pitchFamily="49" charset="0"/>
-                <a:cs typeface="Consolas" panose="020B0609020204030204" pitchFamily="49" charset="0"/>
-              </a:rPr>
-              <a:t>param</a:t>
-            </a:r>
-            <a:r>
-              <a:rPr lang="en-US" dirty="0" smtClean="0">
-                <a:latin typeface="Consolas" panose="020B0609020204030204" pitchFamily="49" charset="0"/>
-                <a:cs typeface="Consolas" panose="020B0609020204030204" pitchFamily="49" charset="0"/>
-              </a:rPr>
-              <a:t>) { /* TODO */ }</a:t>
-            </a:r>
-            <a:endParaRPr lang="en-US" dirty="0">
-              <a:latin typeface="Consolas" panose="020B0609020204030204" pitchFamily="49" charset="0"/>
-              <a:cs typeface="Consolas" panose="020B0609020204030204" pitchFamily="49" charset="0"/>
-            </a:endParaRPr>
           </a:p>
         </p:txBody>
       </p:sp>
     </p:spTree>
     <p:extLst>
       <p:ext uri="{BB962C8B-B14F-4D97-AF65-F5344CB8AC3E}">
-        <p14:creationId xmlns:p14="http://schemas.microsoft.com/office/powerpoint/2010/main" val="1996770991"/>
+        <p14:creationId xmlns:p14="http://schemas.microsoft.com/office/powerpoint/2010/main" val="2805792601"/>
       </p:ext>
     </p:extLst>
   </p:cSld>
@@ -9698,7 +9867,7 @@
           <a:p>
             <a:r>
               <a:rPr lang="en-US" dirty="0" smtClean="0"/>
-              <a:t>Type Inference</a:t>
+              <a:t>Typescript</a:t>
             </a:r>
             <a:endParaRPr lang="en-US" dirty="0"/>
           </a:p>
@@ -9722,49 +9891,137 @@
           <a:lstStyle/>
           <a:p>
             <a:r>
+              <a:rPr lang="en-US" dirty="0" err="1" smtClean="0"/>
+              <a:t>TypeScript</a:t>
+            </a:r>
+            <a:r>
+              <a:rPr lang="en-US" dirty="0" smtClean="0"/>
+              <a:t> is JavaScript</a:t>
+            </a:r>
+          </a:p>
+          <a:p>
+            <a:pPr lvl="1"/>
+            <a:r>
+              <a:rPr lang="en-US" dirty="0" smtClean="0"/>
+              <a:t>Fully backwards compatible with JavaScript</a:t>
+            </a:r>
+          </a:p>
+          <a:p>
+            <a:pPr lvl="1"/>
+            <a:r>
+              <a:rPr lang="en-US" dirty="0" smtClean="0"/>
+              <a:t>Any valid JavaScript program is also a valid </a:t>
+            </a:r>
+            <a:r>
+              <a:rPr lang="en-US" dirty="0" err="1" smtClean="0"/>
+              <a:t>TypeScript</a:t>
+            </a:r>
+            <a:r>
+              <a:rPr lang="en-US" dirty="0" smtClean="0"/>
+              <a:t> program</a:t>
+            </a:r>
+          </a:p>
+          <a:p>
+            <a:r>
+              <a:rPr lang="en-US" dirty="0" err="1" smtClean="0"/>
+              <a:t>TypeScript</a:t>
+            </a:r>
+            <a:r>
+              <a:rPr lang="en-US" dirty="0" smtClean="0"/>
+              <a:t> “</a:t>
+            </a:r>
+            <a:r>
+              <a:rPr lang="en-US" dirty="0" err="1" smtClean="0"/>
+              <a:t>transpiles</a:t>
+            </a:r>
+            <a:r>
+              <a:rPr lang="en-US" dirty="0" smtClean="0"/>
+              <a:t>” to JavaScript</a:t>
+            </a:r>
+          </a:p>
+          <a:p>
+            <a:pPr lvl="1"/>
+            <a:r>
+              <a:rPr lang="en-US" dirty="0" err="1" smtClean="0"/>
+              <a:t>Transpilation</a:t>
+            </a:r>
+            <a:r>
+              <a:rPr lang="en-US" dirty="0" smtClean="0"/>
+              <a:t> is idiomatic</a:t>
+            </a:r>
+          </a:p>
+          <a:p>
+            <a:pPr lvl="1"/>
+            <a:r>
+              <a:rPr lang="en-US" dirty="0" smtClean="0"/>
+              <a:t>No optimizations attempted</a:t>
+            </a:r>
+          </a:p>
+          <a:p>
+            <a:pPr lvl="1"/>
+            <a:r>
+              <a:rPr lang="en-US" dirty="0" smtClean="0"/>
+              <a:t>Fully compatible with the chosen output target (ES3, ES5, ES2015, </a:t>
+            </a:r>
+            <a:r>
+              <a:rPr lang="en-US" dirty="0" err="1" smtClean="0"/>
+              <a:t>etc</a:t>
+            </a:r>
+            <a:r>
+              <a:rPr lang="en-US" dirty="0" smtClean="0"/>
+              <a:t>)</a:t>
+            </a:r>
+          </a:p>
+          <a:p>
+            <a:r>
+              <a:rPr lang="en-US" dirty="0" err="1" smtClean="0"/>
+              <a:t>TypeScript</a:t>
+            </a:r>
+            <a:r>
+              <a:rPr lang="en-US" dirty="0" smtClean="0"/>
+              <a:t> is “erased” during </a:t>
+            </a:r>
+            <a:r>
+              <a:rPr lang="en-US" dirty="0" err="1" smtClean="0"/>
+              <a:t>transpilation</a:t>
+            </a:r>
+            <a:r>
+              <a:rPr lang="en-US" dirty="0" smtClean="0"/>
+              <a:t>. </a:t>
+            </a:r>
+          </a:p>
+          <a:p>
+            <a:pPr lvl="1"/>
+            <a:r>
+              <a:rPr lang="en-US" dirty="0"/>
+              <a:t>Generated JavaScript can be easily read and </a:t>
+            </a:r>
+            <a:r>
+              <a:rPr lang="en-US" dirty="0" smtClean="0"/>
+              <a:t>understood</a:t>
+            </a:r>
+          </a:p>
+          <a:p>
+            <a:r>
+              <a:rPr lang="en-US" dirty="0" err="1" smtClean="0"/>
+              <a:t>TypeScript</a:t>
+            </a:r>
+            <a:r>
+              <a:rPr lang="en-US" dirty="0" smtClean="0"/>
+              <a:t> is mostly </a:t>
+            </a:r>
+            <a:r>
               <a:rPr lang="en-US" b="1" dirty="0" smtClean="0"/>
-              <a:t>Type Inference </a:t>
-            </a:r>
-            <a:r>
-              <a:rPr lang="en-US" dirty="0" smtClean="0"/>
-              <a:t>allows you to leave off type annotations and let the compiler figure it out for you</a:t>
-            </a:r>
-          </a:p>
-          <a:p>
-            <a:r>
-              <a:rPr lang="en-US" dirty="0" smtClean="0"/>
-              <a:t>Powerful tool for creating cleaner code while maintaining type safety</a:t>
-            </a:r>
-          </a:p>
-          <a:p>
-            <a:r>
-              <a:rPr lang="en-US" dirty="0" smtClean="0"/>
-              <a:t>See Example 5</a:t>
-            </a:r>
-          </a:p>
-          <a:p>
-            <a:r>
-              <a:rPr lang="en-US" dirty="0" smtClean="0"/>
-              <a:t>TIPS:</a:t>
-            </a:r>
-          </a:p>
-          <a:p>
-            <a:pPr lvl="1"/>
-            <a:r>
-              <a:rPr lang="en-US" dirty="0" smtClean="0"/>
-              <a:t>Infer local variables</a:t>
-            </a:r>
-          </a:p>
-          <a:p>
-            <a:pPr lvl="1"/>
-            <a:r>
-              <a:rPr lang="en-US" dirty="0" smtClean="0"/>
-              <a:t>Define Function </a:t>
-            </a:r>
-            <a:r>
-              <a:rPr lang="en-US" smtClean="0"/>
-              <a:t>Return Types</a:t>
-            </a:r>
+              <a:t>annotations</a:t>
+            </a:r>
+            <a:r>
+              <a:rPr lang="en-US" dirty="0" smtClean="0"/>
+              <a:t> that add information to code, but doesn’t significantly alter the structure.</a:t>
+            </a:r>
+            <a:endParaRPr lang="en-US" dirty="0"/>
+          </a:p>
+          <a:p>
+            <a:pPr lvl="1"/>
             <a:endParaRPr lang="en-US" dirty="0"/>
           </a:p>
         </p:txBody>
@@ -9772,7 +10029,7 @@
     </p:spTree>
     <p:extLst>
       <p:ext uri="{BB962C8B-B14F-4D97-AF65-F5344CB8AC3E}">
-        <p14:creationId xmlns:p14="http://schemas.microsoft.com/office/powerpoint/2010/main" val="3172925111"/>
+        <p14:creationId xmlns:p14="http://schemas.microsoft.com/office/powerpoint/2010/main" val="3894533808"/>
       </p:ext>
     </p:extLst>
   </p:cSld>
@@ -9816,7 +10073,7 @@
           <a:p>
             <a:r>
               <a:rPr lang="en-US" dirty="0" smtClean="0"/>
-              <a:t>Function types</a:t>
+              <a:t>Type Annotations</a:t>
             </a:r>
             <a:endParaRPr lang="en-US" dirty="0"/>
           </a:p>
@@ -9834,47 +10091,269 @@
         </p:nvSpPr>
         <p:spPr/>
         <p:txBody>
-          <a:bodyPr/>
-          <a:lstStyle/>
-          <a:p>
-            <a:r>
-              <a:rPr lang="en-US" dirty="0" smtClean="0"/>
-              <a:t>JavaScript is fundamentally a functional language</a:t>
-            </a:r>
-          </a:p>
-          <a:p>
-            <a:pPr lvl="1"/>
-            <a:r>
-              <a:rPr lang="en-US" dirty="0" smtClean="0"/>
-              <a:t>Based on Scheme, with a Java “skin”</a:t>
-            </a:r>
-          </a:p>
-          <a:p>
-            <a:r>
-              <a:rPr lang="en-US" dirty="0" smtClean="0"/>
-              <a:t>In </a:t>
-            </a:r>
+          <a:bodyPr>
+            <a:normAutofit/>
+          </a:bodyPr>
+          <a:lstStyle/>
+          <a:p>
             <a:r>
               <a:rPr lang="en-US" dirty="0" err="1" smtClean="0"/>
               <a:t>TypeScript</a:t>
             </a:r>
             <a:r>
               <a:rPr lang="en-US" dirty="0" smtClean="0"/>
-              <a:t>, all functions are typed</a:t>
-            </a:r>
-          </a:p>
-          <a:p>
-            <a:r>
-              <a:rPr lang="en-US" smtClean="0"/>
-              <a:t>See Example 6</a:t>
-            </a:r>
+              <a:t> adds </a:t>
+            </a:r>
+            <a:r>
+              <a:rPr lang="en-US" b="1" dirty="0" smtClean="0"/>
+              <a:t>Type Annotations</a:t>
+            </a:r>
+            <a:r>
+              <a:rPr lang="en-US" dirty="0" smtClean="0"/>
+              <a:t> to JavaScript</a:t>
+            </a:r>
+          </a:p>
+          <a:p>
+            <a:endParaRPr lang="en-US" dirty="0"/>
+          </a:p>
+          <a:p>
+            <a:endParaRPr lang="en-US" dirty="0" smtClean="0"/>
+          </a:p>
+          <a:p>
+            <a:r>
+              <a:rPr lang="en-US" dirty="0" smtClean="0"/>
+              <a:t>Annotations erased in </a:t>
+            </a:r>
+            <a:r>
+              <a:rPr lang="en-US" dirty="0" err="1" smtClean="0"/>
+              <a:t>transpiled</a:t>
+            </a:r>
+            <a:r>
+              <a:rPr lang="en-US" dirty="0" smtClean="0"/>
+              <a:t> JavaScript</a:t>
+            </a:r>
+          </a:p>
+          <a:p>
+            <a:endParaRPr lang="en-US" dirty="0" smtClean="0"/>
+          </a:p>
+          <a:p>
+            <a:endParaRPr lang="en-US" dirty="0"/>
+          </a:p>
+          <a:p>
+            <a:r>
+              <a:rPr lang="en-US" dirty="0" smtClean="0"/>
+              <a:t>See Example 4</a:t>
+            </a:r>
+            <a:endParaRPr lang="en-US" dirty="0"/>
+          </a:p>
+        </p:txBody>
+      </p:sp>
+      <p:sp>
+        <p:nvSpPr>
+          <p:cNvPr id="4" name="TextBox 3"/>
+          <p:cNvSpPr txBox="1"/>
+          <p:nvPr/>
+        </p:nvSpPr>
+        <p:spPr>
+          <a:xfrm>
+            <a:off x="1110669" y="2724150"/>
+            <a:ext cx="7423731" cy="646331"/>
+          </a:xfrm>
+          <a:prstGeom prst="rect">
+            <a:avLst/>
+          </a:prstGeom>
+        </p:spPr>
+        <p:style>
+          <a:lnRef idx="2">
+            <a:schemeClr val="accent1"/>
+          </a:lnRef>
+          <a:fillRef idx="1">
+            <a:schemeClr val="lt1"/>
+          </a:fillRef>
+          <a:effectRef idx="0">
+            <a:schemeClr val="accent1"/>
+          </a:effectRef>
+          <a:fontRef idx="minor">
+            <a:schemeClr val="dk1"/>
+          </a:fontRef>
+        </p:style>
+        <p:txBody>
+          <a:bodyPr wrap="square" rtlCol="0">
+            <a:spAutoFit/>
+          </a:bodyPr>
+          <a:lstStyle/>
+          <a:p>
+            <a:r>
+              <a:rPr lang="en-US" dirty="0" err="1" smtClean="0">
+                <a:latin typeface="Consolas" panose="020B0609020204030204" pitchFamily="49" charset="0"/>
+                <a:cs typeface="Consolas" panose="020B0609020204030204" pitchFamily="49" charset="0"/>
+              </a:rPr>
+              <a:t>const</a:t>
+            </a:r>
+            <a:r>
+              <a:rPr lang="en-US" dirty="0" smtClean="0">
+                <a:latin typeface="Consolas" panose="020B0609020204030204" pitchFamily="49" charset="0"/>
+                <a:cs typeface="Consolas" panose="020B0609020204030204" pitchFamily="49" charset="0"/>
+              </a:rPr>
+              <a:t> number</a:t>
+            </a:r>
+            <a:r>
+              <a:rPr lang="en-US" dirty="0" smtClean="0">
+                <a:solidFill>
+                  <a:srgbClr val="FF0000"/>
+                </a:solidFill>
+                <a:latin typeface="Consolas" panose="020B0609020204030204" pitchFamily="49" charset="0"/>
+                <a:cs typeface="Consolas" panose="020B0609020204030204" pitchFamily="49" charset="0"/>
+              </a:rPr>
+              <a:t>: number</a:t>
+            </a:r>
+            <a:r>
+              <a:rPr lang="en-US" dirty="0" smtClean="0">
+                <a:latin typeface="Consolas" panose="020B0609020204030204" pitchFamily="49" charset="0"/>
+                <a:cs typeface="Consolas" panose="020B0609020204030204" pitchFamily="49" charset="0"/>
+              </a:rPr>
+              <a:t> = 42;</a:t>
+            </a:r>
+          </a:p>
+          <a:p>
+            <a:r>
+              <a:rPr lang="en-US" dirty="0" smtClean="0">
+                <a:latin typeface="Consolas" panose="020B0609020204030204" pitchFamily="49" charset="0"/>
+                <a:cs typeface="Consolas" panose="020B0609020204030204" pitchFamily="49" charset="0"/>
+              </a:rPr>
+              <a:t>function foo(</a:t>
+            </a:r>
+            <a:r>
+              <a:rPr lang="en-US" dirty="0" err="1" smtClean="0">
+                <a:latin typeface="Consolas" panose="020B0609020204030204" pitchFamily="49" charset="0"/>
+                <a:cs typeface="Consolas" panose="020B0609020204030204" pitchFamily="49" charset="0"/>
+              </a:rPr>
+              <a:t>param</a:t>
+            </a:r>
+            <a:r>
+              <a:rPr lang="en-US" dirty="0" smtClean="0">
+                <a:solidFill>
+                  <a:srgbClr val="FF0000"/>
+                </a:solidFill>
+                <a:latin typeface="Consolas" panose="020B0609020204030204" pitchFamily="49" charset="0"/>
+                <a:cs typeface="Consolas" panose="020B0609020204030204" pitchFamily="49" charset="0"/>
+              </a:rPr>
+              <a:t>: string</a:t>
+            </a:r>
+            <a:r>
+              <a:rPr lang="en-US" dirty="0" smtClean="0">
+                <a:latin typeface="Consolas" panose="020B0609020204030204" pitchFamily="49" charset="0"/>
+                <a:cs typeface="Consolas" panose="020B0609020204030204" pitchFamily="49" charset="0"/>
+              </a:rPr>
+              <a:t>)</a:t>
+            </a:r>
+            <a:r>
+              <a:rPr lang="en-US" dirty="0" smtClean="0">
+                <a:solidFill>
+                  <a:srgbClr val="FF0000"/>
+                </a:solidFill>
+                <a:latin typeface="Consolas" panose="020B0609020204030204" pitchFamily="49" charset="0"/>
+                <a:cs typeface="Consolas" panose="020B0609020204030204" pitchFamily="49" charset="0"/>
+              </a:rPr>
+              <a:t>: number</a:t>
+            </a:r>
+            <a:r>
+              <a:rPr lang="en-US" dirty="0" smtClean="0">
+                <a:latin typeface="Consolas" panose="020B0609020204030204" pitchFamily="49" charset="0"/>
+                <a:cs typeface="Consolas" panose="020B0609020204030204" pitchFamily="49" charset="0"/>
+              </a:rPr>
+              <a:t> { /* TODO */ }</a:t>
+            </a:r>
+            <a:endParaRPr lang="en-US" dirty="0">
+              <a:latin typeface="Consolas" panose="020B0609020204030204" pitchFamily="49" charset="0"/>
+              <a:cs typeface="Consolas" panose="020B0609020204030204" pitchFamily="49" charset="0"/>
+            </a:endParaRPr>
+          </a:p>
+        </p:txBody>
+      </p:sp>
+      <p:sp>
+        <p:nvSpPr>
+          <p:cNvPr id="6" name="TextBox 5"/>
+          <p:cNvSpPr txBox="1"/>
+          <p:nvPr/>
+        </p:nvSpPr>
+        <p:spPr>
+          <a:xfrm>
+            <a:off x="1110669" y="3953258"/>
+            <a:ext cx="7423731" cy="646331"/>
+          </a:xfrm>
+          <a:prstGeom prst="rect">
+            <a:avLst/>
+          </a:prstGeom>
+        </p:spPr>
+        <p:style>
+          <a:lnRef idx="2">
+            <a:schemeClr val="accent1"/>
+          </a:lnRef>
+          <a:fillRef idx="1">
+            <a:schemeClr val="lt1"/>
+          </a:fillRef>
+          <a:effectRef idx="0">
+            <a:schemeClr val="accent1"/>
+          </a:effectRef>
+          <a:fontRef idx="minor">
+            <a:schemeClr val="dk1"/>
+          </a:fontRef>
+        </p:style>
+        <p:txBody>
+          <a:bodyPr wrap="square" rtlCol="0">
+            <a:spAutoFit/>
+          </a:bodyPr>
+          <a:lstStyle/>
+          <a:p>
+            <a:r>
+              <a:rPr lang="en-US" dirty="0" err="1" smtClean="0">
+                <a:latin typeface="Consolas" panose="020B0609020204030204" pitchFamily="49" charset="0"/>
+                <a:cs typeface="Consolas" panose="020B0609020204030204" pitchFamily="49" charset="0"/>
+              </a:rPr>
+              <a:t>const</a:t>
+            </a:r>
+            <a:r>
+              <a:rPr lang="en-US" dirty="0" smtClean="0">
+                <a:latin typeface="Consolas" panose="020B0609020204030204" pitchFamily="49" charset="0"/>
+                <a:cs typeface="Consolas" panose="020B0609020204030204" pitchFamily="49" charset="0"/>
+              </a:rPr>
+              <a:t> number = 42;</a:t>
+            </a:r>
+          </a:p>
+          <a:p>
+            <a:r>
+              <a:rPr lang="en-US" dirty="0" smtClean="0">
+                <a:latin typeface="Consolas" panose="020B0609020204030204" pitchFamily="49" charset="0"/>
+                <a:cs typeface="Consolas" panose="020B0609020204030204" pitchFamily="49" charset="0"/>
+              </a:rPr>
+              <a:t>function foo(</a:t>
+            </a:r>
+            <a:r>
+              <a:rPr lang="en-US" dirty="0" err="1" smtClean="0">
+                <a:latin typeface="Consolas" panose="020B0609020204030204" pitchFamily="49" charset="0"/>
+                <a:cs typeface="Consolas" panose="020B0609020204030204" pitchFamily="49" charset="0"/>
+              </a:rPr>
+              <a:t>param</a:t>
+            </a:r>
+            <a:r>
+              <a:rPr lang="en-US" dirty="0" smtClean="0">
+                <a:latin typeface="Consolas" panose="020B0609020204030204" pitchFamily="49" charset="0"/>
+                <a:cs typeface="Consolas" panose="020B0609020204030204" pitchFamily="49" charset="0"/>
+              </a:rPr>
+              <a:t>) { /* TODO */ }</a:t>
+            </a:r>
+            <a:endParaRPr lang="en-US" dirty="0">
+              <a:latin typeface="Consolas" panose="020B0609020204030204" pitchFamily="49" charset="0"/>
+              <a:cs typeface="Consolas" panose="020B0609020204030204" pitchFamily="49" charset="0"/>
+            </a:endParaRPr>
           </a:p>
         </p:txBody>
       </p:sp>
     </p:spTree>
     <p:extLst>
       <p:ext uri="{BB962C8B-B14F-4D97-AF65-F5344CB8AC3E}">
-        <p14:creationId xmlns:p14="http://schemas.microsoft.com/office/powerpoint/2010/main" val="2090952208"/>
+        <p14:creationId xmlns:p14="http://schemas.microsoft.com/office/powerpoint/2010/main" val="1996770991"/>
       </p:ext>
     </p:extLst>
   </p:cSld>
@@ -9918,7 +10397,7 @@
           <a:p>
             <a:r>
               <a:rPr lang="en-US" dirty="0" smtClean="0"/>
-              <a:t>Interface types</a:t>
+              <a:t>Type Inference</a:t>
             </a:r>
             <a:endParaRPr lang="en-US" dirty="0"/>
           </a:p>
@@ -9936,36 +10415,73 @@
         </p:nvSpPr>
         <p:spPr/>
         <p:txBody>
-          <a:bodyPr/>
-          <a:lstStyle/>
-          <a:p>
-            <a:r>
-              <a:rPr lang="en-US" dirty="0" smtClean="0"/>
-              <a:t>Interfaces define a record</a:t>
-            </a:r>
-          </a:p>
-          <a:p>
-            <a:r>
-              <a:rPr lang="en-US" dirty="0" smtClean="0"/>
-              <a:t>Preferred over classes</a:t>
-            </a:r>
-          </a:p>
-          <a:p>
-            <a:pPr lvl="1"/>
-            <a:r>
-              <a:rPr lang="en-US" dirty="0" smtClean="0"/>
-              <a:t>Annotations erased at runtime</a:t>
-            </a:r>
-          </a:p>
-          <a:p>
-            <a:pPr lvl="1"/>
-            <a:r>
-              <a:rPr lang="en-US" dirty="0" smtClean="0"/>
-              <a:t>More “functional” friendly</a:t>
-            </a:r>
-          </a:p>
-          <a:p>
-            <a:pPr lvl="1"/>
+          <a:bodyPr>
+            <a:normAutofit/>
+          </a:bodyPr>
+          <a:lstStyle/>
+          <a:p>
+            <a:r>
+              <a:rPr lang="en-US" b="1" dirty="0" smtClean="0"/>
+              <a:t>Type Inference </a:t>
+            </a:r>
+            <a:r>
+              <a:rPr lang="en-US" dirty="0" smtClean="0"/>
+              <a:t>allows you to leave off type annotations and let the compiler figure it out for you</a:t>
+            </a:r>
+          </a:p>
+          <a:p>
+            <a:r>
+              <a:rPr lang="en-US" dirty="0" smtClean="0"/>
+              <a:t>Powerful </a:t>
+            </a:r>
+            <a:r>
+              <a:rPr lang="en-US" dirty="0" smtClean="0"/>
+              <a:t>tool</a:t>
+            </a:r>
+          </a:p>
+          <a:p>
+            <a:pPr lvl="1"/>
+            <a:r>
+              <a:rPr lang="en-US" dirty="0" smtClean="0"/>
+              <a:t>Creates cleaner code</a:t>
+            </a:r>
+          </a:p>
+          <a:p>
+            <a:pPr lvl="1"/>
+            <a:r>
+              <a:rPr lang="en-US" dirty="0" smtClean="0"/>
+              <a:t>Still maintains </a:t>
+            </a:r>
+            <a:r>
+              <a:rPr lang="en-US" dirty="0" smtClean="0"/>
+              <a:t>type safety</a:t>
+            </a:r>
+          </a:p>
+          <a:p>
+            <a:r>
+              <a:rPr lang="en-US" dirty="0" smtClean="0"/>
+              <a:t>See Example 5</a:t>
+            </a:r>
+          </a:p>
+          <a:p>
+            <a:r>
+              <a:rPr lang="en-US" dirty="0" smtClean="0"/>
+              <a:t>TIPS:</a:t>
+            </a:r>
+          </a:p>
+          <a:p>
+            <a:pPr lvl="1"/>
+            <a:r>
+              <a:rPr lang="en-US" dirty="0" smtClean="0"/>
+              <a:t>Infer local variables</a:t>
+            </a:r>
+          </a:p>
+          <a:p>
+            <a:pPr lvl="1"/>
+            <a:r>
+              <a:rPr lang="en-US" dirty="0" smtClean="0"/>
+              <a:t>Define Function Return Types</a:t>
+            </a:r>
             <a:endParaRPr lang="en-US" dirty="0"/>
           </a:p>
         </p:txBody>
@@ -9973,7 +10489,7 @@
     </p:spTree>
     <p:extLst>
       <p:ext uri="{BB962C8B-B14F-4D97-AF65-F5344CB8AC3E}">
-        <p14:creationId xmlns:p14="http://schemas.microsoft.com/office/powerpoint/2010/main" val="2668762796"/>
+        <p14:creationId xmlns:p14="http://schemas.microsoft.com/office/powerpoint/2010/main" val="3172925111"/>
       </p:ext>
     </p:extLst>
   </p:cSld>
@@ -10017,7 +10533,7 @@
           <a:p>
             <a:r>
               <a:rPr lang="en-US" dirty="0" smtClean="0"/>
-              <a:t>classes</a:t>
+              <a:t>Function types</a:t>
             </a:r>
             <a:endParaRPr lang="en-US" dirty="0"/>
           </a:p>
@@ -10040,38 +10556,42 @@
           <a:p>
             <a:r>
               <a:rPr lang="en-US" dirty="0" smtClean="0"/>
-              <a:t>Syntactical Sugar around JS Prototypes</a:t>
-            </a:r>
-          </a:p>
-          <a:p>
-            <a:r>
-              <a:rPr lang="en-US" dirty="0" smtClean="0"/>
-              <a:t>Officially Supported in JS as of ECMAScript 2015</a:t>
-            </a:r>
-          </a:p>
-          <a:p>
+              <a:t>JavaScript is fundamentally a functional language</a:t>
+            </a:r>
+          </a:p>
+          <a:p>
+            <a:pPr lvl="1"/>
+            <a:r>
+              <a:rPr lang="en-US" dirty="0" smtClean="0"/>
+              <a:t>Based on Scheme, with a Java “skin”</a:t>
+            </a:r>
+          </a:p>
+          <a:p>
+            <a:r>
+              <a:rPr lang="en-US" dirty="0" smtClean="0"/>
+              <a:t>In </a:t>
+            </a:r>
             <a:r>
               <a:rPr lang="en-US" dirty="0" err="1" smtClean="0"/>
               <a:t>TypeScript</a:t>
             </a:r>
             <a:r>
               <a:rPr lang="en-US" dirty="0" smtClean="0"/>
-              <a:t> maintains class support even back to ES3</a:t>
-            </a:r>
-          </a:p>
-          <a:p>
-            <a:r>
-              <a:rPr lang="en-US" dirty="0" smtClean="0"/>
-              <a:t>See Example 8</a:t>
-            </a:r>
-            <a:endParaRPr lang="en-US" dirty="0"/>
+              <a:t>, all functions are typed</a:t>
+            </a:r>
+          </a:p>
+          <a:p>
+            <a:r>
+              <a:rPr lang="en-US" smtClean="0"/>
+              <a:t>See Example 6</a:t>
+            </a:r>
           </a:p>
         </p:txBody>
       </p:sp>
     </p:spTree>
     <p:extLst>
       <p:ext uri="{BB962C8B-B14F-4D97-AF65-F5344CB8AC3E}">
-        <p14:creationId xmlns:p14="http://schemas.microsoft.com/office/powerpoint/2010/main" val="3548220022"/>
+        <p14:creationId xmlns:p14="http://schemas.microsoft.com/office/powerpoint/2010/main" val="2090952208"/>
       </p:ext>
     </p:extLst>
   </p:cSld>
@@ -10115,7 +10635,7 @@
           <a:p>
             <a:r>
               <a:rPr lang="en-US" dirty="0" smtClean="0"/>
-              <a:t>A Word on Object-oriented programming</a:t>
+              <a:t>Interface types</a:t>
             </a:r>
             <a:endParaRPr lang="en-US" dirty="0"/>
           </a:p>
@@ -10138,69 +10658,39 @@
           <a:p>
             <a:r>
               <a:rPr lang="en-US" dirty="0" smtClean="0"/>
-              <a:t>Some claim “OOP is dead”</a:t>
-            </a:r>
-          </a:p>
-          <a:p>
-            <a:pPr lvl="1"/>
-            <a:r>
-              <a:rPr lang="en-US" dirty="0" smtClean="0"/>
-              <a:t>They have a point</a:t>
-            </a:r>
-          </a:p>
-          <a:p>
-            <a:pPr lvl="1"/>
-            <a:r>
-              <a:rPr lang="en-US" dirty="0" smtClean="0"/>
-              <a:t>But… it’s complicated</a:t>
-            </a:r>
-          </a:p>
-          <a:p>
-            <a:r>
-              <a:rPr lang="en-US" dirty="0" smtClean="0"/>
-              <a:t>Some domains excel with OOP</a:t>
-            </a:r>
-          </a:p>
-          <a:p>
-            <a:pPr lvl="1"/>
-            <a:r>
-              <a:rPr lang="en-US" dirty="0" smtClean="0"/>
-              <a:t>UI frameworks</a:t>
-            </a:r>
-          </a:p>
-          <a:p>
-            <a:pPr lvl="1"/>
-            <a:r>
-              <a:rPr lang="en-US" dirty="0" smtClean="0"/>
-              <a:t>Game programming</a:t>
-            </a:r>
-          </a:p>
-          <a:p>
-            <a:r>
-              <a:rPr lang="en-US" dirty="0" smtClean="0"/>
-              <a:t>Some domains are terrible with OOP</a:t>
-            </a:r>
-          </a:p>
-          <a:p>
-            <a:pPr lvl="1"/>
-            <a:r>
-              <a:rPr lang="en-US" dirty="0" smtClean="0"/>
-              <a:t>Finance</a:t>
-            </a:r>
-          </a:p>
-          <a:p>
-            <a:pPr lvl="1"/>
-            <a:r>
-              <a:rPr lang="en-US" dirty="0" smtClean="0"/>
-              <a:t>AI</a:t>
-            </a:r>
-          </a:p>
-          <a:p>
-            <a:pPr lvl="1"/>
-            <a:r>
-              <a:rPr lang="en-US" dirty="0" smtClean="0"/>
-              <a:t>Web Programming</a:t>
-            </a:r>
+              <a:t>Interfaces define a record</a:t>
+            </a:r>
+          </a:p>
+          <a:p>
+            <a:r>
+              <a:rPr lang="en-US" dirty="0" smtClean="0"/>
+              <a:t>Preferred over classes</a:t>
+            </a:r>
+          </a:p>
+          <a:p>
+            <a:pPr lvl="1"/>
+            <a:r>
+              <a:rPr lang="en-US" dirty="0" smtClean="0"/>
+              <a:t>Annotations erased at runtime</a:t>
+            </a:r>
+          </a:p>
+          <a:p>
+            <a:pPr lvl="1"/>
+            <a:r>
+              <a:rPr lang="en-US" dirty="0" smtClean="0"/>
+              <a:t>More “functional” </a:t>
+            </a:r>
+            <a:r>
+              <a:rPr lang="en-US" dirty="0" smtClean="0"/>
+              <a:t>friendly</a:t>
+            </a:r>
+          </a:p>
+          <a:p>
+            <a:r>
+              <a:rPr lang="en-US" dirty="0" smtClean="0"/>
+              <a:t>See Example 7</a:t>
+            </a:r>
+            <a:endParaRPr lang="en-US" dirty="0" smtClean="0"/>
           </a:p>
           <a:p>
             <a:pPr lvl="1"/>
@@ -10211,7 +10701,7 @@
     </p:spTree>
     <p:extLst>
       <p:ext uri="{BB962C8B-B14F-4D97-AF65-F5344CB8AC3E}">
-        <p14:creationId xmlns:p14="http://schemas.microsoft.com/office/powerpoint/2010/main" val="2602055949"/>
+        <p14:creationId xmlns:p14="http://schemas.microsoft.com/office/powerpoint/2010/main" val="2668762796"/>
       </p:ext>
     </p:extLst>
   </p:cSld>
@@ -10255,7 +10745,7 @@
           <a:p>
             <a:r>
               <a:rPr lang="en-US" dirty="0" smtClean="0"/>
-              <a:t>OOP continued</a:t>
+              <a:t>classes</a:t>
             </a:r>
             <a:endParaRPr lang="en-US" dirty="0"/>
           </a:p>
@@ -10278,68 +10768,30 @@
           <a:p>
             <a:r>
               <a:rPr lang="en-US" dirty="0" smtClean="0"/>
-              <a:t>OOP tightly couples code and structure</a:t>
-            </a:r>
-          </a:p>
-          <a:p>
-            <a:pPr lvl="1"/>
-            <a:r>
-              <a:rPr lang="en-US" dirty="0" smtClean="0"/>
-              <a:t>Good for up-front design</a:t>
-            </a:r>
-          </a:p>
-          <a:p>
-            <a:pPr lvl="1"/>
-            <a:r>
-              <a:rPr lang="en-US" dirty="0" smtClean="0"/>
-              <a:t>Bad for maintenance and library consumption</a:t>
-            </a:r>
-          </a:p>
-          <a:p>
-            <a:r>
-              <a:rPr lang="en-US" dirty="0" smtClean="0"/>
-              <a:t>Imagine a “Bitmap” class</a:t>
-            </a:r>
-          </a:p>
-          <a:p>
-            <a:pPr lvl="1"/>
-            <a:r>
-              <a:rPr lang="en-US" dirty="0" smtClean="0"/>
-              <a:t>Contains 2D array of pixel data</a:t>
-            </a:r>
-          </a:p>
-          <a:p>
-            <a:pPr lvl="1"/>
-            <a:r>
-              <a:rPr lang="en-US" dirty="0" smtClean="0"/>
-              <a:t>Contains handy “</a:t>
-            </a:r>
+              <a:t>Syntactical Sugar around JS Prototypes</a:t>
+            </a:r>
+          </a:p>
+          <a:p>
+            <a:r>
+              <a:rPr lang="en-US" dirty="0" smtClean="0"/>
+              <a:t>Officially Supported in JS as of ECMAScript 2015</a:t>
+            </a:r>
+          </a:p>
+          <a:p>
             <a:r>
               <a:rPr lang="en-US" dirty="0" err="1" smtClean="0"/>
-              <a:t>SaveToFile</a:t>
-            </a:r>
-            <a:r>
-              <a:rPr lang="en-US" dirty="0" smtClean="0"/>
-              <a:t>(</a:t>
-            </a:r>
-            <a:r>
-              <a:rPr lang="en-US" dirty="0" err="1" smtClean="0"/>
-              <a:t>ImageFormat</a:t>
-            </a:r>
-            <a:r>
-              <a:rPr lang="en-US" dirty="0" smtClean="0"/>
-              <a:t>)” method</a:t>
-            </a:r>
-          </a:p>
-          <a:p>
-            <a:pPr lvl="1"/>
-            <a:r>
-              <a:rPr lang="en-US" dirty="0" smtClean="0"/>
-              <a:t>See Example 8 Part 2</a:t>
-            </a:r>
-          </a:p>
-          <a:p>
-            <a:pPr lvl="1"/>
+              <a:t>TypeScript</a:t>
+            </a:r>
+            <a:r>
+              <a:rPr lang="en-US" dirty="0" smtClean="0"/>
+              <a:t> maintains class support even back to ES3</a:t>
+            </a:r>
+          </a:p>
+          <a:p>
+            <a:r>
+              <a:rPr lang="en-US" dirty="0" smtClean="0"/>
+              <a:t>See Example 8</a:t>
+            </a:r>
             <a:endParaRPr lang="en-US" dirty="0"/>
           </a:p>
         </p:txBody>
@@ -10347,7 +10799,7 @@
     </p:spTree>
     <p:extLst>
       <p:ext uri="{BB962C8B-B14F-4D97-AF65-F5344CB8AC3E}">
-        <p14:creationId xmlns:p14="http://schemas.microsoft.com/office/powerpoint/2010/main" val="3796873890"/>
+        <p14:creationId xmlns:p14="http://schemas.microsoft.com/office/powerpoint/2010/main" val="3548220022"/>
       </p:ext>
     </p:extLst>
   </p:cSld>
@@ -10391,11 +10843,7 @@
           <a:p>
             <a:r>
               <a:rPr lang="en-US" dirty="0" smtClean="0"/>
-              <a:t>OOP </a:t>
-            </a:r>
-            <a:r>
-              <a:rPr lang="en-US" dirty="0" err="1" smtClean="0"/>
-              <a:t>COntinued</a:t>
+              <a:t>A Word on Object-oriented programming</a:t>
             </a:r>
             <a:endParaRPr lang="en-US" dirty="0"/>
           </a:p>
@@ -10413,107 +10861,77 @@
         </p:nvSpPr>
         <p:spPr/>
         <p:txBody>
-          <a:bodyPr>
-            <a:normAutofit lnSpcReduction="10000"/>
-          </a:bodyPr>
-          <a:lstStyle/>
-          <a:p>
-            <a:r>
-              <a:rPr lang="en-US" dirty="0" smtClean="0"/>
-              <a:t>Try to add a “PNG” option</a:t>
-            </a:r>
-          </a:p>
-          <a:p>
-            <a:pPr lvl="1"/>
-            <a:r>
-              <a:rPr lang="en-US" dirty="0" smtClean="0"/>
-              <a:t>What if you are consuming “Bitmap” as a library?</a:t>
-            </a:r>
-          </a:p>
-          <a:p>
-            <a:pPr lvl="1"/>
-            <a:r>
-              <a:rPr lang="en-US" dirty="0" smtClean="0"/>
-              <a:t>Inherit?</a:t>
-            </a:r>
-          </a:p>
-          <a:p>
-            <a:pPr lvl="2"/>
-            <a:r>
-              <a:rPr lang="en-US" dirty="0" smtClean="0"/>
-              <a:t>Bad idea!</a:t>
-            </a:r>
-          </a:p>
-          <a:p>
-            <a:pPr lvl="2"/>
-            <a:r>
-              <a:rPr lang="en-US" dirty="0" smtClean="0"/>
-              <a:t>Now Bitmaps are “versioned”</a:t>
-            </a:r>
-          </a:p>
-          <a:p>
-            <a:pPr lvl="2"/>
-            <a:r>
-              <a:rPr lang="en-US" dirty="0" smtClean="0"/>
-              <a:t>Library returns “Bitmap” objects, but not “</a:t>
-            </a:r>
-            <a:r>
-              <a:rPr lang="en-US" dirty="0" err="1" smtClean="0"/>
-              <a:t>PNGExtendedBitmap</a:t>
-            </a:r>
-            <a:r>
-              <a:rPr lang="en-US" dirty="0" smtClean="0"/>
-              <a:t>” objects!</a:t>
-            </a:r>
-          </a:p>
-          <a:p>
-            <a:pPr lvl="1"/>
-            <a:r>
-              <a:rPr lang="en-US" dirty="0" smtClean="0"/>
-              <a:t>I know, I’ll use a Data Pattern!</a:t>
-            </a:r>
-          </a:p>
-          <a:p>
-            <a:pPr lvl="2"/>
-            <a:r>
-              <a:rPr lang="en-US" dirty="0" smtClean="0"/>
-              <a:t>Architects and Consultants start rubbing their hands eagerly</a:t>
-            </a:r>
-          </a:p>
-          <a:p>
-            <a:pPr lvl="2"/>
-            <a:r>
-              <a:rPr lang="en-US" dirty="0" smtClean="0"/>
-              <a:t>Diagrams, diagrams everywhere!</a:t>
-            </a:r>
-          </a:p>
-          <a:p>
-            <a:pPr lvl="2"/>
-            <a:r>
-              <a:rPr lang="en-US" dirty="0" smtClean="0"/>
-              <a:t>Congratulations, you now have bloated, overcomplicated code</a:t>
-            </a:r>
-          </a:p>
-          <a:p>
-            <a:pPr lvl="1"/>
-            <a:r>
-              <a:rPr lang="en-US" dirty="0" smtClean="0"/>
-              <a:t>What’s wrong with just using a function?</a:t>
-            </a:r>
-          </a:p>
-          <a:p>
-            <a:pPr lvl="2"/>
-            <a:r>
-              <a:rPr lang="en-US" dirty="0" smtClean="0"/>
-              <a:t>Traditional OOP languages don’t allow this</a:t>
-            </a:r>
-          </a:p>
-          <a:p>
-            <a:pPr lvl="2"/>
-            <a:r>
-              <a:rPr lang="en-US" dirty="0" smtClean="0"/>
-              <a:t>But JS/TS do!</a:t>
-            </a:r>
+          <a:bodyPr/>
+          <a:lstStyle/>
+          <a:p>
+            <a:r>
+              <a:rPr lang="en-US" dirty="0" smtClean="0"/>
+              <a:t>Some claim “OOP is dead”</a:t>
+            </a:r>
+          </a:p>
+          <a:p>
+            <a:pPr lvl="1"/>
+            <a:r>
+              <a:rPr lang="en-US" dirty="0" smtClean="0"/>
+              <a:t>They have a point</a:t>
+            </a:r>
+          </a:p>
+          <a:p>
+            <a:pPr lvl="1"/>
+            <a:r>
+              <a:rPr lang="en-US" dirty="0" smtClean="0"/>
+              <a:t>But… it’s complicated</a:t>
+            </a:r>
+          </a:p>
+          <a:p>
+            <a:r>
+              <a:rPr lang="en-US" dirty="0" smtClean="0"/>
+              <a:t>Some domains excel with OOP</a:t>
+            </a:r>
+          </a:p>
+          <a:p>
+            <a:pPr lvl="1"/>
+            <a:r>
+              <a:rPr lang="en-US" dirty="0" smtClean="0"/>
+              <a:t>UI frameworks</a:t>
+            </a:r>
+          </a:p>
+          <a:p>
+            <a:pPr lvl="1"/>
+            <a:r>
+              <a:rPr lang="en-US" dirty="0" smtClean="0"/>
+              <a:t>Game programming</a:t>
+            </a:r>
+          </a:p>
+          <a:p>
+            <a:r>
+              <a:rPr lang="en-US" dirty="0" smtClean="0"/>
+              <a:t>Some domains are terrible with OOP</a:t>
+            </a:r>
+          </a:p>
+          <a:p>
+            <a:pPr lvl="1"/>
+            <a:r>
+              <a:rPr lang="en-US" dirty="0" smtClean="0"/>
+              <a:t>Finance</a:t>
+            </a:r>
+          </a:p>
+          <a:p>
+            <a:pPr lvl="1"/>
+            <a:r>
+              <a:rPr lang="en-US" dirty="0" smtClean="0"/>
+              <a:t>AI</a:t>
+            </a:r>
+          </a:p>
+          <a:p>
+            <a:pPr lvl="1"/>
+            <a:r>
+              <a:rPr lang="en-US" dirty="0" smtClean="0"/>
+              <a:t>Web Programming</a:t>
+            </a:r>
+          </a:p>
+          <a:p>
+            <a:pPr lvl="1"/>
             <a:endParaRPr lang="en-US" dirty="0"/>
           </a:p>
         </p:txBody>
@@ -10521,7 +10939,7 @@
     </p:spTree>
     <p:extLst>
       <p:ext uri="{BB962C8B-B14F-4D97-AF65-F5344CB8AC3E}">
-        <p14:creationId xmlns:p14="http://schemas.microsoft.com/office/powerpoint/2010/main" val="1810462133"/>
+        <p14:creationId xmlns:p14="http://schemas.microsoft.com/office/powerpoint/2010/main" val="2602055949"/>
       </p:ext>
     </p:extLst>
   </p:cSld>
@@ -10564,70 +10982,100 @@
           <a:lstStyle/>
           <a:p>
             <a:r>
+              <a:rPr lang="en-US" dirty="0" smtClean="0"/>
+              <a:t>OOP continued</a:t>
+            </a:r>
+            <a:endParaRPr lang="en-US" dirty="0"/>
+          </a:p>
+        </p:txBody>
+      </p:sp>
+      <p:sp>
+        <p:nvSpPr>
+          <p:cNvPr id="3" name="Content Placeholder 2"/>
+          <p:cNvSpPr>
+            <a:spLocks noGrp="1"/>
+          </p:cNvSpPr>
+          <p:nvPr>
+            <p:ph idx="1"/>
+          </p:nvPr>
+        </p:nvSpPr>
+        <p:spPr/>
+        <p:txBody>
+          <a:bodyPr/>
+          <a:lstStyle/>
+          <a:p>
+            <a:r>
+              <a:rPr lang="en-US" dirty="0" smtClean="0"/>
+              <a:t>OOP tightly couples code and structure</a:t>
+            </a:r>
+          </a:p>
+          <a:p>
+            <a:pPr lvl="1"/>
+            <a:r>
+              <a:rPr lang="en-US" dirty="0" smtClean="0"/>
+              <a:t>Good for up-front design</a:t>
+            </a:r>
+          </a:p>
+          <a:p>
+            <a:pPr lvl="1"/>
+            <a:r>
+              <a:rPr lang="en-US" dirty="0" smtClean="0"/>
+              <a:t>Bad for maintenance and library consumption</a:t>
+            </a:r>
+          </a:p>
+          <a:p>
+            <a:r>
+              <a:rPr lang="en-US" dirty="0" smtClean="0"/>
+              <a:t>Imagine a “Bitmap” class</a:t>
+            </a:r>
+          </a:p>
+          <a:p>
+            <a:pPr lvl="1"/>
+            <a:r>
+              <a:rPr lang="en-US" dirty="0" smtClean="0"/>
+              <a:t>Contains 2D array of pixel data</a:t>
+            </a:r>
+          </a:p>
+          <a:p>
+            <a:pPr lvl="1"/>
+            <a:r>
+              <a:rPr lang="en-US" dirty="0" smtClean="0"/>
+              <a:t>Contains handy “</a:t>
+            </a:r>
+            <a:r>
               <a:rPr lang="en-US" dirty="0" err="1" smtClean="0"/>
-              <a:t>Oop</a:t>
-            </a:r>
-            <a:r>
-              <a:rPr lang="en-US" dirty="0" smtClean="0"/>
-              <a:t> continued</a:t>
-            </a:r>
+              <a:t>SaveToFile</a:t>
+            </a:r>
+            <a:r>
+              <a:rPr lang="en-US" dirty="0" smtClean="0"/>
+              <a:t>(</a:t>
+            </a:r>
+            <a:r>
+              <a:rPr lang="en-US" dirty="0" err="1" smtClean="0"/>
+              <a:t>ImageFormat</a:t>
+            </a:r>
+            <a:r>
+              <a:rPr lang="en-US" dirty="0" smtClean="0"/>
+              <a:t>)” method</a:t>
+            </a:r>
+          </a:p>
+          <a:p>
+            <a:pPr lvl="1"/>
+            <a:r>
+              <a:rPr lang="en-US" dirty="0" smtClean="0"/>
+              <a:t>See Example 8 Part 2</a:t>
+            </a:r>
+          </a:p>
+          <a:p>
+            <a:pPr lvl="1"/>
             <a:endParaRPr lang="en-US" dirty="0"/>
-          </a:p>
-        </p:txBody>
-      </p:sp>
-      <p:sp>
-        <p:nvSpPr>
-          <p:cNvPr id="3" name="Content Placeholder 2"/>
-          <p:cNvSpPr>
-            <a:spLocks noGrp="1"/>
-          </p:cNvSpPr>
-          <p:nvPr>
-            <p:ph idx="1"/>
-          </p:nvPr>
-        </p:nvSpPr>
-        <p:spPr/>
-        <p:txBody>
-          <a:bodyPr/>
-          <a:lstStyle/>
-          <a:p>
-            <a:r>
-              <a:rPr lang="en-US" dirty="0" smtClean="0"/>
-              <a:t>Interfaces generally preferred because they decouple structure from function</a:t>
-            </a:r>
-          </a:p>
-          <a:p>
-            <a:r>
-              <a:rPr lang="en-US" dirty="0" smtClean="0"/>
-              <a:t>Especially important in loosely-connected web environments</a:t>
-            </a:r>
-          </a:p>
-          <a:p>
-            <a:pPr lvl="1"/>
-            <a:r>
-              <a:rPr lang="en-US" dirty="0" smtClean="0"/>
-              <a:t>Retrieve JSON from all over the place</a:t>
-            </a:r>
-          </a:p>
-          <a:p>
-            <a:pPr lvl="1"/>
-            <a:r>
-              <a:rPr lang="en-US" dirty="0" smtClean="0"/>
-              <a:t>Easier to treat as a raw chunk of data, and keep methods separate</a:t>
-            </a:r>
-          </a:p>
-          <a:p>
-            <a:pPr lvl="1"/>
-            <a:r>
-              <a:rPr lang="en-US" dirty="0" smtClean="0"/>
-              <a:t>Otherwise, waste time hooking up complex OOP function hierarchies to your data</a:t>
-            </a:r>
           </a:p>
         </p:txBody>
       </p:sp>
     </p:spTree>
     <p:extLst>
       <p:ext uri="{BB962C8B-B14F-4D97-AF65-F5344CB8AC3E}">
-        <p14:creationId xmlns:p14="http://schemas.microsoft.com/office/powerpoint/2010/main" val="1697661851"/>
+        <p14:creationId xmlns:p14="http://schemas.microsoft.com/office/powerpoint/2010/main" val="3796873890"/>
       </p:ext>
     </p:extLst>
   </p:cSld>
@@ -10671,7 +11119,11 @@
           <a:p>
             <a:r>
               <a:rPr lang="en-US" dirty="0" smtClean="0"/>
-              <a:t>Enumerations</a:t>
+              <a:t>OOP </a:t>
+            </a:r>
+            <a:r>
+              <a:rPr lang="en-US" dirty="0" err="1" smtClean="0"/>
+              <a:t>COntinued</a:t>
             </a:r>
             <a:endParaRPr lang="en-US" dirty="0"/>
           </a:p>
@@ -10696,113 +11148,108 @@
           <a:p>
             <a:r>
               <a:rPr lang="en-US" dirty="0" smtClean="0"/>
-              <a:t>“</a:t>
+              <a:t>Try to add a “PNG” option</a:t>
+            </a:r>
+          </a:p>
+          <a:p>
+            <a:pPr lvl="1"/>
+            <a:r>
+              <a:rPr lang="en-US" dirty="0" smtClean="0"/>
+              <a:t>What if you are consuming “Bitmap” as a library?</a:t>
+            </a:r>
+          </a:p>
+          <a:p>
+            <a:pPr lvl="1"/>
+            <a:r>
+              <a:rPr lang="en-US" dirty="0" smtClean="0"/>
+              <a:t>Inherit?</a:t>
+            </a:r>
+          </a:p>
+          <a:p>
+            <a:pPr lvl="2"/>
+            <a:r>
+              <a:rPr lang="en-US" dirty="0" smtClean="0"/>
+              <a:t>Bad idea!</a:t>
+            </a:r>
+          </a:p>
+          <a:p>
+            <a:pPr lvl="2"/>
+            <a:r>
+              <a:rPr lang="en-US" dirty="0" smtClean="0"/>
+              <a:t>Now Bitmaps are “versioned”</a:t>
+            </a:r>
+          </a:p>
+          <a:p>
+            <a:pPr lvl="2"/>
+            <a:r>
+              <a:rPr lang="en-US" dirty="0" smtClean="0"/>
+              <a:t>Library returns “Bitmap” objects, but not “</a:t>
             </a:r>
             <a:r>
               <a:rPr lang="en-US" dirty="0" err="1" smtClean="0"/>
-              <a:t>Enum</a:t>
-            </a:r>
-            <a:r>
-              <a:rPr lang="en-US" dirty="0" smtClean="0"/>
-              <a:t>” keyword emulates C# syntax</a:t>
-            </a:r>
-          </a:p>
-          <a:p>
-            <a:pPr lvl="1"/>
-            <a:r>
-              <a:rPr lang="en-US" dirty="0" smtClean="0"/>
-              <a:t>Can only enumerate numbers and strings</a:t>
-            </a:r>
-          </a:p>
-          <a:p>
-            <a:pPr lvl="1"/>
-            <a:r>
-              <a:rPr lang="en-US" dirty="0" smtClean="0"/>
-              <a:t>Generates an array of mappings in generated JS code</a:t>
-            </a:r>
-          </a:p>
-          <a:p>
-            <a:pPr lvl="1"/>
-            <a:r>
-              <a:rPr lang="en-US" dirty="0" smtClean="0"/>
-              <a:t>See Example 9</a:t>
-            </a:r>
-          </a:p>
-          <a:p>
-            <a:r>
-              <a:rPr lang="en-US" dirty="0" smtClean="0"/>
-              <a:t>Can use “type” keyword to create interface enumerations</a:t>
-            </a:r>
-          </a:p>
-          <a:p>
-            <a:pPr lvl="1"/>
-            <a:r>
-              <a:rPr lang="en-US" dirty="0" smtClean="0"/>
-              <a:t>Cannot enumerate through these</a:t>
-            </a:r>
-          </a:p>
-          <a:p>
-            <a:pPr lvl="1"/>
-            <a:r>
-              <a:rPr lang="en-US" dirty="0" smtClean="0"/>
-              <a:t>Provide better type checking</a:t>
-            </a:r>
-          </a:p>
-          <a:p>
-            <a:pPr lvl="1"/>
-            <a:r>
-              <a:rPr lang="en-US" dirty="0" smtClean="0"/>
-              <a:t>No generated code, smaller footprint</a:t>
-            </a:r>
-          </a:p>
-          <a:p>
-            <a:r>
-              <a:rPr lang="en-US" dirty="0" smtClean="0"/>
-              <a:t>Generally prefer “type” to “</a:t>
-            </a:r>
-            <a:r>
-              <a:rPr lang="en-US" dirty="0" err="1" smtClean="0"/>
-              <a:t>enum</a:t>
-            </a:r>
-            <a:r>
-              <a:rPr lang="en-US" dirty="0" smtClean="0"/>
-              <a:t>”</a:t>
-            </a:r>
-          </a:p>
-          <a:p>
-            <a:r>
-              <a:rPr lang="en-US" dirty="0" smtClean="0"/>
-              <a:t>When to use “</a:t>
-            </a:r>
-            <a:r>
-              <a:rPr lang="en-US" dirty="0" err="1" smtClean="0"/>
-              <a:t>enum</a:t>
-            </a:r>
-            <a:r>
-              <a:rPr lang="en-US" dirty="0" smtClean="0"/>
-              <a:t>” over “type”</a:t>
-            </a:r>
-          </a:p>
-          <a:p>
-            <a:pPr lvl="1"/>
-            <a:r>
-              <a:rPr lang="en-US" dirty="0" smtClean="0"/>
-              <a:t>Need to enumerate through values at runtime</a:t>
-            </a:r>
-          </a:p>
-          <a:p>
-            <a:pPr lvl="1"/>
-            <a:r>
-              <a:rPr lang="en-US" dirty="0" smtClean="0"/>
-              <a:t>Numeric values are important</a:t>
-            </a:r>
+              <a:t>PNGExtendedBitmap</a:t>
+            </a:r>
+            <a:r>
+              <a:rPr lang="en-US" dirty="0" smtClean="0"/>
+              <a:t>” objects!</a:t>
+            </a:r>
+          </a:p>
+          <a:p>
+            <a:pPr lvl="1"/>
+            <a:r>
+              <a:rPr lang="en-US" dirty="0" smtClean="0"/>
+              <a:t>I know, I’ll use a Data Pattern!</a:t>
+            </a:r>
+          </a:p>
+          <a:p>
+            <a:pPr lvl="2"/>
+            <a:r>
+              <a:rPr lang="en-US" dirty="0" smtClean="0"/>
+              <a:t>Architects and Consultants start rubbing their hands eagerly</a:t>
+            </a:r>
+          </a:p>
+          <a:p>
+            <a:pPr lvl="2"/>
+            <a:r>
+              <a:rPr lang="en-US" dirty="0" smtClean="0"/>
+              <a:t>Diagrams, diagrams everywhere!</a:t>
+            </a:r>
+          </a:p>
+          <a:p>
+            <a:pPr lvl="2"/>
+            <a:r>
+              <a:rPr lang="en-US" dirty="0" smtClean="0"/>
+              <a:t>Congratulations, you now have bloated, overcomplicated code</a:t>
+            </a:r>
+          </a:p>
+          <a:p>
+            <a:pPr lvl="1"/>
+            <a:r>
+              <a:rPr lang="en-US" dirty="0" smtClean="0"/>
+              <a:t>What’s wrong with just using a function?</a:t>
+            </a:r>
+          </a:p>
+          <a:p>
+            <a:pPr lvl="2"/>
+            <a:r>
+              <a:rPr lang="en-US" dirty="0" smtClean="0"/>
+              <a:t>Traditional OOP languages don’t allow this</a:t>
+            </a:r>
+          </a:p>
+          <a:p>
+            <a:pPr lvl="2"/>
+            <a:r>
+              <a:rPr lang="en-US" dirty="0" smtClean="0"/>
+              <a:t>But JS/TS do!</a:t>
+            </a:r>
+            <a:endParaRPr lang="en-US" dirty="0"/>
           </a:p>
         </p:txBody>
       </p:sp>
     </p:spTree>
     <p:extLst>
       <p:ext uri="{BB962C8B-B14F-4D97-AF65-F5344CB8AC3E}">
-        <p14:creationId xmlns:p14="http://schemas.microsoft.com/office/powerpoint/2010/main" val="594601522"/>
+        <p14:creationId xmlns:p14="http://schemas.microsoft.com/office/powerpoint/2010/main" val="1810462133"/>
       </p:ext>
     </p:extLst>
   </p:cSld>
@@ -10880,7 +11327,7 @@
         <p:spPr/>
         <p:txBody>
           <a:bodyPr>
-            <a:normAutofit lnSpcReduction="10000"/>
+            <a:normAutofit fontScale="92500" lnSpcReduction="10000"/>
           </a:bodyPr>
           <a:lstStyle/>
           <a:p>
@@ -10910,7 +11357,15 @@
           <a:p>
             <a:r>
               <a:rPr lang="en-US" dirty="0" smtClean="0"/>
-              <a:t>Sun decides Netscape’s scripting language must be based on Java</a:t>
+              <a:t>Sun </a:t>
+            </a:r>
+            <a:r>
+              <a:rPr lang="en-US" dirty="0" smtClean="0"/>
+              <a:t>wants language based </a:t>
+            </a:r>
+            <a:r>
+              <a:rPr lang="en-US" dirty="0" smtClean="0"/>
+              <a:t>on Java</a:t>
             </a:r>
           </a:p>
           <a:p>
@@ -10920,24 +11375,58 @@
             </a:r>
             <a:r>
               <a:rPr lang="en-US" dirty="0" smtClean="0"/>
-              <a:t>, in a desperate move to save his project, writes a Scheme-like language prototype using Java syntax in just 10 days, calling it </a:t>
+              <a:t> tries to save project</a:t>
+            </a:r>
+          </a:p>
+          <a:p>
+            <a:pPr lvl="1"/>
+            <a:r>
+              <a:rPr lang="en-US" dirty="0" smtClean="0"/>
+              <a:t>Writes </a:t>
+            </a:r>
+            <a:r>
+              <a:rPr lang="en-US" dirty="0" smtClean="0"/>
+              <a:t>prototype </a:t>
+            </a:r>
+            <a:r>
+              <a:rPr lang="en-US" dirty="0" smtClean="0"/>
+              <a:t>using Java syntax in </a:t>
+            </a:r>
+            <a:r>
+              <a:rPr lang="en-US" dirty="0" smtClean="0"/>
+              <a:t>10 days</a:t>
+            </a:r>
+          </a:p>
+          <a:p>
+            <a:pPr lvl="1"/>
+            <a:r>
+              <a:rPr lang="en-US" dirty="0" smtClean="0"/>
+              <a:t>Called </a:t>
             </a:r>
             <a:r>
               <a:rPr lang="en-US" b="1" dirty="0" smtClean="0"/>
-              <a:t>Mocha</a:t>
-            </a:r>
-            <a:r>
-              <a:rPr lang="en-US" dirty="0" smtClean="0"/>
-              <a:t>, and later, </a:t>
+              <a:t>Mocha </a:t>
+            </a:r>
+            <a:r>
+              <a:rPr lang="en-US" dirty="0" smtClean="0"/>
+              <a:t>at first</a:t>
+            </a:r>
+          </a:p>
+          <a:p>
+            <a:pPr lvl="1"/>
+            <a:r>
+              <a:rPr lang="en-US" dirty="0" smtClean="0"/>
+              <a:t>Later</a:t>
+            </a:r>
+            <a:r>
+              <a:rPr lang="en-US" dirty="0" smtClean="0"/>
+              <a:t> </a:t>
             </a:r>
             <a:r>
               <a:rPr lang="en-US" b="1" dirty="0" err="1" smtClean="0"/>
               <a:t>LiveScript</a:t>
             </a:r>
-            <a:r>
-              <a:rPr lang="en-US" dirty="0" smtClean="0"/>
-              <a:t>. </a:t>
-            </a:r>
+            <a:endParaRPr lang="en-US" dirty="0" smtClean="0"/>
           </a:p>
           <a:p>
             <a:r>
@@ -10948,7 +11437,11 @@
           <a:p>
             <a:r>
               <a:rPr lang="en-US" dirty="0" smtClean="0"/>
-              <a:t>They renamed it </a:t>
+              <a:t>Renamed </a:t>
+            </a:r>
+            <a:r>
+              <a:rPr lang="en-US" dirty="0" smtClean="0"/>
+              <a:t>it </a:t>
             </a:r>
             <a:r>
               <a:rPr lang="en-US" b="1" dirty="0" smtClean="0"/>
@@ -11024,34 +11517,29 @@
         </p:nvSpPr>
         <p:spPr/>
         <p:txBody>
-          <a:bodyPr>
-            <a:normAutofit/>
-          </a:bodyPr>
-          <a:lstStyle/>
-          <a:p>
-            <a:r>
-              <a:rPr lang="en-US" sz="2200" dirty="0"/>
-              <a:t>I call it my billion-dollar mistake. It was the invention of the null reference in </a:t>
-            </a:r>
-            <a:r>
-              <a:rPr lang="en-US" sz="2200" dirty="0" smtClean="0"/>
-              <a:t>1965... </a:t>
-            </a:r>
-            <a:r>
-              <a:rPr lang="en-US" sz="2200" dirty="0"/>
-              <a:t>But I couldn't resist the temptation to put in a null reference, simply because it was so easy to implement. This has led to innumerable errors, vulnerabilities, and system crashes, which have probably caused a billion dollars of pain and damage in the last forty years.</a:t>
-            </a:r>
-          </a:p>
-        </p:txBody>
-      </p:sp>
-      <p:sp>
-        <p:nvSpPr>
-          <p:cNvPr id="3" name="Text Placeholder 2"/>
-          <p:cNvSpPr>
-            <a:spLocks noGrp="1"/>
-          </p:cNvSpPr>
-          <p:nvPr>
-            <p:ph type="body" sz="half" idx="13"/>
+          <a:bodyPr/>
+          <a:lstStyle/>
+          <a:p>
+            <a:r>
+              <a:rPr lang="en-US" dirty="0" err="1" smtClean="0"/>
+              <a:t>Oop</a:t>
+            </a:r>
+            <a:r>
+              <a:rPr lang="en-US" dirty="0" smtClean="0"/>
+              <a:t> continued</a:t>
+            </a:r>
+            <a:endParaRPr lang="en-US" dirty="0"/>
+          </a:p>
+        </p:txBody>
+      </p:sp>
+      <p:sp>
+        <p:nvSpPr>
+          <p:cNvPr id="3" name="Content Placeholder 2"/>
+          <p:cNvSpPr>
+            <a:spLocks noGrp="1"/>
+          </p:cNvSpPr>
+          <p:nvPr>
+            <p:ph idx="1"/>
           </p:nvPr>
         </p:nvSpPr>
         <p:spPr/>
@@ -11060,32 +11548,57 @@
           <a:lstStyle/>
           <a:p>
             <a:r>
-              <a:rPr lang="en-US" dirty="0"/>
-              <a:t>Tony Hoare</a:t>
-            </a:r>
-          </a:p>
-          <a:p>
-            <a:endParaRPr lang="en-US" dirty="0"/>
+              <a:rPr lang="en-US" dirty="0" smtClean="0"/>
+              <a:t>Interfaces </a:t>
+            </a:r>
+            <a:r>
+              <a:rPr lang="en-US" dirty="0" smtClean="0"/>
+              <a:t>oftentimes preferred </a:t>
+            </a:r>
+            <a:r>
+              <a:rPr lang="en-US" dirty="0" smtClean="0"/>
+              <a:t>because they decouple structure from function</a:t>
+            </a:r>
+          </a:p>
+          <a:p>
+            <a:r>
+              <a:rPr lang="en-US" dirty="0" smtClean="0"/>
+              <a:t>Especially important in loosely-connected web environments</a:t>
+            </a:r>
+          </a:p>
+          <a:p>
+            <a:pPr lvl="1"/>
+            <a:r>
+              <a:rPr lang="en-US" dirty="0" smtClean="0"/>
+              <a:t>Retrieve JSON from all over the place</a:t>
+            </a:r>
+          </a:p>
+          <a:p>
+            <a:pPr lvl="1"/>
+            <a:r>
+              <a:rPr lang="en-US" dirty="0" smtClean="0"/>
+              <a:t>Easier to treat as a raw chunk of data, and keep methods separate</a:t>
+            </a:r>
+          </a:p>
+          <a:p>
+            <a:pPr lvl="1"/>
+            <a:r>
+              <a:rPr lang="en-US" dirty="0" smtClean="0"/>
+              <a:t>Otherwise, waste time hooking up complex OOP function hierarchies to your data</a:t>
+            </a:r>
           </a:p>
         </p:txBody>
       </p:sp>
     </p:spTree>
     <p:extLst>
       <p:ext uri="{BB962C8B-B14F-4D97-AF65-F5344CB8AC3E}">
-        <p14:creationId xmlns:p14="http://schemas.microsoft.com/office/powerpoint/2010/main" val="1496269914"/>
+        <p14:creationId xmlns:p14="http://schemas.microsoft.com/office/powerpoint/2010/main" val="1697661851"/>
       </p:ext>
     </p:extLst>
   </p:cSld>
   <p:clrMapOvr>
     <a:masterClrMapping/>
   </p:clrMapOvr>
-  <p:timing>
-    <p:tnLst>
-      <p:par>
-        <p:cTn id="1" dur="indefinite" restart="never" nodeType="tmRoot"/>
-      </p:par>
-    </p:tnLst>
-  </p:timing>
 </p:sld>
 </file>
 
@@ -11123,7 +11636,7 @@
           <a:p>
             <a:r>
               <a:rPr lang="en-US" dirty="0" smtClean="0"/>
-              <a:t>Null checking</a:t>
+              <a:t>Enumerations</a:t>
             </a:r>
             <a:endParaRPr lang="en-US" dirty="0"/>
           </a:p>
@@ -11141,74 +11654,126 @@
         </p:nvSpPr>
         <p:spPr/>
         <p:txBody>
-          <a:bodyPr/>
-          <a:lstStyle/>
-          <a:p>
-            <a:r>
-              <a:rPr lang="en-US" dirty="0" smtClean="0"/>
-              <a:t>Nulls are a great concept</a:t>
-            </a:r>
-          </a:p>
-          <a:p>
-            <a:pPr lvl="1"/>
-            <a:r>
-              <a:rPr lang="en-US" dirty="0" smtClean="0"/>
-              <a:t>Sometimes the lack of data is data itself</a:t>
-            </a:r>
-          </a:p>
-          <a:p>
-            <a:r>
-              <a:rPr lang="en-US" dirty="0" smtClean="0"/>
-              <a:t>But 99%  of the time, you know the data will be there</a:t>
-            </a:r>
-          </a:p>
-          <a:p>
-            <a:r>
-              <a:rPr lang="en-US" dirty="0" smtClean="0"/>
-              <a:t>JavaScript thought Null was so great, it invented a 2</a:t>
-            </a:r>
-            <a:r>
-              <a:rPr lang="en-US" baseline="30000" dirty="0" smtClean="0"/>
-              <a:t>nd</a:t>
-            </a:r>
-            <a:r>
-              <a:rPr lang="en-US" dirty="0" smtClean="0"/>
-              <a:t> kind: </a:t>
-            </a:r>
-          </a:p>
-          <a:p>
-            <a:pPr lvl="1"/>
-            <a:r>
-              <a:rPr lang="en-US" dirty="0" smtClean="0"/>
-              <a:t>“Undefined”</a:t>
-            </a:r>
-          </a:p>
-          <a:p>
-            <a:r>
-              <a:rPr lang="en-US" dirty="0" smtClean="0"/>
-              <a:t>Wouldn’t it be great if the language could keep track of what could be null and what shouldn’t? </a:t>
-            </a:r>
-            <a:endParaRPr lang="en-US" dirty="0"/>
+          <a:bodyPr>
+            <a:normAutofit lnSpcReduction="10000"/>
+          </a:bodyPr>
+          <a:lstStyle/>
+          <a:p>
+            <a:r>
+              <a:rPr lang="en-US" dirty="0" smtClean="0"/>
+              <a:t>“</a:t>
+            </a:r>
+            <a:r>
+              <a:rPr lang="en-US" dirty="0" err="1" smtClean="0"/>
+              <a:t>Enum</a:t>
+            </a:r>
+            <a:r>
+              <a:rPr lang="en-US" dirty="0" smtClean="0"/>
+              <a:t>” keyword emulates C# syntax</a:t>
+            </a:r>
+          </a:p>
+          <a:p>
+            <a:pPr lvl="1"/>
+            <a:r>
+              <a:rPr lang="en-US" dirty="0" smtClean="0"/>
+              <a:t>Can only enumerate numbers and strings</a:t>
+            </a:r>
+          </a:p>
+          <a:p>
+            <a:pPr lvl="1"/>
+            <a:r>
+              <a:rPr lang="en-US" dirty="0" smtClean="0"/>
+              <a:t>Generates an array of mappings in generated JS code</a:t>
+            </a:r>
+          </a:p>
+          <a:p>
+            <a:pPr lvl="1"/>
+            <a:r>
+              <a:rPr lang="en-US" dirty="0" smtClean="0"/>
+              <a:t>See Example 9</a:t>
+            </a:r>
+          </a:p>
+          <a:p>
+            <a:r>
+              <a:rPr lang="en-US" dirty="0" smtClean="0"/>
+              <a:t>Can use “type” keyword to create interface enumerations</a:t>
+            </a:r>
+          </a:p>
+          <a:p>
+            <a:pPr lvl="1"/>
+            <a:r>
+              <a:rPr lang="en-US" dirty="0" smtClean="0"/>
+              <a:t>Cannot enumerate through these</a:t>
+            </a:r>
+          </a:p>
+          <a:p>
+            <a:pPr lvl="1"/>
+            <a:r>
+              <a:rPr lang="en-US" dirty="0" smtClean="0"/>
+              <a:t>Provide better type checking</a:t>
+            </a:r>
+          </a:p>
+          <a:p>
+            <a:pPr lvl="1"/>
+            <a:r>
+              <a:rPr lang="en-US" dirty="0" smtClean="0"/>
+              <a:t>No generated code, smaller footprint</a:t>
+            </a:r>
+          </a:p>
+          <a:p>
+            <a:r>
+              <a:rPr lang="en-US" dirty="0" smtClean="0"/>
+              <a:t>Generally prefer “type” to “</a:t>
+            </a:r>
+            <a:r>
+              <a:rPr lang="en-US" dirty="0" err="1" smtClean="0"/>
+              <a:t>enum</a:t>
+            </a:r>
+            <a:r>
+              <a:rPr lang="en-US" dirty="0" smtClean="0"/>
+              <a:t>”</a:t>
+            </a:r>
+          </a:p>
+          <a:p>
+            <a:r>
+              <a:rPr lang="en-US" dirty="0" smtClean="0"/>
+              <a:t>When to use “</a:t>
+            </a:r>
+            <a:r>
+              <a:rPr lang="en-US" dirty="0" err="1" smtClean="0"/>
+              <a:t>enum</a:t>
+            </a:r>
+            <a:r>
+              <a:rPr lang="en-US" dirty="0" smtClean="0"/>
+              <a:t>” over “type”</a:t>
+            </a:r>
+          </a:p>
+          <a:p>
+            <a:pPr lvl="1"/>
+            <a:r>
+              <a:rPr lang="en-US" dirty="0" smtClean="0"/>
+              <a:t>Need to enumerate through values at runtime</a:t>
+            </a:r>
+          </a:p>
+          <a:p>
+            <a:pPr lvl="1"/>
+            <a:r>
+              <a:rPr lang="en-US" dirty="0" smtClean="0"/>
+              <a:t>Numeric values are important</a:t>
+            </a:r>
           </a:p>
         </p:txBody>
       </p:sp>
     </p:spTree>
     <p:extLst>
       <p:ext uri="{BB962C8B-B14F-4D97-AF65-F5344CB8AC3E}">
-        <p14:creationId xmlns:p14="http://schemas.microsoft.com/office/powerpoint/2010/main" val="3216369764"/>
+        <p14:creationId xmlns:p14="http://schemas.microsoft.com/office/powerpoint/2010/main" val="594601522"/>
       </p:ext>
     </p:extLst>
   </p:cSld>
   <p:clrMapOvr>
     <a:masterClrMapping/>
   </p:clrMapOvr>
-  <p:timing>
-    <p:tnLst>
-      <p:par>
-        <p:cTn id="1" dur="indefinite" restart="never" nodeType="tmRoot"/>
-      </p:par>
-    </p:tnLst>
-  </p:timing>
 </p:sld>
 </file>
 
@@ -11231,54 +11796,65 @@
       </p:grpSpPr>
       <p:sp>
         <p:nvSpPr>
-          <p:cNvPr id="3" name="Content Placeholder 2"/>
-          <p:cNvSpPr>
-            <a:spLocks noGrp="1"/>
-          </p:cNvSpPr>
-          <p:nvPr>
-            <p:ph idx="1"/>
-          </p:nvPr>
-        </p:nvSpPr>
-        <p:spPr>
-          <a:xfrm>
-            <a:off x="685800" y="3131127"/>
-            <a:ext cx="10820400" cy="3087558"/>
-          </a:xfrm>
-        </p:spPr>
+          <p:cNvPr id="2" name="Title 1"/>
+          <p:cNvSpPr>
+            <a:spLocks noGrp="1"/>
+          </p:cNvSpPr>
+          <p:nvPr>
+            <p:ph type="title"/>
+          </p:nvPr>
+        </p:nvSpPr>
+        <p:spPr/>
         <p:txBody>
           <a:bodyPr>
             <a:normAutofit/>
           </a:bodyPr>
           <a:lstStyle/>
           <a:p>
-            <a:pPr marL="0" indent="0" algn="ctr">
-              <a:buNone/>
-            </a:pPr>
-            <a:r>
-              <a:rPr lang="en-US" sz="2800" dirty="0" smtClean="0"/>
-              <a:t>I now prefer </a:t>
-            </a:r>
-            <a:r>
-              <a:rPr lang="en-US" sz="2800" dirty="0" err="1" smtClean="0"/>
-              <a:t>TypeScript</a:t>
-            </a:r>
-            <a:r>
-              <a:rPr lang="en-US" sz="2800" dirty="0" smtClean="0"/>
-              <a:t> to C# because of this feature alone.</a:t>
-            </a:r>
-          </a:p>
-          <a:p>
-            <a:pPr marL="0" indent="0">
-              <a:buNone/>
-            </a:pPr>
-            <a:endParaRPr lang="en-US" sz="2800" dirty="0"/>
+            <a:r>
+              <a:rPr lang="en-US" sz="2200" dirty="0"/>
+              <a:t>I call it my billion-dollar mistake. It was the invention of the null reference in </a:t>
+            </a:r>
+            <a:r>
+              <a:rPr lang="en-US" sz="2200" dirty="0" smtClean="0"/>
+              <a:t>1965... </a:t>
+            </a:r>
+            <a:r>
+              <a:rPr lang="en-US" sz="2200" dirty="0"/>
+              <a:t>But I couldn't resist the temptation to put in a null reference, simply because it was so easy to implement. This has led to innumerable errors, vulnerabilities, and system crashes, which have probably caused a billion dollars of pain and damage in the last forty years.</a:t>
+            </a:r>
+          </a:p>
+        </p:txBody>
+      </p:sp>
+      <p:sp>
+        <p:nvSpPr>
+          <p:cNvPr id="3" name="Text Placeholder 2"/>
+          <p:cNvSpPr>
+            <a:spLocks noGrp="1"/>
+          </p:cNvSpPr>
+          <p:nvPr>
+            <p:ph type="body" sz="half" idx="13"/>
+          </p:nvPr>
+        </p:nvSpPr>
+        <p:spPr/>
+        <p:txBody>
+          <a:bodyPr/>
+          <a:lstStyle/>
+          <a:p>
+            <a:r>
+              <a:rPr lang="en-US" dirty="0"/>
+              <a:t>Tony Hoare</a:t>
+            </a:r>
+          </a:p>
+          <a:p>
+            <a:endParaRPr lang="en-US" dirty="0"/>
           </a:p>
         </p:txBody>
       </p:sp>
     </p:spTree>
     <p:extLst>
       <p:ext uri="{BB962C8B-B14F-4D97-AF65-F5344CB8AC3E}">
-        <p14:creationId xmlns:p14="http://schemas.microsoft.com/office/powerpoint/2010/main" val="1169160060"/>
+        <p14:creationId xmlns:p14="http://schemas.microsoft.com/office/powerpoint/2010/main" val="1496269914"/>
       </p:ext>
     </p:extLst>
   </p:cSld>
@@ -11314,6 +11890,29 @@
       </p:grpSpPr>
       <p:sp>
         <p:nvSpPr>
+          <p:cNvPr id="2" name="Title 1"/>
+          <p:cNvSpPr>
+            <a:spLocks noGrp="1"/>
+          </p:cNvSpPr>
+          <p:nvPr>
+            <p:ph type="title"/>
+          </p:nvPr>
+        </p:nvSpPr>
+        <p:spPr/>
+        <p:txBody>
+          <a:bodyPr/>
+          <a:lstStyle/>
+          <a:p>
+            <a:r>
+              <a:rPr lang="en-US" dirty="0" smtClean="0"/>
+              <a:t>Null checking</a:t>
+            </a:r>
+            <a:endParaRPr lang="en-US" dirty="0"/>
+          </a:p>
+        </p:txBody>
+      </p:sp>
+      <p:sp>
+        <p:nvSpPr>
           <p:cNvPr id="3" name="Content Placeholder 2"/>
           <p:cNvSpPr>
             <a:spLocks noGrp="1"/>
@@ -11322,38 +11921,63 @@
             <p:ph idx="1"/>
           </p:nvPr>
         </p:nvSpPr>
-        <p:spPr>
-          <a:xfrm>
-            <a:off x="685800" y="3131127"/>
-            <a:ext cx="10820400" cy="3087558"/>
-          </a:xfrm>
-        </p:spPr>
-        <p:txBody>
-          <a:bodyPr>
-            <a:normAutofit/>
-          </a:bodyPr>
-          <a:lstStyle/>
-          <a:p>
-            <a:pPr marL="0" indent="0" algn="ctr">
-              <a:buNone/>
-            </a:pPr>
-            <a:r>
-              <a:rPr lang="en-US" sz="4000" dirty="0" smtClean="0"/>
-              <a:t>I’m not even kidding.</a:t>
-            </a:r>
-          </a:p>
-          <a:p>
-            <a:pPr marL="0" indent="0">
-              <a:buNone/>
-            </a:pPr>
-            <a:endParaRPr lang="en-US" sz="4000" dirty="0"/>
+        <p:spPr/>
+        <p:txBody>
+          <a:bodyPr/>
+          <a:lstStyle/>
+          <a:p>
+            <a:r>
+              <a:rPr lang="en-US" dirty="0" smtClean="0"/>
+              <a:t>Nulls are a great concept</a:t>
+            </a:r>
+          </a:p>
+          <a:p>
+            <a:pPr lvl="1"/>
+            <a:r>
+              <a:rPr lang="en-US" dirty="0" smtClean="0"/>
+              <a:t>Sometimes the lack of data is data itself</a:t>
+            </a:r>
+          </a:p>
+          <a:p>
+            <a:r>
+              <a:rPr lang="en-US" dirty="0" smtClean="0"/>
+              <a:t>But 99%  of the time, you know the data will be there</a:t>
+            </a:r>
+          </a:p>
+          <a:p>
+            <a:r>
+              <a:rPr lang="en-US" dirty="0" smtClean="0"/>
+              <a:t>JavaScript thought Null was so great, it invented a 2</a:t>
+            </a:r>
+            <a:r>
+              <a:rPr lang="en-US" baseline="30000" dirty="0" smtClean="0"/>
+              <a:t>nd</a:t>
+            </a:r>
+            <a:r>
+              <a:rPr lang="en-US" dirty="0" smtClean="0"/>
+              <a:t> kind: </a:t>
+            </a:r>
+          </a:p>
+          <a:p>
+            <a:pPr lvl="1"/>
+            <a:r>
+              <a:rPr lang="en-US" dirty="0" smtClean="0"/>
+              <a:t>“Undefined”</a:t>
+            </a:r>
+          </a:p>
+          <a:p>
+            <a:r>
+              <a:rPr lang="en-US" dirty="0" smtClean="0"/>
+              <a:t>Wouldn’t it be great if the language could keep track of what could be null and what shouldn’t? </a:t>
+            </a:r>
+            <a:endParaRPr lang="en-US" dirty="0"/>
           </a:p>
         </p:txBody>
       </p:sp>
     </p:spTree>
     <p:extLst>
       <p:ext uri="{BB962C8B-B14F-4D97-AF65-F5344CB8AC3E}">
-        <p14:creationId xmlns:p14="http://schemas.microsoft.com/office/powerpoint/2010/main" val="3646431837"/>
+        <p14:creationId xmlns:p14="http://schemas.microsoft.com/office/powerpoint/2010/main" val="3216369764"/>
       </p:ext>
     </p:extLst>
   </p:cSld>
@@ -11389,29 +12013,6 @@
       </p:grpSpPr>
       <p:sp>
         <p:nvSpPr>
-          <p:cNvPr id="2" name="Title 1"/>
-          <p:cNvSpPr>
-            <a:spLocks noGrp="1"/>
-          </p:cNvSpPr>
-          <p:nvPr>
-            <p:ph type="title"/>
-          </p:nvPr>
-        </p:nvSpPr>
-        <p:spPr/>
-        <p:txBody>
-          <a:bodyPr/>
-          <a:lstStyle/>
-          <a:p>
-            <a:r>
-              <a:rPr lang="en-US" dirty="0" smtClean="0"/>
-              <a:t>Null checking</a:t>
-            </a:r>
-            <a:endParaRPr lang="en-US" dirty="0"/>
-          </a:p>
-        </p:txBody>
-      </p:sp>
-      <p:sp>
-        <p:nvSpPr>
           <p:cNvPr id="3" name="Content Placeholder 2"/>
           <p:cNvSpPr>
             <a:spLocks noGrp="1"/>
@@ -11420,69 +12021,59 @@
             <p:ph idx="1"/>
           </p:nvPr>
         </p:nvSpPr>
-        <p:spPr/>
-        <p:txBody>
-          <a:bodyPr/>
-          <a:lstStyle/>
-          <a:p>
-            <a:r>
-              <a:rPr lang="en-US" dirty="0" smtClean="0"/>
-              <a:t>Optional feature</a:t>
-            </a:r>
-          </a:p>
-          <a:p>
-            <a:pPr lvl="1"/>
-            <a:r>
-              <a:rPr lang="en-US" dirty="0" smtClean="0"/>
-              <a:t>Only enable it if you want</a:t>
-            </a:r>
-          </a:p>
-          <a:p>
-            <a:pPr lvl="1"/>
-            <a:r>
-              <a:rPr lang="en-US" dirty="0" smtClean="0"/>
-              <a:t>You really should, though.</a:t>
-            </a:r>
-          </a:p>
-          <a:p>
-            <a:pPr lvl="1"/>
-            <a:r>
-              <a:rPr lang="en-US" dirty="0" smtClean="0"/>
-              <a:t>Seriously.</a:t>
-            </a:r>
-          </a:p>
-          <a:p>
-            <a:r>
-              <a:rPr lang="en-US" dirty="0" smtClean="0"/>
-              <a:t>Unobtrusive</a:t>
-            </a:r>
-          </a:p>
-          <a:p>
-            <a:pPr lvl="1"/>
-            <a:r>
-              <a:rPr lang="en-US" dirty="0" smtClean="0"/>
-              <a:t>Uses inference to intelligently track values through your code at compile time</a:t>
-            </a:r>
-          </a:p>
-          <a:p>
-            <a:r>
-              <a:rPr lang="en-US" dirty="0" smtClean="0"/>
-              <a:t>See Example 10</a:t>
-            </a:r>
-            <a:endParaRPr lang="en-US" dirty="0"/>
+        <p:spPr>
+          <a:xfrm>
+            <a:off x="685800" y="3131127"/>
+            <a:ext cx="10820400" cy="3087558"/>
+          </a:xfrm>
+        </p:spPr>
+        <p:txBody>
+          <a:bodyPr>
+            <a:normAutofit/>
+          </a:bodyPr>
+          <a:lstStyle/>
+          <a:p>
+            <a:pPr marL="0" indent="0" algn="ctr">
+              <a:buNone/>
+            </a:pPr>
+            <a:r>
+              <a:rPr lang="en-US" sz="2800" dirty="0" smtClean="0"/>
+              <a:t>I now prefer </a:t>
+            </a:r>
+            <a:r>
+              <a:rPr lang="en-US" sz="2800" dirty="0" err="1" smtClean="0"/>
+              <a:t>TypeScript</a:t>
+            </a:r>
+            <a:r>
+              <a:rPr lang="en-US" sz="2800" dirty="0" smtClean="0"/>
+              <a:t> to C# because of this feature alone.</a:t>
+            </a:r>
+          </a:p>
+          <a:p>
+            <a:pPr marL="0" indent="0">
+              <a:buNone/>
+            </a:pPr>
+            <a:endParaRPr lang="en-US" sz="2800" dirty="0"/>
           </a:p>
         </p:txBody>
       </p:sp>
     </p:spTree>
     <p:extLst>
       <p:ext uri="{BB962C8B-B14F-4D97-AF65-F5344CB8AC3E}">
-        <p14:creationId xmlns:p14="http://schemas.microsoft.com/office/powerpoint/2010/main" val="3448102255"/>
+        <p14:creationId xmlns:p14="http://schemas.microsoft.com/office/powerpoint/2010/main" val="1169160060"/>
       </p:ext>
     </p:extLst>
   </p:cSld>
   <p:clrMapOvr>
     <a:masterClrMapping/>
   </p:clrMapOvr>
+  <p:timing>
+    <p:tnLst>
+      <p:par>
+        <p:cTn id="1" dur="indefinite" restart="never" nodeType="tmRoot"/>
+      </p:par>
+    </p:tnLst>
+  </p:timing>
 </p:sld>
 </file>
 
@@ -11505,29 +12096,6 @@
       </p:grpSpPr>
       <p:sp>
         <p:nvSpPr>
-          <p:cNvPr id="2" name="Title 1"/>
-          <p:cNvSpPr>
-            <a:spLocks noGrp="1"/>
-          </p:cNvSpPr>
-          <p:nvPr>
-            <p:ph type="title"/>
-          </p:nvPr>
-        </p:nvSpPr>
-        <p:spPr/>
-        <p:txBody>
-          <a:bodyPr/>
-          <a:lstStyle/>
-          <a:p>
-            <a:r>
-              <a:rPr lang="en-US" dirty="0" smtClean="0"/>
-              <a:t>Null checking</a:t>
-            </a:r>
-            <a:endParaRPr lang="en-US" dirty="0"/>
-          </a:p>
-        </p:txBody>
-      </p:sp>
-      <p:sp>
-        <p:nvSpPr>
           <p:cNvPr id="3" name="Content Placeholder 2"/>
           <p:cNvSpPr>
             <a:spLocks noGrp="1"/>
@@ -11536,95 +12104,51 @@
             <p:ph idx="1"/>
           </p:nvPr>
         </p:nvSpPr>
-        <p:spPr/>
-        <p:txBody>
-          <a:bodyPr/>
-          <a:lstStyle/>
-          <a:p>
-            <a:r>
-              <a:rPr lang="en-US" dirty="0" smtClean="0"/>
-              <a:t>Once you start using it, you’ll never want to go back</a:t>
-            </a:r>
-          </a:p>
-          <a:p>
-            <a:r>
-              <a:rPr lang="en-US" dirty="0" smtClean="0"/>
-              <a:t>Introduced in TS 2.0</a:t>
-            </a:r>
-          </a:p>
-          <a:p>
-            <a:pPr lvl="1"/>
-            <a:r>
-              <a:rPr lang="en-US" dirty="0" smtClean="0"/>
-              <a:t>Unfortunately a lot of work to get old codebases caught up to support it</a:t>
-            </a:r>
-          </a:p>
-          <a:p>
-            <a:pPr lvl="1"/>
-            <a:r>
-              <a:rPr lang="en-US" dirty="0" smtClean="0"/>
-              <a:t>Almost every new compiler error is actually an undiscovered bug</a:t>
-            </a:r>
-          </a:p>
-          <a:p>
-            <a:pPr lvl="1"/>
-            <a:r>
-              <a:rPr lang="en-US" dirty="0" smtClean="0"/>
-              <a:t>So convert ASAP</a:t>
-            </a:r>
-          </a:p>
-          <a:p>
-            <a:r>
-              <a:rPr lang="en-US" dirty="0" smtClean="0"/>
-              <a:t>C# is bringing this feature in the near-</a:t>
-            </a:r>
-            <a:r>
-              <a:rPr lang="en-US" dirty="0" err="1" smtClean="0"/>
-              <a:t>ish</a:t>
-            </a:r>
-            <a:r>
-              <a:rPr lang="en-US" dirty="0" smtClean="0"/>
-              <a:t> future</a:t>
-            </a:r>
-          </a:p>
-          <a:p>
-            <a:pPr lvl="1"/>
-            <a:r>
-              <a:rPr lang="en-US" dirty="0" smtClean="0"/>
-              <a:t>Opt-in and somewhat half-assed</a:t>
-            </a:r>
-          </a:p>
-          <a:p>
-            <a:pPr lvl="1"/>
-            <a:r>
-              <a:rPr lang="en-US" dirty="0" smtClean="0"/>
-              <a:t>It’s really the best they could do without breaking literally every codebase in existence. </a:t>
-            </a:r>
-          </a:p>
-          <a:p>
-            <a:pPr lvl="1"/>
-            <a:r>
-              <a:rPr lang="en-US" dirty="0" smtClean="0"/>
-              <a:t>Better </a:t>
-            </a:r>
-            <a:r>
-              <a:rPr lang="en-US" smtClean="0"/>
-              <a:t>than nothing!</a:t>
-            </a:r>
-            <a:endParaRPr lang="en-US" dirty="0"/>
+        <p:spPr>
+          <a:xfrm>
+            <a:off x="685800" y="3131127"/>
+            <a:ext cx="10820400" cy="3087558"/>
+          </a:xfrm>
+        </p:spPr>
+        <p:txBody>
+          <a:bodyPr>
+            <a:normAutofit/>
+          </a:bodyPr>
+          <a:lstStyle/>
+          <a:p>
+            <a:pPr marL="0" indent="0" algn="ctr">
+              <a:buNone/>
+            </a:pPr>
+            <a:r>
+              <a:rPr lang="en-US" sz="4000" dirty="0" smtClean="0"/>
+              <a:t>I’m not even kidding.</a:t>
+            </a:r>
+          </a:p>
+          <a:p>
+            <a:pPr marL="0" indent="0">
+              <a:buNone/>
+            </a:pPr>
+            <a:endParaRPr lang="en-US" sz="4000" dirty="0"/>
           </a:p>
         </p:txBody>
       </p:sp>
     </p:spTree>
     <p:extLst>
       <p:ext uri="{BB962C8B-B14F-4D97-AF65-F5344CB8AC3E}">
-        <p14:creationId xmlns:p14="http://schemas.microsoft.com/office/powerpoint/2010/main" val="909809932"/>
+        <p14:creationId xmlns:p14="http://schemas.microsoft.com/office/powerpoint/2010/main" val="3646431837"/>
       </p:ext>
     </p:extLst>
   </p:cSld>
   <p:clrMapOvr>
     <a:masterClrMapping/>
   </p:clrMapOvr>
+  <p:timing>
+    <p:tnLst>
+      <p:par>
+        <p:cTn id="1" dur="indefinite" restart="never" nodeType="tmRoot"/>
+      </p:par>
+    </p:tnLst>
+  </p:timing>
 </p:sld>
 </file>
 
@@ -11662,7 +12186,7 @@
           <a:p>
             <a:r>
               <a:rPr lang="en-US" dirty="0" smtClean="0"/>
-              <a:t>generics</a:t>
+              <a:t>Null checking</a:t>
             </a:r>
             <a:endParaRPr lang="en-US" dirty="0"/>
           </a:p>
@@ -11684,60 +12208,48 @@
           <a:lstStyle/>
           <a:p>
             <a:r>
-              <a:rPr lang="en-US" dirty="0" err="1" smtClean="0"/>
-              <a:t>TypeScript</a:t>
-            </a:r>
-            <a:r>
-              <a:rPr lang="en-US" dirty="0" smtClean="0"/>
-              <a:t> Generics use (mostly) the same syntax as C#</a:t>
-            </a:r>
-          </a:p>
-          <a:p>
-            <a:r>
-              <a:rPr lang="en-US" dirty="0" smtClean="0"/>
-              <a:t>Allows </a:t>
-            </a:r>
-            <a:r>
-              <a:rPr lang="en-US" dirty="0"/>
-              <a:t>you to </a:t>
-            </a:r>
-            <a:r>
-              <a:rPr lang="en-US" dirty="0" smtClean="0"/>
-              <a:t>create data-agnostic methods, structures, and classes</a:t>
-            </a:r>
-          </a:p>
-          <a:p>
-            <a:pPr lvl="1"/>
-            <a:r>
-              <a:rPr lang="en-US" dirty="0" smtClean="0"/>
-              <a:t>Separate concerns for cleaner code</a:t>
-            </a:r>
-          </a:p>
-          <a:p>
-            <a:r>
-              <a:rPr lang="en-US" dirty="0" smtClean="0"/>
-              <a:t>Only type-safe at compile time</a:t>
-            </a:r>
-          </a:p>
-          <a:p>
-            <a:pPr lvl="1"/>
-            <a:r>
-              <a:rPr lang="en-US" dirty="0" smtClean="0"/>
-              <a:t>Run-time is still JavaScript free-for-all </a:t>
-            </a:r>
-            <a:r>
-              <a:rPr lang="en-US" dirty="0" err="1" smtClean="0"/>
-              <a:t>chaosland</a:t>
-            </a:r>
-            <a:r>
-              <a:rPr lang="en-US" dirty="0" smtClean="0"/>
-              <a:t>, unlike C#</a:t>
-            </a:r>
-          </a:p>
-          <a:p>
-            <a:r>
-              <a:rPr lang="en-US" dirty="0" smtClean="0"/>
-              <a:t>See Example 11</a:t>
+              <a:rPr lang="en-US" dirty="0" smtClean="0"/>
+              <a:t>Optional feature</a:t>
+            </a:r>
+          </a:p>
+          <a:p>
+            <a:pPr lvl="1"/>
+            <a:r>
+              <a:rPr lang="en-US" dirty="0" smtClean="0"/>
+              <a:t>Only enable it if you want</a:t>
+            </a:r>
+          </a:p>
+          <a:p>
+            <a:pPr lvl="1"/>
+            <a:r>
+              <a:rPr lang="en-US" dirty="0" smtClean="0"/>
+              <a:t>You really should, though.</a:t>
+            </a:r>
+          </a:p>
+          <a:p>
+            <a:pPr lvl="1"/>
+            <a:r>
+              <a:rPr lang="en-US" dirty="0" smtClean="0"/>
+              <a:t>Seriously.</a:t>
+            </a:r>
+          </a:p>
+          <a:p>
+            <a:r>
+              <a:rPr lang="en-US" dirty="0" smtClean="0"/>
+              <a:t>Unobtrusive</a:t>
+            </a:r>
+          </a:p>
+          <a:p>
+            <a:pPr lvl="1"/>
+            <a:r>
+              <a:rPr lang="en-US" dirty="0" smtClean="0"/>
+              <a:t>Uses inference to intelligently track values through your code at compile time</a:t>
+            </a:r>
+          </a:p>
+          <a:p>
+            <a:r>
+              <a:rPr lang="en-US" dirty="0" smtClean="0"/>
+              <a:t>See Example 10</a:t>
             </a:r>
             <a:endParaRPr lang="en-US" dirty="0"/>
           </a:p>
@@ -11746,7 +12258,7 @@
     </p:spTree>
     <p:extLst>
       <p:ext uri="{BB962C8B-B14F-4D97-AF65-F5344CB8AC3E}">
-        <p14:creationId xmlns:p14="http://schemas.microsoft.com/office/powerpoint/2010/main" val="3215782768"/>
+        <p14:creationId xmlns:p14="http://schemas.microsoft.com/office/powerpoint/2010/main" val="3448102255"/>
       </p:ext>
     </p:extLst>
   </p:cSld>
@@ -11790,7 +12302,7 @@
           <a:p>
             <a:r>
               <a:rPr lang="en-US" dirty="0" smtClean="0"/>
-              <a:t>Type guards</a:t>
+              <a:t>Null checking</a:t>
             </a:r>
             <a:endParaRPr lang="en-US" dirty="0"/>
           </a:p>
@@ -11808,100 +12320,78 @@
         </p:nvSpPr>
         <p:spPr/>
         <p:txBody>
-          <a:bodyPr>
-            <a:normAutofit lnSpcReduction="10000"/>
-          </a:bodyPr>
-          <a:lstStyle/>
-          <a:p>
-            <a:r>
-              <a:rPr lang="en-US" dirty="0" smtClean="0"/>
-              <a:t>Important to note: </a:t>
+          <a:bodyPr/>
+          <a:lstStyle/>
+          <a:p>
+            <a:r>
+              <a:rPr lang="en-US" dirty="0" smtClean="0"/>
+              <a:t>Once you start using it, you’ll never want to go back</a:t>
+            </a:r>
+          </a:p>
+          <a:p>
+            <a:r>
+              <a:rPr lang="en-US" dirty="0" smtClean="0"/>
+              <a:t>Introduced in TS 2.0</a:t>
+            </a:r>
+          </a:p>
+          <a:p>
+            <a:pPr lvl="1"/>
+            <a:r>
+              <a:rPr lang="en-US" dirty="0" smtClean="0"/>
+              <a:t>Unfortunately a lot of work to get old codebases caught up to support it</a:t>
+            </a:r>
+          </a:p>
+          <a:p>
+            <a:pPr lvl="1"/>
+            <a:r>
+              <a:rPr lang="en-US" dirty="0" smtClean="0"/>
+              <a:t>Almost every new compiler error is actually an undiscovered bug</a:t>
+            </a:r>
+          </a:p>
+          <a:p>
+            <a:pPr lvl="1"/>
+            <a:r>
+              <a:rPr lang="en-US" dirty="0" smtClean="0"/>
+              <a:t>So convert ASAP</a:t>
+            </a:r>
+          </a:p>
+          <a:p>
+            <a:r>
+              <a:rPr lang="en-US" dirty="0" smtClean="0"/>
+              <a:t>C# is bringing this feature in the near-</a:t>
             </a:r>
             <a:r>
               <a:rPr lang="en-US" dirty="0" err="1" smtClean="0"/>
-              <a:t>TypeScript</a:t>
-            </a:r>
-            <a:r>
-              <a:rPr lang="en-US" dirty="0" smtClean="0"/>
-              <a:t> only </a:t>
-            </a:r>
-            <a:r>
-              <a:rPr lang="en-US" i="1" dirty="0" smtClean="0"/>
-              <a:t>Compile-Time Type-Safe</a:t>
-            </a:r>
-            <a:r>
-              <a:rPr lang="en-US" dirty="0" smtClean="0"/>
-              <a:t>.</a:t>
-            </a:r>
-          </a:p>
-          <a:p>
-            <a:pPr lvl="1"/>
-            <a:r>
-              <a:rPr lang="en-US" dirty="0" smtClean="0"/>
-              <a:t>Runtime is still the Wild-Wild West</a:t>
-            </a:r>
-          </a:p>
-          <a:p>
-            <a:r>
-              <a:rPr lang="en-US" dirty="0" smtClean="0"/>
-              <a:t>Code follows “happy path”?</a:t>
-            </a:r>
-          </a:p>
-          <a:p>
-            <a:pPr lvl="1"/>
-            <a:r>
-              <a:rPr lang="en-US" dirty="0" smtClean="0"/>
-              <a:t>Can get away with only compile-time type checking.</a:t>
-            </a:r>
-          </a:p>
-          <a:p>
-            <a:r>
-              <a:rPr lang="en-US" dirty="0" smtClean="0"/>
-              <a:t>Code interfaces with web services?</a:t>
-            </a:r>
-          </a:p>
-          <a:p>
-            <a:pPr lvl="1"/>
-            <a:r>
-              <a:rPr lang="en-US" dirty="0" smtClean="0"/>
-              <a:t>You need to begin performing run-time type checking</a:t>
-            </a:r>
-          </a:p>
-          <a:p>
-            <a:r>
-              <a:rPr lang="en-US" dirty="0" smtClean="0"/>
-              <a:t>Unfortunately an area where languages like C# will always be superior</a:t>
-            </a:r>
-          </a:p>
-          <a:p>
-            <a:r>
-              <a:rPr lang="en-US" dirty="0" smtClean="0"/>
-              <a:t>See Example 12</a:t>
-            </a:r>
-          </a:p>
-          <a:p>
-            <a:r>
-              <a:rPr lang="en-US" dirty="0" smtClean="0"/>
-              <a:t>Type Guards can get large</a:t>
-            </a:r>
-          </a:p>
-          <a:p>
-            <a:pPr lvl="1"/>
-            <a:r>
-              <a:rPr lang="en-US" dirty="0" smtClean="0"/>
-              <a:t>In Enterprise systems, better to use code generation against a </a:t>
+              <a:t>ish</a:t>
+            </a:r>
+            <a:r>
+              <a:rPr lang="en-US" dirty="0" smtClean="0"/>
+              <a:t> future</a:t>
+            </a:r>
+          </a:p>
+          <a:p>
+            <a:pPr lvl="1"/>
+            <a:r>
+              <a:rPr lang="en-US" dirty="0" smtClean="0"/>
+              <a:t>Opt-in and somewhat half-assed</a:t>
+            </a:r>
+          </a:p>
+          <a:p>
+            <a:pPr lvl="1"/>
+            <a:r>
+              <a:rPr lang="en-US" dirty="0" smtClean="0"/>
+              <a:t>It’s really the best they could do without breaking literally every codebase in existence. </a:t>
+            </a:r>
+          </a:p>
+          <a:p>
+            <a:pPr lvl="1"/>
+            <a:r>
+              <a:rPr lang="en-US" dirty="0" smtClean="0"/>
+              <a:t>Better </a:t>
             </a:r>
             <a:r>
               <a:rPr lang="en-US" smtClean="0"/>
-              <a:t>data definition</a:t>
-            </a:r>
-            <a:endParaRPr lang="en-US" dirty="0" smtClean="0"/>
-          </a:p>
-          <a:p>
-            <a:pPr lvl="1"/>
-            <a:r>
-              <a:rPr lang="en-US" dirty="0" smtClean="0"/>
-              <a:t>Or an alternate technology, such as JSON Schema validation</a:t>
+              <a:t>than nothing!</a:t>
             </a:r>
             <a:endParaRPr lang="en-US" dirty="0"/>
           </a:p>
@@ -11910,7 +12400,7 @@
     </p:spTree>
     <p:extLst>
       <p:ext uri="{BB962C8B-B14F-4D97-AF65-F5344CB8AC3E}">
-        <p14:creationId xmlns:p14="http://schemas.microsoft.com/office/powerpoint/2010/main" val="717661290"/>
+        <p14:creationId xmlns:p14="http://schemas.microsoft.com/office/powerpoint/2010/main" val="909809932"/>
       </p:ext>
     </p:extLst>
   </p:cSld>
@@ -11954,7 +12444,7 @@
           <a:p>
             <a:r>
               <a:rPr lang="en-US" dirty="0" smtClean="0"/>
-              <a:t>Modules</a:t>
+              <a:t>generics</a:t>
             </a:r>
             <a:endParaRPr lang="en-US" dirty="0"/>
           </a:p>
@@ -11976,20 +12466,60 @@
           <a:lstStyle/>
           <a:p>
             <a:r>
-              <a:rPr lang="en-US" dirty="0" smtClean="0"/>
-              <a:t>JavaScript was a “scripting” language, a novelty.</a:t>
-            </a:r>
-          </a:p>
-          <a:p>
-            <a:r>
-              <a:rPr lang="en-US" dirty="0" smtClean="0"/>
-              <a:t>No need for complex things like linkers and modules and libraries!</a:t>
-            </a:r>
-          </a:p>
-          <a:p>
-            <a:r>
-              <a:rPr lang="en-US" dirty="0" smtClean="0"/>
-              <a:t>Until one day…</a:t>
+              <a:rPr lang="en-US" dirty="0" err="1" smtClean="0"/>
+              <a:t>TypeScript</a:t>
+            </a:r>
+            <a:r>
+              <a:rPr lang="en-US" dirty="0" smtClean="0"/>
+              <a:t> Generics use (mostly) the same syntax as C#</a:t>
+            </a:r>
+          </a:p>
+          <a:p>
+            <a:r>
+              <a:rPr lang="en-US" dirty="0" smtClean="0"/>
+              <a:t>Allows </a:t>
+            </a:r>
+            <a:r>
+              <a:rPr lang="en-US" dirty="0"/>
+              <a:t>you to </a:t>
+            </a:r>
+            <a:r>
+              <a:rPr lang="en-US" dirty="0" smtClean="0"/>
+              <a:t>create data-agnostic methods, structures, and classes</a:t>
+            </a:r>
+          </a:p>
+          <a:p>
+            <a:pPr lvl="1"/>
+            <a:r>
+              <a:rPr lang="en-US" dirty="0" smtClean="0"/>
+              <a:t>Separate concerns for cleaner code</a:t>
+            </a:r>
+          </a:p>
+          <a:p>
+            <a:r>
+              <a:rPr lang="en-US" dirty="0" smtClean="0"/>
+              <a:t>Only type-safe at compile time</a:t>
+            </a:r>
+          </a:p>
+          <a:p>
+            <a:pPr lvl="1"/>
+            <a:r>
+              <a:rPr lang="en-US" dirty="0" smtClean="0"/>
+              <a:t>Run-time is still JavaScript free-for-all </a:t>
+            </a:r>
+            <a:r>
+              <a:rPr lang="en-US" dirty="0" err="1" smtClean="0"/>
+              <a:t>chaosland</a:t>
+            </a:r>
+            <a:r>
+              <a:rPr lang="en-US" dirty="0" smtClean="0"/>
+              <a:t>, unlike C#</a:t>
+            </a:r>
+          </a:p>
+          <a:p>
+            <a:r>
+              <a:rPr lang="en-US" dirty="0" smtClean="0"/>
+              <a:t>See Example 11</a:t>
             </a:r>
             <a:endParaRPr lang="en-US" dirty="0"/>
           </a:p>
@@ -11998,7 +12528,7 @@
     </p:spTree>
     <p:extLst>
       <p:ext uri="{BB962C8B-B14F-4D97-AF65-F5344CB8AC3E}">
-        <p14:creationId xmlns:p14="http://schemas.microsoft.com/office/powerpoint/2010/main" val="457738283"/>
+        <p14:creationId xmlns:p14="http://schemas.microsoft.com/office/powerpoint/2010/main" val="3215782768"/>
       </p:ext>
     </p:extLst>
   </p:cSld>
@@ -12042,7 +12572,7 @@
           <a:p>
             <a:r>
               <a:rPr lang="en-US" dirty="0" smtClean="0"/>
-              <a:t>Modules</a:t>
+              <a:t>Type guards</a:t>
             </a:r>
             <a:endParaRPr lang="en-US" dirty="0"/>
           </a:p>
@@ -12061,106 +12591,99 @@
         <p:spPr/>
         <p:txBody>
           <a:bodyPr>
-            <a:normAutofit fontScale="92500" lnSpcReduction="20000"/>
+            <a:normAutofit lnSpcReduction="10000"/>
           </a:bodyPr>
           <a:lstStyle/>
           <a:p>
             <a:r>
               <a:rPr lang="en-US" dirty="0" smtClean="0"/>
-              <a:t>Multiple module formats introduced</a:t>
-            </a:r>
-          </a:p>
-          <a:p>
-            <a:r>
-              <a:rPr lang="en-US" dirty="0" smtClean="0"/>
-              <a:t>Asynchronous Module Definition (AMD)</a:t>
-            </a:r>
-          </a:p>
-          <a:p>
-            <a:pPr lvl="1"/>
-            <a:r>
-              <a:rPr lang="en-US" dirty="0" smtClean="0"/>
-              <a:t>Designed for </a:t>
+              <a:t>Important to note: </a:t>
             </a:r>
             <a:r>
               <a:rPr lang="en-US" dirty="0" err="1" smtClean="0"/>
-              <a:t>async</a:t>
-            </a:r>
-            <a:r>
-              <a:rPr lang="en-US" dirty="0" smtClean="0"/>
-              <a:t> loading on the web</a:t>
-            </a:r>
-          </a:p>
-          <a:p>
-            <a:pPr lvl="1"/>
-            <a:r>
-              <a:rPr lang="en-US" dirty="0" smtClean="0"/>
-              <a:t>Makes 80 billion web requests</a:t>
-            </a:r>
-          </a:p>
-          <a:p>
-            <a:pPr lvl="1"/>
-            <a:r>
-              <a:rPr lang="en-US" dirty="0" smtClean="0"/>
-              <a:t>Was good 5 years ago but now obsolete</a:t>
-            </a:r>
-          </a:p>
-          <a:p>
-            <a:r>
-              <a:rPr lang="en-US" dirty="0" err="1" smtClean="0"/>
-              <a:t>CommonJS</a:t>
-            </a:r>
-            <a:r>
-              <a:rPr lang="en-US" dirty="0" smtClean="0"/>
-              <a:t> (CJS)</a:t>
-            </a:r>
-          </a:p>
-          <a:p>
-            <a:pPr lvl="1"/>
-            <a:r>
-              <a:rPr lang="en-US" dirty="0" smtClean="0"/>
-              <a:t>Designed for synchronous loading in Node</a:t>
-            </a:r>
-          </a:p>
-          <a:p>
-            <a:pPr lvl="1"/>
-            <a:r>
-              <a:rPr lang="en-US" dirty="0" smtClean="0"/>
-              <a:t>Cannot be used on the Web unless you use a bundler</a:t>
-            </a:r>
-          </a:p>
-          <a:p>
-            <a:r>
-              <a:rPr lang="en-US" dirty="0" smtClean="0"/>
-              <a:t>ES2015</a:t>
-            </a:r>
-          </a:p>
-          <a:p>
-            <a:pPr lvl="1"/>
-            <a:r>
-              <a:rPr lang="en-US" dirty="0" smtClean="0"/>
-              <a:t>Introduced a common module standard, completely different from the above</a:t>
-            </a:r>
-          </a:p>
-          <a:p>
-            <a:pPr lvl="1"/>
-            <a:r>
-              <a:rPr lang="en-US" dirty="0" smtClean="0"/>
-              <a:t>No browsers support it</a:t>
-            </a:r>
-          </a:p>
-          <a:p>
-            <a:pPr lvl="1"/>
-            <a:r>
-              <a:rPr lang="en-US" dirty="0" smtClean="0"/>
-              <a:t>No browsers plan to support it</a:t>
-            </a:r>
-          </a:p>
-          <a:p>
-            <a:pPr lvl="1"/>
-            <a:r>
-              <a:rPr lang="en-US" dirty="0" smtClean="0"/>
-              <a:t>Typescript uses ES2015 syntax natively and compiles to whichever module format you need</a:t>
+              <a:t>TypeScript</a:t>
+            </a:r>
+            <a:r>
+              <a:rPr lang="en-US" dirty="0" smtClean="0"/>
+              <a:t> only </a:t>
+            </a:r>
+            <a:r>
+              <a:rPr lang="en-US" i="1" dirty="0" smtClean="0"/>
+              <a:t>Compile-Time Type-Safe</a:t>
+            </a:r>
+            <a:r>
+              <a:rPr lang="en-US" dirty="0" smtClean="0"/>
+              <a:t>.</a:t>
+            </a:r>
+          </a:p>
+          <a:p>
+            <a:pPr lvl="1"/>
+            <a:r>
+              <a:rPr lang="en-US" dirty="0" smtClean="0"/>
+              <a:t>Runtime is still the Wild-Wild West</a:t>
+            </a:r>
+          </a:p>
+          <a:p>
+            <a:r>
+              <a:rPr lang="en-US" dirty="0" smtClean="0"/>
+              <a:t>Code follows “happy path”?</a:t>
+            </a:r>
+          </a:p>
+          <a:p>
+            <a:pPr lvl="1"/>
+            <a:r>
+              <a:rPr lang="en-US" dirty="0" smtClean="0"/>
+              <a:t>Can get away with only compile-time type checking.</a:t>
+            </a:r>
+          </a:p>
+          <a:p>
+            <a:r>
+              <a:rPr lang="en-US" dirty="0" smtClean="0"/>
+              <a:t>Code interfaces with web services?</a:t>
+            </a:r>
+          </a:p>
+          <a:p>
+            <a:pPr lvl="1"/>
+            <a:r>
+              <a:rPr lang="en-US" dirty="0" smtClean="0"/>
+              <a:t>You need to begin performing run-time type checking</a:t>
+            </a:r>
+          </a:p>
+          <a:p>
+            <a:r>
+              <a:rPr lang="en-US" dirty="0" smtClean="0"/>
+              <a:t>Unfortunately an area where languages like C# will always be superior</a:t>
+            </a:r>
+          </a:p>
+          <a:p>
+            <a:r>
+              <a:rPr lang="en-US" dirty="0" smtClean="0"/>
+              <a:t>See Example 12</a:t>
+            </a:r>
+          </a:p>
+          <a:p>
+            <a:r>
+              <a:rPr lang="en-US" dirty="0" smtClean="0"/>
+              <a:t>Type Guards can get large</a:t>
+            </a:r>
+          </a:p>
+          <a:p>
+            <a:pPr lvl="1"/>
+            <a:r>
+              <a:rPr lang="en-US" dirty="0" smtClean="0"/>
+              <a:t>In Enterprise systems, better to use code generation against a </a:t>
+            </a:r>
+            <a:r>
+              <a:rPr lang="en-US" smtClean="0"/>
+              <a:t>data definition</a:t>
+            </a:r>
+            <a:endParaRPr lang="en-US" dirty="0" smtClean="0"/>
+          </a:p>
+          <a:p>
+            <a:pPr lvl="1"/>
+            <a:r>
+              <a:rPr lang="en-US" dirty="0" smtClean="0"/>
+              <a:t>Or an alternate technology, such as JSON Schema validation</a:t>
             </a:r>
             <a:endParaRPr lang="en-US" dirty="0"/>
           </a:p>
@@ -12169,7 +12692,7 @@
     </p:spTree>
     <p:extLst>
       <p:ext uri="{BB962C8B-B14F-4D97-AF65-F5344CB8AC3E}">
-        <p14:creationId xmlns:p14="http://schemas.microsoft.com/office/powerpoint/2010/main" val="2001320758"/>
+        <p14:creationId xmlns:p14="http://schemas.microsoft.com/office/powerpoint/2010/main" val="717661290"/>
       </p:ext>
     </p:extLst>
   </p:cSld>
@@ -12198,97 +12721,68 @@
       </p:grpSpPr>
       <p:sp>
         <p:nvSpPr>
-          <p:cNvPr id="2" name="Title 1"/>
-          <p:cNvSpPr>
-            <a:spLocks noGrp="1"/>
-          </p:cNvSpPr>
-          <p:nvPr>
-            <p:ph type="title"/>
-          </p:nvPr>
-        </p:nvSpPr>
-        <p:spPr/>
-        <p:txBody>
-          <a:bodyPr/>
-          <a:lstStyle/>
-          <a:p>
-            <a:r>
-              <a:rPr lang="en-US" dirty="0" smtClean="0"/>
-              <a:t>The Empire Strikes Back (1996)</a:t>
+          <p:cNvPr id="3" name="Content Placeholder 2"/>
+          <p:cNvSpPr>
+            <a:spLocks noGrp="1"/>
+          </p:cNvSpPr>
+          <p:nvPr>
+            <p:ph idx="1"/>
+          </p:nvPr>
+        </p:nvSpPr>
+        <p:spPr>
+          <a:xfrm>
+            <a:off x="685800" y="2946400"/>
+            <a:ext cx="10820400" cy="3272285"/>
+          </a:xfrm>
+        </p:spPr>
+        <p:txBody>
+          <a:bodyPr>
+            <a:normAutofit/>
+          </a:bodyPr>
+          <a:lstStyle/>
+          <a:p>
+            <a:pPr marL="0" indent="0">
+              <a:buNone/>
+            </a:pPr>
+            <a:r>
+              <a:rPr lang="en-US" b="1" dirty="0"/>
+              <a:t>Fun Fact</a:t>
+            </a:r>
+            <a:r>
+              <a:rPr lang="en-US" dirty="0"/>
+              <a:t>: That was the last time in the entire history of web development when a quick and barely-functioning prototype was shipped as a working product that everyone was then stuck with using for </a:t>
+            </a:r>
+            <a:r>
+              <a:rPr lang="en-US" dirty="0" smtClean="0"/>
+              <a:t>decades afterward.</a:t>
             </a:r>
             <a:endParaRPr lang="en-US" dirty="0"/>
           </a:p>
-        </p:txBody>
-      </p:sp>
-      <p:sp>
-        <p:nvSpPr>
-          <p:cNvPr id="3" name="Content Placeholder 2"/>
-          <p:cNvSpPr>
-            <a:spLocks noGrp="1"/>
-          </p:cNvSpPr>
-          <p:nvPr>
-            <p:ph idx="1"/>
-          </p:nvPr>
-        </p:nvSpPr>
-        <p:spPr/>
-        <p:txBody>
-          <a:bodyPr/>
-          <a:lstStyle/>
-          <a:p>
-            <a:r>
-              <a:rPr lang="en-US" dirty="0"/>
-              <a:t>Microsoft creates </a:t>
-            </a:r>
-            <a:r>
-              <a:rPr lang="en-US" b="1" dirty="0"/>
-              <a:t>JScript</a:t>
-            </a:r>
-            <a:r>
-              <a:rPr lang="en-US" dirty="0"/>
-              <a:t>, a </a:t>
-            </a:r>
-            <a:r>
-              <a:rPr lang="en-US" dirty="0" smtClean="0"/>
-              <a:t>reimplementation </a:t>
-            </a:r>
-            <a:r>
-              <a:rPr lang="en-US" dirty="0"/>
-              <a:t>of JavaScript for IE 3.0</a:t>
-            </a:r>
-          </a:p>
-          <a:p>
-            <a:r>
-              <a:rPr lang="en-US" dirty="0" smtClean="0"/>
-              <a:t>Microsoft and Netscape compete to add new and better features to the language</a:t>
-            </a:r>
-          </a:p>
-          <a:p>
-            <a:r>
-              <a:rPr lang="en-US" dirty="0" smtClean="0"/>
-              <a:t>Leads to incompatibilities and chaos</a:t>
-            </a:r>
-          </a:p>
-          <a:p>
-            <a:pPr lvl="1"/>
-            <a:r>
-              <a:rPr lang="en-US" dirty="0"/>
-              <a:t>Microsoft’s first incompatibility fixed the Y2K problem</a:t>
-            </a:r>
-          </a:p>
-          <a:p>
-            <a:endParaRPr lang="en-US" dirty="0"/>
+          <a:p>
+            <a:pPr marL="0" indent="0">
+              <a:buNone/>
+            </a:pPr>
+            <a:endParaRPr lang="en-US" dirty="0" smtClean="0"/>
           </a:p>
         </p:txBody>
       </p:sp>
     </p:spTree>
     <p:extLst>
       <p:ext uri="{BB962C8B-B14F-4D97-AF65-F5344CB8AC3E}">
-        <p14:creationId xmlns:p14="http://schemas.microsoft.com/office/powerpoint/2010/main" val="1775283105"/>
+        <p14:creationId xmlns:p14="http://schemas.microsoft.com/office/powerpoint/2010/main" val="2971889563"/>
       </p:ext>
     </p:extLst>
   </p:cSld>
   <p:clrMapOvr>
     <a:masterClrMapping/>
   </p:clrMapOvr>
+  <p:timing>
+    <p:tnLst>
+      <p:par>
+        <p:cTn id="1" dur="indefinite" restart="never" nodeType="tmRoot"/>
+      </p:par>
+    </p:tnLst>
+  </p:timing>
 </p:sld>
 </file>
 
@@ -12344,115 +12838,33 @@
         </p:nvSpPr>
         <p:spPr/>
         <p:txBody>
-          <a:bodyPr>
-            <a:normAutofit fontScale="92500" lnSpcReduction="20000"/>
-          </a:bodyPr>
-          <a:lstStyle/>
-          <a:p>
-            <a:r>
-              <a:rPr lang="en-US" dirty="0" smtClean="0"/>
-              <a:t>Multiple module formats introduced</a:t>
-            </a:r>
-          </a:p>
-          <a:p>
-            <a:r>
-              <a:rPr lang="en-US" dirty="0" smtClean="0"/>
-              <a:t>Asynchronous Module Definition (AMD)</a:t>
-            </a:r>
-          </a:p>
-          <a:p>
-            <a:pPr lvl="1"/>
-            <a:r>
-              <a:rPr lang="en-US" dirty="0" smtClean="0"/>
-              <a:t>Designed for </a:t>
-            </a:r>
-            <a:r>
-              <a:rPr lang="en-US" dirty="0" err="1" smtClean="0"/>
-              <a:t>async</a:t>
-            </a:r>
-            <a:r>
-              <a:rPr lang="en-US" dirty="0" smtClean="0"/>
-              <a:t> loading on the web</a:t>
-            </a:r>
-          </a:p>
-          <a:p>
-            <a:pPr lvl="1"/>
-            <a:r>
-              <a:rPr lang="en-US" dirty="0" smtClean="0"/>
-              <a:t>Makes 80 billion web requests</a:t>
-            </a:r>
-          </a:p>
-          <a:p>
-            <a:pPr lvl="1"/>
-            <a:r>
-              <a:rPr lang="en-US" dirty="0" smtClean="0"/>
-              <a:t>Was good 5 years ago but now obsolete</a:t>
-            </a:r>
-          </a:p>
-          <a:p>
-            <a:r>
-              <a:rPr lang="en-US" dirty="0" err="1" smtClean="0"/>
-              <a:t>CommonJS</a:t>
-            </a:r>
-            <a:r>
-              <a:rPr lang="en-US" dirty="0" smtClean="0"/>
-              <a:t> (CJS)</a:t>
-            </a:r>
-          </a:p>
-          <a:p>
-            <a:pPr lvl="1"/>
-            <a:r>
-              <a:rPr lang="en-US" dirty="0" smtClean="0"/>
-              <a:t>Designed for synchronous loading in Node</a:t>
-            </a:r>
-          </a:p>
-          <a:p>
-            <a:pPr lvl="1"/>
-            <a:r>
-              <a:rPr lang="en-US" dirty="0" smtClean="0"/>
-              <a:t>Cannot be used on the Web unless you use a bundler</a:t>
-            </a:r>
-          </a:p>
-          <a:p>
-            <a:r>
-              <a:rPr lang="en-US" dirty="0" smtClean="0"/>
-              <a:t>ES2015</a:t>
-            </a:r>
-          </a:p>
-          <a:p>
-            <a:pPr lvl="1"/>
-            <a:r>
-              <a:rPr lang="en-US" dirty="0" smtClean="0"/>
-              <a:t>Introduced a common module standard, completely different from the above</a:t>
-            </a:r>
-          </a:p>
-          <a:p>
-            <a:pPr lvl="1"/>
-            <a:r>
-              <a:rPr lang="en-US" dirty="0" smtClean="0"/>
-              <a:t>No browsers support it</a:t>
-            </a:r>
-          </a:p>
-          <a:p>
-            <a:pPr lvl="1"/>
-            <a:r>
-              <a:rPr lang="en-US" dirty="0" smtClean="0"/>
-              <a:t>No browsers plan to support it</a:t>
-            </a:r>
-          </a:p>
-          <a:p>
-            <a:pPr lvl="1"/>
-            <a:r>
-              <a:rPr lang="en-US" dirty="0" smtClean="0"/>
-              <a:t>Node refuses to use it</a:t>
-            </a:r>
+          <a:bodyPr/>
+          <a:lstStyle/>
+          <a:p>
+            <a:r>
+              <a:rPr lang="en-US" dirty="0" smtClean="0"/>
+              <a:t>JavaScript was a “scripting” language, a novelty.</a:t>
+            </a:r>
+          </a:p>
+          <a:p>
+            <a:r>
+              <a:rPr lang="en-US" dirty="0" smtClean="0"/>
+              <a:t>No need for complex things like linkers and modules and libraries!</a:t>
+            </a:r>
+          </a:p>
+          <a:p>
+            <a:r>
+              <a:rPr lang="en-US" dirty="0" smtClean="0"/>
+              <a:t>Until one day…</a:t>
+            </a:r>
+            <a:endParaRPr lang="en-US" dirty="0"/>
           </a:p>
         </p:txBody>
       </p:sp>
     </p:spTree>
     <p:extLst>
       <p:ext uri="{BB962C8B-B14F-4D97-AF65-F5344CB8AC3E}">
-        <p14:creationId xmlns:p14="http://schemas.microsoft.com/office/powerpoint/2010/main" val="1013663189"/>
+        <p14:creationId xmlns:p14="http://schemas.microsoft.com/office/powerpoint/2010/main" val="457738283"/>
       </p:ext>
     </p:extLst>
   </p:cSld>
@@ -12512,32 +12924,109 @@
             <p:ph idx="1"/>
           </p:nvPr>
         </p:nvSpPr>
-        <p:spPr>
-          <a:xfrm>
-            <a:off x="685800" y="3112655"/>
-            <a:ext cx="10820400" cy="3106030"/>
-          </a:xfrm>
-        </p:spPr>
+        <p:spPr/>
         <p:txBody>
           <a:bodyPr>
-            <a:normAutofit/>
+            <a:normAutofit fontScale="92500" lnSpcReduction="20000"/>
           </a:bodyPr>
           <a:lstStyle/>
           <a:p>
-            <a:pPr marL="0" indent="0" algn="ctr">
-              <a:buNone/>
-            </a:pPr>
-            <a:r>
-              <a:rPr lang="en-US" sz="3600" dirty="0" smtClean="0"/>
-              <a:t>With </a:t>
-            </a:r>
-            <a:r>
-              <a:rPr lang="en-US" sz="3600" dirty="0" err="1" smtClean="0"/>
-              <a:t>TypeScript</a:t>
-            </a:r>
-            <a:r>
-              <a:rPr lang="en-US" sz="3600" dirty="0" smtClean="0"/>
-              <a:t>, we don’t have to care about any of that nonsense.</a:t>
+            <a:r>
+              <a:rPr lang="en-US" dirty="0" smtClean="0"/>
+              <a:t>Multiple module formats introduced</a:t>
+            </a:r>
+          </a:p>
+          <a:p>
+            <a:r>
+              <a:rPr lang="en-US" dirty="0" smtClean="0"/>
+              <a:t>Asynchronous Module Definition (AMD)</a:t>
+            </a:r>
+          </a:p>
+          <a:p>
+            <a:pPr lvl="1"/>
+            <a:r>
+              <a:rPr lang="en-US" dirty="0" smtClean="0"/>
+              <a:t>Designed for </a:t>
+            </a:r>
+            <a:r>
+              <a:rPr lang="en-US" dirty="0" err="1" smtClean="0"/>
+              <a:t>async</a:t>
+            </a:r>
+            <a:r>
+              <a:rPr lang="en-US" dirty="0" smtClean="0"/>
+              <a:t> loading on the web</a:t>
+            </a:r>
+          </a:p>
+          <a:p>
+            <a:pPr lvl="1"/>
+            <a:r>
+              <a:rPr lang="en-US" dirty="0" smtClean="0"/>
+              <a:t>Makes 80 billion web requests</a:t>
+            </a:r>
+          </a:p>
+          <a:p>
+            <a:pPr lvl="1"/>
+            <a:r>
+              <a:rPr lang="en-US" dirty="0" smtClean="0"/>
+              <a:t>Was good 5 years ago but now obsolete</a:t>
+            </a:r>
+          </a:p>
+          <a:p>
+            <a:r>
+              <a:rPr lang="en-US" dirty="0" err="1" smtClean="0"/>
+              <a:t>CommonJS</a:t>
+            </a:r>
+            <a:r>
+              <a:rPr lang="en-US" dirty="0" smtClean="0"/>
+              <a:t> (CJS)</a:t>
+            </a:r>
+          </a:p>
+          <a:p>
+            <a:pPr lvl="1"/>
+            <a:r>
+              <a:rPr lang="en-US" dirty="0" smtClean="0"/>
+              <a:t>Designed for synchronous loading in Node</a:t>
+            </a:r>
+          </a:p>
+          <a:p>
+            <a:pPr lvl="1"/>
+            <a:r>
+              <a:rPr lang="en-US" dirty="0" smtClean="0"/>
+              <a:t>Cannot be used on the Web unless you use a bundler</a:t>
+            </a:r>
+          </a:p>
+          <a:p>
+            <a:r>
+              <a:rPr lang="en-US" dirty="0" smtClean="0"/>
+              <a:t>ES2015</a:t>
+            </a:r>
+          </a:p>
+          <a:p>
+            <a:pPr lvl="1"/>
+            <a:r>
+              <a:rPr lang="en-US" dirty="0" smtClean="0"/>
+              <a:t>Introduced a common module standard, completely different from the above</a:t>
+            </a:r>
+          </a:p>
+          <a:p>
+            <a:pPr lvl="1"/>
+            <a:r>
+              <a:rPr lang="en-US" dirty="0" smtClean="0"/>
+              <a:t>No browsers support it</a:t>
+            </a:r>
+          </a:p>
+          <a:p>
+            <a:pPr lvl="1"/>
+            <a:r>
+              <a:rPr lang="en-US" dirty="0" smtClean="0"/>
+              <a:t>No browsers plan to support it</a:t>
+            </a:r>
+          </a:p>
+          <a:p>
+            <a:pPr lvl="1"/>
+            <a:r>
+              <a:rPr lang="en-US" dirty="0" smtClean="0"/>
+              <a:t>Node refuses to use it</a:t>
             </a:r>
           </a:p>
         </p:txBody>
@@ -12545,7 +13034,7 @@
     </p:spTree>
     <p:extLst>
       <p:ext uri="{BB962C8B-B14F-4D97-AF65-F5344CB8AC3E}">
-        <p14:creationId xmlns:p14="http://schemas.microsoft.com/office/powerpoint/2010/main" val="3607187087"/>
+        <p14:creationId xmlns:p14="http://schemas.microsoft.com/office/powerpoint/2010/main" val="1013663189"/>
       </p:ext>
     </p:extLst>
   </p:cSld>
@@ -12605,99 +13094,32 @@
             <p:ph idx="1"/>
           </p:nvPr>
         </p:nvSpPr>
-        <p:spPr/>
+        <p:spPr>
+          <a:xfrm>
+            <a:off x="685800" y="3112655"/>
+            <a:ext cx="10820400" cy="3106030"/>
+          </a:xfrm>
+        </p:spPr>
         <p:txBody>
           <a:bodyPr>
             <a:normAutofit/>
           </a:bodyPr>
           <a:lstStyle/>
           <a:p>
-            <a:r>
-              <a:rPr lang="en-US" dirty="0" err="1" smtClean="0"/>
+            <a:pPr marL="0" indent="0" algn="ctr">
+              <a:buNone/>
+            </a:pPr>
+            <a:r>
+              <a:rPr lang="en-US" sz="3600" dirty="0" smtClean="0"/>
+              <a:t>With </a:t>
+            </a:r>
+            <a:r>
+              <a:rPr lang="en-US" sz="3600" dirty="0" err="1" smtClean="0"/>
               <a:t>TypeScript</a:t>
             </a:r>
             <a:r>
-              <a:rPr lang="en-US" dirty="0" smtClean="0"/>
-              <a:t> originally shipped using keyword “module” for declaring modules</a:t>
-            </a:r>
-          </a:p>
-          <a:p>
-            <a:r>
-              <a:rPr lang="en-US" dirty="0" smtClean="0"/>
-              <a:t>TC39 changed mind and decided to change syntax completely</a:t>
-            </a:r>
-          </a:p>
-          <a:p>
-            <a:pPr lvl="1"/>
-            <a:r>
-              <a:rPr lang="en-US" dirty="0" smtClean="0"/>
-              <a:t>Resulted in the first, and so far only major </a:t>
-            </a:r>
-            <a:r>
-              <a:rPr lang="en-US" dirty="0" err="1" smtClean="0"/>
-              <a:t>TypeScript</a:t>
-            </a:r>
-            <a:r>
-              <a:rPr lang="en-US" dirty="0" smtClean="0"/>
-              <a:t> breaking change</a:t>
-            </a:r>
-          </a:p>
-          <a:p>
-            <a:pPr lvl="1"/>
-            <a:r>
-              <a:rPr lang="en-US" dirty="0" err="1" smtClean="0"/>
-              <a:t>TypeScript</a:t>
-            </a:r>
-            <a:r>
-              <a:rPr lang="en-US" dirty="0" smtClean="0"/>
-              <a:t> 1.5 introduced ES2015 Module syntax</a:t>
-            </a:r>
-          </a:p>
-          <a:p>
-            <a:r>
-              <a:rPr lang="en-US" dirty="0" err="1" smtClean="0"/>
-              <a:t>TypeScript</a:t>
-            </a:r>
-            <a:r>
-              <a:rPr lang="en-US" dirty="0" smtClean="0"/>
-              <a:t> compiles ES2015 module syntax to any module format</a:t>
-            </a:r>
-          </a:p>
-          <a:p>
-            <a:pPr lvl="1"/>
-            <a:r>
-              <a:rPr lang="en-US" dirty="0" smtClean="0"/>
-              <a:t>ES2015</a:t>
-            </a:r>
-          </a:p>
-          <a:p>
-            <a:pPr lvl="1"/>
-            <a:r>
-              <a:rPr lang="en-US" dirty="0" smtClean="0"/>
-              <a:t>AMD</a:t>
-            </a:r>
-          </a:p>
-          <a:p>
-            <a:pPr lvl="1"/>
-            <a:r>
-              <a:rPr lang="en-US" dirty="0" err="1" smtClean="0"/>
-              <a:t>CommonJS</a:t>
-            </a:r>
-            <a:endParaRPr lang="en-US" dirty="0" smtClean="0"/>
-          </a:p>
-          <a:p>
-            <a:pPr lvl="1"/>
-            <a:r>
-              <a:rPr lang="en-US" dirty="0" err="1" smtClean="0"/>
-              <a:t>SystemJS</a:t>
-            </a:r>
-            <a:endParaRPr lang="en-US" dirty="0" smtClean="0"/>
-          </a:p>
-          <a:p>
-            <a:pPr lvl="1"/>
-            <a:r>
-              <a:rPr lang="en-US" dirty="0" smtClean="0"/>
-              <a:t>UMD</a:t>
+              <a:rPr lang="en-US" sz="3600" dirty="0" smtClean="0"/>
+              <a:t>, we don’t have to care about any of that nonsense.</a:t>
             </a:r>
           </a:p>
         </p:txBody>
@@ -12705,7 +13127,7 @@
     </p:spTree>
     <p:extLst>
       <p:ext uri="{BB962C8B-B14F-4D97-AF65-F5344CB8AC3E}">
-        <p14:creationId xmlns:p14="http://schemas.microsoft.com/office/powerpoint/2010/main" val="2785163641"/>
+        <p14:creationId xmlns:p14="http://schemas.microsoft.com/office/powerpoint/2010/main" val="3607187087"/>
       </p:ext>
     </p:extLst>
   </p:cSld>
@@ -12773,16 +13195,58 @@
           <a:lstStyle/>
           <a:p>
             <a:r>
-              <a:rPr lang="en-US" dirty="0"/>
-              <a:t>Web Projects</a:t>
-            </a:r>
-          </a:p>
-          <a:p>
-            <a:pPr lvl="1"/>
-            <a:r>
-              <a:rPr lang="en-US" dirty="0"/>
-              <a:t>Prefer </a:t>
-            </a:r>
+              <a:rPr lang="en-US" dirty="0" err="1" smtClean="0"/>
+              <a:t>TypeScript</a:t>
+            </a:r>
+            <a:r>
+              <a:rPr lang="en-US" dirty="0" smtClean="0"/>
+              <a:t> originally shipped using keyword “module” for declaring modules</a:t>
+            </a:r>
+          </a:p>
+          <a:p>
+            <a:r>
+              <a:rPr lang="en-US" dirty="0" smtClean="0"/>
+              <a:t>TC39 changed mind and decided to change syntax completely</a:t>
+            </a:r>
+          </a:p>
+          <a:p>
+            <a:pPr lvl="1"/>
+            <a:r>
+              <a:rPr lang="en-US" dirty="0" smtClean="0"/>
+              <a:t>Resulted in the first, and so far only major </a:t>
+            </a:r>
+            <a:r>
+              <a:rPr lang="en-US" dirty="0" err="1" smtClean="0"/>
+              <a:t>TypeScript</a:t>
+            </a:r>
+            <a:r>
+              <a:rPr lang="en-US" dirty="0" smtClean="0"/>
+              <a:t> breaking change</a:t>
+            </a:r>
+          </a:p>
+          <a:p>
+            <a:pPr lvl="1"/>
+            <a:r>
+              <a:rPr lang="en-US" dirty="0" err="1" smtClean="0"/>
+              <a:t>TypeScript</a:t>
+            </a:r>
+            <a:r>
+              <a:rPr lang="en-US" dirty="0" smtClean="0"/>
+              <a:t> 1.5 introduced ES2015 Module syntax</a:t>
+            </a:r>
+          </a:p>
+          <a:p>
+            <a:r>
+              <a:rPr lang="en-US" dirty="0" err="1" smtClean="0"/>
+              <a:t>TypeScript</a:t>
+            </a:r>
+            <a:r>
+              <a:rPr lang="en-US" dirty="0" smtClean="0"/>
+              <a:t> compiles ES2015 module syntax to any module format</a:t>
+            </a:r>
+          </a:p>
+          <a:p>
+            <a:pPr lvl="1"/>
             <a:r>
               <a:rPr lang="en-US" dirty="0" smtClean="0"/>
               <a:t>ES2015</a:t>
@@ -12792,41 +13256,38 @@
             <a:pPr lvl="1"/>
             <a:r>
               <a:rPr lang="en-US" dirty="0" smtClean="0"/>
-              <a:t>Use </a:t>
-            </a:r>
-            <a:r>
-              <a:rPr lang="en-US" dirty="0" err="1" smtClean="0"/>
-              <a:t>WebPack</a:t>
-            </a:r>
-            <a:r>
-              <a:rPr lang="en-US" dirty="0" smtClean="0"/>
-              <a:t> to bundle your modules</a:t>
-            </a:r>
-          </a:p>
-          <a:p>
-            <a:r>
-              <a:rPr lang="en-US" dirty="0" smtClean="0"/>
-              <a:t>Node Projects</a:t>
-            </a:r>
-          </a:p>
-          <a:p>
-            <a:pPr lvl="1"/>
-            <a:r>
-              <a:rPr lang="en-US" dirty="0" smtClean="0"/>
-              <a:t>Prefer </a:t>
-            </a:r>
+              <a:t>AMD</a:t>
+            </a:r>
+          </a:p>
+          <a:p>
+            <a:pPr lvl="1"/>
             <a:r>
               <a:rPr lang="en-US" dirty="0" err="1" smtClean="0"/>
               <a:t>CommonJS</a:t>
             </a:r>
-            <a:endParaRPr lang="en-US" dirty="0"/>
+            <a:endParaRPr lang="en-US" dirty="0" smtClean="0"/>
+          </a:p>
+          <a:p>
+            <a:pPr lvl="1"/>
+            <a:r>
+              <a:rPr lang="en-US" dirty="0" err="1" smtClean="0"/>
+              <a:t>SystemJS</a:t>
+            </a:r>
+            <a:endParaRPr lang="en-US" dirty="0" smtClean="0"/>
+          </a:p>
+          <a:p>
+            <a:pPr lvl="1"/>
+            <a:r>
+              <a:rPr lang="en-US" dirty="0" smtClean="0"/>
+              <a:t>UMD</a:t>
+            </a:r>
           </a:p>
         </p:txBody>
       </p:sp>
     </p:spTree>
     <p:extLst>
       <p:ext uri="{BB962C8B-B14F-4D97-AF65-F5344CB8AC3E}">
-        <p14:creationId xmlns:p14="http://schemas.microsoft.com/office/powerpoint/2010/main" val="2429331411"/>
+        <p14:creationId xmlns:p14="http://schemas.microsoft.com/office/powerpoint/2010/main" val="2785163641"/>
       </p:ext>
     </p:extLst>
   </p:cSld>
@@ -12894,68 +13355,52 @@
           <a:lstStyle/>
           <a:p>
             <a:r>
-              <a:rPr lang="en-US" dirty="0" smtClean="0"/>
-              <a:t>File-system based</a:t>
-            </a:r>
-          </a:p>
-          <a:p>
-            <a:pPr lvl="1"/>
-            <a:r>
-              <a:rPr lang="en-US" dirty="0" smtClean="0"/>
-              <a:t>Can result in messy hierarchies</a:t>
-            </a:r>
-          </a:p>
-          <a:p>
-            <a:pPr lvl="1"/>
-            <a:r>
-              <a:rPr lang="en-US" dirty="0" smtClean="0"/>
-              <a:t>Move module on disk, everything referencing it must be updated</a:t>
-            </a:r>
-          </a:p>
-          <a:p>
-            <a:r>
-              <a:rPr lang="en-US" dirty="0" smtClean="0"/>
-              <a:t>Node Modules are flat</a:t>
-            </a:r>
-          </a:p>
-          <a:p>
-            <a:pPr lvl="1"/>
-            <a:r>
-              <a:rPr lang="en-US" dirty="0" smtClean="0"/>
-              <a:t>Reference a single name</a:t>
-            </a:r>
-          </a:p>
-          <a:p>
-            <a:pPr lvl="1"/>
-            <a:r>
-              <a:rPr lang="en-US" dirty="0" smtClean="0"/>
-              <a:t>Names are global</a:t>
-            </a:r>
-          </a:p>
-          <a:p>
-            <a:pPr lvl="1"/>
-            <a:r>
-              <a:rPr lang="en-US" dirty="0" smtClean="0"/>
-              <a:t>Results in “clever name” syndrome, similar to websites</a:t>
-            </a:r>
-          </a:p>
-          <a:p>
-            <a:pPr lvl="1"/>
-            <a:r>
-              <a:rPr lang="en-US" dirty="0" smtClean="0"/>
-              <a:t>Can use internal NPM server like </a:t>
+              <a:rPr lang="en-US" dirty="0"/>
+              <a:t>Web Projects</a:t>
+            </a:r>
+          </a:p>
+          <a:p>
+            <a:pPr lvl="1"/>
+            <a:r>
+              <a:rPr lang="en-US" dirty="0"/>
+              <a:t>Prefer </a:t>
+            </a:r>
+            <a:r>
+              <a:rPr lang="en-US" dirty="0" smtClean="0"/>
+              <a:t>ES2015</a:t>
+            </a:r>
+          </a:p>
+          <a:p>
+            <a:pPr lvl="1"/>
+            <a:r>
+              <a:rPr lang="en-US" dirty="0" smtClean="0"/>
+              <a:t>Use </a:t>
             </a:r>
             <a:r>
               <a:rPr lang="en-US" dirty="0" err="1" smtClean="0"/>
-              <a:t>Artifactory</a:t>
-            </a:r>
-            <a:r>
-              <a:rPr lang="en-US" dirty="0" smtClean="0"/>
-              <a:t> to host private code</a:t>
-            </a:r>
-          </a:p>
-          <a:p>
-            <a:pPr lvl="1"/>
+              <a:t>WebPack</a:t>
+            </a:r>
+            <a:r>
+              <a:rPr lang="en-US" dirty="0" smtClean="0"/>
+              <a:t> to bundle your modules</a:t>
+            </a:r>
+          </a:p>
+          <a:p>
+            <a:r>
+              <a:rPr lang="en-US" dirty="0" smtClean="0"/>
+              <a:t>Node Projects</a:t>
+            </a:r>
+          </a:p>
+          <a:p>
+            <a:pPr lvl="1"/>
+            <a:r>
+              <a:rPr lang="en-US" dirty="0" smtClean="0"/>
+              <a:t>Prefer </a:t>
+            </a:r>
+            <a:r>
+              <a:rPr lang="en-US" dirty="0" err="1" smtClean="0"/>
+              <a:t>CommonJS</a:t>
+            </a:r>
             <a:endParaRPr lang="en-US" dirty="0"/>
           </a:p>
         </p:txBody>
@@ -12963,7 +13408,7 @@
     </p:spTree>
     <p:extLst>
       <p:ext uri="{BB962C8B-B14F-4D97-AF65-F5344CB8AC3E}">
-        <p14:creationId xmlns:p14="http://schemas.microsoft.com/office/powerpoint/2010/main" val="3116288296"/>
+        <p14:creationId xmlns:p14="http://schemas.microsoft.com/office/powerpoint/2010/main" val="2429331411"/>
       </p:ext>
     </p:extLst>
   </p:cSld>
@@ -13026,97 +13471,73 @@
         <p:spPr/>
         <p:txBody>
           <a:bodyPr>
-            <a:normAutofit lnSpcReduction="10000"/>
+            <a:normAutofit/>
           </a:bodyPr>
           <a:lstStyle/>
           <a:p>
             <a:r>
               <a:rPr lang="en-US" dirty="0" smtClean="0"/>
-              <a:t>Can import single items from modules</a:t>
-            </a:r>
-          </a:p>
-          <a:p>
-            <a:pPr lvl="1"/>
-            <a:r>
-              <a:rPr lang="en-US" dirty="0" smtClean="0"/>
-              <a:t>Variables</a:t>
-            </a:r>
-          </a:p>
-          <a:p>
-            <a:pPr lvl="1"/>
-            <a:r>
-              <a:rPr lang="en-US" dirty="0" smtClean="0"/>
-              <a:t>Constants</a:t>
-            </a:r>
-          </a:p>
-          <a:p>
-            <a:pPr lvl="1"/>
-            <a:r>
-              <a:rPr lang="en-US" dirty="0" smtClean="0"/>
-              <a:t>Functions</a:t>
-            </a:r>
-          </a:p>
-          <a:p>
-            <a:pPr lvl="1"/>
-            <a:r>
-              <a:rPr lang="en-US" dirty="0" smtClean="0"/>
-              <a:t>Interfaces (</a:t>
+              <a:t>File-system based</a:t>
+            </a:r>
+          </a:p>
+          <a:p>
+            <a:pPr lvl="1"/>
+            <a:r>
+              <a:rPr lang="en-US" dirty="0" smtClean="0"/>
+              <a:t>Can result in messy hierarchies</a:t>
+            </a:r>
+          </a:p>
+          <a:p>
+            <a:pPr lvl="1"/>
+            <a:r>
+              <a:rPr lang="en-US" dirty="0" smtClean="0"/>
+              <a:t>Move module on disk, everything referencing it must be updated</a:t>
+            </a:r>
+          </a:p>
+          <a:p>
+            <a:r>
+              <a:rPr lang="en-US" dirty="0" smtClean="0"/>
+              <a:t>Node Modules are flat</a:t>
+            </a:r>
+          </a:p>
+          <a:p>
+            <a:pPr lvl="1"/>
+            <a:r>
+              <a:rPr lang="en-US" dirty="0" smtClean="0"/>
+              <a:t>Reference a single name</a:t>
+            </a:r>
+          </a:p>
+          <a:p>
+            <a:pPr lvl="1"/>
+            <a:r>
+              <a:rPr lang="en-US" dirty="0" smtClean="0"/>
+              <a:t>Names are global</a:t>
+            </a:r>
+          </a:p>
+          <a:p>
+            <a:pPr lvl="1"/>
+            <a:r>
+              <a:rPr lang="en-US" dirty="0" smtClean="0"/>
+              <a:t>Results in “clever name” syndrome, similar to websites</a:t>
+            </a:r>
+          </a:p>
+          <a:p>
+            <a:pPr lvl="1"/>
+            <a:r>
+              <a:rPr lang="en-US" dirty="0" smtClean="0"/>
+              <a:t>Can use internal NPM server like </a:t>
             </a:r>
             <a:r>
               <a:rPr lang="en-US" dirty="0" err="1" smtClean="0"/>
-              <a:t>TypeScript</a:t>
-            </a:r>
-            <a:r>
-              <a:rPr lang="en-US" dirty="0" smtClean="0"/>
-              <a:t>-only)</a:t>
-            </a:r>
-          </a:p>
-          <a:p>
-            <a:pPr lvl="1"/>
-            <a:r>
-              <a:rPr lang="en-US" dirty="0" smtClean="0"/>
-              <a:t>Classes</a:t>
-            </a:r>
-          </a:p>
-          <a:p>
-            <a:pPr lvl="1"/>
-            <a:r>
-              <a:rPr lang="en-US" dirty="0" smtClean="0"/>
-              <a:t>JSON Data</a:t>
-            </a:r>
-          </a:p>
-          <a:p>
-            <a:pPr lvl="1"/>
-            <a:r>
-              <a:rPr lang="en-US" dirty="0" err="1" smtClean="0"/>
-              <a:t>Etc</a:t>
-            </a:r>
-            <a:endParaRPr lang="en-US" dirty="0" smtClean="0"/>
-          </a:p>
-          <a:p>
-            <a:r>
-              <a:rPr lang="en-US" dirty="0" smtClean="0"/>
-              <a:t>Can import multiple items from modules</a:t>
-            </a:r>
-          </a:p>
-          <a:p>
-            <a:r>
-              <a:rPr lang="en-US" dirty="0" smtClean="0"/>
-              <a:t>Can import entire modules</a:t>
-            </a:r>
-          </a:p>
-          <a:p>
-            <a:pPr lvl="1"/>
-            <a:r>
-              <a:rPr lang="en-US" dirty="0" smtClean="0"/>
-              <a:t>And even rename them locally</a:t>
-            </a:r>
-          </a:p>
-          <a:p>
-            <a:r>
-              <a:rPr lang="en-US" dirty="0" smtClean="0"/>
-              <a:t>See Example 13</a:t>
-            </a:r>
+              <a:t>Artifactory</a:t>
+            </a:r>
+            <a:r>
+              <a:rPr lang="en-US" dirty="0" smtClean="0"/>
+              <a:t> to host private code</a:t>
+            </a:r>
+          </a:p>
+          <a:p>
+            <a:pPr lvl="1"/>
             <a:endParaRPr lang="en-US" dirty="0"/>
           </a:p>
         </p:txBody>
@@ -13124,7 +13545,7 @@
     </p:spTree>
     <p:extLst>
       <p:ext uri="{BB962C8B-B14F-4D97-AF65-F5344CB8AC3E}">
-        <p14:creationId xmlns:p14="http://schemas.microsoft.com/office/powerpoint/2010/main" val="61847119"/>
+        <p14:creationId xmlns:p14="http://schemas.microsoft.com/office/powerpoint/2010/main" val="3116288296"/>
       </p:ext>
     </p:extLst>
   </p:cSld>
@@ -13168,7 +13589,7 @@
           <a:p>
             <a:r>
               <a:rPr lang="en-US" dirty="0" smtClean="0"/>
-              <a:t>Tomorrows Features, Today!</a:t>
+              <a:t>Modules</a:t>
             </a:r>
             <a:endParaRPr lang="en-US" dirty="0"/>
           </a:p>
@@ -13187,42 +13608,49 @@
         <p:spPr/>
         <p:txBody>
           <a:bodyPr>
-            <a:normAutofit/>
+            <a:normAutofit lnSpcReduction="10000"/>
           </a:bodyPr>
           <a:lstStyle/>
           <a:p>
+            <a:r>
+              <a:rPr lang="en-US" dirty="0" smtClean="0"/>
+              <a:t>Can import single items from modules</a:t>
+            </a:r>
+          </a:p>
+          <a:p>
+            <a:pPr lvl="1"/>
+            <a:r>
+              <a:rPr lang="en-US" dirty="0" smtClean="0"/>
+              <a:t>Variables</a:t>
+            </a:r>
+          </a:p>
+          <a:p>
+            <a:pPr lvl="1"/>
+            <a:r>
+              <a:rPr lang="en-US" dirty="0" smtClean="0"/>
+              <a:t>Constants</a:t>
+            </a:r>
+          </a:p>
+          <a:p>
+            <a:pPr lvl="1"/>
+            <a:r>
+              <a:rPr lang="en-US" dirty="0" smtClean="0"/>
+              <a:t>Functions</a:t>
+            </a:r>
+          </a:p>
+          <a:p>
+            <a:pPr lvl="1"/>
+            <a:r>
+              <a:rPr lang="en-US" dirty="0" smtClean="0"/>
+              <a:t>Interfaces (</a:t>
+            </a:r>
             <a:r>
               <a:rPr lang="en-US" dirty="0" err="1" smtClean="0"/>
               <a:t>TypeScript</a:t>
             </a:r>
             <a:r>
               <a:rPr lang="en-US" dirty="0" smtClean="0"/>
-              <a:t> implements JavaScript features years before they hit browsers</a:t>
-            </a:r>
-          </a:p>
-          <a:p>
-            <a:pPr lvl="1"/>
-            <a:r>
-              <a:rPr lang="en-US" dirty="0" err="1" smtClean="0"/>
-              <a:t>Async</a:t>
-            </a:r>
-            <a:r>
-              <a:rPr lang="en-US" dirty="0" smtClean="0"/>
-              <a:t>/Await</a:t>
-            </a:r>
-          </a:p>
-          <a:p>
-            <a:pPr lvl="1"/>
-            <a:r>
-              <a:rPr lang="en-US" dirty="0" smtClean="0"/>
-              <a:t>String Interpolation</a:t>
-            </a:r>
-          </a:p>
-          <a:p>
-            <a:pPr lvl="1"/>
-            <a:r>
-              <a:rPr lang="en-US" dirty="0" smtClean="0"/>
-              <a:t>Decorators</a:t>
+              <a:t>-only)</a:t>
             </a:r>
           </a:p>
           <a:p>
@@ -13236,13 +13664,8 @@
             <a:pPr lvl="1"/>
             <a:r>
               <a:rPr lang="en-US" dirty="0" smtClean="0"/>
-              <a:t>let/</a:t>
-            </a:r>
-            <a:r>
-              <a:rPr lang="en-US" dirty="0" err="1" smtClean="0"/>
-              <a:t>const</a:t>
-            </a:r>
-            <a:endParaRPr lang="en-US" dirty="0" smtClean="0"/>
+              <a:t>JSON Data</a:t>
+            </a:r>
           </a:p>
           <a:p>
             <a:pPr lvl="1"/>
@@ -13255,7 +13678,26 @@
           <a:p>
             <a:r>
               <a:rPr lang="en-US" dirty="0" smtClean="0"/>
-              <a:t>See Example 14</a:t>
+              <a:t>Can import multiple items from modules</a:t>
+            </a:r>
+          </a:p>
+          <a:p>
+            <a:r>
+              <a:rPr lang="en-US" dirty="0" smtClean="0"/>
+              <a:t>Can import entire modules</a:t>
+            </a:r>
+          </a:p>
+          <a:p>
+            <a:pPr lvl="1"/>
+            <a:r>
+              <a:rPr lang="en-US" dirty="0" smtClean="0"/>
+              <a:t>And even rename them locally</a:t>
+            </a:r>
+          </a:p>
+          <a:p>
+            <a:r>
+              <a:rPr lang="en-US" dirty="0" smtClean="0"/>
+              <a:t>See Example 13</a:t>
             </a:r>
             <a:endParaRPr lang="en-US" dirty="0"/>
           </a:p>
@@ -13264,7 +13706,7 @@
     </p:spTree>
     <p:extLst>
       <p:ext uri="{BB962C8B-B14F-4D97-AF65-F5344CB8AC3E}">
-        <p14:creationId xmlns:p14="http://schemas.microsoft.com/office/powerpoint/2010/main" val="2917476908"/>
+        <p14:creationId xmlns:p14="http://schemas.microsoft.com/office/powerpoint/2010/main" val="61847119"/>
       </p:ext>
     </p:extLst>
   </p:cSld>
@@ -13308,7 +13750,7 @@
           <a:p>
             <a:r>
               <a:rPr lang="en-US" dirty="0" smtClean="0"/>
-              <a:t>Type Modifiers</a:t>
+              <a:t>Tomorrows Features, Today!</a:t>
             </a:r>
             <a:endParaRPr lang="en-US" dirty="0"/>
           </a:p>
@@ -13332,33 +13774,65 @@
           <a:lstStyle/>
           <a:p>
             <a:r>
-              <a:rPr lang="en-US" dirty="0" smtClean="0"/>
-              <a:t>One of the most powerful features of </a:t>
-            </a:r>
-            <a:r>
               <a:rPr lang="en-US" dirty="0" err="1" smtClean="0"/>
               <a:t>TypeScript</a:t>
             </a:r>
+            <a:r>
+              <a:rPr lang="en-US" dirty="0" smtClean="0"/>
+              <a:t> implements JavaScript features years before they hit browsers</a:t>
+            </a:r>
+          </a:p>
+          <a:p>
+            <a:pPr lvl="1"/>
+            <a:r>
+              <a:rPr lang="en-US" dirty="0" err="1" smtClean="0"/>
+              <a:t>Async</a:t>
+            </a:r>
+            <a:r>
+              <a:rPr lang="en-US" dirty="0" smtClean="0"/>
+              <a:t>/Await</a:t>
+            </a:r>
+          </a:p>
+          <a:p>
+            <a:pPr lvl="1"/>
+            <a:r>
+              <a:rPr lang="en-US" dirty="0" smtClean="0"/>
+              <a:t>String Interpolation</a:t>
+            </a:r>
+          </a:p>
+          <a:p>
+            <a:pPr lvl="1"/>
+            <a:r>
+              <a:rPr lang="en-US" dirty="0" smtClean="0"/>
+              <a:t>Decorators</a:t>
+            </a:r>
+          </a:p>
+          <a:p>
+            <a:pPr lvl="1"/>
+            <a:r>
+              <a:rPr lang="en-US" dirty="0" smtClean="0"/>
+              <a:t>Classes</a:t>
+            </a:r>
+          </a:p>
+          <a:p>
+            <a:pPr lvl="1"/>
+            <a:r>
+              <a:rPr lang="en-US" dirty="0" smtClean="0"/>
+              <a:t>let/</a:t>
+            </a:r>
+            <a:r>
+              <a:rPr lang="en-US" dirty="0" err="1" smtClean="0"/>
+              <a:t>const</a:t>
+            </a:r>
             <a:endParaRPr lang="en-US" dirty="0" smtClean="0"/>
           </a:p>
           <a:p>
-            <a:r>
-              <a:rPr lang="en-US" dirty="0" smtClean="0"/>
-              <a:t>Can take a type definition and alter it to create a new type</a:t>
-            </a:r>
-          </a:p>
-          <a:p>
-            <a:r>
-              <a:rPr lang="en-US" dirty="0" smtClean="0"/>
-              <a:t>Very sophisticated type systems can be defined</a:t>
-            </a:r>
-          </a:p>
-          <a:p>
-            <a:pPr lvl="1"/>
-            <a:r>
-              <a:rPr lang="en-US" dirty="0" smtClean="0"/>
-              <a:t>Beware, can confuse the heck out of newbies</a:t>
-            </a:r>
+            <a:pPr lvl="1"/>
+            <a:r>
+              <a:rPr lang="en-US" dirty="0" err="1" smtClean="0"/>
+              <a:t>Etc</a:t>
+            </a:r>
+            <a:endParaRPr lang="en-US" dirty="0" smtClean="0"/>
           </a:p>
           <a:p>
             <a:r>
@@ -13372,7 +13846,7 @@
     </p:spTree>
     <p:extLst>
       <p:ext uri="{BB962C8B-B14F-4D97-AF65-F5344CB8AC3E}">
-        <p14:creationId xmlns:p14="http://schemas.microsoft.com/office/powerpoint/2010/main" val="609679912"/>
+        <p14:creationId xmlns:p14="http://schemas.microsoft.com/office/powerpoint/2010/main" val="2917476908"/>
       </p:ext>
     </p:extLst>
   </p:cSld>
@@ -13416,7 +13890,7 @@
           <a:p>
             <a:r>
               <a:rPr lang="en-US" dirty="0" smtClean="0"/>
-              <a:t>Union Types</a:t>
+              <a:t>Type Modifiers</a:t>
             </a:r>
             <a:endParaRPr lang="en-US" dirty="0"/>
           </a:p>
@@ -13441,28 +13915,31 @@
           <a:p>
             <a:r>
               <a:rPr lang="en-US" dirty="0" smtClean="0"/>
-              <a:t>Allows you to mix and match interfaces to create larger interfaces</a:t>
-            </a:r>
-          </a:p>
-          <a:p>
-            <a:r>
-              <a:rPr lang="en-US" dirty="0" smtClean="0"/>
-              <a:t>Very powerful</a:t>
-            </a:r>
-          </a:p>
-          <a:p>
-            <a:pPr lvl="1"/>
-            <a:r>
-              <a:rPr lang="en-US" dirty="0" smtClean="0"/>
-              <a:t>“</a:t>
+              <a:t>One of the most powerful features of </a:t>
             </a:r>
             <a:r>
               <a:rPr lang="en-US" dirty="0" err="1" smtClean="0"/>
-              <a:t>Mixin</a:t>
-            </a:r>
-            <a:r>
-              <a:rPr lang="en-US" dirty="0" smtClean="0"/>
-              <a:t>” design pattern</a:t>
+              <a:t>TypeScript</a:t>
+            </a:r>
+            <a:endParaRPr lang="en-US" dirty="0" smtClean="0"/>
+          </a:p>
+          <a:p>
+            <a:r>
+              <a:rPr lang="en-US" dirty="0" smtClean="0"/>
+              <a:t>Can take a type definition and alter it to create a new type</a:t>
+            </a:r>
+          </a:p>
+          <a:p>
+            <a:r>
+              <a:rPr lang="en-US" dirty="0" smtClean="0"/>
+              <a:t>Very sophisticated type systems can be defined</a:t>
+            </a:r>
+          </a:p>
+          <a:p>
+            <a:pPr lvl="1"/>
+            <a:r>
+              <a:rPr lang="en-US" dirty="0" smtClean="0"/>
+              <a:t>Beware, can confuse the heck out of newbies</a:t>
             </a:r>
           </a:p>
           <a:p>
@@ -13477,7 +13954,7 @@
     </p:spTree>
     <p:extLst>
       <p:ext uri="{BB962C8B-B14F-4D97-AF65-F5344CB8AC3E}">
-        <p14:creationId xmlns:p14="http://schemas.microsoft.com/office/powerpoint/2010/main" val="3105591797"/>
+        <p14:creationId xmlns:p14="http://schemas.microsoft.com/office/powerpoint/2010/main" val="609679912"/>
       </p:ext>
     </p:extLst>
   </p:cSld>
@@ -13521,7 +13998,7 @@
           <a:p>
             <a:r>
               <a:rPr lang="en-US" dirty="0" smtClean="0"/>
-              <a:t>Discriminated Union Types</a:t>
+              <a:t>Union Types</a:t>
             </a:r>
             <a:endParaRPr lang="en-US" dirty="0"/>
           </a:p>
@@ -13546,33 +14023,28 @@
           <a:p>
             <a:r>
               <a:rPr lang="en-US" dirty="0" smtClean="0"/>
-              <a:t>Allows you to join several different types into a single type</a:t>
-            </a:r>
-          </a:p>
-          <a:p>
-            <a:r>
-              <a:rPr lang="en-US" dirty="0" smtClean="0"/>
-              <a:t>Shared properties between all will be available</a:t>
-            </a:r>
-          </a:p>
-          <a:p>
-            <a:r>
-              <a:rPr lang="en-US" dirty="0" smtClean="0"/>
-              <a:t>Differing properties will be unavailable</a:t>
-            </a:r>
-          </a:p>
-          <a:p>
-            <a:pPr lvl="1"/>
-            <a:r>
-              <a:rPr lang="en-US" dirty="0" smtClean="0"/>
-              <a:t>Until you “narrow” the type using type checks</a:t>
-            </a:r>
-          </a:p>
-          <a:p>
-            <a:pPr lvl="1"/>
-            <a:r>
-              <a:rPr lang="en-US" dirty="0" smtClean="0"/>
-              <a:t>Inference is very powerful here</a:t>
+              <a:t>Allows you to mix and match interfaces to create larger interfaces</a:t>
+            </a:r>
+          </a:p>
+          <a:p>
+            <a:r>
+              <a:rPr lang="en-US" dirty="0" smtClean="0"/>
+              <a:t>Very powerful</a:t>
+            </a:r>
+          </a:p>
+          <a:p>
+            <a:pPr lvl="1"/>
+            <a:r>
+              <a:rPr lang="en-US" dirty="0" smtClean="0"/>
+              <a:t>“</a:t>
+            </a:r>
+            <a:r>
+              <a:rPr lang="en-US" dirty="0" err="1" smtClean="0"/>
+              <a:t>Mixin</a:t>
+            </a:r>
+            <a:r>
+              <a:rPr lang="en-US" dirty="0" smtClean="0"/>
+              <a:t>” design pattern</a:t>
             </a:r>
           </a:p>
           <a:p>
@@ -13587,7 +14059,7 @@
     </p:spTree>
     <p:extLst>
       <p:ext uri="{BB962C8B-B14F-4D97-AF65-F5344CB8AC3E}">
-        <p14:creationId xmlns:p14="http://schemas.microsoft.com/office/powerpoint/2010/main" val="4072358933"/>
+        <p14:creationId xmlns:p14="http://schemas.microsoft.com/office/powerpoint/2010/main" val="3105591797"/>
       </p:ext>
     </p:extLst>
   </p:cSld>
@@ -13631,7 +14103,7 @@
           <a:p>
             <a:r>
               <a:rPr lang="en-US" dirty="0" smtClean="0"/>
-              <a:t>Standardization (1997)</a:t>
+              <a:t>The Empire Strikes Back (1996)</a:t>
             </a:r>
             <a:endParaRPr lang="en-US" dirty="0"/>
           </a:p>
@@ -13653,107 +14125,58 @@
           <a:lstStyle/>
           <a:p>
             <a:r>
-              <a:rPr lang="en-US" b="1" dirty="0"/>
-              <a:t>European Computer Manufacturers </a:t>
+              <a:rPr lang="en-US" dirty="0"/>
+              <a:t>Microsoft creates </a:t>
             </a:r>
             <a:r>
               <a:rPr lang="en-US" b="1" dirty="0" smtClean="0"/>
-              <a:t>Association </a:t>
-            </a:r>
-            <a:r>
-              <a:rPr lang="en-US" dirty="0" smtClean="0"/>
-              <a:t>(ECMA)</a:t>
-            </a:r>
-            <a:r>
-              <a:rPr lang="en-US" b="1" dirty="0" smtClean="0"/>
-              <a:t> </a:t>
-            </a:r>
-            <a:r>
-              <a:rPr lang="en-US" dirty="0" smtClean="0"/>
-              <a:t>steps in and decides JS needs to be standardized</a:t>
-            </a:r>
-          </a:p>
-          <a:p>
-            <a:r>
-              <a:rPr lang="en-US" dirty="0" smtClean="0"/>
-              <a:t>Sun refuses to let them use the name Java™</a:t>
-            </a:r>
-          </a:p>
-          <a:p>
-            <a:r>
-              <a:rPr lang="en-US" dirty="0" smtClean="0"/>
-              <a:t>JS standardized by TC-39 under name </a:t>
-            </a:r>
-            <a:r>
-              <a:rPr lang="en-US" b="1" dirty="0" smtClean="0"/>
-              <a:t>ECMAScript</a:t>
-            </a:r>
-            <a:r>
-              <a:rPr lang="en-US" dirty="0" smtClean="0"/>
-              <a:t> (pronounced </a:t>
-            </a:r>
-            <a:r>
-              <a:rPr lang="en-US" i="1" dirty="0" smtClean="0"/>
-              <a:t>Eck-</a:t>
-            </a:r>
-            <a:r>
-              <a:rPr lang="en-US" i="1" dirty="0" err="1" smtClean="0"/>
-              <a:t>muh</a:t>
-            </a:r>
-            <a:r>
-              <a:rPr lang="en-US" i="1" dirty="0" smtClean="0"/>
-              <a:t>-script</a:t>
-            </a:r>
-            <a:r>
-              <a:rPr lang="en-US" dirty="0" smtClean="0"/>
-              <a:t>), which nobody in the history of the Web has ever used</a:t>
-            </a:r>
-          </a:p>
-          <a:p>
-            <a:r>
-              <a:rPr lang="en-US" dirty="0" smtClean="0"/>
-              <a:t>According to </a:t>
-            </a:r>
-            <a:r>
-              <a:rPr lang="en-US" dirty="0" err="1" smtClean="0"/>
-              <a:t>Eich</a:t>
-            </a:r>
-            <a:r>
-              <a:rPr lang="en-US" dirty="0" smtClean="0"/>
-              <a:t>, ECMAScript “sounds like a skin disease” </a:t>
-            </a:r>
-            <a:r>
-              <a:rPr lang="en-US" baseline="70000" dirty="0" smtClean="0"/>
-              <a:t>1</a:t>
-            </a:r>
-          </a:p>
-          <a:p>
-            <a:r>
-              <a:rPr lang="en-US" dirty="0" smtClean="0"/>
-              <a:t>Versions 1, 2, and 3 came out in rapid succession, from 1997 to 1999</a:t>
-            </a:r>
-          </a:p>
-        </p:txBody>
-      </p:sp>
-      <p:sp>
-        <p:nvSpPr>
-          <p:cNvPr id="4" name="Footer Placeholder 3"/>
-          <p:cNvSpPr>
-            <a:spLocks noGrp="1"/>
-          </p:cNvSpPr>
-          <p:nvPr>
-            <p:ph type="ftr" sz="quarter" idx="11"/>
-          </p:nvPr>
-        </p:nvSpPr>
-        <p:spPr/>
-        <p:txBody>
-          <a:bodyPr/>
-          <a:lstStyle/>
-          <a:p>
-            <a:r>
-              <a:rPr lang="en-US" dirty="0" smtClean="0"/>
-              <a:t>1 - https://mail.mozilla.org/pipermail/es-discuss/2006-October/000133.html</a:t>
-            </a:r>
+              <a:t>Jscript</a:t>
+            </a:r>
+          </a:p>
+          <a:p>
+            <a:pPr lvl="1"/>
+            <a:r>
+              <a:rPr lang="en-US" dirty="0" smtClean="0"/>
+              <a:t>Reimplementation </a:t>
+            </a:r>
+            <a:r>
+              <a:rPr lang="en-US" dirty="0"/>
+              <a:t>of JavaScript for IE 3.0</a:t>
+            </a:r>
+          </a:p>
+          <a:p>
+            <a:r>
+              <a:rPr lang="en-US" dirty="0" smtClean="0"/>
+              <a:t>Microsoft and Netscape compete to add new and better features to the </a:t>
+            </a:r>
+            <a:r>
+              <a:rPr lang="en-US" dirty="0" smtClean="0"/>
+              <a:t>language</a:t>
+            </a:r>
+          </a:p>
+          <a:p>
+            <a:pPr lvl="1"/>
+            <a:r>
+              <a:rPr lang="en-US" dirty="0" smtClean="0"/>
+              <a:t>“Browser Wars”</a:t>
+            </a:r>
+            <a:endParaRPr lang="en-US" dirty="0" smtClean="0"/>
+          </a:p>
+          <a:p>
+            <a:pPr lvl="1"/>
+            <a:r>
+              <a:rPr lang="en-US" dirty="0" smtClean="0"/>
+              <a:t>Leads to incompatibilities and chaos</a:t>
+            </a:r>
+          </a:p>
+          <a:p>
+            <a:pPr lvl="1"/>
+            <a:r>
+              <a:rPr lang="en-US" dirty="0"/>
+              <a:t>Microsoft’s first incompatibility fixed the Y2K problem</a:t>
+            </a:r>
+          </a:p>
+          <a:p>
             <a:endParaRPr lang="en-US" dirty="0"/>
           </a:p>
         </p:txBody>
@@ -13761,7 +14184,7 @@
     </p:spTree>
     <p:extLst>
       <p:ext uri="{BB962C8B-B14F-4D97-AF65-F5344CB8AC3E}">
-        <p14:creationId xmlns:p14="http://schemas.microsoft.com/office/powerpoint/2010/main" val="1311961131"/>
+        <p14:creationId xmlns:p14="http://schemas.microsoft.com/office/powerpoint/2010/main" val="1775283105"/>
       </p:ext>
     </p:extLst>
   </p:cSld>
@@ -13805,7 +14228,7 @@
           <a:p>
             <a:r>
               <a:rPr lang="en-US" dirty="0" smtClean="0"/>
-              <a:t>React</a:t>
+              <a:t>Discriminated Union Types</a:t>
             </a:r>
             <a:endParaRPr lang="en-US" dirty="0"/>
           </a:p>
@@ -13830,75 +14253,48 @@
           <a:p>
             <a:r>
               <a:rPr lang="en-US" dirty="0" smtClean="0"/>
-              <a:t>Web UI library created by Facebook</a:t>
-            </a:r>
-          </a:p>
-          <a:p>
-            <a:r>
-              <a:rPr lang="en-US" dirty="0" smtClean="0"/>
-              <a:t>Fully open source</a:t>
-            </a:r>
-          </a:p>
-          <a:p>
-            <a:r>
-              <a:rPr lang="en-US" dirty="0" smtClean="0"/>
-              <a:t>Not a “framework”</a:t>
-            </a:r>
-          </a:p>
-          <a:p>
-            <a:pPr lvl="1"/>
-            <a:r>
-              <a:rPr lang="en-US" dirty="0" smtClean="0"/>
-              <a:t>Lightweight</a:t>
-            </a:r>
-          </a:p>
-          <a:p>
-            <a:pPr lvl="1"/>
-            <a:r>
-              <a:rPr lang="en-US" dirty="0" smtClean="0"/>
-              <a:t>Only cares about UI</a:t>
-            </a:r>
-          </a:p>
-          <a:p>
-            <a:pPr lvl="1"/>
-            <a:r>
-              <a:rPr lang="en-US" dirty="0" smtClean="0"/>
-              <a:t>Lets you figure everything else out</a:t>
-            </a:r>
-          </a:p>
-          <a:p>
-            <a:r>
-              <a:rPr lang="en-US" dirty="0" smtClean="0"/>
-              <a:t>Integrates HTML-like syntax within JS files, called “JSX”</a:t>
-            </a:r>
-          </a:p>
-          <a:p>
-            <a:r>
-              <a:rPr lang="en-US" dirty="0"/>
-              <a:t>Full compatibility with </a:t>
-            </a:r>
-            <a:r>
-              <a:rPr lang="en-US" dirty="0" err="1"/>
-              <a:t>TypeScript</a:t>
+              <a:t>Allows you to join several different types into a single type</a:t>
+            </a:r>
+          </a:p>
+          <a:p>
+            <a:r>
+              <a:rPr lang="en-US" dirty="0" smtClean="0"/>
+              <a:t>Shared properties between all will be available</a:t>
+            </a:r>
+          </a:p>
+          <a:p>
+            <a:r>
+              <a:rPr lang="en-US" dirty="0" smtClean="0"/>
+              <a:t>Differing properties will be unavailable</a:t>
+            </a:r>
+          </a:p>
+          <a:p>
+            <a:pPr lvl="1"/>
+            <a:r>
+              <a:rPr lang="en-US" dirty="0" smtClean="0"/>
+              <a:t>Until you “narrow” the type using type checks</a:t>
+            </a:r>
+          </a:p>
+          <a:p>
+            <a:pPr lvl="1"/>
+            <a:r>
+              <a:rPr lang="en-US" dirty="0" smtClean="0"/>
+              <a:t>Inference is very powerful here</a:t>
+            </a:r>
+          </a:p>
+          <a:p>
+            <a:r>
+              <a:rPr lang="en-US" dirty="0" smtClean="0"/>
+              <a:t>See Example 14</a:t>
             </a:r>
             <a:endParaRPr lang="en-US" dirty="0"/>
-          </a:p>
-          <a:p>
-            <a:r>
-              <a:rPr lang="en-US" dirty="0" err="1" smtClean="0"/>
-              <a:t>TypeScript</a:t>
-            </a:r>
-            <a:r>
-              <a:rPr lang="en-US" dirty="0" smtClean="0"/>
-              <a:t> variant is “TSX”</a:t>
-            </a:r>
           </a:p>
         </p:txBody>
       </p:sp>
     </p:spTree>
     <p:extLst>
       <p:ext uri="{BB962C8B-B14F-4D97-AF65-F5344CB8AC3E}">
-        <p14:creationId xmlns:p14="http://schemas.microsoft.com/office/powerpoint/2010/main" val="373183458"/>
+        <p14:creationId xmlns:p14="http://schemas.microsoft.com/office/powerpoint/2010/main" val="4072358933"/>
       </p:ext>
     </p:extLst>
   </p:cSld>
@@ -13966,66 +14362,76 @@
           <a:lstStyle/>
           <a:p>
             <a:r>
+              <a:rPr lang="en-US" dirty="0" smtClean="0"/>
+              <a:t>Web UI library created by Facebook</a:t>
+            </a:r>
+          </a:p>
+          <a:p>
+            <a:r>
+              <a:rPr lang="en-US" dirty="0" smtClean="0"/>
+              <a:t>Fully open source</a:t>
+            </a:r>
+          </a:p>
+          <a:p>
+            <a:r>
+              <a:rPr lang="en-US" dirty="0" smtClean="0"/>
+              <a:t>Not a “framework”</a:t>
+            </a:r>
+          </a:p>
+          <a:p>
+            <a:pPr lvl="1"/>
+            <a:r>
+              <a:rPr lang="en-US" dirty="0" smtClean="0"/>
+              <a:t>Lightweight</a:t>
+            </a:r>
+          </a:p>
+          <a:p>
+            <a:pPr lvl="1"/>
+            <a:r>
+              <a:rPr lang="en-US" dirty="0" smtClean="0"/>
+              <a:t>Only cares about UI</a:t>
+            </a:r>
+          </a:p>
+          <a:p>
+            <a:pPr lvl="1"/>
+            <a:r>
+              <a:rPr lang="en-US" dirty="0" smtClean="0"/>
+              <a:t>Lets you figure everything else out</a:t>
+            </a:r>
+          </a:p>
+          <a:p>
+            <a:r>
+              <a:rPr lang="en-US" dirty="0" smtClean="0"/>
+              <a:t>Integrates HTML-like syntax within JS files, called “JSX”</a:t>
+            </a:r>
+          </a:p>
+          <a:p>
+            <a:r>
               <a:rPr lang="en-US" dirty="0"/>
-              <a:t>Easiest modern UI to </a:t>
-            </a:r>
-            <a:r>
-              <a:rPr lang="en-US" dirty="0" smtClean="0"/>
-              <a:t>learn</a:t>
-            </a:r>
-          </a:p>
-          <a:p>
-            <a:r>
-              <a:rPr lang="en-US" dirty="0" smtClean="0"/>
-              <a:t>Encourages separation of state and code</a:t>
-            </a:r>
-          </a:p>
-          <a:p>
-            <a:pPr lvl="1"/>
-            <a:r>
-              <a:rPr lang="en-US" dirty="0" smtClean="0"/>
-              <a:t>Enforces a much cleaner paradigm</a:t>
-            </a:r>
-          </a:p>
-          <a:p>
-            <a:pPr lvl="1"/>
-            <a:r>
-              <a:rPr lang="en-US" dirty="0" smtClean="0"/>
-              <a:t>Prevents the jQuery “spaghetti problem”</a:t>
-            </a:r>
-          </a:p>
-          <a:p>
-            <a:r>
-              <a:rPr lang="en-US" dirty="0" smtClean="0"/>
-              <a:t>Since views are built into JS, simple bundling and deployment story</a:t>
-            </a:r>
-          </a:p>
-          <a:p>
-            <a:r>
-              <a:rPr lang="en-US" dirty="0" smtClean="0"/>
-              <a:t>An entire session can be held explaining this technology</a:t>
-            </a:r>
-          </a:p>
-          <a:p>
-            <a:pPr lvl="1"/>
-            <a:r>
-              <a:rPr lang="en-US" dirty="0" smtClean="0"/>
-              <a:t>This is just a taste</a:t>
-            </a:r>
-          </a:p>
-          <a:p>
-            <a:r>
-              <a:rPr lang="en-US" dirty="0" smtClean="0"/>
-              <a:t>See Example 16</a:t>
+              <a:t>Full compatibility with </a:t>
+            </a:r>
+            <a:r>
+              <a:rPr lang="en-US" dirty="0" err="1"/>
+              <a:t>TypeScript</a:t>
             </a:r>
             <a:endParaRPr lang="en-US" dirty="0"/>
+          </a:p>
+          <a:p>
+            <a:r>
+              <a:rPr lang="en-US" dirty="0" err="1" smtClean="0"/>
+              <a:t>TypeScript</a:t>
+            </a:r>
+            <a:r>
+              <a:rPr lang="en-US" dirty="0" smtClean="0"/>
+              <a:t> variant is “TSX”</a:t>
+            </a:r>
           </a:p>
         </p:txBody>
       </p:sp>
     </p:spTree>
     <p:extLst>
       <p:ext uri="{BB962C8B-B14F-4D97-AF65-F5344CB8AC3E}">
-        <p14:creationId xmlns:p14="http://schemas.microsoft.com/office/powerpoint/2010/main" val="1237251001"/>
+        <p14:creationId xmlns:p14="http://schemas.microsoft.com/office/powerpoint/2010/main" val="373183458"/>
       </p:ext>
     </p:extLst>
   </p:cSld>
@@ -14054,6 +14460,133 @@
       </p:grpSpPr>
       <p:sp>
         <p:nvSpPr>
+          <p:cNvPr id="2" name="Title 1"/>
+          <p:cNvSpPr>
+            <a:spLocks noGrp="1"/>
+          </p:cNvSpPr>
+          <p:nvPr>
+            <p:ph type="title"/>
+          </p:nvPr>
+        </p:nvSpPr>
+        <p:spPr/>
+        <p:txBody>
+          <a:bodyPr/>
+          <a:lstStyle/>
+          <a:p>
+            <a:r>
+              <a:rPr lang="en-US" dirty="0" smtClean="0"/>
+              <a:t>React</a:t>
+            </a:r>
+            <a:endParaRPr lang="en-US" dirty="0"/>
+          </a:p>
+        </p:txBody>
+      </p:sp>
+      <p:sp>
+        <p:nvSpPr>
+          <p:cNvPr id="3" name="Content Placeholder 2"/>
+          <p:cNvSpPr>
+            <a:spLocks noGrp="1"/>
+          </p:cNvSpPr>
+          <p:nvPr>
+            <p:ph idx="1"/>
+          </p:nvPr>
+        </p:nvSpPr>
+        <p:spPr/>
+        <p:txBody>
+          <a:bodyPr>
+            <a:normAutofit/>
+          </a:bodyPr>
+          <a:lstStyle/>
+          <a:p>
+            <a:r>
+              <a:rPr lang="en-US" dirty="0"/>
+              <a:t>Easiest modern UI to </a:t>
+            </a:r>
+            <a:r>
+              <a:rPr lang="en-US" dirty="0" smtClean="0"/>
+              <a:t>learn</a:t>
+            </a:r>
+          </a:p>
+          <a:p>
+            <a:r>
+              <a:rPr lang="en-US" dirty="0" smtClean="0"/>
+              <a:t>Encourages separation of state and code</a:t>
+            </a:r>
+          </a:p>
+          <a:p>
+            <a:pPr lvl="1"/>
+            <a:r>
+              <a:rPr lang="en-US" dirty="0" smtClean="0"/>
+              <a:t>Enforces a much cleaner paradigm</a:t>
+            </a:r>
+          </a:p>
+          <a:p>
+            <a:pPr lvl="1"/>
+            <a:r>
+              <a:rPr lang="en-US" dirty="0" smtClean="0"/>
+              <a:t>Prevents the jQuery “spaghetti problem”</a:t>
+            </a:r>
+          </a:p>
+          <a:p>
+            <a:r>
+              <a:rPr lang="en-US" dirty="0" smtClean="0"/>
+              <a:t>Since views are built into JS, simple bundling and deployment story</a:t>
+            </a:r>
+          </a:p>
+          <a:p>
+            <a:r>
+              <a:rPr lang="en-US" dirty="0" smtClean="0"/>
+              <a:t>An entire session can be held explaining this technology</a:t>
+            </a:r>
+          </a:p>
+          <a:p>
+            <a:pPr lvl="1"/>
+            <a:r>
+              <a:rPr lang="en-US" dirty="0" smtClean="0"/>
+              <a:t>This is just a taste</a:t>
+            </a:r>
+          </a:p>
+          <a:p>
+            <a:r>
+              <a:rPr lang="en-US" dirty="0" smtClean="0"/>
+              <a:t>See Example 16</a:t>
+            </a:r>
+            <a:endParaRPr lang="en-US" dirty="0"/>
+          </a:p>
+        </p:txBody>
+      </p:sp>
+    </p:spTree>
+    <p:extLst>
+      <p:ext uri="{BB962C8B-B14F-4D97-AF65-F5344CB8AC3E}">
+        <p14:creationId xmlns:p14="http://schemas.microsoft.com/office/powerpoint/2010/main" val="1237251001"/>
+      </p:ext>
+    </p:extLst>
+  </p:cSld>
+  <p:clrMapOvr>
+    <a:masterClrMapping/>
+  </p:clrMapOvr>
+</p:sld>
+</file>
+
+<file path=ppt/slides/slide63.xml><?xml version="1.0" encoding="utf-8"?>
+<p:sld xmlns:a="http://schemas.openxmlformats.org/drawingml/2006/main" xmlns:r="http://schemas.openxmlformats.org/officeDocument/2006/relationships" xmlns:p="http://schemas.openxmlformats.org/presentationml/2006/main">
+  <p:cSld>
+    <p:spTree>
+      <p:nvGrpSpPr>
+        <p:cNvPr id="1" name=""/>
+        <p:cNvGrpSpPr/>
+        <p:nvPr/>
+      </p:nvGrpSpPr>
+      <p:grpSpPr>
+        <a:xfrm>
+          <a:off x="0" y="0"/>
+          <a:ext cx="0" cy="0"/>
+          <a:chOff x="0" y="0"/>
+          <a:chExt cx="0" cy="0"/>
+        </a:xfrm>
+      </p:grpSpPr>
+      <p:sp>
+        <p:nvSpPr>
           <p:cNvPr id="3" name="Content Placeholder 2"/>
           <p:cNvSpPr>
             <a:spLocks noGrp="1"/>
@@ -14098,7 +14631,7 @@
 </p:sld>
 </file>
 
-<file path=ppt/slides/slide63.xml><?xml version="1.0" encoding="utf-8"?>
+<file path=ppt/slides/slide64.xml><?xml version="1.0" encoding="utf-8"?>
 <p:sld xmlns:a="http://schemas.openxmlformats.org/drawingml/2006/main" xmlns:r="http://schemas.openxmlformats.org/officeDocument/2006/relationships" xmlns:p="http://schemas.openxmlformats.org/presentationml/2006/main">
   <p:cSld>
     <p:spTree>
@@ -14195,7 +14728,7 @@
           <a:p>
             <a:r>
               <a:rPr lang="en-US" dirty="0" smtClean="0"/>
-              <a:t>Stagnation (1999-2008)</a:t>
+              <a:t>Standardization (1997)</a:t>
             </a:r>
             <a:endParaRPr lang="en-US" dirty="0"/>
           </a:p>
@@ -14213,101 +14746,138 @@
         </p:nvSpPr>
         <p:spPr/>
         <p:txBody>
-          <a:bodyPr>
-            <a:normAutofit/>
-          </a:bodyPr>
-          <a:lstStyle/>
-          <a:p>
-            <a:r>
-              <a:rPr lang="en-US" dirty="0"/>
-              <a:t>For a while, JS </a:t>
-            </a:r>
-            <a:r>
-              <a:rPr lang="en-US" dirty="0" smtClean="0"/>
-              <a:t>was used </a:t>
-            </a:r>
-            <a:r>
-              <a:rPr lang="en-US" dirty="0"/>
-              <a:t>mainly to make webpages more </a:t>
-            </a:r>
-            <a:r>
-              <a:rPr lang="en-US" dirty="0" smtClean="0"/>
-              <a:t>annoying</a:t>
-            </a:r>
-          </a:p>
-          <a:p>
-            <a:r>
-              <a:rPr lang="en-US" dirty="0" smtClean="0"/>
-              <a:t>Most people did not see a use for it</a:t>
-            </a:r>
-          </a:p>
-          <a:p>
-            <a:r>
-              <a:rPr lang="en-US" dirty="0" smtClean="0"/>
-              <a:t>Compatibility and speed problems prompted browser-plugin alternatives, like Shockwave, Flash, and eventually Silverlight</a:t>
-            </a:r>
-          </a:p>
-          <a:p>
-            <a:r>
-              <a:rPr lang="en-US" dirty="0" smtClean="0"/>
-              <a:t>Microsoft won the Browser Wars as Netscape floundered</a:t>
-            </a:r>
-          </a:p>
-          <a:p>
-            <a:r>
-              <a:rPr lang="en-US" dirty="0" smtClean="0"/>
-              <a:t>Infighting in TC-39 prevented ECMAScript 4 from being finalized</a:t>
-            </a:r>
-          </a:p>
-          <a:p>
-            <a:pPr lvl="1"/>
-            <a:r>
-              <a:rPr lang="en-US" dirty="0" smtClean="0"/>
-              <a:t>Microsoft added </a:t>
+          <a:bodyPr/>
+          <a:lstStyle/>
+          <a:p>
+            <a:r>
+              <a:rPr lang="en-US" b="1" dirty="0"/>
+              <a:t>European Computer Manufacturers </a:t>
+            </a:r>
+            <a:r>
+              <a:rPr lang="en-US" b="1" dirty="0" smtClean="0"/>
+              <a:t>Association </a:t>
+            </a:r>
+            <a:r>
+              <a:rPr lang="en-US" dirty="0" smtClean="0"/>
+              <a:t>(ECMA)</a:t>
+            </a:r>
+            <a:r>
+              <a:rPr lang="en-US" b="1" dirty="0" smtClean="0"/>
+              <a:t> </a:t>
+            </a:r>
+            <a:r>
+              <a:rPr lang="en-US" dirty="0" smtClean="0"/>
+              <a:t>steps in and decides JS needs to be standardized</a:t>
+            </a:r>
+          </a:p>
+          <a:p>
+            <a:r>
+              <a:rPr lang="en-US" dirty="0" smtClean="0"/>
+              <a:t>Sun refuses to let them use the name Java™</a:t>
+            </a:r>
+          </a:p>
+          <a:p>
+            <a:r>
+              <a:rPr lang="en-US" dirty="0" smtClean="0"/>
+              <a:t>JS standardized by TC-39 under name </a:t>
+            </a:r>
+            <a:r>
+              <a:rPr lang="en-US" b="1" dirty="0" smtClean="0"/>
+              <a:t>ECMAScript</a:t>
+            </a:r>
+            <a:r>
+              <a:rPr lang="en-US" dirty="0" smtClean="0"/>
+              <a:t> (pronounced </a:t>
             </a:r>
             <a:r>
               <a:rPr lang="en-US" i="1" dirty="0" smtClean="0"/>
-              <a:t>Type Annotations</a:t>
-            </a:r>
-            <a:r>
-              <a:rPr lang="en-US" dirty="0" smtClean="0"/>
-              <a:t>, which turned into JScript.NET</a:t>
-            </a:r>
-          </a:p>
-          <a:p>
-            <a:pPr lvl="1"/>
-            <a:r>
-              <a:rPr lang="en-US" dirty="0" smtClean="0"/>
-              <a:t>Macromedia added </a:t>
+              <a:t>Eck-</a:t>
+            </a:r>
+            <a:r>
+              <a:rPr lang="en-US" i="1" dirty="0" err="1" smtClean="0"/>
+              <a:t>muh</a:t>
             </a:r>
             <a:r>
               <a:rPr lang="en-US" i="1" dirty="0" smtClean="0"/>
-              <a:t>Actions</a:t>
-            </a:r>
-            <a:r>
-              <a:rPr lang="en-US" dirty="0" smtClean="0"/>
-              <a:t>, which appeared in ActionScript 2.0</a:t>
-            </a:r>
-          </a:p>
-          <a:p>
-            <a:pPr lvl="1"/>
-            <a:r>
-              <a:rPr lang="en-US" dirty="0" smtClean="0"/>
-              <a:t>Many other members strongly disagreed</a:t>
-            </a:r>
-          </a:p>
-          <a:p>
-            <a:r>
-              <a:rPr lang="en-US" dirty="0" smtClean="0"/>
-              <a:t>By 2003, TC-39 stopped meeting, signaling the death of JavaScript	</a:t>
-            </a:r>
+              <a:t>-script</a:t>
+            </a:r>
+            <a:r>
+              <a:rPr lang="en-US" dirty="0" smtClean="0"/>
+              <a:t>)</a:t>
+            </a:r>
+          </a:p>
+          <a:p>
+            <a:pPr lvl="1"/>
+            <a:r>
+              <a:rPr lang="en-US" dirty="0" smtClean="0"/>
+              <a:t>Which </a:t>
+            </a:r>
+            <a:r>
+              <a:rPr lang="en-US" dirty="0" smtClean="0"/>
+              <a:t>nobody </a:t>
+            </a:r>
+            <a:r>
+              <a:rPr lang="en-US" dirty="0" smtClean="0"/>
+              <a:t>has </a:t>
+            </a:r>
+            <a:r>
+              <a:rPr lang="en-US" dirty="0" smtClean="0"/>
+              <a:t>ever used</a:t>
+            </a:r>
+          </a:p>
+          <a:p>
+            <a:r>
+              <a:rPr lang="en-US" dirty="0" smtClean="0"/>
+              <a:t>According to </a:t>
+            </a:r>
+            <a:r>
+              <a:rPr lang="en-US" dirty="0" err="1" smtClean="0"/>
+              <a:t>Eich</a:t>
+            </a:r>
+            <a:r>
+              <a:rPr lang="en-US" dirty="0" smtClean="0"/>
+              <a:t>, ECMAScript “sounds like a skin disease” </a:t>
+            </a:r>
+            <a:r>
+              <a:rPr lang="en-US" baseline="70000" dirty="0" smtClean="0"/>
+              <a:t>1</a:t>
+            </a:r>
+          </a:p>
+          <a:p>
+            <a:r>
+              <a:rPr lang="en-US" dirty="0" smtClean="0"/>
+              <a:t>Versions 1, 2, and 3 came out in rapid succession, from 1997 to 1999</a:t>
+            </a:r>
+          </a:p>
+        </p:txBody>
+      </p:sp>
+      <p:sp>
+        <p:nvSpPr>
+          <p:cNvPr id="4" name="Footer Placeholder 3"/>
+          <p:cNvSpPr>
+            <a:spLocks noGrp="1"/>
+          </p:cNvSpPr>
+          <p:nvPr>
+            <p:ph type="ftr" sz="quarter" idx="11"/>
+          </p:nvPr>
+        </p:nvSpPr>
+        <p:spPr/>
+        <p:txBody>
+          <a:bodyPr/>
+          <a:lstStyle/>
+          <a:p>
+            <a:r>
+              <a:rPr lang="en-US" dirty="0" smtClean="0"/>
+              <a:t>1 - https://mail.mozilla.org/pipermail/es-discuss/2006-October/000133.html</a:t>
+            </a:r>
+            <a:endParaRPr lang="en-US" dirty="0"/>
           </a:p>
         </p:txBody>
       </p:sp>
     </p:spTree>
     <p:extLst>
       <p:ext uri="{BB962C8B-B14F-4D97-AF65-F5344CB8AC3E}">
-        <p14:creationId xmlns:p14="http://schemas.microsoft.com/office/powerpoint/2010/main" val="3426579328"/>
+        <p14:creationId xmlns:p14="http://schemas.microsoft.com/office/powerpoint/2010/main" val="1311961131"/>
       </p:ext>
     </p:extLst>
   </p:cSld>
@@ -14350,23 +14920,8 @@
           <a:lstStyle/>
           <a:p>
             <a:r>
-              <a:rPr lang="en-US" dirty="0" err="1" smtClean="0"/>
-              <a:t>Javascript</a:t>
-            </a:r>
-            <a:r>
-              <a:rPr lang="en-US" dirty="0" smtClean="0"/>
-              <a:t> is dead</a:t>
-            </a:r>
-            <a:br>
-              <a:rPr lang="en-US" dirty="0" smtClean="0"/>
-            </a:br>
-            <a:r>
-              <a:rPr lang="en-US" dirty="0" smtClean="0"/>
-              <a:t>Long live </a:t>
-            </a:r>
-            <a:r>
-              <a:rPr lang="en-US" dirty="0" err="1" smtClean="0"/>
-              <a:t>Javascript</a:t>
+              <a:rPr lang="en-US" dirty="0" smtClean="0"/>
+              <a:t>Stagnation (1999-2008)</a:t>
             </a:r>
             <a:endParaRPr lang="en-US" dirty="0"/>
           </a:p>
@@ -14384,105 +14939,127 @@
         </p:nvSpPr>
         <p:spPr/>
         <p:txBody>
-          <a:bodyPr/>
-          <a:lstStyle/>
-          <a:p>
-            <a:r>
-              <a:rPr lang="en-US" dirty="0" smtClean="0"/>
-              <a:t>In 1999, Microsoft accidentally sowed the seeds to reinvigorate JavaScript by inventing </a:t>
-            </a:r>
-            <a:r>
-              <a:rPr lang="en-US" dirty="0" err="1" smtClean="0"/>
-              <a:t>XMLHttpRequest</a:t>
-            </a:r>
-            <a:endParaRPr lang="en-US" dirty="0"/>
-          </a:p>
-          <a:p>
-            <a:r>
-              <a:rPr lang="en-US" dirty="0" smtClean="0"/>
-              <a:t>Allowed browsers to </a:t>
+          <a:bodyPr>
+            <a:normAutofit fontScale="92500" lnSpcReduction="10000"/>
+          </a:bodyPr>
+          <a:lstStyle/>
+          <a:p>
+            <a:r>
+              <a:rPr lang="en-US" dirty="0" smtClean="0"/>
+              <a:t>JS </a:t>
+            </a:r>
+            <a:r>
+              <a:rPr lang="en-US" dirty="0" smtClean="0"/>
+              <a:t>was used </a:t>
             </a:r>
             <a:r>
               <a:rPr lang="en-US" dirty="0"/>
-              <a:t>natively </a:t>
-            </a:r>
-            <a:r>
-              <a:rPr lang="en-US" dirty="0" smtClean="0"/>
-              <a:t>retrieve data dynamically for the first time</a:t>
-            </a:r>
-          </a:p>
-          <a:p>
-            <a:r>
-              <a:rPr lang="en-US" dirty="0" smtClean="0"/>
-              <a:t>Feature ignored for years</a:t>
-            </a:r>
-          </a:p>
-          <a:p>
-            <a:r>
-              <a:rPr lang="en-US" dirty="0" smtClean="0"/>
-              <a:t>Programming method</a:t>
-            </a:r>
-            <a:r>
-              <a:rPr lang="en-US" b="1" i="1" dirty="0"/>
-              <a:t> </a:t>
-            </a:r>
-            <a:r>
-              <a:rPr lang="en-US" b="1" dirty="0" smtClean="0"/>
-              <a:t>Asynchronous </a:t>
-            </a:r>
-            <a:r>
-              <a:rPr lang="en-US" b="1" dirty="0" err="1" smtClean="0"/>
-              <a:t>Javascript</a:t>
-            </a:r>
-            <a:r>
-              <a:rPr lang="en-US" b="1" dirty="0" smtClean="0"/>
-              <a:t> and XML</a:t>
-            </a:r>
-            <a:r>
-              <a:rPr lang="en-US" dirty="0" smtClean="0"/>
-              <a:t> (AJAX) hits the mainstream as people </a:t>
-            </a:r>
-            <a:r>
-              <a:rPr lang="en-US" dirty="0" err="1" smtClean="0"/>
-              <a:t>realise</a:t>
-            </a:r>
-            <a:r>
-              <a:rPr lang="en-US" dirty="0" smtClean="0"/>
-              <a:t> what can be done with </a:t>
-            </a:r>
-            <a:r>
-              <a:rPr lang="en-US" dirty="0" err="1" smtClean="0"/>
-              <a:t>XMLHttpRequest</a:t>
+              <a:t>mainly to make webpages more </a:t>
+            </a:r>
+            <a:r>
+              <a:rPr lang="en-US" dirty="0" smtClean="0"/>
+              <a:t>annoying</a:t>
+            </a:r>
+          </a:p>
+          <a:p>
+            <a:r>
+              <a:rPr lang="en-US" dirty="0" smtClean="0"/>
+              <a:t>Most people did not see a use for it</a:t>
+            </a:r>
+          </a:p>
+          <a:p>
+            <a:r>
+              <a:rPr lang="en-US" dirty="0" smtClean="0"/>
+              <a:t>Compatibility and speed problems prompted browser-plugin </a:t>
+            </a:r>
+            <a:r>
+              <a:rPr lang="en-US" dirty="0" smtClean="0"/>
+              <a:t>alternatives</a:t>
+            </a:r>
+          </a:p>
+          <a:p>
+            <a:pPr lvl="1"/>
+            <a:r>
+              <a:rPr lang="en-US" dirty="0" smtClean="0"/>
+              <a:t>Shockwave</a:t>
+            </a:r>
+          </a:p>
+          <a:p>
+            <a:pPr lvl="1"/>
+            <a:r>
+              <a:rPr lang="en-US" dirty="0" smtClean="0"/>
+              <a:t>Flash</a:t>
+            </a:r>
+          </a:p>
+          <a:p>
+            <a:pPr lvl="1"/>
+            <a:r>
+              <a:rPr lang="en-US" dirty="0" smtClean="0"/>
+              <a:t>Silverlight</a:t>
             </a:r>
             <a:endParaRPr lang="en-US" dirty="0" smtClean="0"/>
           </a:p>
           <a:p>
             <a:r>
               <a:rPr lang="en-US" dirty="0" smtClean="0"/>
-              <a:t>Gmail and Google Maps impresses everyone and launches a new interest in JavaScript</a:t>
-            </a:r>
-          </a:p>
-          <a:p>
-            <a:r>
-              <a:rPr lang="en-US" dirty="0" smtClean="0"/>
-              <a:t>Smartphones announce no plugins, killing Flash and dooming Silverlight</a:t>
-            </a:r>
-          </a:p>
-          <a:p>
-            <a:r>
-              <a:rPr lang="en-US" dirty="0" smtClean="0"/>
-              <a:t>AJAX becomes the new normal</a:t>
-            </a:r>
-          </a:p>
-          <a:p>
-            <a:endParaRPr lang="en-US" dirty="0"/>
+              <a:t>Microsoft won the Browser Wars as Netscape floundered</a:t>
+            </a:r>
+          </a:p>
+          <a:p>
+            <a:r>
+              <a:rPr lang="en-US" dirty="0" smtClean="0"/>
+              <a:t>Infighting in TC-39 prevented ECMAScript 4 from being finalized</a:t>
+            </a:r>
+          </a:p>
+          <a:p>
+            <a:pPr lvl="1"/>
+            <a:r>
+              <a:rPr lang="en-US" dirty="0" smtClean="0"/>
+              <a:t>Microsoft added </a:t>
+            </a:r>
+            <a:r>
+              <a:rPr lang="en-US" i="1" dirty="0" smtClean="0"/>
+              <a:t>Type Annotations</a:t>
+            </a:r>
+            <a:r>
+              <a:rPr lang="en-US" dirty="0" smtClean="0"/>
+              <a:t>, which turned into JScript.NET</a:t>
+            </a:r>
+          </a:p>
+          <a:p>
+            <a:pPr lvl="1"/>
+            <a:r>
+              <a:rPr lang="en-US" dirty="0" smtClean="0"/>
+              <a:t>Macromedia added </a:t>
+            </a:r>
+            <a:r>
+              <a:rPr lang="en-US" i="1" dirty="0" smtClean="0"/>
+              <a:t>Actions</a:t>
+            </a:r>
+            <a:r>
+              <a:rPr lang="en-US" dirty="0" smtClean="0"/>
+              <a:t>, which appeared in ActionScript 2.0</a:t>
+            </a:r>
+          </a:p>
+          <a:p>
+            <a:pPr lvl="1"/>
+            <a:r>
+              <a:rPr lang="en-US" dirty="0" smtClean="0"/>
+              <a:t>Many other members strongly disagreed</a:t>
+            </a:r>
+          </a:p>
+          <a:p>
+            <a:r>
+              <a:rPr lang="en-US" dirty="0" smtClean="0"/>
+              <a:t>By 2003, TC-39 stopped meeting, signaling the death of JavaScript	</a:t>
+            </a:r>
           </a:p>
         </p:txBody>
       </p:sp>
     </p:spTree>
     <p:extLst>
       <p:ext uri="{BB962C8B-B14F-4D97-AF65-F5344CB8AC3E}">
-        <p14:creationId xmlns:p14="http://schemas.microsoft.com/office/powerpoint/2010/main" val="137060877"/>
+        <p14:creationId xmlns:p14="http://schemas.microsoft.com/office/powerpoint/2010/main" val="3426579328"/>
       </p:ext>
     </p:extLst>
   </p:cSld>
@@ -14525,8 +15102,23 @@
           <a:lstStyle/>
           <a:p>
             <a:r>
-              <a:rPr lang="en-US" dirty="0" smtClean="0"/>
-              <a:t>Presently (2008+)</a:t>
+              <a:rPr lang="en-US" dirty="0" err="1" smtClean="0"/>
+              <a:t>Javascript</a:t>
+            </a:r>
+            <a:r>
+              <a:rPr lang="en-US" dirty="0" smtClean="0"/>
+              <a:t> is dead</a:t>
+            </a:r>
+            <a:br>
+              <a:rPr lang="en-US" dirty="0" smtClean="0"/>
+            </a:br>
+            <a:r>
+              <a:rPr lang="en-US" dirty="0" smtClean="0"/>
+              <a:t>Long live </a:t>
+            </a:r>
+            <a:r>
+              <a:rPr lang="en-US" dirty="0" err="1" smtClean="0"/>
+              <a:t>Javascript</a:t>
             </a:r>
             <a:endParaRPr lang="en-US" dirty="0"/>
           </a:p>
@@ -14551,67 +15143,133 @@
           <a:p>
             <a:r>
               <a:rPr lang="en-US" dirty="0" smtClean="0"/>
-              <a:t>ECMAScript 5 is released in 2009, after 10 years of silence</a:t>
-            </a:r>
-          </a:p>
-          <a:p>
-            <a:pPr lvl="1"/>
-            <a:r>
-              <a:rPr lang="en-US" dirty="0" smtClean="0"/>
-              <a:t>ECMAScript 4 was completely abandoned</a:t>
-            </a:r>
-          </a:p>
-          <a:p>
-            <a:r>
-              <a:rPr lang="en-US" dirty="0" smtClean="0"/>
-              <a:t>Web </a:t>
-            </a:r>
-            <a:r>
-              <a:rPr lang="en-US" dirty="0" err="1" smtClean="0"/>
-              <a:t>Browers</a:t>
-            </a:r>
-            <a:r>
-              <a:rPr lang="en-US" dirty="0" smtClean="0"/>
-              <a:t> are now “evergreen”, and implement small forced upgrades every few weeks or months</a:t>
-            </a:r>
-          </a:p>
-          <a:p>
-            <a:r>
-              <a:rPr lang="en-US" dirty="0" smtClean="0"/>
-              <a:t>TC-39 now releases smaller versions of ECMAScript yearly</a:t>
-            </a:r>
-          </a:p>
-          <a:p>
-            <a:r>
-              <a:rPr lang="en-US" dirty="0" smtClean="0"/>
-              <a:t>JavaScript is shaping up to be one of the most advanced languages in existence</a:t>
-            </a:r>
-          </a:p>
-          <a:p>
-            <a:r>
-              <a:rPr lang="en-US" dirty="0" smtClean="0"/>
-              <a:t>Unfortunately one of the most complex as well</a:t>
-            </a:r>
-          </a:p>
-          <a:p>
-            <a:pPr lvl="1"/>
-            <a:r>
-              <a:rPr lang="en-US" dirty="0" smtClean="0"/>
-              <a:t>Retains full backwards compatibility with 23+ years of baggage and bad ideas</a:t>
-            </a:r>
-          </a:p>
-          <a:p>
-            <a:r>
-              <a:rPr lang="en-US" dirty="0" smtClean="0"/>
-              <a:t>Still no Type System!</a:t>
-            </a:r>
-          </a:p>
-          <a:p>
-            <a:pPr lvl="1"/>
-            <a:r>
-              <a:rPr lang="en-US" dirty="0" smtClean="0"/>
-              <a:t>And there never will be</a:t>
-            </a:r>
+              <a:t>In 1999, Microsoft </a:t>
+            </a:r>
+            <a:r>
+              <a:rPr lang="en-US" dirty="0" smtClean="0"/>
+              <a:t>invented </a:t>
+            </a:r>
+            <a:r>
+              <a:rPr lang="en-US" b="1" dirty="0" err="1" smtClean="0"/>
+              <a:t>XMLHttpRequest</a:t>
+            </a:r>
+            <a:endParaRPr lang="en-US" b="1" dirty="0" smtClean="0"/>
+          </a:p>
+          <a:p>
+            <a:pPr lvl="1"/>
+            <a:r>
+              <a:rPr lang="en-US" dirty="0" smtClean="0"/>
+              <a:t>For Outlook email application</a:t>
+            </a:r>
+            <a:endParaRPr lang="en-US" dirty="0"/>
+          </a:p>
+          <a:p>
+            <a:pPr lvl="1"/>
+            <a:r>
+              <a:rPr lang="en-US" dirty="0" smtClean="0"/>
+              <a:t>Allowed browsers to </a:t>
+            </a:r>
+            <a:r>
+              <a:rPr lang="en-US" dirty="0"/>
+              <a:t>natively </a:t>
+            </a:r>
+            <a:r>
+              <a:rPr lang="en-US" dirty="0" smtClean="0"/>
+              <a:t>retrieve data dynamically for the first time</a:t>
+            </a:r>
+          </a:p>
+          <a:p>
+            <a:pPr lvl="1"/>
+            <a:r>
+              <a:rPr lang="en-US" dirty="0" smtClean="0"/>
+              <a:t>Feature </a:t>
+            </a:r>
+            <a:r>
+              <a:rPr lang="en-US" dirty="0" smtClean="0"/>
+              <a:t>completely ignored </a:t>
+            </a:r>
+            <a:r>
+              <a:rPr lang="en-US" dirty="0" smtClean="0"/>
+              <a:t>for years</a:t>
+            </a:r>
+          </a:p>
+          <a:p>
+            <a:r>
+              <a:rPr lang="en-US" dirty="0" smtClean="0"/>
+              <a:t>Around 2005,</a:t>
+            </a:r>
+            <a:r>
+              <a:rPr lang="en-US" b="1" dirty="0" smtClean="0"/>
+              <a:t> Asynchronous </a:t>
+            </a:r>
+            <a:r>
+              <a:rPr lang="en-US" b="1" dirty="0" err="1" smtClean="0"/>
+              <a:t>Javascript</a:t>
+            </a:r>
+            <a:r>
+              <a:rPr lang="en-US" b="1" dirty="0" smtClean="0"/>
+              <a:t> and XML</a:t>
+            </a:r>
+            <a:r>
+              <a:rPr lang="en-US" dirty="0" smtClean="0"/>
+              <a:t> (AJAX</a:t>
+            </a:r>
+            <a:r>
+              <a:rPr lang="en-US" dirty="0" smtClean="0"/>
+              <a:t>) method invented</a:t>
+            </a:r>
+            <a:endParaRPr lang="en-US" dirty="0" smtClean="0"/>
+          </a:p>
+          <a:p>
+            <a:r>
+              <a:rPr lang="en-US" dirty="0" smtClean="0"/>
+              <a:t>New killer web apps </a:t>
+            </a:r>
+            <a:r>
+              <a:rPr lang="en-US" dirty="0" smtClean="0"/>
+              <a:t>show off AJAX and reignite interest in JS</a:t>
+            </a:r>
+          </a:p>
+          <a:p>
+            <a:pPr lvl="1"/>
+            <a:r>
+              <a:rPr lang="en-US" dirty="0" smtClean="0"/>
+              <a:t>Gmail</a:t>
+            </a:r>
+          </a:p>
+          <a:p>
+            <a:pPr lvl="1"/>
+            <a:r>
+              <a:rPr lang="en-US" dirty="0" smtClean="0"/>
+              <a:t>Google Maps</a:t>
+            </a:r>
+            <a:endParaRPr lang="en-US" dirty="0" smtClean="0"/>
+          </a:p>
+          <a:p>
+            <a:r>
+              <a:rPr lang="en-US" dirty="0" smtClean="0"/>
+              <a:t>Smartphones </a:t>
+            </a:r>
+            <a:r>
+              <a:rPr lang="en-US" dirty="0" smtClean="0"/>
+              <a:t>and tablets kill browser plugins</a:t>
+            </a:r>
+          </a:p>
+          <a:p>
+            <a:pPr lvl="1"/>
+            <a:r>
+              <a:rPr lang="en-US" dirty="0" smtClean="0"/>
+              <a:t>Kills Flash and Silverlight</a:t>
+            </a:r>
+            <a:endParaRPr lang="en-US" dirty="0" smtClean="0"/>
+          </a:p>
+          <a:p>
+            <a:r>
+              <a:rPr lang="en-US" dirty="0" smtClean="0"/>
+              <a:t>AJAX becomes the new normal</a:t>
+            </a:r>
+          </a:p>
+          <a:p>
             <a:endParaRPr lang="en-US" dirty="0"/>
           </a:p>
         </p:txBody>
@@ -14619,7 +15277,7 @@
     </p:spTree>
     <p:extLst>
       <p:ext uri="{BB962C8B-B14F-4D97-AF65-F5344CB8AC3E}">
-        <p14:creationId xmlns:p14="http://schemas.microsoft.com/office/powerpoint/2010/main" val="1864523020"/>
+        <p14:creationId xmlns:p14="http://schemas.microsoft.com/office/powerpoint/2010/main" val="137060877"/>
       </p:ext>
     </p:extLst>
   </p:cSld>
